--- a/DocumentacaoProjeto/Protótipo_Visual.pptx
+++ b/DocumentacaoProjeto/Protótipo_Visual.pptx
@@ -278,7 +278,7 @@
           <a:p>
             <a:fld id="{ED8D6B47-35E8-4B74-A8BC-163E56BA4F07}" type="datetimeFigureOut">
               <a:rPr lang="pt-BR" smtClean="0"/>
-              <a:t>02/04/2020</a:t>
+              <a:t>04/04/2020</a:t>
             </a:fld>
             <a:endParaRPr lang="pt-BR"/>
           </a:p>
@@ -448,7 +448,7 @@
           <a:p>
             <a:fld id="{ED8D6B47-35E8-4B74-A8BC-163E56BA4F07}" type="datetimeFigureOut">
               <a:rPr lang="pt-BR" smtClean="0"/>
-              <a:t>02/04/2020</a:t>
+              <a:t>04/04/2020</a:t>
             </a:fld>
             <a:endParaRPr lang="pt-BR"/>
           </a:p>
@@ -628,7 +628,7 @@
           <a:p>
             <a:fld id="{ED8D6B47-35E8-4B74-A8BC-163E56BA4F07}" type="datetimeFigureOut">
               <a:rPr lang="pt-BR" smtClean="0"/>
-              <a:t>02/04/2020</a:t>
+              <a:t>04/04/2020</a:t>
             </a:fld>
             <a:endParaRPr lang="pt-BR"/>
           </a:p>
@@ -798,7 +798,7 @@
           <a:p>
             <a:fld id="{ED8D6B47-35E8-4B74-A8BC-163E56BA4F07}" type="datetimeFigureOut">
               <a:rPr lang="pt-BR" smtClean="0"/>
-              <a:t>02/04/2020</a:t>
+              <a:t>04/04/2020</a:t>
             </a:fld>
             <a:endParaRPr lang="pt-BR"/>
           </a:p>
@@ -1044,7 +1044,7 @@
           <a:p>
             <a:fld id="{ED8D6B47-35E8-4B74-A8BC-163E56BA4F07}" type="datetimeFigureOut">
               <a:rPr lang="pt-BR" smtClean="0"/>
-              <a:t>02/04/2020</a:t>
+              <a:t>04/04/2020</a:t>
             </a:fld>
             <a:endParaRPr lang="pt-BR"/>
           </a:p>
@@ -1276,7 +1276,7 @@
           <a:p>
             <a:fld id="{ED8D6B47-35E8-4B74-A8BC-163E56BA4F07}" type="datetimeFigureOut">
               <a:rPr lang="pt-BR" smtClean="0"/>
-              <a:t>02/04/2020</a:t>
+              <a:t>04/04/2020</a:t>
             </a:fld>
             <a:endParaRPr lang="pt-BR"/>
           </a:p>
@@ -1643,7 +1643,7 @@
           <a:p>
             <a:fld id="{ED8D6B47-35E8-4B74-A8BC-163E56BA4F07}" type="datetimeFigureOut">
               <a:rPr lang="pt-BR" smtClean="0"/>
-              <a:t>02/04/2020</a:t>
+              <a:t>04/04/2020</a:t>
             </a:fld>
             <a:endParaRPr lang="pt-BR"/>
           </a:p>
@@ -1761,7 +1761,7 @@
           <a:p>
             <a:fld id="{ED8D6B47-35E8-4B74-A8BC-163E56BA4F07}" type="datetimeFigureOut">
               <a:rPr lang="pt-BR" smtClean="0"/>
-              <a:t>02/04/2020</a:t>
+              <a:t>04/04/2020</a:t>
             </a:fld>
             <a:endParaRPr lang="pt-BR"/>
           </a:p>
@@ -1856,7 +1856,7 @@
           <a:p>
             <a:fld id="{ED8D6B47-35E8-4B74-A8BC-163E56BA4F07}" type="datetimeFigureOut">
               <a:rPr lang="pt-BR" smtClean="0"/>
-              <a:t>02/04/2020</a:t>
+              <a:t>04/04/2020</a:t>
             </a:fld>
             <a:endParaRPr lang="pt-BR"/>
           </a:p>
@@ -2133,7 +2133,7 @@
           <a:p>
             <a:fld id="{ED8D6B47-35E8-4B74-A8BC-163E56BA4F07}" type="datetimeFigureOut">
               <a:rPr lang="pt-BR" smtClean="0"/>
-              <a:t>02/04/2020</a:t>
+              <a:t>04/04/2020</a:t>
             </a:fld>
             <a:endParaRPr lang="pt-BR"/>
           </a:p>
@@ -2386,7 +2386,7 @@
           <a:p>
             <a:fld id="{ED8D6B47-35E8-4B74-A8BC-163E56BA4F07}" type="datetimeFigureOut">
               <a:rPr lang="pt-BR" smtClean="0"/>
-              <a:t>02/04/2020</a:t>
+              <a:t>04/04/2020</a:t>
             </a:fld>
             <a:endParaRPr lang="pt-BR"/>
           </a:p>
@@ -2599,7 +2599,7 @@
           <a:p>
             <a:fld id="{ED8D6B47-35E8-4B74-A8BC-163E56BA4F07}" type="datetimeFigureOut">
               <a:rPr lang="pt-BR" smtClean="0"/>
-              <a:t>02/04/2020</a:t>
+              <a:t>04/04/2020</a:t>
             </a:fld>
             <a:endParaRPr lang="pt-BR"/>
           </a:p>
@@ -3545,14 +3545,14 @@
             <p:ph idx="1"/>
             <p:extLst>
               <p:ext uri="{D42A27DB-BD31-4B8C-83A1-F6EECF244321}">
-                <p14:modId xmlns:p14="http://schemas.microsoft.com/office/powerpoint/2010/main" val="569304748"/>
+                <p14:modId xmlns:p14="http://schemas.microsoft.com/office/powerpoint/2010/main" val="3359333108"/>
               </p:ext>
             </p:extLst>
           </p:nvPr>
         </p:nvGraphicFramePr>
         <p:xfrm>
-          <a:off x="838200" y="2250626"/>
-          <a:ext cx="9245959" cy="3829189"/>
+          <a:off x="838200" y="1484626"/>
+          <a:ext cx="9245959" cy="4915178"/>
         </p:xfrm>
         <a:graphic>
           <a:graphicData uri="http://schemas.openxmlformats.org/drawingml/2006/table">
@@ -3969,10 +3969,248 @@
                   <a:tcPr/>
                 </a:tc>
               </a:tr>
+              <a:tr h="445909">
+                <a:tc>
+                  <a:txBody>
+                    <a:bodyPr/>
+                    <a:lstStyle/>
+                    <a:p>
+                      <a:r>
+                        <a:rPr lang="pt-BR" dirty="0" smtClean="0"/>
+                        <a:t>4</a:t>
+                      </a:r>
+                      <a:endParaRPr lang="pt-BR" dirty="0"/>
+                    </a:p>
+                  </a:txBody>
+                  <a:tcPr/>
+                </a:tc>
+                <a:tc>
+                  <a:txBody>
+                    <a:bodyPr/>
+                    <a:lstStyle/>
+                    <a:p>
+                      <a:endParaRPr lang="pt-BR" dirty="0"/>
+                    </a:p>
+                  </a:txBody>
+                  <a:tcPr/>
+                </a:tc>
+                <a:tc>
+                  <a:txBody>
+                    <a:bodyPr/>
+                    <a:lstStyle/>
+                    <a:p>
+                      <a:endParaRPr lang="pt-BR" dirty="0"/>
+                    </a:p>
+                  </a:txBody>
+                  <a:tcPr/>
+                </a:tc>
+                <a:tc>
+                  <a:txBody>
+                    <a:bodyPr/>
+                    <a:lstStyle/>
+                    <a:p>
+                      <a:pPr marL="0" marR="0" lvl="0" indent="0" algn="l" defTabSz="914400" rtl="0" eaLnBrk="1" fontAlgn="auto" latinLnBrk="0" hangingPunct="1">
+                        <a:lnSpc>
+                          <a:spcPct val="100000"/>
+                        </a:lnSpc>
+                        <a:spcBef>
+                          <a:spcPts val="0"/>
+                        </a:spcBef>
+                        <a:spcAft>
+                          <a:spcPts val="0"/>
+                        </a:spcAft>
+                        <a:buClrTx/>
+                        <a:buSzTx/>
+                        <a:buFontTx/>
+                        <a:buNone/>
+                        <a:tabLst/>
+                        <a:defRPr/>
+                      </a:pPr>
+                      <a:r>
+                        <a:rPr lang="pt-BR" dirty="0" smtClean="0"/>
+                        <a:t>Botão</a:t>
+                      </a:r>
+                    </a:p>
+                    <a:p>
+                      <a:endParaRPr lang="pt-BR" dirty="0"/>
+                    </a:p>
+                  </a:txBody>
+                  <a:tcPr/>
+                </a:tc>
+                <a:tc>
+                  <a:txBody>
+                    <a:bodyPr/>
+                    <a:lstStyle/>
+                    <a:p>
+                      <a:r>
+                        <a:rPr lang="pt-BR" dirty="0" smtClean="0"/>
+                        <a:t>Desliga/ Liga Efeitos Sonoros</a:t>
+                      </a:r>
+                      <a:endParaRPr lang="pt-BR" dirty="0"/>
+                    </a:p>
+                  </a:txBody>
+                  <a:tcPr/>
+                </a:tc>
+              </a:tr>
+              <a:tr h="445909">
+                <a:tc>
+                  <a:txBody>
+                    <a:bodyPr/>
+                    <a:lstStyle/>
+                    <a:p>
+                      <a:r>
+                        <a:rPr lang="pt-BR" dirty="0" smtClean="0"/>
+                        <a:t>5</a:t>
+                      </a:r>
+                      <a:endParaRPr lang="pt-BR" dirty="0"/>
+                    </a:p>
+                  </a:txBody>
+                  <a:tcPr/>
+                </a:tc>
+                <a:tc>
+                  <a:txBody>
+                    <a:bodyPr/>
+                    <a:lstStyle/>
+                    <a:p>
+                      <a:endParaRPr lang="pt-BR" dirty="0"/>
+                    </a:p>
+                  </a:txBody>
+                  <a:tcPr/>
+                </a:tc>
+                <a:tc>
+                  <a:txBody>
+                    <a:bodyPr/>
+                    <a:lstStyle/>
+                    <a:p>
+                      <a:endParaRPr lang="pt-BR" dirty="0"/>
+                    </a:p>
+                  </a:txBody>
+                  <a:tcPr/>
+                </a:tc>
+                <a:tc>
+                  <a:txBody>
+                    <a:bodyPr/>
+                    <a:lstStyle/>
+                    <a:p>
+                      <a:pPr marL="0" marR="0" lvl="0" indent="0" algn="l" defTabSz="914400" rtl="0" eaLnBrk="1" fontAlgn="auto" latinLnBrk="0" hangingPunct="1">
+                        <a:lnSpc>
+                          <a:spcPct val="100000"/>
+                        </a:lnSpc>
+                        <a:spcBef>
+                          <a:spcPts val="0"/>
+                        </a:spcBef>
+                        <a:spcAft>
+                          <a:spcPts val="0"/>
+                        </a:spcAft>
+                        <a:buClrTx/>
+                        <a:buSzTx/>
+                        <a:buFontTx/>
+                        <a:buNone/>
+                        <a:tabLst/>
+                        <a:defRPr/>
+                      </a:pPr>
+                      <a:r>
+                        <a:rPr lang="pt-BR" dirty="0" smtClean="0"/>
+                        <a:t>Botão</a:t>
+                      </a:r>
+                      <a:endParaRPr lang="pt-BR" dirty="0"/>
+                    </a:p>
+                  </a:txBody>
+                  <a:tcPr/>
+                </a:tc>
+                <a:tc>
+                  <a:txBody>
+                    <a:bodyPr/>
+                    <a:lstStyle/>
+                    <a:p>
+                      <a:r>
+                        <a:rPr lang="pt-BR" dirty="0" smtClean="0"/>
+                        <a:t>Desliga/ Liga Musica</a:t>
+                      </a:r>
+                      <a:endParaRPr lang="pt-BR" dirty="0"/>
+                    </a:p>
+                  </a:txBody>
+                  <a:tcPr/>
+                </a:tc>
+              </a:tr>
             </a:tbl>
           </a:graphicData>
         </a:graphic>
       </p:graphicFrame>
+      <p:pic>
+        <p:nvPicPr>
+          <p:cNvPr id="5" name="Imagem 4"/>
+          <p:cNvPicPr>
+            <a:picLocks noChangeAspect="1"/>
+          </p:cNvPicPr>
+          <p:nvPr/>
+        </p:nvPicPr>
+        <p:blipFill>
+          <a:blip r:embed="rId2" cstate="print">
+            <a:duotone>
+              <a:schemeClr val="accent6">
+                <a:shade val="45000"/>
+                <a:satMod val="135000"/>
+              </a:schemeClr>
+              <a:prstClr val="white"/>
+            </a:duotone>
+            <a:extLst>
+              <a:ext uri="{28A0092B-C50C-407E-A947-70E740481C1C}">
+                <a14:useLocalDpi xmlns:a14="http://schemas.microsoft.com/office/drawing/2010/main" val="0"/>
+              </a:ext>
+            </a:extLst>
+          </a:blip>
+          <a:stretch>
+            <a:fillRect/>
+          </a:stretch>
+        </p:blipFill>
+        <p:spPr>
+          <a:xfrm>
+            <a:off x="1770111" y="5420610"/>
+            <a:ext cx="546115" cy="359636"/>
+          </a:xfrm>
+          <a:prstGeom prst="rect">
+            <a:avLst/>
+          </a:prstGeom>
+        </p:spPr>
+      </p:pic>
+      <p:pic>
+        <p:nvPicPr>
+          <p:cNvPr id="6" name="Imagem 5"/>
+          <p:cNvPicPr>
+            <a:picLocks noChangeAspect="1"/>
+          </p:cNvPicPr>
+          <p:nvPr/>
+        </p:nvPicPr>
+        <p:blipFill>
+          <a:blip r:embed="rId3" cstate="print">
+            <a:duotone>
+              <a:schemeClr val="accent6">
+                <a:shade val="45000"/>
+                <a:satMod val="135000"/>
+              </a:schemeClr>
+              <a:prstClr val="white"/>
+            </a:duotone>
+            <a:extLst>
+              <a:ext uri="{28A0092B-C50C-407E-A947-70E740481C1C}">
+                <a14:useLocalDpi xmlns:a14="http://schemas.microsoft.com/office/drawing/2010/main" val="0"/>
+              </a:ext>
+            </a:extLst>
+          </a:blip>
+          <a:stretch>
+            <a:fillRect/>
+          </a:stretch>
+        </p:blipFill>
+        <p:spPr>
+          <a:xfrm>
+            <a:off x="1883600" y="6029586"/>
+            <a:ext cx="393989" cy="357339"/>
+          </a:xfrm>
+          <a:prstGeom prst="rect">
+            <a:avLst/>
+          </a:prstGeom>
+        </p:spPr>
+      </p:pic>
     </p:spTree>
     <p:extLst>
       <p:ext uri="{BB962C8B-B14F-4D97-AF65-F5344CB8AC3E}">
@@ -4525,6 +4763,180 @@
           </a:p>
         </p:txBody>
       </p:sp>
+      <p:sp>
+        <p:nvSpPr>
+          <p:cNvPr id="13" name="Retângulo de cantos arredondados 12"/>
+          <p:cNvSpPr/>
+          <p:nvPr/>
+        </p:nvSpPr>
+        <p:spPr>
+          <a:xfrm>
+            <a:off x="8031107" y="749493"/>
+            <a:ext cx="2053206" cy="455194"/>
+          </a:xfrm>
+          <a:prstGeom prst="roundRect">
+            <a:avLst/>
+          </a:prstGeom>
+          <a:solidFill>
+            <a:srgbClr val="FDEBC7"/>
+          </a:solidFill>
+          <a:ln>
+            <a:noFill/>
+          </a:ln>
+          <a:effectLst>
+            <a:outerShdw blurRad="50800" dist="38100" dir="2700000" algn="tl" rotWithShape="0">
+              <a:prstClr val="black">
+                <a:alpha val="40000"/>
+              </a:prstClr>
+            </a:outerShdw>
+          </a:effectLst>
+        </p:spPr>
+        <p:style>
+          <a:lnRef idx="2">
+            <a:schemeClr val="accent1">
+              <a:shade val="50000"/>
+            </a:schemeClr>
+          </a:lnRef>
+          <a:fillRef idx="1">
+            <a:schemeClr val="accent1"/>
+          </a:fillRef>
+          <a:effectRef idx="0">
+            <a:schemeClr val="accent1"/>
+          </a:effectRef>
+          <a:fontRef idx="minor">
+            <a:schemeClr val="lt1"/>
+          </a:fontRef>
+        </p:style>
+        <p:txBody>
+          <a:bodyPr rtlCol="0" anchor="ctr"/>
+          <a:lstStyle/>
+          <a:p>
+            <a:pPr algn="ctr"/>
+            <a:endParaRPr lang="pt-BR" dirty="0">
+              <a:solidFill>
+                <a:schemeClr val="tx1"/>
+              </a:solidFill>
+            </a:endParaRPr>
+          </a:p>
+        </p:txBody>
+      </p:sp>
+      <p:pic>
+        <p:nvPicPr>
+          <p:cNvPr id="14" name="Imagem 13"/>
+          <p:cNvPicPr>
+            <a:picLocks noChangeAspect="1"/>
+          </p:cNvPicPr>
+          <p:nvPr/>
+        </p:nvPicPr>
+        <p:blipFill>
+          <a:blip r:embed="rId3" cstate="print">
+            <a:extLst>
+              <a:ext uri="{BEBA8EAE-BF5A-486C-A8C5-ECC9F3942E4B}">
+                <a14:imgProps xmlns:a14="http://schemas.microsoft.com/office/drawing/2010/main">
+                  <a14:imgLayer r:embed="rId4">
+                    <a14:imgEffect>
+                      <a14:backgroundRemoval t="9804" b="97168" l="9804" r="98475">
+                        <a14:foregroundMark x1="76688" y1="52070" x2="76688" y2="52070"/>
+                        <a14:foregroundMark x1="65577" y1="54466" x2="65577" y2="54466"/>
+                        <a14:foregroundMark x1="59477" y1="58170" x2="59477" y2="58170"/>
+                      </a14:backgroundRemoval>
+                    </a14:imgEffect>
+                  </a14:imgLayer>
+                </a14:imgProps>
+              </a:ext>
+              <a:ext uri="{28A0092B-C50C-407E-A947-70E740481C1C}">
+                <a14:useLocalDpi xmlns:a14="http://schemas.microsoft.com/office/drawing/2010/main" val="0"/>
+              </a:ext>
+            </a:extLst>
+          </a:blip>
+          <a:stretch>
+            <a:fillRect/>
+          </a:stretch>
+        </p:blipFill>
+        <p:spPr>
+          <a:xfrm>
+            <a:off x="7628046" y="437884"/>
+            <a:ext cx="1233133" cy="1233133"/>
+          </a:xfrm>
+          <a:prstGeom prst="rect">
+            <a:avLst/>
+          </a:prstGeom>
+        </p:spPr>
+      </p:pic>
+      <p:pic>
+        <p:nvPicPr>
+          <p:cNvPr id="15" name="Imagem 14"/>
+          <p:cNvPicPr>
+            <a:picLocks noChangeAspect="1"/>
+          </p:cNvPicPr>
+          <p:nvPr/>
+        </p:nvPicPr>
+        <p:blipFill>
+          <a:blip r:embed="rId5" cstate="print">
+            <a:duotone>
+              <a:schemeClr val="accent6">
+                <a:shade val="45000"/>
+                <a:satMod val="135000"/>
+              </a:schemeClr>
+              <a:prstClr val="white"/>
+            </a:duotone>
+            <a:extLst>
+              <a:ext uri="{28A0092B-C50C-407E-A947-70E740481C1C}">
+                <a14:useLocalDpi xmlns:a14="http://schemas.microsoft.com/office/drawing/2010/main" val="0"/>
+              </a:ext>
+            </a:extLst>
+          </a:blip>
+          <a:stretch>
+            <a:fillRect/>
+          </a:stretch>
+        </p:blipFill>
+        <p:spPr>
+          <a:xfrm>
+            <a:off x="9489432" y="847348"/>
+            <a:ext cx="393989" cy="357339"/>
+          </a:xfrm>
+          <a:prstGeom prst="rect">
+            <a:avLst/>
+          </a:prstGeom>
+        </p:spPr>
+      </p:pic>
+      <p:pic>
+        <p:nvPicPr>
+          <p:cNvPr id="18" name="Imagem 17"/>
+          <p:cNvPicPr>
+            <a:picLocks noChangeAspect="1"/>
+          </p:cNvPicPr>
+          <p:nvPr/>
+        </p:nvPicPr>
+        <p:blipFill>
+          <a:blip r:embed="rId6" cstate="print">
+            <a:duotone>
+              <a:schemeClr val="accent6">
+                <a:shade val="45000"/>
+                <a:satMod val="135000"/>
+              </a:schemeClr>
+              <a:prstClr val="white"/>
+            </a:duotone>
+            <a:extLst>
+              <a:ext uri="{28A0092B-C50C-407E-A947-70E740481C1C}">
+                <a14:useLocalDpi xmlns:a14="http://schemas.microsoft.com/office/drawing/2010/main" val="0"/>
+              </a:ext>
+            </a:extLst>
+          </a:blip>
+          <a:stretch>
+            <a:fillRect/>
+          </a:stretch>
+        </p:blipFill>
+        <p:spPr>
+          <a:xfrm>
+            <a:off x="8827734" y="822852"/>
+            <a:ext cx="546115" cy="359636"/>
+          </a:xfrm>
+          <a:prstGeom prst="rect">
+            <a:avLst/>
+          </a:prstGeom>
+        </p:spPr>
+      </p:pic>
     </p:spTree>
     <p:extLst>
       <p:ext uri="{BB962C8B-B14F-4D97-AF65-F5344CB8AC3E}">
@@ -4597,14 +5009,14 @@
             <p:ph idx="1"/>
             <p:extLst>
               <p:ext uri="{D42A27DB-BD31-4B8C-83A1-F6EECF244321}">
-                <p14:modId xmlns:p14="http://schemas.microsoft.com/office/powerpoint/2010/main" val="3587717150"/>
+                <p14:modId xmlns:p14="http://schemas.microsoft.com/office/powerpoint/2010/main" val="2793725866"/>
               </p:ext>
             </p:extLst>
           </p:nvPr>
         </p:nvGraphicFramePr>
         <p:xfrm>
-          <a:off x="838200" y="2250626"/>
-          <a:ext cx="7906556" cy="3006229"/>
+          <a:off x="1160171" y="1650686"/>
+          <a:ext cx="7906556" cy="4560709"/>
         </p:xfrm>
         <a:graphic>
           <a:graphicData uri="http://schemas.openxmlformats.org/drawingml/2006/table">
@@ -4971,10 +5383,250 @@
                   <a:tcPr/>
                 </a:tc>
               </a:tr>
+              <a:tr h="445909">
+                <a:tc>
+                  <a:txBody>
+                    <a:bodyPr/>
+                    <a:lstStyle/>
+                    <a:p>
+                      <a:r>
+                        <a:rPr lang="pt-BR" dirty="0" smtClean="0"/>
+                        <a:t>4</a:t>
+                      </a:r>
+                      <a:endParaRPr lang="pt-BR" dirty="0"/>
+                    </a:p>
+                  </a:txBody>
+                  <a:tcPr/>
+                </a:tc>
+                <a:tc>
+                  <a:txBody>
+                    <a:bodyPr/>
+                    <a:lstStyle/>
+                    <a:p>
+                      <a:endParaRPr lang="pt-BR" dirty="0"/>
+                    </a:p>
+                  </a:txBody>
+                  <a:tcPr/>
+                </a:tc>
+                <a:tc>
+                  <a:txBody>
+                    <a:bodyPr/>
+                    <a:lstStyle/>
+                    <a:p>
+                      <a:endParaRPr lang="pt-BR" dirty="0"/>
+                    </a:p>
+                  </a:txBody>
+                  <a:tcPr/>
+                </a:tc>
+                <a:tc>
+                  <a:txBody>
+                    <a:bodyPr/>
+                    <a:lstStyle/>
+                    <a:p>
+                      <a:r>
+                        <a:rPr lang="pt-BR" dirty="0" smtClean="0"/>
+                        <a:t>Botão</a:t>
+                      </a:r>
+                      <a:endParaRPr lang="pt-BR" dirty="0"/>
+                    </a:p>
+                  </a:txBody>
+                  <a:tcPr/>
+                </a:tc>
+                <a:tc>
+                  <a:txBody>
+                    <a:bodyPr/>
+                    <a:lstStyle/>
+                    <a:p>
+                      <a:pPr marL="0" marR="0" lvl="0" indent="0" algn="l" defTabSz="914400" rtl="0" eaLnBrk="1" fontAlgn="auto" latinLnBrk="0" hangingPunct="1">
+                        <a:lnSpc>
+                          <a:spcPct val="100000"/>
+                        </a:lnSpc>
+                        <a:spcBef>
+                          <a:spcPts val="0"/>
+                        </a:spcBef>
+                        <a:spcAft>
+                          <a:spcPts val="0"/>
+                        </a:spcAft>
+                        <a:buClrTx/>
+                        <a:buSzTx/>
+                        <a:buFontTx/>
+                        <a:buNone/>
+                        <a:tabLst/>
+                        <a:defRPr/>
+                      </a:pPr>
+                      <a:r>
+                        <a:rPr lang="pt-BR" dirty="0" smtClean="0"/>
+                        <a:t>Desliga/ Liga Efeitos Sonoros</a:t>
+                      </a:r>
+                    </a:p>
+                    <a:p>
+                      <a:endParaRPr lang="pt-BR" dirty="0"/>
+                    </a:p>
+                  </a:txBody>
+                  <a:tcPr/>
+                </a:tc>
+              </a:tr>
+              <a:tr h="445909">
+                <a:tc>
+                  <a:txBody>
+                    <a:bodyPr/>
+                    <a:lstStyle/>
+                    <a:p>
+                      <a:r>
+                        <a:rPr lang="pt-BR" dirty="0" smtClean="0"/>
+                        <a:t>5</a:t>
+                      </a:r>
+                      <a:endParaRPr lang="pt-BR" dirty="0"/>
+                    </a:p>
+                  </a:txBody>
+                  <a:tcPr/>
+                </a:tc>
+                <a:tc>
+                  <a:txBody>
+                    <a:bodyPr/>
+                    <a:lstStyle/>
+                    <a:p>
+                      <a:endParaRPr lang="pt-BR" dirty="0"/>
+                    </a:p>
+                  </a:txBody>
+                  <a:tcPr/>
+                </a:tc>
+                <a:tc>
+                  <a:txBody>
+                    <a:bodyPr/>
+                    <a:lstStyle/>
+                    <a:p>
+                      <a:endParaRPr lang="pt-BR" dirty="0"/>
+                    </a:p>
+                  </a:txBody>
+                  <a:tcPr/>
+                </a:tc>
+                <a:tc>
+                  <a:txBody>
+                    <a:bodyPr/>
+                    <a:lstStyle/>
+                    <a:p>
+                      <a:r>
+                        <a:rPr lang="pt-BR" dirty="0" smtClean="0"/>
+                        <a:t>Botão</a:t>
+                      </a:r>
+                      <a:endParaRPr lang="pt-BR" dirty="0"/>
+                    </a:p>
+                  </a:txBody>
+                  <a:tcPr/>
+                </a:tc>
+                <a:tc>
+                  <a:txBody>
+                    <a:bodyPr/>
+                    <a:lstStyle/>
+                    <a:p>
+                      <a:pPr marL="0" marR="0" lvl="0" indent="0" algn="l" defTabSz="914400" rtl="0" eaLnBrk="1" fontAlgn="auto" latinLnBrk="0" hangingPunct="1">
+                        <a:lnSpc>
+                          <a:spcPct val="100000"/>
+                        </a:lnSpc>
+                        <a:spcBef>
+                          <a:spcPts val="0"/>
+                        </a:spcBef>
+                        <a:spcAft>
+                          <a:spcPts val="0"/>
+                        </a:spcAft>
+                        <a:buClrTx/>
+                        <a:buSzTx/>
+                        <a:buFontTx/>
+                        <a:buNone/>
+                        <a:tabLst/>
+                        <a:defRPr/>
+                      </a:pPr>
+                      <a:r>
+                        <a:rPr lang="pt-BR" dirty="0" smtClean="0"/>
+                        <a:t>Desliga/ Liga Musica</a:t>
+                      </a:r>
+                    </a:p>
+                    <a:p>
+                      <a:endParaRPr lang="pt-BR" dirty="0"/>
+                    </a:p>
+                  </a:txBody>
+                  <a:tcPr/>
+                </a:tc>
+              </a:tr>
             </a:tbl>
           </a:graphicData>
         </a:graphic>
       </p:graphicFrame>
+      <p:pic>
+        <p:nvPicPr>
+          <p:cNvPr id="5" name="Imagem 4"/>
+          <p:cNvPicPr>
+            <a:picLocks noChangeAspect="1"/>
+          </p:cNvPicPr>
+          <p:nvPr/>
+        </p:nvPicPr>
+        <p:blipFill>
+          <a:blip r:embed="rId2" cstate="print">
+            <a:duotone>
+              <a:schemeClr val="accent6">
+                <a:shade val="45000"/>
+                <a:satMod val="135000"/>
+              </a:schemeClr>
+              <a:prstClr val="white"/>
+            </a:duotone>
+            <a:extLst>
+              <a:ext uri="{28A0092B-C50C-407E-A947-70E740481C1C}">
+                <a14:useLocalDpi xmlns:a14="http://schemas.microsoft.com/office/drawing/2010/main" val="0"/>
+              </a:ext>
+            </a:extLst>
+          </a:blip>
+          <a:stretch>
+            <a:fillRect/>
+          </a:stretch>
+        </p:blipFill>
+        <p:spPr>
+          <a:xfrm>
+            <a:off x="1926048" y="4841061"/>
+            <a:ext cx="546115" cy="359636"/>
+          </a:xfrm>
+          <a:prstGeom prst="rect">
+            <a:avLst/>
+          </a:prstGeom>
+        </p:spPr>
+      </p:pic>
+      <p:pic>
+        <p:nvPicPr>
+          <p:cNvPr id="6" name="Imagem 5"/>
+          <p:cNvPicPr>
+            <a:picLocks noChangeAspect="1"/>
+          </p:cNvPicPr>
+          <p:nvPr/>
+        </p:nvPicPr>
+        <p:blipFill>
+          <a:blip r:embed="rId3" cstate="print">
+            <a:duotone>
+              <a:schemeClr val="accent6">
+                <a:shade val="45000"/>
+                <a:satMod val="135000"/>
+              </a:schemeClr>
+              <a:prstClr val="white"/>
+            </a:duotone>
+            <a:extLst>
+              <a:ext uri="{28A0092B-C50C-407E-A947-70E740481C1C}">
+                <a14:useLocalDpi xmlns:a14="http://schemas.microsoft.com/office/drawing/2010/main" val="0"/>
+              </a:ext>
+            </a:extLst>
+          </a:blip>
+          <a:stretch>
+            <a:fillRect/>
+          </a:stretch>
+        </p:blipFill>
+        <p:spPr>
+          <a:xfrm>
+            <a:off x="2002110" y="5683362"/>
+            <a:ext cx="393989" cy="357339"/>
+          </a:xfrm>
+          <a:prstGeom prst="rect">
+            <a:avLst/>
+          </a:prstGeom>
+        </p:spPr>
+      </p:pic>
     </p:spTree>
     <p:extLst>
       <p:ext uri="{BB962C8B-B14F-4D97-AF65-F5344CB8AC3E}">
@@ -5759,6 +6411,180 @@
           </a:p>
         </p:txBody>
       </p:sp>
+      <p:sp>
+        <p:nvSpPr>
+          <p:cNvPr id="25" name="Retângulo de cantos arredondados 24"/>
+          <p:cNvSpPr/>
+          <p:nvPr/>
+        </p:nvSpPr>
+        <p:spPr>
+          <a:xfrm>
+            <a:off x="8031107" y="749493"/>
+            <a:ext cx="2053206" cy="455194"/>
+          </a:xfrm>
+          <a:prstGeom prst="roundRect">
+            <a:avLst/>
+          </a:prstGeom>
+          <a:solidFill>
+            <a:srgbClr val="FDEBC7"/>
+          </a:solidFill>
+          <a:ln>
+            <a:noFill/>
+          </a:ln>
+          <a:effectLst>
+            <a:outerShdw blurRad="50800" dist="38100" dir="2700000" algn="tl" rotWithShape="0">
+              <a:prstClr val="black">
+                <a:alpha val="40000"/>
+              </a:prstClr>
+            </a:outerShdw>
+          </a:effectLst>
+        </p:spPr>
+        <p:style>
+          <a:lnRef idx="2">
+            <a:schemeClr val="accent1">
+              <a:shade val="50000"/>
+            </a:schemeClr>
+          </a:lnRef>
+          <a:fillRef idx="1">
+            <a:schemeClr val="accent1"/>
+          </a:fillRef>
+          <a:effectRef idx="0">
+            <a:schemeClr val="accent1"/>
+          </a:effectRef>
+          <a:fontRef idx="minor">
+            <a:schemeClr val="lt1"/>
+          </a:fontRef>
+        </p:style>
+        <p:txBody>
+          <a:bodyPr rtlCol="0" anchor="ctr"/>
+          <a:lstStyle/>
+          <a:p>
+            <a:pPr algn="ctr"/>
+            <a:endParaRPr lang="pt-BR" dirty="0">
+              <a:solidFill>
+                <a:schemeClr val="tx1"/>
+              </a:solidFill>
+            </a:endParaRPr>
+          </a:p>
+        </p:txBody>
+      </p:sp>
+      <p:pic>
+        <p:nvPicPr>
+          <p:cNvPr id="26" name="Imagem 25"/>
+          <p:cNvPicPr>
+            <a:picLocks noChangeAspect="1"/>
+          </p:cNvPicPr>
+          <p:nvPr/>
+        </p:nvPicPr>
+        <p:blipFill>
+          <a:blip r:embed="rId3" cstate="print">
+            <a:extLst>
+              <a:ext uri="{BEBA8EAE-BF5A-486C-A8C5-ECC9F3942E4B}">
+                <a14:imgProps xmlns:a14="http://schemas.microsoft.com/office/drawing/2010/main">
+                  <a14:imgLayer r:embed="rId4">
+                    <a14:imgEffect>
+                      <a14:backgroundRemoval t="9804" b="97168" l="9804" r="98475">
+                        <a14:foregroundMark x1="76688" y1="52070" x2="76688" y2="52070"/>
+                        <a14:foregroundMark x1="65577" y1="54466" x2="65577" y2="54466"/>
+                        <a14:foregroundMark x1="59477" y1="58170" x2="59477" y2="58170"/>
+                      </a14:backgroundRemoval>
+                    </a14:imgEffect>
+                  </a14:imgLayer>
+                </a14:imgProps>
+              </a:ext>
+              <a:ext uri="{28A0092B-C50C-407E-A947-70E740481C1C}">
+                <a14:useLocalDpi xmlns:a14="http://schemas.microsoft.com/office/drawing/2010/main" val="0"/>
+              </a:ext>
+            </a:extLst>
+          </a:blip>
+          <a:stretch>
+            <a:fillRect/>
+          </a:stretch>
+        </p:blipFill>
+        <p:spPr>
+          <a:xfrm>
+            <a:off x="7628046" y="437884"/>
+            <a:ext cx="1233133" cy="1233133"/>
+          </a:xfrm>
+          <a:prstGeom prst="rect">
+            <a:avLst/>
+          </a:prstGeom>
+        </p:spPr>
+      </p:pic>
+      <p:pic>
+        <p:nvPicPr>
+          <p:cNvPr id="27" name="Imagem 26"/>
+          <p:cNvPicPr>
+            <a:picLocks noChangeAspect="1"/>
+          </p:cNvPicPr>
+          <p:nvPr/>
+        </p:nvPicPr>
+        <p:blipFill>
+          <a:blip r:embed="rId5" cstate="print">
+            <a:duotone>
+              <a:schemeClr val="accent6">
+                <a:shade val="45000"/>
+                <a:satMod val="135000"/>
+              </a:schemeClr>
+              <a:prstClr val="white"/>
+            </a:duotone>
+            <a:extLst>
+              <a:ext uri="{28A0092B-C50C-407E-A947-70E740481C1C}">
+                <a14:useLocalDpi xmlns:a14="http://schemas.microsoft.com/office/drawing/2010/main" val="0"/>
+              </a:ext>
+            </a:extLst>
+          </a:blip>
+          <a:stretch>
+            <a:fillRect/>
+          </a:stretch>
+        </p:blipFill>
+        <p:spPr>
+          <a:xfrm>
+            <a:off x="9489432" y="847348"/>
+            <a:ext cx="393989" cy="357339"/>
+          </a:xfrm>
+          <a:prstGeom prst="rect">
+            <a:avLst/>
+          </a:prstGeom>
+        </p:spPr>
+      </p:pic>
+      <p:pic>
+        <p:nvPicPr>
+          <p:cNvPr id="28" name="Imagem 27"/>
+          <p:cNvPicPr>
+            <a:picLocks noChangeAspect="1"/>
+          </p:cNvPicPr>
+          <p:nvPr/>
+        </p:nvPicPr>
+        <p:blipFill>
+          <a:blip r:embed="rId6" cstate="print">
+            <a:duotone>
+              <a:schemeClr val="accent6">
+                <a:shade val="45000"/>
+                <a:satMod val="135000"/>
+              </a:schemeClr>
+              <a:prstClr val="white"/>
+            </a:duotone>
+            <a:extLst>
+              <a:ext uri="{28A0092B-C50C-407E-A947-70E740481C1C}">
+                <a14:useLocalDpi xmlns:a14="http://schemas.microsoft.com/office/drawing/2010/main" val="0"/>
+              </a:ext>
+            </a:extLst>
+          </a:blip>
+          <a:stretch>
+            <a:fillRect/>
+          </a:stretch>
+        </p:blipFill>
+        <p:spPr>
+          <a:xfrm>
+            <a:off x="8827734" y="822852"/>
+            <a:ext cx="546115" cy="359636"/>
+          </a:xfrm>
+          <a:prstGeom prst="rect">
+            <a:avLst/>
+          </a:prstGeom>
+        </p:spPr>
+      </p:pic>
     </p:spTree>
     <p:extLst>
       <p:ext uri="{BB962C8B-B14F-4D97-AF65-F5344CB8AC3E}">
@@ -6886,6 +7712,180 @@
           </a:p>
         </p:txBody>
       </p:sp>
+      <p:sp>
+        <p:nvSpPr>
+          <p:cNvPr id="27" name="Retângulo de cantos arredondados 26"/>
+          <p:cNvSpPr/>
+          <p:nvPr/>
+        </p:nvSpPr>
+        <p:spPr>
+          <a:xfrm>
+            <a:off x="8031107" y="749493"/>
+            <a:ext cx="2053206" cy="455194"/>
+          </a:xfrm>
+          <a:prstGeom prst="roundRect">
+            <a:avLst/>
+          </a:prstGeom>
+          <a:solidFill>
+            <a:srgbClr val="FDEBC7"/>
+          </a:solidFill>
+          <a:ln>
+            <a:noFill/>
+          </a:ln>
+          <a:effectLst>
+            <a:outerShdw blurRad="50800" dist="38100" dir="2700000" algn="tl" rotWithShape="0">
+              <a:prstClr val="black">
+                <a:alpha val="40000"/>
+              </a:prstClr>
+            </a:outerShdw>
+          </a:effectLst>
+        </p:spPr>
+        <p:style>
+          <a:lnRef idx="2">
+            <a:schemeClr val="accent1">
+              <a:shade val="50000"/>
+            </a:schemeClr>
+          </a:lnRef>
+          <a:fillRef idx="1">
+            <a:schemeClr val="accent1"/>
+          </a:fillRef>
+          <a:effectRef idx="0">
+            <a:schemeClr val="accent1"/>
+          </a:effectRef>
+          <a:fontRef idx="minor">
+            <a:schemeClr val="lt1"/>
+          </a:fontRef>
+        </p:style>
+        <p:txBody>
+          <a:bodyPr rtlCol="0" anchor="ctr"/>
+          <a:lstStyle/>
+          <a:p>
+            <a:pPr algn="ctr"/>
+            <a:endParaRPr lang="pt-BR" dirty="0">
+              <a:solidFill>
+                <a:schemeClr val="tx1"/>
+              </a:solidFill>
+            </a:endParaRPr>
+          </a:p>
+        </p:txBody>
+      </p:sp>
+      <p:pic>
+        <p:nvPicPr>
+          <p:cNvPr id="28" name="Imagem 27"/>
+          <p:cNvPicPr>
+            <a:picLocks noChangeAspect="1"/>
+          </p:cNvPicPr>
+          <p:nvPr/>
+        </p:nvPicPr>
+        <p:blipFill>
+          <a:blip r:embed="rId3" cstate="print">
+            <a:extLst>
+              <a:ext uri="{BEBA8EAE-BF5A-486C-A8C5-ECC9F3942E4B}">
+                <a14:imgProps xmlns:a14="http://schemas.microsoft.com/office/drawing/2010/main">
+                  <a14:imgLayer r:embed="rId4">
+                    <a14:imgEffect>
+                      <a14:backgroundRemoval t="9804" b="97168" l="9804" r="98475">
+                        <a14:foregroundMark x1="76688" y1="52070" x2="76688" y2="52070"/>
+                        <a14:foregroundMark x1="65577" y1="54466" x2="65577" y2="54466"/>
+                        <a14:foregroundMark x1="59477" y1="58170" x2="59477" y2="58170"/>
+                      </a14:backgroundRemoval>
+                    </a14:imgEffect>
+                  </a14:imgLayer>
+                </a14:imgProps>
+              </a:ext>
+              <a:ext uri="{28A0092B-C50C-407E-A947-70E740481C1C}">
+                <a14:useLocalDpi xmlns:a14="http://schemas.microsoft.com/office/drawing/2010/main" val="0"/>
+              </a:ext>
+            </a:extLst>
+          </a:blip>
+          <a:stretch>
+            <a:fillRect/>
+          </a:stretch>
+        </p:blipFill>
+        <p:spPr>
+          <a:xfrm>
+            <a:off x="7628046" y="437884"/>
+            <a:ext cx="1233133" cy="1233133"/>
+          </a:xfrm>
+          <a:prstGeom prst="rect">
+            <a:avLst/>
+          </a:prstGeom>
+        </p:spPr>
+      </p:pic>
+      <p:pic>
+        <p:nvPicPr>
+          <p:cNvPr id="29" name="Imagem 28"/>
+          <p:cNvPicPr>
+            <a:picLocks noChangeAspect="1"/>
+          </p:cNvPicPr>
+          <p:nvPr/>
+        </p:nvPicPr>
+        <p:blipFill>
+          <a:blip r:embed="rId5" cstate="print">
+            <a:duotone>
+              <a:schemeClr val="accent6">
+                <a:shade val="45000"/>
+                <a:satMod val="135000"/>
+              </a:schemeClr>
+              <a:prstClr val="white"/>
+            </a:duotone>
+            <a:extLst>
+              <a:ext uri="{28A0092B-C50C-407E-A947-70E740481C1C}">
+                <a14:useLocalDpi xmlns:a14="http://schemas.microsoft.com/office/drawing/2010/main" val="0"/>
+              </a:ext>
+            </a:extLst>
+          </a:blip>
+          <a:stretch>
+            <a:fillRect/>
+          </a:stretch>
+        </p:blipFill>
+        <p:spPr>
+          <a:xfrm>
+            <a:off x="9489432" y="847348"/>
+            <a:ext cx="393989" cy="357339"/>
+          </a:xfrm>
+          <a:prstGeom prst="rect">
+            <a:avLst/>
+          </a:prstGeom>
+        </p:spPr>
+      </p:pic>
+      <p:pic>
+        <p:nvPicPr>
+          <p:cNvPr id="30" name="Imagem 29"/>
+          <p:cNvPicPr>
+            <a:picLocks noChangeAspect="1"/>
+          </p:cNvPicPr>
+          <p:nvPr/>
+        </p:nvPicPr>
+        <p:blipFill>
+          <a:blip r:embed="rId6" cstate="print">
+            <a:duotone>
+              <a:schemeClr val="accent6">
+                <a:shade val="45000"/>
+                <a:satMod val="135000"/>
+              </a:schemeClr>
+              <a:prstClr val="white"/>
+            </a:duotone>
+            <a:extLst>
+              <a:ext uri="{28A0092B-C50C-407E-A947-70E740481C1C}">
+                <a14:useLocalDpi xmlns:a14="http://schemas.microsoft.com/office/drawing/2010/main" val="0"/>
+              </a:ext>
+            </a:extLst>
+          </a:blip>
+          <a:stretch>
+            <a:fillRect/>
+          </a:stretch>
+        </p:blipFill>
+        <p:spPr>
+          <a:xfrm>
+            <a:off x="8827734" y="822852"/>
+            <a:ext cx="546115" cy="359636"/>
+          </a:xfrm>
+          <a:prstGeom prst="rect">
+            <a:avLst/>
+          </a:prstGeom>
+        </p:spPr>
+      </p:pic>
     </p:spTree>
     <p:extLst>
       <p:ext uri="{BB962C8B-B14F-4D97-AF65-F5344CB8AC3E}">
@@ -28613,6 +29613,180 @@
           </a:p>
         </p:txBody>
       </p:sp>
+      <p:sp>
+        <p:nvSpPr>
+          <p:cNvPr id="13" name="Retângulo de cantos arredondados 12"/>
+          <p:cNvSpPr/>
+          <p:nvPr/>
+        </p:nvSpPr>
+        <p:spPr>
+          <a:xfrm>
+            <a:off x="8031107" y="749493"/>
+            <a:ext cx="2053206" cy="455194"/>
+          </a:xfrm>
+          <a:prstGeom prst="roundRect">
+            <a:avLst/>
+          </a:prstGeom>
+          <a:solidFill>
+            <a:srgbClr val="FDEBC7"/>
+          </a:solidFill>
+          <a:ln>
+            <a:noFill/>
+          </a:ln>
+          <a:effectLst>
+            <a:outerShdw blurRad="50800" dist="38100" dir="2700000" algn="tl" rotWithShape="0">
+              <a:prstClr val="black">
+                <a:alpha val="40000"/>
+              </a:prstClr>
+            </a:outerShdw>
+          </a:effectLst>
+        </p:spPr>
+        <p:style>
+          <a:lnRef idx="2">
+            <a:schemeClr val="accent1">
+              <a:shade val="50000"/>
+            </a:schemeClr>
+          </a:lnRef>
+          <a:fillRef idx="1">
+            <a:schemeClr val="accent1"/>
+          </a:fillRef>
+          <a:effectRef idx="0">
+            <a:schemeClr val="accent1"/>
+          </a:effectRef>
+          <a:fontRef idx="minor">
+            <a:schemeClr val="lt1"/>
+          </a:fontRef>
+        </p:style>
+        <p:txBody>
+          <a:bodyPr rtlCol="0" anchor="ctr"/>
+          <a:lstStyle/>
+          <a:p>
+            <a:pPr algn="ctr"/>
+            <a:endParaRPr lang="pt-BR" dirty="0">
+              <a:solidFill>
+                <a:schemeClr val="tx1"/>
+              </a:solidFill>
+            </a:endParaRPr>
+          </a:p>
+        </p:txBody>
+      </p:sp>
+      <p:pic>
+        <p:nvPicPr>
+          <p:cNvPr id="3" name="Imagem 2"/>
+          <p:cNvPicPr>
+            <a:picLocks noChangeAspect="1"/>
+          </p:cNvPicPr>
+          <p:nvPr/>
+        </p:nvPicPr>
+        <p:blipFill>
+          <a:blip r:embed="rId3" cstate="print">
+            <a:extLst>
+              <a:ext uri="{BEBA8EAE-BF5A-486C-A8C5-ECC9F3942E4B}">
+                <a14:imgProps xmlns:a14="http://schemas.microsoft.com/office/drawing/2010/main">
+                  <a14:imgLayer r:embed="rId4">
+                    <a14:imgEffect>
+                      <a14:backgroundRemoval t="9804" b="97168" l="9804" r="98475">
+                        <a14:foregroundMark x1="76688" y1="52070" x2="76688" y2="52070"/>
+                        <a14:foregroundMark x1="65577" y1="54466" x2="65577" y2="54466"/>
+                        <a14:foregroundMark x1="59477" y1="58170" x2="59477" y2="58170"/>
+                      </a14:backgroundRemoval>
+                    </a14:imgEffect>
+                  </a14:imgLayer>
+                </a14:imgProps>
+              </a:ext>
+              <a:ext uri="{28A0092B-C50C-407E-A947-70E740481C1C}">
+                <a14:useLocalDpi xmlns:a14="http://schemas.microsoft.com/office/drawing/2010/main" val="0"/>
+              </a:ext>
+            </a:extLst>
+          </a:blip>
+          <a:stretch>
+            <a:fillRect/>
+          </a:stretch>
+        </p:blipFill>
+        <p:spPr>
+          <a:xfrm>
+            <a:off x="7628046" y="437884"/>
+            <a:ext cx="1233133" cy="1233133"/>
+          </a:xfrm>
+          <a:prstGeom prst="rect">
+            <a:avLst/>
+          </a:prstGeom>
+        </p:spPr>
+      </p:pic>
+      <p:pic>
+        <p:nvPicPr>
+          <p:cNvPr id="5" name="Imagem 4"/>
+          <p:cNvPicPr>
+            <a:picLocks noChangeAspect="1"/>
+          </p:cNvPicPr>
+          <p:nvPr/>
+        </p:nvPicPr>
+        <p:blipFill>
+          <a:blip r:embed="rId5" cstate="print">
+            <a:duotone>
+              <a:schemeClr val="accent6">
+                <a:shade val="45000"/>
+                <a:satMod val="135000"/>
+              </a:schemeClr>
+              <a:prstClr val="white"/>
+            </a:duotone>
+            <a:extLst>
+              <a:ext uri="{28A0092B-C50C-407E-A947-70E740481C1C}">
+                <a14:useLocalDpi xmlns:a14="http://schemas.microsoft.com/office/drawing/2010/main" val="0"/>
+              </a:ext>
+            </a:extLst>
+          </a:blip>
+          <a:stretch>
+            <a:fillRect/>
+          </a:stretch>
+        </p:blipFill>
+        <p:spPr>
+          <a:xfrm>
+            <a:off x="9489432" y="847348"/>
+            <a:ext cx="393989" cy="357339"/>
+          </a:xfrm>
+          <a:prstGeom prst="rect">
+            <a:avLst/>
+          </a:prstGeom>
+        </p:spPr>
+      </p:pic>
+      <p:pic>
+        <p:nvPicPr>
+          <p:cNvPr id="6" name="Imagem 5"/>
+          <p:cNvPicPr>
+            <a:picLocks noChangeAspect="1"/>
+          </p:cNvPicPr>
+          <p:nvPr/>
+        </p:nvPicPr>
+        <p:blipFill>
+          <a:blip r:embed="rId6" cstate="print">
+            <a:duotone>
+              <a:schemeClr val="accent6">
+                <a:shade val="45000"/>
+                <a:satMod val="135000"/>
+              </a:schemeClr>
+              <a:prstClr val="white"/>
+            </a:duotone>
+            <a:extLst>
+              <a:ext uri="{28A0092B-C50C-407E-A947-70E740481C1C}">
+                <a14:useLocalDpi xmlns:a14="http://schemas.microsoft.com/office/drawing/2010/main" val="0"/>
+              </a:ext>
+            </a:extLst>
+          </a:blip>
+          <a:stretch>
+            <a:fillRect/>
+          </a:stretch>
+        </p:blipFill>
+        <p:spPr>
+          <a:xfrm>
+            <a:off x="8827734" y="822852"/>
+            <a:ext cx="546115" cy="359636"/>
+          </a:xfrm>
+          <a:prstGeom prst="rect">
+            <a:avLst/>
+          </a:prstGeom>
+        </p:spPr>
+      </p:pic>
     </p:spTree>
     <p:extLst>
       <p:ext uri="{BB962C8B-B14F-4D97-AF65-F5344CB8AC3E}">

--- a/DocumentacaoProjeto/Protótipo_Visual.pptx
+++ b/DocumentacaoProjeto/Protótipo_Visual.pptx
@@ -32,15 +32,16 @@
     <p:sldId id="268" r:id="rId26"/>
     <p:sldId id="287" r:id="rId27"/>
     <p:sldId id="261" r:id="rId28"/>
-    <p:sldId id="288" r:id="rId29"/>
-    <p:sldId id="262" r:id="rId30"/>
-    <p:sldId id="289" r:id="rId31"/>
-    <p:sldId id="263" r:id="rId32"/>
-    <p:sldId id="269" r:id="rId33"/>
-    <p:sldId id="273" r:id="rId34"/>
-    <p:sldId id="290" r:id="rId35"/>
-    <p:sldId id="274" r:id="rId36"/>
-    <p:sldId id="291" r:id="rId37"/>
+    <p:sldId id="292" r:id="rId29"/>
+    <p:sldId id="288" r:id="rId30"/>
+    <p:sldId id="262" r:id="rId31"/>
+    <p:sldId id="289" r:id="rId32"/>
+    <p:sldId id="263" r:id="rId33"/>
+    <p:sldId id="269" r:id="rId34"/>
+    <p:sldId id="273" r:id="rId35"/>
+    <p:sldId id="290" r:id="rId36"/>
+    <p:sldId id="274" r:id="rId37"/>
+    <p:sldId id="291" r:id="rId38"/>
   </p:sldIdLst>
   <p:sldSz cx="12192000" cy="6858000"/>
   <p:notesSz cx="6858000" cy="9144000"/>
@@ -19261,6 +19262,2803 @@
       </p:grpSpPr>
       <p:sp>
         <p:nvSpPr>
+          <p:cNvPr id="4" name="Retângulo 3"/>
+          <p:cNvSpPr/>
+          <p:nvPr/>
+        </p:nvSpPr>
+        <p:spPr>
+          <a:xfrm>
+            <a:off x="1146749" y="441822"/>
+            <a:ext cx="9787944" cy="5911402"/>
+          </a:xfrm>
+          <a:prstGeom prst="rect">
+            <a:avLst/>
+          </a:prstGeom>
+          <a:solidFill>
+            <a:srgbClr val="A5CA97"/>
+          </a:solidFill>
+          <a:ln>
+            <a:solidFill>
+              <a:schemeClr val="accent6">
+                <a:lumMod val="60000"/>
+                <a:lumOff val="40000"/>
+              </a:schemeClr>
+            </a:solidFill>
+          </a:ln>
+          <a:effectLst/>
+        </p:spPr>
+        <p:style>
+          <a:lnRef idx="2">
+            <a:schemeClr val="accent1">
+              <a:shade val="50000"/>
+            </a:schemeClr>
+          </a:lnRef>
+          <a:fillRef idx="1">
+            <a:schemeClr val="accent1"/>
+          </a:fillRef>
+          <a:effectRef idx="0">
+            <a:schemeClr val="accent1"/>
+          </a:effectRef>
+          <a:fontRef idx="minor">
+            <a:schemeClr val="lt1"/>
+          </a:fontRef>
+        </p:style>
+        <p:txBody>
+          <a:bodyPr rtlCol="0" anchor="ctr"/>
+          <a:lstStyle/>
+          <a:p>
+            <a:pPr algn="ctr"/>
+            <a:endParaRPr lang="pt-BR"/>
+          </a:p>
+        </p:txBody>
+      </p:sp>
+      <p:grpSp>
+        <p:nvGrpSpPr>
+          <p:cNvPr id="5" name="Grupo 4"/>
+          <p:cNvGrpSpPr/>
+          <p:nvPr/>
+        </p:nvGrpSpPr>
+        <p:grpSpPr>
+          <a:xfrm>
+            <a:off x="1287887" y="1485501"/>
+            <a:ext cx="9530367" cy="3854800"/>
+            <a:chOff x="3303102" y="1578846"/>
+            <a:chExt cx="7132734" cy="4364070"/>
+          </a:xfrm>
+        </p:grpSpPr>
+        <p:sp>
+          <p:nvSpPr>
+            <p:cNvPr id="2" name="Retângulo 1"/>
+            <p:cNvSpPr/>
+            <p:nvPr/>
+          </p:nvSpPr>
+          <p:spPr>
+            <a:xfrm>
+              <a:off x="3303102" y="1578846"/>
+              <a:ext cx="7132734" cy="4364070"/>
+            </a:xfrm>
+            <a:prstGeom prst="rect">
+              <a:avLst/>
+            </a:prstGeom>
+            <a:solidFill>
+              <a:srgbClr val="8DBA62"/>
+            </a:solidFill>
+            <a:ln>
+              <a:noFill/>
+            </a:ln>
+          </p:spPr>
+          <p:style>
+            <a:lnRef idx="2">
+              <a:schemeClr val="accent1">
+                <a:shade val="50000"/>
+              </a:schemeClr>
+            </a:lnRef>
+            <a:fillRef idx="1">
+              <a:schemeClr val="accent1"/>
+            </a:fillRef>
+            <a:effectRef idx="0">
+              <a:schemeClr val="accent1"/>
+            </a:effectRef>
+            <a:fontRef idx="minor">
+              <a:schemeClr val="lt1"/>
+            </a:fontRef>
+          </p:style>
+          <p:txBody>
+            <a:bodyPr rtlCol="0" anchor="ctr"/>
+            <a:lstStyle/>
+            <a:p>
+              <a:pPr algn="ctr"/>
+              <a:endParaRPr lang="pt-BR"/>
+            </a:p>
+          </p:txBody>
+        </p:sp>
+        <p:sp>
+          <p:nvSpPr>
+            <p:cNvPr id="16" name="Retângulo de cantos arredondados 15"/>
+            <p:cNvSpPr/>
+            <p:nvPr/>
+          </p:nvSpPr>
+          <p:spPr>
+            <a:xfrm>
+              <a:off x="3400023" y="1674254"/>
+              <a:ext cx="6941711" cy="4172754"/>
+            </a:xfrm>
+            <a:prstGeom prst="roundRect">
+              <a:avLst>
+                <a:gd name="adj" fmla="val 0"/>
+              </a:avLst>
+            </a:prstGeom>
+            <a:blipFill>
+              <a:blip r:embed="rId2"/>
+              <a:tile tx="0" ty="0" sx="100000" sy="100000" flip="none" algn="tl"/>
+            </a:blipFill>
+            <a:ln>
+              <a:noFill/>
+            </a:ln>
+          </p:spPr>
+          <p:style>
+            <a:lnRef idx="2">
+              <a:schemeClr val="accent6"/>
+            </a:lnRef>
+            <a:fillRef idx="1">
+              <a:schemeClr val="lt1"/>
+            </a:fillRef>
+            <a:effectRef idx="0">
+              <a:schemeClr val="accent6"/>
+            </a:effectRef>
+            <a:fontRef idx="minor">
+              <a:schemeClr val="dk1"/>
+            </a:fontRef>
+          </p:style>
+          <p:txBody>
+            <a:bodyPr rtlCol="0" anchor="ctr"/>
+            <a:lstStyle/>
+            <a:p>
+              <a:pPr algn="ctr"/>
+              <a:endParaRPr lang="pt-BR"/>
+            </a:p>
+          </p:txBody>
+        </p:sp>
+      </p:grpSp>
+      <p:sp>
+        <p:nvSpPr>
+          <p:cNvPr id="15" name="Retângulo 14"/>
+          <p:cNvSpPr/>
+          <p:nvPr/>
+        </p:nvSpPr>
+        <p:spPr>
+          <a:xfrm>
+            <a:off x="1146749" y="445761"/>
+            <a:ext cx="9787944" cy="764853"/>
+          </a:xfrm>
+          <a:prstGeom prst="rect">
+            <a:avLst/>
+          </a:prstGeom>
+          <a:solidFill>
+            <a:srgbClr val="8DBA62"/>
+          </a:solidFill>
+          <a:ln>
+            <a:noFill/>
+          </a:ln>
+        </p:spPr>
+        <p:style>
+          <a:lnRef idx="2">
+            <a:schemeClr val="accent1">
+              <a:shade val="50000"/>
+            </a:schemeClr>
+          </a:lnRef>
+          <a:fillRef idx="1">
+            <a:schemeClr val="accent1"/>
+          </a:fillRef>
+          <a:effectRef idx="0">
+            <a:schemeClr val="accent1"/>
+          </a:effectRef>
+          <a:fontRef idx="minor">
+            <a:schemeClr val="lt1"/>
+          </a:fontRef>
+        </p:style>
+        <p:txBody>
+          <a:bodyPr rtlCol="0" anchor="ctr"/>
+          <a:lstStyle/>
+          <a:p>
+            <a:pPr algn="ctr"/>
+            <a:endParaRPr lang="pt-BR"/>
+          </a:p>
+        </p:txBody>
+      </p:sp>
+      <p:sp>
+        <p:nvSpPr>
+          <p:cNvPr id="18" name="Retângulo 17"/>
+          <p:cNvSpPr/>
+          <p:nvPr/>
+        </p:nvSpPr>
+        <p:spPr>
+          <a:xfrm>
+            <a:off x="1146749" y="5640946"/>
+            <a:ext cx="9787944" cy="712278"/>
+          </a:xfrm>
+          <a:prstGeom prst="rect">
+            <a:avLst/>
+          </a:prstGeom>
+          <a:solidFill>
+            <a:srgbClr val="8DBA62"/>
+          </a:solidFill>
+          <a:ln>
+            <a:noFill/>
+          </a:ln>
+        </p:spPr>
+        <p:style>
+          <a:lnRef idx="2">
+            <a:schemeClr val="accent1">
+              <a:shade val="50000"/>
+            </a:schemeClr>
+          </a:lnRef>
+          <a:fillRef idx="1">
+            <a:schemeClr val="accent1"/>
+          </a:fillRef>
+          <a:effectRef idx="0">
+            <a:schemeClr val="accent1"/>
+          </a:effectRef>
+          <a:fontRef idx="minor">
+            <a:schemeClr val="lt1"/>
+          </a:fontRef>
+        </p:style>
+        <p:txBody>
+          <a:bodyPr rtlCol="0" anchor="ctr"/>
+          <a:lstStyle/>
+          <a:p>
+            <a:pPr algn="ctr"/>
+            <a:endParaRPr lang="pt-BR"/>
+          </a:p>
+        </p:txBody>
+      </p:sp>
+      <p:sp>
+        <p:nvSpPr>
+          <p:cNvPr id="24" name="Retângulo de cantos arredondados 23"/>
+          <p:cNvSpPr/>
+          <p:nvPr/>
+        </p:nvSpPr>
+        <p:spPr>
+          <a:xfrm>
+            <a:off x="1930424" y="728000"/>
+            <a:ext cx="1290702" cy="301406"/>
+          </a:xfrm>
+          <a:prstGeom prst="roundRect">
+            <a:avLst/>
+          </a:prstGeom>
+          <a:solidFill>
+            <a:srgbClr val="FDEBC7"/>
+          </a:solidFill>
+          <a:ln>
+            <a:noFill/>
+          </a:ln>
+          <a:effectLst>
+            <a:outerShdw blurRad="50800" dist="38100" dir="2700000" algn="tl" rotWithShape="0">
+              <a:prstClr val="black">
+                <a:alpha val="40000"/>
+              </a:prstClr>
+            </a:outerShdw>
+          </a:effectLst>
+        </p:spPr>
+        <p:style>
+          <a:lnRef idx="2">
+            <a:schemeClr val="accent1">
+              <a:shade val="50000"/>
+            </a:schemeClr>
+          </a:lnRef>
+          <a:fillRef idx="1">
+            <a:schemeClr val="accent1"/>
+          </a:fillRef>
+          <a:effectRef idx="0">
+            <a:schemeClr val="accent1"/>
+          </a:effectRef>
+          <a:fontRef idx="minor">
+            <a:schemeClr val="lt1"/>
+          </a:fontRef>
+        </p:style>
+        <p:txBody>
+          <a:bodyPr rtlCol="0" anchor="ctr"/>
+          <a:lstStyle/>
+          <a:p>
+            <a:pPr algn="ctr"/>
+            <a:r>
+              <a:rPr lang="pt-BR" dirty="0" smtClean="0">
+                <a:solidFill>
+                  <a:schemeClr val="tx1"/>
+                </a:solidFill>
+              </a:rPr>
+              <a:t>150</a:t>
+            </a:r>
+            <a:endParaRPr lang="pt-BR" dirty="0">
+              <a:solidFill>
+                <a:schemeClr val="tx1"/>
+              </a:solidFill>
+            </a:endParaRPr>
+          </a:p>
+        </p:txBody>
+      </p:sp>
+      <p:pic>
+        <p:nvPicPr>
+          <p:cNvPr id="6" name="Imagem 5"/>
+          <p:cNvPicPr>
+            <a:picLocks noChangeAspect="1"/>
+          </p:cNvPicPr>
+          <p:nvPr/>
+        </p:nvPicPr>
+        <p:blipFill>
+          <a:blip r:embed="rId3" cstate="print">
+            <a:extLst>
+              <a:ext uri="{28A0092B-C50C-407E-A947-70E740481C1C}">
+                <a14:useLocalDpi xmlns:a14="http://schemas.microsoft.com/office/drawing/2010/main" val="0"/>
+              </a:ext>
+            </a:extLst>
+          </a:blip>
+          <a:stretch>
+            <a:fillRect/>
+          </a:stretch>
+        </p:blipFill>
+        <p:spPr>
+          <a:xfrm>
+            <a:off x="1630819" y="553340"/>
+            <a:ext cx="639397" cy="639397"/>
+          </a:xfrm>
+          <a:prstGeom prst="rect">
+            <a:avLst/>
+          </a:prstGeom>
+        </p:spPr>
+      </p:pic>
+      <p:sp>
+        <p:nvSpPr>
+          <p:cNvPr id="25" name="Retângulo de cantos arredondados 24"/>
+          <p:cNvSpPr/>
+          <p:nvPr/>
+        </p:nvSpPr>
+        <p:spPr>
+          <a:xfrm>
+            <a:off x="5668875" y="818587"/>
+            <a:ext cx="1290702" cy="301406"/>
+          </a:xfrm>
+          <a:prstGeom prst="roundRect">
+            <a:avLst/>
+          </a:prstGeom>
+          <a:solidFill>
+            <a:srgbClr val="FDEBC7"/>
+          </a:solidFill>
+          <a:ln>
+            <a:noFill/>
+          </a:ln>
+          <a:effectLst>
+            <a:outerShdw blurRad="50800" dist="38100" dir="2700000" algn="tl" rotWithShape="0">
+              <a:prstClr val="black">
+                <a:alpha val="40000"/>
+              </a:prstClr>
+            </a:outerShdw>
+          </a:effectLst>
+        </p:spPr>
+        <p:style>
+          <a:lnRef idx="2">
+            <a:schemeClr val="accent1">
+              <a:shade val="50000"/>
+            </a:schemeClr>
+          </a:lnRef>
+          <a:fillRef idx="1">
+            <a:schemeClr val="accent1"/>
+          </a:fillRef>
+          <a:effectRef idx="0">
+            <a:schemeClr val="accent1"/>
+          </a:effectRef>
+          <a:fontRef idx="minor">
+            <a:schemeClr val="lt1"/>
+          </a:fontRef>
+        </p:style>
+        <p:txBody>
+          <a:bodyPr rtlCol="0" anchor="ctr"/>
+          <a:lstStyle/>
+          <a:p>
+            <a:pPr algn="ctr"/>
+            <a:r>
+              <a:rPr lang="pt-BR" dirty="0" smtClean="0">
+                <a:solidFill>
+                  <a:schemeClr val="tx1"/>
+                </a:solidFill>
+              </a:rPr>
+              <a:t>1:35</a:t>
+            </a:r>
+            <a:endParaRPr lang="pt-BR" dirty="0">
+              <a:solidFill>
+                <a:schemeClr val="tx1"/>
+              </a:solidFill>
+            </a:endParaRPr>
+          </a:p>
+        </p:txBody>
+      </p:sp>
+      <p:pic>
+        <p:nvPicPr>
+          <p:cNvPr id="7" name="Imagem 6"/>
+          <p:cNvPicPr>
+            <a:picLocks noChangeAspect="1"/>
+          </p:cNvPicPr>
+          <p:nvPr/>
+        </p:nvPicPr>
+        <p:blipFill rotWithShape="1">
+          <a:blip r:embed="rId4" cstate="print">
+            <a:extLst>
+              <a:ext uri="{28A0092B-C50C-407E-A947-70E740481C1C}">
+                <a14:useLocalDpi xmlns:a14="http://schemas.microsoft.com/office/drawing/2010/main" val="0"/>
+              </a:ext>
+            </a:extLst>
+          </a:blip>
+          <a:srcRect l="30573" r="27361"/>
+          <a:stretch/>
+        </p:blipFill>
+        <p:spPr>
+          <a:xfrm>
+            <a:off x="5253303" y="435945"/>
+            <a:ext cx="831143" cy="987910"/>
+          </a:xfrm>
+          <a:prstGeom prst="rect">
+            <a:avLst/>
+          </a:prstGeom>
+        </p:spPr>
+      </p:pic>
+      <p:sp>
+        <p:nvSpPr>
+          <p:cNvPr id="26" name="Retângulo de cantos arredondados 25"/>
+          <p:cNvSpPr/>
+          <p:nvPr/>
+        </p:nvSpPr>
+        <p:spPr>
+          <a:xfrm>
+            <a:off x="9259910" y="722334"/>
+            <a:ext cx="1183430" cy="307071"/>
+          </a:xfrm>
+          <a:prstGeom prst="roundRect">
+            <a:avLst/>
+          </a:prstGeom>
+          <a:solidFill>
+            <a:srgbClr val="FDEBC7"/>
+          </a:solidFill>
+          <a:ln>
+            <a:noFill/>
+          </a:ln>
+          <a:effectLst>
+            <a:outerShdw blurRad="50800" dist="38100" dir="2700000" algn="tl" rotWithShape="0">
+              <a:prstClr val="black">
+                <a:alpha val="40000"/>
+              </a:prstClr>
+            </a:outerShdw>
+          </a:effectLst>
+        </p:spPr>
+        <p:style>
+          <a:lnRef idx="2">
+            <a:schemeClr val="accent1">
+              <a:shade val="50000"/>
+            </a:schemeClr>
+          </a:lnRef>
+          <a:fillRef idx="1">
+            <a:schemeClr val="accent1"/>
+          </a:fillRef>
+          <a:effectRef idx="0">
+            <a:schemeClr val="accent1"/>
+          </a:effectRef>
+          <a:fontRef idx="minor">
+            <a:schemeClr val="lt1"/>
+          </a:fontRef>
+        </p:style>
+        <p:txBody>
+          <a:bodyPr rtlCol="0" anchor="ctr"/>
+          <a:lstStyle/>
+          <a:p>
+            <a:pPr algn="ctr"/>
+            <a:r>
+              <a:rPr lang="pt-BR" dirty="0" smtClean="0">
+                <a:solidFill>
+                  <a:schemeClr val="tx1"/>
+                </a:solidFill>
+              </a:rPr>
+              <a:t>2º</a:t>
+            </a:r>
+            <a:endParaRPr lang="pt-BR" dirty="0">
+              <a:solidFill>
+                <a:schemeClr val="tx1"/>
+              </a:solidFill>
+            </a:endParaRPr>
+          </a:p>
+        </p:txBody>
+      </p:sp>
+      <p:pic>
+        <p:nvPicPr>
+          <p:cNvPr id="8" name="Imagem 7"/>
+          <p:cNvPicPr>
+            <a:picLocks noChangeAspect="1"/>
+          </p:cNvPicPr>
+          <p:nvPr/>
+        </p:nvPicPr>
+        <p:blipFill>
+          <a:blip r:embed="rId5" cstate="print">
+            <a:extLst>
+              <a:ext uri="{28A0092B-C50C-407E-A947-70E740481C1C}">
+                <a14:useLocalDpi xmlns:a14="http://schemas.microsoft.com/office/drawing/2010/main" val="0"/>
+              </a:ext>
+            </a:extLst>
+          </a:blip>
+          <a:stretch>
+            <a:fillRect/>
+          </a:stretch>
+        </p:blipFill>
+        <p:spPr>
+          <a:xfrm>
+            <a:off x="8894093" y="489681"/>
+            <a:ext cx="748911" cy="748911"/>
+          </a:xfrm>
+          <a:prstGeom prst="rect">
+            <a:avLst/>
+          </a:prstGeom>
+        </p:spPr>
+      </p:pic>
+      <p:sp>
+        <p:nvSpPr>
+          <p:cNvPr id="28" name="Retângulo de cantos arredondados 27"/>
+          <p:cNvSpPr/>
+          <p:nvPr/>
+        </p:nvSpPr>
+        <p:spPr>
+          <a:xfrm>
+            <a:off x="5395370" y="5587210"/>
+            <a:ext cx="1290702" cy="715877"/>
+          </a:xfrm>
+          <a:prstGeom prst="roundRect">
+            <a:avLst/>
+          </a:prstGeom>
+          <a:solidFill>
+            <a:srgbClr val="FDEBC7"/>
+          </a:solidFill>
+          <a:ln>
+            <a:noFill/>
+          </a:ln>
+          <a:effectLst>
+            <a:outerShdw blurRad="50800" dist="38100" dir="2700000" algn="tl" rotWithShape="0">
+              <a:prstClr val="black">
+                <a:alpha val="40000"/>
+              </a:prstClr>
+            </a:outerShdw>
+          </a:effectLst>
+        </p:spPr>
+        <p:style>
+          <a:lnRef idx="2">
+            <a:schemeClr val="accent1">
+              <a:shade val="50000"/>
+            </a:schemeClr>
+          </a:lnRef>
+          <a:fillRef idx="1">
+            <a:schemeClr val="accent1"/>
+          </a:fillRef>
+          <a:effectRef idx="0">
+            <a:schemeClr val="accent1"/>
+          </a:effectRef>
+          <a:fontRef idx="minor">
+            <a:schemeClr val="lt1"/>
+          </a:fontRef>
+        </p:style>
+        <p:txBody>
+          <a:bodyPr rtlCol="0" anchor="ctr"/>
+          <a:lstStyle/>
+          <a:p>
+            <a:pPr algn="ctr"/>
+            <a:r>
+              <a:rPr lang="pt-BR" dirty="0" smtClean="0">
+                <a:solidFill>
+                  <a:schemeClr val="tx1"/>
+                </a:solidFill>
+              </a:rPr>
+              <a:t>150</a:t>
+            </a:r>
+            <a:endParaRPr lang="pt-BR" dirty="0">
+              <a:solidFill>
+                <a:schemeClr val="tx1"/>
+              </a:solidFill>
+            </a:endParaRPr>
+          </a:p>
+        </p:txBody>
+      </p:sp>
+      <p:sp>
+        <p:nvSpPr>
+          <p:cNvPr id="30" name="Retângulo 29"/>
+          <p:cNvSpPr/>
+          <p:nvPr/>
+        </p:nvSpPr>
+        <p:spPr>
+          <a:xfrm>
+            <a:off x="5499123" y="5409996"/>
+            <a:ext cx="1083196" cy="378657"/>
+          </a:xfrm>
+          <a:prstGeom prst="rect">
+            <a:avLst/>
+          </a:prstGeom>
+          <a:solidFill>
+            <a:srgbClr val="8DBA62"/>
+          </a:solidFill>
+          <a:ln>
+            <a:solidFill>
+              <a:srgbClr val="73D54A"/>
+            </a:solidFill>
+          </a:ln>
+          <a:effectLst>
+            <a:outerShdw blurRad="50800" dist="38100" dir="2700000" algn="tl" rotWithShape="0">
+              <a:prstClr val="black">
+                <a:alpha val="40000"/>
+              </a:prstClr>
+            </a:outerShdw>
+            <a:softEdge rad="0"/>
+          </a:effectLst>
+        </p:spPr>
+        <p:style>
+          <a:lnRef idx="2">
+            <a:schemeClr val="accent1">
+              <a:shade val="50000"/>
+            </a:schemeClr>
+          </a:lnRef>
+          <a:fillRef idx="1">
+            <a:schemeClr val="accent1"/>
+          </a:fillRef>
+          <a:effectRef idx="0">
+            <a:schemeClr val="accent1"/>
+          </a:effectRef>
+          <a:fontRef idx="minor">
+            <a:schemeClr val="lt1"/>
+          </a:fontRef>
+        </p:style>
+        <p:txBody>
+          <a:bodyPr rtlCol="0" anchor="ctr"/>
+          <a:lstStyle/>
+          <a:p>
+            <a:pPr algn="ctr"/>
+            <a:r>
+              <a:rPr lang="pt-BR" dirty="0" smtClean="0"/>
+              <a:t>Score</a:t>
+            </a:r>
+            <a:endParaRPr lang="pt-BR" dirty="0"/>
+          </a:p>
+        </p:txBody>
+      </p:sp>
+      <p:sp>
+        <p:nvSpPr>
+          <p:cNvPr id="40" name="Retângulo de cantos arredondados 39"/>
+          <p:cNvSpPr/>
+          <p:nvPr/>
+        </p:nvSpPr>
+        <p:spPr>
+          <a:xfrm>
+            <a:off x="1560817" y="5792058"/>
+            <a:ext cx="2341963" cy="449141"/>
+          </a:xfrm>
+          <a:prstGeom prst="roundRect">
+            <a:avLst/>
+          </a:prstGeom>
+          <a:solidFill>
+            <a:srgbClr val="FDEBC7"/>
+          </a:solidFill>
+          <a:ln>
+            <a:noFill/>
+          </a:ln>
+          <a:effectLst>
+            <a:outerShdw blurRad="50800" dist="38100" dir="2700000" algn="tl" rotWithShape="0">
+              <a:prstClr val="black">
+                <a:alpha val="40000"/>
+              </a:prstClr>
+            </a:outerShdw>
+          </a:effectLst>
+        </p:spPr>
+        <p:style>
+          <a:lnRef idx="2">
+            <a:schemeClr val="accent1">
+              <a:shade val="50000"/>
+            </a:schemeClr>
+          </a:lnRef>
+          <a:fillRef idx="1">
+            <a:schemeClr val="accent1"/>
+          </a:fillRef>
+          <a:effectRef idx="0">
+            <a:schemeClr val="accent1"/>
+          </a:effectRef>
+          <a:fontRef idx="minor">
+            <a:schemeClr val="lt1"/>
+          </a:fontRef>
+        </p:style>
+        <p:txBody>
+          <a:bodyPr rtlCol="0" anchor="ctr"/>
+          <a:lstStyle/>
+          <a:p>
+            <a:pPr algn="ctr"/>
+            <a:endParaRPr lang="pt-BR" dirty="0">
+              <a:solidFill>
+                <a:schemeClr val="tx1"/>
+              </a:solidFill>
+            </a:endParaRPr>
+          </a:p>
+        </p:txBody>
+      </p:sp>
+      <p:pic>
+        <p:nvPicPr>
+          <p:cNvPr id="41" name="Imagem 40"/>
+          <p:cNvPicPr>
+            <a:picLocks noChangeAspect="1"/>
+          </p:cNvPicPr>
+          <p:nvPr/>
+        </p:nvPicPr>
+        <p:blipFill>
+          <a:blip r:embed="rId6" cstate="print">
+            <a:extLst>
+              <a:ext uri="{28A0092B-C50C-407E-A947-70E740481C1C}">
+                <a14:useLocalDpi xmlns:a14="http://schemas.microsoft.com/office/drawing/2010/main" val="0"/>
+              </a:ext>
+            </a:extLst>
+          </a:blip>
+          <a:stretch>
+            <a:fillRect/>
+          </a:stretch>
+        </p:blipFill>
+        <p:spPr>
+          <a:xfrm>
+            <a:off x="1745659" y="5801056"/>
+            <a:ext cx="587403" cy="440143"/>
+          </a:xfrm>
+          <a:prstGeom prst="rect">
+            <a:avLst/>
+          </a:prstGeom>
+        </p:spPr>
+      </p:pic>
+      <p:pic>
+        <p:nvPicPr>
+          <p:cNvPr id="42" name="Imagem 41"/>
+          <p:cNvPicPr>
+            <a:picLocks noChangeAspect="1"/>
+          </p:cNvPicPr>
+          <p:nvPr/>
+        </p:nvPicPr>
+        <p:blipFill>
+          <a:blip r:embed="rId7" cstate="print">
+            <a:extLst>
+              <a:ext uri="{BEBA8EAE-BF5A-486C-A8C5-ECC9F3942E4B}">
+                <a14:imgProps xmlns:a14="http://schemas.microsoft.com/office/drawing/2010/main">
+                  <a14:imgLayer r:embed="rId8">
+                    <a14:imgEffect>
+                      <a14:backgroundRemoval t="10000" b="90000" l="10000" r="90000">
+                        <a14:foregroundMark x1="34725" y1="55385" x2="39780" y2="60440"/>
+                      </a14:backgroundRemoval>
+                    </a14:imgEffect>
+                  </a14:imgLayer>
+                </a14:imgProps>
+              </a:ext>
+              <a:ext uri="{28A0092B-C50C-407E-A947-70E740481C1C}">
+                <a14:useLocalDpi xmlns:a14="http://schemas.microsoft.com/office/drawing/2010/main" val="0"/>
+              </a:ext>
+            </a:extLst>
+          </a:blip>
+          <a:stretch>
+            <a:fillRect/>
+          </a:stretch>
+        </p:blipFill>
+        <p:spPr>
+          <a:xfrm>
+            <a:off x="2333062" y="5801056"/>
+            <a:ext cx="476272" cy="476272"/>
+          </a:xfrm>
+          <a:prstGeom prst="rect">
+            <a:avLst/>
+          </a:prstGeom>
+        </p:spPr>
+      </p:pic>
+      <p:sp>
+        <p:nvSpPr>
+          <p:cNvPr id="43" name="CaixaDeTexto 42"/>
+          <p:cNvSpPr txBox="1"/>
+          <p:nvPr/>
+        </p:nvSpPr>
+        <p:spPr>
+          <a:xfrm>
+            <a:off x="2961206" y="5779534"/>
+            <a:ext cx="806891" cy="461665"/>
+          </a:xfrm>
+          <a:prstGeom prst="rect">
+            <a:avLst/>
+          </a:prstGeom>
+          <a:noFill/>
+        </p:spPr>
+        <p:txBody>
+          <a:bodyPr wrap="square" rtlCol="0">
+            <a:spAutoFit/>
+          </a:bodyPr>
+          <a:lstStyle/>
+          <a:p>
+            <a:r>
+              <a:rPr lang="pt-BR" sz="2400" dirty="0" smtClean="0">
+                <a:solidFill>
+                  <a:srgbClr val="5DB427"/>
+                </a:solidFill>
+                <a:latin typeface="Bahnschrift" panose="020B0502040204020203" pitchFamily="34" charset="0"/>
+              </a:rPr>
+              <a:t>2 x</a:t>
+            </a:r>
+            <a:endParaRPr lang="pt-BR" sz="2400" dirty="0">
+              <a:solidFill>
+                <a:srgbClr val="5DB427"/>
+              </a:solidFill>
+              <a:latin typeface="Bahnschrift" panose="020B0502040204020203" pitchFamily="34" charset="0"/>
+            </a:endParaRPr>
+          </a:p>
+        </p:txBody>
+      </p:sp>
+      <p:pic>
+        <p:nvPicPr>
+          <p:cNvPr id="3" name="Imagem 2"/>
+          <p:cNvPicPr>
+            <a:picLocks noChangeAspect="1"/>
+          </p:cNvPicPr>
+          <p:nvPr/>
+        </p:nvPicPr>
+        <p:blipFill>
+          <a:blip r:embed="rId9" cstate="print">
+            <a:extLst>
+              <a:ext uri="{BEBA8EAE-BF5A-486C-A8C5-ECC9F3942E4B}">
+                <a14:imgProps xmlns:a14="http://schemas.microsoft.com/office/drawing/2010/main">
+                  <a14:imgLayer r:embed="rId10">
+                    <a14:imgEffect>
+                      <a14:backgroundRemoval t="10000" b="90000" l="10000" r="90000"/>
+                    </a14:imgEffect>
+                  </a14:imgLayer>
+                </a14:imgProps>
+              </a:ext>
+              <a:ext uri="{28A0092B-C50C-407E-A947-70E740481C1C}">
+                <a14:useLocalDpi xmlns:a14="http://schemas.microsoft.com/office/drawing/2010/main" val="0"/>
+              </a:ext>
+            </a:extLst>
+          </a:blip>
+          <a:stretch>
+            <a:fillRect/>
+          </a:stretch>
+        </p:blipFill>
+        <p:spPr>
+          <a:xfrm>
+            <a:off x="1146749" y="5589785"/>
+            <a:ext cx="826207" cy="826207"/>
+          </a:xfrm>
+          <a:prstGeom prst="rect">
+            <a:avLst/>
+          </a:prstGeom>
+        </p:spPr>
+      </p:pic>
+      <p:grpSp>
+        <p:nvGrpSpPr>
+          <p:cNvPr id="19" name="Grupo 18"/>
+          <p:cNvGrpSpPr/>
+          <p:nvPr/>
+        </p:nvGrpSpPr>
+        <p:grpSpPr>
+          <a:xfrm>
+            <a:off x="2222500" y="1720849"/>
+            <a:ext cx="1133476" cy="1514757"/>
+            <a:chOff x="2222500" y="1720849"/>
+            <a:chExt cx="1133476" cy="1514757"/>
+          </a:xfrm>
+        </p:grpSpPr>
+        <p:sp>
+          <p:nvSpPr>
+            <p:cNvPr id="48" name="Retângulo 47"/>
+            <p:cNvSpPr/>
+            <p:nvPr/>
+          </p:nvSpPr>
+          <p:spPr>
+            <a:xfrm>
+              <a:off x="2222500" y="1720849"/>
+              <a:ext cx="1133476" cy="1514757"/>
+            </a:xfrm>
+            <a:prstGeom prst="rect">
+              <a:avLst/>
+            </a:prstGeom>
+            <a:solidFill>
+              <a:srgbClr val="FDEBC7"/>
+            </a:solidFill>
+            <a:ln>
+              <a:solidFill>
+                <a:srgbClr val="8DBA62"/>
+              </a:solidFill>
+            </a:ln>
+          </p:spPr>
+          <p:style>
+            <a:lnRef idx="2">
+              <a:schemeClr val="accent1">
+                <a:shade val="50000"/>
+              </a:schemeClr>
+            </a:lnRef>
+            <a:fillRef idx="1">
+              <a:schemeClr val="accent1"/>
+            </a:fillRef>
+            <a:effectRef idx="0">
+              <a:schemeClr val="accent1"/>
+            </a:effectRef>
+            <a:fontRef idx="minor">
+              <a:schemeClr val="lt1"/>
+            </a:fontRef>
+          </p:style>
+          <p:txBody>
+            <a:bodyPr rtlCol="0" anchor="ctr"/>
+            <a:lstStyle/>
+            <a:p>
+              <a:pPr algn="ctr"/>
+              <a:endParaRPr lang="pt-BR"/>
+            </a:p>
+          </p:txBody>
+        </p:sp>
+        <p:sp>
+          <p:nvSpPr>
+            <p:cNvPr id="10" name="Retângulo 9"/>
+            <p:cNvSpPr/>
+            <p:nvPr/>
+          </p:nvSpPr>
+          <p:spPr>
+            <a:xfrm>
+              <a:off x="2274979" y="1772529"/>
+              <a:ext cx="1027638" cy="1411916"/>
+            </a:xfrm>
+            <a:prstGeom prst="rect">
+              <a:avLst/>
+            </a:prstGeom>
+            <a:solidFill>
+              <a:srgbClr val="8DBA62"/>
+            </a:solidFill>
+            <a:ln>
+              <a:solidFill>
+                <a:srgbClr val="8DBA62"/>
+              </a:solidFill>
+            </a:ln>
+          </p:spPr>
+          <p:style>
+            <a:lnRef idx="2">
+              <a:schemeClr val="accent1">
+                <a:shade val="50000"/>
+              </a:schemeClr>
+            </a:lnRef>
+            <a:fillRef idx="1">
+              <a:schemeClr val="accent1"/>
+            </a:fillRef>
+            <a:effectRef idx="0">
+              <a:schemeClr val="accent1"/>
+            </a:effectRef>
+            <a:fontRef idx="minor">
+              <a:schemeClr val="lt1"/>
+            </a:fontRef>
+          </p:style>
+          <p:txBody>
+            <a:bodyPr rtlCol="0" anchor="ctr"/>
+            <a:lstStyle/>
+            <a:p>
+              <a:pPr algn="ctr"/>
+              <a:endParaRPr lang="pt-BR"/>
+            </a:p>
+          </p:txBody>
+        </p:sp>
+        <p:sp>
+          <p:nvSpPr>
+            <p:cNvPr id="13" name="Elipse 12"/>
+            <p:cNvSpPr/>
+            <p:nvPr/>
+          </p:nvSpPr>
+          <p:spPr>
+            <a:xfrm>
+              <a:off x="2341225" y="1872436"/>
+              <a:ext cx="895145" cy="1211582"/>
+            </a:xfrm>
+            <a:prstGeom prst="ellipse">
+              <a:avLst/>
+            </a:prstGeom>
+            <a:solidFill>
+              <a:srgbClr val="FDEBC7"/>
+            </a:solidFill>
+            <a:ln>
+              <a:solidFill>
+                <a:srgbClr val="FDEBC7"/>
+              </a:solidFill>
+            </a:ln>
+          </p:spPr>
+          <p:style>
+            <a:lnRef idx="2">
+              <a:schemeClr val="accent1">
+                <a:shade val="50000"/>
+              </a:schemeClr>
+            </a:lnRef>
+            <a:fillRef idx="1">
+              <a:schemeClr val="accent1"/>
+            </a:fillRef>
+            <a:effectRef idx="0">
+              <a:schemeClr val="accent1"/>
+            </a:effectRef>
+            <a:fontRef idx="minor">
+              <a:schemeClr val="lt1"/>
+            </a:fontRef>
+          </p:style>
+          <p:txBody>
+            <a:bodyPr rtlCol="0" anchor="ctr"/>
+            <a:lstStyle/>
+            <a:p>
+              <a:pPr algn="ctr"/>
+              <a:endParaRPr lang="pt-BR"/>
+            </a:p>
+          </p:txBody>
+        </p:sp>
+        <p:pic>
+          <p:nvPicPr>
+            <p:cNvPr id="12" name="Imagem 11"/>
+            <p:cNvPicPr>
+              <a:picLocks noChangeAspect="1"/>
+            </p:cNvPicPr>
+            <p:nvPr/>
+          </p:nvPicPr>
+          <p:blipFill rotWithShape="1">
+            <a:blip r:embed="rId11" cstate="print">
+              <a:extLst>
+                <a:ext uri="{28A0092B-C50C-407E-A947-70E740481C1C}">
+                  <a14:useLocalDpi xmlns:a14="http://schemas.microsoft.com/office/drawing/2010/main" val="0"/>
+                </a:ext>
+              </a:extLst>
+            </a:blip>
+            <a:srcRect l="19090" t="18911" r="17886" b="17557"/>
+            <a:stretch/>
+          </p:blipFill>
+          <p:spPr>
+            <a:xfrm>
+              <a:off x="2400300" y="2101850"/>
+              <a:ext cx="787400" cy="793750"/>
+            </a:xfrm>
+            <a:prstGeom prst="rect">
+              <a:avLst/>
+            </a:prstGeom>
+          </p:spPr>
+        </p:pic>
+      </p:grpSp>
+      <p:grpSp>
+        <p:nvGrpSpPr>
+          <p:cNvPr id="50" name="Grupo 49"/>
+          <p:cNvGrpSpPr/>
+          <p:nvPr/>
+        </p:nvGrpSpPr>
+        <p:grpSpPr>
+          <a:xfrm>
+            <a:off x="3732884" y="1720848"/>
+            <a:ext cx="1133476" cy="1514757"/>
+            <a:chOff x="2222500" y="1720849"/>
+            <a:chExt cx="1133476" cy="1514757"/>
+          </a:xfrm>
+        </p:grpSpPr>
+        <p:sp>
+          <p:nvSpPr>
+            <p:cNvPr id="51" name="Retângulo 50"/>
+            <p:cNvSpPr/>
+            <p:nvPr/>
+          </p:nvSpPr>
+          <p:spPr>
+            <a:xfrm>
+              <a:off x="2222500" y="1720849"/>
+              <a:ext cx="1133476" cy="1514757"/>
+            </a:xfrm>
+            <a:prstGeom prst="rect">
+              <a:avLst/>
+            </a:prstGeom>
+            <a:solidFill>
+              <a:srgbClr val="FDEBC7"/>
+            </a:solidFill>
+            <a:ln>
+              <a:solidFill>
+                <a:srgbClr val="8DBA62"/>
+              </a:solidFill>
+            </a:ln>
+          </p:spPr>
+          <p:style>
+            <a:lnRef idx="2">
+              <a:schemeClr val="accent1">
+                <a:shade val="50000"/>
+              </a:schemeClr>
+            </a:lnRef>
+            <a:fillRef idx="1">
+              <a:schemeClr val="accent1"/>
+            </a:fillRef>
+            <a:effectRef idx="0">
+              <a:schemeClr val="accent1"/>
+            </a:effectRef>
+            <a:fontRef idx="minor">
+              <a:schemeClr val="lt1"/>
+            </a:fontRef>
+          </p:style>
+          <p:txBody>
+            <a:bodyPr rtlCol="0" anchor="ctr"/>
+            <a:lstStyle/>
+            <a:p>
+              <a:pPr algn="ctr"/>
+              <a:endParaRPr lang="pt-BR"/>
+            </a:p>
+          </p:txBody>
+        </p:sp>
+        <p:sp>
+          <p:nvSpPr>
+            <p:cNvPr id="52" name="Retângulo 51"/>
+            <p:cNvSpPr/>
+            <p:nvPr/>
+          </p:nvSpPr>
+          <p:spPr>
+            <a:xfrm>
+              <a:off x="2274979" y="1772529"/>
+              <a:ext cx="1027638" cy="1411916"/>
+            </a:xfrm>
+            <a:prstGeom prst="rect">
+              <a:avLst/>
+            </a:prstGeom>
+            <a:solidFill>
+              <a:srgbClr val="8DBA62"/>
+            </a:solidFill>
+            <a:ln>
+              <a:solidFill>
+                <a:srgbClr val="8DBA62"/>
+              </a:solidFill>
+            </a:ln>
+          </p:spPr>
+          <p:style>
+            <a:lnRef idx="2">
+              <a:schemeClr val="accent1">
+                <a:shade val="50000"/>
+              </a:schemeClr>
+            </a:lnRef>
+            <a:fillRef idx="1">
+              <a:schemeClr val="accent1"/>
+            </a:fillRef>
+            <a:effectRef idx="0">
+              <a:schemeClr val="accent1"/>
+            </a:effectRef>
+            <a:fontRef idx="minor">
+              <a:schemeClr val="lt1"/>
+            </a:fontRef>
+          </p:style>
+          <p:txBody>
+            <a:bodyPr rtlCol="0" anchor="ctr"/>
+            <a:lstStyle/>
+            <a:p>
+              <a:pPr algn="ctr"/>
+              <a:endParaRPr lang="pt-BR"/>
+            </a:p>
+          </p:txBody>
+        </p:sp>
+        <p:sp>
+          <p:nvSpPr>
+            <p:cNvPr id="53" name="Elipse 52"/>
+            <p:cNvSpPr/>
+            <p:nvPr/>
+          </p:nvSpPr>
+          <p:spPr>
+            <a:xfrm>
+              <a:off x="2341225" y="1872436"/>
+              <a:ext cx="895145" cy="1211582"/>
+            </a:xfrm>
+            <a:prstGeom prst="ellipse">
+              <a:avLst/>
+            </a:prstGeom>
+            <a:solidFill>
+              <a:srgbClr val="FDEBC7"/>
+            </a:solidFill>
+            <a:ln>
+              <a:solidFill>
+                <a:srgbClr val="FDEBC7"/>
+              </a:solidFill>
+            </a:ln>
+          </p:spPr>
+          <p:style>
+            <a:lnRef idx="2">
+              <a:schemeClr val="accent1">
+                <a:shade val="50000"/>
+              </a:schemeClr>
+            </a:lnRef>
+            <a:fillRef idx="1">
+              <a:schemeClr val="accent1"/>
+            </a:fillRef>
+            <a:effectRef idx="0">
+              <a:schemeClr val="accent1"/>
+            </a:effectRef>
+            <a:fontRef idx="minor">
+              <a:schemeClr val="lt1"/>
+            </a:fontRef>
+          </p:style>
+          <p:txBody>
+            <a:bodyPr rtlCol="0" anchor="ctr"/>
+            <a:lstStyle/>
+            <a:p>
+              <a:pPr algn="ctr"/>
+              <a:endParaRPr lang="pt-BR"/>
+            </a:p>
+          </p:txBody>
+        </p:sp>
+        <p:pic>
+          <p:nvPicPr>
+            <p:cNvPr id="54" name="Imagem 53"/>
+            <p:cNvPicPr>
+              <a:picLocks noChangeAspect="1"/>
+            </p:cNvPicPr>
+            <p:nvPr/>
+          </p:nvPicPr>
+          <p:blipFill rotWithShape="1">
+            <a:blip r:embed="rId12" cstate="print">
+              <a:extLst>
+                <a:ext uri="{BEBA8EAE-BF5A-486C-A8C5-ECC9F3942E4B}">
+                  <a14:imgProps xmlns:a14="http://schemas.microsoft.com/office/drawing/2010/main">
+                    <a14:imgLayer r:embed="rId13">
+                      <a14:imgEffect>
+                        <a14:backgroundRemoval t="10000" b="90000" l="10000" r="90000">
+                          <a14:foregroundMark x1="54142" y1="68935" x2="59763" y2="67456"/>
+                          <a14:foregroundMark x1="27515" y1="52367" x2="27811" y2="44675"/>
+                        </a14:backgroundRemoval>
+                      </a14:imgEffect>
+                    </a14:imgLayer>
+                  </a14:imgProps>
+                </a:ext>
+                <a:ext uri="{28A0092B-C50C-407E-A947-70E740481C1C}">
+                  <a14:useLocalDpi xmlns:a14="http://schemas.microsoft.com/office/drawing/2010/main" val="0"/>
+                </a:ext>
+              </a:extLst>
+            </a:blip>
+            <a:srcRect l="19090" t="18911" r="17886" b="17557"/>
+            <a:stretch/>
+          </p:blipFill>
+          <p:spPr>
+            <a:xfrm>
+              <a:off x="2400300" y="2101850"/>
+              <a:ext cx="787400" cy="793750"/>
+            </a:xfrm>
+            <a:prstGeom prst="rect">
+              <a:avLst/>
+            </a:prstGeom>
+          </p:spPr>
+        </p:pic>
+      </p:grpSp>
+      <p:grpSp>
+        <p:nvGrpSpPr>
+          <p:cNvPr id="55" name="Grupo 54"/>
+          <p:cNvGrpSpPr/>
+          <p:nvPr/>
+        </p:nvGrpSpPr>
+        <p:grpSpPr>
+          <a:xfrm>
+            <a:off x="5205168" y="1720126"/>
+            <a:ext cx="1133476" cy="1514757"/>
+            <a:chOff x="2222500" y="1720849"/>
+            <a:chExt cx="1133476" cy="1514757"/>
+          </a:xfrm>
+        </p:grpSpPr>
+        <p:sp>
+          <p:nvSpPr>
+            <p:cNvPr id="56" name="Retângulo 55"/>
+            <p:cNvSpPr/>
+            <p:nvPr/>
+          </p:nvSpPr>
+          <p:spPr>
+            <a:xfrm>
+              <a:off x="2222500" y="1720849"/>
+              <a:ext cx="1133476" cy="1514757"/>
+            </a:xfrm>
+            <a:prstGeom prst="rect">
+              <a:avLst/>
+            </a:prstGeom>
+            <a:solidFill>
+              <a:srgbClr val="FDEBC7"/>
+            </a:solidFill>
+            <a:ln>
+              <a:solidFill>
+                <a:srgbClr val="8DBA62"/>
+              </a:solidFill>
+            </a:ln>
+          </p:spPr>
+          <p:style>
+            <a:lnRef idx="2">
+              <a:schemeClr val="accent1">
+                <a:shade val="50000"/>
+              </a:schemeClr>
+            </a:lnRef>
+            <a:fillRef idx="1">
+              <a:schemeClr val="accent1"/>
+            </a:fillRef>
+            <a:effectRef idx="0">
+              <a:schemeClr val="accent1"/>
+            </a:effectRef>
+            <a:fontRef idx="minor">
+              <a:schemeClr val="lt1"/>
+            </a:fontRef>
+          </p:style>
+          <p:txBody>
+            <a:bodyPr rtlCol="0" anchor="ctr"/>
+            <a:lstStyle/>
+            <a:p>
+              <a:pPr algn="ctr"/>
+              <a:endParaRPr lang="pt-BR"/>
+            </a:p>
+          </p:txBody>
+        </p:sp>
+        <p:sp>
+          <p:nvSpPr>
+            <p:cNvPr id="57" name="Retângulo 56"/>
+            <p:cNvSpPr/>
+            <p:nvPr/>
+          </p:nvSpPr>
+          <p:spPr>
+            <a:xfrm>
+              <a:off x="2274979" y="1772529"/>
+              <a:ext cx="1027638" cy="1411916"/>
+            </a:xfrm>
+            <a:prstGeom prst="rect">
+              <a:avLst/>
+            </a:prstGeom>
+            <a:solidFill>
+              <a:srgbClr val="8DBA62"/>
+            </a:solidFill>
+            <a:ln>
+              <a:solidFill>
+                <a:srgbClr val="8DBA62"/>
+              </a:solidFill>
+            </a:ln>
+          </p:spPr>
+          <p:style>
+            <a:lnRef idx="2">
+              <a:schemeClr val="accent1">
+                <a:shade val="50000"/>
+              </a:schemeClr>
+            </a:lnRef>
+            <a:fillRef idx="1">
+              <a:schemeClr val="accent1"/>
+            </a:fillRef>
+            <a:effectRef idx="0">
+              <a:schemeClr val="accent1"/>
+            </a:effectRef>
+            <a:fontRef idx="minor">
+              <a:schemeClr val="lt1"/>
+            </a:fontRef>
+          </p:style>
+          <p:txBody>
+            <a:bodyPr rtlCol="0" anchor="ctr"/>
+            <a:lstStyle/>
+            <a:p>
+              <a:pPr algn="ctr"/>
+              <a:endParaRPr lang="pt-BR"/>
+            </a:p>
+          </p:txBody>
+        </p:sp>
+        <p:sp>
+          <p:nvSpPr>
+            <p:cNvPr id="58" name="Elipse 57"/>
+            <p:cNvSpPr/>
+            <p:nvPr/>
+          </p:nvSpPr>
+          <p:spPr>
+            <a:xfrm>
+              <a:off x="2341225" y="1872436"/>
+              <a:ext cx="895145" cy="1211582"/>
+            </a:xfrm>
+            <a:prstGeom prst="ellipse">
+              <a:avLst/>
+            </a:prstGeom>
+            <a:solidFill>
+              <a:srgbClr val="FDEBC7"/>
+            </a:solidFill>
+            <a:ln>
+              <a:solidFill>
+                <a:srgbClr val="FDEBC7"/>
+              </a:solidFill>
+            </a:ln>
+          </p:spPr>
+          <p:style>
+            <a:lnRef idx="2">
+              <a:schemeClr val="accent1">
+                <a:shade val="50000"/>
+              </a:schemeClr>
+            </a:lnRef>
+            <a:fillRef idx="1">
+              <a:schemeClr val="accent1"/>
+            </a:fillRef>
+            <a:effectRef idx="0">
+              <a:schemeClr val="accent1"/>
+            </a:effectRef>
+            <a:fontRef idx="minor">
+              <a:schemeClr val="lt1"/>
+            </a:fontRef>
+          </p:style>
+          <p:txBody>
+            <a:bodyPr rtlCol="0" anchor="ctr"/>
+            <a:lstStyle/>
+            <a:p>
+              <a:pPr algn="ctr"/>
+              <a:endParaRPr lang="pt-BR"/>
+            </a:p>
+          </p:txBody>
+        </p:sp>
+        <p:pic>
+          <p:nvPicPr>
+            <p:cNvPr id="59" name="Imagem 58"/>
+            <p:cNvPicPr>
+              <a:picLocks noChangeAspect="1"/>
+            </p:cNvPicPr>
+            <p:nvPr/>
+          </p:nvPicPr>
+          <p:blipFill rotWithShape="1">
+            <a:blip r:embed="rId12" cstate="print">
+              <a:extLst>
+                <a:ext uri="{28A0092B-C50C-407E-A947-70E740481C1C}">
+                  <a14:useLocalDpi xmlns:a14="http://schemas.microsoft.com/office/drawing/2010/main" val="0"/>
+                </a:ext>
+              </a:extLst>
+            </a:blip>
+            <a:srcRect l="19090" t="18911" r="17886" b="17557"/>
+            <a:stretch/>
+          </p:blipFill>
+          <p:spPr>
+            <a:xfrm>
+              <a:off x="2400300" y="2101850"/>
+              <a:ext cx="787400" cy="793750"/>
+            </a:xfrm>
+            <a:prstGeom prst="rect">
+              <a:avLst/>
+            </a:prstGeom>
+          </p:spPr>
+        </p:pic>
+      </p:grpSp>
+      <p:grpSp>
+        <p:nvGrpSpPr>
+          <p:cNvPr id="60" name="Grupo 59"/>
+          <p:cNvGrpSpPr/>
+          <p:nvPr/>
+        </p:nvGrpSpPr>
+        <p:grpSpPr>
+          <a:xfrm>
+            <a:off x="6814593" y="1720125"/>
+            <a:ext cx="1133476" cy="1514757"/>
+            <a:chOff x="2222500" y="1720849"/>
+            <a:chExt cx="1133476" cy="1514757"/>
+          </a:xfrm>
+        </p:grpSpPr>
+        <p:sp>
+          <p:nvSpPr>
+            <p:cNvPr id="61" name="Retângulo 60"/>
+            <p:cNvSpPr/>
+            <p:nvPr/>
+          </p:nvSpPr>
+          <p:spPr>
+            <a:xfrm>
+              <a:off x="2222500" y="1720849"/>
+              <a:ext cx="1133476" cy="1514757"/>
+            </a:xfrm>
+            <a:prstGeom prst="rect">
+              <a:avLst/>
+            </a:prstGeom>
+            <a:solidFill>
+              <a:srgbClr val="FDEBC7"/>
+            </a:solidFill>
+            <a:ln>
+              <a:solidFill>
+                <a:srgbClr val="8DBA62"/>
+              </a:solidFill>
+            </a:ln>
+          </p:spPr>
+          <p:style>
+            <a:lnRef idx="2">
+              <a:schemeClr val="accent1">
+                <a:shade val="50000"/>
+              </a:schemeClr>
+            </a:lnRef>
+            <a:fillRef idx="1">
+              <a:schemeClr val="accent1"/>
+            </a:fillRef>
+            <a:effectRef idx="0">
+              <a:schemeClr val="accent1"/>
+            </a:effectRef>
+            <a:fontRef idx="minor">
+              <a:schemeClr val="lt1"/>
+            </a:fontRef>
+          </p:style>
+          <p:txBody>
+            <a:bodyPr rtlCol="0" anchor="ctr"/>
+            <a:lstStyle/>
+            <a:p>
+              <a:pPr algn="ctr"/>
+              <a:endParaRPr lang="pt-BR"/>
+            </a:p>
+          </p:txBody>
+        </p:sp>
+        <p:sp>
+          <p:nvSpPr>
+            <p:cNvPr id="62" name="Retângulo 61"/>
+            <p:cNvSpPr/>
+            <p:nvPr/>
+          </p:nvSpPr>
+          <p:spPr>
+            <a:xfrm>
+              <a:off x="2274979" y="1772529"/>
+              <a:ext cx="1027638" cy="1411916"/>
+            </a:xfrm>
+            <a:prstGeom prst="rect">
+              <a:avLst/>
+            </a:prstGeom>
+            <a:solidFill>
+              <a:srgbClr val="8DBA62"/>
+            </a:solidFill>
+            <a:ln>
+              <a:solidFill>
+                <a:srgbClr val="8DBA62"/>
+              </a:solidFill>
+            </a:ln>
+          </p:spPr>
+          <p:style>
+            <a:lnRef idx="2">
+              <a:schemeClr val="accent1">
+                <a:shade val="50000"/>
+              </a:schemeClr>
+            </a:lnRef>
+            <a:fillRef idx="1">
+              <a:schemeClr val="accent1"/>
+            </a:fillRef>
+            <a:effectRef idx="0">
+              <a:schemeClr val="accent1"/>
+            </a:effectRef>
+            <a:fontRef idx="minor">
+              <a:schemeClr val="lt1"/>
+            </a:fontRef>
+          </p:style>
+          <p:txBody>
+            <a:bodyPr rtlCol="0" anchor="ctr"/>
+            <a:lstStyle/>
+            <a:p>
+              <a:pPr algn="ctr"/>
+              <a:endParaRPr lang="pt-BR"/>
+            </a:p>
+          </p:txBody>
+        </p:sp>
+        <p:sp>
+          <p:nvSpPr>
+            <p:cNvPr id="63" name="Elipse 62"/>
+            <p:cNvSpPr/>
+            <p:nvPr/>
+          </p:nvSpPr>
+          <p:spPr>
+            <a:xfrm>
+              <a:off x="2341225" y="1872436"/>
+              <a:ext cx="895145" cy="1211582"/>
+            </a:xfrm>
+            <a:prstGeom prst="ellipse">
+              <a:avLst/>
+            </a:prstGeom>
+            <a:solidFill>
+              <a:srgbClr val="FDEBC7"/>
+            </a:solidFill>
+            <a:ln>
+              <a:solidFill>
+                <a:srgbClr val="FDEBC7"/>
+              </a:solidFill>
+            </a:ln>
+          </p:spPr>
+          <p:style>
+            <a:lnRef idx="2">
+              <a:schemeClr val="accent1">
+                <a:shade val="50000"/>
+              </a:schemeClr>
+            </a:lnRef>
+            <a:fillRef idx="1">
+              <a:schemeClr val="accent1"/>
+            </a:fillRef>
+            <a:effectRef idx="0">
+              <a:schemeClr val="accent1"/>
+            </a:effectRef>
+            <a:fontRef idx="minor">
+              <a:schemeClr val="lt1"/>
+            </a:fontRef>
+          </p:style>
+          <p:txBody>
+            <a:bodyPr rtlCol="0" anchor="ctr"/>
+            <a:lstStyle/>
+            <a:p>
+              <a:pPr algn="ctr"/>
+              <a:endParaRPr lang="pt-BR"/>
+            </a:p>
+          </p:txBody>
+        </p:sp>
+        <p:pic>
+          <p:nvPicPr>
+            <p:cNvPr id="64" name="Imagem 63"/>
+            <p:cNvPicPr>
+              <a:picLocks noChangeAspect="1"/>
+            </p:cNvPicPr>
+            <p:nvPr/>
+          </p:nvPicPr>
+          <p:blipFill rotWithShape="1">
+            <a:blip r:embed="rId12" cstate="print">
+              <a:extLst>
+                <a:ext uri="{28A0092B-C50C-407E-A947-70E740481C1C}">
+                  <a14:useLocalDpi xmlns:a14="http://schemas.microsoft.com/office/drawing/2010/main" val="0"/>
+                </a:ext>
+              </a:extLst>
+            </a:blip>
+            <a:srcRect l="19090" t="18911" r="17886" b="17557"/>
+            <a:stretch/>
+          </p:blipFill>
+          <p:spPr>
+            <a:xfrm>
+              <a:off x="2400300" y="2101850"/>
+              <a:ext cx="787400" cy="793750"/>
+            </a:xfrm>
+            <a:prstGeom prst="rect">
+              <a:avLst/>
+            </a:prstGeom>
+          </p:spPr>
+        </p:pic>
+      </p:grpSp>
+      <p:grpSp>
+        <p:nvGrpSpPr>
+          <p:cNvPr id="65" name="Grupo 64"/>
+          <p:cNvGrpSpPr/>
+          <p:nvPr/>
+        </p:nvGrpSpPr>
+        <p:grpSpPr>
+          <a:xfrm>
+            <a:off x="8352110" y="1720124"/>
+            <a:ext cx="1133476" cy="1514757"/>
+            <a:chOff x="2222500" y="1720849"/>
+            <a:chExt cx="1133476" cy="1514757"/>
+          </a:xfrm>
+        </p:grpSpPr>
+        <p:sp>
+          <p:nvSpPr>
+            <p:cNvPr id="66" name="Retângulo 65"/>
+            <p:cNvSpPr/>
+            <p:nvPr/>
+          </p:nvSpPr>
+          <p:spPr>
+            <a:xfrm>
+              <a:off x="2222500" y="1720849"/>
+              <a:ext cx="1133476" cy="1514757"/>
+            </a:xfrm>
+            <a:prstGeom prst="rect">
+              <a:avLst/>
+            </a:prstGeom>
+            <a:solidFill>
+              <a:srgbClr val="FDEBC7"/>
+            </a:solidFill>
+            <a:ln>
+              <a:solidFill>
+                <a:srgbClr val="8DBA62"/>
+              </a:solidFill>
+            </a:ln>
+          </p:spPr>
+          <p:style>
+            <a:lnRef idx="2">
+              <a:schemeClr val="accent1">
+                <a:shade val="50000"/>
+              </a:schemeClr>
+            </a:lnRef>
+            <a:fillRef idx="1">
+              <a:schemeClr val="accent1"/>
+            </a:fillRef>
+            <a:effectRef idx="0">
+              <a:schemeClr val="accent1"/>
+            </a:effectRef>
+            <a:fontRef idx="minor">
+              <a:schemeClr val="lt1"/>
+            </a:fontRef>
+          </p:style>
+          <p:txBody>
+            <a:bodyPr rtlCol="0" anchor="ctr"/>
+            <a:lstStyle/>
+            <a:p>
+              <a:pPr algn="ctr"/>
+              <a:endParaRPr lang="pt-BR"/>
+            </a:p>
+          </p:txBody>
+        </p:sp>
+        <p:sp>
+          <p:nvSpPr>
+            <p:cNvPr id="67" name="Retângulo 66"/>
+            <p:cNvSpPr/>
+            <p:nvPr/>
+          </p:nvSpPr>
+          <p:spPr>
+            <a:xfrm>
+              <a:off x="2274979" y="1772529"/>
+              <a:ext cx="1027638" cy="1411916"/>
+            </a:xfrm>
+            <a:prstGeom prst="rect">
+              <a:avLst/>
+            </a:prstGeom>
+            <a:solidFill>
+              <a:srgbClr val="8DBA62"/>
+            </a:solidFill>
+            <a:ln>
+              <a:solidFill>
+                <a:srgbClr val="8DBA62"/>
+              </a:solidFill>
+            </a:ln>
+          </p:spPr>
+          <p:style>
+            <a:lnRef idx="2">
+              <a:schemeClr val="accent1">
+                <a:shade val="50000"/>
+              </a:schemeClr>
+            </a:lnRef>
+            <a:fillRef idx="1">
+              <a:schemeClr val="accent1"/>
+            </a:fillRef>
+            <a:effectRef idx="0">
+              <a:schemeClr val="accent1"/>
+            </a:effectRef>
+            <a:fontRef idx="minor">
+              <a:schemeClr val="lt1"/>
+            </a:fontRef>
+          </p:style>
+          <p:txBody>
+            <a:bodyPr rtlCol="0" anchor="ctr"/>
+            <a:lstStyle/>
+            <a:p>
+              <a:pPr algn="ctr"/>
+              <a:endParaRPr lang="pt-BR"/>
+            </a:p>
+          </p:txBody>
+        </p:sp>
+        <p:sp>
+          <p:nvSpPr>
+            <p:cNvPr id="68" name="Elipse 67"/>
+            <p:cNvSpPr/>
+            <p:nvPr/>
+          </p:nvSpPr>
+          <p:spPr>
+            <a:xfrm>
+              <a:off x="2341225" y="1872436"/>
+              <a:ext cx="895145" cy="1211582"/>
+            </a:xfrm>
+            <a:prstGeom prst="ellipse">
+              <a:avLst/>
+            </a:prstGeom>
+            <a:solidFill>
+              <a:srgbClr val="FDEBC7"/>
+            </a:solidFill>
+            <a:ln>
+              <a:solidFill>
+                <a:srgbClr val="FDEBC7"/>
+              </a:solidFill>
+            </a:ln>
+          </p:spPr>
+          <p:style>
+            <a:lnRef idx="2">
+              <a:schemeClr val="accent1">
+                <a:shade val="50000"/>
+              </a:schemeClr>
+            </a:lnRef>
+            <a:fillRef idx="1">
+              <a:schemeClr val="accent1"/>
+            </a:fillRef>
+            <a:effectRef idx="0">
+              <a:schemeClr val="accent1"/>
+            </a:effectRef>
+            <a:fontRef idx="minor">
+              <a:schemeClr val="lt1"/>
+            </a:fontRef>
+          </p:style>
+          <p:txBody>
+            <a:bodyPr rtlCol="0" anchor="ctr"/>
+            <a:lstStyle/>
+            <a:p>
+              <a:pPr algn="ctr"/>
+              <a:endParaRPr lang="pt-BR"/>
+            </a:p>
+          </p:txBody>
+        </p:sp>
+        <p:pic>
+          <p:nvPicPr>
+            <p:cNvPr id="69" name="Imagem 68"/>
+            <p:cNvPicPr>
+              <a:picLocks noChangeAspect="1"/>
+            </p:cNvPicPr>
+            <p:nvPr/>
+          </p:nvPicPr>
+          <p:blipFill rotWithShape="1">
+            <a:blip r:embed="rId12" cstate="print">
+              <a:extLst>
+                <a:ext uri="{28A0092B-C50C-407E-A947-70E740481C1C}">
+                  <a14:useLocalDpi xmlns:a14="http://schemas.microsoft.com/office/drawing/2010/main" val="0"/>
+                </a:ext>
+              </a:extLst>
+            </a:blip>
+            <a:srcRect l="19090" t="18911" r="17886" b="17557"/>
+            <a:stretch/>
+          </p:blipFill>
+          <p:spPr>
+            <a:xfrm>
+              <a:off x="2400300" y="2101850"/>
+              <a:ext cx="787400" cy="793750"/>
+            </a:xfrm>
+            <a:prstGeom prst="rect">
+              <a:avLst/>
+            </a:prstGeom>
+          </p:spPr>
+        </p:pic>
+      </p:grpSp>
+      <p:grpSp>
+        <p:nvGrpSpPr>
+          <p:cNvPr id="70" name="Grupo 69"/>
+          <p:cNvGrpSpPr/>
+          <p:nvPr/>
+        </p:nvGrpSpPr>
+        <p:grpSpPr>
+          <a:xfrm>
+            <a:off x="2222059" y="3501137"/>
+            <a:ext cx="1133476" cy="1514757"/>
+            <a:chOff x="2222500" y="1720849"/>
+            <a:chExt cx="1133476" cy="1514757"/>
+          </a:xfrm>
+        </p:grpSpPr>
+        <p:sp>
+          <p:nvSpPr>
+            <p:cNvPr id="71" name="Retângulo 70"/>
+            <p:cNvSpPr/>
+            <p:nvPr/>
+          </p:nvSpPr>
+          <p:spPr>
+            <a:xfrm>
+              <a:off x="2222500" y="1720849"/>
+              <a:ext cx="1133476" cy="1514757"/>
+            </a:xfrm>
+            <a:prstGeom prst="rect">
+              <a:avLst/>
+            </a:prstGeom>
+            <a:solidFill>
+              <a:srgbClr val="FDEBC7"/>
+            </a:solidFill>
+            <a:ln>
+              <a:solidFill>
+                <a:srgbClr val="8DBA62"/>
+              </a:solidFill>
+            </a:ln>
+          </p:spPr>
+          <p:style>
+            <a:lnRef idx="2">
+              <a:schemeClr val="accent1">
+                <a:shade val="50000"/>
+              </a:schemeClr>
+            </a:lnRef>
+            <a:fillRef idx="1">
+              <a:schemeClr val="accent1"/>
+            </a:fillRef>
+            <a:effectRef idx="0">
+              <a:schemeClr val="accent1"/>
+            </a:effectRef>
+            <a:fontRef idx="minor">
+              <a:schemeClr val="lt1"/>
+            </a:fontRef>
+          </p:style>
+          <p:txBody>
+            <a:bodyPr rtlCol="0" anchor="ctr"/>
+            <a:lstStyle/>
+            <a:p>
+              <a:pPr algn="ctr"/>
+              <a:endParaRPr lang="pt-BR"/>
+            </a:p>
+          </p:txBody>
+        </p:sp>
+        <p:sp>
+          <p:nvSpPr>
+            <p:cNvPr id="72" name="Retângulo 71"/>
+            <p:cNvSpPr/>
+            <p:nvPr/>
+          </p:nvSpPr>
+          <p:spPr>
+            <a:xfrm>
+              <a:off x="2274979" y="1772529"/>
+              <a:ext cx="1027638" cy="1411916"/>
+            </a:xfrm>
+            <a:prstGeom prst="rect">
+              <a:avLst/>
+            </a:prstGeom>
+            <a:solidFill>
+              <a:srgbClr val="8DBA62"/>
+            </a:solidFill>
+            <a:ln>
+              <a:solidFill>
+                <a:srgbClr val="8DBA62"/>
+              </a:solidFill>
+            </a:ln>
+          </p:spPr>
+          <p:style>
+            <a:lnRef idx="2">
+              <a:schemeClr val="accent1">
+                <a:shade val="50000"/>
+              </a:schemeClr>
+            </a:lnRef>
+            <a:fillRef idx="1">
+              <a:schemeClr val="accent1"/>
+            </a:fillRef>
+            <a:effectRef idx="0">
+              <a:schemeClr val="accent1"/>
+            </a:effectRef>
+            <a:fontRef idx="minor">
+              <a:schemeClr val="lt1"/>
+            </a:fontRef>
+          </p:style>
+          <p:txBody>
+            <a:bodyPr rtlCol="0" anchor="ctr"/>
+            <a:lstStyle/>
+            <a:p>
+              <a:pPr algn="ctr"/>
+              <a:endParaRPr lang="pt-BR"/>
+            </a:p>
+          </p:txBody>
+        </p:sp>
+        <p:sp>
+          <p:nvSpPr>
+            <p:cNvPr id="73" name="Elipse 72"/>
+            <p:cNvSpPr/>
+            <p:nvPr/>
+          </p:nvSpPr>
+          <p:spPr>
+            <a:xfrm>
+              <a:off x="2341225" y="1872436"/>
+              <a:ext cx="895145" cy="1211582"/>
+            </a:xfrm>
+            <a:prstGeom prst="ellipse">
+              <a:avLst/>
+            </a:prstGeom>
+            <a:solidFill>
+              <a:srgbClr val="FDEBC7"/>
+            </a:solidFill>
+            <a:ln>
+              <a:solidFill>
+                <a:srgbClr val="FDEBC7"/>
+              </a:solidFill>
+            </a:ln>
+          </p:spPr>
+          <p:style>
+            <a:lnRef idx="2">
+              <a:schemeClr val="accent1">
+                <a:shade val="50000"/>
+              </a:schemeClr>
+            </a:lnRef>
+            <a:fillRef idx="1">
+              <a:schemeClr val="accent1"/>
+            </a:fillRef>
+            <a:effectRef idx="0">
+              <a:schemeClr val="accent1"/>
+            </a:effectRef>
+            <a:fontRef idx="minor">
+              <a:schemeClr val="lt1"/>
+            </a:fontRef>
+          </p:style>
+          <p:txBody>
+            <a:bodyPr rtlCol="0" anchor="ctr"/>
+            <a:lstStyle/>
+            <a:p>
+              <a:pPr algn="ctr"/>
+              <a:endParaRPr lang="pt-BR"/>
+            </a:p>
+          </p:txBody>
+        </p:sp>
+        <p:pic>
+          <p:nvPicPr>
+            <p:cNvPr id="74" name="Imagem 73"/>
+            <p:cNvPicPr>
+              <a:picLocks noChangeAspect="1"/>
+            </p:cNvPicPr>
+            <p:nvPr/>
+          </p:nvPicPr>
+          <p:blipFill rotWithShape="1">
+            <a:blip r:embed="rId14" cstate="print">
+              <a:extLst>
+                <a:ext uri="{28A0092B-C50C-407E-A947-70E740481C1C}">
+                  <a14:useLocalDpi xmlns:a14="http://schemas.microsoft.com/office/drawing/2010/main" val="0"/>
+                </a:ext>
+              </a:extLst>
+            </a:blip>
+            <a:srcRect l="19090" t="18911" r="17886" b="17557"/>
+            <a:stretch/>
+          </p:blipFill>
+          <p:spPr>
+            <a:xfrm>
+              <a:off x="2400300" y="2101850"/>
+              <a:ext cx="787400" cy="793750"/>
+            </a:xfrm>
+            <a:prstGeom prst="rect">
+              <a:avLst/>
+            </a:prstGeom>
+          </p:spPr>
+        </p:pic>
+      </p:grpSp>
+      <p:grpSp>
+        <p:nvGrpSpPr>
+          <p:cNvPr id="75" name="Grupo 74"/>
+          <p:cNvGrpSpPr/>
+          <p:nvPr/>
+        </p:nvGrpSpPr>
+        <p:grpSpPr>
+          <a:xfrm>
+            <a:off x="3732443" y="3499251"/>
+            <a:ext cx="1133476" cy="1514757"/>
+            <a:chOff x="2222500" y="1720849"/>
+            <a:chExt cx="1133476" cy="1514757"/>
+          </a:xfrm>
+        </p:grpSpPr>
+        <p:sp>
+          <p:nvSpPr>
+            <p:cNvPr id="76" name="Retângulo 75"/>
+            <p:cNvSpPr/>
+            <p:nvPr/>
+          </p:nvSpPr>
+          <p:spPr>
+            <a:xfrm>
+              <a:off x="2222500" y="1720849"/>
+              <a:ext cx="1133476" cy="1514757"/>
+            </a:xfrm>
+            <a:prstGeom prst="rect">
+              <a:avLst/>
+            </a:prstGeom>
+            <a:solidFill>
+              <a:srgbClr val="FDEBC7"/>
+            </a:solidFill>
+            <a:ln>
+              <a:solidFill>
+                <a:srgbClr val="8DBA62"/>
+              </a:solidFill>
+            </a:ln>
+          </p:spPr>
+          <p:style>
+            <a:lnRef idx="2">
+              <a:schemeClr val="accent1">
+                <a:shade val="50000"/>
+              </a:schemeClr>
+            </a:lnRef>
+            <a:fillRef idx="1">
+              <a:schemeClr val="accent1"/>
+            </a:fillRef>
+            <a:effectRef idx="0">
+              <a:schemeClr val="accent1"/>
+            </a:effectRef>
+            <a:fontRef idx="minor">
+              <a:schemeClr val="lt1"/>
+            </a:fontRef>
+          </p:style>
+          <p:txBody>
+            <a:bodyPr rtlCol="0" anchor="ctr"/>
+            <a:lstStyle/>
+            <a:p>
+              <a:pPr algn="ctr"/>
+              <a:endParaRPr lang="pt-BR"/>
+            </a:p>
+          </p:txBody>
+        </p:sp>
+        <p:sp>
+          <p:nvSpPr>
+            <p:cNvPr id="77" name="Retângulo 76"/>
+            <p:cNvSpPr/>
+            <p:nvPr/>
+          </p:nvSpPr>
+          <p:spPr>
+            <a:xfrm>
+              <a:off x="2274979" y="1772529"/>
+              <a:ext cx="1027638" cy="1411916"/>
+            </a:xfrm>
+            <a:prstGeom prst="rect">
+              <a:avLst/>
+            </a:prstGeom>
+            <a:solidFill>
+              <a:srgbClr val="8DBA62"/>
+            </a:solidFill>
+            <a:ln>
+              <a:solidFill>
+                <a:srgbClr val="8DBA62"/>
+              </a:solidFill>
+            </a:ln>
+          </p:spPr>
+          <p:style>
+            <a:lnRef idx="2">
+              <a:schemeClr val="accent1">
+                <a:shade val="50000"/>
+              </a:schemeClr>
+            </a:lnRef>
+            <a:fillRef idx="1">
+              <a:schemeClr val="accent1"/>
+            </a:fillRef>
+            <a:effectRef idx="0">
+              <a:schemeClr val="accent1"/>
+            </a:effectRef>
+            <a:fontRef idx="minor">
+              <a:schemeClr val="lt1"/>
+            </a:fontRef>
+          </p:style>
+          <p:txBody>
+            <a:bodyPr rtlCol="0" anchor="ctr"/>
+            <a:lstStyle/>
+            <a:p>
+              <a:pPr algn="ctr"/>
+              <a:endParaRPr lang="pt-BR"/>
+            </a:p>
+          </p:txBody>
+        </p:sp>
+        <p:sp>
+          <p:nvSpPr>
+            <p:cNvPr id="78" name="Elipse 77"/>
+            <p:cNvSpPr/>
+            <p:nvPr/>
+          </p:nvSpPr>
+          <p:spPr>
+            <a:xfrm>
+              <a:off x="2341225" y="1872436"/>
+              <a:ext cx="895145" cy="1211582"/>
+            </a:xfrm>
+            <a:prstGeom prst="ellipse">
+              <a:avLst/>
+            </a:prstGeom>
+            <a:solidFill>
+              <a:srgbClr val="FDEBC7"/>
+            </a:solidFill>
+            <a:ln>
+              <a:solidFill>
+                <a:srgbClr val="FDEBC7"/>
+              </a:solidFill>
+            </a:ln>
+          </p:spPr>
+          <p:style>
+            <a:lnRef idx="2">
+              <a:schemeClr val="accent1">
+                <a:shade val="50000"/>
+              </a:schemeClr>
+            </a:lnRef>
+            <a:fillRef idx="1">
+              <a:schemeClr val="accent1"/>
+            </a:fillRef>
+            <a:effectRef idx="0">
+              <a:schemeClr val="accent1"/>
+            </a:effectRef>
+            <a:fontRef idx="minor">
+              <a:schemeClr val="lt1"/>
+            </a:fontRef>
+          </p:style>
+          <p:txBody>
+            <a:bodyPr rtlCol="0" anchor="ctr"/>
+            <a:lstStyle/>
+            <a:p>
+              <a:pPr algn="ctr"/>
+              <a:endParaRPr lang="pt-BR"/>
+            </a:p>
+          </p:txBody>
+        </p:sp>
+        <p:pic>
+          <p:nvPicPr>
+            <p:cNvPr id="79" name="Imagem 78"/>
+            <p:cNvPicPr>
+              <a:picLocks noChangeAspect="1"/>
+            </p:cNvPicPr>
+            <p:nvPr/>
+          </p:nvPicPr>
+          <p:blipFill rotWithShape="1">
+            <a:blip r:embed="rId14" cstate="print">
+              <a:extLst>
+                <a:ext uri="{28A0092B-C50C-407E-A947-70E740481C1C}">
+                  <a14:useLocalDpi xmlns:a14="http://schemas.microsoft.com/office/drawing/2010/main" val="0"/>
+                </a:ext>
+              </a:extLst>
+            </a:blip>
+            <a:srcRect l="19090" t="18911" r="17886" b="17557"/>
+            <a:stretch/>
+          </p:blipFill>
+          <p:spPr>
+            <a:xfrm>
+              <a:off x="2400300" y="2101850"/>
+              <a:ext cx="787400" cy="793750"/>
+            </a:xfrm>
+            <a:prstGeom prst="rect">
+              <a:avLst/>
+            </a:prstGeom>
+          </p:spPr>
+        </p:pic>
+      </p:grpSp>
+      <p:grpSp>
+        <p:nvGrpSpPr>
+          <p:cNvPr id="80" name="Grupo 79"/>
+          <p:cNvGrpSpPr/>
+          <p:nvPr/>
+        </p:nvGrpSpPr>
+        <p:grpSpPr>
+          <a:xfrm>
+            <a:off x="5205168" y="3535526"/>
+            <a:ext cx="1133476" cy="1514757"/>
+            <a:chOff x="2222500" y="1720849"/>
+            <a:chExt cx="1133476" cy="1514757"/>
+          </a:xfrm>
+        </p:grpSpPr>
+        <p:sp>
+          <p:nvSpPr>
+            <p:cNvPr id="81" name="Retângulo 80"/>
+            <p:cNvSpPr/>
+            <p:nvPr/>
+          </p:nvSpPr>
+          <p:spPr>
+            <a:xfrm>
+              <a:off x="2222500" y="1720849"/>
+              <a:ext cx="1133476" cy="1514757"/>
+            </a:xfrm>
+            <a:prstGeom prst="rect">
+              <a:avLst/>
+            </a:prstGeom>
+            <a:solidFill>
+              <a:srgbClr val="FDEBC7"/>
+            </a:solidFill>
+            <a:ln>
+              <a:solidFill>
+                <a:srgbClr val="8DBA62"/>
+              </a:solidFill>
+            </a:ln>
+          </p:spPr>
+          <p:style>
+            <a:lnRef idx="2">
+              <a:schemeClr val="accent1">
+                <a:shade val="50000"/>
+              </a:schemeClr>
+            </a:lnRef>
+            <a:fillRef idx="1">
+              <a:schemeClr val="accent1"/>
+            </a:fillRef>
+            <a:effectRef idx="0">
+              <a:schemeClr val="accent1"/>
+            </a:effectRef>
+            <a:fontRef idx="minor">
+              <a:schemeClr val="lt1"/>
+            </a:fontRef>
+          </p:style>
+          <p:txBody>
+            <a:bodyPr rtlCol="0" anchor="ctr"/>
+            <a:lstStyle/>
+            <a:p>
+              <a:pPr algn="ctr"/>
+              <a:endParaRPr lang="pt-BR"/>
+            </a:p>
+          </p:txBody>
+        </p:sp>
+        <p:sp>
+          <p:nvSpPr>
+            <p:cNvPr id="82" name="Retângulo 81"/>
+            <p:cNvSpPr/>
+            <p:nvPr/>
+          </p:nvSpPr>
+          <p:spPr>
+            <a:xfrm>
+              <a:off x="2274979" y="1772529"/>
+              <a:ext cx="1027638" cy="1411916"/>
+            </a:xfrm>
+            <a:prstGeom prst="rect">
+              <a:avLst/>
+            </a:prstGeom>
+            <a:solidFill>
+              <a:srgbClr val="8DBA62"/>
+            </a:solidFill>
+            <a:ln>
+              <a:solidFill>
+                <a:srgbClr val="8DBA62"/>
+              </a:solidFill>
+            </a:ln>
+          </p:spPr>
+          <p:style>
+            <a:lnRef idx="2">
+              <a:schemeClr val="accent1">
+                <a:shade val="50000"/>
+              </a:schemeClr>
+            </a:lnRef>
+            <a:fillRef idx="1">
+              <a:schemeClr val="accent1"/>
+            </a:fillRef>
+            <a:effectRef idx="0">
+              <a:schemeClr val="accent1"/>
+            </a:effectRef>
+            <a:fontRef idx="minor">
+              <a:schemeClr val="lt1"/>
+            </a:fontRef>
+          </p:style>
+          <p:txBody>
+            <a:bodyPr rtlCol="0" anchor="ctr"/>
+            <a:lstStyle/>
+            <a:p>
+              <a:pPr algn="ctr"/>
+              <a:endParaRPr lang="pt-BR"/>
+            </a:p>
+          </p:txBody>
+        </p:sp>
+        <p:sp>
+          <p:nvSpPr>
+            <p:cNvPr id="83" name="Elipse 82"/>
+            <p:cNvSpPr/>
+            <p:nvPr/>
+          </p:nvSpPr>
+          <p:spPr>
+            <a:xfrm>
+              <a:off x="2341225" y="1872436"/>
+              <a:ext cx="895145" cy="1211582"/>
+            </a:xfrm>
+            <a:prstGeom prst="ellipse">
+              <a:avLst/>
+            </a:prstGeom>
+            <a:solidFill>
+              <a:srgbClr val="FDEBC7"/>
+            </a:solidFill>
+            <a:ln>
+              <a:solidFill>
+                <a:srgbClr val="FDEBC7"/>
+              </a:solidFill>
+            </a:ln>
+          </p:spPr>
+          <p:style>
+            <a:lnRef idx="2">
+              <a:schemeClr val="accent1">
+                <a:shade val="50000"/>
+              </a:schemeClr>
+            </a:lnRef>
+            <a:fillRef idx="1">
+              <a:schemeClr val="accent1"/>
+            </a:fillRef>
+            <a:effectRef idx="0">
+              <a:schemeClr val="accent1"/>
+            </a:effectRef>
+            <a:fontRef idx="minor">
+              <a:schemeClr val="lt1"/>
+            </a:fontRef>
+          </p:style>
+          <p:txBody>
+            <a:bodyPr rtlCol="0" anchor="ctr"/>
+            <a:lstStyle/>
+            <a:p>
+              <a:pPr algn="ctr"/>
+              <a:endParaRPr lang="pt-BR"/>
+            </a:p>
+          </p:txBody>
+        </p:sp>
+        <p:pic>
+          <p:nvPicPr>
+            <p:cNvPr id="84" name="Imagem 83"/>
+            <p:cNvPicPr>
+              <a:picLocks noChangeAspect="1"/>
+            </p:cNvPicPr>
+            <p:nvPr/>
+          </p:nvPicPr>
+          <p:blipFill rotWithShape="1">
+            <a:blip r:embed="rId14" cstate="print">
+              <a:extLst>
+                <a:ext uri="{28A0092B-C50C-407E-A947-70E740481C1C}">
+                  <a14:useLocalDpi xmlns:a14="http://schemas.microsoft.com/office/drawing/2010/main" val="0"/>
+                </a:ext>
+              </a:extLst>
+            </a:blip>
+            <a:srcRect l="19090" t="18911" r="17886" b="17557"/>
+            <a:stretch/>
+          </p:blipFill>
+          <p:spPr>
+            <a:xfrm>
+              <a:off x="2400300" y="2101850"/>
+              <a:ext cx="787400" cy="793750"/>
+            </a:xfrm>
+            <a:prstGeom prst="rect">
+              <a:avLst/>
+            </a:prstGeom>
+          </p:spPr>
+        </p:pic>
+      </p:grpSp>
+      <p:grpSp>
+        <p:nvGrpSpPr>
+          <p:cNvPr id="85" name="Grupo 84"/>
+          <p:cNvGrpSpPr/>
+          <p:nvPr/>
+        </p:nvGrpSpPr>
+        <p:grpSpPr>
+          <a:xfrm>
+            <a:off x="6814593" y="3512830"/>
+            <a:ext cx="1133476" cy="1514757"/>
+            <a:chOff x="2222500" y="1720849"/>
+            <a:chExt cx="1133476" cy="1514757"/>
+          </a:xfrm>
+        </p:grpSpPr>
+        <p:sp>
+          <p:nvSpPr>
+            <p:cNvPr id="86" name="Retângulo 85"/>
+            <p:cNvSpPr/>
+            <p:nvPr/>
+          </p:nvSpPr>
+          <p:spPr>
+            <a:xfrm>
+              <a:off x="2222500" y="1720849"/>
+              <a:ext cx="1133476" cy="1514757"/>
+            </a:xfrm>
+            <a:prstGeom prst="rect">
+              <a:avLst/>
+            </a:prstGeom>
+            <a:solidFill>
+              <a:srgbClr val="FDEBC7"/>
+            </a:solidFill>
+            <a:ln>
+              <a:solidFill>
+                <a:srgbClr val="8DBA62"/>
+              </a:solidFill>
+            </a:ln>
+          </p:spPr>
+          <p:style>
+            <a:lnRef idx="2">
+              <a:schemeClr val="accent1">
+                <a:shade val="50000"/>
+              </a:schemeClr>
+            </a:lnRef>
+            <a:fillRef idx="1">
+              <a:schemeClr val="accent1"/>
+            </a:fillRef>
+            <a:effectRef idx="0">
+              <a:schemeClr val="accent1"/>
+            </a:effectRef>
+            <a:fontRef idx="minor">
+              <a:schemeClr val="lt1"/>
+            </a:fontRef>
+          </p:style>
+          <p:txBody>
+            <a:bodyPr rtlCol="0" anchor="ctr"/>
+            <a:lstStyle/>
+            <a:p>
+              <a:pPr algn="ctr"/>
+              <a:endParaRPr lang="pt-BR"/>
+            </a:p>
+          </p:txBody>
+        </p:sp>
+        <p:sp>
+          <p:nvSpPr>
+            <p:cNvPr id="87" name="Retângulo 86"/>
+            <p:cNvSpPr/>
+            <p:nvPr/>
+          </p:nvSpPr>
+          <p:spPr>
+            <a:xfrm>
+              <a:off x="2274979" y="1772529"/>
+              <a:ext cx="1027638" cy="1411916"/>
+            </a:xfrm>
+            <a:prstGeom prst="rect">
+              <a:avLst/>
+            </a:prstGeom>
+            <a:solidFill>
+              <a:srgbClr val="8DBA62"/>
+            </a:solidFill>
+            <a:ln>
+              <a:solidFill>
+                <a:srgbClr val="8DBA62"/>
+              </a:solidFill>
+            </a:ln>
+          </p:spPr>
+          <p:style>
+            <a:lnRef idx="2">
+              <a:schemeClr val="accent1">
+                <a:shade val="50000"/>
+              </a:schemeClr>
+            </a:lnRef>
+            <a:fillRef idx="1">
+              <a:schemeClr val="accent1"/>
+            </a:fillRef>
+            <a:effectRef idx="0">
+              <a:schemeClr val="accent1"/>
+            </a:effectRef>
+            <a:fontRef idx="minor">
+              <a:schemeClr val="lt1"/>
+            </a:fontRef>
+          </p:style>
+          <p:txBody>
+            <a:bodyPr rtlCol="0" anchor="ctr"/>
+            <a:lstStyle/>
+            <a:p>
+              <a:pPr algn="ctr"/>
+              <a:endParaRPr lang="pt-BR"/>
+            </a:p>
+          </p:txBody>
+        </p:sp>
+        <p:sp>
+          <p:nvSpPr>
+            <p:cNvPr id="88" name="Elipse 87"/>
+            <p:cNvSpPr/>
+            <p:nvPr/>
+          </p:nvSpPr>
+          <p:spPr>
+            <a:xfrm>
+              <a:off x="2341225" y="1872436"/>
+              <a:ext cx="895145" cy="1211582"/>
+            </a:xfrm>
+            <a:prstGeom prst="ellipse">
+              <a:avLst/>
+            </a:prstGeom>
+            <a:solidFill>
+              <a:srgbClr val="FDEBC7"/>
+            </a:solidFill>
+            <a:ln>
+              <a:solidFill>
+                <a:srgbClr val="FDEBC7"/>
+              </a:solidFill>
+            </a:ln>
+          </p:spPr>
+          <p:style>
+            <a:lnRef idx="2">
+              <a:schemeClr val="accent1">
+                <a:shade val="50000"/>
+              </a:schemeClr>
+            </a:lnRef>
+            <a:fillRef idx="1">
+              <a:schemeClr val="accent1"/>
+            </a:fillRef>
+            <a:effectRef idx="0">
+              <a:schemeClr val="accent1"/>
+            </a:effectRef>
+            <a:fontRef idx="minor">
+              <a:schemeClr val="lt1"/>
+            </a:fontRef>
+          </p:style>
+          <p:txBody>
+            <a:bodyPr rtlCol="0" anchor="ctr"/>
+            <a:lstStyle/>
+            <a:p>
+              <a:pPr algn="ctr"/>
+              <a:endParaRPr lang="pt-BR"/>
+            </a:p>
+          </p:txBody>
+        </p:sp>
+        <p:pic>
+          <p:nvPicPr>
+            <p:cNvPr id="89" name="Imagem 88"/>
+            <p:cNvPicPr>
+              <a:picLocks noChangeAspect="1"/>
+            </p:cNvPicPr>
+            <p:nvPr/>
+          </p:nvPicPr>
+          <p:blipFill rotWithShape="1">
+            <a:blip r:embed="rId14" cstate="print">
+              <a:extLst>
+                <a:ext uri="{28A0092B-C50C-407E-A947-70E740481C1C}">
+                  <a14:useLocalDpi xmlns:a14="http://schemas.microsoft.com/office/drawing/2010/main" val="0"/>
+                </a:ext>
+              </a:extLst>
+            </a:blip>
+            <a:srcRect l="19090" t="18911" r="17886" b="17557"/>
+            <a:stretch/>
+          </p:blipFill>
+          <p:spPr>
+            <a:xfrm>
+              <a:off x="2400300" y="2101850"/>
+              <a:ext cx="787400" cy="793750"/>
+            </a:xfrm>
+            <a:prstGeom prst="rect">
+              <a:avLst/>
+            </a:prstGeom>
+          </p:spPr>
+        </p:pic>
+      </p:grpSp>
+      <p:grpSp>
+        <p:nvGrpSpPr>
+          <p:cNvPr id="90" name="Grupo 89"/>
+          <p:cNvGrpSpPr/>
+          <p:nvPr/>
+        </p:nvGrpSpPr>
+        <p:grpSpPr>
+          <a:xfrm>
+            <a:off x="8351669" y="3535526"/>
+            <a:ext cx="1133476" cy="1514757"/>
+            <a:chOff x="2222500" y="1720849"/>
+            <a:chExt cx="1133476" cy="1514757"/>
+          </a:xfrm>
+        </p:grpSpPr>
+        <p:sp>
+          <p:nvSpPr>
+            <p:cNvPr id="91" name="Retângulo 90"/>
+            <p:cNvSpPr/>
+            <p:nvPr/>
+          </p:nvSpPr>
+          <p:spPr>
+            <a:xfrm>
+              <a:off x="2222500" y="1720849"/>
+              <a:ext cx="1133476" cy="1514757"/>
+            </a:xfrm>
+            <a:prstGeom prst="rect">
+              <a:avLst/>
+            </a:prstGeom>
+            <a:solidFill>
+              <a:srgbClr val="FDEBC7"/>
+            </a:solidFill>
+            <a:ln>
+              <a:solidFill>
+                <a:srgbClr val="8DBA62"/>
+              </a:solidFill>
+            </a:ln>
+          </p:spPr>
+          <p:style>
+            <a:lnRef idx="2">
+              <a:schemeClr val="accent1">
+                <a:shade val="50000"/>
+              </a:schemeClr>
+            </a:lnRef>
+            <a:fillRef idx="1">
+              <a:schemeClr val="accent1"/>
+            </a:fillRef>
+            <a:effectRef idx="0">
+              <a:schemeClr val="accent1"/>
+            </a:effectRef>
+            <a:fontRef idx="minor">
+              <a:schemeClr val="lt1"/>
+            </a:fontRef>
+          </p:style>
+          <p:txBody>
+            <a:bodyPr rtlCol="0" anchor="ctr"/>
+            <a:lstStyle/>
+            <a:p>
+              <a:pPr algn="ctr"/>
+              <a:endParaRPr lang="pt-BR"/>
+            </a:p>
+          </p:txBody>
+        </p:sp>
+        <p:sp>
+          <p:nvSpPr>
+            <p:cNvPr id="92" name="Retângulo 91"/>
+            <p:cNvSpPr/>
+            <p:nvPr/>
+          </p:nvSpPr>
+          <p:spPr>
+            <a:xfrm>
+              <a:off x="2274979" y="1772529"/>
+              <a:ext cx="1027638" cy="1411916"/>
+            </a:xfrm>
+            <a:prstGeom prst="rect">
+              <a:avLst/>
+            </a:prstGeom>
+            <a:solidFill>
+              <a:srgbClr val="8DBA62"/>
+            </a:solidFill>
+            <a:ln>
+              <a:solidFill>
+                <a:srgbClr val="8DBA62"/>
+              </a:solidFill>
+            </a:ln>
+          </p:spPr>
+          <p:style>
+            <a:lnRef idx="2">
+              <a:schemeClr val="accent1">
+                <a:shade val="50000"/>
+              </a:schemeClr>
+            </a:lnRef>
+            <a:fillRef idx="1">
+              <a:schemeClr val="accent1"/>
+            </a:fillRef>
+            <a:effectRef idx="0">
+              <a:schemeClr val="accent1"/>
+            </a:effectRef>
+            <a:fontRef idx="minor">
+              <a:schemeClr val="lt1"/>
+            </a:fontRef>
+          </p:style>
+          <p:txBody>
+            <a:bodyPr rtlCol="0" anchor="ctr"/>
+            <a:lstStyle/>
+            <a:p>
+              <a:pPr algn="ctr"/>
+              <a:endParaRPr lang="pt-BR"/>
+            </a:p>
+          </p:txBody>
+        </p:sp>
+        <p:sp>
+          <p:nvSpPr>
+            <p:cNvPr id="93" name="Elipse 92"/>
+            <p:cNvSpPr/>
+            <p:nvPr/>
+          </p:nvSpPr>
+          <p:spPr>
+            <a:xfrm>
+              <a:off x="2341225" y="1872436"/>
+              <a:ext cx="895145" cy="1211582"/>
+            </a:xfrm>
+            <a:prstGeom prst="ellipse">
+              <a:avLst/>
+            </a:prstGeom>
+            <a:solidFill>
+              <a:srgbClr val="FDEBC7"/>
+            </a:solidFill>
+            <a:ln>
+              <a:solidFill>
+                <a:srgbClr val="FDEBC7"/>
+              </a:solidFill>
+            </a:ln>
+          </p:spPr>
+          <p:style>
+            <a:lnRef idx="2">
+              <a:schemeClr val="accent1">
+                <a:shade val="50000"/>
+              </a:schemeClr>
+            </a:lnRef>
+            <a:fillRef idx="1">
+              <a:schemeClr val="accent1"/>
+            </a:fillRef>
+            <a:effectRef idx="0">
+              <a:schemeClr val="accent1"/>
+            </a:effectRef>
+            <a:fontRef idx="minor">
+              <a:schemeClr val="lt1"/>
+            </a:fontRef>
+          </p:style>
+          <p:txBody>
+            <a:bodyPr rtlCol="0" anchor="ctr"/>
+            <a:lstStyle/>
+            <a:p>
+              <a:pPr algn="ctr"/>
+              <a:endParaRPr lang="pt-BR"/>
+            </a:p>
+          </p:txBody>
+        </p:sp>
+        <p:pic>
+          <p:nvPicPr>
+            <p:cNvPr id="94" name="Imagem 93"/>
+            <p:cNvPicPr>
+              <a:picLocks noChangeAspect="1"/>
+            </p:cNvPicPr>
+            <p:nvPr/>
+          </p:nvPicPr>
+          <p:blipFill rotWithShape="1">
+            <a:blip r:embed="rId14" cstate="print">
+              <a:extLst>
+                <a:ext uri="{28A0092B-C50C-407E-A947-70E740481C1C}">
+                  <a14:useLocalDpi xmlns:a14="http://schemas.microsoft.com/office/drawing/2010/main" val="0"/>
+                </a:ext>
+              </a:extLst>
+            </a:blip>
+            <a:srcRect l="19090" t="18911" r="17886" b="17557"/>
+            <a:stretch/>
+          </p:blipFill>
+          <p:spPr>
+            <a:xfrm>
+              <a:off x="2400300" y="2101850"/>
+              <a:ext cx="787400" cy="793750"/>
+            </a:xfrm>
+            <a:prstGeom prst="rect">
+              <a:avLst/>
+            </a:prstGeom>
+          </p:spPr>
+        </p:pic>
+      </p:grpSp>
+    </p:spTree>
+    <p:extLst>
+      <p:ext uri="{BB962C8B-B14F-4D97-AF65-F5344CB8AC3E}">
+        <p14:creationId xmlns:p14="http://schemas.microsoft.com/office/powerpoint/2010/main" val="234433919"/>
+      </p:ext>
+    </p:extLst>
+  </p:cSld>
+  <p:clrMapOvr>
+    <a:masterClrMapping/>
+  </p:clrMapOvr>
+  <p:timing>
+    <p:tnLst>
+      <p:par>
+        <p:cTn id="1" dur="indefinite" restart="never" nodeType="tmRoot"/>
+      </p:par>
+    </p:tnLst>
+  </p:timing>
+</p:sld>
+</file>
+
+<file path=ppt/slides/slide29.xml><?xml version="1.0" encoding="utf-8"?>
+<p:sld xmlns:a="http://schemas.openxmlformats.org/drawingml/2006/main" xmlns:r="http://schemas.openxmlformats.org/officeDocument/2006/relationships" xmlns:p="http://schemas.openxmlformats.org/presentationml/2006/main">
+  <p:cSld>
+    <p:spTree>
+      <p:nvGrpSpPr>
+        <p:cNvPr id="1" name=""/>
+        <p:cNvGrpSpPr/>
+        <p:nvPr/>
+      </p:nvGrpSpPr>
+      <p:grpSpPr>
+        <a:xfrm>
+          <a:off x="0" y="0"/>
+          <a:ext cx="0" cy="0"/>
+          <a:chOff x="0" y="0"/>
+          <a:chExt cx="0" cy="0"/>
+        </a:xfrm>
+      </p:grpSpPr>
+      <p:sp>
+        <p:nvSpPr>
           <p:cNvPr id="2" name="Título 1"/>
           <p:cNvSpPr>
             <a:spLocks noGrp="1"/>
@@ -19721,10 +22519,671 @@
   <p:clrMapOvr>
     <a:masterClrMapping/>
   </p:clrMapOvr>
+  <p:timing>
+    <p:tnLst>
+      <p:par>
+        <p:cTn id="1" dur="indefinite" restart="never" nodeType="tmRoot"/>
+      </p:par>
+    </p:tnLst>
+  </p:timing>
 </p:sld>
 </file>
 
-<file path=ppt/slides/slide29.xml><?xml version="1.0" encoding="utf-8"?>
+<file path=ppt/slides/slide3.xml><?xml version="1.0" encoding="utf-8"?>
+<p:sld xmlns:a="http://schemas.openxmlformats.org/drawingml/2006/main" xmlns:r="http://schemas.openxmlformats.org/officeDocument/2006/relationships" xmlns:p="http://schemas.openxmlformats.org/presentationml/2006/main">
+  <p:cSld>
+    <p:spTree>
+      <p:nvGrpSpPr>
+        <p:cNvPr id="1" name=""/>
+        <p:cNvGrpSpPr/>
+        <p:nvPr/>
+      </p:nvGrpSpPr>
+      <p:grpSpPr>
+        <a:xfrm>
+          <a:off x="0" y="0"/>
+          <a:ext cx="0" cy="0"/>
+          <a:chOff x="0" y="0"/>
+          <a:chExt cx="0" cy="0"/>
+        </a:xfrm>
+      </p:grpSpPr>
+      <p:sp>
+        <p:nvSpPr>
+          <p:cNvPr id="4" name="Retângulo 3"/>
+          <p:cNvSpPr/>
+          <p:nvPr/>
+        </p:nvSpPr>
+        <p:spPr>
+          <a:xfrm>
+            <a:off x="1146749" y="441822"/>
+            <a:ext cx="9787944" cy="5911402"/>
+          </a:xfrm>
+          <a:prstGeom prst="rect">
+            <a:avLst/>
+          </a:prstGeom>
+          <a:solidFill>
+            <a:srgbClr val="86B161"/>
+          </a:solidFill>
+          <a:ln>
+            <a:solidFill>
+              <a:schemeClr val="accent6">
+                <a:lumMod val="60000"/>
+                <a:lumOff val="40000"/>
+              </a:schemeClr>
+            </a:solidFill>
+          </a:ln>
+          <a:effectLst/>
+        </p:spPr>
+        <p:style>
+          <a:lnRef idx="2">
+            <a:schemeClr val="accent1">
+              <a:shade val="50000"/>
+            </a:schemeClr>
+          </a:lnRef>
+          <a:fillRef idx="1">
+            <a:schemeClr val="accent1"/>
+          </a:fillRef>
+          <a:effectRef idx="0">
+            <a:schemeClr val="accent1"/>
+          </a:effectRef>
+          <a:fontRef idx="minor">
+            <a:schemeClr val="lt1"/>
+          </a:fontRef>
+        </p:style>
+        <p:txBody>
+          <a:bodyPr rtlCol="0" anchor="ctr"/>
+          <a:lstStyle/>
+          <a:p>
+            <a:pPr algn="ctr"/>
+            <a:endParaRPr lang="pt-BR"/>
+          </a:p>
+        </p:txBody>
+      </p:sp>
+      <p:sp>
+        <p:nvSpPr>
+          <p:cNvPr id="12" name="Retângulo 11"/>
+          <p:cNvSpPr/>
+          <p:nvPr/>
+        </p:nvSpPr>
+        <p:spPr>
+          <a:xfrm>
+            <a:off x="1146749" y="441822"/>
+            <a:ext cx="8461708" cy="2193702"/>
+          </a:xfrm>
+          <a:custGeom>
+            <a:avLst/>
+            <a:gdLst>
+              <a:gd name="connsiteX0" fmla="*/ 0 w 4531235"/>
+              <a:gd name="connsiteY0" fmla="*/ 0 h 2177143"/>
+              <a:gd name="connsiteX1" fmla="*/ 4531235 w 4531235"/>
+              <a:gd name="connsiteY1" fmla="*/ 0 h 2177143"/>
+              <a:gd name="connsiteX2" fmla="*/ 4531235 w 4531235"/>
+              <a:gd name="connsiteY2" fmla="*/ 2177143 h 2177143"/>
+              <a:gd name="connsiteX3" fmla="*/ 0 w 4531235"/>
+              <a:gd name="connsiteY3" fmla="*/ 2177143 h 2177143"/>
+              <a:gd name="connsiteX4" fmla="*/ 0 w 4531235"/>
+              <a:gd name="connsiteY4" fmla="*/ 0 h 2177143"/>
+              <a:gd name="connsiteX0" fmla="*/ 0 w 4531235"/>
+              <a:gd name="connsiteY0" fmla="*/ 0 h 2177143"/>
+              <a:gd name="connsiteX1" fmla="*/ 4531235 w 4531235"/>
+              <a:gd name="connsiteY1" fmla="*/ 0 h 2177143"/>
+              <a:gd name="connsiteX2" fmla="*/ 4531235 w 4531235"/>
+              <a:gd name="connsiteY2" fmla="*/ 2177143 h 2177143"/>
+              <a:gd name="connsiteX3" fmla="*/ 1494971 w 4531235"/>
+              <a:gd name="connsiteY3" fmla="*/ 1973943 h 2177143"/>
+              <a:gd name="connsiteX4" fmla="*/ 0 w 4531235"/>
+              <a:gd name="connsiteY4" fmla="*/ 0 h 2177143"/>
+              <a:gd name="connsiteX0" fmla="*/ 0 w 4531235"/>
+              <a:gd name="connsiteY0" fmla="*/ 0 h 2191658"/>
+              <a:gd name="connsiteX1" fmla="*/ 4531235 w 4531235"/>
+              <a:gd name="connsiteY1" fmla="*/ 0 h 2191658"/>
+              <a:gd name="connsiteX2" fmla="*/ 4531235 w 4531235"/>
+              <a:gd name="connsiteY2" fmla="*/ 2177143 h 2191658"/>
+              <a:gd name="connsiteX3" fmla="*/ 0 w 4531235"/>
+              <a:gd name="connsiteY3" fmla="*/ 2191658 h 2191658"/>
+              <a:gd name="connsiteX4" fmla="*/ 0 w 4531235"/>
+              <a:gd name="connsiteY4" fmla="*/ 0 h 2191658"/>
+              <a:gd name="connsiteX0" fmla="*/ 0 w 6809978"/>
+              <a:gd name="connsiteY0" fmla="*/ 0 h 2191658"/>
+              <a:gd name="connsiteX1" fmla="*/ 4531235 w 6809978"/>
+              <a:gd name="connsiteY1" fmla="*/ 0 h 2191658"/>
+              <a:gd name="connsiteX2" fmla="*/ 6809978 w 6809978"/>
+              <a:gd name="connsiteY2" fmla="*/ 0 h 2191658"/>
+              <a:gd name="connsiteX3" fmla="*/ 0 w 6809978"/>
+              <a:gd name="connsiteY3" fmla="*/ 2191658 h 2191658"/>
+              <a:gd name="connsiteX4" fmla="*/ 0 w 6809978"/>
+              <a:gd name="connsiteY4" fmla="*/ 0 h 2191658"/>
+            </a:gdLst>
+            <a:ahLst/>
+            <a:cxnLst>
+              <a:cxn ang="0">
+                <a:pos x="connsiteX0" y="connsiteY0"/>
+              </a:cxn>
+              <a:cxn ang="0">
+                <a:pos x="connsiteX1" y="connsiteY1"/>
+              </a:cxn>
+              <a:cxn ang="0">
+                <a:pos x="connsiteX2" y="connsiteY2"/>
+              </a:cxn>
+              <a:cxn ang="0">
+                <a:pos x="connsiteX3" y="connsiteY3"/>
+              </a:cxn>
+              <a:cxn ang="0">
+                <a:pos x="connsiteX4" y="connsiteY4"/>
+              </a:cxn>
+            </a:cxnLst>
+            <a:rect l="l" t="t" r="r" b="b"/>
+            <a:pathLst>
+              <a:path w="6809978" h="2191658">
+                <a:moveTo>
+                  <a:pt x="0" y="0"/>
+                </a:moveTo>
+                <a:lnTo>
+                  <a:pt x="4531235" y="0"/>
+                </a:lnTo>
+                <a:lnTo>
+                  <a:pt x="6809978" y="0"/>
+                </a:lnTo>
+                <a:lnTo>
+                  <a:pt x="0" y="2191658"/>
+                </a:lnTo>
+                <a:lnTo>
+                  <a:pt x="0" y="0"/>
+                </a:lnTo>
+                <a:close/>
+              </a:path>
+            </a:pathLst>
+          </a:custGeom>
+          <a:solidFill>
+            <a:srgbClr val="A5CA97"/>
+          </a:solidFill>
+          <a:ln>
+            <a:noFill/>
+          </a:ln>
+        </p:spPr>
+        <p:style>
+          <a:lnRef idx="2">
+            <a:schemeClr val="accent1">
+              <a:shade val="50000"/>
+            </a:schemeClr>
+          </a:lnRef>
+          <a:fillRef idx="1">
+            <a:schemeClr val="accent1"/>
+          </a:fillRef>
+          <a:effectRef idx="0">
+            <a:schemeClr val="accent1"/>
+          </a:effectRef>
+          <a:fontRef idx="minor">
+            <a:schemeClr val="lt1"/>
+          </a:fontRef>
+        </p:style>
+        <p:txBody>
+          <a:bodyPr rtlCol="0" anchor="ctr"/>
+          <a:lstStyle/>
+          <a:p>
+            <a:pPr algn="ctr"/>
+            <a:endParaRPr lang="pt-BR"/>
+          </a:p>
+        </p:txBody>
+      </p:sp>
+      <p:sp>
+        <p:nvSpPr>
+          <p:cNvPr id="14" name="Retângulo 11"/>
+          <p:cNvSpPr/>
+          <p:nvPr/>
+        </p:nvSpPr>
+        <p:spPr>
+          <a:xfrm rot="10800000">
+            <a:off x="2460290" y="4155328"/>
+            <a:ext cx="8461708" cy="2193702"/>
+          </a:xfrm>
+          <a:custGeom>
+            <a:avLst/>
+            <a:gdLst>
+              <a:gd name="connsiteX0" fmla="*/ 0 w 4531235"/>
+              <a:gd name="connsiteY0" fmla="*/ 0 h 2177143"/>
+              <a:gd name="connsiteX1" fmla="*/ 4531235 w 4531235"/>
+              <a:gd name="connsiteY1" fmla="*/ 0 h 2177143"/>
+              <a:gd name="connsiteX2" fmla="*/ 4531235 w 4531235"/>
+              <a:gd name="connsiteY2" fmla="*/ 2177143 h 2177143"/>
+              <a:gd name="connsiteX3" fmla="*/ 0 w 4531235"/>
+              <a:gd name="connsiteY3" fmla="*/ 2177143 h 2177143"/>
+              <a:gd name="connsiteX4" fmla="*/ 0 w 4531235"/>
+              <a:gd name="connsiteY4" fmla="*/ 0 h 2177143"/>
+              <a:gd name="connsiteX0" fmla="*/ 0 w 4531235"/>
+              <a:gd name="connsiteY0" fmla="*/ 0 h 2177143"/>
+              <a:gd name="connsiteX1" fmla="*/ 4531235 w 4531235"/>
+              <a:gd name="connsiteY1" fmla="*/ 0 h 2177143"/>
+              <a:gd name="connsiteX2" fmla="*/ 4531235 w 4531235"/>
+              <a:gd name="connsiteY2" fmla="*/ 2177143 h 2177143"/>
+              <a:gd name="connsiteX3" fmla="*/ 1494971 w 4531235"/>
+              <a:gd name="connsiteY3" fmla="*/ 1973943 h 2177143"/>
+              <a:gd name="connsiteX4" fmla="*/ 0 w 4531235"/>
+              <a:gd name="connsiteY4" fmla="*/ 0 h 2177143"/>
+              <a:gd name="connsiteX0" fmla="*/ 0 w 4531235"/>
+              <a:gd name="connsiteY0" fmla="*/ 0 h 2191658"/>
+              <a:gd name="connsiteX1" fmla="*/ 4531235 w 4531235"/>
+              <a:gd name="connsiteY1" fmla="*/ 0 h 2191658"/>
+              <a:gd name="connsiteX2" fmla="*/ 4531235 w 4531235"/>
+              <a:gd name="connsiteY2" fmla="*/ 2177143 h 2191658"/>
+              <a:gd name="connsiteX3" fmla="*/ 0 w 4531235"/>
+              <a:gd name="connsiteY3" fmla="*/ 2191658 h 2191658"/>
+              <a:gd name="connsiteX4" fmla="*/ 0 w 4531235"/>
+              <a:gd name="connsiteY4" fmla="*/ 0 h 2191658"/>
+              <a:gd name="connsiteX0" fmla="*/ 0 w 6809978"/>
+              <a:gd name="connsiteY0" fmla="*/ 0 h 2191658"/>
+              <a:gd name="connsiteX1" fmla="*/ 4531235 w 6809978"/>
+              <a:gd name="connsiteY1" fmla="*/ 0 h 2191658"/>
+              <a:gd name="connsiteX2" fmla="*/ 6809978 w 6809978"/>
+              <a:gd name="connsiteY2" fmla="*/ 0 h 2191658"/>
+              <a:gd name="connsiteX3" fmla="*/ 0 w 6809978"/>
+              <a:gd name="connsiteY3" fmla="*/ 2191658 h 2191658"/>
+              <a:gd name="connsiteX4" fmla="*/ 0 w 6809978"/>
+              <a:gd name="connsiteY4" fmla="*/ 0 h 2191658"/>
+            </a:gdLst>
+            <a:ahLst/>
+            <a:cxnLst>
+              <a:cxn ang="0">
+                <a:pos x="connsiteX0" y="connsiteY0"/>
+              </a:cxn>
+              <a:cxn ang="0">
+                <a:pos x="connsiteX1" y="connsiteY1"/>
+              </a:cxn>
+              <a:cxn ang="0">
+                <a:pos x="connsiteX2" y="connsiteY2"/>
+              </a:cxn>
+              <a:cxn ang="0">
+                <a:pos x="connsiteX3" y="connsiteY3"/>
+              </a:cxn>
+              <a:cxn ang="0">
+                <a:pos x="connsiteX4" y="connsiteY4"/>
+              </a:cxn>
+            </a:cxnLst>
+            <a:rect l="l" t="t" r="r" b="b"/>
+            <a:pathLst>
+              <a:path w="6809978" h="2191658">
+                <a:moveTo>
+                  <a:pt x="0" y="0"/>
+                </a:moveTo>
+                <a:lnTo>
+                  <a:pt x="4531235" y="0"/>
+                </a:lnTo>
+                <a:lnTo>
+                  <a:pt x="6809978" y="0"/>
+                </a:lnTo>
+                <a:lnTo>
+                  <a:pt x="0" y="2191658"/>
+                </a:lnTo>
+                <a:lnTo>
+                  <a:pt x="0" y="0"/>
+                </a:lnTo>
+                <a:close/>
+              </a:path>
+            </a:pathLst>
+          </a:custGeom>
+          <a:solidFill>
+            <a:srgbClr val="A5CA97"/>
+          </a:solidFill>
+          <a:ln>
+            <a:noFill/>
+          </a:ln>
+        </p:spPr>
+        <p:style>
+          <a:lnRef idx="2">
+            <a:schemeClr val="accent1">
+              <a:shade val="50000"/>
+            </a:schemeClr>
+          </a:lnRef>
+          <a:fillRef idx="1">
+            <a:schemeClr val="accent1"/>
+          </a:fillRef>
+          <a:effectRef idx="0">
+            <a:schemeClr val="accent1"/>
+          </a:effectRef>
+          <a:fontRef idx="minor">
+            <a:schemeClr val="lt1"/>
+          </a:fontRef>
+        </p:style>
+        <p:txBody>
+          <a:bodyPr rtlCol="0" anchor="ctr"/>
+          <a:lstStyle/>
+          <a:p>
+            <a:pPr algn="ctr"/>
+            <a:endParaRPr lang="pt-BR"/>
+          </a:p>
+        </p:txBody>
+      </p:sp>
+      <p:sp>
+        <p:nvSpPr>
+          <p:cNvPr id="11" name="Retângulo de cantos arredondados 10"/>
+          <p:cNvSpPr/>
+          <p:nvPr/>
+        </p:nvSpPr>
+        <p:spPr>
+          <a:xfrm>
+            <a:off x="3850392" y="1093785"/>
+            <a:ext cx="4074408" cy="4789713"/>
+          </a:xfrm>
+          <a:prstGeom prst="roundRect">
+            <a:avLst/>
+          </a:prstGeom>
+          <a:solidFill>
+            <a:srgbClr val="FDEBC7"/>
+          </a:solidFill>
+          <a:ln>
+            <a:noFill/>
+          </a:ln>
+          <a:effectLst>
+            <a:outerShdw blurRad="50800" dist="38100" dir="2700000" algn="tl" rotWithShape="0">
+              <a:prstClr val="black">
+                <a:alpha val="40000"/>
+              </a:prstClr>
+            </a:outerShdw>
+          </a:effectLst>
+        </p:spPr>
+        <p:style>
+          <a:lnRef idx="2">
+            <a:schemeClr val="accent1">
+              <a:shade val="50000"/>
+            </a:schemeClr>
+          </a:lnRef>
+          <a:fillRef idx="1">
+            <a:schemeClr val="accent1"/>
+          </a:fillRef>
+          <a:effectRef idx="0">
+            <a:schemeClr val="accent1"/>
+          </a:effectRef>
+          <a:fontRef idx="minor">
+            <a:schemeClr val="lt1"/>
+          </a:fontRef>
+        </p:style>
+        <p:txBody>
+          <a:bodyPr rtlCol="0" anchor="ctr"/>
+          <a:lstStyle/>
+          <a:p>
+            <a:pPr algn="ctr"/>
+            <a:endParaRPr lang="pt-BR"/>
+          </a:p>
+        </p:txBody>
+      </p:sp>
+      <p:sp>
+        <p:nvSpPr>
+          <p:cNvPr id="15" name="CaixaDeTexto 14"/>
+          <p:cNvSpPr txBox="1"/>
+          <p:nvPr/>
+        </p:nvSpPr>
+        <p:spPr>
+          <a:xfrm>
+            <a:off x="4315805" y="2123814"/>
+            <a:ext cx="4578359" cy="400110"/>
+          </a:xfrm>
+          <a:prstGeom prst="rect">
+            <a:avLst/>
+          </a:prstGeom>
+          <a:noFill/>
+        </p:spPr>
+        <p:txBody>
+          <a:bodyPr wrap="square" rtlCol="0">
+            <a:spAutoFit/>
+          </a:bodyPr>
+          <a:lstStyle/>
+          <a:p>
+            <a:r>
+              <a:rPr lang="pt-BR" sz="2000" dirty="0" smtClean="0">
+                <a:solidFill>
+                  <a:srgbClr val="447E43"/>
+                </a:solidFill>
+                <a:latin typeface="Bahnschrift" panose="020B0502040204020203" pitchFamily="34" charset="0"/>
+              </a:rPr>
+              <a:t>Login</a:t>
+            </a:r>
+            <a:endParaRPr lang="pt-BR" sz="2000" dirty="0">
+              <a:solidFill>
+                <a:srgbClr val="447E43"/>
+              </a:solidFill>
+              <a:latin typeface="Bahnschrift" panose="020B0502040204020203" pitchFamily="34" charset="0"/>
+            </a:endParaRPr>
+          </a:p>
+        </p:txBody>
+      </p:sp>
+      <p:sp>
+        <p:nvSpPr>
+          <p:cNvPr id="16" name="Retângulo de cantos arredondados 15"/>
+          <p:cNvSpPr/>
+          <p:nvPr/>
+        </p:nvSpPr>
+        <p:spPr>
+          <a:xfrm>
+            <a:off x="4315805" y="2553483"/>
+            <a:ext cx="3106057" cy="526210"/>
+          </a:xfrm>
+          <a:prstGeom prst="roundRect">
+            <a:avLst/>
+          </a:prstGeom>
+          <a:noFill/>
+        </p:spPr>
+        <p:style>
+          <a:lnRef idx="2">
+            <a:schemeClr val="accent6"/>
+          </a:lnRef>
+          <a:fillRef idx="1">
+            <a:schemeClr val="lt1"/>
+          </a:fillRef>
+          <a:effectRef idx="0">
+            <a:schemeClr val="accent6"/>
+          </a:effectRef>
+          <a:fontRef idx="minor">
+            <a:schemeClr val="dk1"/>
+          </a:fontRef>
+        </p:style>
+        <p:txBody>
+          <a:bodyPr rtlCol="0" anchor="ctr"/>
+          <a:lstStyle/>
+          <a:p>
+            <a:pPr algn="ctr"/>
+            <a:endParaRPr lang="pt-BR"/>
+          </a:p>
+        </p:txBody>
+      </p:sp>
+      <p:sp>
+        <p:nvSpPr>
+          <p:cNvPr id="17" name="Retângulo de cantos arredondados 16"/>
+          <p:cNvSpPr/>
+          <p:nvPr/>
+        </p:nvSpPr>
+        <p:spPr>
+          <a:xfrm>
+            <a:off x="4315805" y="3727766"/>
+            <a:ext cx="3106057" cy="526210"/>
+          </a:xfrm>
+          <a:prstGeom prst="roundRect">
+            <a:avLst/>
+          </a:prstGeom>
+          <a:noFill/>
+        </p:spPr>
+        <p:style>
+          <a:lnRef idx="2">
+            <a:schemeClr val="accent6"/>
+          </a:lnRef>
+          <a:fillRef idx="1">
+            <a:schemeClr val="lt1"/>
+          </a:fillRef>
+          <a:effectRef idx="0">
+            <a:schemeClr val="accent6"/>
+          </a:effectRef>
+          <a:fontRef idx="minor">
+            <a:schemeClr val="dk1"/>
+          </a:fontRef>
+        </p:style>
+        <p:txBody>
+          <a:bodyPr rtlCol="0" anchor="ctr"/>
+          <a:lstStyle/>
+          <a:p>
+            <a:pPr algn="ctr"/>
+            <a:endParaRPr lang="pt-BR"/>
+          </a:p>
+        </p:txBody>
+      </p:sp>
+      <p:sp>
+        <p:nvSpPr>
+          <p:cNvPr id="18" name="CaixaDeTexto 17"/>
+          <p:cNvSpPr txBox="1"/>
+          <p:nvPr/>
+        </p:nvSpPr>
+        <p:spPr>
+          <a:xfrm>
+            <a:off x="4315805" y="3327656"/>
+            <a:ext cx="4578359" cy="400110"/>
+          </a:xfrm>
+          <a:prstGeom prst="rect">
+            <a:avLst/>
+          </a:prstGeom>
+          <a:noFill/>
+        </p:spPr>
+        <p:txBody>
+          <a:bodyPr wrap="square" rtlCol="0">
+            <a:spAutoFit/>
+          </a:bodyPr>
+          <a:lstStyle/>
+          <a:p>
+            <a:r>
+              <a:rPr lang="pt-BR" sz="2000" dirty="0" smtClean="0">
+                <a:solidFill>
+                  <a:srgbClr val="447E43"/>
+                </a:solidFill>
+                <a:latin typeface="Bahnschrift" panose="020B0502040204020203" pitchFamily="34" charset="0"/>
+              </a:rPr>
+              <a:t>Senha</a:t>
+            </a:r>
+            <a:endParaRPr lang="pt-BR" sz="2000" dirty="0">
+              <a:solidFill>
+                <a:srgbClr val="447E43"/>
+              </a:solidFill>
+              <a:latin typeface="Bahnschrift" panose="020B0502040204020203" pitchFamily="34" charset="0"/>
+            </a:endParaRPr>
+          </a:p>
+        </p:txBody>
+      </p:sp>
+      <p:sp>
+        <p:nvSpPr>
+          <p:cNvPr id="19" name="Retângulo 18"/>
+          <p:cNvSpPr/>
+          <p:nvPr/>
+        </p:nvSpPr>
+        <p:spPr>
+          <a:xfrm>
+            <a:off x="4315805" y="4753282"/>
+            <a:ext cx="3106057" cy="378657"/>
+          </a:xfrm>
+          <a:prstGeom prst="rect">
+            <a:avLst/>
+          </a:prstGeom>
+          <a:solidFill>
+            <a:srgbClr val="73D54A"/>
+          </a:solidFill>
+          <a:ln>
+            <a:solidFill>
+              <a:srgbClr val="73D54A"/>
+            </a:solidFill>
+          </a:ln>
+          <a:effectLst>
+            <a:outerShdw blurRad="50800" dist="38100" dir="2700000" algn="tl" rotWithShape="0">
+              <a:prstClr val="black">
+                <a:alpha val="40000"/>
+              </a:prstClr>
+            </a:outerShdw>
+            <a:softEdge rad="0"/>
+          </a:effectLst>
+        </p:spPr>
+        <p:style>
+          <a:lnRef idx="2">
+            <a:schemeClr val="accent1">
+              <a:shade val="50000"/>
+            </a:schemeClr>
+          </a:lnRef>
+          <a:fillRef idx="1">
+            <a:schemeClr val="accent1"/>
+          </a:fillRef>
+          <a:effectRef idx="0">
+            <a:schemeClr val="accent1"/>
+          </a:effectRef>
+          <a:fontRef idx="minor">
+            <a:schemeClr val="lt1"/>
+          </a:fontRef>
+        </p:style>
+        <p:txBody>
+          <a:bodyPr rtlCol="0" anchor="ctr"/>
+          <a:lstStyle/>
+          <a:p>
+            <a:pPr algn="ctr"/>
+            <a:r>
+              <a:rPr lang="pt-BR" dirty="0" smtClean="0"/>
+              <a:t>Entrar</a:t>
+            </a:r>
+            <a:endParaRPr lang="pt-BR" dirty="0"/>
+          </a:p>
+        </p:txBody>
+      </p:sp>
+      <p:sp>
+        <p:nvSpPr>
+          <p:cNvPr id="20" name="CaixaDeTexto 19"/>
+          <p:cNvSpPr txBox="1"/>
+          <p:nvPr/>
+        </p:nvSpPr>
+        <p:spPr>
+          <a:xfrm>
+            <a:off x="5030098" y="1240161"/>
+            <a:ext cx="4578359" cy="461665"/>
+          </a:xfrm>
+          <a:prstGeom prst="rect">
+            <a:avLst/>
+          </a:prstGeom>
+          <a:noFill/>
+        </p:spPr>
+        <p:txBody>
+          <a:bodyPr wrap="square" rtlCol="0">
+            <a:spAutoFit/>
+          </a:bodyPr>
+          <a:lstStyle/>
+          <a:p>
+            <a:r>
+              <a:rPr lang="pt-BR" sz="2400" dirty="0" smtClean="0">
+                <a:solidFill>
+                  <a:srgbClr val="447E43"/>
+                </a:solidFill>
+                <a:latin typeface="Bahnschrift" panose="020B0502040204020203" pitchFamily="34" charset="0"/>
+              </a:rPr>
+              <a:t>Professor</a:t>
+            </a:r>
+            <a:endParaRPr lang="pt-BR" sz="2400" dirty="0">
+              <a:solidFill>
+                <a:srgbClr val="447E43"/>
+              </a:solidFill>
+              <a:latin typeface="Bahnschrift" panose="020B0502040204020203" pitchFamily="34" charset="0"/>
+            </a:endParaRPr>
+          </a:p>
+        </p:txBody>
+      </p:sp>
+    </p:spTree>
+    <p:extLst>
+      <p:ext uri="{BB962C8B-B14F-4D97-AF65-F5344CB8AC3E}">
+        <p14:creationId xmlns:p14="http://schemas.microsoft.com/office/powerpoint/2010/main" val="2338417493"/>
+      </p:ext>
+    </p:extLst>
+  </p:cSld>
+  <p:clrMapOvr>
+    <a:masterClrMapping/>
+  </p:clrMapOvr>
+  <p:timing>
+    <p:tnLst>
+      <p:par>
+        <p:cTn id="1" dur="indefinite" restart="never" nodeType="tmRoot"/>
+      </p:par>
+    </p:tnLst>
+  </p:timing>
+</p:sld>
+</file>
+
+<file path=ppt/slides/slide30.xml><?xml version="1.0" encoding="utf-8"?>
 <p:sld xmlns:a="http://schemas.openxmlformats.org/drawingml/2006/main" xmlns:r="http://schemas.openxmlformats.org/officeDocument/2006/relationships" xmlns:p="http://schemas.openxmlformats.org/presentationml/2006/main">
   <p:cSld>
     <p:spTree>
@@ -21381,661 +24840,7 @@
 </p:sld>
 </file>
 
-<file path=ppt/slides/slide3.xml><?xml version="1.0" encoding="utf-8"?>
-<p:sld xmlns:a="http://schemas.openxmlformats.org/drawingml/2006/main" xmlns:r="http://schemas.openxmlformats.org/officeDocument/2006/relationships" xmlns:p="http://schemas.openxmlformats.org/presentationml/2006/main">
-  <p:cSld>
-    <p:spTree>
-      <p:nvGrpSpPr>
-        <p:cNvPr id="1" name=""/>
-        <p:cNvGrpSpPr/>
-        <p:nvPr/>
-      </p:nvGrpSpPr>
-      <p:grpSpPr>
-        <a:xfrm>
-          <a:off x="0" y="0"/>
-          <a:ext cx="0" cy="0"/>
-          <a:chOff x="0" y="0"/>
-          <a:chExt cx="0" cy="0"/>
-        </a:xfrm>
-      </p:grpSpPr>
-      <p:sp>
-        <p:nvSpPr>
-          <p:cNvPr id="4" name="Retângulo 3"/>
-          <p:cNvSpPr/>
-          <p:nvPr/>
-        </p:nvSpPr>
-        <p:spPr>
-          <a:xfrm>
-            <a:off x="1146749" y="441822"/>
-            <a:ext cx="9787944" cy="5911402"/>
-          </a:xfrm>
-          <a:prstGeom prst="rect">
-            <a:avLst/>
-          </a:prstGeom>
-          <a:solidFill>
-            <a:srgbClr val="86B161"/>
-          </a:solidFill>
-          <a:ln>
-            <a:solidFill>
-              <a:schemeClr val="accent6">
-                <a:lumMod val="60000"/>
-                <a:lumOff val="40000"/>
-              </a:schemeClr>
-            </a:solidFill>
-          </a:ln>
-          <a:effectLst/>
-        </p:spPr>
-        <p:style>
-          <a:lnRef idx="2">
-            <a:schemeClr val="accent1">
-              <a:shade val="50000"/>
-            </a:schemeClr>
-          </a:lnRef>
-          <a:fillRef idx="1">
-            <a:schemeClr val="accent1"/>
-          </a:fillRef>
-          <a:effectRef idx="0">
-            <a:schemeClr val="accent1"/>
-          </a:effectRef>
-          <a:fontRef idx="minor">
-            <a:schemeClr val="lt1"/>
-          </a:fontRef>
-        </p:style>
-        <p:txBody>
-          <a:bodyPr rtlCol="0" anchor="ctr"/>
-          <a:lstStyle/>
-          <a:p>
-            <a:pPr algn="ctr"/>
-            <a:endParaRPr lang="pt-BR"/>
-          </a:p>
-        </p:txBody>
-      </p:sp>
-      <p:sp>
-        <p:nvSpPr>
-          <p:cNvPr id="12" name="Retângulo 11"/>
-          <p:cNvSpPr/>
-          <p:nvPr/>
-        </p:nvSpPr>
-        <p:spPr>
-          <a:xfrm>
-            <a:off x="1146749" y="441822"/>
-            <a:ext cx="8461708" cy="2193702"/>
-          </a:xfrm>
-          <a:custGeom>
-            <a:avLst/>
-            <a:gdLst>
-              <a:gd name="connsiteX0" fmla="*/ 0 w 4531235"/>
-              <a:gd name="connsiteY0" fmla="*/ 0 h 2177143"/>
-              <a:gd name="connsiteX1" fmla="*/ 4531235 w 4531235"/>
-              <a:gd name="connsiteY1" fmla="*/ 0 h 2177143"/>
-              <a:gd name="connsiteX2" fmla="*/ 4531235 w 4531235"/>
-              <a:gd name="connsiteY2" fmla="*/ 2177143 h 2177143"/>
-              <a:gd name="connsiteX3" fmla="*/ 0 w 4531235"/>
-              <a:gd name="connsiteY3" fmla="*/ 2177143 h 2177143"/>
-              <a:gd name="connsiteX4" fmla="*/ 0 w 4531235"/>
-              <a:gd name="connsiteY4" fmla="*/ 0 h 2177143"/>
-              <a:gd name="connsiteX0" fmla="*/ 0 w 4531235"/>
-              <a:gd name="connsiteY0" fmla="*/ 0 h 2177143"/>
-              <a:gd name="connsiteX1" fmla="*/ 4531235 w 4531235"/>
-              <a:gd name="connsiteY1" fmla="*/ 0 h 2177143"/>
-              <a:gd name="connsiteX2" fmla="*/ 4531235 w 4531235"/>
-              <a:gd name="connsiteY2" fmla="*/ 2177143 h 2177143"/>
-              <a:gd name="connsiteX3" fmla="*/ 1494971 w 4531235"/>
-              <a:gd name="connsiteY3" fmla="*/ 1973943 h 2177143"/>
-              <a:gd name="connsiteX4" fmla="*/ 0 w 4531235"/>
-              <a:gd name="connsiteY4" fmla="*/ 0 h 2177143"/>
-              <a:gd name="connsiteX0" fmla="*/ 0 w 4531235"/>
-              <a:gd name="connsiteY0" fmla="*/ 0 h 2191658"/>
-              <a:gd name="connsiteX1" fmla="*/ 4531235 w 4531235"/>
-              <a:gd name="connsiteY1" fmla="*/ 0 h 2191658"/>
-              <a:gd name="connsiteX2" fmla="*/ 4531235 w 4531235"/>
-              <a:gd name="connsiteY2" fmla="*/ 2177143 h 2191658"/>
-              <a:gd name="connsiteX3" fmla="*/ 0 w 4531235"/>
-              <a:gd name="connsiteY3" fmla="*/ 2191658 h 2191658"/>
-              <a:gd name="connsiteX4" fmla="*/ 0 w 4531235"/>
-              <a:gd name="connsiteY4" fmla="*/ 0 h 2191658"/>
-              <a:gd name="connsiteX0" fmla="*/ 0 w 6809978"/>
-              <a:gd name="connsiteY0" fmla="*/ 0 h 2191658"/>
-              <a:gd name="connsiteX1" fmla="*/ 4531235 w 6809978"/>
-              <a:gd name="connsiteY1" fmla="*/ 0 h 2191658"/>
-              <a:gd name="connsiteX2" fmla="*/ 6809978 w 6809978"/>
-              <a:gd name="connsiteY2" fmla="*/ 0 h 2191658"/>
-              <a:gd name="connsiteX3" fmla="*/ 0 w 6809978"/>
-              <a:gd name="connsiteY3" fmla="*/ 2191658 h 2191658"/>
-              <a:gd name="connsiteX4" fmla="*/ 0 w 6809978"/>
-              <a:gd name="connsiteY4" fmla="*/ 0 h 2191658"/>
-            </a:gdLst>
-            <a:ahLst/>
-            <a:cxnLst>
-              <a:cxn ang="0">
-                <a:pos x="connsiteX0" y="connsiteY0"/>
-              </a:cxn>
-              <a:cxn ang="0">
-                <a:pos x="connsiteX1" y="connsiteY1"/>
-              </a:cxn>
-              <a:cxn ang="0">
-                <a:pos x="connsiteX2" y="connsiteY2"/>
-              </a:cxn>
-              <a:cxn ang="0">
-                <a:pos x="connsiteX3" y="connsiteY3"/>
-              </a:cxn>
-              <a:cxn ang="0">
-                <a:pos x="connsiteX4" y="connsiteY4"/>
-              </a:cxn>
-            </a:cxnLst>
-            <a:rect l="l" t="t" r="r" b="b"/>
-            <a:pathLst>
-              <a:path w="6809978" h="2191658">
-                <a:moveTo>
-                  <a:pt x="0" y="0"/>
-                </a:moveTo>
-                <a:lnTo>
-                  <a:pt x="4531235" y="0"/>
-                </a:lnTo>
-                <a:lnTo>
-                  <a:pt x="6809978" y="0"/>
-                </a:lnTo>
-                <a:lnTo>
-                  <a:pt x="0" y="2191658"/>
-                </a:lnTo>
-                <a:lnTo>
-                  <a:pt x="0" y="0"/>
-                </a:lnTo>
-                <a:close/>
-              </a:path>
-            </a:pathLst>
-          </a:custGeom>
-          <a:solidFill>
-            <a:srgbClr val="A5CA97"/>
-          </a:solidFill>
-          <a:ln>
-            <a:noFill/>
-          </a:ln>
-        </p:spPr>
-        <p:style>
-          <a:lnRef idx="2">
-            <a:schemeClr val="accent1">
-              <a:shade val="50000"/>
-            </a:schemeClr>
-          </a:lnRef>
-          <a:fillRef idx="1">
-            <a:schemeClr val="accent1"/>
-          </a:fillRef>
-          <a:effectRef idx="0">
-            <a:schemeClr val="accent1"/>
-          </a:effectRef>
-          <a:fontRef idx="minor">
-            <a:schemeClr val="lt1"/>
-          </a:fontRef>
-        </p:style>
-        <p:txBody>
-          <a:bodyPr rtlCol="0" anchor="ctr"/>
-          <a:lstStyle/>
-          <a:p>
-            <a:pPr algn="ctr"/>
-            <a:endParaRPr lang="pt-BR"/>
-          </a:p>
-        </p:txBody>
-      </p:sp>
-      <p:sp>
-        <p:nvSpPr>
-          <p:cNvPr id="14" name="Retângulo 11"/>
-          <p:cNvSpPr/>
-          <p:nvPr/>
-        </p:nvSpPr>
-        <p:spPr>
-          <a:xfrm rot="10800000">
-            <a:off x="2460290" y="4155328"/>
-            <a:ext cx="8461708" cy="2193702"/>
-          </a:xfrm>
-          <a:custGeom>
-            <a:avLst/>
-            <a:gdLst>
-              <a:gd name="connsiteX0" fmla="*/ 0 w 4531235"/>
-              <a:gd name="connsiteY0" fmla="*/ 0 h 2177143"/>
-              <a:gd name="connsiteX1" fmla="*/ 4531235 w 4531235"/>
-              <a:gd name="connsiteY1" fmla="*/ 0 h 2177143"/>
-              <a:gd name="connsiteX2" fmla="*/ 4531235 w 4531235"/>
-              <a:gd name="connsiteY2" fmla="*/ 2177143 h 2177143"/>
-              <a:gd name="connsiteX3" fmla="*/ 0 w 4531235"/>
-              <a:gd name="connsiteY3" fmla="*/ 2177143 h 2177143"/>
-              <a:gd name="connsiteX4" fmla="*/ 0 w 4531235"/>
-              <a:gd name="connsiteY4" fmla="*/ 0 h 2177143"/>
-              <a:gd name="connsiteX0" fmla="*/ 0 w 4531235"/>
-              <a:gd name="connsiteY0" fmla="*/ 0 h 2177143"/>
-              <a:gd name="connsiteX1" fmla="*/ 4531235 w 4531235"/>
-              <a:gd name="connsiteY1" fmla="*/ 0 h 2177143"/>
-              <a:gd name="connsiteX2" fmla="*/ 4531235 w 4531235"/>
-              <a:gd name="connsiteY2" fmla="*/ 2177143 h 2177143"/>
-              <a:gd name="connsiteX3" fmla="*/ 1494971 w 4531235"/>
-              <a:gd name="connsiteY3" fmla="*/ 1973943 h 2177143"/>
-              <a:gd name="connsiteX4" fmla="*/ 0 w 4531235"/>
-              <a:gd name="connsiteY4" fmla="*/ 0 h 2177143"/>
-              <a:gd name="connsiteX0" fmla="*/ 0 w 4531235"/>
-              <a:gd name="connsiteY0" fmla="*/ 0 h 2191658"/>
-              <a:gd name="connsiteX1" fmla="*/ 4531235 w 4531235"/>
-              <a:gd name="connsiteY1" fmla="*/ 0 h 2191658"/>
-              <a:gd name="connsiteX2" fmla="*/ 4531235 w 4531235"/>
-              <a:gd name="connsiteY2" fmla="*/ 2177143 h 2191658"/>
-              <a:gd name="connsiteX3" fmla="*/ 0 w 4531235"/>
-              <a:gd name="connsiteY3" fmla="*/ 2191658 h 2191658"/>
-              <a:gd name="connsiteX4" fmla="*/ 0 w 4531235"/>
-              <a:gd name="connsiteY4" fmla="*/ 0 h 2191658"/>
-              <a:gd name="connsiteX0" fmla="*/ 0 w 6809978"/>
-              <a:gd name="connsiteY0" fmla="*/ 0 h 2191658"/>
-              <a:gd name="connsiteX1" fmla="*/ 4531235 w 6809978"/>
-              <a:gd name="connsiteY1" fmla="*/ 0 h 2191658"/>
-              <a:gd name="connsiteX2" fmla="*/ 6809978 w 6809978"/>
-              <a:gd name="connsiteY2" fmla="*/ 0 h 2191658"/>
-              <a:gd name="connsiteX3" fmla="*/ 0 w 6809978"/>
-              <a:gd name="connsiteY3" fmla="*/ 2191658 h 2191658"/>
-              <a:gd name="connsiteX4" fmla="*/ 0 w 6809978"/>
-              <a:gd name="connsiteY4" fmla="*/ 0 h 2191658"/>
-            </a:gdLst>
-            <a:ahLst/>
-            <a:cxnLst>
-              <a:cxn ang="0">
-                <a:pos x="connsiteX0" y="connsiteY0"/>
-              </a:cxn>
-              <a:cxn ang="0">
-                <a:pos x="connsiteX1" y="connsiteY1"/>
-              </a:cxn>
-              <a:cxn ang="0">
-                <a:pos x="connsiteX2" y="connsiteY2"/>
-              </a:cxn>
-              <a:cxn ang="0">
-                <a:pos x="connsiteX3" y="connsiteY3"/>
-              </a:cxn>
-              <a:cxn ang="0">
-                <a:pos x="connsiteX4" y="connsiteY4"/>
-              </a:cxn>
-            </a:cxnLst>
-            <a:rect l="l" t="t" r="r" b="b"/>
-            <a:pathLst>
-              <a:path w="6809978" h="2191658">
-                <a:moveTo>
-                  <a:pt x="0" y="0"/>
-                </a:moveTo>
-                <a:lnTo>
-                  <a:pt x="4531235" y="0"/>
-                </a:lnTo>
-                <a:lnTo>
-                  <a:pt x="6809978" y="0"/>
-                </a:lnTo>
-                <a:lnTo>
-                  <a:pt x="0" y="2191658"/>
-                </a:lnTo>
-                <a:lnTo>
-                  <a:pt x="0" y="0"/>
-                </a:lnTo>
-                <a:close/>
-              </a:path>
-            </a:pathLst>
-          </a:custGeom>
-          <a:solidFill>
-            <a:srgbClr val="A5CA97"/>
-          </a:solidFill>
-          <a:ln>
-            <a:noFill/>
-          </a:ln>
-        </p:spPr>
-        <p:style>
-          <a:lnRef idx="2">
-            <a:schemeClr val="accent1">
-              <a:shade val="50000"/>
-            </a:schemeClr>
-          </a:lnRef>
-          <a:fillRef idx="1">
-            <a:schemeClr val="accent1"/>
-          </a:fillRef>
-          <a:effectRef idx="0">
-            <a:schemeClr val="accent1"/>
-          </a:effectRef>
-          <a:fontRef idx="minor">
-            <a:schemeClr val="lt1"/>
-          </a:fontRef>
-        </p:style>
-        <p:txBody>
-          <a:bodyPr rtlCol="0" anchor="ctr"/>
-          <a:lstStyle/>
-          <a:p>
-            <a:pPr algn="ctr"/>
-            <a:endParaRPr lang="pt-BR"/>
-          </a:p>
-        </p:txBody>
-      </p:sp>
-      <p:sp>
-        <p:nvSpPr>
-          <p:cNvPr id="11" name="Retângulo de cantos arredondados 10"/>
-          <p:cNvSpPr/>
-          <p:nvPr/>
-        </p:nvSpPr>
-        <p:spPr>
-          <a:xfrm>
-            <a:off x="3850392" y="1093785"/>
-            <a:ext cx="4074408" cy="4789713"/>
-          </a:xfrm>
-          <a:prstGeom prst="roundRect">
-            <a:avLst/>
-          </a:prstGeom>
-          <a:solidFill>
-            <a:srgbClr val="FDEBC7"/>
-          </a:solidFill>
-          <a:ln>
-            <a:noFill/>
-          </a:ln>
-          <a:effectLst>
-            <a:outerShdw blurRad="50800" dist="38100" dir="2700000" algn="tl" rotWithShape="0">
-              <a:prstClr val="black">
-                <a:alpha val="40000"/>
-              </a:prstClr>
-            </a:outerShdw>
-          </a:effectLst>
-        </p:spPr>
-        <p:style>
-          <a:lnRef idx="2">
-            <a:schemeClr val="accent1">
-              <a:shade val="50000"/>
-            </a:schemeClr>
-          </a:lnRef>
-          <a:fillRef idx="1">
-            <a:schemeClr val="accent1"/>
-          </a:fillRef>
-          <a:effectRef idx="0">
-            <a:schemeClr val="accent1"/>
-          </a:effectRef>
-          <a:fontRef idx="minor">
-            <a:schemeClr val="lt1"/>
-          </a:fontRef>
-        </p:style>
-        <p:txBody>
-          <a:bodyPr rtlCol="0" anchor="ctr"/>
-          <a:lstStyle/>
-          <a:p>
-            <a:pPr algn="ctr"/>
-            <a:endParaRPr lang="pt-BR"/>
-          </a:p>
-        </p:txBody>
-      </p:sp>
-      <p:sp>
-        <p:nvSpPr>
-          <p:cNvPr id="15" name="CaixaDeTexto 14"/>
-          <p:cNvSpPr txBox="1"/>
-          <p:nvPr/>
-        </p:nvSpPr>
-        <p:spPr>
-          <a:xfrm>
-            <a:off x="4315805" y="2123814"/>
-            <a:ext cx="4578359" cy="400110"/>
-          </a:xfrm>
-          <a:prstGeom prst="rect">
-            <a:avLst/>
-          </a:prstGeom>
-          <a:noFill/>
-        </p:spPr>
-        <p:txBody>
-          <a:bodyPr wrap="square" rtlCol="0">
-            <a:spAutoFit/>
-          </a:bodyPr>
-          <a:lstStyle/>
-          <a:p>
-            <a:r>
-              <a:rPr lang="pt-BR" sz="2000" dirty="0" smtClean="0">
-                <a:solidFill>
-                  <a:srgbClr val="447E43"/>
-                </a:solidFill>
-                <a:latin typeface="Bahnschrift" panose="020B0502040204020203" pitchFamily="34" charset="0"/>
-              </a:rPr>
-              <a:t>Login</a:t>
-            </a:r>
-            <a:endParaRPr lang="pt-BR" sz="2000" dirty="0">
-              <a:solidFill>
-                <a:srgbClr val="447E43"/>
-              </a:solidFill>
-              <a:latin typeface="Bahnschrift" panose="020B0502040204020203" pitchFamily="34" charset="0"/>
-            </a:endParaRPr>
-          </a:p>
-        </p:txBody>
-      </p:sp>
-      <p:sp>
-        <p:nvSpPr>
-          <p:cNvPr id="16" name="Retângulo de cantos arredondados 15"/>
-          <p:cNvSpPr/>
-          <p:nvPr/>
-        </p:nvSpPr>
-        <p:spPr>
-          <a:xfrm>
-            <a:off x="4315805" y="2553483"/>
-            <a:ext cx="3106057" cy="526210"/>
-          </a:xfrm>
-          <a:prstGeom prst="roundRect">
-            <a:avLst/>
-          </a:prstGeom>
-          <a:noFill/>
-        </p:spPr>
-        <p:style>
-          <a:lnRef idx="2">
-            <a:schemeClr val="accent6"/>
-          </a:lnRef>
-          <a:fillRef idx="1">
-            <a:schemeClr val="lt1"/>
-          </a:fillRef>
-          <a:effectRef idx="0">
-            <a:schemeClr val="accent6"/>
-          </a:effectRef>
-          <a:fontRef idx="minor">
-            <a:schemeClr val="dk1"/>
-          </a:fontRef>
-        </p:style>
-        <p:txBody>
-          <a:bodyPr rtlCol="0" anchor="ctr"/>
-          <a:lstStyle/>
-          <a:p>
-            <a:pPr algn="ctr"/>
-            <a:endParaRPr lang="pt-BR"/>
-          </a:p>
-        </p:txBody>
-      </p:sp>
-      <p:sp>
-        <p:nvSpPr>
-          <p:cNvPr id="17" name="Retângulo de cantos arredondados 16"/>
-          <p:cNvSpPr/>
-          <p:nvPr/>
-        </p:nvSpPr>
-        <p:spPr>
-          <a:xfrm>
-            <a:off x="4315805" y="3727766"/>
-            <a:ext cx="3106057" cy="526210"/>
-          </a:xfrm>
-          <a:prstGeom prst="roundRect">
-            <a:avLst/>
-          </a:prstGeom>
-          <a:noFill/>
-        </p:spPr>
-        <p:style>
-          <a:lnRef idx="2">
-            <a:schemeClr val="accent6"/>
-          </a:lnRef>
-          <a:fillRef idx="1">
-            <a:schemeClr val="lt1"/>
-          </a:fillRef>
-          <a:effectRef idx="0">
-            <a:schemeClr val="accent6"/>
-          </a:effectRef>
-          <a:fontRef idx="minor">
-            <a:schemeClr val="dk1"/>
-          </a:fontRef>
-        </p:style>
-        <p:txBody>
-          <a:bodyPr rtlCol="0" anchor="ctr"/>
-          <a:lstStyle/>
-          <a:p>
-            <a:pPr algn="ctr"/>
-            <a:endParaRPr lang="pt-BR"/>
-          </a:p>
-        </p:txBody>
-      </p:sp>
-      <p:sp>
-        <p:nvSpPr>
-          <p:cNvPr id="18" name="CaixaDeTexto 17"/>
-          <p:cNvSpPr txBox="1"/>
-          <p:nvPr/>
-        </p:nvSpPr>
-        <p:spPr>
-          <a:xfrm>
-            <a:off x="4315805" y="3327656"/>
-            <a:ext cx="4578359" cy="400110"/>
-          </a:xfrm>
-          <a:prstGeom prst="rect">
-            <a:avLst/>
-          </a:prstGeom>
-          <a:noFill/>
-        </p:spPr>
-        <p:txBody>
-          <a:bodyPr wrap="square" rtlCol="0">
-            <a:spAutoFit/>
-          </a:bodyPr>
-          <a:lstStyle/>
-          <a:p>
-            <a:r>
-              <a:rPr lang="pt-BR" sz="2000" dirty="0" smtClean="0">
-                <a:solidFill>
-                  <a:srgbClr val="447E43"/>
-                </a:solidFill>
-                <a:latin typeface="Bahnschrift" panose="020B0502040204020203" pitchFamily="34" charset="0"/>
-              </a:rPr>
-              <a:t>Senha</a:t>
-            </a:r>
-            <a:endParaRPr lang="pt-BR" sz="2000" dirty="0">
-              <a:solidFill>
-                <a:srgbClr val="447E43"/>
-              </a:solidFill>
-              <a:latin typeface="Bahnschrift" panose="020B0502040204020203" pitchFamily="34" charset="0"/>
-            </a:endParaRPr>
-          </a:p>
-        </p:txBody>
-      </p:sp>
-      <p:sp>
-        <p:nvSpPr>
-          <p:cNvPr id="19" name="Retângulo 18"/>
-          <p:cNvSpPr/>
-          <p:nvPr/>
-        </p:nvSpPr>
-        <p:spPr>
-          <a:xfrm>
-            <a:off x="4315805" y="4753282"/>
-            <a:ext cx="3106057" cy="378657"/>
-          </a:xfrm>
-          <a:prstGeom prst="rect">
-            <a:avLst/>
-          </a:prstGeom>
-          <a:solidFill>
-            <a:srgbClr val="73D54A"/>
-          </a:solidFill>
-          <a:ln>
-            <a:solidFill>
-              <a:srgbClr val="73D54A"/>
-            </a:solidFill>
-          </a:ln>
-          <a:effectLst>
-            <a:outerShdw blurRad="50800" dist="38100" dir="2700000" algn="tl" rotWithShape="0">
-              <a:prstClr val="black">
-                <a:alpha val="40000"/>
-              </a:prstClr>
-            </a:outerShdw>
-            <a:softEdge rad="0"/>
-          </a:effectLst>
-        </p:spPr>
-        <p:style>
-          <a:lnRef idx="2">
-            <a:schemeClr val="accent1">
-              <a:shade val="50000"/>
-            </a:schemeClr>
-          </a:lnRef>
-          <a:fillRef idx="1">
-            <a:schemeClr val="accent1"/>
-          </a:fillRef>
-          <a:effectRef idx="0">
-            <a:schemeClr val="accent1"/>
-          </a:effectRef>
-          <a:fontRef idx="minor">
-            <a:schemeClr val="lt1"/>
-          </a:fontRef>
-        </p:style>
-        <p:txBody>
-          <a:bodyPr rtlCol="0" anchor="ctr"/>
-          <a:lstStyle/>
-          <a:p>
-            <a:pPr algn="ctr"/>
-            <a:r>
-              <a:rPr lang="pt-BR" dirty="0" smtClean="0"/>
-              <a:t>Entrar</a:t>
-            </a:r>
-            <a:endParaRPr lang="pt-BR" dirty="0"/>
-          </a:p>
-        </p:txBody>
-      </p:sp>
-      <p:sp>
-        <p:nvSpPr>
-          <p:cNvPr id="20" name="CaixaDeTexto 19"/>
-          <p:cNvSpPr txBox="1"/>
-          <p:nvPr/>
-        </p:nvSpPr>
-        <p:spPr>
-          <a:xfrm>
-            <a:off x="5030098" y="1240161"/>
-            <a:ext cx="4578359" cy="461665"/>
-          </a:xfrm>
-          <a:prstGeom prst="rect">
-            <a:avLst/>
-          </a:prstGeom>
-          <a:noFill/>
-        </p:spPr>
-        <p:txBody>
-          <a:bodyPr wrap="square" rtlCol="0">
-            <a:spAutoFit/>
-          </a:bodyPr>
-          <a:lstStyle/>
-          <a:p>
-            <a:r>
-              <a:rPr lang="pt-BR" sz="2400" dirty="0" smtClean="0">
-                <a:solidFill>
-                  <a:srgbClr val="447E43"/>
-                </a:solidFill>
-                <a:latin typeface="Bahnschrift" panose="020B0502040204020203" pitchFamily="34" charset="0"/>
-              </a:rPr>
-              <a:t>Professor</a:t>
-            </a:r>
-            <a:endParaRPr lang="pt-BR" sz="2400" dirty="0">
-              <a:solidFill>
-                <a:srgbClr val="447E43"/>
-              </a:solidFill>
-              <a:latin typeface="Bahnschrift" panose="020B0502040204020203" pitchFamily="34" charset="0"/>
-            </a:endParaRPr>
-          </a:p>
-        </p:txBody>
-      </p:sp>
-    </p:spTree>
-    <p:extLst>
-      <p:ext uri="{BB962C8B-B14F-4D97-AF65-F5344CB8AC3E}">
-        <p14:creationId xmlns:p14="http://schemas.microsoft.com/office/powerpoint/2010/main" val="2338417493"/>
-      </p:ext>
-    </p:extLst>
-  </p:cSld>
-  <p:clrMapOvr>
-    <a:masterClrMapping/>
-  </p:clrMapOvr>
-  <p:timing>
-    <p:tnLst>
-      <p:par>
-        <p:cTn id="1" dur="indefinite" restart="never" nodeType="tmRoot"/>
-      </p:par>
-    </p:tnLst>
-  </p:timing>
-</p:sld>
-</file>
-
-<file path=ppt/slides/slide30.xml><?xml version="1.0" encoding="utf-8"?>
+<file path=ppt/slides/slide31.xml><?xml version="1.0" encoding="utf-8"?>
 <p:sld xmlns:a="http://schemas.openxmlformats.org/drawingml/2006/main" xmlns:r="http://schemas.openxmlformats.org/officeDocument/2006/relationships" xmlns:p="http://schemas.openxmlformats.org/presentationml/2006/main">
   <p:cSld>
     <p:spTree>
@@ -22436,7 +25241,7 @@
 </p:sld>
 </file>
 
-<file path=ppt/slides/slide31.xml><?xml version="1.0" encoding="utf-8"?>
+<file path=ppt/slides/slide32.xml><?xml version="1.0" encoding="utf-8"?>
 <p:sld xmlns:a="http://schemas.openxmlformats.org/drawingml/2006/main" xmlns:r="http://schemas.openxmlformats.org/officeDocument/2006/relationships" xmlns:p="http://schemas.openxmlformats.org/presentationml/2006/main">
   <p:cSld>
     <p:spTree>
@@ -23715,7 +26520,7 @@
 </p:sld>
 </file>
 
-<file path=ppt/slides/slide32.xml><?xml version="1.0" encoding="utf-8"?>
+<file path=ppt/slides/slide33.xml><?xml version="1.0" encoding="utf-8"?>
 <p:sld xmlns:a="http://schemas.openxmlformats.org/drawingml/2006/main" xmlns:r="http://schemas.openxmlformats.org/officeDocument/2006/relationships" xmlns:p="http://schemas.openxmlformats.org/presentationml/2006/main">
   <p:cSld>
     <p:spTree>
@@ -24041,7 +26846,7 @@
 </p:sld>
 </file>
 
-<file path=ppt/slides/slide33.xml><?xml version="1.0" encoding="utf-8"?>
+<file path=ppt/slides/slide34.xml><?xml version="1.0" encoding="utf-8"?>
 <p:sld xmlns:a="http://schemas.openxmlformats.org/drawingml/2006/main" xmlns:r="http://schemas.openxmlformats.org/officeDocument/2006/relationships" xmlns:p="http://schemas.openxmlformats.org/presentationml/2006/main">
   <p:cSld>
     <p:spTree>
@@ -24828,7 +27633,7 @@
 </p:sld>
 </file>
 
-<file path=ppt/slides/slide34.xml><?xml version="1.0" encoding="utf-8"?>
+<file path=ppt/slides/slide35.xml><?xml version="1.0" encoding="utf-8"?>
 <p:sld xmlns:a="http://schemas.openxmlformats.org/drawingml/2006/main" xmlns:r="http://schemas.openxmlformats.org/officeDocument/2006/relationships" xmlns:p="http://schemas.openxmlformats.org/presentationml/2006/main">
   <p:cSld>
     <p:spTree>
@@ -25059,7 +27864,7 @@
 </p:sld>
 </file>
 
-<file path=ppt/slides/slide35.xml><?xml version="1.0" encoding="utf-8"?>
+<file path=ppt/slides/slide36.xml><?xml version="1.0" encoding="utf-8"?>
 <p:sld xmlns:a="http://schemas.openxmlformats.org/drawingml/2006/main" xmlns:r="http://schemas.openxmlformats.org/officeDocument/2006/relationships" xmlns:p="http://schemas.openxmlformats.org/presentationml/2006/main">
   <p:cSld>
     <p:spTree>
@@ -26080,7 +28885,7 @@
 </p:sld>
 </file>
 
-<file path=ppt/slides/slide36.xml><?xml version="1.0" encoding="utf-8"?>
+<file path=ppt/slides/slide37.xml><?xml version="1.0" encoding="utf-8"?>
 <p:sld xmlns:a="http://schemas.openxmlformats.org/drawingml/2006/main" xmlns:r="http://schemas.openxmlformats.org/officeDocument/2006/relationships" xmlns:p="http://schemas.openxmlformats.org/presentationml/2006/main">
   <p:cSld>
     <p:spTree>

--- a/DocumentacaoProjeto/Protótipo_Visual.pptx
+++ b/DocumentacaoProjeto/Protótipo_Visual.pptx
@@ -21082,7 +21082,7 @@
       </p:grpSp>
       <p:grpSp>
         <p:nvGrpSpPr>
-          <p:cNvPr id="70" name="Grupo 69"/>
+          <p:cNvPr id="95" name="Grupo 94"/>
           <p:cNvGrpSpPr/>
           <p:nvPr/>
         </p:nvGrpSpPr>
@@ -21096,7 +21096,7 @@
         </p:grpSpPr>
         <p:sp>
           <p:nvSpPr>
-            <p:cNvPr id="71" name="Retângulo 70"/>
+            <p:cNvPr id="96" name="Retângulo 95"/>
             <p:cNvSpPr/>
             <p:nvPr/>
           </p:nvSpPr>
@@ -21144,7 +21144,7 @@
         </p:sp>
         <p:sp>
           <p:nvSpPr>
-            <p:cNvPr id="72" name="Retângulo 71"/>
+            <p:cNvPr id="97" name="Retângulo 96"/>
             <p:cNvSpPr/>
             <p:nvPr/>
           </p:nvSpPr>
@@ -21192,7 +21192,7 @@
         </p:sp>
         <p:sp>
           <p:nvSpPr>
-            <p:cNvPr id="73" name="Elipse 72"/>
+            <p:cNvPr id="98" name="Elipse 97"/>
             <p:cNvSpPr/>
             <p:nvPr/>
           </p:nvSpPr>
@@ -21240,14 +21240,14 @@
         </p:sp>
         <p:pic>
           <p:nvPicPr>
-            <p:cNvPr id="74" name="Imagem 73"/>
+            <p:cNvPr id="99" name="Imagem 98"/>
             <p:cNvPicPr>
               <a:picLocks noChangeAspect="1"/>
             </p:cNvPicPr>
             <p:nvPr/>
           </p:nvPicPr>
           <p:blipFill rotWithShape="1">
-            <a:blip r:embed="rId14" cstate="print">
+            <a:blip r:embed="rId11" cstate="print">
               <a:extLst>
                 <a:ext uri="{28A0092B-C50C-407E-A947-70E740481C1C}">
                   <a14:useLocalDpi xmlns:a14="http://schemas.microsoft.com/office/drawing/2010/main" val="0"/>
@@ -21270,13 +21270,13 @@
       </p:grpSp>
       <p:grpSp>
         <p:nvGrpSpPr>
-          <p:cNvPr id="75" name="Grupo 74"/>
+          <p:cNvPr id="100" name="Grupo 99"/>
           <p:cNvGrpSpPr/>
           <p:nvPr/>
         </p:nvGrpSpPr>
         <p:grpSpPr>
           <a:xfrm>
-            <a:off x="3732443" y="3499251"/>
+            <a:off x="3732443" y="3497616"/>
             <a:ext cx="1133476" cy="1514757"/>
             <a:chOff x="2222500" y="1720849"/>
             <a:chExt cx="1133476" cy="1514757"/>
@@ -21284,7 +21284,7 @@
         </p:grpSpPr>
         <p:sp>
           <p:nvSpPr>
-            <p:cNvPr id="76" name="Retângulo 75"/>
+            <p:cNvPr id="101" name="Retângulo 100"/>
             <p:cNvSpPr/>
             <p:nvPr/>
           </p:nvSpPr>
@@ -21332,7 +21332,7 @@
         </p:sp>
         <p:sp>
           <p:nvSpPr>
-            <p:cNvPr id="77" name="Retângulo 76"/>
+            <p:cNvPr id="102" name="Retângulo 101"/>
             <p:cNvSpPr/>
             <p:nvPr/>
           </p:nvSpPr>
@@ -21380,7 +21380,7 @@
         </p:sp>
         <p:sp>
           <p:nvSpPr>
-            <p:cNvPr id="78" name="Elipse 77"/>
+            <p:cNvPr id="103" name="Elipse 102"/>
             <p:cNvSpPr/>
             <p:nvPr/>
           </p:nvSpPr>
@@ -21428,14 +21428,14 @@
         </p:sp>
         <p:pic>
           <p:nvPicPr>
-            <p:cNvPr id="79" name="Imagem 78"/>
+            <p:cNvPr id="104" name="Imagem 103"/>
             <p:cNvPicPr>
               <a:picLocks noChangeAspect="1"/>
             </p:cNvPicPr>
             <p:nvPr/>
           </p:nvPicPr>
           <p:blipFill rotWithShape="1">
-            <a:blip r:embed="rId14" cstate="print">
+            <a:blip r:embed="rId11" cstate="print">
               <a:extLst>
                 <a:ext uri="{28A0092B-C50C-407E-A947-70E740481C1C}">
                   <a14:useLocalDpi xmlns:a14="http://schemas.microsoft.com/office/drawing/2010/main" val="0"/>
@@ -21458,13 +21458,13 @@
       </p:grpSp>
       <p:grpSp>
         <p:nvGrpSpPr>
-          <p:cNvPr id="80" name="Grupo 79"/>
+          <p:cNvPr id="105" name="Grupo 104"/>
           <p:cNvGrpSpPr/>
           <p:nvPr/>
         </p:nvGrpSpPr>
         <p:grpSpPr>
           <a:xfrm>
-            <a:off x="5205168" y="3535526"/>
+            <a:off x="5205168" y="3478752"/>
             <a:ext cx="1133476" cy="1514757"/>
             <a:chOff x="2222500" y="1720849"/>
             <a:chExt cx="1133476" cy="1514757"/>
@@ -21472,7 +21472,7 @@
         </p:grpSpPr>
         <p:sp>
           <p:nvSpPr>
-            <p:cNvPr id="81" name="Retângulo 80"/>
+            <p:cNvPr id="106" name="Retângulo 105"/>
             <p:cNvSpPr/>
             <p:nvPr/>
           </p:nvSpPr>
@@ -21520,7 +21520,7 @@
         </p:sp>
         <p:sp>
           <p:nvSpPr>
-            <p:cNvPr id="82" name="Retângulo 81"/>
+            <p:cNvPr id="107" name="Retângulo 106"/>
             <p:cNvSpPr/>
             <p:nvPr/>
           </p:nvSpPr>
@@ -21568,7 +21568,7 @@
         </p:sp>
         <p:sp>
           <p:nvSpPr>
-            <p:cNvPr id="83" name="Elipse 82"/>
+            <p:cNvPr id="108" name="Elipse 107"/>
             <p:cNvSpPr/>
             <p:nvPr/>
           </p:nvSpPr>
@@ -21616,14 +21616,14 @@
         </p:sp>
         <p:pic>
           <p:nvPicPr>
-            <p:cNvPr id="84" name="Imagem 83"/>
+            <p:cNvPr id="109" name="Imagem 108"/>
             <p:cNvPicPr>
               <a:picLocks noChangeAspect="1"/>
             </p:cNvPicPr>
             <p:nvPr/>
           </p:nvPicPr>
           <p:blipFill rotWithShape="1">
-            <a:blip r:embed="rId14" cstate="print">
+            <a:blip r:embed="rId11" cstate="print">
               <a:extLst>
                 <a:ext uri="{28A0092B-C50C-407E-A947-70E740481C1C}">
                   <a14:useLocalDpi xmlns:a14="http://schemas.microsoft.com/office/drawing/2010/main" val="0"/>
@@ -21646,13 +21646,13 @@
       </p:grpSp>
       <p:grpSp>
         <p:nvGrpSpPr>
-          <p:cNvPr id="85" name="Grupo 84"/>
+          <p:cNvPr id="110" name="Grupo 109"/>
           <p:cNvGrpSpPr/>
           <p:nvPr/>
         </p:nvGrpSpPr>
         <p:grpSpPr>
           <a:xfrm>
-            <a:off x="6814593" y="3512830"/>
+            <a:off x="6814593" y="3458255"/>
             <a:ext cx="1133476" cy="1514757"/>
             <a:chOff x="2222500" y="1720849"/>
             <a:chExt cx="1133476" cy="1514757"/>
@@ -21660,7 +21660,7 @@
         </p:grpSpPr>
         <p:sp>
           <p:nvSpPr>
-            <p:cNvPr id="86" name="Retângulo 85"/>
+            <p:cNvPr id="111" name="Retângulo 110"/>
             <p:cNvSpPr/>
             <p:nvPr/>
           </p:nvSpPr>
@@ -21708,7 +21708,7 @@
         </p:sp>
         <p:sp>
           <p:nvSpPr>
-            <p:cNvPr id="87" name="Retângulo 86"/>
+            <p:cNvPr id="112" name="Retângulo 111"/>
             <p:cNvSpPr/>
             <p:nvPr/>
           </p:nvSpPr>
@@ -21756,7 +21756,7 @@
         </p:sp>
         <p:sp>
           <p:nvSpPr>
-            <p:cNvPr id="88" name="Elipse 87"/>
+            <p:cNvPr id="113" name="Elipse 112"/>
             <p:cNvSpPr/>
             <p:nvPr/>
           </p:nvSpPr>
@@ -21804,14 +21804,14 @@
         </p:sp>
         <p:pic>
           <p:nvPicPr>
-            <p:cNvPr id="89" name="Imagem 88"/>
+            <p:cNvPr id="114" name="Imagem 113"/>
             <p:cNvPicPr>
               <a:picLocks noChangeAspect="1"/>
             </p:cNvPicPr>
             <p:nvPr/>
           </p:nvPicPr>
           <p:blipFill rotWithShape="1">
-            <a:blip r:embed="rId14" cstate="print">
+            <a:blip r:embed="rId11" cstate="print">
               <a:extLst>
                 <a:ext uri="{28A0092B-C50C-407E-A947-70E740481C1C}">
                   <a14:useLocalDpi xmlns:a14="http://schemas.microsoft.com/office/drawing/2010/main" val="0"/>
@@ -21834,13 +21834,13 @@
       </p:grpSp>
       <p:grpSp>
         <p:nvGrpSpPr>
-          <p:cNvPr id="90" name="Grupo 89"/>
+          <p:cNvPr id="115" name="Grupo 114"/>
           <p:cNvGrpSpPr/>
           <p:nvPr/>
         </p:nvGrpSpPr>
         <p:grpSpPr>
           <a:xfrm>
-            <a:off x="8351669" y="3535526"/>
+            <a:off x="8351654" y="3458255"/>
             <a:ext cx="1133476" cy="1514757"/>
             <a:chOff x="2222500" y="1720849"/>
             <a:chExt cx="1133476" cy="1514757"/>
@@ -21848,7 +21848,7 @@
         </p:grpSpPr>
         <p:sp>
           <p:nvSpPr>
-            <p:cNvPr id="91" name="Retângulo 90"/>
+            <p:cNvPr id="116" name="Retângulo 115"/>
             <p:cNvSpPr/>
             <p:nvPr/>
           </p:nvSpPr>
@@ -21896,7 +21896,7 @@
         </p:sp>
         <p:sp>
           <p:nvSpPr>
-            <p:cNvPr id="92" name="Retângulo 91"/>
+            <p:cNvPr id="117" name="Retângulo 116"/>
             <p:cNvSpPr/>
             <p:nvPr/>
           </p:nvSpPr>
@@ -21944,7 +21944,7 @@
         </p:sp>
         <p:sp>
           <p:nvSpPr>
-            <p:cNvPr id="93" name="Elipse 92"/>
+            <p:cNvPr id="118" name="Elipse 117"/>
             <p:cNvSpPr/>
             <p:nvPr/>
           </p:nvSpPr>
@@ -21992,14 +21992,14 @@
         </p:sp>
         <p:pic>
           <p:nvPicPr>
-            <p:cNvPr id="94" name="Imagem 93"/>
+            <p:cNvPr id="119" name="Imagem 118"/>
             <p:cNvPicPr>
               <a:picLocks noChangeAspect="1"/>
             </p:cNvPicPr>
             <p:nvPr/>
           </p:nvPicPr>
           <p:blipFill rotWithShape="1">
-            <a:blip r:embed="rId14" cstate="print">
+            <a:blip r:embed="rId11" cstate="print">
               <a:extLst>
                 <a:ext uri="{28A0092B-C50C-407E-A947-70E740481C1C}">
                   <a14:useLocalDpi xmlns:a14="http://schemas.microsoft.com/office/drawing/2010/main" val="0"/>

--- a/DocumentacaoProjeto/Protótipo_Visual.pptx
+++ b/DocumentacaoProjeto/Protótipo_Visual.pptx
@@ -32,16 +32,19 @@
     <p:sldId id="268" r:id="rId26"/>
     <p:sldId id="287" r:id="rId27"/>
     <p:sldId id="261" r:id="rId28"/>
-    <p:sldId id="292" r:id="rId29"/>
-    <p:sldId id="288" r:id="rId30"/>
-    <p:sldId id="262" r:id="rId31"/>
-    <p:sldId id="289" r:id="rId32"/>
-    <p:sldId id="263" r:id="rId33"/>
-    <p:sldId id="269" r:id="rId34"/>
-    <p:sldId id="273" r:id="rId35"/>
-    <p:sldId id="290" r:id="rId36"/>
-    <p:sldId id="274" r:id="rId37"/>
-    <p:sldId id="291" r:id="rId38"/>
+    <p:sldId id="288" r:id="rId29"/>
+    <p:sldId id="292" r:id="rId30"/>
+    <p:sldId id="294" r:id="rId31"/>
+    <p:sldId id="293" r:id="rId32"/>
+    <p:sldId id="295" r:id="rId33"/>
+    <p:sldId id="262" r:id="rId34"/>
+    <p:sldId id="289" r:id="rId35"/>
+    <p:sldId id="263" r:id="rId36"/>
+    <p:sldId id="269" r:id="rId37"/>
+    <p:sldId id="273" r:id="rId38"/>
+    <p:sldId id="290" r:id="rId39"/>
+    <p:sldId id="274" r:id="rId40"/>
+    <p:sldId id="291" r:id="rId41"/>
   </p:sldIdLst>
   <p:sldSz cx="12192000" cy="6858000"/>
   <p:notesSz cx="6858000" cy="9144000"/>
@@ -279,7 +282,7 @@
           <a:p>
             <a:fld id="{ED8D6B47-35E8-4B74-A8BC-163E56BA4F07}" type="datetimeFigureOut">
               <a:rPr lang="pt-BR" smtClean="0"/>
-              <a:t>04/04/2020</a:t>
+              <a:t>05/04/2020</a:t>
             </a:fld>
             <a:endParaRPr lang="pt-BR"/>
           </a:p>
@@ -449,7 +452,7 @@
           <a:p>
             <a:fld id="{ED8D6B47-35E8-4B74-A8BC-163E56BA4F07}" type="datetimeFigureOut">
               <a:rPr lang="pt-BR" smtClean="0"/>
-              <a:t>04/04/2020</a:t>
+              <a:t>05/04/2020</a:t>
             </a:fld>
             <a:endParaRPr lang="pt-BR"/>
           </a:p>
@@ -629,7 +632,7 @@
           <a:p>
             <a:fld id="{ED8D6B47-35E8-4B74-A8BC-163E56BA4F07}" type="datetimeFigureOut">
               <a:rPr lang="pt-BR" smtClean="0"/>
-              <a:t>04/04/2020</a:t>
+              <a:t>05/04/2020</a:t>
             </a:fld>
             <a:endParaRPr lang="pt-BR"/>
           </a:p>
@@ -799,7 +802,7 @@
           <a:p>
             <a:fld id="{ED8D6B47-35E8-4B74-A8BC-163E56BA4F07}" type="datetimeFigureOut">
               <a:rPr lang="pt-BR" smtClean="0"/>
-              <a:t>04/04/2020</a:t>
+              <a:t>05/04/2020</a:t>
             </a:fld>
             <a:endParaRPr lang="pt-BR"/>
           </a:p>
@@ -1045,7 +1048,7 @@
           <a:p>
             <a:fld id="{ED8D6B47-35E8-4B74-A8BC-163E56BA4F07}" type="datetimeFigureOut">
               <a:rPr lang="pt-BR" smtClean="0"/>
-              <a:t>04/04/2020</a:t>
+              <a:t>05/04/2020</a:t>
             </a:fld>
             <a:endParaRPr lang="pt-BR"/>
           </a:p>
@@ -1277,7 +1280,7 @@
           <a:p>
             <a:fld id="{ED8D6B47-35E8-4B74-A8BC-163E56BA4F07}" type="datetimeFigureOut">
               <a:rPr lang="pt-BR" smtClean="0"/>
-              <a:t>04/04/2020</a:t>
+              <a:t>05/04/2020</a:t>
             </a:fld>
             <a:endParaRPr lang="pt-BR"/>
           </a:p>
@@ -1644,7 +1647,7 @@
           <a:p>
             <a:fld id="{ED8D6B47-35E8-4B74-A8BC-163E56BA4F07}" type="datetimeFigureOut">
               <a:rPr lang="pt-BR" smtClean="0"/>
-              <a:t>04/04/2020</a:t>
+              <a:t>05/04/2020</a:t>
             </a:fld>
             <a:endParaRPr lang="pt-BR"/>
           </a:p>
@@ -1762,7 +1765,7 @@
           <a:p>
             <a:fld id="{ED8D6B47-35E8-4B74-A8BC-163E56BA4F07}" type="datetimeFigureOut">
               <a:rPr lang="pt-BR" smtClean="0"/>
-              <a:t>04/04/2020</a:t>
+              <a:t>05/04/2020</a:t>
             </a:fld>
             <a:endParaRPr lang="pt-BR"/>
           </a:p>
@@ -1857,7 +1860,7 @@
           <a:p>
             <a:fld id="{ED8D6B47-35E8-4B74-A8BC-163E56BA4F07}" type="datetimeFigureOut">
               <a:rPr lang="pt-BR" smtClean="0"/>
-              <a:t>04/04/2020</a:t>
+              <a:t>05/04/2020</a:t>
             </a:fld>
             <a:endParaRPr lang="pt-BR"/>
           </a:p>
@@ -2134,7 +2137,7 @@
           <a:p>
             <a:fld id="{ED8D6B47-35E8-4B74-A8BC-163E56BA4F07}" type="datetimeFigureOut">
               <a:rPr lang="pt-BR" smtClean="0"/>
-              <a:t>04/04/2020</a:t>
+              <a:t>05/04/2020</a:t>
             </a:fld>
             <a:endParaRPr lang="pt-BR"/>
           </a:p>
@@ -2387,7 +2390,7 @@
           <a:p>
             <a:fld id="{ED8D6B47-35E8-4B74-A8BC-163E56BA4F07}" type="datetimeFigureOut">
               <a:rPr lang="pt-BR" smtClean="0"/>
-              <a:t>04/04/2020</a:t>
+              <a:t>05/04/2020</a:t>
             </a:fld>
             <a:endParaRPr lang="pt-BR"/>
           </a:p>
@@ -2600,7 +2603,7 @@
           <a:p>
             <a:fld id="{ED8D6B47-35E8-4B74-A8BC-163E56BA4F07}" type="datetimeFigureOut">
               <a:rPr lang="pt-BR" smtClean="0"/>
-              <a:t>04/04/2020</a:t>
+              <a:t>05/04/2020</a:t>
             </a:fld>
             <a:endParaRPr lang="pt-BR"/>
           </a:p>
@@ -19262,6 +19265,495 @@
       </p:grpSpPr>
       <p:sp>
         <p:nvSpPr>
+          <p:cNvPr id="2" name="Título 1"/>
+          <p:cNvSpPr>
+            <a:spLocks noGrp="1"/>
+          </p:cNvSpPr>
+          <p:nvPr>
+            <p:ph type="title"/>
+          </p:nvPr>
+        </p:nvSpPr>
+        <p:spPr/>
+        <p:txBody>
+          <a:bodyPr>
+            <a:normAutofit/>
+          </a:bodyPr>
+          <a:lstStyle/>
+          <a:p>
+            <a:r>
+              <a:rPr lang="pt-BR" sz="3200" dirty="0" smtClean="0"/>
+              <a:t>Tabela de Elementos – Tela </a:t>
+            </a:r>
+            <a:r>
+              <a:rPr lang="pt-BR" sz="3200" dirty="0" err="1" smtClean="0"/>
+              <a:t>Board</a:t>
+            </a:r>
+            <a:r>
+              <a:rPr lang="pt-BR" sz="3200" dirty="0" smtClean="0"/>
+              <a:t> Game (</a:t>
+            </a:r>
+            <a:r>
+              <a:rPr lang="pt-BR" sz="3200" dirty="0" err="1" smtClean="0"/>
+              <a:t>Quiz</a:t>
+            </a:r>
+            <a:r>
+              <a:rPr lang="pt-BR" sz="3200" dirty="0" smtClean="0"/>
+              <a:t>)</a:t>
+            </a:r>
+            <a:endParaRPr lang="pt-BR" sz="3200" dirty="0"/>
+          </a:p>
+        </p:txBody>
+      </p:sp>
+      <p:graphicFrame>
+        <p:nvGraphicFramePr>
+          <p:cNvPr id="4" name="Espaço Reservado para Conteúdo 3"/>
+          <p:cNvGraphicFramePr>
+            <a:graphicFrameLocks noGrp="1"/>
+          </p:cNvGraphicFramePr>
+          <p:nvPr>
+            <p:ph idx="1"/>
+            <p:extLst>
+              <p:ext uri="{D42A27DB-BD31-4B8C-83A1-F6EECF244321}">
+                <p14:modId xmlns:p14="http://schemas.microsoft.com/office/powerpoint/2010/main" val="448200208"/>
+              </p:ext>
+            </p:extLst>
+          </p:nvPr>
+        </p:nvGraphicFramePr>
+        <p:xfrm>
+          <a:off x="838199" y="2250626"/>
+          <a:ext cx="10173238" cy="1977807"/>
+        </p:xfrm>
+        <a:graphic>
+          <a:graphicData uri="http://schemas.openxmlformats.org/drawingml/2006/table">
+            <a:tbl>
+              <a:tblPr firstRow="1" bandRow="1">
+                <a:tableStyleId>{93296810-A885-4BE3-A3E7-6D5BEEA58F35}</a:tableStyleId>
+              </a:tblPr>
+              <a:tblGrid>
+                <a:gridCol w="631698"/>
+                <a:gridCol w="1808247"/>
+                <a:gridCol w="1932953"/>
+                <a:gridCol w="2900170"/>
+                <a:gridCol w="2900170"/>
+              </a:tblGrid>
+              <a:tr h="445909">
+                <a:tc>
+                  <a:txBody>
+                    <a:bodyPr/>
+                    <a:lstStyle/>
+                    <a:p>
+                      <a:endParaRPr lang="pt-BR" dirty="0"/>
+                    </a:p>
+                  </a:txBody>
+                  <a:tcPr/>
+                </a:tc>
+                <a:tc>
+                  <a:txBody>
+                    <a:bodyPr/>
+                    <a:lstStyle/>
+                    <a:p>
+                      <a:r>
+                        <a:rPr lang="pt-BR" dirty="0" smtClean="0"/>
+                        <a:t>Nome Campo</a:t>
+                      </a:r>
+                      <a:endParaRPr lang="pt-BR" dirty="0"/>
+                    </a:p>
+                  </a:txBody>
+                  <a:tcPr/>
+                </a:tc>
+                <a:tc>
+                  <a:txBody>
+                    <a:bodyPr/>
+                    <a:lstStyle/>
+                    <a:p>
+                      <a:r>
+                        <a:rPr lang="pt-BR" dirty="0" smtClean="0"/>
+                        <a:t>Origem</a:t>
+                      </a:r>
+                      <a:endParaRPr lang="pt-BR" dirty="0"/>
+                    </a:p>
+                  </a:txBody>
+                  <a:tcPr/>
+                </a:tc>
+                <a:tc>
+                  <a:txBody>
+                    <a:bodyPr/>
+                    <a:lstStyle/>
+                    <a:p>
+                      <a:r>
+                        <a:rPr lang="pt-BR" dirty="0" smtClean="0"/>
+                        <a:t>Tipo</a:t>
+                      </a:r>
+                      <a:endParaRPr lang="pt-BR" dirty="0"/>
+                    </a:p>
+                  </a:txBody>
+                  <a:tcPr/>
+                </a:tc>
+                <a:tc>
+                  <a:txBody>
+                    <a:bodyPr/>
+                    <a:lstStyle/>
+                    <a:p>
+                      <a:r>
+                        <a:rPr lang="pt-BR" dirty="0" smtClean="0"/>
+                        <a:t>Função</a:t>
+                      </a:r>
+                      <a:endParaRPr lang="pt-BR" dirty="0"/>
+                    </a:p>
+                  </a:txBody>
+                  <a:tcPr/>
+                </a:tc>
+              </a:tr>
+              <a:tr h="445909">
+                <a:tc>
+                  <a:txBody>
+                    <a:bodyPr/>
+                    <a:lstStyle/>
+                    <a:p>
+                      <a:r>
+                        <a:rPr lang="pt-BR" dirty="0" smtClean="0"/>
+                        <a:t>0</a:t>
+                      </a:r>
+                      <a:endParaRPr lang="pt-BR" dirty="0"/>
+                    </a:p>
+                  </a:txBody>
+                  <a:tcPr/>
+                </a:tc>
+                <a:tc>
+                  <a:txBody>
+                    <a:bodyPr/>
+                    <a:lstStyle/>
+                    <a:p>
+                      <a:endParaRPr lang="pt-BR" dirty="0"/>
+                    </a:p>
+                  </a:txBody>
+                  <a:tcPr/>
+                </a:tc>
+                <a:tc>
+                  <a:txBody>
+                    <a:bodyPr/>
+                    <a:lstStyle/>
+                    <a:p>
+                      <a:endParaRPr lang="pt-BR" dirty="0"/>
+                    </a:p>
+                  </a:txBody>
+                  <a:tcPr/>
+                </a:tc>
+                <a:tc>
+                  <a:txBody>
+                    <a:bodyPr/>
+                    <a:lstStyle/>
+                    <a:p>
+                      <a:r>
+                        <a:rPr lang="pt-BR" dirty="0" smtClean="0"/>
+                        <a:t>Botão</a:t>
+                      </a:r>
+                      <a:endParaRPr lang="pt-BR" dirty="0"/>
+                    </a:p>
+                  </a:txBody>
+                  <a:tcPr/>
+                </a:tc>
+                <a:tc>
+                  <a:txBody>
+                    <a:bodyPr/>
+                    <a:lstStyle/>
+                    <a:p>
+                      <a:r>
+                        <a:rPr lang="pt-BR" dirty="0" smtClean="0"/>
+                        <a:t>Acionar o poder do tempo</a:t>
+                      </a:r>
+                      <a:endParaRPr lang="pt-BR" dirty="0"/>
+                    </a:p>
+                  </a:txBody>
+                  <a:tcPr/>
+                </a:tc>
+              </a:tr>
+              <a:tr h="445909">
+                <a:tc>
+                  <a:txBody>
+                    <a:bodyPr/>
+                    <a:lstStyle/>
+                    <a:p>
+                      <a:r>
+                        <a:rPr lang="pt-BR" dirty="0" smtClean="0"/>
+                        <a:t>1</a:t>
+                      </a:r>
+                      <a:endParaRPr lang="pt-BR" dirty="0"/>
+                    </a:p>
+                  </a:txBody>
+                  <a:tcPr/>
+                </a:tc>
+                <a:tc>
+                  <a:txBody>
+                    <a:bodyPr/>
+                    <a:lstStyle/>
+                    <a:p>
+                      <a:endParaRPr lang="pt-BR" dirty="0"/>
+                    </a:p>
+                  </a:txBody>
+                  <a:tcPr/>
+                </a:tc>
+                <a:tc>
+                  <a:txBody>
+                    <a:bodyPr/>
+                    <a:lstStyle/>
+                    <a:p>
+                      <a:endParaRPr lang="pt-BR" dirty="0"/>
+                    </a:p>
+                  </a:txBody>
+                  <a:tcPr/>
+                </a:tc>
+                <a:tc>
+                  <a:txBody>
+                    <a:bodyPr/>
+                    <a:lstStyle/>
+                    <a:p>
+                      <a:r>
+                        <a:rPr lang="pt-BR" dirty="0" smtClean="0"/>
+                        <a:t>Botão</a:t>
+                      </a:r>
+                      <a:endParaRPr lang="pt-BR" dirty="0"/>
+                    </a:p>
+                  </a:txBody>
+                  <a:tcPr/>
+                </a:tc>
+                <a:tc>
+                  <a:txBody>
+                    <a:bodyPr/>
+                    <a:lstStyle/>
+                    <a:p>
+                      <a:r>
+                        <a:rPr lang="pt-BR" dirty="0" smtClean="0"/>
+                        <a:t>Aponta</a:t>
+                      </a:r>
+                      <a:r>
+                        <a:rPr lang="pt-BR" baseline="0" dirty="0" smtClean="0"/>
+                        <a:t> a resposta correta</a:t>
+                      </a:r>
+                      <a:endParaRPr lang="pt-BR" dirty="0"/>
+                    </a:p>
+                  </a:txBody>
+                  <a:tcPr/>
+                </a:tc>
+              </a:tr>
+              <a:tr h="445909">
+                <a:tc>
+                  <a:txBody>
+                    <a:bodyPr/>
+                    <a:lstStyle/>
+                    <a:p>
+                      <a:r>
+                        <a:rPr lang="pt-BR" dirty="0" smtClean="0"/>
+                        <a:t>2</a:t>
+                      </a:r>
+                      <a:endParaRPr lang="pt-BR" dirty="0"/>
+                    </a:p>
+                  </a:txBody>
+                  <a:tcPr/>
+                </a:tc>
+                <a:tc>
+                  <a:txBody>
+                    <a:bodyPr/>
+                    <a:lstStyle/>
+                    <a:p>
+                      <a:endParaRPr lang="pt-BR" dirty="0"/>
+                    </a:p>
+                  </a:txBody>
+                  <a:tcPr/>
+                </a:tc>
+                <a:tc>
+                  <a:txBody>
+                    <a:bodyPr/>
+                    <a:lstStyle/>
+                    <a:p>
+                      <a:endParaRPr lang="pt-BR" dirty="0"/>
+                    </a:p>
+                  </a:txBody>
+                  <a:tcPr/>
+                </a:tc>
+                <a:tc>
+                  <a:txBody>
+                    <a:bodyPr/>
+                    <a:lstStyle/>
+                    <a:p>
+                      <a:r>
+                        <a:rPr lang="pt-BR" dirty="0" smtClean="0"/>
+                        <a:t>Botão</a:t>
+                      </a:r>
+                      <a:endParaRPr lang="pt-BR" dirty="0"/>
+                    </a:p>
+                  </a:txBody>
+                  <a:tcPr/>
+                </a:tc>
+                <a:tc>
+                  <a:txBody>
+                    <a:bodyPr/>
+                    <a:lstStyle/>
+                    <a:p>
+                      <a:r>
+                        <a:rPr lang="pt-BR" dirty="0" smtClean="0"/>
+                        <a:t>Dobra os pontos no respectivo jogo</a:t>
+                      </a:r>
+                      <a:endParaRPr lang="pt-BR" dirty="0"/>
+                    </a:p>
+                  </a:txBody>
+                  <a:tcPr/>
+                </a:tc>
+              </a:tr>
+            </a:tbl>
+          </a:graphicData>
+        </a:graphic>
+      </p:graphicFrame>
+      <p:pic>
+        <p:nvPicPr>
+          <p:cNvPr id="5" name="Imagem 4"/>
+          <p:cNvPicPr>
+            <a:picLocks noChangeAspect="1"/>
+          </p:cNvPicPr>
+          <p:nvPr/>
+        </p:nvPicPr>
+        <p:blipFill>
+          <a:blip r:embed="rId2" cstate="print">
+            <a:extLst>
+              <a:ext uri="{28A0092B-C50C-407E-A947-70E740481C1C}">
+                <a14:useLocalDpi xmlns:a14="http://schemas.microsoft.com/office/drawing/2010/main" val="0"/>
+              </a:ext>
+            </a:extLst>
+          </a:blip>
+          <a:stretch>
+            <a:fillRect/>
+          </a:stretch>
+        </p:blipFill>
+        <p:spPr>
+          <a:xfrm>
+            <a:off x="2003236" y="2702301"/>
+            <a:ext cx="587403" cy="440143"/>
+          </a:xfrm>
+          <a:prstGeom prst="rect">
+            <a:avLst/>
+          </a:prstGeom>
+        </p:spPr>
+      </p:pic>
+      <p:pic>
+        <p:nvPicPr>
+          <p:cNvPr id="6" name="Imagem 5"/>
+          <p:cNvPicPr>
+            <a:picLocks noChangeAspect="1"/>
+          </p:cNvPicPr>
+          <p:nvPr/>
+        </p:nvPicPr>
+        <p:blipFill>
+          <a:blip r:embed="rId3" cstate="print">
+            <a:extLst>
+              <a:ext uri="{BEBA8EAE-BF5A-486C-A8C5-ECC9F3942E4B}">
+                <a14:imgProps xmlns:a14="http://schemas.microsoft.com/office/drawing/2010/main">
+                  <a14:imgLayer r:embed="rId4">
+                    <a14:imgEffect>
+                      <a14:backgroundRemoval t="10000" b="90000" l="10000" r="90000">
+                        <a14:foregroundMark x1="34725" y1="55385" x2="39780" y2="60440"/>
+                      </a14:backgroundRemoval>
+                    </a14:imgEffect>
+                  </a14:imgLayer>
+                </a14:imgProps>
+              </a:ext>
+              <a:ext uri="{28A0092B-C50C-407E-A947-70E740481C1C}">
+                <a14:useLocalDpi xmlns:a14="http://schemas.microsoft.com/office/drawing/2010/main" val="0"/>
+              </a:ext>
+            </a:extLst>
+          </a:blip>
+          <a:stretch>
+            <a:fillRect/>
+          </a:stretch>
+        </p:blipFill>
+        <p:spPr>
+          <a:xfrm>
+            <a:off x="2114367" y="3117847"/>
+            <a:ext cx="476272" cy="476272"/>
+          </a:xfrm>
+          <a:prstGeom prst="rect">
+            <a:avLst/>
+          </a:prstGeom>
+        </p:spPr>
+      </p:pic>
+      <p:sp>
+        <p:nvSpPr>
+          <p:cNvPr id="7" name="CaixaDeTexto 6"/>
+          <p:cNvSpPr txBox="1"/>
+          <p:nvPr/>
+        </p:nvSpPr>
+        <p:spPr>
+          <a:xfrm>
+            <a:off x="2114367" y="3594119"/>
+            <a:ext cx="806891" cy="461665"/>
+          </a:xfrm>
+          <a:prstGeom prst="rect">
+            <a:avLst/>
+          </a:prstGeom>
+          <a:noFill/>
+        </p:spPr>
+        <p:txBody>
+          <a:bodyPr wrap="square" rtlCol="0">
+            <a:spAutoFit/>
+          </a:bodyPr>
+          <a:lstStyle/>
+          <a:p>
+            <a:r>
+              <a:rPr lang="pt-BR" sz="2400" dirty="0" smtClean="0">
+                <a:solidFill>
+                  <a:srgbClr val="5DB427"/>
+                </a:solidFill>
+                <a:latin typeface="Bahnschrift" panose="020B0502040204020203" pitchFamily="34" charset="0"/>
+              </a:rPr>
+              <a:t>2 x</a:t>
+            </a:r>
+            <a:endParaRPr lang="pt-BR" sz="2400" dirty="0">
+              <a:solidFill>
+                <a:srgbClr val="5DB427"/>
+              </a:solidFill>
+              <a:latin typeface="Bahnschrift" panose="020B0502040204020203" pitchFamily="34" charset="0"/>
+            </a:endParaRPr>
+          </a:p>
+        </p:txBody>
+      </p:sp>
+    </p:spTree>
+    <p:extLst>
+      <p:ext uri="{BB962C8B-B14F-4D97-AF65-F5344CB8AC3E}">
+        <p14:creationId xmlns:p14="http://schemas.microsoft.com/office/powerpoint/2010/main" val="687416585"/>
+      </p:ext>
+    </p:extLst>
+  </p:cSld>
+  <p:clrMapOvr>
+    <a:masterClrMapping/>
+  </p:clrMapOvr>
+  <p:timing>
+    <p:tnLst>
+      <p:par>
+        <p:cTn id="1" dur="indefinite" restart="never" nodeType="tmRoot"/>
+      </p:par>
+    </p:tnLst>
+  </p:timing>
+</p:sld>
+</file>
+
+<file path=ppt/slides/slide29.xml><?xml version="1.0" encoding="utf-8"?>
+<p:sld xmlns:a="http://schemas.openxmlformats.org/drawingml/2006/main" xmlns:r="http://schemas.openxmlformats.org/officeDocument/2006/relationships" xmlns:p="http://schemas.openxmlformats.org/presentationml/2006/main">
+  <p:cSld>
+    <p:spTree>
+      <p:nvGrpSpPr>
+        <p:cNvPr id="1" name=""/>
+        <p:cNvGrpSpPr/>
+        <p:nvPr/>
+      </p:nvGrpSpPr>
+      <p:grpSpPr>
+        <a:xfrm>
+          <a:off x="0" y="0"/>
+          <a:ext cx="0" cy="0"/>
+          <a:chOff x="0" y="0"/>
+          <a:chExt cx="0" cy="0"/>
+        </a:xfrm>
+      </p:grpSpPr>
+      <p:sp>
+        <p:nvSpPr>
           <p:cNvPr id="4" name="Retângulo 3"/>
           <p:cNvSpPr/>
           <p:nvPr/>
@@ -22040,495 +22532,6 @@
 </p:sld>
 </file>
 
-<file path=ppt/slides/slide29.xml><?xml version="1.0" encoding="utf-8"?>
-<p:sld xmlns:a="http://schemas.openxmlformats.org/drawingml/2006/main" xmlns:r="http://schemas.openxmlformats.org/officeDocument/2006/relationships" xmlns:p="http://schemas.openxmlformats.org/presentationml/2006/main">
-  <p:cSld>
-    <p:spTree>
-      <p:nvGrpSpPr>
-        <p:cNvPr id="1" name=""/>
-        <p:cNvGrpSpPr/>
-        <p:nvPr/>
-      </p:nvGrpSpPr>
-      <p:grpSpPr>
-        <a:xfrm>
-          <a:off x="0" y="0"/>
-          <a:ext cx="0" cy="0"/>
-          <a:chOff x="0" y="0"/>
-          <a:chExt cx="0" cy="0"/>
-        </a:xfrm>
-      </p:grpSpPr>
-      <p:sp>
-        <p:nvSpPr>
-          <p:cNvPr id="2" name="Título 1"/>
-          <p:cNvSpPr>
-            <a:spLocks noGrp="1"/>
-          </p:cNvSpPr>
-          <p:nvPr>
-            <p:ph type="title"/>
-          </p:nvPr>
-        </p:nvSpPr>
-        <p:spPr/>
-        <p:txBody>
-          <a:bodyPr>
-            <a:normAutofit/>
-          </a:bodyPr>
-          <a:lstStyle/>
-          <a:p>
-            <a:r>
-              <a:rPr lang="pt-BR" sz="3200" dirty="0" smtClean="0"/>
-              <a:t>Tabela de Elementos – Tela </a:t>
-            </a:r>
-            <a:r>
-              <a:rPr lang="pt-BR" sz="3200" dirty="0" err="1" smtClean="0"/>
-              <a:t>Board</a:t>
-            </a:r>
-            <a:r>
-              <a:rPr lang="pt-BR" sz="3200" dirty="0" smtClean="0"/>
-              <a:t> Game (</a:t>
-            </a:r>
-            <a:r>
-              <a:rPr lang="pt-BR" sz="3200" dirty="0" err="1" smtClean="0"/>
-              <a:t>Quiz</a:t>
-            </a:r>
-            <a:r>
-              <a:rPr lang="pt-BR" sz="3200" dirty="0" smtClean="0"/>
-              <a:t>)</a:t>
-            </a:r>
-            <a:endParaRPr lang="pt-BR" sz="3200" dirty="0"/>
-          </a:p>
-        </p:txBody>
-      </p:sp>
-      <p:graphicFrame>
-        <p:nvGraphicFramePr>
-          <p:cNvPr id="4" name="Espaço Reservado para Conteúdo 3"/>
-          <p:cNvGraphicFramePr>
-            <a:graphicFrameLocks noGrp="1"/>
-          </p:cNvGraphicFramePr>
-          <p:nvPr>
-            <p:ph idx="1"/>
-            <p:extLst>
-              <p:ext uri="{D42A27DB-BD31-4B8C-83A1-F6EECF244321}">
-                <p14:modId xmlns:p14="http://schemas.microsoft.com/office/powerpoint/2010/main" val="448200208"/>
-              </p:ext>
-            </p:extLst>
-          </p:nvPr>
-        </p:nvGraphicFramePr>
-        <p:xfrm>
-          <a:off x="838199" y="2250626"/>
-          <a:ext cx="10173238" cy="1977807"/>
-        </p:xfrm>
-        <a:graphic>
-          <a:graphicData uri="http://schemas.openxmlformats.org/drawingml/2006/table">
-            <a:tbl>
-              <a:tblPr firstRow="1" bandRow="1">
-                <a:tableStyleId>{93296810-A885-4BE3-A3E7-6D5BEEA58F35}</a:tableStyleId>
-              </a:tblPr>
-              <a:tblGrid>
-                <a:gridCol w="631698"/>
-                <a:gridCol w="1808247"/>
-                <a:gridCol w="1932953"/>
-                <a:gridCol w="2900170"/>
-                <a:gridCol w="2900170"/>
-              </a:tblGrid>
-              <a:tr h="445909">
-                <a:tc>
-                  <a:txBody>
-                    <a:bodyPr/>
-                    <a:lstStyle/>
-                    <a:p>
-                      <a:endParaRPr lang="pt-BR" dirty="0"/>
-                    </a:p>
-                  </a:txBody>
-                  <a:tcPr/>
-                </a:tc>
-                <a:tc>
-                  <a:txBody>
-                    <a:bodyPr/>
-                    <a:lstStyle/>
-                    <a:p>
-                      <a:r>
-                        <a:rPr lang="pt-BR" dirty="0" smtClean="0"/>
-                        <a:t>Nome Campo</a:t>
-                      </a:r>
-                      <a:endParaRPr lang="pt-BR" dirty="0"/>
-                    </a:p>
-                  </a:txBody>
-                  <a:tcPr/>
-                </a:tc>
-                <a:tc>
-                  <a:txBody>
-                    <a:bodyPr/>
-                    <a:lstStyle/>
-                    <a:p>
-                      <a:r>
-                        <a:rPr lang="pt-BR" dirty="0" smtClean="0"/>
-                        <a:t>Origem</a:t>
-                      </a:r>
-                      <a:endParaRPr lang="pt-BR" dirty="0"/>
-                    </a:p>
-                  </a:txBody>
-                  <a:tcPr/>
-                </a:tc>
-                <a:tc>
-                  <a:txBody>
-                    <a:bodyPr/>
-                    <a:lstStyle/>
-                    <a:p>
-                      <a:r>
-                        <a:rPr lang="pt-BR" dirty="0" smtClean="0"/>
-                        <a:t>Tipo</a:t>
-                      </a:r>
-                      <a:endParaRPr lang="pt-BR" dirty="0"/>
-                    </a:p>
-                  </a:txBody>
-                  <a:tcPr/>
-                </a:tc>
-                <a:tc>
-                  <a:txBody>
-                    <a:bodyPr/>
-                    <a:lstStyle/>
-                    <a:p>
-                      <a:r>
-                        <a:rPr lang="pt-BR" dirty="0" smtClean="0"/>
-                        <a:t>Função</a:t>
-                      </a:r>
-                      <a:endParaRPr lang="pt-BR" dirty="0"/>
-                    </a:p>
-                  </a:txBody>
-                  <a:tcPr/>
-                </a:tc>
-              </a:tr>
-              <a:tr h="445909">
-                <a:tc>
-                  <a:txBody>
-                    <a:bodyPr/>
-                    <a:lstStyle/>
-                    <a:p>
-                      <a:r>
-                        <a:rPr lang="pt-BR" dirty="0" smtClean="0"/>
-                        <a:t>0</a:t>
-                      </a:r>
-                      <a:endParaRPr lang="pt-BR" dirty="0"/>
-                    </a:p>
-                  </a:txBody>
-                  <a:tcPr/>
-                </a:tc>
-                <a:tc>
-                  <a:txBody>
-                    <a:bodyPr/>
-                    <a:lstStyle/>
-                    <a:p>
-                      <a:endParaRPr lang="pt-BR" dirty="0"/>
-                    </a:p>
-                  </a:txBody>
-                  <a:tcPr/>
-                </a:tc>
-                <a:tc>
-                  <a:txBody>
-                    <a:bodyPr/>
-                    <a:lstStyle/>
-                    <a:p>
-                      <a:endParaRPr lang="pt-BR" dirty="0"/>
-                    </a:p>
-                  </a:txBody>
-                  <a:tcPr/>
-                </a:tc>
-                <a:tc>
-                  <a:txBody>
-                    <a:bodyPr/>
-                    <a:lstStyle/>
-                    <a:p>
-                      <a:r>
-                        <a:rPr lang="pt-BR" dirty="0" smtClean="0"/>
-                        <a:t>Botão</a:t>
-                      </a:r>
-                      <a:endParaRPr lang="pt-BR" dirty="0"/>
-                    </a:p>
-                  </a:txBody>
-                  <a:tcPr/>
-                </a:tc>
-                <a:tc>
-                  <a:txBody>
-                    <a:bodyPr/>
-                    <a:lstStyle/>
-                    <a:p>
-                      <a:r>
-                        <a:rPr lang="pt-BR" dirty="0" smtClean="0"/>
-                        <a:t>Acionar o poder do tempo</a:t>
-                      </a:r>
-                      <a:endParaRPr lang="pt-BR" dirty="0"/>
-                    </a:p>
-                  </a:txBody>
-                  <a:tcPr/>
-                </a:tc>
-              </a:tr>
-              <a:tr h="445909">
-                <a:tc>
-                  <a:txBody>
-                    <a:bodyPr/>
-                    <a:lstStyle/>
-                    <a:p>
-                      <a:r>
-                        <a:rPr lang="pt-BR" dirty="0" smtClean="0"/>
-                        <a:t>1</a:t>
-                      </a:r>
-                      <a:endParaRPr lang="pt-BR" dirty="0"/>
-                    </a:p>
-                  </a:txBody>
-                  <a:tcPr/>
-                </a:tc>
-                <a:tc>
-                  <a:txBody>
-                    <a:bodyPr/>
-                    <a:lstStyle/>
-                    <a:p>
-                      <a:endParaRPr lang="pt-BR" dirty="0"/>
-                    </a:p>
-                  </a:txBody>
-                  <a:tcPr/>
-                </a:tc>
-                <a:tc>
-                  <a:txBody>
-                    <a:bodyPr/>
-                    <a:lstStyle/>
-                    <a:p>
-                      <a:endParaRPr lang="pt-BR" dirty="0"/>
-                    </a:p>
-                  </a:txBody>
-                  <a:tcPr/>
-                </a:tc>
-                <a:tc>
-                  <a:txBody>
-                    <a:bodyPr/>
-                    <a:lstStyle/>
-                    <a:p>
-                      <a:r>
-                        <a:rPr lang="pt-BR" dirty="0" smtClean="0"/>
-                        <a:t>Botão</a:t>
-                      </a:r>
-                      <a:endParaRPr lang="pt-BR" dirty="0"/>
-                    </a:p>
-                  </a:txBody>
-                  <a:tcPr/>
-                </a:tc>
-                <a:tc>
-                  <a:txBody>
-                    <a:bodyPr/>
-                    <a:lstStyle/>
-                    <a:p>
-                      <a:r>
-                        <a:rPr lang="pt-BR" dirty="0" smtClean="0"/>
-                        <a:t>Aponta</a:t>
-                      </a:r>
-                      <a:r>
-                        <a:rPr lang="pt-BR" baseline="0" dirty="0" smtClean="0"/>
-                        <a:t> a resposta correta</a:t>
-                      </a:r>
-                      <a:endParaRPr lang="pt-BR" dirty="0"/>
-                    </a:p>
-                  </a:txBody>
-                  <a:tcPr/>
-                </a:tc>
-              </a:tr>
-              <a:tr h="445909">
-                <a:tc>
-                  <a:txBody>
-                    <a:bodyPr/>
-                    <a:lstStyle/>
-                    <a:p>
-                      <a:r>
-                        <a:rPr lang="pt-BR" dirty="0" smtClean="0"/>
-                        <a:t>2</a:t>
-                      </a:r>
-                      <a:endParaRPr lang="pt-BR" dirty="0"/>
-                    </a:p>
-                  </a:txBody>
-                  <a:tcPr/>
-                </a:tc>
-                <a:tc>
-                  <a:txBody>
-                    <a:bodyPr/>
-                    <a:lstStyle/>
-                    <a:p>
-                      <a:endParaRPr lang="pt-BR" dirty="0"/>
-                    </a:p>
-                  </a:txBody>
-                  <a:tcPr/>
-                </a:tc>
-                <a:tc>
-                  <a:txBody>
-                    <a:bodyPr/>
-                    <a:lstStyle/>
-                    <a:p>
-                      <a:endParaRPr lang="pt-BR" dirty="0"/>
-                    </a:p>
-                  </a:txBody>
-                  <a:tcPr/>
-                </a:tc>
-                <a:tc>
-                  <a:txBody>
-                    <a:bodyPr/>
-                    <a:lstStyle/>
-                    <a:p>
-                      <a:r>
-                        <a:rPr lang="pt-BR" dirty="0" smtClean="0"/>
-                        <a:t>Botão</a:t>
-                      </a:r>
-                      <a:endParaRPr lang="pt-BR" dirty="0"/>
-                    </a:p>
-                  </a:txBody>
-                  <a:tcPr/>
-                </a:tc>
-                <a:tc>
-                  <a:txBody>
-                    <a:bodyPr/>
-                    <a:lstStyle/>
-                    <a:p>
-                      <a:r>
-                        <a:rPr lang="pt-BR" dirty="0" smtClean="0"/>
-                        <a:t>Dobra os pontos no respectivo jogo</a:t>
-                      </a:r>
-                      <a:endParaRPr lang="pt-BR" dirty="0"/>
-                    </a:p>
-                  </a:txBody>
-                  <a:tcPr/>
-                </a:tc>
-              </a:tr>
-            </a:tbl>
-          </a:graphicData>
-        </a:graphic>
-      </p:graphicFrame>
-      <p:pic>
-        <p:nvPicPr>
-          <p:cNvPr id="5" name="Imagem 4"/>
-          <p:cNvPicPr>
-            <a:picLocks noChangeAspect="1"/>
-          </p:cNvPicPr>
-          <p:nvPr/>
-        </p:nvPicPr>
-        <p:blipFill>
-          <a:blip r:embed="rId2" cstate="print">
-            <a:extLst>
-              <a:ext uri="{28A0092B-C50C-407E-A947-70E740481C1C}">
-                <a14:useLocalDpi xmlns:a14="http://schemas.microsoft.com/office/drawing/2010/main" val="0"/>
-              </a:ext>
-            </a:extLst>
-          </a:blip>
-          <a:stretch>
-            <a:fillRect/>
-          </a:stretch>
-        </p:blipFill>
-        <p:spPr>
-          <a:xfrm>
-            <a:off x="2003236" y="2702301"/>
-            <a:ext cx="587403" cy="440143"/>
-          </a:xfrm>
-          <a:prstGeom prst="rect">
-            <a:avLst/>
-          </a:prstGeom>
-        </p:spPr>
-      </p:pic>
-      <p:pic>
-        <p:nvPicPr>
-          <p:cNvPr id="6" name="Imagem 5"/>
-          <p:cNvPicPr>
-            <a:picLocks noChangeAspect="1"/>
-          </p:cNvPicPr>
-          <p:nvPr/>
-        </p:nvPicPr>
-        <p:blipFill>
-          <a:blip r:embed="rId3" cstate="print">
-            <a:extLst>
-              <a:ext uri="{BEBA8EAE-BF5A-486C-A8C5-ECC9F3942E4B}">
-                <a14:imgProps xmlns:a14="http://schemas.microsoft.com/office/drawing/2010/main">
-                  <a14:imgLayer r:embed="rId4">
-                    <a14:imgEffect>
-                      <a14:backgroundRemoval t="10000" b="90000" l="10000" r="90000">
-                        <a14:foregroundMark x1="34725" y1="55385" x2="39780" y2="60440"/>
-                      </a14:backgroundRemoval>
-                    </a14:imgEffect>
-                  </a14:imgLayer>
-                </a14:imgProps>
-              </a:ext>
-              <a:ext uri="{28A0092B-C50C-407E-A947-70E740481C1C}">
-                <a14:useLocalDpi xmlns:a14="http://schemas.microsoft.com/office/drawing/2010/main" val="0"/>
-              </a:ext>
-            </a:extLst>
-          </a:blip>
-          <a:stretch>
-            <a:fillRect/>
-          </a:stretch>
-        </p:blipFill>
-        <p:spPr>
-          <a:xfrm>
-            <a:off x="2114367" y="3117847"/>
-            <a:ext cx="476272" cy="476272"/>
-          </a:xfrm>
-          <a:prstGeom prst="rect">
-            <a:avLst/>
-          </a:prstGeom>
-        </p:spPr>
-      </p:pic>
-      <p:sp>
-        <p:nvSpPr>
-          <p:cNvPr id="7" name="CaixaDeTexto 6"/>
-          <p:cNvSpPr txBox="1"/>
-          <p:nvPr/>
-        </p:nvSpPr>
-        <p:spPr>
-          <a:xfrm>
-            <a:off x="2114367" y="3594119"/>
-            <a:ext cx="806891" cy="461665"/>
-          </a:xfrm>
-          <a:prstGeom prst="rect">
-            <a:avLst/>
-          </a:prstGeom>
-          <a:noFill/>
-        </p:spPr>
-        <p:txBody>
-          <a:bodyPr wrap="square" rtlCol="0">
-            <a:spAutoFit/>
-          </a:bodyPr>
-          <a:lstStyle/>
-          <a:p>
-            <a:r>
-              <a:rPr lang="pt-BR" sz="2400" dirty="0" smtClean="0">
-                <a:solidFill>
-                  <a:srgbClr val="5DB427"/>
-                </a:solidFill>
-                <a:latin typeface="Bahnschrift" panose="020B0502040204020203" pitchFamily="34" charset="0"/>
-              </a:rPr>
-              <a:t>2 x</a:t>
-            </a:r>
-            <a:endParaRPr lang="pt-BR" sz="2400" dirty="0">
-              <a:solidFill>
-                <a:srgbClr val="5DB427"/>
-              </a:solidFill>
-              <a:latin typeface="Bahnschrift" panose="020B0502040204020203" pitchFamily="34" charset="0"/>
-            </a:endParaRPr>
-          </a:p>
-        </p:txBody>
-      </p:sp>
-    </p:spTree>
-    <p:extLst>
-      <p:ext uri="{BB962C8B-B14F-4D97-AF65-F5344CB8AC3E}">
-        <p14:creationId xmlns:p14="http://schemas.microsoft.com/office/powerpoint/2010/main" val="687416585"/>
-      </p:ext>
-    </p:extLst>
-  </p:cSld>
-  <p:clrMapOvr>
-    <a:masterClrMapping/>
-  </p:clrMapOvr>
-  <p:timing>
-    <p:tnLst>
-      <p:par>
-        <p:cTn id="1" dur="indefinite" restart="never" nodeType="tmRoot"/>
-      </p:par>
-    </p:tnLst>
-  </p:timing>
-</p:sld>
-</file>
-
 <file path=ppt/slides/slide3.xml><?xml version="1.0" encoding="utf-8"?>
 <p:sld xmlns:a="http://schemas.openxmlformats.org/drawingml/2006/main" xmlns:r="http://schemas.openxmlformats.org/officeDocument/2006/relationships" xmlns:p="http://schemas.openxmlformats.org/presentationml/2006/main">
   <p:cSld>
@@ -23184,6 +23187,1939 @@
 </file>
 
 <file path=ppt/slides/slide30.xml><?xml version="1.0" encoding="utf-8"?>
+<p:sld xmlns:a="http://schemas.openxmlformats.org/drawingml/2006/main" xmlns:r="http://schemas.openxmlformats.org/officeDocument/2006/relationships" xmlns:p="http://schemas.openxmlformats.org/presentationml/2006/main">
+  <p:cSld>
+    <p:spTree>
+      <p:nvGrpSpPr>
+        <p:cNvPr id="1" name=""/>
+        <p:cNvGrpSpPr/>
+        <p:nvPr/>
+      </p:nvGrpSpPr>
+      <p:grpSpPr>
+        <a:xfrm>
+          <a:off x="0" y="0"/>
+          <a:ext cx="0" cy="0"/>
+          <a:chOff x="0" y="0"/>
+          <a:chExt cx="0" cy="0"/>
+        </a:xfrm>
+      </p:grpSpPr>
+      <p:sp>
+        <p:nvSpPr>
+          <p:cNvPr id="2" name="Título 1"/>
+          <p:cNvSpPr>
+            <a:spLocks noGrp="1"/>
+          </p:cNvSpPr>
+          <p:nvPr>
+            <p:ph type="title"/>
+          </p:nvPr>
+        </p:nvSpPr>
+        <p:spPr/>
+        <p:txBody>
+          <a:bodyPr>
+            <a:normAutofit/>
+          </a:bodyPr>
+          <a:lstStyle/>
+          <a:p>
+            <a:r>
+              <a:rPr lang="pt-BR" sz="3200" dirty="0" smtClean="0"/>
+              <a:t>Tabela de Elementos – Tela </a:t>
+            </a:r>
+            <a:r>
+              <a:rPr lang="pt-BR" sz="3200" dirty="0" err="1" smtClean="0"/>
+              <a:t>Board</a:t>
+            </a:r>
+            <a:r>
+              <a:rPr lang="pt-BR" sz="3200" dirty="0" smtClean="0"/>
+              <a:t> Game </a:t>
+            </a:r>
+            <a:r>
+              <a:rPr lang="pt-BR" sz="3200" dirty="0" smtClean="0"/>
+              <a:t>(Jogo da Memória)</a:t>
+            </a:r>
+            <a:endParaRPr lang="pt-BR" sz="3200" dirty="0"/>
+          </a:p>
+        </p:txBody>
+      </p:sp>
+      <p:graphicFrame>
+        <p:nvGraphicFramePr>
+          <p:cNvPr id="4" name="Espaço Reservado para Conteúdo 3"/>
+          <p:cNvGraphicFramePr>
+            <a:graphicFrameLocks noGrp="1"/>
+          </p:cNvGraphicFramePr>
+          <p:nvPr>
+            <p:ph idx="1"/>
+            <p:extLst>
+              <p:ext uri="{D42A27DB-BD31-4B8C-83A1-F6EECF244321}">
+                <p14:modId xmlns:p14="http://schemas.microsoft.com/office/powerpoint/2010/main" val="448200208"/>
+              </p:ext>
+            </p:extLst>
+          </p:nvPr>
+        </p:nvGraphicFramePr>
+        <p:xfrm>
+          <a:off x="838199" y="2250626"/>
+          <a:ext cx="10173238" cy="1977807"/>
+        </p:xfrm>
+        <a:graphic>
+          <a:graphicData uri="http://schemas.openxmlformats.org/drawingml/2006/table">
+            <a:tbl>
+              <a:tblPr firstRow="1" bandRow="1">
+                <a:tableStyleId>{93296810-A885-4BE3-A3E7-6D5BEEA58F35}</a:tableStyleId>
+              </a:tblPr>
+              <a:tblGrid>
+                <a:gridCol w="631698"/>
+                <a:gridCol w="1808247"/>
+                <a:gridCol w="1932953"/>
+                <a:gridCol w="2900170"/>
+                <a:gridCol w="2900170"/>
+              </a:tblGrid>
+              <a:tr h="445909">
+                <a:tc>
+                  <a:txBody>
+                    <a:bodyPr/>
+                    <a:lstStyle/>
+                    <a:p>
+                      <a:endParaRPr lang="pt-BR" dirty="0"/>
+                    </a:p>
+                  </a:txBody>
+                  <a:tcPr/>
+                </a:tc>
+                <a:tc>
+                  <a:txBody>
+                    <a:bodyPr/>
+                    <a:lstStyle/>
+                    <a:p>
+                      <a:r>
+                        <a:rPr lang="pt-BR" dirty="0" smtClean="0"/>
+                        <a:t>Nome Campo</a:t>
+                      </a:r>
+                      <a:endParaRPr lang="pt-BR" dirty="0"/>
+                    </a:p>
+                  </a:txBody>
+                  <a:tcPr/>
+                </a:tc>
+                <a:tc>
+                  <a:txBody>
+                    <a:bodyPr/>
+                    <a:lstStyle/>
+                    <a:p>
+                      <a:r>
+                        <a:rPr lang="pt-BR" dirty="0" smtClean="0"/>
+                        <a:t>Origem</a:t>
+                      </a:r>
+                      <a:endParaRPr lang="pt-BR" dirty="0"/>
+                    </a:p>
+                  </a:txBody>
+                  <a:tcPr/>
+                </a:tc>
+                <a:tc>
+                  <a:txBody>
+                    <a:bodyPr/>
+                    <a:lstStyle/>
+                    <a:p>
+                      <a:r>
+                        <a:rPr lang="pt-BR" dirty="0" smtClean="0"/>
+                        <a:t>Tipo</a:t>
+                      </a:r>
+                      <a:endParaRPr lang="pt-BR" dirty="0"/>
+                    </a:p>
+                  </a:txBody>
+                  <a:tcPr/>
+                </a:tc>
+                <a:tc>
+                  <a:txBody>
+                    <a:bodyPr/>
+                    <a:lstStyle/>
+                    <a:p>
+                      <a:r>
+                        <a:rPr lang="pt-BR" dirty="0" smtClean="0"/>
+                        <a:t>Função</a:t>
+                      </a:r>
+                      <a:endParaRPr lang="pt-BR" dirty="0"/>
+                    </a:p>
+                  </a:txBody>
+                  <a:tcPr/>
+                </a:tc>
+              </a:tr>
+              <a:tr h="445909">
+                <a:tc>
+                  <a:txBody>
+                    <a:bodyPr/>
+                    <a:lstStyle/>
+                    <a:p>
+                      <a:r>
+                        <a:rPr lang="pt-BR" dirty="0" smtClean="0"/>
+                        <a:t>0</a:t>
+                      </a:r>
+                      <a:endParaRPr lang="pt-BR" dirty="0"/>
+                    </a:p>
+                  </a:txBody>
+                  <a:tcPr/>
+                </a:tc>
+                <a:tc>
+                  <a:txBody>
+                    <a:bodyPr/>
+                    <a:lstStyle/>
+                    <a:p>
+                      <a:endParaRPr lang="pt-BR" dirty="0"/>
+                    </a:p>
+                  </a:txBody>
+                  <a:tcPr/>
+                </a:tc>
+                <a:tc>
+                  <a:txBody>
+                    <a:bodyPr/>
+                    <a:lstStyle/>
+                    <a:p>
+                      <a:endParaRPr lang="pt-BR" dirty="0"/>
+                    </a:p>
+                  </a:txBody>
+                  <a:tcPr/>
+                </a:tc>
+                <a:tc>
+                  <a:txBody>
+                    <a:bodyPr/>
+                    <a:lstStyle/>
+                    <a:p>
+                      <a:r>
+                        <a:rPr lang="pt-BR" dirty="0" smtClean="0"/>
+                        <a:t>Botão</a:t>
+                      </a:r>
+                      <a:endParaRPr lang="pt-BR" dirty="0"/>
+                    </a:p>
+                  </a:txBody>
+                  <a:tcPr/>
+                </a:tc>
+                <a:tc>
+                  <a:txBody>
+                    <a:bodyPr/>
+                    <a:lstStyle/>
+                    <a:p>
+                      <a:r>
+                        <a:rPr lang="pt-BR" dirty="0" smtClean="0"/>
+                        <a:t>Acionar o poder do tempo</a:t>
+                      </a:r>
+                      <a:endParaRPr lang="pt-BR" dirty="0"/>
+                    </a:p>
+                  </a:txBody>
+                  <a:tcPr/>
+                </a:tc>
+              </a:tr>
+              <a:tr h="445909">
+                <a:tc>
+                  <a:txBody>
+                    <a:bodyPr/>
+                    <a:lstStyle/>
+                    <a:p>
+                      <a:r>
+                        <a:rPr lang="pt-BR" dirty="0" smtClean="0"/>
+                        <a:t>1</a:t>
+                      </a:r>
+                      <a:endParaRPr lang="pt-BR" dirty="0"/>
+                    </a:p>
+                  </a:txBody>
+                  <a:tcPr/>
+                </a:tc>
+                <a:tc>
+                  <a:txBody>
+                    <a:bodyPr/>
+                    <a:lstStyle/>
+                    <a:p>
+                      <a:endParaRPr lang="pt-BR" dirty="0"/>
+                    </a:p>
+                  </a:txBody>
+                  <a:tcPr/>
+                </a:tc>
+                <a:tc>
+                  <a:txBody>
+                    <a:bodyPr/>
+                    <a:lstStyle/>
+                    <a:p>
+                      <a:endParaRPr lang="pt-BR" dirty="0"/>
+                    </a:p>
+                  </a:txBody>
+                  <a:tcPr/>
+                </a:tc>
+                <a:tc>
+                  <a:txBody>
+                    <a:bodyPr/>
+                    <a:lstStyle/>
+                    <a:p>
+                      <a:r>
+                        <a:rPr lang="pt-BR" dirty="0" smtClean="0"/>
+                        <a:t>Botão</a:t>
+                      </a:r>
+                      <a:endParaRPr lang="pt-BR" dirty="0"/>
+                    </a:p>
+                  </a:txBody>
+                  <a:tcPr/>
+                </a:tc>
+                <a:tc>
+                  <a:txBody>
+                    <a:bodyPr/>
+                    <a:lstStyle/>
+                    <a:p>
+                      <a:r>
+                        <a:rPr lang="pt-BR" dirty="0" smtClean="0"/>
+                        <a:t>Aponta</a:t>
+                      </a:r>
+                      <a:r>
+                        <a:rPr lang="pt-BR" baseline="0" dirty="0" smtClean="0"/>
+                        <a:t> a resposta correta</a:t>
+                      </a:r>
+                      <a:endParaRPr lang="pt-BR" dirty="0"/>
+                    </a:p>
+                  </a:txBody>
+                  <a:tcPr/>
+                </a:tc>
+              </a:tr>
+              <a:tr h="445909">
+                <a:tc>
+                  <a:txBody>
+                    <a:bodyPr/>
+                    <a:lstStyle/>
+                    <a:p>
+                      <a:r>
+                        <a:rPr lang="pt-BR" dirty="0" smtClean="0"/>
+                        <a:t>2</a:t>
+                      </a:r>
+                      <a:endParaRPr lang="pt-BR" dirty="0"/>
+                    </a:p>
+                  </a:txBody>
+                  <a:tcPr/>
+                </a:tc>
+                <a:tc>
+                  <a:txBody>
+                    <a:bodyPr/>
+                    <a:lstStyle/>
+                    <a:p>
+                      <a:endParaRPr lang="pt-BR" dirty="0"/>
+                    </a:p>
+                  </a:txBody>
+                  <a:tcPr/>
+                </a:tc>
+                <a:tc>
+                  <a:txBody>
+                    <a:bodyPr/>
+                    <a:lstStyle/>
+                    <a:p>
+                      <a:endParaRPr lang="pt-BR" dirty="0"/>
+                    </a:p>
+                  </a:txBody>
+                  <a:tcPr/>
+                </a:tc>
+                <a:tc>
+                  <a:txBody>
+                    <a:bodyPr/>
+                    <a:lstStyle/>
+                    <a:p>
+                      <a:r>
+                        <a:rPr lang="pt-BR" dirty="0" smtClean="0"/>
+                        <a:t>Botão</a:t>
+                      </a:r>
+                      <a:endParaRPr lang="pt-BR" dirty="0"/>
+                    </a:p>
+                  </a:txBody>
+                  <a:tcPr/>
+                </a:tc>
+                <a:tc>
+                  <a:txBody>
+                    <a:bodyPr/>
+                    <a:lstStyle/>
+                    <a:p>
+                      <a:r>
+                        <a:rPr lang="pt-BR" dirty="0" smtClean="0"/>
+                        <a:t>Dobra os pontos no respectivo jogo</a:t>
+                      </a:r>
+                      <a:endParaRPr lang="pt-BR" dirty="0"/>
+                    </a:p>
+                  </a:txBody>
+                  <a:tcPr/>
+                </a:tc>
+              </a:tr>
+            </a:tbl>
+          </a:graphicData>
+        </a:graphic>
+      </p:graphicFrame>
+      <p:pic>
+        <p:nvPicPr>
+          <p:cNvPr id="5" name="Imagem 4"/>
+          <p:cNvPicPr>
+            <a:picLocks noChangeAspect="1"/>
+          </p:cNvPicPr>
+          <p:nvPr/>
+        </p:nvPicPr>
+        <p:blipFill>
+          <a:blip r:embed="rId2" cstate="print">
+            <a:extLst>
+              <a:ext uri="{28A0092B-C50C-407E-A947-70E740481C1C}">
+                <a14:useLocalDpi xmlns:a14="http://schemas.microsoft.com/office/drawing/2010/main" val="0"/>
+              </a:ext>
+            </a:extLst>
+          </a:blip>
+          <a:stretch>
+            <a:fillRect/>
+          </a:stretch>
+        </p:blipFill>
+        <p:spPr>
+          <a:xfrm>
+            <a:off x="2003236" y="2702301"/>
+            <a:ext cx="587403" cy="440143"/>
+          </a:xfrm>
+          <a:prstGeom prst="rect">
+            <a:avLst/>
+          </a:prstGeom>
+        </p:spPr>
+      </p:pic>
+      <p:pic>
+        <p:nvPicPr>
+          <p:cNvPr id="6" name="Imagem 5"/>
+          <p:cNvPicPr>
+            <a:picLocks noChangeAspect="1"/>
+          </p:cNvPicPr>
+          <p:nvPr/>
+        </p:nvPicPr>
+        <p:blipFill>
+          <a:blip r:embed="rId3" cstate="print">
+            <a:extLst>
+              <a:ext uri="{BEBA8EAE-BF5A-486C-A8C5-ECC9F3942E4B}">
+                <a14:imgProps xmlns:a14="http://schemas.microsoft.com/office/drawing/2010/main">
+                  <a14:imgLayer r:embed="rId4">
+                    <a14:imgEffect>
+                      <a14:backgroundRemoval t="10000" b="90000" l="10000" r="90000">
+                        <a14:foregroundMark x1="34725" y1="55385" x2="39780" y2="60440"/>
+                      </a14:backgroundRemoval>
+                    </a14:imgEffect>
+                  </a14:imgLayer>
+                </a14:imgProps>
+              </a:ext>
+              <a:ext uri="{28A0092B-C50C-407E-A947-70E740481C1C}">
+                <a14:useLocalDpi xmlns:a14="http://schemas.microsoft.com/office/drawing/2010/main" val="0"/>
+              </a:ext>
+            </a:extLst>
+          </a:blip>
+          <a:stretch>
+            <a:fillRect/>
+          </a:stretch>
+        </p:blipFill>
+        <p:spPr>
+          <a:xfrm>
+            <a:off x="2114367" y="3117847"/>
+            <a:ext cx="476272" cy="476272"/>
+          </a:xfrm>
+          <a:prstGeom prst="rect">
+            <a:avLst/>
+          </a:prstGeom>
+        </p:spPr>
+      </p:pic>
+      <p:sp>
+        <p:nvSpPr>
+          <p:cNvPr id="7" name="CaixaDeTexto 6"/>
+          <p:cNvSpPr txBox="1"/>
+          <p:nvPr/>
+        </p:nvSpPr>
+        <p:spPr>
+          <a:xfrm>
+            <a:off x="2114367" y="3594119"/>
+            <a:ext cx="806891" cy="461665"/>
+          </a:xfrm>
+          <a:prstGeom prst="rect">
+            <a:avLst/>
+          </a:prstGeom>
+          <a:noFill/>
+        </p:spPr>
+        <p:txBody>
+          <a:bodyPr wrap="square" rtlCol="0">
+            <a:spAutoFit/>
+          </a:bodyPr>
+          <a:lstStyle/>
+          <a:p>
+            <a:r>
+              <a:rPr lang="pt-BR" sz="2400" dirty="0" smtClean="0">
+                <a:solidFill>
+                  <a:srgbClr val="5DB427"/>
+                </a:solidFill>
+                <a:latin typeface="Bahnschrift" panose="020B0502040204020203" pitchFamily="34" charset="0"/>
+              </a:rPr>
+              <a:t>2 x</a:t>
+            </a:r>
+            <a:endParaRPr lang="pt-BR" sz="2400" dirty="0">
+              <a:solidFill>
+                <a:srgbClr val="5DB427"/>
+              </a:solidFill>
+              <a:latin typeface="Bahnschrift" panose="020B0502040204020203" pitchFamily="34" charset="0"/>
+            </a:endParaRPr>
+          </a:p>
+        </p:txBody>
+      </p:sp>
+    </p:spTree>
+    <p:extLst>
+      <p:ext uri="{BB962C8B-B14F-4D97-AF65-F5344CB8AC3E}">
+        <p14:creationId xmlns:p14="http://schemas.microsoft.com/office/powerpoint/2010/main" val="3748716812"/>
+      </p:ext>
+    </p:extLst>
+  </p:cSld>
+  <p:clrMapOvr>
+    <a:masterClrMapping/>
+  </p:clrMapOvr>
+  <p:timing>
+    <p:tnLst>
+      <p:par>
+        <p:cTn id="1" dur="indefinite" restart="never" nodeType="tmRoot"/>
+      </p:par>
+    </p:tnLst>
+  </p:timing>
+</p:sld>
+</file>
+
+<file path=ppt/slides/slide31.xml><?xml version="1.0" encoding="utf-8"?>
+<p:sld xmlns:a="http://schemas.openxmlformats.org/drawingml/2006/main" xmlns:r="http://schemas.openxmlformats.org/officeDocument/2006/relationships" xmlns:p="http://schemas.openxmlformats.org/presentationml/2006/main">
+  <p:cSld>
+    <p:spTree>
+      <p:nvGrpSpPr>
+        <p:cNvPr id="1" name=""/>
+        <p:cNvGrpSpPr/>
+        <p:nvPr/>
+      </p:nvGrpSpPr>
+      <p:grpSpPr>
+        <a:xfrm>
+          <a:off x="0" y="0"/>
+          <a:ext cx="0" cy="0"/>
+          <a:chOff x="0" y="0"/>
+          <a:chExt cx="0" cy="0"/>
+        </a:xfrm>
+      </p:grpSpPr>
+      <p:sp>
+        <p:nvSpPr>
+          <p:cNvPr id="4" name="Retângulo 3"/>
+          <p:cNvSpPr/>
+          <p:nvPr/>
+        </p:nvSpPr>
+        <p:spPr>
+          <a:xfrm>
+            <a:off x="1146749" y="441822"/>
+            <a:ext cx="9787944" cy="5911402"/>
+          </a:xfrm>
+          <a:prstGeom prst="rect">
+            <a:avLst/>
+          </a:prstGeom>
+          <a:solidFill>
+            <a:srgbClr val="A5CA97"/>
+          </a:solidFill>
+          <a:ln>
+            <a:solidFill>
+              <a:schemeClr val="accent6">
+                <a:lumMod val="60000"/>
+                <a:lumOff val="40000"/>
+              </a:schemeClr>
+            </a:solidFill>
+          </a:ln>
+          <a:effectLst/>
+        </p:spPr>
+        <p:style>
+          <a:lnRef idx="2">
+            <a:schemeClr val="accent1">
+              <a:shade val="50000"/>
+            </a:schemeClr>
+          </a:lnRef>
+          <a:fillRef idx="1">
+            <a:schemeClr val="accent1"/>
+          </a:fillRef>
+          <a:effectRef idx="0">
+            <a:schemeClr val="accent1"/>
+          </a:effectRef>
+          <a:fontRef idx="minor">
+            <a:schemeClr val="lt1"/>
+          </a:fontRef>
+        </p:style>
+        <p:txBody>
+          <a:bodyPr rtlCol="0" anchor="ctr"/>
+          <a:lstStyle/>
+          <a:p>
+            <a:pPr algn="ctr"/>
+            <a:endParaRPr lang="pt-BR"/>
+          </a:p>
+        </p:txBody>
+      </p:sp>
+      <p:grpSp>
+        <p:nvGrpSpPr>
+          <p:cNvPr id="5" name="Grupo 4"/>
+          <p:cNvGrpSpPr/>
+          <p:nvPr/>
+        </p:nvGrpSpPr>
+        <p:grpSpPr>
+          <a:xfrm>
+            <a:off x="1287887" y="1485501"/>
+            <a:ext cx="9530367" cy="3854800"/>
+            <a:chOff x="3303102" y="1578846"/>
+            <a:chExt cx="7132734" cy="4364070"/>
+          </a:xfrm>
+        </p:grpSpPr>
+        <p:sp>
+          <p:nvSpPr>
+            <p:cNvPr id="2" name="Retângulo 1"/>
+            <p:cNvSpPr/>
+            <p:nvPr/>
+          </p:nvSpPr>
+          <p:spPr>
+            <a:xfrm>
+              <a:off x="3303102" y="1578846"/>
+              <a:ext cx="7132734" cy="4364070"/>
+            </a:xfrm>
+            <a:prstGeom prst="rect">
+              <a:avLst/>
+            </a:prstGeom>
+            <a:solidFill>
+              <a:srgbClr val="8DBA62"/>
+            </a:solidFill>
+            <a:ln>
+              <a:noFill/>
+            </a:ln>
+          </p:spPr>
+          <p:style>
+            <a:lnRef idx="2">
+              <a:schemeClr val="accent1">
+                <a:shade val="50000"/>
+              </a:schemeClr>
+            </a:lnRef>
+            <a:fillRef idx="1">
+              <a:schemeClr val="accent1"/>
+            </a:fillRef>
+            <a:effectRef idx="0">
+              <a:schemeClr val="accent1"/>
+            </a:effectRef>
+            <a:fontRef idx="minor">
+              <a:schemeClr val="lt1"/>
+            </a:fontRef>
+          </p:style>
+          <p:txBody>
+            <a:bodyPr rtlCol="0" anchor="ctr"/>
+            <a:lstStyle/>
+            <a:p>
+              <a:pPr algn="ctr"/>
+              <a:endParaRPr lang="pt-BR"/>
+            </a:p>
+          </p:txBody>
+        </p:sp>
+        <p:sp>
+          <p:nvSpPr>
+            <p:cNvPr id="16" name="Retângulo de cantos arredondados 15"/>
+            <p:cNvSpPr/>
+            <p:nvPr/>
+          </p:nvSpPr>
+          <p:spPr>
+            <a:xfrm>
+              <a:off x="3400023" y="1674254"/>
+              <a:ext cx="6941711" cy="4172754"/>
+            </a:xfrm>
+            <a:prstGeom prst="roundRect">
+              <a:avLst>
+                <a:gd name="adj" fmla="val 0"/>
+              </a:avLst>
+            </a:prstGeom>
+            <a:blipFill>
+              <a:blip r:embed="rId2"/>
+              <a:tile tx="0" ty="0" sx="100000" sy="100000" flip="none" algn="tl"/>
+            </a:blipFill>
+            <a:ln>
+              <a:noFill/>
+            </a:ln>
+          </p:spPr>
+          <p:style>
+            <a:lnRef idx="2">
+              <a:schemeClr val="accent6"/>
+            </a:lnRef>
+            <a:fillRef idx="1">
+              <a:schemeClr val="lt1"/>
+            </a:fillRef>
+            <a:effectRef idx="0">
+              <a:schemeClr val="accent6"/>
+            </a:effectRef>
+            <a:fontRef idx="minor">
+              <a:schemeClr val="dk1"/>
+            </a:fontRef>
+          </p:style>
+          <p:txBody>
+            <a:bodyPr rtlCol="0" anchor="ctr"/>
+            <a:lstStyle/>
+            <a:p>
+              <a:pPr algn="ctr"/>
+              <a:endParaRPr lang="pt-BR"/>
+            </a:p>
+          </p:txBody>
+        </p:sp>
+      </p:grpSp>
+      <p:sp>
+        <p:nvSpPr>
+          <p:cNvPr id="15" name="Retângulo 14"/>
+          <p:cNvSpPr/>
+          <p:nvPr/>
+        </p:nvSpPr>
+        <p:spPr>
+          <a:xfrm>
+            <a:off x="1146749" y="445761"/>
+            <a:ext cx="9787944" cy="764853"/>
+          </a:xfrm>
+          <a:prstGeom prst="rect">
+            <a:avLst/>
+          </a:prstGeom>
+          <a:solidFill>
+            <a:srgbClr val="8DBA62"/>
+          </a:solidFill>
+          <a:ln>
+            <a:noFill/>
+          </a:ln>
+        </p:spPr>
+        <p:style>
+          <a:lnRef idx="2">
+            <a:schemeClr val="accent1">
+              <a:shade val="50000"/>
+            </a:schemeClr>
+          </a:lnRef>
+          <a:fillRef idx="1">
+            <a:schemeClr val="accent1"/>
+          </a:fillRef>
+          <a:effectRef idx="0">
+            <a:schemeClr val="accent1"/>
+          </a:effectRef>
+          <a:fontRef idx="minor">
+            <a:schemeClr val="lt1"/>
+          </a:fontRef>
+        </p:style>
+        <p:txBody>
+          <a:bodyPr rtlCol="0" anchor="ctr"/>
+          <a:lstStyle/>
+          <a:p>
+            <a:pPr algn="ctr"/>
+            <a:endParaRPr lang="pt-BR"/>
+          </a:p>
+        </p:txBody>
+      </p:sp>
+      <p:sp>
+        <p:nvSpPr>
+          <p:cNvPr id="18" name="Retângulo 17"/>
+          <p:cNvSpPr/>
+          <p:nvPr/>
+        </p:nvSpPr>
+        <p:spPr>
+          <a:xfrm>
+            <a:off x="1146749" y="5640946"/>
+            <a:ext cx="9787944" cy="712278"/>
+          </a:xfrm>
+          <a:prstGeom prst="rect">
+            <a:avLst/>
+          </a:prstGeom>
+          <a:solidFill>
+            <a:srgbClr val="8DBA62"/>
+          </a:solidFill>
+          <a:ln>
+            <a:noFill/>
+          </a:ln>
+        </p:spPr>
+        <p:style>
+          <a:lnRef idx="2">
+            <a:schemeClr val="accent1">
+              <a:shade val="50000"/>
+            </a:schemeClr>
+          </a:lnRef>
+          <a:fillRef idx="1">
+            <a:schemeClr val="accent1"/>
+          </a:fillRef>
+          <a:effectRef idx="0">
+            <a:schemeClr val="accent1"/>
+          </a:effectRef>
+          <a:fontRef idx="minor">
+            <a:schemeClr val="lt1"/>
+          </a:fontRef>
+        </p:style>
+        <p:txBody>
+          <a:bodyPr rtlCol="0" anchor="ctr"/>
+          <a:lstStyle/>
+          <a:p>
+            <a:pPr algn="ctr"/>
+            <a:endParaRPr lang="pt-BR"/>
+          </a:p>
+        </p:txBody>
+      </p:sp>
+      <p:sp>
+        <p:nvSpPr>
+          <p:cNvPr id="24" name="Retângulo de cantos arredondados 23"/>
+          <p:cNvSpPr/>
+          <p:nvPr/>
+        </p:nvSpPr>
+        <p:spPr>
+          <a:xfrm>
+            <a:off x="1930424" y="728000"/>
+            <a:ext cx="1290702" cy="301406"/>
+          </a:xfrm>
+          <a:prstGeom prst="roundRect">
+            <a:avLst/>
+          </a:prstGeom>
+          <a:solidFill>
+            <a:srgbClr val="FDEBC7"/>
+          </a:solidFill>
+          <a:ln>
+            <a:noFill/>
+          </a:ln>
+          <a:effectLst>
+            <a:outerShdw blurRad="50800" dist="38100" dir="2700000" algn="tl" rotWithShape="0">
+              <a:prstClr val="black">
+                <a:alpha val="40000"/>
+              </a:prstClr>
+            </a:outerShdw>
+          </a:effectLst>
+        </p:spPr>
+        <p:style>
+          <a:lnRef idx="2">
+            <a:schemeClr val="accent1">
+              <a:shade val="50000"/>
+            </a:schemeClr>
+          </a:lnRef>
+          <a:fillRef idx="1">
+            <a:schemeClr val="accent1"/>
+          </a:fillRef>
+          <a:effectRef idx="0">
+            <a:schemeClr val="accent1"/>
+          </a:effectRef>
+          <a:fontRef idx="minor">
+            <a:schemeClr val="lt1"/>
+          </a:fontRef>
+        </p:style>
+        <p:txBody>
+          <a:bodyPr rtlCol="0" anchor="ctr"/>
+          <a:lstStyle/>
+          <a:p>
+            <a:pPr algn="ctr"/>
+            <a:r>
+              <a:rPr lang="pt-BR" dirty="0" smtClean="0">
+                <a:solidFill>
+                  <a:schemeClr val="tx1"/>
+                </a:solidFill>
+              </a:rPr>
+              <a:t>150</a:t>
+            </a:r>
+            <a:endParaRPr lang="pt-BR" dirty="0">
+              <a:solidFill>
+                <a:schemeClr val="tx1"/>
+              </a:solidFill>
+            </a:endParaRPr>
+          </a:p>
+        </p:txBody>
+      </p:sp>
+      <p:pic>
+        <p:nvPicPr>
+          <p:cNvPr id="6" name="Imagem 5"/>
+          <p:cNvPicPr>
+            <a:picLocks noChangeAspect="1"/>
+          </p:cNvPicPr>
+          <p:nvPr/>
+        </p:nvPicPr>
+        <p:blipFill>
+          <a:blip r:embed="rId3" cstate="print">
+            <a:extLst>
+              <a:ext uri="{28A0092B-C50C-407E-A947-70E740481C1C}">
+                <a14:useLocalDpi xmlns:a14="http://schemas.microsoft.com/office/drawing/2010/main" val="0"/>
+              </a:ext>
+            </a:extLst>
+          </a:blip>
+          <a:stretch>
+            <a:fillRect/>
+          </a:stretch>
+        </p:blipFill>
+        <p:spPr>
+          <a:xfrm>
+            <a:off x="1630819" y="553340"/>
+            <a:ext cx="639397" cy="639397"/>
+          </a:xfrm>
+          <a:prstGeom prst="rect">
+            <a:avLst/>
+          </a:prstGeom>
+        </p:spPr>
+      </p:pic>
+      <p:sp>
+        <p:nvSpPr>
+          <p:cNvPr id="25" name="Retângulo de cantos arredondados 24"/>
+          <p:cNvSpPr/>
+          <p:nvPr/>
+        </p:nvSpPr>
+        <p:spPr>
+          <a:xfrm>
+            <a:off x="5668875" y="818587"/>
+            <a:ext cx="1290702" cy="301406"/>
+          </a:xfrm>
+          <a:prstGeom prst="roundRect">
+            <a:avLst/>
+          </a:prstGeom>
+          <a:solidFill>
+            <a:srgbClr val="FDEBC7"/>
+          </a:solidFill>
+          <a:ln>
+            <a:noFill/>
+          </a:ln>
+          <a:effectLst>
+            <a:outerShdw blurRad="50800" dist="38100" dir="2700000" algn="tl" rotWithShape="0">
+              <a:prstClr val="black">
+                <a:alpha val="40000"/>
+              </a:prstClr>
+            </a:outerShdw>
+          </a:effectLst>
+        </p:spPr>
+        <p:style>
+          <a:lnRef idx="2">
+            <a:schemeClr val="accent1">
+              <a:shade val="50000"/>
+            </a:schemeClr>
+          </a:lnRef>
+          <a:fillRef idx="1">
+            <a:schemeClr val="accent1"/>
+          </a:fillRef>
+          <a:effectRef idx="0">
+            <a:schemeClr val="accent1"/>
+          </a:effectRef>
+          <a:fontRef idx="minor">
+            <a:schemeClr val="lt1"/>
+          </a:fontRef>
+        </p:style>
+        <p:txBody>
+          <a:bodyPr rtlCol="0" anchor="ctr"/>
+          <a:lstStyle/>
+          <a:p>
+            <a:pPr algn="ctr"/>
+            <a:r>
+              <a:rPr lang="pt-BR" dirty="0" smtClean="0">
+                <a:solidFill>
+                  <a:schemeClr val="tx1"/>
+                </a:solidFill>
+              </a:rPr>
+              <a:t>1:35</a:t>
+            </a:r>
+            <a:endParaRPr lang="pt-BR" dirty="0">
+              <a:solidFill>
+                <a:schemeClr val="tx1"/>
+              </a:solidFill>
+            </a:endParaRPr>
+          </a:p>
+        </p:txBody>
+      </p:sp>
+      <p:pic>
+        <p:nvPicPr>
+          <p:cNvPr id="7" name="Imagem 6"/>
+          <p:cNvPicPr>
+            <a:picLocks noChangeAspect="1"/>
+          </p:cNvPicPr>
+          <p:nvPr/>
+        </p:nvPicPr>
+        <p:blipFill rotWithShape="1">
+          <a:blip r:embed="rId4" cstate="print">
+            <a:extLst>
+              <a:ext uri="{28A0092B-C50C-407E-A947-70E740481C1C}">
+                <a14:useLocalDpi xmlns:a14="http://schemas.microsoft.com/office/drawing/2010/main" val="0"/>
+              </a:ext>
+            </a:extLst>
+          </a:blip>
+          <a:srcRect l="30573" r="27361"/>
+          <a:stretch/>
+        </p:blipFill>
+        <p:spPr>
+          <a:xfrm>
+            <a:off x="5253303" y="435945"/>
+            <a:ext cx="831143" cy="987910"/>
+          </a:xfrm>
+          <a:prstGeom prst="rect">
+            <a:avLst/>
+          </a:prstGeom>
+        </p:spPr>
+      </p:pic>
+      <p:sp>
+        <p:nvSpPr>
+          <p:cNvPr id="26" name="Retângulo de cantos arredondados 25"/>
+          <p:cNvSpPr/>
+          <p:nvPr/>
+        </p:nvSpPr>
+        <p:spPr>
+          <a:xfrm>
+            <a:off x="9259910" y="722334"/>
+            <a:ext cx="1183430" cy="307071"/>
+          </a:xfrm>
+          <a:prstGeom prst="roundRect">
+            <a:avLst/>
+          </a:prstGeom>
+          <a:solidFill>
+            <a:srgbClr val="FDEBC7"/>
+          </a:solidFill>
+          <a:ln>
+            <a:noFill/>
+          </a:ln>
+          <a:effectLst>
+            <a:outerShdw blurRad="50800" dist="38100" dir="2700000" algn="tl" rotWithShape="0">
+              <a:prstClr val="black">
+                <a:alpha val="40000"/>
+              </a:prstClr>
+            </a:outerShdw>
+          </a:effectLst>
+        </p:spPr>
+        <p:style>
+          <a:lnRef idx="2">
+            <a:schemeClr val="accent1">
+              <a:shade val="50000"/>
+            </a:schemeClr>
+          </a:lnRef>
+          <a:fillRef idx="1">
+            <a:schemeClr val="accent1"/>
+          </a:fillRef>
+          <a:effectRef idx="0">
+            <a:schemeClr val="accent1"/>
+          </a:effectRef>
+          <a:fontRef idx="minor">
+            <a:schemeClr val="lt1"/>
+          </a:fontRef>
+        </p:style>
+        <p:txBody>
+          <a:bodyPr rtlCol="0" anchor="ctr"/>
+          <a:lstStyle/>
+          <a:p>
+            <a:pPr algn="ctr"/>
+            <a:r>
+              <a:rPr lang="pt-BR" dirty="0" smtClean="0">
+                <a:solidFill>
+                  <a:schemeClr val="tx1"/>
+                </a:solidFill>
+              </a:rPr>
+              <a:t>2º</a:t>
+            </a:r>
+            <a:endParaRPr lang="pt-BR" dirty="0">
+              <a:solidFill>
+                <a:schemeClr val="tx1"/>
+              </a:solidFill>
+            </a:endParaRPr>
+          </a:p>
+        </p:txBody>
+      </p:sp>
+      <p:pic>
+        <p:nvPicPr>
+          <p:cNvPr id="8" name="Imagem 7"/>
+          <p:cNvPicPr>
+            <a:picLocks noChangeAspect="1"/>
+          </p:cNvPicPr>
+          <p:nvPr/>
+        </p:nvPicPr>
+        <p:blipFill>
+          <a:blip r:embed="rId5" cstate="print">
+            <a:extLst>
+              <a:ext uri="{28A0092B-C50C-407E-A947-70E740481C1C}">
+                <a14:useLocalDpi xmlns:a14="http://schemas.microsoft.com/office/drawing/2010/main" val="0"/>
+              </a:ext>
+            </a:extLst>
+          </a:blip>
+          <a:stretch>
+            <a:fillRect/>
+          </a:stretch>
+        </p:blipFill>
+        <p:spPr>
+          <a:xfrm>
+            <a:off x="8894093" y="489681"/>
+            <a:ext cx="748911" cy="748911"/>
+          </a:xfrm>
+          <a:prstGeom prst="rect">
+            <a:avLst/>
+          </a:prstGeom>
+        </p:spPr>
+      </p:pic>
+      <p:sp>
+        <p:nvSpPr>
+          <p:cNvPr id="28" name="Retângulo de cantos arredondados 27"/>
+          <p:cNvSpPr/>
+          <p:nvPr/>
+        </p:nvSpPr>
+        <p:spPr>
+          <a:xfrm>
+            <a:off x="5395370" y="5587210"/>
+            <a:ext cx="1290702" cy="715877"/>
+          </a:xfrm>
+          <a:prstGeom prst="roundRect">
+            <a:avLst/>
+          </a:prstGeom>
+          <a:solidFill>
+            <a:srgbClr val="FDEBC7"/>
+          </a:solidFill>
+          <a:ln>
+            <a:noFill/>
+          </a:ln>
+          <a:effectLst>
+            <a:outerShdw blurRad="50800" dist="38100" dir="2700000" algn="tl" rotWithShape="0">
+              <a:prstClr val="black">
+                <a:alpha val="40000"/>
+              </a:prstClr>
+            </a:outerShdw>
+          </a:effectLst>
+        </p:spPr>
+        <p:style>
+          <a:lnRef idx="2">
+            <a:schemeClr val="accent1">
+              <a:shade val="50000"/>
+            </a:schemeClr>
+          </a:lnRef>
+          <a:fillRef idx="1">
+            <a:schemeClr val="accent1"/>
+          </a:fillRef>
+          <a:effectRef idx="0">
+            <a:schemeClr val="accent1"/>
+          </a:effectRef>
+          <a:fontRef idx="minor">
+            <a:schemeClr val="lt1"/>
+          </a:fontRef>
+        </p:style>
+        <p:txBody>
+          <a:bodyPr rtlCol="0" anchor="ctr"/>
+          <a:lstStyle/>
+          <a:p>
+            <a:pPr algn="ctr"/>
+            <a:r>
+              <a:rPr lang="pt-BR" dirty="0" smtClean="0">
+                <a:solidFill>
+                  <a:schemeClr val="tx1"/>
+                </a:solidFill>
+              </a:rPr>
+              <a:t>150</a:t>
+            </a:r>
+            <a:endParaRPr lang="pt-BR" dirty="0">
+              <a:solidFill>
+                <a:schemeClr val="tx1"/>
+              </a:solidFill>
+            </a:endParaRPr>
+          </a:p>
+        </p:txBody>
+      </p:sp>
+      <p:sp>
+        <p:nvSpPr>
+          <p:cNvPr id="30" name="Retângulo 29"/>
+          <p:cNvSpPr/>
+          <p:nvPr/>
+        </p:nvSpPr>
+        <p:spPr>
+          <a:xfrm>
+            <a:off x="5499123" y="5409996"/>
+            <a:ext cx="1083196" cy="378657"/>
+          </a:xfrm>
+          <a:prstGeom prst="rect">
+            <a:avLst/>
+          </a:prstGeom>
+          <a:solidFill>
+            <a:srgbClr val="8DBA62"/>
+          </a:solidFill>
+          <a:ln>
+            <a:solidFill>
+              <a:srgbClr val="73D54A"/>
+            </a:solidFill>
+          </a:ln>
+          <a:effectLst>
+            <a:outerShdw blurRad="50800" dist="38100" dir="2700000" algn="tl" rotWithShape="0">
+              <a:prstClr val="black">
+                <a:alpha val="40000"/>
+              </a:prstClr>
+            </a:outerShdw>
+            <a:softEdge rad="0"/>
+          </a:effectLst>
+        </p:spPr>
+        <p:style>
+          <a:lnRef idx="2">
+            <a:schemeClr val="accent1">
+              <a:shade val="50000"/>
+            </a:schemeClr>
+          </a:lnRef>
+          <a:fillRef idx="1">
+            <a:schemeClr val="accent1"/>
+          </a:fillRef>
+          <a:effectRef idx="0">
+            <a:schemeClr val="accent1"/>
+          </a:effectRef>
+          <a:fontRef idx="minor">
+            <a:schemeClr val="lt1"/>
+          </a:fontRef>
+        </p:style>
+        <p:txBody>
+          <a:bodyPr rtlCol="0" anchor="ctr"/>
+          <a:lstStyle/>
+          <a:p>
+            <a:pPr algn="ctr"/>
+            <a:r>
+              <a:rPr lang="pt-BR" dirty="0" smtClean="0"/>
+              <a:t>Score</a:t>
+            </a:r>
+            <a:endParaRPr lang="pt-BR" dirty="0"/>
+          </a:p>
+        </p:txBody>
+      </p:sp>
+      <p:sp>
+        <p:nvSpPr>
+          <p:cNvPr id="40" name="Retângulo de cantos arredondados 39"/>
+          <p:cNvSpPr/>
+          <p:nvPr/>
+        </p:nvSpPr>
+        <p:spPr>
+          <a:xfrm>
+            <a:off x="1560817" y="5792058"/>
+            <a:ext cx="2341963" cy="449141"/>
+          </a:xfrm>
+          <a:prstGeom prst="roundRect">
+            <a:avLst/>
+          </a:prstGeom>
+          <a:solidFill>
+            <a:srgbClr val="FDEBC7"/>
+          </a:solidFill>
+          <a:ln>
+            <a:noFill/>
+          </a:ln>
+          <a:effectLst>
+            <a:outerShdw blurRad="50800" dist="38100" dir="2700000" algn="tl" rotWithShape="0">
+              <a:prstClr val="black">
+                <a:alpha val="40000"/>
+              </a:prstClr>
+            </a:outerShdw>
+          </a:effectLst>
+        </p:spPr>
+        <p:style>
+          <a:lnRef idx="2">
+            <a:schemeClr val="accent1">
+              <a:shade val="50000"/>
+            </a:schemeClr>
+          </a:lnRef>
+          <a:fillRef idx="1">
+            <a:schemeClr val="accent1"/>
+          </a:fillRef>
+          <a:effectRef idx="0">
+            <a:schemeClr val="accent1"/>
+          </a:effectRef>
+          <a:fontRef idx="minor">
+            <a:schemeClr val="lt1"/>
+          </a:fontRef>
+        </p:style>
+        <p:txBody>
+          <a:bodyPr rtlCol="0" anchor="ctr"/>
+          <a:lstStyle/>
+          <a:p>
+            <a:pPr algn="ctr"/>
+            <a:endParaRPr lang="pt-BR" dirty="0">
+              <a:solidFill>
+                <a:schemeClr val="tx1"/>
+              </a:solidFill>
+            </a:endParaRPr>
+          </a:p>
+        </p:txBody>
+      </p:sp>
+      <p:pic>
+        <p:nvPicPr>
+          <p:cNvPr id="41" name="Imagem 40"/>
+          <p:cNvPicPr>
+            <a:picLocks noChangeAspect="1"/>
+          </p:cNvPicPr>
+          <p:nvPr/>
+        </p:nvPicPr>
+        <p:blipFill>
+          <a:blip r:embed="rId6" cstate="print">
+            <a:extLst>
+              <a:ext uri="{28A0092B-C50C-407E-A947-70E740481C1C}">
+                <a14:useLocalDpi xmlns:a14="http://schemas.microsoft.com/office/drawing/2010/main" val="0"/>
+              </a:ext>
+            </a:extLst>
+          </a:blip>
+          <a:stretch>
+            <a:fillRect/>
+          </a:stretch>
+        </p:blipFill>
+        <p:spPr>
+          <a:xfrm>
+            <a:off x="1745659" y="5801056"/>
+            <a:ext cx="587403" cy="440143"/>
+          </a:xfrm>
+          <a:prstGeom prst="rect">
+            <a:avLst/>
+          </a:prstGeom>
+        </p:spPr>
+      </p:pic>
+      <p:pic>
+        <p:nvPicPr>
+          <p:cNvPr id="42" name="Imagem 41"/>
+          <p:cNvPicPr>
+            <a:picLocks noChangeAspect="1"/>
+          </p:cNvPicPr>
+          <p:nvPr/>
+        </p:nvPicPr>
+        <p:blipFill>
+          <a:blip r:embed="rId7" cstate="print">
+            <a:extLst>
+              <a:ext uri="{BEBA8EAE-BF5A-486C-A8C5-ECC9F3942E4B}">
+                <a14:imgProps xmlns:a14="http://schemas.microsoft.com/office/drawing/2010/main">
+                  <a14:imgLayer r:embed="rId8">
+                    <a14:imgEffect>
+                      <a14:backgroundRemoval t="10000" b="90000" l="10000" r="90000">
+                        <a14:foregroundMark x1="34725" y1="55385" x2="39780" y2="60440"/>
+                      </a14:backgroundRemoval>
+                    </a14:imgEffect>
+                  </a14:imgLayer>
+                </a14:imgProps>
+              </a:ext>
+              <a:ext uri="{28A0092B-C50C-407E-A947-70E740481C1C}">
+                <a14:useLocalDpi xmlns:a14="http://schemas.microsoft.com/office/drawing/2010/main" val="0"/>
+              </a:ext>
+            </a:extLst>
+          </a:blip>
+          <a:stretch>
+            <a:fillRect/>
+          </a:stretch>
+        </p:blipFill>
+        <p:spPr>
+          <a:xfrm>
+            <a:off x="2333062" y="5801056"/>
+            <a:ext cx="476272" cy="476272"/>
+          </a:xfrm>
+          <a:prstGeom prst="rect">
+            <a:avLst/>
+          </a:prstGeom>
+        </p:spPr>
+      </p:pic>
+      <p:sp>
+        <p:nvSpPr>
+          <p:cNvPr id="43" name="CaixaDeTexto 42"/>
+          <p:cNvSpPr txBox="1"/>
+          <p:nvPr/>
+        </p:nvSpPr>
+        <p:spPr>
+          <a:xfrm>
+            <a:off x="2961206" y="5779534"/>
+            <a:ext cx="806891" cy="461665"/>
+          </a:xfrm>
+          <a:prstGeom prst="rect">
+            <a:avLst/>
+          </a:prstGeom>
+          <a:noFill/>
+        </p:spPr>
+        <p:txBody>
+          <a:bodyPr wrap="square" rtlCol="0">
+            <a:spAutoFit/>
+          </a:bodyPr>
+          <a:lstStyle/>
+          <a:p>
+            <a:r>
+              <a:rPr lang="pt-BR" sz="2400" dirty="0" smtClean="0">
+                <a:solidFill>
+                  <a:srgbClr val="5DB427"/>
+                </a:solidFill>
+                <a:latin typeface="Bahnschrift" panose="020B0502040204020203" pitchFamily="34" charset="0"/>
+              </a:rPr>
+              <a:t>2 x</a:t>
+            </a:r>
+            <a:endParaRPr lang="pt-BR" sz="2400" dirty="0">
+              <a:solidFill>
+                <a:srgbClr val="5DB427"/>
+              </a:solidFill>
+              <a:latin typeface="Bahnschrift" panose="020B0502040204020203" pitchFamily="34" charset="0"/>
+            </a:endParaRPr>
+          </a:p>
+        </p:txBody>
+      </p:sp>
+      <p:pic>
+        <p:nvPicPr>
+          <p:cNvPr id="3" name="Imagem 2"/>
+          <p:cNvPicPr>
+            <a:picLocks noChangeAspect="1"/>
+          </p:cNvPicPr>
+          <p:nvPr/>
+        </p:nvPicPr>
+        <p:blipFill>
+          <a:blip r:embed="rId9" cstate="print">
+            <a:extLst>
+              <a:ext uri="{BEBA8EAE-BF5A-486C-A8C5-ECC9F3942E4B}">
+                <a14:imgProps xmlns:a14="http://schemas.microsoft.com/office/drawing/2010/main">
+                  <a14:imgLayer r:embed="rId10">
+                    <a14:imgEffect>
+                      <a14:backgroundRemoval t="10000" b="90000" l="10000" r="90000"/>
+                    </a14:imgEffect>
+                  </a14:imgLayer>
+                </a14:imgProps>
+              </a:ext>
+              <a:ext uri="{28A0092B-C50C-407E-A947-70E740481C1C}">
+                <a14:useLocalDpi xmlns:a14="http://schemas.microsoft.com/office/drawing/2010/main" val="0"/>
+              </a:ext>
+            </a:extLst>
+          </a:blip>
+          <a:stretch>
+            <a:fillRect/>
+          </a:stretch>
+        </p:blipFill>
+        <p:spPr>
+          <a:xfrm>
+            <a:off x="1146749" y="5589785"/>
+            <a:ext cx="826207" cy="826207"/>
+          </a:xfrm>
+          <a:prstGeom prst="rect">
+            <a:avLst/>
+          </a:prstGeom>
+        </p:spPr>
+      </p:pic>
+      <p:pic>
+        <p:nvPicPr>
+          <p:cNvPr id="9" name="Imagem 8"/>
+          <p:cNvPicPr>
+            <a:picLocks noChangeAspect="1"/>
+          </p:cNvPicPr>
+          <p:nvPr/>
+        </p:nvPicPr>
+        <p:blipFill rotWithShape="1">
+          <a:blip r:embed="rId11">
+            <a:extLst>
+              <a:ext uri="{28A0092B-C50C-407E-A947-70E740481C1C}">
+                <a14:useLocalDpi xmlns:a14="http://schemas.microsoft.com/office/drawing/2010/main" val="0"/>
+              </a:ext>
+            </a:extLst>
+          </a:blip>
+          <a:srcRect t="25115"/>
+          <a:stretch/>
+        </p:blipFill>
+        <p:spPr>
+          <a:xfrm>
+            <a:off x="1417678" y="1755887"/>
+            <a:ext cx="5268394" cy="3283475"/>
+          </a:xfrm>
+          <a:prstGeom prst="rect">
+            <a:avLst/>
+          </a:prstGeom>
+        </p:spPr>
+      </p:pic>
+      <p:pic>
+        <p:nvPicPr>
+          <p:cNvPr id="72" name="Imagem 71"/>
+          <p:cNvPicPr>
+            <a:picLocks noChangeAspect="1"/>
+          </p:cNvPicPr>
+          <p:nvPr/>
+        </p:nvPicPr>
+        <p:blipFill rotWithShape="1">
+          <a:blip r:embed="rId11">
+            <a:extLst>
+              <a:ext uri="{28A0092B-C50C-407E-A947-70E740481C1C}">
+                <a14:useLocalDpi xmlns:a14="http://schemas.microsoft.com/office/drawing/2010/main" val="0"/>
+              </a:ext>
+            </a:extLst>
+          </a:blip>
+          <a:srcRect l="24219" t="25027"/>
+          <a:stretch/>
+        </p:blipFill>
+        <p:spPr>
+          <a:xfrm flipH="1">
+            <a:off x="6686072" y="1745377"/>
+            <a:ext cx="3992438" cy="3287308"/>
+          </a:xfrm>
+          <a:prstGeom prst="rect">
+            <a:avLst/>
+          </a:prstGeom>
+        </p:spPr>
+      </p:pic>
+    </p:spTree>
+    <p:extLst>
+      <p:ext uri="{BB962C8B-B14F-4D97-AF65-F5344CB8AC3E}">
+        <p14:creationId xmlns:p14="http://schemas.microsoft.com/office/powerpoint/2010/main" val="2270969845"/>
+      </p:ext>
+    </p:extLst>
+  </p:cSld>
+  <p:clrMapOvr>
+    <a:masterClrMapping/>
+  </p:clrMapOvr>
+  <p:timing>
+    <p:tnLst>
+      <p:par>
+        <p:cTn id="1" dur="indefinite" restart="never" nodeType="tmRoot"/>
+      </p:par>
+    </p:tnLst>
+  </p:timing>
+</p:sld>
+</file>
+
+<file path=ppt/slides/slide32.xml><?xml version="1.0" encoding="utf-8"?>
+<p:sld xmlns:a="http://schemas.openxmlformats.org/drawingml/2006/main" xmlns:r="http://schemas.openxmlformats.org/officeDocument/2006/relationships" xmlns:p="http://schemas.openxmlformats.org/presentationml/2006/main">
+  <p:cSld>
+    <p:spTree>
+      <p:nvGrpSpPr>
+        <p:cNvPr id="1" name=""/>
+        <p:cNvGrpSpPr/>
+        <p:nvPr/>
+      </p:nvGrpSpPr>
+      <p:grpSpPr>
+        <a:xfrm>
+          <a:off x="0" y="0"/>
+          <a:ext cx="0" cy="0"/>
+          <a:chOff x="0" y="0"/>
+          <a:chExt cx="0" cy="0"/>
+        </a:xfrm>
+      </p:grpSpPr>
+      <p:sp>
+        <p:nvSpPr>
+          <p:cNvPr id="2" name="Título 1"/>
+          <p:cNvSpPr>
+            <a:spLocks noGrp="1"/>
+          </p:cNvSpPr>
+          <p:nvPr>
+            <p:ph type="title"/>
+          </p:nvPr>
+        </p:nvSpPr>
+        <p:spPr/>
+        <p:txBody>
+          <a:bodyPr>
+            <a:normAutofit/>
+          </a:bodyPr>
+          <a:lstStyle/>
+          <a:p>
+            <a:r>
+              <a:rPr lang="pt-BR" sz="3200" dirty="0" smtClean="0"/>
+              <a:t>Tabela de Elementos – Tela </a:t>
+            </a:r>
+            <a:r>
+              <a:rPr lang="pt-BR" sz="3200" dirty="0" err="1" smtClean="0"/>
+              <a:t>Board</a:t>
+            </a:r>
+            <a:r>
+              <a:rPr lang="pt-BR" sz="3200" dirty="0" smtClean="0"/>
+              <a:t> Game </a:t>
+            </a:r>
+            <a:r>
+              <a:rPr lang="pt-BR" sz="3200" dirty="0" smtClean="0"/>
+              <a:t>(Acerte ao Alvo)</a:t>
+            </a:r>
+            <a:endParaRPr lang="pt-BR" sz="3200" dirty="0"/>
+          </a:p>
+        </p:txBody>
+      </p:sp>
+      <p:graphicFrame>
+        <p:nvGraphicFramePr>
+          <p:cNvPr id="4" name="Espaço Reservado para Conteúdo 3"/>
+          <p:cNvGraphicFramePr>
+            <a:graphicFrameLocks noGrp="1"/>
+          </p:cNvGraphicFramePr>
+          <p:nvPr>
+            <p:ph idx="1"/>
+            <p:extLst>
+              <p:ext uri="{D42A27DB-BD31-4B8C-83A1-F6EECF244321}">
+                <p14:modId xmlns:p14="http://schemas.microsoft.com/office/powerpoint/2010/main" val="448200208"/>
+              </p:ext>
+            </p:extLst>
+          </p:nvPr>
+        </p:nvGraphicFramePr>
+        <p:xfrm>
+          <a:off x="838199" y="2250626"/>
+          <a:ext cx="10173238" cy="1977807"/>
+        </p:xfrm>
+        <a:graphic>
+          <a:graphicData uri="http://schemas.openxmlformats.org/drawingml/2006/table">
+            <a:tbl>
+              <a:tblPr firstRow="1" bandRow="1">
+                <a:tableStyleId>{93296810-A885-4BE3-A3E7-6D5BEEA58F35}</a:tableStyleId>
+              </a:tblPr>
+              <a:tblGrid>
+                <a:gridCol w="631698"/>
+                <a:gridCol w="1808247"/>
+                <a:gridCol w="1932953"/>
+                <a:gridCol w="2900170"/>
+                <a:gridCol w="2900170"/>
+              </a:tblGrid>
+              <a:tr h="445909">
+                <a:tc>
+                  <a:txBody>
+                    <a:bodyPr/>
+                    <a:lstStyle/>
+                    <a:p>
+                      <a:endParaRPr lang="pt-BR" dirty="0"/>
+                    </a:p>
+                  </a:txBody>
+                  <a:tcPr/>
+                </a:tc>
+                <a:tc>
+                  <a:txBody>
+                    <a:bodyPr/>
+                    <a:lstStyle/>
+                    <a:p>
+                      <a:r>
+                        <a:rPr lang="pt-BR" dirty="0" smtClean="0"/>
+                        <a:t>Nome Campo</a:t>
+                      </a:r>
+                      <a:endParaRPr lang="pt-BR" dirty="0"/>
+                    </a:p>
+                  </a:txBody>
+                  <a:tcPr/>
+                </a:tc>
+                <a:tc>
+                  <a:txBody>
+                    <a:bodyPr/>
+                    <a:lstStyle/>
+                    <a:p>
+                      <a:r>
+                        <a:rPr lang="pt-BR" dirty="0" smtClean="0"/>
+                        <a:t>Origem</a:t>
+                      </a:r>
+                      <a:endParaRPr lang="pt-BR" dirty="0"/>
+                    </a:p>
+                  </a:txBody>
+                  <a:tcPr/>
+                </a:tc>
+                <a:tc>
+                  <a:txBody>
+                    <a:bodyPr/>
+                    <a:lstStyle/>
+                    <a:p>
+                      <a:r>
+                        <a:rPr lang="pt-BR" dirty="0" smtClean="0"/>
+                        <a:t>Tipo</a:t>
+                      </a:r>
+                      <a:endParaRPr lang="pt-BR" dirty="0"/>
+                    </a:p>
+                  </a:txBody>
+                  <a:tcPr/>
+                </a:tc>
+                <a:tc>
+                  <a:txBody>
+                    <a:bodyPr/>
+                    <a:lstStyle/>
+                    <a:p>
+                      <a:r>
+                        <a:rPr lang="pt-BR" dirty="0" smtClean="0"/>
+                        <a:t>Função</a:t>
+                      </a:r>
+                      <a:endParaRPr lang="pt-BR" dirty="0"/>
+                    </a:p>
+                  </a:txBody>
+                  <a:tcPr/>
+                </a:tc>
+              </a:tr>
+              <a:tr h="445909">
+                <a:tc>
+                  <a:txBody>
+                    <a:bodyPr/>
+                    <a:lstStyle/>
+                    <a:p>
+                      <a:r>
+                        <a:rPr lang="pt-BR" dirty="0" smtClean="0"/>
+                        <a:t>0</a:t>
+                      </a:r>
+                      <a:endParaRPr lang="pt-BR" dirty="0"/>
+                    </a:p>
+                  </a:txBody>
+                  <a:tcPr/>
+                </a:tc>
+                <a:tc>
+                  <a:txBody>
+                    <a:bodyPr/>
+                    <a:lstStyle/>
+                    <a:p>
+                      <a:endParaRPr lang="pt-BR" dirty="0"/>
+                    </a:p>
+                  </a:txBody>
+                  <a:tcPr/>
+                </a:tc>
+                <a:tc>
+                  <a:txBody>
+                    <a:bodyPr/>
+                    <a:lstStyle/>
+                    <a:p>
+                      <a:endParaRPr lang="pt-BR" dirty="0"/>
+                    </a:p>
+                  </a:txBody>
+                  <a:tcPr/>
+                </a:tc>
+                <a:tc>
+                  <a:txBody>
+                    <a:bodyPr/>
+                    <a:lstStyle/>
+                    <a:p>
+                      <a:r>
+                        <a:rPr lang="pt-BR" dirty="0" smtClean="0"/>
+                        <a:t>Botão</a:t>
+                      </a:r>
+                      <a:endParaRPr lang="pt-BR" dirty="0"/>
+                    </a:p>
+                  </a:txBody>
+                  <a:tcPr/>
+                </a:tc>
+                <a:tc>
+                  <a:txBody>
+                    <a:bodyPr/>
+                    <a:lstStyle/>
+                    <a:p>
+                      <a:r>
+                        <a:rPr lang="pt-BR" dirty="0" smtClean="0"/>
+                        <a:t>Acionar o poder do tempo</a:t>
+                      </a:r>
+                      <a:endParaRPr lang="pt-BR" dirty="0"/>
+                    </a:p>
+                  </a:txBody>
+                  <a:tcPr/>
+                </a:tc>
+              </a:tr>
+              <a:tr h="445909">
+                <a:tc>
+                  <a:txBody>
+                    <a:bodyPr/>
+                    <a:lstStyle/>
+                    <a:p>
+                      <a:r>
+                        <a:rPr lang="pt-BR" dirty="0" smtClean="0"/>
+                        <a:t>1</a:t>
+                      </a:r>
+                      <a:endParaRPr lang="pt-BR" dirty="0"/>
+                    </a:p>
+                  </a:txBody>
+                  <a:tcPr/>
+                </a:tc>
+                <a:tc>
+                  <a:txBody>
+                    <a:bodyPr/>
+                    <a:lstStyle/>
+                    <a:p>
+                      <a:endParaRPr lang="pt-BR" dirty="0"/>
+                    </a:p>
+                  </a:txBody>
+                  <a:tcPr/>
+                </a:tc>
+                <a:tc>
+                  <a:txBody>
+                    <a:bodyPr/>
+                    <a:lstStyle/>
+                    <a:p>
+                      <a:endParaRPr lang="pt-BR" dirty="0"/>
+                    </a:p>
+                  </a:txBody>
+                  <a:tcPr/>
+                </a:tc>
+                <a:tc>
+                  <a:txBody>
+                    <a:bodyPr/>
+                    <a:lstStyle/>
+                    <a:p>
+                      <a:r>
+                        <a:rPr lang="pt-BR" dirty="0" smtClean="0"/>
+                        <a:t>Botão</a:t>
+                      </a:r>
+                      <a:endParaRPr lang="pt-BR" dirty="0"/>
+                    </a:p>
+                  </a:txBody>
+                  <a:tcPr/>
+                </a:tc>
+                <a:tc>
+                  <a:txBody>
+                    <a:bodyPr/>
+                    <a:lstStyle/>
+                    <a:p>
+                      <a:r>
+                        <a:rPr lang="pt-BR" dirty="0" smtClean="0"/>
+                        <a:t>Aponta</a:t>
+                      </a:r>
+                      <a:r>
+                        <a:rPr lang="pt-BR" baseline="0" dirty="0" smtClean="0"/>
+                        <a:t> a resposta correta</a:t>
+                      </a:r>
+                      <a:endParaRPr lang="pt-BR" dirty="0"/>
+                    </a:p>
+                  </a:txBody>
+                  <a:tcPr/>
+                </a:tc>
+              </a:tr>
+              <a:tr h="445909">
+                <a:tc>
+                  <a:txBody>
+                    <a:bodyPr/>
+                    <a:lstStyle/>
+                    <a:p>
+                      <a:r>
+                        <a:rPr lang="pt-BR" dirty="0" smtClean="0"/>
+                        <a:t>2</a:t>
+                      </a:r>
+                      <a:endParaRPr lang="pt-BR" dirty="0"/>
+                    </a:p>
+                  </a:txBody>
+                  <a:tcPr/>
+                </a:tc>
+                <a:tc>
+                  <a:txBody>
+                    <a:bodyPr/>
+                    <a:lstStyle/>
+                    <a:p>
+                      <a:endParaRPr lang="pt-BR" dirty="0"/>
+                    </a:p>
+                  </a:txBody>
+                  <a:tcPr/>
+                </a:tc>
+                <a:tc>
+                  <a:txBody>
+                    <a:bodyPr/>
+                    <a:lstStyle/>
+                    <a:p>
+                      <a:endParaRPr lang="pt-BR" dirty="0"/>
+                    </a:p>
+                  </a:txBody>
+                  <a:tcPr/>
+                </a:tc>
+                <a:tc>
+                  <a:txBody>
+                    <a:bodyPr/>
+                    <a:lstStyle/>
+                    <a:p>
+                      <a:r>
+                        <a:rPr lang="pt-BR" dirty="0" smtClean="0"/>
+                        <a:t>Botão</a:t>
+                      </a:r>
+                      <a:endParaRPr lang="pt-BR" dirty="0"/>
+                    </a:p>
+                  </a:txBody>
+                  <a:tcPr/>
+                </a:tc>
+                <a:tc>
+                  <a:txBody>
+                    <a:bodyPr/>
+                    <a:lstStyle/>
+                    <a:p>
+                      <a:r>
+                        <a:rPr lang="pt-BR" dirty="0" smtClean="0"/>
+                        <a:t>Dobra os pontos no respectivo jogo</a:t>
+                      </a:r>
+                      <a:endParaRPr lang="pt-BR" dirty="0"/>
+                    </a:p>
+                  </a:txBody>
+                  <a:tcPr/>
+                </a:tc>
+              </a:tr>
+            </a:tbl>
+          </a:graphicData>
+        </a:graphic>
+      </p:graphicFrame>
+      <p:pic>
+        <p:nvPicPr>
+          <p:cNvPr id="5" name="Imagem 4"/>
+          <p:cNvPicPr>
+            <a:picLocks noChangeAspect="1"/>
+          </p:cNvPicPr>
+          <p:nvPr/>
+        </p:nvPicPr>
+        <p:blipFill>
+          <a:blip r:embed="rId2" cstate="print">
+            <a:extLst>
+              <a:ext uri="{28A0092B-C50C-407E-A947-70E740481C1C}">
+                <a14:useLocalDpi xmlns:a14="http://schemas.microsoft.com/office/drawing/2010/main" val="0"/>
+              </a:ext>
+            </a:extLst>
+          </a:blip>
+          <a:stretch>
+            <a:fillRect/>
+          </a:stretch>
+        </p:blipFill>
+        <p:spPr>
+          <a:xfrm>
+            <a:off x="2003236" y="2702301"/>
+            <a:ext cx="587403" cy="440143"/>
+          </a:xfrm>
+          <a:prstGeom prst="rect">
+            <a:avLst/>
+          </a:prstGeom>
+        </p:spPr>
+      </p:pic>
+      <p:pic>
+        <p:nvPicPr>
+          <p:cNvPr id="6" name="Imagem 5"/>
+          <p:cNvPicPr>
+            <a:picLocks noChangeAspect="1"/>
+          </p:cNvPicPr>
+          <p:nvPr/>
+        </p:nvPicPr>
+        <p:blipFill>
+          <a:blip r:embed="rId3" cstate="print">
+            <a:extLst>
+              <a:ext uri="{BEBA8EAE-BF5A-486C-A8C5-ECC9F3942E4B}">
+                <a14:imgProps xmlns:a14="http://schemas.microsoft.com/office/drawing/2010/main">
+                  <a14:imgLayer r:embed="rId4">
+                    <a14:imgEffect>
+                      <a14:backgroundRemoval t="10000" b="90000" l="10000" r="90000">
+                        <a14:foregroundMark x1="34725" y1="55385" x2="39780" y2="60440"/>
+                      </a14:backgroundRemoval>
+                    </a14:imgEffect>
+                  </a14:imgLayer>
+                </a14:imgProps>
+              </a:ext>
+              <a:ext uri="{28A0092B-C50C-407E-A947-70E740481C1C}">
+                <a14:useLocalDpi xmlns:a14="http://schemas.microsoft.com/office/drawing/2010/main" val="0"/>
+              </a:ext>
+            </a:extLst>
+          </a:blip>
+          <a:stretch>
+            <a:fillRect/>
+          </a:stretch>
+        </p:blipFill>
+        <p:spPr>
+          <a:xfrm>
+            <a:off x="2114367" y="3117847"/>
+            <a:ext cx="476272" cy="476272"/>
+          </a:xfrm>
+          <a:prstGeom prst="rect">
+            <a:avLst/>
+          </a:prstGeom>
+        </p:spPr>
+      </p:pic>
+      <p:sp>
+        <p:nvSpPr>
+          <p:cNvPr id="7" name="CaixaDeTexto 6"/>
+          <p:cNvSpPr txBox="1"/>
+          <p:nvPr/>
+        </p:nvSpPr>
+        <p:spPr>
+          <a:xfrm>
+            <a:off x="2114367" y="3594119"/>
+            <a:ext cx="806891" cy="461665"/>
+          </a:xfrm>
+          <a:prstGeom prst="rect">
+            <a:avLst/>
+          </a:prstGeom>
+          <a:noFill/>
+        </p:spPr>
+        <p:txBody>
+          <a:bodyPr wrap="square" rtlCol="0">
+            <a:spAutoFit/>
+          </a:bodyPr>
+          <a:lstStyle/>
+          <a:p>
+            <a:r>
+              <a:rPr lang="pt-BR" sz="2400" dirty="0" smtClean="0">
+                <a:solidFill>
+                  <a:srgbClr val="5DB427"/>
+                </a:solidFill>
+                <a:latin typeface="Bahnschrift" panose="020B0502040204020203" pitchFamily="34" charset="0"/>
+              </a:rPr>
+              <a:t>2 x</a:t>
+            </a:r>
+            <a:endParaRPr lang="pt-BR" sz="2400" dirty="0">
+              <a:solidFill>
+                <a:srgbClr val="5DB427"/>
+              </a:solidFill>
+              <a:latin typeface="Bahnschrift" panose="020B0502040204020203" pitchFamily="34" charset="0"/>
+            </a:endParaRPr>
+          </a:p>
+        </p:txBody>
+      </p:sp>
+    </p:spTree>
+    <p:extLst>
+      <p:ext uri="{BB962C8B-B14F-4D97-AF65-F5344CB8AC3E}">
+        <p14:creationId xmlns:p14="http://schemas.microsoft.com/office/powerpoint/2010/main" val="1973966922"/>
+      </p:ext>
+    </p:extLst>
+  </p:cSld>
+  <p:clrMapOvr>
+    <a:masterClrMapping/>
+  </p:clrMapOvr>
+  <p:timing>
+    <p:tnLst>
+      <p:par>
+        <p:cTn id="1" dur="indefinite" restart="never" nodeType="tmRoot"/>
+      </p:par>
+    </p:tnLst>
+  </p:timing>
+</p:sld>
+</file>
+
+<file path=ppt/slides/slide33.xml><?xml version="1.0" encoding="utf-8"?>
 <p:sld xmlns:a="http://schemas.openxmlformats.org/drawingml/2006/main" xmlns:r="http://schemas.openxmlformats.org/officeDocument/2006/relationships" xmlns:p="http://schemas.openxmlformats.org/presentationml/2006/main">
   <p:cSld>
     <p:spTree>
@@ -24840,7 +26776,7 @@
 </p:sld>
 </file>
 
-<file path=ppt/slides/slide31.xml><?xml version="1.0" encoding="utf-8"?>
+<file path=ppt/slides/slide34.xml><?xml version="1.0" encoding="utf-8"?>
 <p:sld xmlns:a="http://schemas.openxmlformats.org/drawingml/2006/main" xmlns:r="http://schemas.openxmlformats.org/officeDocument/2006/relationships" xmlns:p="http://schemas.openxmlformats.org/presentationml/2006/main">
   <p:cSld>
     <p:spTree>
@@ -25241,7 +27177,7 @@
 </p:sld>
 </file>
 
-<file path=ppt/slides/slide32.xml><?xml version="1.0" encoding="utf-8"?>
+<file path=ppt/slides/slide35.xml><?xml version="1.0" encoding="utf-8"?>
 <p:sld xmlns:a="http://schemas.openxmlformats.org/drawingml/2006/main" xmlns:r="http://schemas.openxmlformats.org/officeDocument/2006/relationships" xmlns:p="http://schemas.openxmlformats.org/presentationml/2006/main">
   <p:cSld>
     <p:spTree>
@@ -26520,7 +28456,7 @@
 </p:sld>
 </file>
 
-<file path=ppt/slides/slide33.xml><?xml version="1.0" encoding="utf-8"?>
+<file path=ppt/slides/slide36.xml><?xml version="1.0" encoding="utf-8"?>
 <p:sld xmlns:a="http://schemas.openxmlformats.org/drawingml/2006/main" xmlns:r="http://schemas.openxmlformats.org/officeDocument/2006/relationships" xmlns:p="http://schemas.openxmlformats.org/presentationml/2006/main">
   <p:cSld>
     <p:spTree>
@@ -26846,7 +28782,7 @@
 </p:sld>
 </file>
 
-<file path=ppt/slides/slide34.xml><?xml version="1.0" encoding="utf-8"?>
+<file path=ppt/slides/slide37.xml><?xml version="1.0" encoding="utf-8"?>
 <p:sld xmlns:a="http://schemas.openxmlformats.org/drawingml/2006/main" xmlns:r="http://schemas.openxmlformats.org/officeDocument/2006/relationships" xmlns:p="http://schemas.openxmlformats.org/presentationml/2006/main">
   <p:cSld>
     <p:spTree>
@@ -27633,7 +29569,7 @@
 </p:sld>
 </file>
 
-<file path=ppt/slides/slide35.xml><?xml version="1.0" encoding="utf-8"?>
+<file path=ppt/slides/slide38.xml><?xml version="1.0" encoding="utf-8"?>
 <p:sld xmlns:a="http://schemas.openxmlformats.org/drawingml/2006/main" xmlns:r="http://schemas.openxmlformats.org/officeDocument/2006/relationships" xmlns:p="http://schemas.openxmlformats.org/presentationml/2006/main">
   <p:cSld>
     <p:spTree>
@@ -27864,7 +29800,7 @@
 </p:sld>
 </file>
 
-<file path=ppt/slides/slide36.xml><?xml version="1.0" encoding="utf-8"?>
+<file path=ppt/slides/slide39.xml><?xml version="1.0" encoding="utf-8"?>
 <p:sld xmlns:a="http://schemas.openxmlformats.org/drawingml/2006/main" xmlns:r="http://schemas.openxmlformats.org/officeDocument/2006/relationships" xmlns:p="http://schemas.openxmlformats.org/presentationml/2006/main">
   <p:cSld>
     <p:spTree>
@@ -28885,7 +30821,378 @@
 </p:sld>
 </file>
 
-<file path=ppt/slides/slide37.xml><?xml version="1.0" encoding="utf-8"?>
+<file path=ppt/slides/slide4.xml><?xml version="1.0" encoding="utf-8"?>
+<p:sld xmlns:a="http://schemas.openxmlformats.org/drawingml/2006/main" xmlns:r="http://schemas.openxmlformats.org/officeDocument/2006/relationships" xmlns:p="http://schemas.openxmlformats.org/presentationml/2006/main">
+  <p:cSld>
+    <p:spTree>
+      <p:nvGrpSpPr>
+        <p:cNvPr id="1" name=""/>
+        <p:cNvGrpSpPr/>
+        <p:nvPr/>
+      </p:nvGrpSpPr>
+      <p:grpSpPr>
+        <a:xfrm>
+          <a:off x="0" y="0"/>
+          <a:ext cx="0" cy="0"/>
+          <a:chOff x="0" y="0"/>
+          <a:chExt cx="0" cy="0"/>
+        </a:xfrm>
+      </p:grpSpPr>
+      <p:sp>
+        <p:nvSpPr>
+          <p:cNvPr id="2" name="Título 1"/>
+          <p:cNvSpPr>
+            <a:spLocks noGrp="1"/>
+          </p:cNvSpPr>
+          <p:nvPr>
+            <p:ph type="title"/>
+          </p:nvPr>
+        </p:nvSpPr>
+        <p:spPr/>
+        <p:txBody>
+          <a:bodyPr>
+            <a:normAutofit/>
+          </a:bodyPr>
+          <a:lstStyle/>
+          <a:p>
+            <a:r>
+              <a:rPr lang="pt-BR" sz="3200" dirty="0" smtClean="0"/>
+              <a:t>Tabela de Elementos – Tela </a:t>
+            </a:r>
+            <a:r>
+              <a:rPr lang="pt-BR" sz="3200" dirty="0" err="1" smtClean="0"/>
+              <a:t>Login</a:t>
+            </a:r>
+            <a:r>
+              <a:rPr lang="pt-BR" sz="3200" dirty="0" smtClean="0"/>
+              <a:t> Professor</a:t>
+            </a:r>
+            <a:endParaRPr lang="pt-BR" sz="3200" dirty="0"/>
+          </a:p>
+        </p:txBody>
+      </p:sp>
+      <p:graphicFrame>
+        <p:nvGraphicFramePr>
+          <p:cNvPr id="4" name="Espaço Reservado para Conteúdo 3"/>
+          <p:cNvGraphicFramePr>
+            <a:graphicFrameLocks noGrp="1"/>
+          </p:cNvGraphicFramePr>
+          <p:nvPr>
+            <p:ph idx="1"/>
+            <p:extLst>
+              <p:ext uri="{D42A27DB-BD31-4B8C-83A1-F6EECF244321}">
+                <p14:modId xmlns:p14="http://schemas.microsoft.com/office/powerpoint/2010/main" val="3380286900"/>
+              </p:ext>
+            </p:extLst>
+          </p:nvPr>
+        </p:nvGraphicFramePr>
+        <p:xfrm>
+          <a:off x="838200" y="2250626"/>
+          <a:ext cx="8923985" cy="1977807"/>
+        </p:xfrm>
+        <a:graphic>
+          <a:graphicData uri="http://schemas.openxmlformats.org/drawingml/2006/table">
+            <a:tbl>
+              <a:tblPr firstRow="1" bandRow="1">
+                <a:tableStyleId>{93296810-A885-4BE3-A3E7-6D5BEEA58F35}</a:tableStyleId>
+              </a:tblPr>
+              <a:tblGrid>
+                <a:gridCol w="554127"/>
+                <a:gridCol w="1586198"/>
+                <a:gridCol w="1695590"/>
+                <a:gridCol w="2544035"/>
+                <a:gridCol w="2544035"/>
+              </a:tblGrid>
+              <a:tr h="445909">
+                <a:tc>
+                  <a:txBody>
+                    <a:bodyPr/>
+                    <a:lstStyle/>
+                    <a:p>
+                      <a:endParaRPr lang="pt-BR" dirty="0"/>
+                    </a:p>
+                  </a:txBody>
+                  <a:tcPr/>
+                </a:tc>
+                <a:tc>
+                  <a:txBody>
+                    <a:bodyPr/>
+                    <a:lstStyle/>
+                    <a:p>
+                      <a:r>
+                        <a:rPr lang="pt-BR" dirty="0" smtClean="0"/>
+                        <a:t>Nome Campo</a:t>
+                      </a:r>
+                      <a:endParaRPr lang="pt-BR" dirty="0"/>
+                    </a:p>
+                  </a:txBody>
+                  <a:tcPr/>
+                </a:tc>
+                <a:tc>
+                  <a:txBody>
+                    <a:bodyPr/>
+                    <a:lstStyle/>
+                    <a:p>
+                      <a:r>
+                        <a:rPr lang="pt-BR" dirty="0" smtClean="0"/>
+                        <a:t>Origem</a:t>
+                      </a:r>
+                      <a:endParaRPr lang="pt-BR" dirty="0"/>
+                    </a:p>
+                  </a:txBody>
+                  <a:tcPr/>
+                </a:tc>
+                <a:tc>
+                  <a:txBody>
+                    <a:bodyPr/>
+                    <a:lstStyle/>
+                    <a:p>
+                      <a:r>
+                        <a:rPr lang="pt-BR" dirty="0" smtClean="0"/>
+                        <a:t>Tipo</a:t>
+                      </a:r>
+                      <a:endParaRPr lang="pt-BR" dirty="0"/>
+                    </a:p>
+                  </a:txBody>
+                  <a:tcPr/>
+                </a:tc>
+                <a:tc>
+                  <a:txBody>
+                    <a:bodyPr/>
+                    <a:lstStyle/>
+                    <a:p>
+                      <a:r>
+                        <a:rPr lang="pt-BR" dirty="0" smtClean="0"/>
+                        <a:t>Função</a:t>
+                      </a:r>
+                      <a:endParaRPr lang="pt-BR" dirty="0"/>
+                    </a:p>
+                  </a:txBody>
+                  <a:tcPr/>
+                </a:tc>
+              </a:tr>
+              <a:tr h="445909">
+                <a:tc>
+                  <a:txBody>
+                    <a:bodyPr/>
+                    <a:lstStyle/>
+                    <a:p>
+                      <a:r>
+                        <a:rPr lang="pt-BR" dirty="0" smtClean="0"/>
+                        <a:t>0</a:t>
+                      </a:r>
+                      <a:endParaRPr lang="pt-BR" dirty="0"/>
+                    </a:p>
+                  </a:txBody>
+                  <a:tcPr/>
+                </a:tc>
+                <a:tc>
+                  <a:txBody>
+                    <a:bodyPr/>
+                    <a:lstStyle/>
+                    <a:p>
+                      <a:r>
+                        <a:rPr lang="pt-BR" dirty="0" err="1" smtClean="0"/>
+                        <a:t>Login</a:t>
+                      </a:r>
+                      <a:endParaRPr lang="pt-BR" dirty="0"/>
+                    </a:p>
+                  </a:txBody>
+                  <a:tcPr/>
+                </a:tc>
+                <a:tc>
+                  <a:txBody>
+                    <a:bodyPr/>
+                    <a:lstStyle/>
+                    <a:p>
+                      <a:r>
+                        <a:rPr lang="pt-BR" dirty="0" smtClean="0"/>
+                        <a:t>Digitado</a:t>
+                      </a:r>
+                      <a:endParaRPr lang="pt-BR" dirty="0"/>
+                    </a:p>
+                  </a:txBody>
+                  <a:tcPr/>
+                </a:tc>
+                <a:tc>
+                  <a:txBody>
+                    <a:bodyPr/>
+                    <a:lstStyle/>
+                    <a:p>
+                      <a:r>
+                        <a:rPr lang="pt-BR" dirty="0" err="1" smtClean="0"/>
+                        <a:t>string</a:t>
+                      </a:r>
+                      <a:endParaRPr lang="pt-BR" dirty="0"/>
+                    </a:p>
+                  </a:txBody>
+                  <a:tcPr/>
+                </a:tc>
+                <a:tc>
+                  <a:txBody>
+                    <a:bodyPr/>
+                    <a:lstStyle/>
+                    <a:p>
+                      <a:endParaRPr lang="pt-BR" dirty="0"/>
+                    </a:p>
+                  </a:txBody>
+                  <a:tcPr/>
+                </a:tc>
+              </a:tr>
+              <a:tr h="445909">
+                <a:tc>
+                  <a:txBody>
+                    <a:bodyPr/>
+                    <a:lstStyle/>
+                    <a:p>
+                      <a:r>
+                        <a:rPr lang="pt-BR" dirty="0" smtClean="0"/>
+                        <a:t>1</a:t>
+                      </a:r>
+                      <a:endParaRPr lang="pt-BR" dirty="0"/>
+                    </a:p>
+                  </a:txBody>
+                  <a:tcPr/>
+                </a:tc>
+                <a:tc>
+                  <a:txBody>
+                    <a:bodyPr/>
+                    <a:lstStyle/>
+                    <a:p>
+                      <a:r>
+                        <a:rPr lang="pt-BR" dirty="0" smtClean="0"/>
+                        <a:t>Senha</a:t>
+                      </a:r>
+                      <a:endParaRPr lang="pt-BR" dirty="0"/>
+                    </a:p>
+                  </a:txBody>
+                  <a:tcPr/>
+                </a:tc>
+                <a:tc>
+                  <a:txBody>
+                    <a:bodyPr/>
+                    <a:lstStyle/>
+                    <a:p>
+                      <a:r>
+                        <a:rPr lang="pt-BR" dirty="0" smtClean="0"/>
+                        <a:t>Digitado</a:t>
+                      </a:r>
+                      <a:endParaRPr lang="pt-BR" dirty="0"/>
+                    </a:p>
+                  </a:txBody>
+                  <a:tcPr/>
+                </a:tc>
+                <a:tc>
+                  <a:txBody>
+                    <a:bodyPr/>
+                    <a:lstStyle/>
+                    <a:p>
+                      <a:r>
+                        <a:rPr lang="pt-BR" dirty="0" err="1" smtClean="0"/>
+                        <a:t>string</a:t>
+                      </a:r>
+                      <a:endParaRPr lang="pt-BR" dirty="0"/>
+                    </a:p>
+                  </a:txBody>
+                  <a:tcPr/>
+                </a:tc>
+                <a:tc>
+                  <a:txBody>
+                    <a:bodyPr/>
+                    <a:lstStyle/>
+                    <a:p>
+                      <a:endParaRPr lang="pt-BR" dirty="0"/>
+                    </a:p>
+                  </a:txBody>
+                  <a:tcPr/>
+                </a:tc>
+              </a:tr>
+              <a:tr h="445909">
+                <a:tc>
+                  <a:txBody>
+                    <a:bodyPr/>
+                    <a:lstStyle/>
+                    <a:p>
+                      <a:r>
+                        <a:rPr lang="pt-BR" dirty="0" smtClean="0"/>
+                        <a:t>2</a:t>
+                      </a:r>
+                      <a:endParaRPr lang="pt-BR" dirty="0"/>
+                    </a:p>
+                  </a:txBody>
+                  <a:tcPr/>
+                </a:tc>
+                <a:tc>
+                  <a:txBody>
+                    <a:bodyPr/>
+                    <a:lstStyle/>
+                    <a:p>
+                      <a:r>
+                        <a:rPr lang="pt-BR" dirty="0" smtClean="0"/>
+                        <a:t>Entrar</a:t>
+                      </a:r>
+                      <a:endParaRPr lang="pt-BR" dirty="0"/>
+                    </a:p>
+                  </a:txBody>
+                  <a:tcPr/>
+                </a:tc>
+                <a:tc>
+                  <a:txBody>
+                    <a:bodyPr/>
+                    <a:lstStyle/>
+                    <a:p>
+                      <a:endParaRPr lang="pt-BR" dirty="0"/>
+                    </a:p>
+                  </a:txBody>
+                  <a:tcPr/>
+                </a:tc>
+                <a:tc>
+                  <a:txBody>
+                    <a:bodyPr/>
+                    <a:lstStyle/>
+                    <a:p>
+                      <a:r>
+                        <a:rPr lang="pt-BR" dirty="0" smtClean="0"/>
+                        <a:t>Botão</a:t>
+                      </a:r>
+                      <a:endParaRPr lang="pt-BR" dirty="0"/>
+                    </a:p>
+                  </a:txBody>
+                  <a:tcPr/>
+                </a:tc>
+                <a:tc>
+                  <a:txBody>
+                    <a:bodyPr/>
+                    <a:lstStyle/>
+                    <a:p>
+                      <a:r>
+                        <a:rPr lang="pt-BR" dirty="0" smtClean="0"/>
+                        <a:t>Valida/ Direciona para tela Home Professor</a:t>
+                      </a:r>
+                      <a:endParaRPr lang="pt-BR" dirty="0"/>
+                    </a:p>
+                  </a:txBody>
+                  <a:tcPr/>
+                </a:tc>
+              </a:tr>
+            </a:tbl>
+          </a:graphicData>
+        </a:graphic>
+      </p:graphicFrame>
+    </p:spTree>
+    <p:extLst>
+      <p:ext uri="{BB962C8B-B14F-4D97-AF65-F5344CB8AC3E}">
+        <p14:creationId xmlns:p14="http://schemas.microsoft.com/office/powerpoint/2010/main" val="857581726"/>
+      </p:ext>
+    </p:extLst>
+  </p:cSld>
+  <p:clrMapOvr>
+    <a:masterClrMapping/>
+  </p:clrMapOvr>
+</p:sld>
+</file>
+
+<file path=ppt/slides/slide40.xml><?xml version="1.0" encoding="utf-8"?>
 <p:sld xmlns:a="http://schemas.openxmlformats.org/drawingml/2006/main" xmlns:r="http://schemas.openxmlformats.org/officeDocument/2006/relationships" xmlns:p="http://schemas.openxmlformats.org/presentationml/2006/main">
   <p:cSld>
     <p:spTree>
@@ -29179,377 +31486,6 @@
     <p:extLst>
       <p:ext uri="{BB962C8B-B14F-4D97-AF65-F5344CB8AC3E}">
         <p14:creationId xmlns:p14="http://schemas.microsoft.com/office/powerpoint/2010/main" val="2883894150"/>
-      </p:ext>
-    </p:extLst>
-  </p:cSld>
-  <p:clrMapOvr>
-    <a:masterClrMapping/>
-  </p:clrMapOvr>
-</p:sld>
-</file>
-
-<file path=ppt/slides/slide4.xml><?xml version="1.0" encoding="utf-8"?>
-<p:sld xmlns:a="http://schemas.openxmlformats.org/drawingml/2006/main" xmlns:r="http://schemas.openxmlformats.org/officeDocument/2006/relationships" xmlns:p="http://schemas.openxmlformats.org/presentationml/2006/main">
-  <p:cSld>
-    <p:spTree>
-      <p:nvGrpSpPr>
-        <p:cNvPr id="1" name=""/>
-        <p:cNvGrpSpPr/>
-        <p:nvPr/>
-      </p:nvGrpSpPr>
-      <p:grpSpPr>
-        <a:xfrm>
-          <a:off x="0" y="0"/>
-          <a:ext cx="0" cy="0"/>
-          <a:chOff x="0" y="0"/>
-          <a:chExt cx="0" cy="0"/>
-        </a:xfrm>
-      </p:grpSpPr>
-      <p:sp>
-        <p:nvSpPr>
-          <p:cNvPr id="2" name="Título 1"/>
-          <p:cNvSpPr>
-            <a:spLocks noGrp="1"/>
-          </p:cNvSpPr>
-          <p:nvPr>
-            <p:ph type="title"/>
-          </p:nvPr>
-        </p:nvSpPr>
-        <p:spPr/>
-        <p:txBody>
-          <a:bodyPr>
-            <a:normAutofit/>
-          </a:bodyPr>
-          <a:lstStyle/>
-          <a:p>
-            <a:r>
-              <a:rPr lang="pt-BR" sz="3200" dirty="0" smtClean="0"/>
-              <a:t>Tabela de Elementos – Tela </a:t>
-            </a:r>
-            <a:r>
-              <a:rPr lang="pt-BR" sz="3200" dirty="0" err="1" smtClean="0"/>
-              <a:t>Login</a:t>
-            </a:r>
-            <a:r>
-              <a:rPr lang="pt-BR" sz="3200" dirty="0" smtClean="0"/>
-              <a:t> Professor</a:t>
-            </a:r>
-            <a:endParaRPr lang="pt-BR" sz="3200" dirty="0"/>
-          </a:p>
-        </p:txBody>
-      </p:sp>
-      <p:graphicFrame>
-        <p:nvGraphicFramePr>
-          <p:cNvPr id="4" name="Espaço Reservado para Conteúdo 3"/>
-          <p:cNvGraphicFramePr>
-            <a:graphicFrameLocks noGrp="1"/>
-          </p:cNvGraphicFramePr>
-          <p:nvPr>
-            <p:ph idx="1"/>
-            <p:extLst>
-              <p:ext uri="{D42A27DB-BD31-4B8C-83A1-F6EECF244321}">
-                <p14:modId xmlns:p14="http://schemas.microsoft.com/office/powerpoint/2010/main" val="3380286900"/>
-              </p:ext>
-            </p:extLst>
-          </p:nvPr>
-        </p:nvGraphicFramePr>
-        <p:xfrm>
-          <a:off x="838200" y="2250626"/>
-          <a:ext cx="8923985" cy="1977807"/>
-        </p:xfrm>
-        <a:graphic>
-          <a:graphicData uri="http://schemas.openxmlformats.org/drawingml/2006/table">
-            <a:tbl>
-              <a:tblPr firstRow="1" bandRow="1">
-                <a:tableStyleId>{93296810-A885-4BE3-A3E7-6D5BEEA58F35}</a:tableStyleId>
-              </a:tblPr>
-              <a:tblGrid>
-                <a:gridCol w="554127"/>
-                <a:gridCol w="1586198"/>
-                <a:gridCol w="1695590"/>
-                <a:gridCol w="2544035"/>
-                <a:gridCol w="2544035"/>
-              </a:tblGrid>
-              <a:tr h="445909">
-                <a:tc>
-                  <a:txBody>
-                    <a:bodyPr/>
-                    <a:lstStyle/>
-                    <a:p>
-                      <a:endParaRPr lang="pt-BR" dirty="0"/>
-                    </a:p>
-                  </a:txBody>
-                  <a:tcPr/>
-                </a:tc>
-                <a:tc>
-                  <a:txBody>
-                    <a:bodyPr/>
-                    <a:lstStyle/>
-                    <a:p>
-                      <a:r>
-                        <a:rPr lang="pt-BR" dirty="0" smtClean="0"/>
-                        <a:t>Nome Campo</a:t>
-                      </a:r>
-                      <a:endParaRPr lang="pt-BR" dirty="0"/>
-                    </a:p>
-                  </a:txBody>
-                  <a:tcPr/>
-                </a:tc>
-                <a:tc>
-                  <a:txBody>
-                    <a:bodyPr/>
-                    <a:lstStyle/>
-                    <a:p>
-                      <a:r>
-                        <a:rPr lang="pt-BR" dirty="0" smtClean="0"/>
-                        <a:t>Origem</a:t>
-                      </a:r>
-                      <a:endParaRPr lang="pt-BR" dirty="0"/>
-                    </a:p>
-                  </a:txBody>
-                  <a:tcPr/>
-                </a:tc>
-                <a:tc>
-                  <a:txBody>
-                    <a:bodyPr/>
-                    <a:lstStyle/>
-                    <a:p>
-                      <a:r>
-                        <a:rPr lang="pt-BR" dirty="0" smtClean="0"/>
-                        <a:t>Tipo</a:t>
-                      </a:r>
-                      <a:endParaRPr lang="pt-BR" dirty="0"/>
-                    </a:p>
-                  </a:txBody>
-                  <a:tcPr/>
-                </a:tc>
-                <a:tc>
-                  <a:txBody>
-                    <a:bodyPr/>
-                    <a:lstStyle/>
-                    <a:p>
-                      <a:r>
-                        <a:rPr lang="pt-BR" dirty="0" smtClean="0"/>
-                        <a:t>Função</a:t>
-                      </a:r>
-                      <a:endParaRPr lang="pt-BR" dirty="0"/>
-                    </a:p>
-                  </a:txBody>
-                  <a:tcPr/>
-                </a:tc>
-              </a:tr>
-              <a:tr h="445909">
-                <a:tc>
-                  <a:txBody>
-                    <a:bodyPr/>
-                    <a:lstStyle/>
-                    <a:p>
-                      <a:r>
-                        <a:rPr lang="pt-BR" dirty="0" smtClean="0"/>
-                        <a:t>0</a:t>
-                      </a:r>
-                      <a:endParaRPr lang="pt-BR" dirty="0"/>
-                    </a:p>
-                  </a:txBody>
-                  <a:tcPr/>
-                </a:tc>
-                <a:tc>
-                  <a:txBody>
-                    <a:bodyPr/>
-                    <a:lstStyle/>
-                    <a:p>
-                      <a:r>
-                        <a:rPr lang="pt-BR" dirty="0" err="1" smtClean="0"/>
-                        <a:t>Login</a:t>
-                      </a:r>
-                      <a:endParaRPr lang="pt-BR" dirty="0"/>
-                    </a:p>
-                  </a:txBody>
-                  <a:tcPr/>
-                </a:tc>
-                <a:tc>
-                  <a:txBody>
-                    <a:bodyPr/>
-                    <a:lstStyle/>
-                    <a:p>
-                      <a:r>
-                        <a:rPr lang="pt-BR" dirty="0" smtClean="0"/>
-                        <a:t>Digitado</a:t>
-                      </a:r>
-                      <a:endParaRPr lang="pt-BR" dirty="0"/>
-                    </a:p>
-                  </a:txBody>
-                  <a:tcPr/>
-                </a:tc>
-                <a:tc>
-                  <a:txBody>
-                    <a:bodyPr/>
-                    <a:lstStyle/>
-                    <a:p>
-                      <a:r>
-                        <a:rPr lang="pt-BR" dirty="0" err="1" smtClean="0"/>
-                        <a:t>string</a:t>
-                      </a:r>
-                      <a:endParaRPr lang="pt-BR" dirty="0"/>
-                    </a:p>
-                  </a:txBody>
-                  <a:tcPr/>
-                </a:tc>
-                <a:tc>
-                  <a:txBody>
-                    <a:bodyPr/>
-                    <a:lstStyle/>
-                    <a:p>
-                      <a:endParaRPr lang="pt-BR" dirty="0"/>
-                    </a:p>
-                  </a:txBody>
-                  <a:tcPr/>
-                </a:tc>
-              </a:tr>
-              <a:tr h="445909">
-                <a:tc>
-                  <a:txBody>
-                    <a:bodyPr/>
-                    <a:lstStyle/>
-                    <a:p>
-                      <a:r>
-                        <a:rPr lang="pt-BR" dirty="0" smtClean="0"/>
-                        <a:t>1</a:t>
-                      </a:r>
-                      <a:endParaRPr lang="pt-BR" dirty="0"/>
-                    </a:p>
-                  </a:txBody>
-                  <a:tcPr/>
-                </a:tc>
-                <a:tc>
-                  <a:txBody>
-                    <a:bodyPr/>
-                    <a:lstStyle/>
-                    <a:p>
-                      <a:r>
-                        <a:rPr lang="pt-BR" dirty="0" smtClean="0"/>
-                        <a:t>Senha</a:t>
-                      </a:r>
-                      <a:endParaRPr lang="pt-BR" dirty="0"/>
-                    </a:p>
-                  </a:txBody>
-                  <a:tcPr/>
-                </a:tc>
-                <a:tc>
-                  <a:txBody>
-                    <a:bodyPr/>
-                    <a:lstStyle/>
-                    <a:p>
-                      <a:r>
-                        <a:rPr lang="pt-BR" dirty="0" smtClean="0"/>
-                        <a:t>Digitado</a:t>
-                      </a:r>
-                      <a:endParaRPr lang="pt-BR" dirty="0"/>
-                    </a:p>
-                  </a:txBody>
-                  <a:tcPr/>
-                </a:tc>
-                <a:tc>
-                  <a:txBody>
-                    <a:bodyPr/>
-                    <a:lstStyle/>
-                    <a:p>
-                      <a:r>
-                        <a:rPr lang="pt-BR" dirty="0" err="1" smtClean="0"/>
-                        <a:t>string</a:t>
-                      </a:r>
-                      <a:endParaRPr lang="pt-BR" dirty="0"/>
-                    </a:p>
-                  </a:txBody>
-                  <a:tcPr/>
-                </a:tc>
-                <a:tc>
-                  <a:txBody>
-                    <a:bodyPr/>
-                    <a:lstStyle/>
-                    <a:p>
-                      <a:endParaRPr lang="pt-BR" dirty="0"/>
-                    </a:p>
-                  </a:txBody>
-                  <a:tcPr/>
-                </a:tc>
-              </a:tr>
-              <a:tr h="445909">
-                <a:tc>
-                  <a:txBody>
-                    <a:bodyPr/>
-                    <a:lstStyle/>
-                    <a:p>
-                      <a:r>
-                        <a:rPr lang="pt-BR" dirty="0" smtClean="0"/>
-                        <a:t>2</a:t>
-                      </a:r>
-                      <a:endParaRPr lang="pt-BR" dirty="0"/>
-                    </a:p>
-                  </a:txBody>
-                  <a:tcPr/>
-                </a:tc>
-                <a:tc>
-                  <a:txBody>
-                    <a:bodyPr/>
-                    <a:lstStyle/>
-                    <a:p>
-                      <a:r>
-                        <a:rPr lang="pt-BR" dirty="0" smtClean="0"/>
-                        <a:t>Entrar</a:t>
-                      </a:r>
-                      <a:endParaRPr lang="pt-BR" dirty="0"/>
-                    </a:p>
-                  </a:txBody>
-                  <a:tcPr/>
-                </a:tc>
-                <a:tc>
-                  <a:txBody>
-                    <a:bodyPr/>
-                    <a:lstStyle/>
-                    <a:p>
-                      <a:endParaRPr lang="pt-BR" dirty="0"/>
-                    </a:p>
-                  </a:txBody>
-                  <a:tcPr/>
-                </a:tc>
-                <a:tc>
-                  <a:txBody>
-                    <a:bodyPr/>
-                    <a:lstStyle/>
-                    <a:p>
-                      <a:r>
-                        <a:rPr lang="pt-BR" dirty="0" smtClean="0"/>
-                        <a:t>Botão</a:t>
-                      </a:r>
-                      <a:endParaRPr lang="pt-BR" dirty="0"/>
-                    </a:p>
-                  </a:txBody>
-                  <a:tcPr/>
-                </a:tc>
-                <a:tc>
-                  <a:txBody>
-                    <a:bodyPr/>
-                    <a:lstStyle/>
-                    <a:p>
-                      <a:r>
-                        <a:rPr lang="pt-BR" dirty="0" smtClean="0"/>
-                        <a:t>Valida/ Direciona para tela Home Professor</a:t>
-                      </a:r>
-                      <a:endParaRPr lang="pt-BR" dirty="0"/>
-                    </a:p>
-                  </a:txBody>
-                  <a:tcPr/>
-                </a:tc>
-              </a:tr>
-            </a:tbl>
-          </a:graphicData>
-        </a:graphic>
-      </p:graphicFrame>
-    </p:spTree>
-    <p:extLst>
-      <p:ext uri="{BB962C8B-B14F-4D97-AF65-F5344CB8AC3E}">
-        <p14:creationId xmlns:p14="http://schemas.microsoft.com/office/powerpoint/2010/main" val="857581726"/>
       </p:ext>
     </p:extLst>
   </p:cSld>

--- a/DocumentacaoProjeto/Protótipo_Visual.pptx
+++ b/DocumentacaoProjeto/Protótipo_Visual.pptx
@@ -34,17 +34,18 @@
     <p:sldId id="261" r:id="rId28"/>
     <p:sldId id="288" r:id="rId29"/>
     <p:sldId id="292" r:id="rId30"/>
-    <p:sldId id="294" r:id="rId31"/>
-    <p:sldId id="293" r:id="rId32"/>
-    <p:sldId id="295" r:id="rId33"/>
-    <p:sldId id="262" r:id="rId34"/>
-    <p:sldId id="289" r:id="rId35"/>
-    <p:sldId id="263" r:id="rId36"/>
-    <p:sldId id="269" r:id="rId37"/>
-    <p:sldId id="273" r:id="rId38"/>
-    <p:sldId id="290" r:id="rId39"/>
-    <p:sldId id="274" r:id="rId40"/>
-    <p:sldId id="291" r:id="rId41"/>
+    <p:sldId id="296" r:id="rId31"/>
+    <p:sldId id="294" r:id="rId32"/>
+    <p:sldId id="293" r:id="rId33"/>
+    <p:sldId id="295" r:id="rId34"/>
+    <p:sldId id="262" r:id="rId35"/>
+    <p:sldId id="289" r:id="rId36"/>
+    <p:sldId id="263" r:id="rId37"/>
+    <p:sldId id="269" r:id="rId38"/>
+    <p:sldId id="273" r:id="rId39"/>
+    <p:sldId id="290" r:id="rId40"/>
+    <p:sldId id="274" r:id="rId41"/>
+    <p:sldId id="291" r:id="rId42"/>
   </p:sldIdLst>
   <p:sldSz cx="12192000" cy="6858000"/>
   <p:notesSz cx="6858000" cy="9144000"/>
@@ -282,7 +283,7 @@
           <a:p>
             <a:fld id="{ED8D6B47-35E8-4B74-A8BC-163E56BA4F07}" type="datetimeFigureOut">
               <a:rPr lang="pt-BR" smtClean="0"/>
-              <a:t>05/04/2020</a:t>
+              <a:t>01/05/2020</a:t>
             </a:fld>
             <a:endParaRPr lang="pt-BR"/>
           </a:p>
@@ -452,7 +453,7 @@
           <a:p>
             <a:fld id="{ED8D6B47-35E8-4B74-A8BC-163E56BA4F07}" type="datetimeFigureOut">
               <a:rPr lang="pt-BR" smtClean="0"/>
-              <a:t>05/04/2020</a:t>
+              <a:t>01/05/2020</a:t>
             </a:fld>
             <a:endParaRPr lang="pt-BR"/>
           </a:p>
@@ -632,7 +633,7 @@
           <a:p>
             <a:fld id="{ED8D6B47-35E8-4B74-A8BC-163E56BA4F07}" type="datetimeFigureOut">
               <a:rPr lang="pt-BR" smtClean="0"/>
-              <a:t>05/04/2020</a:t>
+              <a:t>01/05/2020</a:t>
             </a:fld>
             <a:endParaRPr lang="pt-BR"/>
           </a:p>
@@ -802,7 +803,7 @@
           <a:p>
             <a:fld id="{ED8D6B47-35E8-4B74-A8BC-163E56BA4F07}" type="datetimeFigureOut">
               <a:rPr lang="pt-BR" smtClean="0"/>
-              <a:t>05/04/2020</a:t>
+              <a:t>01/05/2020</a:t>
             </a:fld>
             <a:endParaRPr lang="pt-BR"/>
           </a:p>
@@ -1048,7 +1049,7 @@
           <a:p>
             <a:fld id="{ED8D6B47-35E8-4B74-A8BC-163E56BA4F07}" type="datetimeFigureOut">
               <a:rPr lang="pt-BR" smtClean="0"/>
-              <a:t>05/04/2020</a:t>
+              <a:t>01/05/2020</a:t>
             </a:fld>
             <a:endParaRPr lang="pt-BR"/>
           </a:p>
@@ -1280,7 +1281,7 @@
           <a:p>
             <a:fld id="{ED8D6B47-35E8-4B74-A8BC-163E56BA4F07}" type="datetimeFigureOut">
               <a:rPr lang="pt-BR" smtClean="0"/>
-              <a:t>05/04/2020</a:t>
+              <a:t>01/05/2020</a:t>
             </a:fld>
             <a:endParaRPr lang="pt-BR"/>
           </a:p>
@@ -1647,7 +1648,7 @@
           <a:p>
             <a:fld id="{ED8D6B47-35E8-4B74-A8BC-163E56BA4F07}" type="datetimeFigureOut">
               <a:rPr lang="pt-BR" smtClean="0"/>
-              <a:t>05/04/2020</a:t>
+              <a:t>01/05/2020</a:t>
             </a:fld>
             <a:endParaRPr lang="pt-BR"/>
           </a:p>
@@ -1765,7 +1766,7 @@
           <a:p>
             <a:fld id="{ED8D6B47-35E8-4B74-A8BC-163E56BA4F07}" type="datetimeFigureOut">
               <a:rPr lang="pt-BR" smtClean="0"/>
-              <a:t>05/04/2020</a:t>
+              <a:t>01/05/2020</a:t>
             </a:fld>
             <a:endParaRPr lang="pt-BR"/>
           </a:p>
@@ -1860,7 +1861,7 @@
           <a:p>
             <a:fld id="{ED8D6B47-35E8-4B74-A8BC-163E56BA4F07}" type="datetimeFigureOut">
               <a:rPr lang="pt-BR" smtClean="0"/>
-              <a:t>05/04/2020</a:t>
+              <a:t>01/05/2020</a:t>
             </a:fld>
             <a:endParaRPr lang="pt-BR"/>
           </a:p>
@@ -2137,7 +2138,7 @@
           <a:p>
             <a:fld id="{ED8D6B47-35E8-4B74-A8BC-163E56BA4F07}" type="datetimeFigureOut">
               <a:rPr lang="pt-BR" smtClean="0"/>
-              <a:t>05/04/2020</a:t>
+              <a:t>01/05/2020</a:t>
             </a:fld>
             <a:endParaRPr lang="pt-BR"/>
           </a:p>
@@ -2390,7 +2391,7 @@
           <a:p>
             <a:fld id="{ED8D6B47-35E8-4B74-A8BC-163E56BA4F07}" type="datetimeFigureOut">
               <a:rPr lang="pt-BR" smtClean="0"/>
-              <a:t>05/04/2020</a:t>
+              <a:t>01/05/2020</a:t>
             </a:fld>
             <a:endParaRPr lang="pt-BR"/>
           </a:p>
@@ -2603,7 +2604,7 @@
           <a:p>
             <a:fld id="{ED8D6B47-35E8-4B74-A8BC-163E56BA4F07}" type="datetimeFigureOut">
               <a:rPr lang="pt-BR" smtClean="0"/>
-              <a:t>05/04/2020</a:t>
+              <a:t>01/05/2020</a:t>
             </a:fld>
             <a:endParaRPr lang="pt-BR"/>
           </a:p>
@@ -23203,6 +23204,870 @@
           <a:chExt cx="0" cy="0"/>
         </a:xfrm>
       </p:grpSpPr>
+      <p:grpSp>
+        <p:nvGrpSpPr>
+          <p:cNvPr id="9" name="Grupo 8"/>
+          <p:cNvGrpSpPr/>
+          <p:nvPr/>
+        </p:nvGrpSpPr>
+        <p:grpSpPr>
+          <a:xfrm>
+            <a:off x="1243392" y="1297965"/>
+            <a:ext cx="1133476" cy="1514757"/>
+            <a:chOff x="1814892" y="1431315"/>
+            <a:chExt cx="1133476" cy="1514757"/>
+          </a:xfrm>
+        </p:grpSpPr>
+        <p:sp>
+          <p:nvSpPr>
+            <p:cNvPr id="5" name="Retângulo 4"/>
+            <p:cNvSpPr/>
+            <p:nvPr/>
+          </p:nvSpPr>
+          <p:spPr>
+            <a:xfrm>
+              <a:off x="1814892" y="1431315"/>
+              <a:ext cx="1133476" cy="1514757"/>
+            </a:xfrm>
+            <a:prstGeom prst="rect">
+              <a:avLst/>
+            </a:prstGeom>
+            <a:solidFill>
+              <a:srgbClr val="8DBA62"/>
+            </a:solidFill>
+            <a:ln>
+              <a:solidFill>
+                <a:srgbClr val="8DBA62"/>
+              </a:solidFill>
+            </a:ln>
+          </p:spPr>
+          <p:style>
+            <a:lnRef idx="2">
+              <a:schemeClr val="accent1">
+                <a:shade val="50000"/>
+              </a:schemeClr>
+            </a:lnRef>
+            <a:fillRef idx="1">
+              <a:schemeClr val="accent1"/>
+            </a:fillRef>
+            <a:effectRef idx="0">
+              <a:schemeClr val="accent1"/>
+            </a:effectRef>
+            <a:fontRef idx="minor">
+              <a:schemeClr val="lt1"/>
+            </a:fontRef>
+          </p:style>
+          <p:txBody>
+            <a:bodyPr rtlCol="0" anchor="ctr"/>
+            <a:lstStyle/>
+            <a:p>
+              <a:pPr algn="ctr"/>
+              <a:endParaRPr lang="pt-BR"/>
+            </a:p>
+          </p:txBody>
+        </p:sp>
+        <p:sp>
+          <p:nvSpPr>
+            <p:cNvPr id="10" name="Retângulo 9"/>
+            <p:cNvSpPr/>
+            <p:nvPr/>
+          </p:nvSpPr>
+          <p:spPr>
+            <a:xfrm>
+              <a:off x="1835944" y="1450182"/>
+              <a:ext cx="1092994" cy="1478756"/>
+            </a:xfrm>
+            <a:prstGeom prst="rect">
+              <a:avLst/>
+            </a:prstGeom>
+            <a:solidFill>
+              <a:srgbClr val="FDEBC7"/>
+            </a:solidFill>
+            <a:ln>
+              <a:solidFill>
+                <a:srgbClr val="8DBA62"/>
+              </a:solidFill>
+            </a:ln>
+          </p:spPr>
+          <p:style>
+            <a:lnRef idx="2">
+              <a:schemeClr val="accent1">
+                <a:shade val="50000"/>
+              </a:schemeClr>
+            </a:lnRef>
+            <a:fillRef idx="1">
+              <a:schemeClr val="accent1"/>
+            </a:fillRef>
+            <a:effectRef idx="0">
+              <a:schemeClr val="accent1"/>
+            </a:effectRef>
+            <a:fontRef idx="minor">
+              <a:schemeClr val="lt1"/>
+            </a:fontRef>
+          </p:style>
+          <p:txBody>
+            <a:bodyPr rtlCol="0" anchor="ctr"/>
+            <a:lstStyle/>
+            <a:p>
+              <a:pPr algn="ctr"/>
+              <a:endParaRPr lang="pt-BR"/>
+            </a:p>
+          </p:txBody>
+        </p:sp>
+        <p:pic>
+          <p:nvPicPr>
+            <p:cNvPr id="1026" name="Picture 2" descr="Recycle trash icon. Ecology design. Vector graphic — Stock Vector ..."/>
+            <p:cNvPicPr>
+              <a:picLocks noChangeAspect="1" noChangeArrowheads="1"/>
+            </p:cNvPicPr>
+            <p:nvPr/>
+          </p:nvPicPr>
+          <p:blipFill>
+            <a:blip r:embed="rId2" cstate="print">
+              <a:extLst>
+                <a:ext uri="{28A0092B-C50C-407E-A947-70E740481C1C}">
+                  <a14:useLocalDpi xmlns:a14="http://schemas.microsoft.com/office/drawing/2010/main" val="0"/>
+                </a:ext>
+              </a:extLst>
+            </a:blip>
+            <a:srcRect/>
+            <a:stretch>
+              <a:fillRect/>
+            </a:stretch>
+          </p:blipFill>
+          <p:spPr bwMode="auto">
+            <a:xfrm>
+              <a:off x="1916801" y="1605140"/>
+              <a:ext cx="928897" cy="1167105"/>
+            </a:xfrm>
+            <a:prstGeom prst="rect">
+              <a:avLst/>
+            </a:prstGeom>
+            <a:noFill/>
+            <a:effectLst>
+              <a:glow rad="127000">
+                <a:schemeClr val="accent1">
+                  <a:alpha val="0"/>
+                </a:schemeClr>
+              </a:glow>
+            </a:effectLst>
+            <a:extLst>
+              <a:ext uri="{909E8E84-426E-40DD-AFC4-6F175D3DCCD1}">
+                <a14:hiddenFill xmlns:a14="http://schemas.microsoft.com/office/drawing/2010/main">
+                  <a:solidFill>
+                    <a:srgbClr val="FFFFFF"/>
+                  </a:solidFill>
+                </a14:hiddenFill>
+              </a:ext>
+            </a:extLst>
+          </p:spPr>
+        </p:pic>
+      </p:grpSp>
+      <p:grpSp>
+        <p:nvGrpSpPr>
+          <p:cNvPr id="11" name="Grupo 10"/>
+          <p:cNvGrpSpPr/>
+          <p:nvPr/>
+        </p:nvGrpSpPr>
+        <p:grpSpPr>
+          <a:xfrm>
+            <a:off x="2929317" y="1297965"/>
+            <a:ext cx="1133476" cy="1514757"/>
+            <a:chOff x="3386517" y="1393032"/>
+            <a:chExt cx="1133476" cy="1514757"/>
+          </a:xfrm>
+        </p:grpSpPr>
+        <p:grpSp>
+          <p:nvGrpSpPr>
+            <p:cNvPr id="13" name="Grupo 12"/>
+            <p:cNvGrpSpPr/>
+            <p:nvPr/>
+          </p:nvGrpSpPr>
+          <p:grpSpPr>
+            <a:xfrm>
+              <a:off x="3386517" y="1393032"/>
+              <a:ext cx="1133476" cy="1514757"/>
+              <a:chOff x="1814892" y="1431315"/>
+              <a:chExt cx="1133476" cy="1514757"/>
+            </a:xfrm>
+          </p:grpSpPr>
+          <p:sp>
+            <p:nvSpPr>
+              <p:cNvPr id="14" name="Retângulo 13"/>
+              <p:cNvSpPr/>
+              <p:nvPr/>
+            </p:nvSpPr>
+            <p:spPr>
+              <a:xfrm>
+                <a:off x="1814892" y="1431315"/>
+                <a:ext cx="1133476" cy="1514757"/>
+              </a:xfrm>
+              <a:prstGeom prst="rect">
+                <a:avLst/>
+              </a:prstGeom>
+              <a:solidFill>
+                <a:srgbClr val="8DBA62"/>
+              </a:solidFill>
+              <a:ln>
+                <a:solidFill>
+                  <a:srgbClr val="8DBA62"/>
+                </a:solidFill>
+              </a:ln>
+            </p:spPr>
+            <p:style>
+              <a:lnRef idx="2">
+                <a:schemeClr val="accent1">
+                  <a:shade val="50000"/>
+                </a:schemeClr>
+              </a:lnRef>
+              <a:fillRef idx="1">
+                <a:schemeClr val="accent1"/>
+              </a:fillRef>
+              <a:effectRef idx="0">
+                <a:schemeClr val="accent1"/>
+              </a:effectRef>
+              <a:fontRef idx="minor">
+                <a:schemeClr val="lt1"/>
+              </a:fontRef>
+            </p:style>
+            <p:txBody>
+              <a:bodyPr rtlCol="0" anchor="ctr"/>
+              <a:lstStyle/>
+              <a:p>
+                <a:pPr algn="ctr"/>
+                <a:endParaRPr lang="pt-BR"/>
+              </a:p>
+            </p:txBody>
+          </p:sp>
+          <p:sp>
+            <p:nvSpPr>
+              <p:cNvPr id="15" name="Retângulo 14"/>
+              <p:cNvSpPr/>
+              <p:nvPr/>
+            </p:nvSpPr>
+            <p:spPr>
+              <a:xfrm>
+                <a:off x="1835944" y="1450182"/>
+                <a:ext cx="1092994" cy="1478756"/>
+              </a:xfrm>
+              <a:prstGeom prst="rect">
+                <a:avLst/>
+              </a:prstGeom>
+              <a:solidFill>
+                <a:srgbClr val="FDEBC7"/>
+              </a:solidFill>
+              <a:ln>
+                <a:solidFill>
+                  <a:srgbClr val="8DBA62"/>
+                </a:solidFill>
+              </a:ln>
+            </p:spPr>
+            <p:style>
+              <a:lnRef idx="2">
+                <a:schemeClr val="accent1">
+                  <a:shade val="50000"/>
+                </a:schemeClr>
+              </a:lnRef>
+              <a:fillRef idx="1">
+                <a:schemeClr val="accent1"/>
+              </a:fillRef>
+              <a:effectRef idx="0">
+                <a:schemeClr val="accent1"/>
+              </a:effectRef>
+              <a:fontRef idx="minor">
+                <a:schemeClr val="lt1"/>
+              </a:fontRef>
+            </p:style>
+            <p:txBody>
+              <a:bodyPr rtlCol="0" anchor="ctr"/>
+              <a:lstStyle/>
+              <a:p>
+                <a:pPr algn="ctr"/>
+                <a:endParaRPr lang="pt-BR"/>
+              </a:p>
+            </p:txBody>
+          </p:sp>
+        </p:grpSp>
+        <p:pic>
+          <p:nvPicPr>
+            <p:cNvPr id="1030" name="Picture 6" descr="Handprint Recycle. Vector Illustration Royalty Free Cliparts ..."/>
+            <p:cNvPicPr>
+              <a:picLocks noChangeAspect="1" noChangeArrowheads="1"/>
+            </p:cNvPicPr>
+            <p:nvPr/>
+          </p:nvPicPr>
+          <p:blipFill>
+            <a:blip r:embed="rId3" cstate="print">
+              <a:extLst>
+                <a:ext uri="{28A0092B-C50C-407E-A947-70E740481C1C}">
+                  <a14:useLocalDpi xmlns:a14="http://schemas.microsoft.com/office/drawing/2010/main" val="0"/>
+                </a:ext>
+              </a:extLst>
+            </a:blip>
+            <a:srcRect/>
+            <a:stretch>
+              <a:fillRect/>
+            </a:stretch>
+          </p:blipFill>
+          <p:spPr bwMode="auto">
+            <a:xfrm>
+              <a:off x="3528060" y="1665649"/>
+              <a:ext cx="843767" cy="897625"/>
+            </a:xfrm>
+            <a:prstGeom prst="rect">
+              <a:avLst/>
+            </a:prstGeom>
+            <a:noFill/>
+            <a:extLst>
+              <a:ext uri="{909E8E84-426E-40DD-AFC4-6F175D3DCCD1}">
+                <a14:hiddenFill xmlns:a14="http://schemas.microsoft.com/office/drawing/2010/main">
+                  <a:solidFill>
+                    <a:srgbClr val="FFFFFF"/>
+                  </a:solidFill>
+                </a14:hiddenFill>
+              </a:ext>
+            </a:extLst>
+          </p:spPr>
+        </p:pic>
+      </p:grpSp>
+      <p:grpSp>
+        <p:nvGrpSpPr>
+          <p:cNvPr id="12" name="Grupo 11"/>
+          <p:cNvGrpSpPr/>
+          <p:nvPr/>
+        </p:nvGrpSpPr>
+        <p:grpSpPr>
+          <a:xfrm>
+            <a:off x="4592783" y="1297965"/>
+            <a:ext cx="1162476" cy="1514757"/>
+            <a:chOff x="4592783" y="1297965"/>
+            <a:chExt cx="1162476" cy="1514757"/>
+          </a:xfrm>
+        </p:grpSpPr>
+        <p:grpSp>
+          <p:nvGrpSpPr>
+            <p:cNvPr id="21" name="Grupo 20"/>
+            <p:cNvGrpSpPr/>
+            <p:nvPr/>
+          </p:nvGrpSpPr>
+          <p:grpSpPr>
+            <a:xfrm>
+              <a:off x="4592783" y="1297965"/>
+              <a:ext cx="1133476" cy="1514757"/>
+              <a:chOff x="1814892" y="1431315"/>
+              <a:chExt cx="1133476" cy="1514757"/>
+            </a:xfrm>
+          </p:grpSpPr>
+          <p:sp>
+            <p:nvSpPr>
+              <p:cNvPr id="23" name="Retângulo 22"/>
+              <p:cNvSpPr/>
+              <p:nvPr/>
+            </p:nvSpPr>
+            <p:spPr>
+              <a:xfrm>
+                <a:off x="1814892" y="1431315"/>
+                <a:ext cx="1133476" cy="1514757"/>
+              </a:xfrm>
+              <a:prstGeom prst="rect">
+                <a:avLst/>
+              </a:prstGeom>
+              <a:solidFill>
+                <a:srgbClr val="8DBA62"/>
+              </a:solidFill>
+              <a:ln>
+                <a:solidFill>
+                  <a:srgbClr val="8DBA62"/>
+                </a:solidFill>
+              </a:ln>
+            </p:spPr>
+            <p:style>
+              <a:lnRef idx="2">
+                <a:schemeClr val="accent1">
+                  <a:shade val="50000"/>
+                </a:schemeClr>
+              </a:lnRef>
+              <a:fillRef idx="1">
+                <a:schemeClr val="accent1"/>
+              </a:fillRef>
+              <a:effectRef idx="0">
+                <a:schemeClr val="accent1"/>
+              </a:effectRef>
+              <a:fontRef idx="minor">
+                <a:schemeClr val="lt1"/>
+              </a:fontRef>
+            </p:style>
+            <p:txBody>
+              <a:bodyPr rtlCol="0" anchor="ctr"/>
+              <a:lstStyle/>
+              <a:p>
+                <a:pPr algn="ctr"/>
+                <a:endParaRPr lang="pt-BR"/>
+              </a:p>
+            </p:txBody>
+          </p:sp>
+          <p:sp>
+            <p:nvSpPr>
+              <p:cNvPr id="24" name="Retângulo 23"/>
+              <p:cNvSpPr/>
+              <p:nvPr/>
+            </p:nvSpPr>
+            <p:spPr>
+              <a:xfrm>
+                <a:off x="1835944" y="1450182"/>
+                <a:ext cx="1092994" cy="1478756"/>
+              </a:xfrm>
+              <a:prstGeom prst="rect">
+                <a:avLst/>
+              </a:prstGeom>
+              <a:solidFill>
+                <a:srgbClr val="FDEBC7"/>
+              </a:solidFill>
+              <a:ln>
+                <a:solidFill>
+                  <a:srgbClr val="8DBA62"/>
+                </a:solidFill>
+              </a:ln>
+            </p:spPr>
+            <p:style>
+              <a:lnRef idx="2">
+                <a:schemeClr val="accent1">
+                  <a:shade val="50000"/>
+                </a:schemeClr>
+              </a:lnRef>
+              <a:fillRef idx="1">
+                <a:schemeClr val="accent1"/>
+              </a:fillRef>
+              <a:effectRef idx="0">
+                <a:schemeClr val="accent1"/>
+              </a:effectRef>
+              <a:fontRef idx="minor">
+                <a:schemeClr val="lt1"/>
+              </a:fontRef>
+            </p:style>
+            <p:txBody>
+              <a:bodyPr rtlCol="0" anchor="ctr"/>
+              <a:lstStyle/>
+              <a:p>
+                <a:pPr algn="ctr"/>
+                <a:endParaRPr lang="pt-BR"/>
+              </a:p>
+            </p:txBody>
+          </p:sp>
+        </p:grpSp>
+        <p:pic>
+          <p:nvPicPr>
+            <p:cNvPr id="1032" name="Picture 8" descr="Recycling and Green World-Illustration vector art illustration ..."/>
+            <p:cNvPicPr>
+              <a:picLocks noChangeAspect="1" noChangeArrowheads="1"/>
+            </p:cNvPicPr>
+            <p:nvPr/>
+          </p:nvPicPr>
+          <p:blipFill>
+            <a:blip r:embed="rId4" cstate="print">
+              <a:extLst>
+                <a:ext uri="{28A0092B-C50C-407E-A947-70E740481C1C}">
+                  <a14:useLocalDpi xmlns:a14="http://schemas.microsoft.com/office/drawing/2010/main" val="0"/>
+                </a:ext>
+              </a:extLst>
+            </a:blip>
+            <a:srcRect/>
+            <a:stretch>
+              <a:fillRect/>
+            </a:stretch>
+          </p:blipFill>
+          <p:spPr bwMode="auto">
+            <a:xfrm>
+              <a:off x="4613835" y="1463629"/>
+              <a:ext cx="1141424" cy="1111529"/>
+            </a:xfrm>
+            <a:prstGeom prst="rect">
+              <a:avLst/>
+            </a:prstGeom>
+            <a:noFill/>
+          </p:spPr>
+        </p:pic>
+      </p:grpSp>
+      <p:grpSp>
+        <p:nvGrpSpPr>
+          <p:cNvPr id="17" name="Grupo 16"/>
+          <p:cNvGrpSpPr/>
+          <p:nvPr/>
+        </p:nvGrpSpPr>
+        <p:grpSpPr>
+          <a:xfrm>
+            <a:off x="6128887" y="1316832"/>
+            <a:ext cx="1133476" cy="1514757"/>
+            <a:chOff x="2750687" y="3795665"/>
+            <a:chExt cx="1133476" cy="1514757"/>
+          </a:xfrm>
+        </p:grpSpPr>
+        <p:grpSp>
+          <p:nvGrpSpPr>
+            <p:cNvPr id="28" name="Grupo 27"/>
+            <p:cNvGrpSpPr/>
+            <p:nvPr/>
+          </p:nvGrpSpPr>
+          <p:grpSpPr>
+            <a:xfrm>
+              <a:off x="2750687" y="3795665"/>
+              <a:ext cx="1133476" cy="1514757"/>
+              <a:chOff x="1814892" y="1431315"/>
+              <a:chExt cx="1133476" cy="1514757"/>
+            </a:xfrm>
+          </p:grpSpPr>
+          <p:sp>
+            <p:nvSpPr>
+              <p:cNvPr id="30" name="Retângulo 29"/>
+              <p:cNvSpPr/>
+              <p:nvPr/>
+            </p:nvSpPr>
+            <p:spPr>
+              <a:xfrm>
+                <a:off x="1814892" y="1431315"/>
+                <a:ext cx="1133476" cy="1514757"/>
+              </a:xfrm>
+              <a:prstGeom prst="rect">
+                <a:avLst/>
+              </a:prstGeom>
+              <a:solidFill>
+                <a:srgbClr val="8DBA62"/>
+              </a:solidFill>
+              <a:ln>
+                <a:solidFill>
+                  <a:srgbClr val="8DBA62"/>
+                </a:solidFill>
+              </a:ln>
+            </p:spPr>
+            <p:style>
+              <a:lnRef idx="2">
+                <a:schemeClr val="accent1">
+                  <a:shade val="50000"/>
+                </a:schemeClr>
+              </a:lnRef>
+              <a:fillRef idx="1">
+                <a:schemeClr val="accent1"/>
+              </a:fillRef>
+              <a:effectRef idx="0">
+                <a:schemeClr val="accent1"/>
+              </a:effectRef>
+              <a:fontRef idx="minor">
+                <a:schemeClr val="lt1"/>
+              </a:fontRef>
+            </p:style>
+            <p:txBody>
+              <a:bodyPr rtlCol="0" anchor="ctr"/>
+              <a:lstStyle/>
+              <a:p>
+                <a:pPr algn="ctr"/>
+                <a:endParaRPr lang="pt-BR"/>
+              </a:p>
+            </p:txBody>
+          </p:sp>
+          <p:sp>
+            <p:nvSpPr>
+              <p:cNvPr id="31" name="Retângulo 30"/>
+              <p:cNvSpPr/>
+              <p:nvPr/>
+            </p:nvSpPr>
+            <p:spPr>
+              <a:xfrm>
+                <a:off x="1835944" y="1450182"/>
+                <a:ext cx="1092994" cy="1478756"/>
+              </a:xfrm>
+              <a:prstGeom prst="rect">
+                <a:avLst/>
+              </a:prstGeom>
+              <a:solidFill>
+                <a:srgbClr val="FDEBC7"/>
+              </a:solidFill>
+              <a:ln>
+                <a:solidFill>
+                  <a:srgbClr val="8DBA62"/>
+                </a:solidFill>
+              </a:ln>
+            </p:spPr>
+            <p:style>
+              <a:lnRef idx="2">
+                <a:schemeClr val="accent1">
+                  <a:shade val="50000"/>
+                </a:schemeClr>
+              </a:lnRef>
+              <a:fillRef idx="1">
+                <a:schemeClr val="accent1"/>
+              </a:fillRef>
+              <a:effectRef idx="0">
+                <a:schemeClr val="accent1"/>
+              </a:effectRef>
+              <a:fontRef idx="minor">
+                <a:schemeClr val="lt1"/>
+              </a:fontRef>
+            </p:style>
+            <p:txBody>
+              <a:bodyPr rtlCol="0" anchor="ctr"/>
+              <a:lstStyle/>
+              <a:p>
+                <a:pPr algn="ctr"/>
+                <a:endParaRPr lang="pt-BR"/>
+              </a:p>
+            </p:txBody>
+          </p:sp>
+        </p:grpSp>
+        <p:pic>
+          <p:nvPicPr>
+            <p:cNvPr id="1034" name="Picture 10" descr="EarthCare - City of Thunder Bay"/>
+            <p:cNvPicPr>
+              <a:picLocks noChangeAspect="1" noChangeArrowheads="1"/>
+            </p:cNvPicPr>
+            <p:nvPr/>
+          </p:nvPicPr>
+          <p:blipFill>
+            <a:blip r:embed="rId5" cstate="print">
+              <a:extLst>
+                <a:ext uri="{28A0092B-C50C-407E-A947-70E740481C1C}">
+                  <a14:useLocalDpi xmlns:a14="http://schemas.microsoft.com/office/drawing/2010/main" val="0"/>
+                </a:ext>
+              </a:extLst>
+            </a:blip>
+            <a:srcRect/>
+            <a:stretch>
+              <a:fillRect/>
+            </a:stretch>
+          </p:blipFill>
+          <p:spPr bwMode="auto">
+            <a:xfrm>
+              <a:off x="2981960" y="4086459"/>
+              <a:ext cx="660818" cy="930041"/>
+            </a:xfrm>
+            <a:prstGeom prst="rect">
+              <a:avLst/>
+            </a:prstGeom>
+            <a:noFill/>
+            <a:extLst>
+              <a:ext uri="{909E8E84-426E-40DD-AFC4-6F175D3DCCD1}">
+                <a14:hiddenFill xmlns:a14="http://schemas.microsoft.com/office/drawing/2010/main">
+                  <a:solidFill>
+                    <a:srgbClr val="FFFFFF"/>
+                  </a:solidFill>
+                </a14:hiddenFill>
+              </a:ext>
+            </a:extLst>
+          </p:spPr>
+        </p:pic>
+      </p:grpSp>
+      <p:grpSp>
+        <p:nvGrpSpPr>
+          <p:cNvPr id="18" name="Grupo 17"/>
+          <p:cNvGrpSpPr/>
+          <p:nvPr/>
+        </p:nvGrpSpPr>
+        <p:grpSpPr>
+          <a:xfrm>
+            <a:off x="7594266" y="1335699"/>
+            <a:ext cx="1133476" cy="1514757"/>
+            <a:chOff x="7678287" y="3642567"/>
+            <a:chExt cx="1133476" cy="1514757"/>
+          </a:xfrm>
+        </p:grpSpPr>
+        <p:grpSp>
+          <p:nvGrpSpPr>
+            <p:cNvPr id="36" name="Grupo 35"/>
+            <p:cNvGrpSpPr/>
+            <p:nvPr/>
+          </p:nvGrpSpPr>
+          <p:grpSpPr>
+            <a:xfrm>
+              <a:off x="7678287" y="3642567"/>
+              <a:ext cx="1133476" cy="1514757"/>
+              <a:chOff x="1814892" y="1431315"/>
+              <a:chExt cx="1133476" cy="1514757"/>
+            </a:xfrm>
+          </p:grpSpPr>
+          <p:sp>
+            <p:nvSpPr>
+              <p:cNvPr id="38" name="Retângulo 37"/>
+              <p:cNvSpPr/>
+              <p:nvPr/>
+            </p:nvSpPr>
+            <p:spPr>
+              <a:xfrm>
+                <a:off x="1814892" y="1431315"/>
+                <a:ext cx="1133476" cy="1514757"/>
+              </a:xfrm>
+              <a:prstGeom prst="rect">
+                <a:avLst/>
+              </a:prstGeom>
+              <a:solidFill>
+                <a:srgbClr val="8DBA62"/>
+              </a:solidFill>
+              <a:ln>
+                <a:solidFill>
+                  <a:srgbClr val="8DBA62"/>
+                </a:solidFill>
+              </a:ln>
+            </p:spPr>
+            <p:style>
+              <a:lnRef idx="2">
+                <a:schemeClr val="accent1">
+                  <a:shade val="50000"/>
+                </a:schemeClr>
+              </a:lnRef>
+              <a:fillRef idx="1">
+                <a:schemeClr val="accent1"/>
+              </a:fillRef>
+              <a:effectRef idx="0">
+                <a:schemeClr val="accent1"/>
+              </a:effectRef>
+              <a:fontRef idx="minor">
+                <a:schemeClr val="lt1"/>
+              </a:fontRef>
+            </p:style>
+            <p:txBody>
+              <a:bodyPr rtlCol="0" anchor="ctr"/>
+              <a:lstStyle/>
+              <a:p>
+                <a:pPr algn="ctr"/>
+                <a:endParaRPr lang="pt-BR"/>
+              </a:p>
+            </p:txBody>
+          </p:sp>
+          <p:sp>
+            <p:nvSpPr>
+              <p:cNvPr id="39" name="Retângulo 38"/>
+              <p:cNvSpPr/>
+              <p:nvPr/>
+            </p:nvSpPr>
+            <p:spPr>
+              <a:xfrm>
+                <a:off x="1835944" y="1450182"/>
+                <a:ext cx="1092994" cy="1478756"/>
+              </a:xfrm>
+              <a:prstGeom prst="rect">
+                <a:avLst/>
+              </a:prstGeom>
+              <a:solidFill>
+                <a:srgbClr val="FDEBC7"/>
+              </a:solidFill>
+              <a:ln>
+                <a:solidFill>
+                  <a:srgbClr val="8DBA62"/>
+                </a:solidFill>
+              </a:ln>
+            </p:spPr>
+            <p:style>
+              <a:lnRef idx="2">
+                <a:schemeClr val="accent1">
+                  <a:shade val="50000"/>
+                </a:schemeClr>
+              </a:lnRef>
+              <a:fillRef idx="1">
+                <a:schemeClr val="accent1"/>
+              </a:fillRef>
+              <a:effectRef idx="0">
+                <a:schemeClr val="accent1"/>
+              </a:effectRef>
+              <a:fontRef idx="minor">
+                <a:schemeClr val="lt1"/>
+              </a:fontRef>
+            </p:style>
+            <p:txBody>
+              <a:bodyPr rtlCol="0" anchor="ctr"/>
+              <a:lstStyle/>
+              <a:p>
+                <a:pPr algn="ctr"/>
+                <a:endParaRPr lang="pt-BR"/>
+              </a:p>
+            </p:txBody>
+          </p:sp>
+        </p:grpSp>
+        <p:pic>
+          <p:nvPicPr>
+            <p:cNvPr id="1038" name="Picture 14" descr="Safety Lessons from Earth Day—when NOT to recycle | Sustainable ..."/>
+            <p:cNvPicPr>
+              <a:picLocks noChangeAspect="1" noChangeArrowheads="1"/>
+            </p:cNvPicPr>
+            <p:nvPr/>
+          </p:nvPicPr>
+          <p:blipFill>
+            <a:blip r:embed="rId6" cstate="print">
+              <a:extLst>
+                <a:ext uri="{BEBA8EAE-BF5A-486C-A8C5-ECC9F3942E4B}">
+                  <a14:imgProps xmlns:a14="http://schemas.microsoft.com/office/drawing/2010/main">
+                    <a14:imgLayer r:embed="rId7">
+                      <a14:imgEffect>
+                        <a14:backgroundRemoval t="0" b="100000" l="0" r="100000">
+                          <a14:foregroundMark x1="16301" y1="11170" x2="17555" y2="10106"/>
+                          <a14:foregroundMark x1="80564" y1="12234" x2="80564" y2="11968"/>
+                          <a14:foregroundMark x1="78683" y1="12234" x2="79624" y2="12234"/>
+                          <a14:foregroundMark x1="77743" y1="78191" x2="77743" y2="78191"/>
+                          <a14:foregroundMark x1="12226" y1="74202" x2="12226" y2="74202"/>
+                          <a14:foregroundMark x1="9404" y1="77128" x2="9404" y2="77128"/>
+                        </a14:backgroundRemoval>
+                      </a14:imgEffect>
+                    </a14:imgLayer>
+                  </a14:imgProps>
+                </a:ext>
+                <a:ext uri="{28A0092B-C50C-407E-A947-70E740481C1C}">
+                  <a14:useLocalDpi xmlns:a14="http://schemas.microsoft.com/office/drawing/2010/main" val="0"/>
+                </a:ext>
+              </a:extLst>
+            </a:blip>
+            <a:srcRect/>
+            <a:stretch>
+              <a:fillRect/>
+            </a:stretch>
+          </p:blipFill>
+          <p:spPr bwMode="auto">
+            <a:xfrm>
+              <a:off x="7699339" y="3749470"/>
+              <a:ext cx="1103730" cy="1300949"/>
+            </a:xfrm>
+            <a:prstGeom prst="rect">
+              <a:avLst/>
+            </a:prstGeom>
+            <a:noFill/>
+            <a:extLst>
+              <a:ext uri="{909E8E84-426E-40DD-AFC4-6F175D3DCCD1}">
+                <a14:hiddenFill xmlns:a14="http://schemas.microsoft.com/office/drawing/2010/main">
+                  <a:solidFill>
+                    <a:srgbClr val="FFFFFF"/>
+                  </a:solidFill>
+                </a14:hiddenFill>
+              </a:ext>
+            </a:extLst>
+          </p:spPr>
+        </p:pic>
+      </p:grpSp>
+    </p:spTree>
+    <p:extLst>
+      <p:ext uri="{BB962C8B-B14F-4D97-AF65-F5344CB8AC3E}">
+        <p14:creationId xmlns:p14="http://schemas.microsoft.com/office/powerpoint/2010/main" val="1462357319"/>
+      </p:ext>
+    </p:extLst>
+  </p:cSld>
+  <p:clrMapOvr>
+    <a:masterClrMapping/>
+  </p:clrMapOvr>
+</p:sld>
+</file>
+
+<file path=ppt/slides/slide31.xml><?xml version="1.0" encoding="utf-8"?>
+<p:sld xmlns:a="http://schemas.openxmlformats.org/drawingml/2006/main" xmlns:r="http://schemas.openxmlformats.org/officeDocument/2006/relationships" xmlns:p="http://schemas.openxmlformats.org/presentationml/2006/main">
+  <p:cSld>
+    <p:spTree>
+      <p:nvGrpSpPr>
+        <p:cNvPr id="1" name=""/>
+        <p:cNvGrpSpPr/>
+        <p:nvPr/>
+      </p:nvGrpSpPr>
+      <p:grpSpPr>
+        <a:xfrm>
+          <a:off x="0" y="0"/>
+          <a:ext cx="0" cy="0"/>
+          <a:chOff x="0" y="0"/>
+          <a:chExt cx="0" cy="0"/>
+        </a:xfrm>
+      </p:grpSpPr>
       <p:sp>
         <p:nvSpPr>
           <p:cNvPr id="2" name="Título 1"/>
@@ -23230,11 +24095,7 @@
             </a:r>
             <a:r>
               <a:rPr lang="pt-BR" sz="3200" dirty="0" smtClean="0"/>
-              <a:t> Game </a:t>
-            </a:r>
-            <a:r>
-              <a:rPr lang="pt-BR" sz="3200" dirty="0" smtClean="0"/>
-              <a:t>(Jogo da Memória)</a:t>
+              <a:t> Game (Jogo da Memória)</a:t>
             </a:r>
             <a:endParaRPr lang="pt-BR" sz="3200" dirty="0"/>
           </a:p>
@@ -23671,7 +24532,7 @@
 </p:sld>
 </file>
 
-<file path=ppt/slides/slide31.xml><?xml version="1.0" encoding="utf-8"?>
+<file path=ppt/slides/slide32.xml><?xml version="1.0" encoding="utf-8"?>
 <p:sld xmlns:a="http://schemas.openxmlformats.org/drawingml/2006/main" xmlns:r="http://schemas.openxmlformats.org/officeDocument/2006/relationships" xmlns:p="http://schemas.openxmlformats.org/presentationml/2006/main">
   <p:cSld>
     <p:spTree>
@@ -24634,7 +25495,7 @@
 </p:sld>
 </file>
 
-<file path=ppt/slides/slide32.xml><?xml version="1.0" encoding="utf-8"?>
+<file path=ppt/slides/slide33.xml><?xml version="1.0" encoding="utf-8"?>
 <p:sld xmlns:a="http://schemas.openxmlformats.org/drawingml/2006/main" xmlns:r="http://schemas.openxmlformats.org/officeDocument/2006/relationships" xmlns:p="http://schemas.openxmlformats.org/presentationml/2006/main">
   <p:cSld>
     <p:spTree>
@@ -24678,11 +25539,7 @@
             </a:r>
             <a:r>
               <a:rPr lang="pt-BR" sz="3200" dirty="0" smtClean="0"/>
-              <a:t> Game </a:t>
-            </a:r>
-            <a:r>
-              <a:rPr lang="pt-BR" sz="3200" dirty="0" smtClean="0"/>
-              <a:t>(Acerte ao Alvo)</a:t>
+              <a:t> Game (Acerte ao Alvo)</a:t>
             </a:r>
             <a:endParaRPr lang="pt-BR" sz="3200" dirty="0"/>
           </a:p>
@@ -25119,7 +25976,7 @@
 </p:sld>
 </file>
 
-<file path=ppt/slides/slide33.xml><?xml version="1.0" encoding="utf-8"?>
+<file path=ppt/slides/slide34.xml><?xml version="1.0" encoding="utf-8"?>
 <p:sld xmlns:a="http://schemas.openxmlformats.org/drawingml/2006/main" xmlns:r="http://schemas.openxmlformats.org/officeDocument/2006/relationships" xmlns:p="http://schemas.openxmlformats.org/presentationml/2006/main">
   <p:cSld>
     <p:spTree>
@@ -26776,7 +27633,7 @@
 </p:sld>
 </file>
 
-<file path=ppt/slides/slide34.xml><?xml version="1.0" encoding="utf-8"?>
+<file path=ppt/slides/slide35.xml><?xml version="1.0" encoding="utf-8"?>
 <p:sld xmlns:a="http://schemas.openxmlformats.org/drawingml/2006/main" xmlns:r="http://schemas.openxmlformats.org/officeDocument/2006/relationships" xmlns:p="http://schemas.openxmlformats.org/presentationml/2006/main">
   <p:cSld>
     <p:spTree>
@@ -27177,7 +28034,7 @@
 </p:sld>
 </file>
 
-<file path=ppt/slides/slide35.xml><?xml version="1.0" encoding="utf-8"?>
+<file path=ppt/slides/slide36.xml><?xml version="1.0" encoding="utf-8"?>
 <p:sld xmlns:a="http://schemas.openxmlformats.org/drawingml/2006/main" xmlns:r="http://schemas.openxmlformats.org/officeDocument/2006/relationships" xmlns:p="http://schemas.openxmlformats.org/presentationml/2006/main">
   <p:cSld>
     <p:spTree>
@@ -28456,7 +29313,7 @@
 </p:sld>
 </file>
 
-<file path=ppt/slides/slide36.xml><?xml version="1.0" encoding="utf-8"?>
+<file path=ppt/slides/slide37.xml><?xml version="1.0" encoding="utf-8"?>
 <p:sld xmlns:a="http://schemas.openxmlformats.org/drawingml/2006/main" xmlns:r="http://schemas.openxmlformats.org/officeDocument/2006/relationships" xmlns:p="http://schemas.openxmlformats.org/presentationml/2006/main">
   <p:cSld>
     <p:spTree>
@@ -28782,7 +29639,7 @@
 </p:sld>
 </file>
 
-<file path=ppt/slides/slide37.xml><?xml version="1.0" encoding="utf-8"?>
+<file path=ppt/slides/slide38.xml><?xml version="1.0" encoding="utf-8"?>
 <p:sld xmlns:a="http://schemas.openxmlformats.org/drawingml/2006/main" xmlns:r="http://schemas.openxmlformats.org/officeDocument/2006/relationships" xmlns:p="http://schemas.openxmlformats.org/presentationml/2006/main">
   <p:cSld>
     <p:spTree>
@@ -29569,7 +30426,7 @@
 </p:sld>
 </file>
 
-<file path=ppt/slides/slide38.xml><?xml version="1.0" encoding="utf-8"?>
+<file path=ppt/slides/slide39.xml><?xml version="1.0" encoding="utf-8"?>
 <p:sld xmlns:a="http://schemas.openxmlformats.org/drawingml/2006/main" xmlns:r="http://schemas.openxmlformats.org/officeDocument/2006/relationships" xmlns:p="http://schemas.openxmlformats.org/presentationml/2006/main">
   <p:cSld>
     <p:spTree>
@@ -29800,7 +30657,378 @@
 </p:sld>
 </file>
 
-<file path=ppt/slides/slide39.xml><?xml version="1.0" encoding="utf-8"?>
+<file path=ppt/slides/slide4.xml><?xml version="1.0" encoding="utf-8"?>
+<p:sld xmlns:a="http://schemas.openxmlformats.org/drawingml/2006/main" xmlns:r="http://schemas.openxmlformats.org/officeDocument/2006/relationships" xmlns:p="http://schemas.openxmlformats.org/presentationml/2006/main">
+  <p:cSld>
+    <p:spTree>
+      <p:nvGrpSpPr>
+        <p:cNvPr id="1" name=""/>
+        <p:cNvGrpSpPr/>
+        <p:nvPr/>
+      </p:nvGrpSpPr>
+      <p:grpSpPr>
+        <a:xfrm>
+          <a:off x="0" y="0"/>
+          <a:ext cx="0" cy="0"/>
+          <a:chOff x="0" y="0"/>
+          <a:chExt cx="0" cy="0"/>
+        </a:xfrm>
+      </p:grpSpPr>
+      <p:sp>
+        <p:nvSpPr>
+          <p:cNvPr id="2" name="Título 1"/>
+          <p:cNvSpPr>
+            <a:spLocks noGrp="1"/>
+          </p:cNvSpPr>
+          <p:nvPr>
+            <p:ph type="title"/>
+          </p:nvPr>
+        </p:nvSpPr>
+        <p:spPr/>
+        <p:txBody>
+          <a:bodyPr>
+            <a:normAutofit/>
+          </a:bodyPr>
+          <a:lstStyle/>
+          <a:p>
+            <a:r>
+              <a:rPr lang="pt-BR" sz="3200" dirty="0" smtClean="0"/>
+              <a:t>Tabela de Elementos – Tela </a:t>
+            </a:r>
+            <a:r>
+              <a:rPr lang="pt-BR" sz="3200" dirty="0" err="1" smtClean="0"/>
+              <a:t>Login</a:t>
+            </a:r>
+            <a:r>
+              <a:rPr lang="pt-BR" sz="3200" dirty="0" smtClean="0"/>
+              <a:t> Professor</a:t>
+            </a:r>
+            <a:endParaRPr lang="pt-BR" sz="3200" dirty="0"/>
+          </a:p>
+        </p:txBody>
+      </p:sp>
+      <p:graphicFrame>
+        <p:nvGraphicFramePr>
+          <p:cNvPr id="4" name="Espaço Reservado para Conteúdo 3"/>
+          <p:cNvGraphicFramePr>
+            <a:graphicFrameLocks noGrp="1"/>
+          </p:cNvGraphicFramePr>
+          <p:nvPr>
+            <p:ph idx="1"/>
+            <p:extLst>
+              <p:ext uri="{D42A27DB-BD31-4B8C-83A1-F6EECF244321}">
+                <p14:modId xmlns:p14="http://schemas.microsoft.com/office/powerpoint/2010/main" val="3380286900"/>
+              </p:ext>
+            </p:extLst>
+          </p:nvPr>
+        </p:nvGraphicFramePr>
+        <p:xfrm>
+          <a:off x="838200" y="2250626"/>
+          <a:ext cx="8923985" cy="1977807"/>
+        </p:xfrm>
+        <a:graphic>
+          <a:graphicData uri="http://schemas.openxmlformats.org/drawingml/2006/table">
+            <a:tbl>
+              <a:tblPr firstRow="1" bandRow="1">
+                <a:tableStyleId>{93296810-A885-4BE3-A3E7-6D5BEEA58F35}</a:tableStyleId>
+              </a:tblPr>
+              <a:tblGrid>
+                <a:gridCol w="554127"/>
+                <a:gridCol w="1586198"/>
+                <a:gridCol w="1695590"/>
+                <a:gridCol w="2544035"/>
+                <a:gridCol w="2544035"/>
+              </a:tblGrid>
+              <a:tr h="445909">
+                <a:tc>
+                  <a:txBody>
+                    <a:bodyPr/>
+                    <a:lstStyle/>
+                    <a:p>
+                      <a:endParaRPr lang="pt-BR" dirty="0"/>
+                    </a:p>
+                  </a:txBody>
+                  <a:tcPr/>
+                </a:tc>
+                <a:tc>
+                  <a:txBody>
+                    <a:bodyPr/>
+                    <a:lstStyle/>
+                    <a:p>
+                      <a:r>
+                        <a:rPr lang="pt-BR" dirty="0" smtClean="0"/>
+                        <a:t>Nome Campo</a:t>
+                      </a:r>
+                      <a:endParaRPr lang="pt-BR" dirty="0"/>
+                    </a:p>
+                  </a:txBody>
+                  <a:tcPr/>
+                </a:tc>
+                <a:tc>
+                  <a:txBody>
+                    <a:bodyPr/>
+                    <a:lstStyle/>
+                    <a:p>
+                      <a:r>
+                        <a:rPr lang="pt-BR" dirty="0" smtClean="0"/>
+                        <a:t>Origem</a:t>
+                      </a:r>
+                      <a:endParaRPr lang="pt-BR" dirty="0"/>
+                    </a:p>
+                  </a:txBody>
+                  <a:tcPr/>
+                </a:tc>
+                <a:tc>
+                  <a:txBody>
+                    <a:bodyPr/>
+                    <a:lstStyle/>
+                    <a:p>
+                      <a:r>
+                        <a:rPr lang="pt-BR" dirty="0" smtClean="0"/>
+                        <a:t>Tipo</a:t>
+                      </a:r>
+                      <a:endParaRPr lang="pt-BR" dirty="0"/>
+                    </a:p>
+                  </a:txBody>
+                  <a:tcPr/>
+                </a:tc>
+                <a:tc>
+                  <a:txBody>
+                    <a:bodyPr/>
+                    <a:lstStyle/>
+                    <a:p>
+                      <a:r>
+                        <a:rPr lang="pt-BR" dirty="0" smtClean="0"/>
+                        <a:t>Função</a:t>
+                      </a:r>
+                      <a:endParaRPr lang="pt-BR" dirty="0"/>
+                    </a:p>
+                  </a:txBody>
+                  <a:tcPr/>
+                </a:tc>
+              </a:tr>
+              <a:tr h="445909">
+                <a:tc>
+                  <a:txBody>
+                    <a:bodyPr/>
+                    <a:lstStyle/>
+                    <a:p>
+                      <a:r>
+                        <a:rPr lang="pt-BR" dirty="0" smtClean="0"/>
+                        <a:t>0</a:t>
+                      </a:r>
+                      <a:endParaRPr lang="pt-BR" dirty="0"/>
+                    </a:p>
+                  </a:txBody>
+                  <a:tcPr/>
+                </a:tc>
+                <a:tc>
+                  <a:txBody>
+                    <a:bodyPr/>
+                    <a:lstStyle/>
+                    <a:p>
+                      <a:r>
+                        <a:rPr lang="pt-BR" dirty="0" err="1" smtClean="0"/>
+                        <a:t>Login</a:t>
+                      </a:r>
+                      <a:endParaRPr lang="pt-BR" dirty="0"/>
+                    </a:p>
+                  </a:txBody>
+                  <a:tcPr/>
+                </a:tc>
+                <a:tc>
+                  <a:txBody>
+                    <a:bodyPr/>
+                    <a:lstStyle/>
+                    <a:p>
+                      <a:r>
+                        <a:rPr lang="pt-BR" dirty="0" smtClean="0"/>
+                        <a:t>Digitado</a:t>
+                      </a:r>
+                      <a:endParaRPr lang="pt-BR" dirty="0"/>
+                    </a:p>
+                  </a:txBody>
+                  <a:tcPr/>
+                </a:tc>
+                <a:tc>
+                  <a:txBody>
+                    <a:bodyPr/>
+                    <a:lstStyle/>
+                    <a:p>
+                      <a:r>
+                        <a:rPr lang="pt-BR" dirty="0" err="1" smtClean="0"/>
+                        <a:t>string</a:t>
+                      </a:r>
+                      <a:endParaRPr lang="pt-BR" dirty="0"/>
+                    </a:p>
+                  </a:txBody>
+                  <a:tcPr/>
+                </a:tc>
+                <a:tc>
+                  <a:txBody>
+                    <a:bodyPr/>
+                    <a:lstStyle/>
+                    <a:p>
+                      <a:endParaRPr lang="pt-BR" dirty="0"/>
+                    </a:p>
+                  </a:txBody>
+                  <a:tcPr/>
+                </a:tc>
+              </a:tr>
+              <a:tr h="445909">
+                <a:tc>
+                  <a:txBody>
+                    <a:bodyPr/>
+                    <a:lstStyle/>
+                    <a:p>
+                      <a:r>
+                        <a:rPr lang="pt-BR" dirty="0" smtClean="0"/>
+                        <a:t>1</a:t>
+                      </a:r>
+                      <a:endParaRPr lang="pt-BR" dirty="0"/>
+                    </a:p>
+                  </a:txBody>
+                  <a:tcPr/>
+                </a:tc>
+                <a:tc>
+                  <a:txBody>
+                    <a:bodyPr/>
+                    <a:lstStyle/>
+                    <a:p>
+                      <a:r>
+                        <a:rPr lang="pt-BR" dirty="0" smtClean="0"/>
+                        <a:t>Senha</a:t>
+                      </a:r>
+                      <a:endParaRPr lang="pt-BR" dirty="0"/>
+                    </a:p>
+                  </a:txBody>
+                  <a:tcPr/>
+                </a:tc>
+                <a:tc>
+                  <a:txBody>
+                    <a:bodyPr/>
+                    <a:lstStyle/>
+                    <a:p>
+                      <a:r>
+                        <a:rPr lang="pt-BR" dirty="0" smtClean="0"/>
+                        <a:t>Digitado</a:t>
+                      </a:r>
+                      <a:endParaRPr lang="pt-BR" dirty="0"/>
+                    </a:p>
+                  </a:txBody>
+                  <a:tcPr/>
+                </a:tc>
+                <a:tc>
+                  <a:txBody>
+                    <a:bodyPr/>
+                    <a:lstStyle/>
+                    <a:p>
+                      <a:r>
+                        <a:rPr lang="pt-BR" dirty="0" err="1" smtClean="0"/>
+                        <a:t>string</a:t>
+                      </a:r>
+                      <a:endParaRPr lang="pt-BR" dirty="0"/>
+                    </a:p>
+                  </a:txBody>
+                  <a:tcPr/>
+                </a:tc>
+                <a:tc>
+                  <a:txBody>
+                    <a:bodyPr/>
+                    <a:lstStyle/>
+                    <a:p>
+                      <a:endParaRPr lang="pt-BR" dirty="0"/>
+                    </a:p>
+                  </a:txBody>
+                  <a:tcPr/>
+                </a:tc>
+              </a:tr>
+              <a:tr h="445909">
+                <a:tc>
+                  <a:txBody>
+                    <a:bodyPr/>
+                    <a:lstStyle/>
+                    <a:p>
+                      <a:r>
+                        <a:rPr lang="pt-BR" dirty="0" smtClean="0"/>
+                        <a:t>2</a:t>
+                      </a:r>
+                      <a:endParaRPr lang="pt-BR" dirty="0"/>
+                    </a:p>
+                  </a:txBody>
+                  <a:tcPr/>
+                </a:tc>
+                <a:tc>
+                  <a:txBody>
+                    <a:bodyPr/>
+                    <a:lstStyle/>
+                    <a:p>
+                      <a:r>
+                        <a:rPr lang="pt-BR" dirty="0" smtClean="0"/>
+                        <a:t>Entrar</a:t>
+                      </a:r>
+                      <a:endParaRPr lang="pt-BR" dirty="0"/>
+                    </a:p>
+                  </a:txBody>
+                  <a:tcPr/>
+                </a:tc>
+                <a:tc>
+                  <a:txBody>
+                    <a:bodyPr/>
+                    <a:lstStyle/>
+                    <a:p>
+                      <a:endParaRPr lang="pt-BR" dirty="0"/>
+                    </a:p>
+                  </a:txBody>
+                  <a:tcPr/>
+                </a:tc>
+                <a:tc>
+                  <a:txBody>
+                    <a:bodyPr/>
+                    <a:lstStyle/>
+                    <a:p>
+                      <a:r>
+                        <a:rPr lang="pt-BR" dirty="0" smtClean="0"/>
+                        <a:t>Botão</a:t>
+                      </a:r>
+                      <a:endParaRPr lang="pt-BR" dirty="0"/>
+                    </a:p>
+                  </a:txBody>
+                  <a:tcPr/>
+                </a:tc>
+                <a:tc>
+                  <a:txBody>
+                    <a:bodyPr/>
+                    <a:lstStyle/>
+                    <a:p>
+                      <a:r>
+                        <a:rPr lang="pt-BR" dirty="0" smtClean="0"/>
+                        <a:t>Valida/ Direciona para tela Home Professor</a:t>
+                      </a:r>
+                      <a:endParaRPr lang="pt-BR" dirty="0"/>
+                    </a:p>
+                  </a:txBody>
+                  <a:tcPr/>
+                </a:tc>
+              </a:tr>
+            </a:tbl>
+          </a:graphicData>
+        </a:graphic>
+      </p:graphicFrame>
+    </p:spTree>
+    <p:extLst>
+      <p:ext uri="{BB962C8B-B14F-4D97-AF65-F5344CB8AC3E}">
+        <p14:creationId xmlns:p14="http://schemas.microsoft.com/office/powerpoint/2010/main" val="857581726"/>
+      </p:ext>
+    </p:extLst>
+  </p:cSld>
+  <p:clrMapOvr>
+    <a:masterClrMapping/>
+  </p:clrMapOvr>
+</p:sld>
+</file>
+
+<file path=ppt/slides/slide40.xml><?xml version="1.0" encoding="utf-8"?>
 <p:sld xmlns:a="http://schemas.openxmlformats.org/drawingml/2006/main" xmlns:r="http://schemas.openxmlformats.org/officeDocument/2006/relationships" xmlns:p="http://schemas.openxmlformats.org/presentationml/2006/main">
   <p:cSld>
     <p:spTree>
@@ -30821,378 +32049,7 @@
 </p:sld>
 </file>
 
-<file path=ppt/slides/slide4.xml><?xml version="1.0" encoding="utf-8"?>
-<p:sld xmlns:a="http://schemas.openxmlformats.org/drawingml/2006/main" xmlns:r="http://schemas.openxmlformats.org/officeDocument/2006/relationships" xmlns:p="http://schemas.openxmlformats.org/presentationml/2006/main">
-  <p:cSld>
-    <p:spTree>
-      <p:nvGrpSpPr>
-        <p:cNvPr id="1" name=""/>
-        <p:cNvGrpSpPr/>
-        <p:nvPr/>
-      </p:nvGrpSpPr>
-      <p:grpSpPr>
-        <a:xfrm>
-          <a:off x="0" y="0"/>
-          <a:ext cx="0" cy="0"/>
-          <a:chOff x="0" y="0"/>
-          <a:chExt cx="0" cy="0"/>
-        </a:xfrm>
-      </p:grpSpPr>
-      <p:sp>
-        <p:nvSpPr>
-          <p:cNvPr id="2" name="Título 1"/>
-          <p:cNvSpPr>
-            <a:spLocks noGrp="1"/>
-          </p:cNvSpPr>
-          <p:nvPr>
-            <p:ph type="title"/>
-          </p:nvPr>
-        </p:nvSpPr>
-        <p:spPr/>
-        <p:txBody>
-          <a:bodyPr>
-            <a:normAutofit/>
-          </a:bodyPr>
-          <a:lstStyle/>
-          <a:p>
-            <a:r>
-              <a:rPr lang="pt-BR" sz="3200" dirty="0" smtClean="0"/>
-              <a:t>Tabela de Elementos – Tela </a:t>
-            </a:r>
-            <a:r>
-              <a:rPr lang="pt-BR" sz="3200" dirty="0" err="1" smtClean="0"/>
-              <a:t>Login</a:t>
-            </a:r>
-            <a:r>
-              <a:rPr lang="pt-BR" sz="3200" dirty="0" smtClean="0"/>
-              <a:t> Professor</a:t>
-            </a:r>
-            <a:endParaRPr lang="pt-BR" sz="3200" dirty="0"/>
-          </a:p>
-        </p:txBody>
-      </p:sp>
-      <p:graphicFrame>
-        <p:nvGraphicFramePr>
-          <p:cNvPr id="4" name="Espaço Reservado para Conteúdo 3"/>
-          <p:cNvGraphicFramePr>
-            <a:graphicFrameLocks noGrp="1"/>
-          </p:cNvGraphicFramePr>
-          <p:nvPr>
-            <p:ph idx="1"/>
-            <p:extLst>
-              <p:ext uri="{D42A27DB-BD31-4B8C-83A1-F6EECF244321}">
-                <p14:modId xmlns:p14="http://schemas.microsoft.com/office/powerpoint/2010/main" val="3380286900"/>
-              </p:ext>
-            </p:extLst>
-          </p:nvPr>
-        </p:nvGraphicFramePr>
-        <p:xfrm>
-          <a:off x="838200" y="2250626"/>
-          <a:ext cx="8923985" cy="1977807"/>
-        </p:xfrm>
-        <a:graphic>
-          <a:graphicData uri="http://schemas.openxmlformats.org/drawingml/2006/table">
-            <a:tbl>
-              <a:tblPr firstRow="1" bandRow="1">
-                <a:tableStyleId>{93296810-A885-4BE3-A3E7-6D5BEEA58F35}</a:tableStyleId>
-              </a:tblPr>
-              <a:tblGrid>
-                <a:gridCol w="554127"/>
-                <a:gridCol w="1586198"/>
-                <a:gridCol w="1695590"/>
-                <a:gridCol w="2544035"/>
-                <a:gridCol w="2544035"/>
-              </a:tblGrid>
-              <a:tr h="445909">
-                <a:tc>
-                  <a:txBody>
-                    <a:bodyPr/>
-                    <a:lstStyle/>
-                    <a:p>
-                      <a:endParaRPr lang="pt-BR" dirty="0"/>
-                    </a:p>
-                  </a:txBody>
-                  <a:tcPr/>
-                </a:tc>
-                <a:tc>
-                  <a:txBody>
-                    <a:bodyPr/>
-                    <a:lstStyle/>
-                    <a:p>
-                      <a:r>
-                        <a:rPr lang="pt-BR" dirty="0" smtClean="0"/>
-                        <a:t>Nome Campo</a:t>
-                      </a:r>
-                      <a:endParaRPr lang="pt-BR" dirty="0"/>
-                    </a:p>
-                  </a:txBody>
-                  <a:tcPr/>
-                </a:tc>
-                <a:tc>
-                  <a:txBody>
-                    <a:bodyPr/>
-                    <a:lstStyle/>
-                    <a:p>
-                      <a:r>
-                        <a:rPr lang="pt-BR" dirty="0" smtClean="0"/>
-                        <a:t>Origem</a:t>
-                      </a:r>
-                      <a:endParaRPr lang="pt-BR" dirty="0"/>
-                    </a:p>
-                  </a:txBody>
-                  <a:tcPr/>
-                </a:tc>
-                <a:tc>
-                  <a:txBody>
-                    <a:bodyPr/>
-                    <a:lstStyle/>
-                    <a:p>
-                      <a:r>
-                        <a:rPr lang="pt-BR" dirty="0" smtClean="0"/>
-                        <a:t>Tipo</a:t>
-                      </a:r>
-                      <a:endParaRPr lang="pt-BR" dirty="0"/>
-                    </a:p>
-                  </a:txBody>
-                  <a:tcPr/>
-                </a:tc>
-                <a:tc>
-                  <a:txBody>
-                    <a:bodyPr/>
-                    <a:lstStyle/>
-                    <a:p>
-                      <a:r>
-                        <a:rPr lang="pt-BR" dirty="0" smtClean="0"/>
-                        <a:t>Função</a:t>
-                      </a:r>
-                      <a:endParaRPr lang="pt-BR" dirty="0"/>
-                    </a:p>
-                  </a:txBody>
-                  <a:tcPr/>
-                </a:tc>
-              </a:tr>
-              <a:tr h="445909">
-                <a:tc>
-                  <a:txBody>
-                    <a:bodyPr/>
-                    <a:lstStyle/>
-                    <a:p>
-                      <a:r>
-                        <a:rPr lang="pt-BR" dirty="0" smtClean="0"/>
-                        <a:t>0</a:t>
-                      </a:r>
-                      <a:endParaRPr lang="pt-BR" dirty="0"/>
-                    </a:p>
-                  </a:txBody>
-                  <a:tcPr/>
-                </a:tc>
-                <a:tc>
-                  <a:txBody>
-                    <a:bodyPr/>
-                    <a:lstStyle/>
-                    <a:p>
-                      <a:r>
-                        <a:rPr lang="pt-BR" dirty="0" err="1" smtClean="0"/>
-                        <a:t>Login</a:t>
-                      </a:r>
-                      <a:endParaRPr lang="pt-BR" dirty="0"/>
-                    </a:p>
-                  </a:txBody>
-                  <a:tcPr/>
-                </a:tc>
-                <a:tc>
-                  <a:txBody>
-                    <a:bodyPr/>
-                    <a:lstStyle/>
-                    <a:p>
-                      <a:r>
-                        <a:rPr lang="pt-BR" dirty="0" smtClean="0"/>
-                        <a:t>Digitado</a:t>
-                      </a:r>
-                      <a:endParaRPr lang="pt-BR" dirty="0"/>
-                    </a:p>
-                  </a:txBody>
-                  <a:tcPr/>
-                </a:tc>
-                <a:tc>
-                  <a:txBody>
-                    <a:bodyPr/>
-                    <a:lstStyle/>
-                    <a:p>
-                      <a:r>
-                        <a:rPr lang="pt-BR" dirty="0" err="1" smtClean="0"/>
-                        <a:t>string</a:t>
-                      </a:r>
-                      <a:endParaRPr lang="pt-BR" dirty="0"/>
-                    </a:p>
-                  </a:txBody>
-                  <a:tcPr/>
-                </a:tc>
-                <a:tc>
-                  <a:txBody>
-                    <a:bodyPr/>
-                    <a:lstStyle/>
-                    <a:p>
-                      <a:endParaRPr lang="pt-BR" dirty="0"/>
-                    </a:p>
-                  </a:txBody>
-                  <a:tcPr/>
-                </a:tc>
-              </a:tr>
-              <a:tr h="445909">
-                <a:tc>
-                  <a:txBody>
-                    <a:bodyPr/>
-                    <a:lstStyle/>
-                    <a:p>
-                      <a:r>
-                        <a:rPr lang="pt-BR" dirty="0" smtClean="0"/>
-                        <a:t>1</a:t>
-                      </a:r>
-                      <a:endParaRPr lang="pt-BR" dirty="0"/>
-                    </a:p>
-                  </a:txBody>
-                  <a:tcPr/>
-                </a:tc>
-                <a:tc>
-                  <a:txBody>
-                    <a:bodyPr/>
-                    <a:lstStyle/>
-                    <a:p>
-                      <a:r>
-                        <a:rPr lang="pt-BR" dirty="0" smtClean="0"/>
-                        <a:t>Senha</a:t>
-                      </a:r>
-                      <a:endParaRPr lang="pt-BR" dirty="0"/>
-                    </a:p>
-                  </a:txBody>
-                  <a:tcPr/>
-                </a:tc>
-                <a:tc>
-                  <a:txBody>
-                    <a:bodyPr/>
-                    <a:lstStyle/>
-                    <a:p>
-                      <a:r>
-                        <a:rPr lang="pt-BR" dirty="0" smtClean="0"/>
-                        <a:t>Digitado</a:t>
-                      </a:r>
-                      <a:endParaRPr lang="pt-BR" dirty="0"/>
-                    </a:p>
-                  </a:txBody>
-                  <a:tcPr/>
-                </a:tc>
-                <a:tc>
-                  <a:txBody>
-                    <a:bodyPr/>
-                    <a:lstStyle/>
-                    <a:p>
-                      <a:r>
-                        <a:rPr lang="pt-BR" dirty="0" err="1" smtClean="0"/>
-                        <a:t>string</a:t>
-                      </a:r>
-                      <a:endParaRPr lang="pt-BR" dirty="0"/>
-                    </a:p>
-                  </a:txBody>
-                  <a:tcPr/>
-                </a:tc>
-                <a:tc>
-                  <a:txBody>
-                    <a:bodyPr/>
-                    <a:lstStyle/>
-                    <a:p>
-                      <a:endParaRPr lang="pt-BR" dirty="0"/>
-                    </a:p>
-                  </a:txBody>
-                  <a:tcPr/>
-                </a:tc>
-              </a:tr>
-              <a:tr h="445909">
-                <a:tc>
-                  <a:txBody>
-                    <a:bodyPr/>
-                    <a:lstStyle/>
-                    <a:p>
-                      <a:r>
-                        <a:rPr lang="pt-BR" dirty="0" smtClean="0"/>
-                        <a:t>2</a:t>
-                      </a:r>
-                      <a:endParaRPr lang="pt-BR" dirty="0"/>
-                    </a:p>
-                  </a:txBody>
-                  <a:tcPr/>
-                </a:tc>
-                <a:tc>
-                  <a:txBody>
-                    <a:bodyPr/>
-                    <a:lstStyle/>
-                    <a:p>
-                      <a:r>
-                        <a:rPr lang="pt-BR" dirty="0" smtClean="0"/>
-                        <a:t>Entrar</a:t>
-                      </a:r>
-                      <a:endParaRPr lang="pt-BR" dirty="0"/>
-                    </a:p>
-                  </a:txBody>
-                  <a:tcPr/>
-                </a:tc>
-                <a:tc>
-                  <a:txBody>
-                    <a:bodyPr/>
-                    <a:lstStyle/>
-                    <a:p>
-                      <a:endParaRPr lang="pt-BR" dirty="0"/>
-                    </a:p>
-                  </a:txBody>
-                  <a:tcPr/>
-                </a:tc>
-                <a:tc>
-                  <a:txBody>
-                    <a:bodyPr/>
-                    <a:lstStyle/>
-                    <a:p>
-                      <a:r>
-                        <a:rPr lang="pt-BR" dirty="0" smtClean="0"/>
-                        <a:t>Botão</a:t>
-                      </a:r>
-                      <a:endParaRPr lang="pt-BR" dirty="0"/>
-                    </a:p>
-                  </a:txBody>
-                  <a:tcPr/>
-                </a:tc>
-                <a:tc>
-                  <a:txBody>
-                    <a:bodyPr/>
-                    <a:lstStyle/>
-                    <a:p>
-                      <a:r>
-                        <a:rPr lang="pt-BR" dirty="0" smtClean="0"/>
-                        <a:t>Valida/ Direciona para tela Home Professor</a:t>
-                      </a:r>
-                      <a:endParaRPr lang="pt-BR" dirty="0"/>
-                    </a:p>
-                  </a:txBody>
-                  <a:tcPr/>
-                </a:tc>
-              </a:tr>
-            </a:tbl>
-          </a:graphicData>
-        </a:graphic>
-      </p:graphicFrame>
-    </p:spTree>
-    <p:extLst>
-      <p:ext uri="{BB962C8B-B14F-4D97-AF65-F5344CB8AC3E}">
-        <p14:creationId xmlns:p14="http://schemas.microsoft.com/office/powerpoint/2010/main" val="857581726"/>
-      </p:ext>
-    </p:extLst>
-  </p:cSld>
-  <p:clrMapOvr>
-    <a:masterClrMapping/>
-  </p:clrMapOvr>
-</p:sld>
-</file>
-
-<file path=ppt/slides/slide40.xml><?xml version="1.0" encoding="utf-8"?>
+<file path=ppt/slides/slide41.xml><?xml version="1.0" encoding="utf-8"?>
 <p:sld xmlns:a="http://schemas.openxmlformats.org/drawingml/2006/main" xmlns:r="http://schemas.openxmlformats.org/officeDocument/2006/relationships" xmlns:p="http://schemas.openxmlformats.org/presentationml/2006/main">
   <p:cSld>
     <p:spTree>

--- a/DocumentacaoProjeto/Protótipo_Visual.pptx
+++ b/DocumentacaoProjeto/Protótipo_Visual.pptx
@@ -283,7 +283,7 @@
           <a:p>
             <a:fld id="{ED8D6B47-35E8-4B74-A8BC-163E56BA4F07}" type="datetimeFigureOut">
               <a:rPr lang="pt-BR" smtClean="0"/>
-              <a:t>01/05/2020</a:t>
+              <a:t>17/05/2020</a:t>
             </a:fld>
             <a:endParaRPr lang="pt-BR"/>
           </a:p>
@@ -453,7 +453,7 @@
           <a:p>
             <a:fld id="{ED8D6B47-35E8-4B74-A8BC-163E56BA4F07}" type="datetimeFigureOut">
               <a:rPr lang="pt-BR" smtClean="0"/>
-              <a:t>01/05/2020</a:t>
+              <a:t>17/05/2020</a:t>
             </a:fld>
             <a:endParaRPr lang="pt-BR"/>
           </a:p>
@@ -633,7 +633,7 @@
           <a:p>
             <a:fld id="{ED8D6B47-35E8-4B74-A8BC-163E56BA4F07}" type="datetimeFigureOut">
               <a:rPr lang="pt-BR" smtClean="0"/>
-              <a:t>01/05/2020</a:t>
+              <a:t>17/05/2020</a:t>
             </a:fld>
             <a:endParaRPr lang="pt-BR"/>
           </a:p>
@@ -803,7 +803,7 @@
           <a:p>
             <a:fld id="{ED8D6B47-35E8-4B74-A8BC-163E56BA4F07}" type="datetimeFigureOut">
               <a:rPr lang="pt-BR" smtClean="0"/>
-              <a:t>01/05/2020</a:t>
+              <a:t>17/05/2020</a:t>
             </a:fld>
             <a:endParaRPr lang="pt-BR"/>
           </a:p>
@@ -1049,7 +1049,7 @@
           <a:p>
             <a:fld id="{ED8D6B47-35E8-4B74-A8BC-163E56BA4F07}" type="datetimeFigureOut">
               <a:rPr lang="pt-BR" smtClean="0"/>
-              <a:t>01/05/2020</a:t>
+              <a:t>17/05/2020</a:t>
             </a:fld>
             <a:endParaRPr lang="pt-BR"/>
           </a:p>
@@ -1281,7 +1281,7 @@
           <a:p>
             <a:fld id="{ED8D6B47-35E8-4B74-A8BC-163E56BA4F07}" type="datetimeFigureOut">
               <a:rPr lang="pt-BR" smtClean="0"/>
-              <a:t>01/05/2020</a:t>
+              <a:t>17/05/2020</a:t>
             </a:fld>
             <a:endParaRPr lang="pt-BR"/>
           </a:p>
@@ -1648,7 +1648,7 @@
           <a:p>
             <a:fld id="{ED8D6B47-35E8-4B74-A8BC-163E56BA4F07}" type="datetimeFigureOut">
               <a:rPr lang="pt-BR" smtClean="0"/>
-              <a:t>01/05/2020</a:t>
+              <a:t>17/05/2020</a:t>
             </a:fld>
             <a:endParaRPr lang="pt-BR"/>
           </a:p>
@@ -1766,7 +1766,7 @@
           <a:p>
             <a:fld id="{ED8D6B47-35E8-4B74-A8BC-163E56BA4F07}" type="datetimeFigureOut">
               <a:rPr lang="pt-BR" smtClean="0"/>
-              <a:t>01/05/2020</a:t>
+              <a:t>17/05/2020</a:t>
             </a:fld>
             <a:endParaRPr lang="pt-BR"/>
           </a:p>
@@ -1861,7 +1861,7 @@
           <a:p>
             <a:fld id="{ED8D6B47-35E8-4B74-A8BC-163E56BA4F07}" type="datetimeFigureOut">
               <a:rPr lang="pt-BR" smtClean="0"/>
-              <a:t>01/05/2020</a:t>
+              <a:t>17/05/2020</a:t>
             </a:fld>
             <a:endParaRPr lang="pt-BR"/>
           </a:p>
@@ -2138,7 +2138,7 @@
           <a:p>
             <a:fld id="{ED8D6B47-35E8-4B74-A8BC-163E56BA4F07}" type="datetimeFigureOut">
               <a:rPr lang="pt-BR" smtClean="0"/>
-              <a:t>01/05/2020</a:t>
+              <a:t>17/05/2020</a:t>
             </a:fld>
             <a:endParaRPr lang="pt-BR"/>
           </a:p>
@@ -2391,7 +2391,7 @@
           <a:p>
             <a:fld id="{ED8D6B47-35E8-4B74-A8BC-163E56BA4F07}" type="datetimeFigureOut">
               <a:rPr lang="pt-BR" smtClean="0"/>
-              <a:t>01/05/2020</a:t>
+              <a:t>17/05/2020</a:t>
             </a:fld>
             <a:endParaRPr lang="pt-BR"/>
           </a:p>
@@ -2604,7 +2604,7 @@
           <a:p>
             <a:fld id="{ED8D6B47-35E8-4B74-A8BC-163E56BA4F07}" type="datetimeFigureOut">
               <a:rPr lang="pt-BR" smtClean="0"/>
-              <a:t>01/05/2020</a:t>
+              <a:t>17/05/2020</a:t>
             </a:fld>
             <a:endParaRPr lang="pt-BR"/>
           </a:p>
@@ -17628,6 +17628,66 @@
               </a:solidFill>
               <a:latin typeface="Bahnschrift" panose="020B0502040204020203" pitchFamily="34" charset="0"/>
             </a:endParaRPr>
+          </a:p>
+        </p:txBody>
+      </p:sp>
+      <p:sp>
+        <p:nvSpPr>
+          <p:cNvPr id="46" name="Retângulo 45"/>
+          <p:cNvSpPr/>
+          <p:nvPr/>
+        </p:nvSpPr>
+        <p:spPr>
+          <a:xfrm>
+            <a:off x="6011251" y="5509015"/>
+            <a:ext cx="1175160" cy="378657"/>
+          </a:xfrm>
+          <a:prstGeom prst="rect">
+            <a:avLst/>
+          </a:prstGeom>
+          <a:solidFill>
+            <a:srgbClr val="73D54A"/>
+          </a:solidFill>
+          <a:ln>
+            <a:solidFill>
+              <a:srgbClr val="73D54A"/>
+            </a:solidFill>
+          </a:ln>
+          <a:effectLst>
+            <a:outerShdw blurRad="50800" dist="38100" dir="2700000" algn="tl" rotWithShape="0">
+              <a:prstClr val="black">
+                <a:alpha val="40000"/>
+              </a:prstClr>
+            </a:outerShdw>
+            <a:softEdge rad="0"/>
+          </a:effectLst>
+        </p:spPr>
+        <p:style>
+          <a:lnRef idx="2">
+            <a:schemeClr val="accent1">
+              <a:shade val="50000"/>
+            </a:schemeClr>
+          </a:lnRef>
+          <a:fillRef idx="1">
+            <a:schemeClr val="accent1"/>
+          </a:fillRef>
+          <a:effectRef idx="0">
+            <a:schemeClr val="accent1"/>
+          </a:effectRef>
+          <a:fontRef idx="minor">
+            <a:schemeClr val="lt1"/>
+          </a:fontRef>
+        </p:style>
+        <p:txBody>
+          <a:bodyPr rtlCol="0" anchor="ctr"/>
+          <a:lstStyle/>
+          <a:p>
+            <a:pPr algn="ctr"/>
+            <a:r>
+              <a:rPr lang="pt-BR" dirty="0" smtClean="0"/>
+              <a:t>Salvar</a:t>
+            </a:r>
+            <a:endParaRPr lang="pt-BR" dirty="0"/>
           </a:p>
         </p:txBody>
       </p:sp>

--- a/DocumentacaoProjeto/Protótipo_Visual.pptx
+++ b/DocumentacaoProjeto/Protótipo_Visual.pptx
@@ -25,19 +25,19 @@
     <p:sldId id="284" r:id="rId19"/>
     <p:sldId id="272" r:id="rId20"/>
     <p:sldId id="285" r:id="rId21"/>
-    <p:sldId id="268" r:id="rId22"/>
-    <p:sldId id="287" r:id="rId23"/>
-    <p:sldId id="261" r:id="rId24"/>
-    <p:sldId id="288" r:id="rId25"/>
-    <p:sldId id="292" r:id="rId26"/>
-    <p:sldId id="296" r:id="rId27"/>
-    <p:sldId id="294" r:id="rId28"/>
-    <p:sldId id="293" r:id="rId29"/>
-    <p:sldId id="295" r:id="rId30"/>
-    <p:sldId id="262" r:id="rId31"/>
-    <p:sldId id="289" r:id="rId32"/>
-    <p:sldId id="263" r:id="rId33"/>
-    <p:sldId id="269" r:id="rId34"/>
+    <p:sldId id="261" r:id="rId22"/>
+    <p:sldId id="288" r:id="rId23"/>
+    <p:sldId id="292" r:id="rId24"/>
+    <p:sldId id="296" r:id="rId25"/>
+    <p:sldId id="294" r:id="rId26"/>
+    <p:sldId id="293" r:id="rId27"/>
+    <p:sldId id="295" r:id="rId28"/>
+    <p:sldId id="262" r:id="rId29"/>
+    <p:sldId id="289" r:id="rId30"/>
+    <p:sldId id="263" r:id="rId31"/>
+    <p:sldId id="269" r:id="rId32"/>
+    <p:sldId id="268" r:id="rId33"/>
+    <p:sldId id="287" r:id="rId34"/>
     <p:sldId id="274" r:id="rId35"/>
     <p:sldId id="291" r:id="rId36"/>
   </p:sldIdLst>
@@ -140,7 +140,7 @@
   </p:defaultTextStyle>
   <p:extLst>
     <p:ext uri="{EFAFB233-063F-42B5-8137-9DF3F51BA10A}">
-      <p15:sldGuideLst xmlns:p15="http://schemas.microsoft.com/office/powerpoint/2012/main"/>
+      <p15:sldGuideLst xmlns:p15="http://schemas.microsoft.com/office/powerpoint/2012/main" xmlns=""/>
     </p:ext>
   </p:extLst>
 </p:presentation>
@@ -3091,7 +3091,7 @@
             <a:extLst>
               <a:ext uri="{BEBA8EAE-BF5A-486C-A8C5-ECC9F3942E4B}">
                 <a14:imgProps xmlns:a14="http://schemas.microsoft.com/office/drawing/2010/main">
-                  <a14:imgLayer r:embed="rId3">
+                  <a14:imgLayer r:embed="rId5">
                     <a14:imgEffect>
                       <a14:backgroundRemoval t="65352" b="82407" l="13870" r="33218"/>
                     </a14:imgEffect>
@@ -3125,11 +3125,11 @@
           <p:nvPr/>
         </p:nvPicPr>
         <p:blipFill rotWithShape="1">
-          <a:blip r:embed="rId5" cstate="print">
+          <a:blip r:embed="rId6" cstate="print">
             <a:extLst>
               <a:ext uri="{BEBA8EAE-BF5A-486C-A8C5-ECC9F3942E4B}">
                 <a14:imgProps xmlns:a14="http://schemas.microsoft.com/office/drawing/2010/main">
-                  <a14:imgLayer r:embed="rId3">
+                  <a14:imgLayer r:embed="rId7">
                     <a14:imgEffect>
                       <a14:backgroundRemoval t="65352" b="82407" l="13870" r="33218"/>
                     </a14:imgEffect>
@@ -3163,11 +3163,11 @@
           <p:nvPr/>
         </p:nvPicPr>
         <p:blipFill rotWithShape="1">
-          <a:blip r:embed="rId6" cstate="print">
+          <a:blip r:embed="rId8" cstate="print">
             <a:extLst>
               <a:ext uri="{BEBA8EAE-BF5A-486C-A8C5-ECC9F3942E4B}">
                 <a14:imgProps xmlns:a14="http://schemas.microsoft.com/office/drawing/2010/main">
-                  <a14:imgLayer r:embed="rId3">
+                  <a14:imgLayer r:embed="rId9">
                     <a14:imgEffect>
                       <a14:backgroundRemoval t="17497" b="26869" l="29326" r="40594"/>
                     </a14:imgEffect>
@@ -3269,7 +3269,7 @@
           <p:nvPr/>
         </p:nvPicPr>
         <p:blipFill rotWithShape="1">
-          <a:blip r:embed="rId7" cstate="print">
+          <a:blip r:embed="rId10" cstate="print">
             <a:extLst>
               <a:ext uri="{28A0092B-C50C-407E-A947-70E740481C1C}">
                 <a14:useLocalDpi xmlns:a14="http://schemas.microsoft.com/office/drawing/2010/main" val="0"/>
@@ -3357,7 +3357,7 @@
           <p:nvPr/>
         </p:nvPicPr>
         <p:blipFill>
-          <a:blip r:embed="rId8" cstate="print">
+          <a:blip r:embed="rId11" cstate="print">
             <a:extLst>
               <a:ext uri="{28A0092B-C50C-407E-A947-70E740481C1C}">
                 <a14:useLocalDpi xmlns:a14="http://schemas.microsoft.com/office/drawing/2010/main" val="0"/>
@@ -3520,35 +3520,35 @@
                 <a:gridCol w="574120">
                   <a:extLst>
                     <a:ext uri="{9D8B030D-6E8A-4147-A177-3AD203B41FA5}">
-                      <a16:colId xmlns:a16="http://schemas.microsoft.com/office/drawing/2014/main" val="20000"/>
+                      <a16:colId xmlns:a16="http://schemas.microsoft.com/office/drawing/2014/main" xmlns="" val="20000"/>
                     </a:ext>
                   </a:extLst>
                 </a:gridCol>
                 <a:gridCol w="1643427">
                   <a:extLst>
                     <a:ext uri="{9D8B030D-6E8A-4147-A177-3AD203B41FA5}">
-                      <a16:colId xmlns:a16="http://schemas.microsoft.com/office/drawing/2014/main" val="20001"/>
+                      <a16:colId xmlns:a16="http://schemas.microsoft.com/office/drawing/2014/main" xmlns="" val="20001"/>
                     </a:ext>
                   </a:extLst>
                 </a:gridCol>
                 <a:gridCol w="1756766">
                   <a:extLst>
                     <a:ext uri="{9D8B030D-6E8A-4147-A177-3AD203B41FA5}">
-                      <a16:colId xmlns:a16="http://schemas.microsoft.com/office/drawing/2014/main" val="20002"/>
+                      <a16:colId xmlns:a16="http://schemas.microsoft.com/office/drawing/2014/main" xmlns="" val="20002"/>
                     </a:ext>
                   </a:extLst>
                 </a:gridCol>
                 <a:gridCol w="2635823">
                   <a:extLst>
                     <a:ext uri="{9D8B030D-6E8A-4147-A177-3AD203B41FA5}">
-                      <a16:colId xmlns:a16="http://schemas.microsoft.com/office/drawing/2014/main" val="20003"/>
+                      <a16:colId xmlns:a16="http://schemas.microsoft.com/office/drawing/2014/main" xmlns="" val="20003"/>
                     </a:ext>
                   </a:extLst>
                 </a:gridCol>
                 <a:gridCol w="2635823">
                   <a:extLst>
                     <a:ext uri="{9D8B030D-6E8A-4147-A177-3AD203B41FA5}">
-                      <a16:colId xmlns:a16="http://schemas.microsoft.com/office/drawing/2014/main" val="20004"/>
+                      <a16:colId xmlns:a16="http://schemas.microsoft.com/office/drawing/2014/main" xmlns="" val="20004"/>
                     </a:ext>
                   </a:extLst>
                 </a:gridCol>
@@ -3618,7 +3618,7 @@
                 </a:tc>
                 <a:extLst>
                   <a:ext uri="{0D108BD9-81ED-4DB2-BD59-A6C34878D82A}">
-                    <a16:rowId xmlns:a16="http://schemas.microsoft.com/office/drawing/2014/main" val="10000"/>
+                    <a16:rowId xmlns:a16="http://schemas.microsoft.com/office/drawing/2014/main" xmlns="" val="10000"/>
                   </a:ext>
                 </a:extLst>
               </a:tr>
@@ -3687,7 +3687,7 @@
                 </a:tc>
                 <a:extLst>
                   <a:ext uri="{0D108BD9-81ED-4DB2-BD59-A6C34878D82A}">
-                    <a16:rowId xmlns:a16="http://schemas.microsoft.com/office/drawing/2014/main" val="10001"/>
+                    <a16:rowId xmlns:a16="http://schemas.microsoft.com/office/drawing/2014/main" xmlns="" val="10001"/>
                   </a:ext>
                 </a:extLst>
               </a:tr>
@@ -3781,7 +3781,7 @@
                 </a:tc>
                 <a:extLst>
                   <a:ext uri="{0D108BD9-81ED-4DB2-BD59-A6C34878D82A}">
-                    <a16:rowId xmlns:a16="http://schemas.microsoft.com/office/drawing/2014/main" val="10002"/>
+                    <a16:rowId xmlns:a16="http://schemas.microsoft.com/office/drawing/2014/main" xmlns="" val="10002"/>
                   </a:ext>
                 </a:extLst>
               </a:tr>
@@ -3870,7 +3870,7 @@
                 </a:tc>
                 <a:extLst>
                   <a:ext uri="{0D108BD9-81ED-4DB2-BD59-A6C34878D82A}">
-                    <a16:rowId xmlns:a16="http://schemas.microsoft.com/office/drawing/2014/main" val="10003"/>
+                    <a16:rowId xmlns:a16="http://schemas.microsoft.com/office/drawing/2014/main" xmlns="" val="10003"/>
                   </a:ext>
                 </a:extLst>
               </a:tr>
@@ -3959,7 +3959,7 @@
                 </a:tc>
                 <a:extLst>
                   <a:ext uri="{0D108BD9-81ED-4DB2-BD59-A6C34878D82A}">
-                    <a16:rowId xmlns:a16="http://schemas.microsoft.com/office/drawing/2014/main" val="10004"/>
+                    <a16:rowId xmlns:a16="http://schemas.microsoft.com/office/drawing/2014/main" xmlns="" val="10004"/>
                   </a:ext>
                 </a:extLst>
               </a:tr>
@@ -4045,7 +4045,7 @@
                 </a:tc>
                 <a:extLst>
                   <a:ext uri="{0D108BD9-81ED-4DB2-BD59-A6C34878D82A}">
-                    <a16:rowId xmlns:a16="http://schemas.microsoft.com/office/drawing/2014/main" val="10005"/>
+                    <a16:rowId xmlns:a16="http://schemas.microsoft.com/office/drawing/2014/main" xmlns="" val="10005"/>
                   </a:ext>
                 </a:extLst>
               </a:tr>
@@ -4128,7 +4128,7 @@
                 </a:tc>
                 <a:extLst>
                   <a:ext uri="{0D108BD9-81ED-4DB2-BD59-A6C34878D82A}">
-                    <a16:rowId xmlns:a16="http://schemas.microsoft.com/office/drawing/2014/main" val="10006"/>
+                    <a16:rowId xmlns:a16="http://schemas.microsoft.com/office/drawing/2014/main" xmlns="" val="10006"/>
                   </a:ext>
                 </a:extLst>
               </a:tr>
@@ -4987,35 +4987,35 @@
                 <a:gridCol w="490951">
                   <a:extLst>
                     <a:ext uri="{9D8B030D-6E8A-4147-A177-3AD203B41FA5}">
-                      <a16:colId xmlns:a16="http://schemas.microsoft.com/office/drawing/2014/main" val="20000"/>
+                      <a16:colId xmlns:a16="http://schemas.microsoft.com/office/drawing/2014/main" xmlns="" val="20000"/>
                     </a:ext>
                   </a:extLst>
                 </a:gridCol>
                 <a:gridCol w="1405354">
                   <a:extLst>
                     <a:ext uri="{9D8B030D-6E8A-4147-A177-3AD203B41FA5}">
-                      <a16:colId xmlns:a16="http://schemas.microsoft.com/office/drawing/2014/main" val="20001"/>
+                      <a16:colId xmlns:a16="http://schemas.microsoft.com/office/drawing/2014/main" xmlns="" val="20001"/>
                     </a:ext>
                   </a:extLst>
                 </a:gridCol>
                 <a:gridCol w="1502275">
                   <a:extLst>
                     <a:ext uri="{9D8B030D-6E8A-4147-A177-3AD203B41FA5}">
-                      <a16:colId xmlns:a16="http://schemas.microsoft.com/office/drawing/2014/main" val="20002"/>
+                      <a16:colId xmlns:a16="http://schemas.microsoft.com/office/drawing/2014/main" xmlns="" val="20002"/>
                     </a:ext>
                   </a:extLst>
                 </a:gridCol>
                 <a:gridCol w="2253988">
                   <a:extLst>
                     <a:ext uri="{9D8B030D-6E8A-4147-A177-3AD203B41FA5}">
-                      <a16:colId xmlns:a16="http://schemas.microsoft.com/office/drawing/2014/main" val="20003"/>
+                      <a16:colId xmlns:a16="http://schemas.microsoft.com/office/drawing/2014/main" xmlns="" val="20003"/>
                     </a:ext>
                   </a:extLst>
                 </a:gridCol>
                 <a:gridCol w="2253988">
                   <a:extLst>
                     <a:ext uri="{9D8B030D-6E8A-4147-A177-3AD203B41FA5}">
-                      <a16:colId xmlns:a16="http://schemas.microsoft.com/office/drawing/2014/main" val="20004"/>
+                      <a16:colId xmlns:a16="http://schemas.microsoft.com/office/drawing/2014/main" xmlns="" val="20004"/>
                     </a:ext>
                   </a:extLst>
                 </a:gridCol>
@@ -5085,7 +5085,7 @@
                 </a:tc>
                 <a:extLst>
                   <a:ext uri="{0D108BD9-81ED-4DB2-BD59-A6C34878D82A}">
-                    <a16:rowId xmlns:a16="http://schemas.microsoft.com/office/drawing/2014/main" val="10000"/>
+                    <a16:rowId xmlns:a16="http://schemas.microsoft.com/office/drawing/2014/main" xmlns="" val="10000"/>
                   </a:ext>
                 </a:extLst>
               </a:tr>
@@ -5159,7 +5159,7 @@
                 </a:tc>
                 <a:extLst>
                   <a:ext uri="{0D108BD9-81ED-4DB2-BD59-A6C34878D82A}">
-                    <a16:rowId xmlns:a16="http://schemas.microsoft.com/office/drawing/2014/main" val="10001"/>
+                    <a16:rowId xmlns:a16="http://schemas.microsoft.com/office/drawing/2014/main" xmlns="" val="10001"/>
                   </a:ext>
                 </a:extLst>
               </a:tr>
@@ -5233,7 +5233,7 @@
                 </a:tc>
                 <a:extLst>
                   <a:ext uri="{0D108BD9-81ED-4DB2-BD59-A6C34878D82A}">
-                    <a16:rowId xmlns:a16="http://schemas.microsoft.com/office/drawing/2014/main" val="10002"/>
+                    <a16:rowId xmlns:a16="http://schemas.microsoft.com/office/drawing/2014/main" xmlns="" val="10002"/>
                   </a:ext>
                 </a:extLst>
               </a:tr>
@@ -5302,7 +5302,7 @@
                 </a:tc>
                 <a:extLst>
                   <a:ext uri="{0D108BD9-81ED-4DB2-BD59-A6C34878D82A}">
-                    <a16:rowId xmlns:a16="http://schemas.microsoft.com/office/drawing/2014/main" val="10003"/>
+                    <a16:rowId xmlns:a16="http://schemas.microsoft.com/office/drawing/2014/main" xmlns="" val="10003"/>
                   </a:ext>
                 </a:extLst>
               </a:tr>
@@ -5376,7 +5376,7 @@
                 </a:tc>
                 <a:extLst>
                   <a:ext uri="{0D108BD9-81ED-4DB2-BD59-A6C34878D82A}">
-                    <a16:rowId xmlns:a16="http://schemas.microsoft.com/office/drawing/2014/main" val="10004"/>
+                    <a16:rowId xmlns:a16="http://schemas.microsoft.com/office/drawing/2014/main" xmlns="" val="10004"/>
                   </a:ext>
                 </a:extLst>
               </a:tr>
@@ -5462,7 +5462,7 @@
                 </a:tc>
                 <a:extLst>
                   <a:ext uri="{0D108BD9-81ED-4DB2-BD59-A6C34878D82A}">
-                    <a16:rowId xmlns:a16="http://schemas.microsoft.com/office/drawing/2014/main" val="10005"/>
+                    <a16:rowId xmlns:a16="http://schemas.microsoft.com/office/drawing/2014/main" xmlns="" val="10005"/>
                   </a:ext>
                 </a:extLst>
               </a:tr>
@@ -5548,7 +5548,7 @@
                 </a:tc>
                 <a:extLst>
                   <a:ext uri="{0D108BD9-81ED-4DB2-BD59-A6C34878D82A}">
-                    <a16:rowId xmlns:a16="http://schemas.microsoft.com/office/drawing/2014/main" val="10006"/>
+                    <a16:rowId xmlns:a16="http://schemas.microsoft.com/office/drawing/2014/main" xmlns="" val="10006"/>
                   </a:ext>
                 </a:extLst>
               </a:tr>
@@ -6626,35 +6626,35 @@
                 <a:gridCol w="546130">
                   <a:extLst>
                     <a:ext uri="{9D8B030D-6E8A-4147-A177-3AD203B41FA5}">
-                      <a16:colId xmlns:a16="http://schemas.microsoft.com/office/drawing/2014/main" val="20000"/>
+                      <a16:colId xmlns:a16="http://schemas.microsoft.com/office/drawing/2014/main" xmlns="" val="20000"/>
                     </a:ext>
                   </a:extLst>
                 </a:gridCol>
                 <a:gridCol w="1563306">
                   <a:extLst>
                     <a:ext uri="{9D8B030D-6E8A-4147-A177-3AD203B41FA5}">
-                      <a16:colId xmlns:a16="http://schemas.microsoft.com/office/drawing/2014/main" val="20001"/>
+                      <a16:colId xmlns:a16="http://schemas.microsoft.com/office/drawing/2014/main" xmlns="" val="20001"/>
                     </a:ext>
                   </a:extLst>
                 </a:gridCol>
                 <a:gridCol w="1671120">
                   <a:extLst>
                     <a:ext uri="{9D8B030D-6E8A-4147-A177-3AD203B41FA5}">
-                      <a16:colId xmlns:a16="http://schemas.microsoft.com/office/drawing/2014/main" val="20002"/>
+                      <a16:colId xmlns:a16="http://schemas.microsoft.com/office/drawing/2014/main" xmlns="" val="20002"/>
                     </a:ext>
                   </a:extLst>
                 </a:gridCol>
                 <a:gridCol w="2507320">
                   <a:extLst>
                     <a:ext uri="{9D8B030D-6E8A-4147-A177-3AD203B41FA5}">
-                      <a16:colId xmlns:a16="http://schemas.microsoft.com/office/drawing/2014/main" val="20003"/>
+                      <a16:colId xmlns:a16="http://schemas.microsoft.com/office/drawing/2014/main" xmlns="" val="20003"/>
                     </a:ext>
                   </a:extLst>
                 </a:gridCol>
                 <a:gridCol w="2507320">
                   <a:extLst>
                     <a:ext uri="{9D8B030D-6E8A-4147-A177-3AD203B41FA5}">
-                      <a16:colId xmlns:a16="http://schemas.microsoft.com/office/drawing/2014/main" val="20004"/>
+                      <a16:colId xmlns:a16="http://schemas.microsoft.com/office/drawing/2014/main" xmlns="" val="20004"/>
                     </a:ext>
                   </a:extLst>
                 </a:gridCol>
@@ -6724,7 +6724,7 @@
                 </a:tc>
                 <a:extLst>
                   <a:ext uri="{0D108BD9-81ED-4DB2-BD59-A6C34878D82A}">
-                    <a16:rowId xmlns:a16="http://schemas.microsoft.com/office/drawing/2014/main" val="10000"/>
+                    <a16:rowId xmlns:a16="http://schemas.microsoft.com/office/drawing/2014/main" xmlns="" val="10000"/>
                   </a:ext>
                 </a:extLst>
               </a:tr>
@@ -6794,7 +6794,7 @@
                 </a:tc>
                 <a:extLst>
                   <a:ext uri="{0D108BD9-81ED-4DB2-BD59-A6C34878D82A}">
-                    <a16:rowId xmlns:a16="http://schemas.microsoft.com/office/drawing/2014/main" val="10001"/>
+                    <a16:rowId xmlns:a16="http://schemas.microsoft.com/office/drawing/2014/main" xmlns="" val="10001"/>
                   </a:ext>
                 </a:extLst>
               </a:tr>
@@ -6863,7 +6863,7 @@
                 </a:tc>
                 <a:extLst>
                   <a:ext uri="{0D108BD9-81ED-4DB2-BD59-A6C34878D82A}">
-                    <a16:rowId xmlns:a16="http://schemas.microsoft.com/office/drawing/2014/main" val="10002"/>
+                    <a16:rowId xmlns:a16="http://schemas.microsoft.com/office/drawing/2014/main" xmlns="" val="10002"/>
                   </a:ext>
                 </a:extLst>
               </a:tr>
@@ -7912,35 +7912,35 @@
                 <a:gridCol w="559725">
                   <a:extLst>
                     <a:ext uri="{9D8B030D-6E8A-4147-A177-3AD203B41FA5}">
-                      <a16:colId xmlns:a16="http://schemas.microsoft.com/office/drawing/2014/main" val="20000"/>
+                      <a16:colId xmlns:a16="http://schemas.microsoft.com/office/drawing/2014/main" xmlns="" val="20000"/>
                     </a:ext>
                   </a:extLst>
                 </a:gridCol>
                 <a:gridCol w="1602222">
                   <a:extLst>
                     <a:ext uri="{9D8B030D-6E8A-4147-A177-3AD203B41FA5}">
-                      <a16:colId xmlns:a16="http://schemas.microsoft.com/office/drawing/2014/main" val="20001"/>
+                      <a16:colId xmlns:a16="http://schemas.microsoft.com/office/drawing/2014/main" xmlns="" val="20001"/>
                     </a:ext>
                   </a:extLst>
                 </a:gridCol>
                 <a:gridCol w="1712720">
                   <a:extLst>
                     <a:ext uri="{9D8B030D-6E8A-4147-A177-3AD203B41FA5}">
-                      <a16:colId xmlns:a16="http://schemas.microsoft.com/office/drawing/2014/main" val="20002"/>
+                      <a16:colId xmlns:a16="http://schemas.microsoft.com/office/drawing/2014/main" xmlns="" val="20002"/>
                     </a:ext>
                   </a:extLst>
                 </a:gridCol>
                 <a:gridCol w="2569736">
                   <a:extLst>
                     <a:ext uri="{9D8B030D-6E8A-4147-A177-3AD203B41FA5}">
-                      <a16:colId xmlns:a16="http://schemas.microsoft.com/office/drawing/2014/main" val="20003"/>
+                      <a16:colId xmlns:a16="http://schemas.microsoft.com/office/drawing/2014/main" xmlns="" val="20003"/>
                     </a:ext>
                   </a:extLst>
                 </a:gridCol>
                 <a:gridCol w="2569736">
                   <a:extLst>
                     <a:ext uri="{9D8B030D-6E8A-4147-A177-3AD203B41FA5}">
-                      <a16:colId xmlns:a16="http://schemas.microsoft.com/office/drawing/2014/main" val="20004"/>
+                      <a16:colId xmlns:a16="http://schemas.microsoft.com/office/drawing/2014/main" xmlns="" val="20004"/>
                     </a:ext>
                   </a:extLst>
                 </a:gridCol>
@@ -8010,7 +8010,7 @@
                 </a:tc>
                 <a:extLst>
                   <a:ext uri="{0D108BD9-81ED-4DB2-BD59-A6C34878D82A}">
-                    <a16:rowId xmlns:a16="http://schemas.microsoft.com/office/drawing/2014/main" val="10000"/>
+                    <a16:rowId xmlns:a16="http://schemas.microsoft.com/office/drawing/2014/main" xmlns="" val="10000"/>
                   </a:ext>
                 </a:extLst>
               </a:tr>
@@ -8079,7 +8079,7 @@
                 </a:tc>
                 <a:extLst>
                   <a:ext uri="{0D108BD9-81ED-4DB2-BD59-A6C34878D82A}">
-                    <a16:rowId xmlns:a16="http://schemas.microsoft.com/office/drawing/2014/main" val="10001"/>
+                    <a16:rowId xmlns:a16="http://schemas.microsoft.com/office/drawing/2014/main" xmlns="" val="10001"/>
                   </a:ext>
                 </a:extLst>
               </a:tr>
@@ -8168,7 +8168,7 @@
                 </a:tc>
                 <a:extLst>
                   <a:ext uri="{0D108BD9-81ED-4DB2-BD59-A6C34878D82A}">
-                    <a16:rowId xmlns:a16="http://schemas.microsoft.com/office/drawing/2014/main" val="10002"/>
+                    <a16:rowId xmlns:a16="http://schemas.microsoft.com/office/drawing/2014/main" xmlns="" val="10002"/>
                   </a:ext>
                 </a:extLst>
               </a:tr>
@@ -8257,7 +8257,7 @@
                 </a:tc>
                 <a:extLst>
                   <a:ext uri="{0D108BD9-81ED-4DB2-BD59-A6C34878D82A}">
-                    <a16:rowId xmlns:a16="http://schemas.microsoft.com/office/drawing/2014/main" val="10003"/>
+                    <a16:rowId xmlns:a16="http://schemas.microsoft.com/office/drawing/2014/main" xmlns="" val="10003"/>
                   </a:ext>
                 </a:extLst>
               </a:tr>
@@ -9567,13 +9567,8 @@
           <a:p>
             <a:r>
               <a:rPr lang="pt-BR" sz="3200" dirty="0"/>
-              <a:t>Tabela de Elementos – Tela Jogo </a:t>
+              <a:t>Tabela de Elementos – Tela Jogo Quiz</a:t>
             </a:r>
-            <a:r>
-              <a:rPr lang="pt-BR" sz="3200" dirty="0" err="1"/>
-              <a:t>Quiz</a:t>
-            </a:r>
-            <a:endParaRPr lang="pt-BR" sz="3200" dirty="0"/>
           </a:p>
         </p:txBody>
       </p:sp>
@@ -9606,35 +9601,35 @@
                 <a:gridCol w="490951">
                   <a:extLst>
                     <a:ext uri="{9D8B030D-6E8A-4147-A177-3AD203B41FA5}">
-                      <a16:colId xmlns:a16="http://schemas.microsoft.com/office/drawing/2014/main" val="20000"/>
+                      <a16:colId xmlns:a16="http://schemas.microsoft.com/office/drawing/2014/main" xmlns="" val="20000"/>
                     </a:ext>
                   </a:extLst>
                 </a:gridCol>
                 <a:gridCol w="1405354">
                   <a:extLst>
                     <a:ext uri="{9D8B030D-6E8A-4147-A177-3AD203B41FA5}">
-                      <a16:colId xmlns:a16="http://schemas.microsoft.com/office/drawing/2014/main" val="20001"/>
+                      <a16:colId xmlns:a16="http://schemas.microsoft.com/office/drawing/2014/main" xmlns="" val="20001"/>
                     </a:ext>
                   </a:extLst>
                 </a:gridCol>
                 <a:gridCol w="1502275">
                   <a:extLst>
                     <a:ext uri="{9D8B030D-6E8A-4147-A177-3AD203B41FA5}">
-                      <a16:colId xmlns:a16="http://schemas.microsoft.com/office/drawing/2014/main" val="20002"/>
+                      <a16:colId xmlns:a16="http://schemas.microsoft.com/office/drawing/2014/main" xmlns="" val="20002"/>
                     </a:ext>
                   </a:extLst>
                 </a:gridCol>
                 <a:gridCol w="2253988">
                   <a:extLst>
                     <a:ext uri="{9D8B030D-6E8A-4147-A177-3AD203B41FA5}">
-                      <a16:colId xmlns:a16="http://schemas.microsoft.com/office/drawing/2014/main" val="20003"/>
+                      <a16:colId xmlns:a16="http://schemas.microsoft.com/office/drawing/2014/main" xmlns="" val="20003"/>
                     </a:ext>
                   </a:extLst>
                 </a:gridCol>
                 <a:gridCol w="2253988">
                   <a:extLst>
                     <a:ext uri="{9D8B030D-6E8A-4147-A177-3AD203B41FA5}">
-                      <a16:colId xmlns:a16="http://schemas.microsoft.com/office/drawing/2014/main" val="20004"/>
+                      <a16:colId xmlns:a16="http://schemas.microsoft.com/office/drawing/2014/main" xmlns="" val="20004"/>
                     </a:ext>
                   </a:extLst>
                 </a:gridCol>
@@ -9704,7 +9699,7 @@
                 </a:tc>
                 <a:extLst>
                   <a:ext uri="{0D108BD9-81ED-4DB2-BD59-A6C34878D82A}">
-                    <a16:rowId xmlns:a16="http://schemas.microsoft.com/office/drawing/2014/main" val="10000"/>
+                    <a16:rowId xmlns:a16="http://schemas.microsoft.com/office/drawing/2014/main" xmlns="" val="10000"/>
                   </a:ext>
                 </a:extLst>
               </a:tr>
@@ -9778,7 +9773,7 @@
                 </a:tc>
                 <a:extLst>
                   <a:ext uri="{0D108BD9-81ED-4DB2-BD59-A6C34878D82A}">
-                    <a16:rowId xmlns:a16="http://schemas.microsoft.com/office/drawing/2014/main" val="10001"/>
+                    <a16:rowId xmlns:a16="http://schemas.microsoft.com/office/drawing/2014/main" xmlns="" val="10001"/>
                   </a:ext>
                 </a:extLst>
               </a:tr>
@@ -9847,7 +9842,7 @@
                 </a:tc>
                 <a:extLst>
                   <a:ext uri="{0D108BD9-81ED-4DB2-BD59-A6C34878D82A}">
-                    <a16:rowId xmlns:a16="http://schemas.microsoft.com/office/drawing/2014/main" val="10002"/>
+                    <a16:rowId xmlns:a16="http://schemas.microsoft.com/office/drawing/2014/main" xmlns="" val="10002"/>
                   </a:ext>
                 </a:extLst>
               </a:tr>
@@ -9916,7 +9911,7 @@
                 </a:tc>
                 <a:extLst>
                   <a:ext uri="{0D108BD9-81ED-4DB2-BD59-A6C34878D82A}">
-                    <a16:rowId xmlns:a16="http://schemas.microsoft.com/office/drawing/2014/main" val="10003"/>
+                    <a16:rowId xmlns:a16="http://schemas.microsoft.com/office/drawing/2014/main" xmlns="" val="10003"/>
                   </a:ext>
                 </a:extLst>
               </a:tr>
@@ -11760,35 +11755,35 @@
                 <a:gridCol w="490951">
                   <a:extLst>
                     <a:ext uri="{9D8B030D-6E8A-4147-A177-3AD203B41FA5}">
-                      <a16:colId xmlns:a16="http://schemas.microsoft.com/office/drawing/2014/main" val="20000"/>
+                      <a16:colId xmlns:a16="http://schemas.microsoft.com/office/drawing/2014/main" xmlns="" val="20000"/>
                     </a:ext>
                   </a:extLst>
                 </a:gridCol>
                 <a:gridCol w="1405354">
                   <a:extLst>
                     <a:ext uri="{9D8B030D-6E8A-4147-A177-3AD203B41FA5}">
-                      <a16:colId xmlns:a16="http://schemas.microsoft.com/office/drawing/2014/main" val="20001"/>
+                      <a16:colId xmlns:a16="http://schemas.microsoft.com/office/drawing/2014/main" xmlns="" val="20001"/>
                     </a:ext>
                   </a:extLst>
                 </a:gridCol>
                 <a:gridCol w="1502275">
                   <a:extLst>
                     <a:ext uri="{9D8B030D-6E8A-4147-A177-3AD203B41FA5}">
-                      <a16:colId xmlns:a16="http://schemas.microsoft.com/office/drawing/2014/main" val="20002"/>
+                      <a16:colId xmlns:a16="http://schemas.microsoft.com/office/drawing/2014/main" xmlns="" val="20002"/>
                     </a:ext>
                   </a:extLst>
                 </a:gridCol>
                 <a:gridCol w="2253988">
                   <a:extLst>
                     <a:ext uri="{9D8B030D-6E8A-4147-A177-3AD203B41FA5}">
-                      <a16:colId xmlns:a16="http://schemas.microsoft.com/office/drawing/2014/main" val="20003"/>
+                      <a16:colId xmlns:a16="http://schemas.microsoft.com/office/drawing/2014/main" xmlns="" val="20003"/>
                     </a:ext>
                   </a:extLst>
                 </a:gridCol>
                 <a:gridCol w="2253988">
                   <a:extLst>
                     <a:ext uri="{9D8B030D-6E8A-4147-A177-3AD203B41FA5}">
-                      <a16:colId xmlns:a16="http://schemas.microsoft.com/office/drawing/2014/main" val="20004"/>
+                      <a16:colId xmlns:a16="http://schemas.microsoft.com/office/drawing/2014/main" xmlns="" val="20004"/>
                     </a:ext>
                   </a:extLst>
                 </a:gridCol>
@@ -11858,7 +11853,7 @@
                 </a:tc>
                 <a:extLst>
                   <a:ext uri="{0D108BD9-81ED-4DB2-BD59-A6C34878D82A}">
-                    <a16:rowId xmlns:a16="http://schemas.microsoft.com/office/drawing/2014/main" val="10000"/>
+                    <a16:rowId xmlns:a16="http://schemas.microsoft.com/office/drawing/2014/main" xmlns="" val="10000"/>
                   </a:ext>
                 </a:extLst>
               </a:tr>
@@ -11940,7 +11935,7 @@
                 </a:tc>
                 <a:extLst>
                   <a:ext uri="{0D108BD9-81ED-4DB2-BD59-A6C34878D82A}">
-                    <a16:rowId xmlns:a16="http://schemas.microsoft.com/office/drawing/2014/main" val="10001"/>
+                    <a16:rowId xmlns:a16="http://schemas.microsoft.com/office/drawing/2014/main" xmlns="" val="10001"/>
                   </a:ext>
                 </a:extLst>
               </a:tr>
@@ -12039,7 +12034,7 @@
                 </a:tc>
                 <a:extLst>
                   <a:ext uri="{0D108BD9-81ED-4DB2-BD59-A6C34878D82A}">
-                    <a16:rowId xmlns:a16="http://schemas.microsoft.com/office/drawing/2014/main" val="10002"/>
+                    <a16:rowId xmlns:a16="http://schemas.microsoft.com/office/drawing/2014/main" xmlns="" val="10002"/>
                   </a:ext>
                 </a:extLst>
               </a:tr>
@@ -12130,35 +12125,35 @@
                 <a:gridCol w="536534">
                   <a:extLst>
                     <a:ext uri="{9D8B030D-6E8A-4147-A177-3AD203B41FA5}">
-                      <a16:colId xmlns:a16="http://schemas.microsoft.com/office/drawing/2014/main" val="20000"/>
+                      <a16:colId xmlns:a16="http://schemas.microsoft.com/office/drawing/2014/main" xmlns="" val="20000"/>
                     </a:ext>
                   </a:extLst>
                 </a:gridCol>
                 <a:gridCol w="1535836">
                   <a:extLst>
                     <a:ext uri="{9D8B030D-6E8A-4147-A177-3AD203B41FA5}">
-                      <a16:colId xmlns:a16="http://schemas.microsoft.com/office/drawing/2014/main" val="20001"/>
+                      <a16:colId xmlns:a16="http://schemas.microsoft.com/office/drawing/2014/main" xmlns="" val="20001"/>
                     </a:ext>
                   </a:extLst>
                 </a:gridCol>
                 <a:gridCol w="1641756">
                   <a:extLst>
                     <a:ext uri="{9D8B030D-6E8A-4147-A177-3AD203B41FA5}">
-                      <a16:colId xmlns:a16="http://schemas.microsoft.com/office/drawing/2014/main" val="20002"/>
+                      <a16:colId xmlns:a16="http://schemas.microsoft.com/office/drawing/2014/main" xmlns="" val="20002"/>
                     </a:ext>
                   </a:extLst>
                 </a:gridCol>
                 <a:gridCol w="2463263">
                   <a:extLst>
                     <a:ext uri="{9D8B030D-6E8A-4147-A177-3AD203B41FA5}">
-                      <a16:colId xmlns:a16="http://schemas.microsoft.com/office/drawing/2014/main" val="20003"/>
+                      <a16:colId xmlns:a16="http://schemas.microsoft.com/office/drawing/2014/main" xmlns="" val="20003"/>
                     </a:ext>
                   </a:extLst>
                 </a:gridCol>
                 <a:gridCol w="2463263">
                   <a:extLst>
                     <a:ext uri="{9D8B030D-6E8A-4147-A177-3AD203B41FA5}">
-                      <a16:colId xmlns:a16="http://schemas.microsoft.com/office/drawing/2014/main" val="20004"/>
+                      <a16:colId xmlns:a16="http://schemas.microsoft.com/office/drawing/2014/main" xmlns="" val="20004"/>
                     </a:ext>
                   </a:extLst>
                 </a:gridCol>
@@ -12228,7 +12223,7 @@
                 </a:tc>
                 <a:extLst>
                   <a:ext uri="{0D108BD9-81ED-4DB2-BD59-A6C34878D82A}">
-                    <a16:rowId xmlns:a16="http://schemas.microsoft.com/office/drawing/2014/main" val="10000"/>
+                    <a16:rowId xmlns:a16="http://schemas.microsoft.com/office/drawing/2014/main" xmlns="" val="10000"/>
                   </a:ext>
                 </a:extLst>
               </a:tr>
@@ -12298,7 +12293,7 @@
                 </a:tc>
                 <a:extLst>
                   <a:ext uri="{0D108BD9-81ED-4DB2-BD59-A6C34878D82A}">
-                    <a16:rowId xmlns:a16="http://schemas.microsoft.com/office/drawing/2014/main" val="10001"/>
+                    <a16:rowId xmlns:a16="http://schemas.microsoft.com/office/drawing/2014/main" xmlns="" val="10001"/>
                   </a:ext>
                 </a:extLst>
               </a:tr>
@@ -12368,7 +12363,7 @@
                 </a:tc>
                 <a:extLst>
                   <a:ext uri="{0D108BD9-81ED-4DB2-BD59-A6C34878D82A}">
-                    <a16:rowId xmlns:a16="http://schemas.microsoft.com/office/drawing/2014/main" val="10002"/>
+                    <a16:rowId xmlns:a16="http://schemas.microsoft.com/office/drawing/2014/main" xmlns="" val="10002"/>
                   </a:ext>
                 </a:extLst>
               </a:tr>
@@ -12443,7 +12438,7 @@
                 </a:tc>
                 <a:extLst>
                   <a:ext uri="{0D108BD9-81ED-4DB2-BD59-A6C34878D82A}">
-                    <a16:rowId xmlns:a16="http://schemas.microsoft.com/office/drawing/2014/main" val="10003"/>
+                    <a16:rowId xmlns:a16="http://schemas.microsoft.com/office/drawing/2014/main" xmlns="" val="10003"/>
                   </a:ext>
                 </a:extLst>
               </a:tr>
@@ -12518,7 +12513,7 @@
                 </a:tc>
                 <a:extLst>
                   <a:ext uri="{0D108BD9-81ED-4DB2-BD59-A6C34878D82A}">
-                    <a16:rowId xmlns:a16="http://schemas.microsoft.com/office/drawing/2014/main" val="10004"/>
+                    <a16:rowId xmlns:a16="http://schemas.microsoft.com/office/drawing/2014/main" xmlns="" val="10004"/>
                   </a:ext>
                 </a:extLst>
               </a:tr>
@@ -12588,7 +12583,7 @@
                 </a:tc>
                 <a:extLst>
                   <a:ext uri="{0D108BD9-81ED-4DB2-BD59-A6C34878D82A}">
-                    <a16:rowId xmlns:a16="http://schemas.microsoft.com/office/drawing/2014/main" val="10005"/>
+                    <a16:rowId xmlns:a16="http://schemas.microsoft.com/office/drawing/2014/main" xmlns="" val="10005"/>
                   </a:ext>
                 </a:extLst>
               </a:tr>
@@ -12662,7 +12657,7 @@
                 </a:tc>
                 <a:extLst>
                   <a:ext uri="{0D108BD9-81ED-4DB2-BD59-A6C34878D82A}">
-                    <a16:rowId xmlns:a16="http://schemas.microsoft.com/office/drawing/2014/main" val="10006"/>
+                    <a16:rowId xmlns:a16="http://schemas.microsoft.com/office/drawing/2014/main" xmlns="" val="10006"/>
                   </a:ext>
                 </a:extLst>
               </a:tr>
@@ -12684,2510 +12679,6 @@
 </file>
 
 <file path=ppt/slides/slide21.xml><?xml version="1.0" encoding="utf-8"?>
-<p:sld xmlns:a="http://schemas.openxmlformats.org/drawingml/2006/main" xmlns:r="http://schemas.openxmlformats.org/officeDocument/2006/relationships" xmlns:p="http://schemas.openxmlformats.org/presentationml/2006/main">
-  <p:cSld>
-    <p:spTree>
-      <p:nvGrpSpPr>
-        <p:cNvPr id="1" name=""/>
-        <p:cNvGrpSpPr/>
-        <p:nvPr/>
-      </p:nvGrpSpPr>
-      <p:grpSpPr>
-        <a:xfrm>
-          <a:off x="0" y="0"/>
-          <a:ext cx="0" cy="0"/>
-          <a:chOff x="0" y="0"/>
-          <a:chExt cx="0" cy="0"/>
-        </a:xfrm>
-      </p:grpSpPr>
-      <p:sp>
-        <p:nvSpPr>
-          <p:cNvPr id="4" name="Retângulo 3"/>
-          <p:cNvSpPr/>
-          <p:nvPr/>
-        </p:nvSpPr>
-        <p:spPr>
-          <a:xfrm>
-            <a:off x="1117279" y="445761"/>
-            <a:ext cx="9787944" cy="5911402"/>
-          </a:xfrm>
-          <a:prstGeom prst="rect">
-            <a:avLst/>
-          </a:prstGeom>
-          <a:solidFill>
-            <a:srgbClr val="A5CA97"/>
-          </a:solidFill>
-          <a:ln>
-            <a:solidFill>
-              <a:schemeClr val="accent6">
-                <a:lumMod val="60000"/>
-                <a:lumOff val="40000"/>
-              </a:schemeClr>
-            </a:solidFill>
-          </a:ln>
-          <a:effectLst/>
-        </p:spPr>
-        <p:style>
-          <a:lnRef idx="2">
-            <a:schemeClr val="accent1">
-              <a:shade val="50000"/>
-            </a:schemeClr>
-          </a:lnRef>
-          <a:fillRef idx="1">
-            <a:schemeClr val="accent1"/>
-          </a:fillRef>
-          <a:effectRef idx="0">
-            <a:schemeClr val="accent1"/>
-          </a:effectRef>
-          <a:fontRef idx="minor">
-            <a:schemeClr val="lt1"/>
-          </a:fontRef>
-        </p:style>
-        <p:txBody>
-          <a:bodyPr rtlCol="0" anchor="ctr"/>
-          <a:lstStyle/>
-          <a:p>
-            <a:pPr algn="ctr"/>
-            <a:endParaRPr lang="pt-BR"/>
-          </a:p>
-        </p:txBody>
-      </p:sp>
-      <p:sp>
-        <p:nvSpPr>
-          <p:cNvPr id="15" name="Retângulo 14"/>
-          <p:cNvSpPr/>
-          <p:nvPr/>
-        </p:nvSpPr>
-        <p:spPr>
-          <a:xfrm>
-            <a:off x="1146749" y="445761"/>
-            <a:ext cx="9787944" cy="764853"/>
-          </a:xfrm>
-          <a:prstGeom prst="rect">
-            <a:avLst/>
-          </a:prstGeom>
-          <a:solidFill>
-            <a:srgbClr val="8DBA62"/>
-          </a:solidFill>
-          <a:ln>
-            <a:noFill/>
-          </a:ln>
-        </p:spPr>
-        <p:style>
-          <a:lnRef idx="2">
-            <a:schemeClr val="accent1">
-              <a:shade val="50000"/>
-            </a:schemeClr>
-          </a:lnRef>
-          <a:fillRef idx="1">
-            <a:schemeClr val="accent1"/>
-          </a:fillRef>
-          <a:effectRef idx="0">
-            <a:schemeClr val="accent1"/>
-          </a:effectRef>
-          <a:fontRef idx="minor">
-            <a:schemeClr val="lt1"/>
-          </a:fontRef>
-        </p:style>
-        <p:txBody>
-          <a:bodyPr rtlCol="0" anchor="ctr"/>
-          <a:lstStyle/>
-          <a:p>
-            <a:pPr algn="ctr"/>
-            <a:endParaRPr lang="pt-BR"/>
-          </a:p>
-        </p:txBody>
-      </p:sp>
-      <p:sp>
-        <p:nvSpPr>
-          <p:cNvPr id="40" name="CaixaDeTexto 39"/>
-          <p:cNvSpPr txBox="1"/>
-          <p:nvPr/>
-        </p:nvSpPr>
-        <p:spPr>
-          <a:xfrm>
-            <a:off x="1577068" y="505291"/>
-            <a:ext cx="8258308" cy="646331"/>
-          </a:xfrm>
-          <a:prstGeom prst="rect">
-            <a:avLst/>
-          </a:prstGeom>
-          <a:noFill/>
-        </p:spPr>
-        <p:txBody>
-          <a:bodyPr wrap="square" rtlCol="0">
-            <a:spAutoFit/>
-          </a:bodyPr>
-          <a:lstStyle/>
-          <a:p>
-            <a:r>
-              <a:rPr lang="pt-BR" sz="3600" dirty="0">
-                <a:solidFill>
-                  <a:schemeClr val="bg1"/>
-                </a:solidFill>
-                <a:latin typeface="Bahnschrift" panose="020B0502040204020203" pitchFamily="34" charset="0"/>
-              </a:rPr>
-              <a:t>Nova rodada – X –</a:t>
-            </a:r>
-            <a:r>
-              <a:rPr lang="pt-BR" sz="3600" dirty="0">
-                <a:solidFill>
-                  <a:srgbClr val="FF0000"/>
-                </a:solidFill>
-                <a:latin typeface="Bahnschrift" panose="020B0502040204020203" pitchFamily="34" charset="0"/>
-              </a:rPr>
-              <a:t>ATUALIZAR DESIGN</a:t>
-            </a:r>
-            <a:endParaRPr lang="pt-BR" sz="3600" dirty="0">
-              <a:solidFill>
-                <a:schemeClr val="bg1"/>
-              </a:solidFill>
-              <a:latin typeface="Bahnschrift" panose="020B0502040204020203" pitchFamily="34" charset="0"/>
-            </a:endParaRPr>
-          </a:p>
-        </p:txBody>
-      </p:sp>
-      <p:grpSp>
-        <p:nvGrpSpPr>
-          <p:cNvPr id="47" name="Grupo 46"/>
-          <p:cNvGrpSpPr/>
-          <p:nvPr/>
-        </p:nvGrpSpPr>
-        <p:grpSpPr>
-          <a:xfrm>
-            <a:off x="1247577" y="1397073"/>
-            <a:ext cx="6196412" cy="4773631"/>
-            <a:chOff x="3303102" y="1578846"/>
-            <a:chExt cx="7132734" cy="4364070"/>
-          </a:xfrm>
-        </p:grpSpPr>
-        <p:sp>
-          <p:nvSpPr>
-            <p:cNvPr id="50" name="Retângulo 49"/>
-            <p:cNvSpPr/>
-            <p:nvPr/>
-          </p:nvSpPr>
-          <p:spPr>
-            <a:xfrm>
-              <a:off x="3303102" y="1578846"/>
-              <a:ext cx="7132734" cy="4364070"/>
-            </a:xfrm>
-            <a:prstGeom prst="rect">
-              <a:avLst/>
-            </a:prstGeom>
-            <a:solidFill>
-              <a:srgbClr val="8DBA62"/>
-            </a:solidFill>
-            <a:ln>
-              <a:solidFill>
-                <a:srgbClr val="8DBA62"/>
-              </a:solidFill>
-            </a:ln>
-          </p:spPr>
-          <p:style>
-            <a:lnRef idx="2">
-              <a:schemeClr val="accent1">
-                <a:shade val="50000"/>
-              </a:schemeClr>
-            </a:lnRef>
-            <a:fillRef idx="1">
-              <a:schemeClr val="accent1"/>
-            </a:fillRef>
-            <a:effectRef idx="0">
-              <a:schemeClr val="accent1"/>
-            </a:effectRef>
-            <a:fontRef idx="minor">
-              <a:schemeClr val="lt1"/>
-            </a:fontRef>
-          </p:style>
-          <p:txBody>
-            <a:bodyPr rtlCol="0" anchor="ctr"/>
-            <a:lstStyle/>
-            <a:p>
-              <a:pPr algn="ctr"/>
-              <a:endParaRPr lang="pt-BR"/>
-            </a:p>
-          </p:txBody>
-        </p:sp>
-        <p:sp>
-          <p:nvSpPr>
-            <p:cNvPr id="58" name="Retângulo de cantos arredondados 57"/>
-            <p:cNvSpPr/>
-            <p:nvPr/>
-          </p:nvSpPr>
-          <p:spPr>
-            <a:xfrm>
-              <a:off x="3400023" y="1674254"/>
-              <a:ext cx="6941711" cy="4172754"/>
-            </a:xfrm>
-            <a:prstGeom prst="roundRect">
-              <a:avLst>
-                <a:gd name="adj" fmla="val 0"/>
-              </a:avLst>
-            </a:prstGeom>
-            <a:solidFill>
-              <a:srgbClr val="FDEBC7"/>
-            </a:solidFill>
-            <a:ln>
-              <a:solidFill>
-                <a:srgbClr val="8DBA62"/>
-              </a:solidFill>
-            </a:ln>
-          </p:spPr>
-          <p:style>
-            <a:lnRef idx="2">
-              <a:schemeClr val="accent6"/>
-            </a:lnRef>
-            <a:fillRef idx="1">
-              <a:schemeClr val="lt1"/>
-            </a:fillRef>
-            <a:effectRef idx="0">
-              <a:schemeClr val="accent6"/>
-            </a:effectRef>
-            <a:fontRef idx="minor">
-              <a:schemeClr val="dk1"/>
-            </a:fontRef>
-          </p:style>
-          <p:txBody>
-            <a:bodyPr rtlCol="0" anchor="ctr"/>
-            <a:lstStyle/>
-            <a:p>
-              <a:pPr algn="ctr"/>
-              <a:endParaRPr lang="pt-BR"/>
-            </a:p>
-          </p:txBody>
-        </p:sp>
-      </p:grpSp>
-      <p:sp>
-        <p:nvSpPr>
-          <p:cNvPr id="19" name="CaixaDeTexto 18"/>
-          <p:cNvSpPr txBox="1"/>
-          <p:nvPr/>
-        </p:nvSpPr>
-        <p:spPr>
-          <a:xfrm>
-            <a:off x="1432892" y="1602383"/>
-            <a:ext cx="4578359" cy="461665"/>
-          </a:xfrm>
-          <a:prstGeom prst="rect">
-            <a:avLst/>
-          </a:prstGeom>
-          <a:noFill/>
-        </p:spPr>
-        <p:txBody>
-          <a:bodyPr wrap="square" rtlCol="0">
-            <a:spAutoFit/>
-          </a:bodyPr>
-          <a:lstStyle/>
-          <a:p>
-            <a:r>
-              <a:rPr lang="pt-BR" sz="2400" dirty="0">
-                <a:solidFill>
-                  <a:srgbClr val="447E43"/>
-                </a:solidFill>
-                <a:latin typeface="Bahnschrift" panose="020B0502040204020203" pitchFamily="34" charset="0"/>
-              </a:rPr>
-              <a:t>Jogos Cadastrados</a:t>
-            </a:r>
-          </a:p>
-        </p:txBody>
-      </p:sp>
-      <p:cxnSp>
-        <p:nvCxnSpPr>
-          <p:cNvPr id="3" name="Conector reto 2"/>
-          <p:cNvCxnSpPr/>
-          <p:nvPr/>
-        </p:nvCxnSpPr>
-        <p:spPr>
-          <a:xfrm>
-            <a:off x="1577068" y="2064048"/>
-            <a:ext cx="5609343" cy="0"/>
-          </a:xfrm>
-          <a:prstGeom prst="line">
-            <a:avLst/>
-          </a:prstGeom>
-          <a:ln>
-            <a:solidFill>
-              <a:srgbClr val="8DBA62"/>
-            </a:solidFill>
-          </a:ln>
-        </p:spPr>
-        <p:style>
-          <a:lnRef idx="1">
-            <a:schemeClr val="accent1"/>
-          </a:lnRef>
-          <a:fillRef idx="0">
-            <a:schemeClr val="accent1"/>
-          </a:fillRef>
-          <a:effectRef idx="0">
-            <a:schemeClr val="accent1"/>
-          </a:effectRef>
-          <a:fontRef idx="minor">
-            <a:schemeClr val="tx1"/>
-          </a:fontRef>
-        </p:style>
-      </p:cxnSp>
-      <p:grpSp>
-        <p:nvGrpSpPr>
-          <p:cNvPr id="23" name="Grupo 22"/>
-          <p:cNvGrpSpPr/>
-          <p:nvPr/>
-        </p:nvGrpSpPr>
-        <p:grpSpPr>
-          <a:xfrm>
-            <a:off x="7545106" y="1397073"/>
-            <a:ext cx="3224038" cy="1861282"/>
-            <a:chOff x="3303102" y="1578846"/>
-            <a:chExt cx="7132734" cy="4364070"/>
-          </a:xfrm>
-        </p:grpSpPr>
-        <p:sp>
-          <p:nvSpPr>
-            <p:cNvPr id="24" name="Retângulo 23"/>
-            <p:cNvSpPr/>
-            <p:nvPr/>
-          </p:nvSpPr>
-          <p:spPr>
-            <a:xfrm>
-              <a:off x="3303102" y="1578846"/>
-              <a:ext cx="7132734" cy="4364070"/>
-            </a:xfrm>
-            <a:prstGeom prst="rect">
-              <a:avLst/>
-            </a:prstGeom>
-            <a:solidFill>
-              <a:srgbClr val="8DBA62"/>
-            </a:solidFill>
-            <a:ln>
-              <a:solidFill>
-                <a:srgbClr val="8DBA62"/>
-              </a:solidFill>
-            </a:ln>
-          </p:spPr>
-          <p:style>
-            <a:lnRef idx="2">
-              <a:schemeClr val="accent1">
-                <a:shade val="50000"/>
-              </a:schemeClr>
-            </a:lnRef>
-            <a:fillRef idx="1">
-              <a:schemeClr val="accent1"/>
-            </a:fillRef>
-            <a:effectRef idx="0">
-              <a:schemeClr val="accent1"/>
-            </a:effectRef>
-            <a:fontRef idx="minor">
-              <a:schemeClr val="lt1"/>
-            </a:fontRef>
-          </p:style>
-          <p:txBody>
-            <a:bodyPr rtlCol="0" anchor="ctr"/>
-            <a:lstStyle/>
-            <a:p>
-              <a:pPr algn="ctr"/>
-              <a:endParaRPr lang="pt-BR"/>
-            </a:p>
-          </p:txBody>
-        </p:sp>
-        <p:sp>
-          <p:nvSpPr>
-            <p:cNvPr id="25" name="Retângulo de cantos arredondados 24"/>
-            <p:cNvSpPr/>
-            <p:nvPr/>
-          </p:nvSpPr>
-          <p:spPr>
-            <a:xfrm>
-              <a:off x="3400023" y="1674254"/>
-              <a:ext cx="6941711" cy="4172754"/>
-            </a:xfrm>
-            <a:prstGeom prst="roundRect">
-              <a:avLst>
-                <a:gd name="adj" fmla="val 0"/>
-              </a:avLst>
-            </a:prstGeom>
-            <a:solidFill>
-              <a:srgbClr val="FDEBC7"/>
-            </a:solidFill>
-            <a:ln>
-              <a:solidFill>
-                <a:srgbClr val="8DBA62"/>
-              </a:solidFill>
-            </a:ln>
-          </p:spPr>
-          <p:style>
-            <a:lnRef idx="2">
-              <a:schemeClr val="accent6"/>
-            </a:lnRef>
-            <a:fillRef idx="1">
-              <a:schemeClr val="lt1"/>
-            </a:fillRef>
-            <a:effectRef idx="0">
-              <a:schemeClr val="accent6"/>
-            </a:effectRef>
-            <a:fontRef idx="minor">
-              <a:schemeClr val="dk1"/>
-            </a:fontRef>
-          </p:style>
-          <p:txBody>
-            <a:bodyPr rtlCol="0" anchor="ctr"/>
-            <a:lstStyle/>
-            <a:p>
-              <a:pPr algn="ctr"/>
-              <a:endParaRPr lang="pt-BR"/>
-            </a:p>
-          </p:txBody>
-        </p:sp>
-      </p:grpSp>
-      <p:grpSp>
-        <p:nvGrpSpPr>
-          <p:cNvPr id="26" name="Grupo 25"/>
-          <p:cNvGrpSpPr/>
-          <p:nvPr/>
-        </p:nvGrpSpPr>
-        <p:grpSpPr>
-          <a:xfrm>
-            <a:off x="7545107" y="3321368"/>
-            <a:ext cx="3224038" cy="1469574"/>
-            <a:chOff x="3303102" y="1578846"/>
-            <a:chExt cx="7132734" cy="4364070"/>
-          </a:xfrm>
-        </p:grpSpPr>
-        <p:sp>
-          <p:nvSpPr>
-            <p:cNvPr id="27" name="Retângulo 26"/>
-            <p:cNvSpPr/>
-            <p:nvPr/>
-          </p:nvSpPr>
-          <p:spPr>
-            <a:xfrm>
-              <a:off x="3303102" y="1578846"/>
-              <a:ext cx="7132734" cy="4364070"/>
-            </a:xfrm>
-            <a:prstGeom prst="rect">
-              <a:avLst/>
-            </a:prstGeom>
-            <a:solidFill>
-              <a:srgbClr val="8DBA62"/>
-            </a:solidFill>
-            <a:ln>
-              <a:solidFill>
-                <a:srgbClr val="8DBA62"/>
-              </a:solidFill>
-            </a:ln>
-          </p:spPr>
-          <p:style>
-            <a:lnRef idx="2">
-              <a:schemeClr val="accent1">
-                <a:shade val="50000"/>
-              </a:schemeClr>
-            </a:lnRef>
-            <a:fillRef idx="1">
-              <a:schemeClr val="accent1"/>
-            </a:fillRef>
-            <a:effectRef idx="0">
-              <a:schemeClr val="accent1"/>
-            </a:effectRef>
-            <a:fontRef idx="minor">
-              <a:schemeClr val="lt1"/>
-            </a:fontRef>
-          </p:style>
-          <p:txBody>
-            <a:bodyPr rtlCol="0" anchor="ctr"/>
-            <a:lstStyle/>
-            <a:p>
-              <a:pPr algn="ctr"/>
-              <a:endParaRPr lang="pt-BR"/>
-            </a:p>
-          </p:txBody>
-        </p:sp>
-        <p:sp>
-          <p:nvSpPr>
-            <p:cNvPr id="28" name="Retângulo de cantos arredondados 27"/>
-            <p:cNvSpPr/>
-            <p:nvPr/>
-          </p:nvSpPr>
-          <p:spPr>
-            <a:xfrm>
-              <a:off x="3400023" y="1674254"/>
-              <a:ext cx="6941711" cy="4172754"/>
-            </a:xfrm>
-            <a:prstGeom prst="roundRect">
-              <a:avLst>
-                <a:gd name="adj" fmla="val 0"/>
-              </a:avLst>
-            </a:prstGeom>
-            <a:solidFill>
-              <a:srgbClr val="FDEBC7"/>
-            </a:solidFill>
-            <a:ln>
-              <a:solidFill>
-                <a:srgbClr val="8DBA62"/>
-              </a:solidFill>
-            </a:ln>
-          </p:spPr>
-          <p:style>
-            <a:lnRef idx="2">
-              <a:schemeClr val="accent6"/>
-            </a:lnRef>
-            <a:fillRef idx="1">
-              <a:schemeClr val="lt1"/>
-            </a:fillRef>
-            <a:effectRef idx="0">
-              <a:schemeClr val="accent6"/>
-            </a:effectRef>
-            <a:fontRef idx="minor">
-              <a:schemeClr val="dk1"/>
-            </a:fontRef>
-          </p:style>
-          <p:txBody>
-            <a:bodyPr rtlCol="0" anchor="ctr"/>
-            <a:lstStyle/>
-            <a:p>
-              <a:pPr algn="ctr"/>
-              <a:endParaRPr lang="pt-BR"/>
-            </a:p>
-          </p:txBody>
-        </p:sp>
-      </p:grpSp>
-      <p:grpSp>
-        <p:nvGrpSpPr>
-          <p:cNvPr id="29" name="Grupo 28"/>
-          <p:cNvGrpSpPr/>
-          <p:nvPr/>
-        </p:nvGrpSpPr>
-        <p:grpSpPr>
-          <a:xfrm>
-            <a:off x="7545106" y="4864736"/>
-            <a:ext cx="3224038" cy="1247973"/>
-            <a:chOff x="3303102" y="1578846"/>
-            <a:chExt cx="7132734" cy="4364070"/>
-          </a:xfrm>
-        </p:grpSpPr>
-        <p:sp>
-          <p:nvSpPr>
-            <p:cNvPr id="30" name="Retângulo 29"/>
-            <p:cNvSpPr/>
-            <p:nvPr/>
-          </p:nvSpPr>
-          <p:spPr>
-            <a:xfrm>
-              <a:off x="3303102" y="1578846"/>
-              <a:ext cx="7132734" cy="4364070"/>
-            </a:xfrm>
-            <a:prstGeom prst="rect">
-              <a:avLst/>
-            </a:prstGeom>
-            <a:solidFill>
-              <a:srgbClr val="8DBA62"/>
-            </a:solidFill>
-            <a:ln>
-              <a:solidFill>
-                <a:srgbClr val="8DBA62"/>
-              </a:solidFill>
-            </a:ln>
-          </p:spPr>
-          <p:style>
-            <a:lnRef idx="2">
-              <a:schemeClr val="accent1">
-                <a:shade val="50000"/>
-              </a:schemeClr>
-            </a:lnRef>
-            <a:fillRef idx="1">
-              <a:schemeClr val="accent1"/>
-            </a:fillRef>
-            <a:effectRef idx="0">
-              <a:schemeClr val="accent1"/>
-            </a:effectRef>
-            <a:fontRef idx="minor">
-              <a:schemeClr val="lt1"/>
-            </a:fontRef>
-          </p:style>
-          <p:txBody>
-            <a:bodyPr rtlCol="0" anchor="ctr"/>
-            <a:lstStyle/>
-            <a:p>
-              <a:pPr algn="ctr"/>
-              <a:endParaRPr lang="pt-BR"/>
-            </a:p>
-          </p:txBody>
-        </p:sp>
-        <p:sp>
-          <p:nvSpPr>
-            <p:cNvPr id="31" name="Retângulo de cantos arredondados 30"/>
-            <p:cNvSpPr/>
-            <p:nvPr/>
-          </p:nvSpPr>
-          <p:spPr>
-            <a:xfrm>
-              <a:off x="3400023" y="1674254"/>
-              <a:ext cx="6941711" cy="4172754"/>
-            </a:xfrm>
-            <a:prstGeom prst="roundRect">
-              <a:avLst>
-                <a:gd name="adj" fmla="val 0"/>
-              </a:avLst>
-            </a:prstGeom>
-            <a:solidFill>
-              <a:srgbClr val="FDEBC7"/>
-            </a:solidFill>
-            <a:ln>
-              <a:solidFill>
-                <a:srgbClr val="8DBA62"/>
-              </a:solidFill>
-            </a:ln>
-          </p:spPr>
-          <p:style>
-            <a:lnRef idx="2">
-              <a:schemeClr val="accent6"/>
-            </a:lnRef>
-            <a:fillRef idx="1">
-              <a:schemeClr val="lt1"/>
-            </a:fillRef>
-            <a:effectRef idx="0">
-              <a:schemeClr val="accent6"/>
-            </a:effectRef>
-            <a:fontRef idx="minor">
-              <a:schemeClr val="dk1"/>
-            </a:fontRef>
-          </p:style>
-          <p:txBody>
-            <a:bodyPr rtlCol="0" anchor="ctr"/>
-            <a:lstStyle/>
-            <a:p>
-              <a:pPr algn="ctr"/>
-              <a:endParaRPr lang="pt-BR"/>
-            </a:p>
-          </p:txBody>
-        </p:sp>
-      </p:grpSp>
-      <p:sp>
-        <p:nvSpPr>
-          <p:cNvPr id="32" name="Retângulo 31"/>
-          <p:cNvSpPr/>
-          <p:nvPr/>
-        </p:nvSpPr>
-        <p:spPr>
-          <a:xfrm>
-            <a:off x="7545107" y="1394320"/>
-            <a:ext cx="3186618" cy="208063"/>
-          </a:xfrm>
-          <a:prstGeom prst="rect">
-            <a:avLst/>
-          </a:prstGeom>
-          <a:solidFill>
-            <a:srgbClr val="8DBA62"/>
-          </a:solidFill>
-          <a:ln>
-            <a:solidFill>
-              <a:srgbClr val="73D54A"/>
-            </a:solidFill>
-          </a:ln>
-          <a:effectLst>
-            <a:outerShdw blurRad="50800" dist="38100" dir="2700000" algn="tl" rotWithShape="0">
-              <a:prstClr val="black">
-                <a:alpha val="40000"/>
-              </a:prstClr>
-            </a:outerShdw>
-            <a:softEdge rad="0"/>
-          </a:effectLst>
-        </p:spPr>
-        <p:style>
-          <a:lnRef idx="2">
-            <a:schemeClr val="accent1">
-              <a:shade val="50000"/>
-            </a:schemeClr>
-          </a:lnRef>
-          <a:fillRef idx="1">
-            <a:schemeClr val="accent1"/>
-          </a:fillRef>
-          <a:effectRef idx="0">
-            <a:schemeClr val="accent1"/>
-          </a:effectRef>
-          <a:fontRef idx="minor">
-            <a:schemeClr val="lt1"/>
-          </a:fontRef>
-        </p:style>
-        <p:txBody>
-          <a:bodyPr rtlCol="0" anchor="ctr"/>
-          <a:lstStyle/>
-          <a:p>
-            <a:pPr algn="ctr"/>
-            <a:r>
-              <a:rPr lang="pt-BR" dirty="0"/>
-              <a:t>QUIZ</a:t>
-            </a:r>
-          </a:p>
-        </p:txBody>
-      </p:sp>
-      <p:sp>
-        <p:nvSpPr>
-          <p:cNvPr id="33" name="Retângulo 32"/>
-          <p:cNvSpPr/>
-          <p:nvPr/>
-        </p:nvSpPr>
-        <p:spPr>
-          <a:xfrm>
-            <a:off x="7545106" y="3332149"/>
-            <a:ext cx="3186618" cy="235299"/>
-          </a:xfrm>
-          <a:prstGeom prst="rect">
-            <a:avLst/>
-          </a:prstGeom>
-          <a:solidFill>
-            <a:srgbClr val="8DBA62"/>
-          </a:solidFill>
-          <a:ln>
-            <a:solidFill>
-              <a:srgbClr val="73D54A"/>
-            </a:solidFill>
-          </a:ln>
-          <a:effectLst>
-            <a:outerShdw blurRad="50800" dist="38100" dir="2700000" algn="tl" rotWithShape="0">
-              <a:prstClr val="black">
-                <a:alpha val="40000"/>
-              </a:prstClr>
-            </a:outerShdw>
-            <a:softEdge rad="0"/>
-          </a:effectLst>
-        </p:spPr>
-        <p:style>
-          <a:lnRef idx="2">
-            <a:schemeClr val="accent1">
-              <a:shade val="50000"/>
-            </a:schemeClr>
-          </a:lnRef>
-          <a:fillRef idx="1">
-            <a:schemeClr val="accent1"/>
-          </a:fillRef>
-          <a:effectRef idx="0">
-            <a:schemeClr val="accent1"/>
-          </a:effectRef>
-          <a:fontRef idx="minor">
-            <a:schemeClr val="lt1"/>
-          </a:fontRef>
-        </p:style>
-        <p:txBody>
-          <a:bodyPr rtlCol="0" anchor="ctr"/>
-          <a:lstStyle/>
-          <a:p>
-            <a:pPr algn="ctr"/>
-            <a:r>
-              <a:rPr lang="pt-BR" dirty="0"/>
-              <a:t>Jogo da memória</a:t>
-            </a:r>
-          </a:p>
-        </p:txBody>
-      </p:sp>
-      <p:sp>
-        <p:nvSpPr>
-          <p:cNvPr id="34" name="Retângulo 33"/>
-          <p:cNvSpPr/>
-          <p:nvPr/>
-        </p:nvSpPr>
-        <p:spPr>
-          <a:xfrm>
-            <a:off x="7574287" y="4892019"/>
-            <a:ext cx="3142809" cy="175779"/>
-          </a:xfrm>
-          <a:prstGeom prst="rect">
-            <a:avLst/>
-          </a:prstGeom>
-          <a:solidFill>
-            <a:srgbClr val="8DBA62"/>
-          </a:solidFill>
-          <a:ln>
-            <a:solidFill>
-              <a:srgbClr val="73D54A"/>
-            </a:solidFill>
-          </a:ln>
-          <a:effectLst>
-            <a:outerShdw blurRad="50800" dist="38100" dir="2700000" algn="tl" rotWithShape="0">
-              <a:prstClr val="black">
-                <a:alpha val="40000"/>
-              </a:prstClr>
-            </a:outerShdw>
-            <a:softEdge rad="0"/>
-          </a:effectLst>
-        </p:spPr>
-        <p:style>
-          <a:lnRef idx="2">
-            <a:schemeClr val="accent1">
-              <a:shade val="50000"/>
-            </a:schemeClr>
-          </a:lnRef>
-          <a:fillRef idx="1">
-            <a:schemeClr val="accent1"/>
-          </a:fillRef>
-          <a:effectRef idx="0">
-            <a:schemeClr val="accent1"/>
-          </a:effectRef>
-          <a:fontRef idx="minor">
-            <a:schemeClr val="lt1"/>
-          </a:fontRef>
-        </p:style>
-        <p:txBody>
-          <a:bodyPr rtlCol="0" anchor="ctr"/>
-          <a:lstStyle/>
-          <a:p>
-            <a:pPr algn="ctr"/>
-            <a:r>
-              <a:rPr lang="pt-BR" dirty="0"/>
-              <a:t>Acerte o alvo</a:t>
-            </a:r>
-          </a:p>
-        </p:txBody>
-      </p:sp>
-      <p:sp>
-        <p:nvSpPr>
-          <p:cNvPr id="35" name="Retângulo de cantos arredondados 34"/>
-          <p:cNvSpPr/>
-          <p:nvPr/>
-        </p:nvSpPr>
-        <p:spPr>
-          <a:xfrm>
-            <a:off x="7689282" y="1873618"/>
-            <a:ext cx="2536543" cy="235037"/>
-          </a:xfrm>
-          <a:prstGeom prst="roundRect">
-            <a:avLst/>
-          </a:prstGeom>
-          <a:noFill/>
-        </p:spPr>
-        <p:style>
-          <a:lnRef idx="2">
-            <a:schemeClr val="accent6"/>
-          </a:lnRef>
-          <a:fillRef idx="1">
-            <a:schemeClr val="lt1"/>
-          </a:fillRef>
-          <a:effectRef idx="0">
-            <a:schemeClr val="accent6"/>
-          </a:effectRef>
-          <a:fontRef idx="minor">
-            <a:schemeClr val="dk1"/>
-          </a:fontRef>
-        </p:style>
-        <p:txBody>
-          <a:bodyPr rtlCol="0" anchor="ctr"/>
-          <a:lstStyle/>
-          <a:p>
-            <a:pPr algn="ctr"/>
-            <a:endParaRPr lang="pt-BR"/>
-          </a:p>
-        </p:txBody>
-      </p:sp>
-      <p:sp>
-        <p:nvSpPr>
-          <p:cNvPr id="36" name="CaixaDeTexto 35"/>
-          <p:cNvSpPr txBox="1"/>
-          <p:nvPr/>
-        </p:nvSpPr>
-        <p:spPr>
-          <a:xfrm>
-            <a:off x="7665144" y="1797377"/>
-            <a:ext cx="1369682" cy="369332"/>
-          </a:xfrm>
-          <a:prstGeom prst="rect">
-            <a:avLst/>
-          </a:prstGeom>
-          <a:noFill/>
-        </p:spPr>
-        <p:txBody>
-          <a:bodyPr wrap="square" rtlCol="0">
-            <a:spAutoFit/>
-          </a:bodyPr>
-          <a:lstStyle/>
-          <a:p>
-            <a:r>
-              <a:rPr lang="pt-BR" sz="1400" dirty="0">
-                <a:solidFill>
-                  <a:srgbClr val="5DB427"/>
-                </a:solidFill>
-                <a:latin typeface="Bahnschrift Light" panose="020B0502040204020203" pitchFamily="34" charset="0"/>
-              </a:rPr>
-              <a:t>Pergunta 1</a:t>
-            </a:r>
-            <a:r>
-              <a:rPr lang="pt-BR" dirty="0">
-                <a:solidFill>
-                  <a:srgbClr val="5DB427"/>
-                </a:solidFill>
-                <a:latin typeface="Bahnschrift Light" panose="020B0502040204020203" pitchFamily="34" charset="0"/>
-              </a:rPr>
-              <a:t> </a:t>
-            </a:r>
-          </a:p>
-        </p:txBody>
-      </p:sp>
-      <p:sp>
-        <p:nvSpPr>
-          <p:cNvPr id="37" name="Retângulo 36"/>
-          <p:cNvSpPr/>
-          <p:nvPr/>
-        </p:nvSpPr>
-        <p:spPr>
-          <a:xfrm>
-            <a:off x="10295913" y="1824684"/>
-            <a:ext cx="264764" cy="255207"/>
-          </a:xfrm>
-          <a:prstGeom prst="rect">
-            <a:avLst/>
-          </a:prstGeom>
-          <a:solidFill>
-            <a:srgbClr val="73D54A"/>
-          </a:solidFill>
-          <a:ln>
-            <a:solidFill>
-              <a:srgbClr val="73D54A"/>
-            </a:solidFill>
-          </a:ln>
-          <a:effectLst>
-            <a:outerShdw blurRad="50800" dist="38100" dir="2700000" algn="tl" rotWithShape="0">
-              <a:prstClr val="black">
-                <a:alpha val="40000"/>
-              </a:prstClr>
-            </a:outerShdw>
-            <a:softEdge rad="0"/>
-          </a:effectLst>
-        </p:spPr>
-        <p:style>
-          <a:lnRef idx="2">
-            <a:schemeClr val="accent1">
-              <a:shade val="50000"/>
-            </a:schemeClr>
-          </a:lnRef>
-          <a:fillRef idx="1">
-            <a:schemeClr val="accent1"/>
-          </a:fillRef>
-          <a:effectRef idx="0">
-            <a:schemeClr val="accent1"/>
-          </a:effectRef>
-          <a:fontRef idx="minor">
-            <a:schemeClr val="lt1"/>
-          </a:fontRef>
-        </p:style>
-        <p:txBody>
-          <a:bodyPr rtlCol="0" anchor="ctr"/>
-          <a:lstStyle/>
-          <a:p>
-            <a:pPr algn="ctr"/>
-            <a:r>
-              <a:rPr lang="pt-BR" sz="2800" b="1" dirty="0"/>
-              <a:t>+</a:t>
-            </a:r>
-          </a:p>
-        </p:txBody>
-      </p:sp>
-      <p:sp>
-        <p:nvSpPr>
-          <p:cNvPr id="44" name="Retângulo de cantos arredondados 43"/>
-          <p:cNvSpPr/>
-          <p:nvPr/>
-        </p:nvSpPr>
-        <p:spPr>
-          <a:xfrm>
-            <a:off x="7701104" y="2177595"/>
-            <a:ext cx="2536543" cy="235037"/>
-          </a:xfrm>
-          <a:prstGeom prst="roundRect">
-            <a:avLst/>
-          </a:prstGeom>
-          <a:noFill/>
-        </p:spPr>
-        <p:style>
-          <a:lnRef idx="2">
-            <a:schemeClr val="accent6"/>
-          </a:lnRef>
-          <a:fillRef idx="1">
-            <a:schemeClr val="lt1"/>
-          </a:fillRef>
-          <a:effectRef idx="0">
-            <a:schemeClr val="accent6"/>
-          </a:effectRef>
-          <a:fontRef idx="minor">
-            <a:schemeClr val="dk1"/>
-          </a:fontRef>
-        </p:style>
-        <p:txBody>
-          <a:bodyPr rtlCol="0" anchor="ctr"/>
-          <a:lstStyle/>
-          <a:p>
-            <a:pPr algn="ctr"/>
-            <a:endParaRPr lang="pt-BR"/>
-          </a:p>
-        </p:txBody>
-      </p:sp>
-      <p:sp>
-        <p:nvSpPr>
-          <p:cNvPr id="45" name="CaixaDeTexto 44"/>
-          <p:cNvSpPr txBox="1"/>
-          <p:nvPr/>
-        </p:nvSpPr>
-        <p:spPr>
-          <a:xfrm>
-            <a:off x="7665144" y="2079891"/>
-            <a:ext cx="1369682" cy="369332"/>
-          </a:xfrm>
-          <a:prstGeom prst="rect">
-            <a:avLst/>
-          </a:prstGeom>
-          <a:noFill/>
-        </p:spPr>
-        <p:txBody>
-          <a:bodyPr wrap="square" rtlCol="0">
-            <a:spAutoFit/>
-          </a:bodyPr>
-          <a:lstStyle/>
-          <a:p>
-            <a:r>
-              <a:rPr lang="pt-BR" sz="1400" dirty="0">
-                <a:solidFill>
-                  <a:srgbClr val="5DB427"/>
-                </a:solidFill>
-                <a:latin typeface="Bahnschrift Light" panose="020B0502040204020203" pitchFamily="34" charset="0"/>
-              </a:rPr>
-              <a:t>Pergunta 2</a:t>
-            </a:r>
-            <a:r>
-              <a:rPr lang="pt-BR" dirty="0">
-                <a:solidFill>
-                  <a:srgbClr val="5DB427"/>
-                </a:solidFill>
-                <a:latin typeface="Bahnschrift Light" panose="020B0502040204020203" pitchFamily="34" charset="0"/>
-              </a:rPr>
-              <a:t> </a:t>
-            </a:r>
-          </a:p>
-        </p:txBody>
-      </p:sp>
-      <p:sp>
-        <p:nvSpPr>
-          <p:cNvPr id="48" name="Retângulo 47"/>
-          <p:cNvSpPr/>
-          <p:nvPr/>
-        </p:nvSpPr>
-        <p:spPr>
-          <a:xfrm>
-            <a:off x="10288206" y="2168697"/>
-            <a:ext cx="264764" cy="255207"/>
-          </a:xfrm>
-          <a:prstGeom prst="rect">
-            <a:avLst/>
-          </a:prstGeom>
-          <a:solidFill>
-            <a:srgbClr val="73D54A"/>
-          </a:solidFill>
-          <a:ln>
-            <a:solidFill>
-              <a:srgbClr val="73D54A"/>
-            </a:solidFill>
-          </a:ln>
-          <a:effectLst>
-            <a:outerShdw blurRad="50800" dist="38100" dir="2700000" algn="tl" rotWithShape="0">
-              <a:prstClr val="black">
-                <a:alpha val="40000"/>
-              </a:prstClr>
-            </a:outerShdw>
-            <a:softEdge rad="0"/>
-          </a:effectLst>
-        </p:spPr>
-        <p:style>
-          <a:lnRef idx="2">
-            <a:schemeClr val="accent1">
-              <a:shade val="50000"/>
-            </a:schemeClr>
-          </a:lnRef>
-          <a:fillRef idx="1">
-            <a:schemeClr val="accent1"/>
-          </a:fillRef>
-          <a:effectRef idx="0">
-            <a:schemeClr val="accent1"/>
-          </a:effectRef>
-          <a:fontRef idx="minor">
-            <a:schemeClr val="lt1"/>
-          </a:fontRef>
-        </p:style>
-        <p:txBody>
-          <a:bodyPr rtlCol="0" anchor="ctr"/>
-          <a:lstStyle/>
-          <a:p>
-            <a:pPr algn="ctr"/>
-            <a:r>
-              <a:rPr lang="pt-BR" sz="2800" b="1" dirty="0"/>
-              <a:t>+</a:t>
-            </a:r>
-          </a:p>
-        </p:txBody>
-      </p:sp>
-      <p:sp>
-        <p:nvSpPr>
-          <p:cNvPr id="49" name="Retângulo de cantos arredondados 48"/>
-          <p:cNvSpPr/>
-          <p:nvPr/>
-        </p:nvSpPr>
-        <p:spPr>
-          <a:xfrm>
-            <a:off x="7715030" y="2470570"/>
-            <a:ext cx="2536543" cy="235037"/>
-          </a:xfrm>
-          <a:prstGeom prst="roundRect">
-            <a:avLst/>
-          </a:prstGeom>
-          <a:noFill/>
-        </p:spPr>
-        <p:style>
-          <a:lnRef idx="2">
-            <a:schemeClr val="accent6"/>
-          </a:lnRef>
-          <a:fillRef idx="1">
-            <a:schemeClr val="lt1"/>
-          </a:fillRef>
-          <a:effectRef idx="0">
-            <a:schemeClr val="accent6"/>
-          </a:effectRef>
-          <a:fontRef idx="minor">
-            <a:schemeClr val="dk1"/>
-          </a:fontRef>
-        </p:style>
-        <p:txBody>
-          <a:bodyPr rtlCol="0" anchor="ctr"/>
-          <a:lstStyle/>
-          <a:p>
-            <a:pPr algn="ctr"/>
-            <a:endParaRPr lang="pt-BR"/>
-          </a:p>
-        </p:txBody>
-      </p:sp>
-      <p:sp>
-        <p:nvSpPr>
-          <p:cNvPr id="51" name="CaixaDeTexto 50"/>
-          <p:cNvSpPr txBox="1"/>
-          <p:nvPr/>
-        </p:nvSpPr>
-        <p:spPr>
-          <a:xfrm>
-            <a:off x="7689599" y="2372589"/>
-            <a:ext cx="1369682" cy="369332"/>
-          </a:xfrm>
-          <a:prstGeom prst="rect">
-            <a:avLst/>
-          </a:prstGeom>
-          <a:noFill/>
-        </p:spPr>
-        <p:txBody>
-          <a:bodyPr wrap="square" rtlCol="0">
-            <a:spAutoFit/>
-          </a:bodyPr>
-          <a:lstStyle/>
-          <a:p>
-            <a:r>
-              <a:rPr lang="pt-BR" sz="1400" dirty="0">
-                <a:solidFill>
-                  <a:srgbClr val="5DB427"/>
-                </a:solidFill>
-                <a:latin typeface="Bahnschrift Light" panose="020B0502040204020203" pitchFamily="34" charset="0"/>
-              </a:rPr>
-              <a:t>Pergunta 3</a:t>
-            </a:r>
-            <a:r>
-              <a:rPr lang="pt-BR" dirty="0">
-                <a:solidFill>
-                  <a:srgbClr val="5DB427"/>
-                </a:solidFill>
-                <a:latin typeface="Bahnschrift Light" panose="020B0502040204020203" pitchFamily="34" charset="0"/>
-              </a:rPr>
-              <a:t> </a:t>
-            </a:r>
-          </a:p>
-        </p:txBody>
-      </p:sp>
-      <p:sp>
-        <p:nvSpPr>
-          <p:cNvPr id="52" name="Retângulo 51"/>
-          <p:cNvSpPr/>
-          <p:nvPr/>
-        </p:nvSpPr>
-        <p:spPr>
-          <a:xfrm>
-            <a:off x="10288206" y="2486917"/>
-            <a:ext cx="264764" cy="255207"/>
-          </a:xfrm>
-          <a:prstGeom prst="rect">
-            <a:avLst/>
-          </a:prstGeom>
-          <a:solidFill>
-            <a:srgbClr val="73D54A"/>
-          </a:solidFill>
-          <a:ln>
-            <a:solidFill>
-              <a:srgbClr val="73D54A"/>
-            </a:solidFill>
-          </a:ln>
-          <a:effectLst>
-            <a:outerShdw blurRad="50800" dist="38100" dir="2700000" algn="tl" rotWithShape="0">
-              <a:prstClr val="black">
-                <a:alpha val="40000"/>
-              </a:prstClr>
-            </a:outerShdw>
-            <a:softEdge rad="0"/>
-          </a:effectLst>
-        </p:spPr>
-        <p:style>
-          <a:lnRef idx="2">
-            <a:schemeClr val="accent1">
-              <a:shade val="50000"/>
-            </a:schemeClr>
-          </a:lnRef>
-          <a:fillRef idx="1">
-            <a:schemeClr val="accent1"/>
-          </a:fillRef>
-          <a:effectRef idx="0">
-            <a:schemeClr val="accent1"/>
-          </a:effectRef>
-          <a:fontRef idx="minor">
-            <a:schemeClr val="lt1"/>
-          </a:fontRef>
-        </p:style>
-        <p:txBody>
-          <a:bodyPr rtlCol="0" anchor="ctr"/>
-          <a:lstStyle/>
-          <a:p>
-            <a:pPr algn="ctr"/>
-            <a:r>
-              <a:rPr lang="pt-BR" sz="2800" b="1" dirty="0"/>
-              <a:t>+</a:t>
-            </a:r>
-          </a:p>
-        </p:txBody>
-      </p:sp>
-      <p:sp>
-        <p:nvSpPr>
-          <p:cNvPr id="53" name="Retângulo de cantos arredondados 52"/>
-          <p:cNvSpPr/>
-          <p:nvPr/>
-        </p:nvSpPr>
-        <p:spPr>
-          <a:xfrm>
-            <a:off x="7715030" y="3755051"/>
-            <a:ext cx="2536543" cy="235037"/>
-          </a:xfrm>
-          <a:prstGeom prst="roundRect">
-            <a:avLst/>
-          </a:prstGeom>
-          <a:noFill/>
-        </p:spPr>
-        <p:style>
-          <a:lnRef idx="2">
-            <a:schemeClr val="accent6"/>
-          </a:lnRef>
-          <a:fillRef idx="1">
-            <a:schemeClr val="lt1"/>
-          </a:fillRef>
-          <a:effectRef idx="0">
-            <a:schemeClr val="accent6"/>
-          </a:effectRef>
-          <a:fontRef idx="minor">
-            <a:schemeClr val="dk1"/>
-          </a:fontRef>
-        </p:style>
-        <p:txBody>
-          <a:bodyPr rtlCol="0" anchor="ctr"/>
-          <a:lstStyle/>
-          <a:p>
-            <a:pPr algn="ctr"/>
-            <a:endParaRPr lang="pt-BR"/>
-          </a:p>
-        </p:txBody>
-      </p:sp>
-      <p:sp>
-        <p:nvSpPr>
-          <p:cNvPr id="54" name="CaixaDeTexto 53"/>
-          <p:cNvSpPr txBox="1"/>
-          <p:nvPr/>
-        </p:nvSpPr>
-        <p:spPr>
-          <a:xfrm>
-            <a:off x="7746915" y="3709920"/>
-            <a:ext cx="1369682" cy="307777"/>
-          </a:xfrm>
-          <a:prstGeom prst="rect">
-            <a:avLst/>
-          </a:prstGeom>
-          <a:noFill/>
-        </p:spPr>
-        <p:txBody>
-          <a:bodyPr wrap="square" rtlCol="0">
-            <a:spAutoFit/>
-          </a:bodyPr>
-          <a:lstStyle/>
-          <a:p>
-            <a:r>
-              <a:rPr lang="pt-BR" sz="1400" dirty="0">
-                <a:solidFill>
-                  <a:srgbClr val="5DB427"/>
-                </a:solidFill>
-                <a:latin typeface="Bahnschrift Light" panose="020B0502040204020203" pitchFamily="34" charset="0"/>
-              </a:rPr>
-              <a:t>Imagem 1</a:t>
-            </a:r>
-            <a:endParaRPr lang="pt-BR" dirty="0">
-              <a:solidFill>
-                <a:srgbClr val="5DB427"/>
-              </a:solidFill>
-              <a:latin typeface="Bahnschrift Light" panose="020B0502040204020203" pitchFamily="34" charset="0"/>
-            </a:endParaRPr>
-          </a:p>
-        </p:txBody>
-      </p:sp>
-      <p:sp>
-        <p:nvSpPr>
-          <p:cNvPr id="55" name="Retângulo 54"/>
-          <p:cNvSpPr/>
-          <p:nvPr/>
-        </p:nvSpPr>
-        <p:spPr>
-          <a:xfrm>
-            <a:off x="10288206" y="3771398"/>
-            <a:ext cx="264764" cy="255207"/>
-          </a:xfrm>
-          <a:prstGeom prst="rect">
-            <a:avLst/>
-          </a:prstGeom>
-          <a:solidFill>
-            <a:srgbClr val="73D54A"/>
-          </a:solidFill>
-          <a:ln>
-            <a:solidFill>
-              <a:srgbClr val="73D54A"/>
-            </a:solidFill>
-          </a:ln>
-          <a:effectLst>
-            <a:outerShdw blurRad="50800" dist="38100" dir="2700000" algn="tl" rotWithShape="0">
-              <a:prstClr val="black">
-                <a:alpha val="40000"/>
-              </a:prstClr>
-            </a:outerShdw>
-            <a:softEdge rad="0"/>
-          </a:effectLst>
-        </p:spPr>
-        <p:style>
-          <a:lnRef idx="2">
-            <a:schemeClr val="accent1">
-              <a:shade val="50000"/>
-            </a:schemeClr>
-          </a:lnRef>
-          <a:fillRef idx="1">
-            <a:schemeClr val="accent1"/>
-          </a:fillRef>
-          <a:effectRef idx="0">
-            <a:schemeClr val="accent1"/>
-          </a:effectRef>
-          <a:fontRef idx="minor">
-            <a:schemeClr val="lt1"/>
-          </a:fontRef>
-        </p:style>
-        <p:txBody>
-          <a:bodyPr rtlCol="0" anchor="ctr"/>
-          <a:lstStyle/>
-          <a:p>
-            <a:pPr algn="ctr"/>
-            <a:r>
-              <a:rPr lang="pt-BR" sz="2800" b="1" dirty="0"/>
-              <a:t>+</a:t>
-            </a:r>
-          </a:p>
-        </p:txBody>
-      </p:sp>
-      <p:sp>
-        <p:nvSpPr>
-          <p:cNvPr id="56" name="Retângulo de cantos arredondados 55"/>
-          <p:cNvSpPr/>
-          <p:nvPr/>
-        </p:nvSpPr>
-        <p:spPr>
-          <a:xfrm>
-            <a:off x="7689282" y="5180673"/>
-            <a:ext cx="2536543" cy="235037"/>
-          </a:xfrm>
-          <a:prstGeom prst="roundRect">
-            <a:avLst/>
-          </a:prstGeom>
-          <a:noFill/>
-        </p:spPr>
-        <p:style>
-          <a:lnRef idx="2">
-            <a:schemeClr val="accent6"/>
-          </a:lnRef>
-          <a:fillRef idx="1">
-            <a:schemeClr val="lt1"/>
-          </a:fillRef>
-          <a:effectRef idx="0">
-            <a:schemeClr val="accent6"/>
-          </a:effectRef>
-          <a:fontRef idx="minor">
-            <a:schemeClr val="dk1"/>
-          </a:fontRef>
-        </p:style>
-        <p:txBody>
-          <a:bodyPr rtlCol="0" anchor="ctr"/>
-          <a:lstStyle/>
-          <a:p>
-            <a:pPr algn="ctr"/>
-            <a:endParaRPr lang="pt-BR"/>
-          </a:p>
-        </p:txBody>
-      </p:sp>
-      <p:sp>
-        <p:nvSpPr>
-          <p:cNvPr id="57" name="CaixaDeTexto 56"/>
-          <p:cNvSpPr txBox="1"/>
-          <p:nvPr/>
-        </p:nvSpPr>
-        <p:spPr>
-          <a:xfrm>
-            <a:off x="7721167" y="5135542"/>
-            <a:ext cx="1369682" cy="307777"/>
-          </a:xfrm>
-          <a:prstGeom prst="rect">
-            <a:avLst/>
-          </a:prstGeom>
-          <a:noFill/>
-        </p:spPr>
-        <p:txBody>
-          <a:bodyPr wrap="square" rtlCol="0">
-            <a:spAutoFit/>
-          </a:bodyPr>
-          <a:lstStyle/>
-          <a:p>
-            <a:r>
-              <a:rPr lang="pt-BR" sz="1400" dirty="0">
-                <a:solidFill>
-                  <a:srgbClr val="5DB427"/>
-                </a:solidFill>
-                <a:latin typeface="Bahnschrift Light" panose="020B0502040204020203" pitchFamily="34" charset="0"/>
-              </a:rPr>
-              <a:t>História 1</a:t>
-            </a:r>
-            <a:endParaRPr lang="pt-BR" dirty="0">
-              <a:solidFill>
-                <a:srgbClr val="5DB427"/>
-              </a:solidFill>
-              <a:latin typeface="Bahnschrift Light" panose="020B0502040204020203" pitchFamily="34" charset="0"/>
-            </a:endParaRPr>
-          </a:p>
-        </p:txBody>
-      </p:sp>
-      <p:sp>
-        <p:nvSpPr>
-          <p:cNvPr id="59" name="Retângulo 58"/>
-          <p:cNvSpPr/>
-          <p:nvPr/>
-        </p:nvSpPr>
-        <p:spPr>
-          <a:xfrm>
-            <a:off x="10288206" y="5172080"/>
-            <a:ext cx="264764" cy="255207"/>
-          </a:xfrm>
-          <a:prstGeom prst="rect">
-            <a:avLst/>
-          </a:prstGeom>
-          <a:solidFill>
-            <a:srgbClr val="73D54A"/>
-          </a:solidFill>
-          <a:ln>
-            <a:solidFill>
-              <a:srgbClr val="73D54A"/>
-            </a:solidFill>
-          </a:ln>
-          <a:effectLst>
-            <a:outerShdw blurRad="50800" dist="38100" dir="2700000" algn="tl" rotWithShape="0">
-              <a:prstClr val="black">
-                <a:alpha val="40000"/>
-              </a:prstClr>
-            </a:outerShdw>
-            <a:softEdge rad="0"/>
-          </a:effectLst>
-        </p:spPr>
-        <p:style>
-          <a:lnRef idx="2">
-            <a:schemeClr val="accent1">
-              <a:shade val="50000"/>
-            </a:schemeClr>
-          </a:lnRef>
-          <a:fillRef idx="1">
-            <a:schemeClr val="accent1"/>
-          </a:fillRef>
-          <a:effectRef idx="0">
-            <a:schemeClr val="accent1"/>
-          </a:effectRef>
-          <a:fontRef idx="minor">
-            <a:schemeClr val="lt1"/>
-          </a:fontRef>
-        </p:style>
-        <p:txBody>
-          <a:bodyPr rtlCol="0" anchor="ctr"/>
-          <a:lstStyle/>
-          <a:p>
-            <a:pPr algn="ctr"/>
-            <a:r>
-              <a:rPr lang="pt-BR" sz="2800" b="1" dirty="0"/>
-              <a:t>+</a:t>
-            </a:r>
-          </a:p>
-        </p:txBody>
-      </p:sp>
-      <p:sp>
-        <p:nvSpPr>
-          <p:cNvPr id="60" name="Retângulo de cantos arredondados 59"/>
-          <p:cNvSpPr/>
-          <p:nvPr/>
-        </p:nvSpPr>
-        <p:spPr>
-          <a:xfrm>
-            <a:off x="1443660" y="2216733"/>
-            <a:ext cx="5382144" cy="386367"/>
-          </a:xfrm>
-          <a:prstGeom prst="roundRect">
-            <a:avLst/>
-          </a:prstGeom>
-          <a:noFill/>
-        </p:spPr>
-        <p:style>
-          <a:lnRef idx="2">
-            <a:schemeClr val="accent6"/>
-          </a:lnRef>
-          <a:fillRef idx="1">
-            <a:schemeClr val="lt1"/>
-          </a:fillRef>
-          <a:effectRef idx="0">
-            <a:schemeClr val="accent6"/>
-          </a:effectRef>
-          <a:fontRef idx="minor">
-            <a:schemeClr val="dk1"/>
-          </a:fontRef>
-        </p:style>
-        <p:txBody>
-          <a:bodyPr rtlCol="0" anchor="ctr"/>
-          <a:lstStyle/>
-          <a:p>
-            <a:pPr algn="ctr"/>
-            <a:endParaRPr lang="pt-BR"/>
-          </a:p>
-        </p:txBody>
-      </p:sp>
-      <p:sp>
-        <p:nvSpPr>
-          <p:cNvPr id="61" name="CaixaDeTexto 60"/>
-          <p:cNvSpPr txBox="1"/>
-          <p:nvPr/>
-        </p:nvSpPr>
-        <p:spPr>
-          <a:xfrm>
-            <a:off x="1462362" y="2216732"/>
-            <a:ext cx="4578359" cy="369332"/>
-          </a:xfrm>
-          <a:prstGeom prst="rect">
-            <a:avLst/>
-          </a:prstGeom>
-          <a:noFill/>
-        </p:spPr>
-        <p:txBody>
-          <a:bodyPr wrap="square" rtlCol="0">
-            <a:spAutoFit/>
-          </a:bodyPr>
-          <a:lstStyle/>
-          <a:p>
-            <a:r>
-              <a:rPr lang="pt-BR" dirty="0">
-                <a:solidFill>
-                  <a:srgbClr val="447E43"/>
-                </a:solidFill>
-                <a:latin typeface="Bahnschrift" panose="020B0502040204020203" pitchFamily="34" charset="0"/>
-              </a:rPr>
-              <a:t>Pergunta 1</a:t>
-            </a:r>
-          </a:p>
-        </p:txBody>
-      </p:sp>
-      <p:sp>
-        <p:nvSpPr>
-          <p:cNvPr id="62" name="Retângulo 61"/>
-          <p:cNvSpPr/>
-          <p:nvPr/>
-        </p:nvSpPr>
-        <p:spPr>
-          <a:xfrm>
-            <a:off x="6880967" y="2216732"/>
-            <a:ext cx="388679" cy="371922"/>
-          </a:xfrm>
-          <a:prstGeom prst="rect">
-            <a:avLst/>
-          </a:prstGeom>
-          <a:solidFill>
-            <a:srgbClr val="FF0000"/>
-          </a:solidFill>
-          <a:ln>
-            <a:solidFill>
-              <a:srgbClr val="FF0000"/>
-            </a:solidFill>
-          </a:ln>
-          <a:effectLst>
-            <a:outerShdw blurRad="50800" dist="38100" dir="2700000" algn="tl" rotWithShape="0">
-              <a:prstClr val="black">
-                <a:alpha val="40000"/>
-              </a:prstClr>
-            </a:outerShdw>
-            <a:softEdge rad="0"/>
-          </a:effectLst>
-        </p:spPr>
-        <p:style>
-          <a:lnRef idx="2">
-            <a:schemeClr val="accent1">
-              <a:shade val="50000"/>
-            </a:schemeClr>
-          </a:lnRef>
-          <a:fillRef idx="1">
-            <a:schemeClr val="accent1"/>
-          </a:fillRef>
-          <a:effectRef idx="0">
-            <a:schemeClr val="accent1"/>
-          </a:effectRef>
-          <a:fontRef idx="minor">
-            <a:schemeClr val="lt1"/>
-          </a:fontRef>
-        </p:style>
-        <p:txBody>
-          <a:bodyPr rtlCol="0" anchor="ctr"/>
-          <a:lstStyle/>
-          <a:p>
-            <a:pPr algn="ctr"/>
-            <a:r>
-              <a:rPr lang="pt-BR" sz="2800" b="1" dirty="0"/>
-              <a:t>x</a:t>
-            </a:r>
-          </a:p>
-        </p:txBody>
-      </p:sp>
-      <p:sp>
-        <p:nvSpPr>
-          <p:cNvPr id="63" name="Retângulo de cantos arredondados 62"/>
-          <p:cNvSpPr/>
-          <p:nvPr/>
-        </p:nvSpPr>
-        <p:spPr>
-          <a:xfrm>
-            <a:off x="1443660" y="2631936"/>
-            <a:ext cx="5382144" cy="386367"/>
-          </a:xfrm>
-          <a:prstGeom prst="roundRect">
-            <a:avLst/>
-          </a:prstGeom>
-          <a:noFill/>
-        </p:spPr>
-        <p:style>
-          <a:lnRef idx="2">
-            <a:schemeClr val="accent6"/>
-          </a:lnRef>
-          <a:fillRef idx="1">
-            <a:schemeClr val="lt1"/>
-          </a:fillRef>
-          <a:effectRef idx="0">
-            <a:schemeClr val="accent6"/>
-          </a:effectRef>
-          <a:fontRef idx="minor">
-            <a:schemeClr val="dk1"/>
-          </a:fontRef>
-        </p:style>
-        <p:txBody>
-          <a:bodyPr rtlCol="0" anchor="ctr"/>
-          <a:lstStyle/>
-          <a:p>
-            <a:pPr algn="ctr"/>
-            <a:endParaRPr lang="pt-BR"/>
-          </a:p>
-        </p:txBody>
-      </p:sp>
-      <p:sp>
-        <p:nvSpPr>
-          <p:cNvPr id="64" name="Retângulo 63"/>
-          <p:cNvSpPr/>
-          <p:nvPr/>
-        </p:nvSpPr>
-        <p:spPr>
-          <a:xfrm>
-            <a:off x="6880797" y="2651741"/>
-            <a:ext cx="388679" cy="371922"/>
-          </a:xfrm>
-          <a:prstGeom prst="rect">
-            <a:avLst/>
-          </a:prstGeom>
-          <a:solidFill>
-            <a:srgbClr val="FF0000"/>
-          </a:solidFill>
-          <a:ln>
-            <a:solidFill>
-              <a:srgbClr val="FF0000"/>
-            </a:solidFill>
-          </a:ln>
-          <a:effectLst>
-            <a:outerShdw blurRad="50800" dist="38100" dir="2700000" algn="tl" rotWithShape="0">
-              <a:prstClr val="black">
-                <a:alpha val="40000"/>
-              </a:prstClr>
-            </a:outerShdw>
-            <a:softEdge rad="0"/>
-          </a:effectLst>
-        </p:spPr>
-        <p:style>
-          <a:lnRef idx="2">
-            <a:schemeClr val="accent1">
-              <a:shade val="50000"/>
-            </a:schemeClr>
-          </a:lnRef>
-          <a:fillRef idx="1">
-            <a:schemeClr val="accent1"/>
-          </a:fillRef>
-          <a:effectRef idx="0">
-            <a:schemeClr val="accent1"/>
-          </a:effectRef>
-          <a:fontRef idx="minor">
-            <a:schemeClr val="lt1"/>
-          </a:fontRef>
-        </p:style>
-        <p:txBody>
-          <a:bodyPr rtlCol="0" anchor="ctr"/>
-          <a:lstStyle/>
-          <a:p>
-            <a:pPr algn="ctr"/>
-            <a:r>
-              <a:rPr lang="pt-BR" sz="2800" b="1" dirty="0"/>
-              <a:t>x</a:t>
-            </a:r>
-          </a:p>
-        </p:txBody>
-      </p:sp>
-      <p:sp>
-        <p:nvSpPr>
-          <p:cNvPr id="65" name="CaixaDeTexto 64"/>
-          <p:cNvSpPr txBox="1"/>
-          <p:nvPr/>
-        </p:nvSpPr>
-        <p:spPr>
-          <a:xfrm>
-            <a:off x="1462362" y="2626661"/>
-            <a:ext cx="4578359" cy="369332"/>
-          </a:xfrm>
-          <a:prstGeom prst="rect">
-            <a:avLst/>
-          </a:prstGeom>
-          <a:noFill/>
-        </p:spPr>
-        <p:txBody>
-          <a:bodyPr wrap="square" rtlCol="0">
-            <a:spAutoFit/>
-          </a:bodyPr>
-          <a:lstStyle/>
-          <a:p>
-            <a:r>
-              <a:rPr lang="pt-BR" dirty="0">
-                <a:solidFill>
-                  <a:srgbClr val="447E43"/>
-                </a:solidFill>
-                <a:latin typeface="Bahnschrift" panose="020B0502040204020203" pitchFamily="34" charset="0"/>
-              </a:rPr>
-              <a:t>História 1</a:t>
-            </a:r>
-          </a:p>
-        </p:txBody>
-      </p:sp>
-      <p:sp>
-        <p:nvSpPr>
-          <p:cNvPr id="66" name="Retângulo de cantos arredondados 65"/>
-          <p:cNvSpPr/>
-          <p:nvPr/>
-        </p:nvSpPr>
-        <p:spPr>
-          <a:xfrm>
-            <a:off x="1443660" y="3067508"/>
-            <a:ext cx="5382144" cy="386367"/>
-          </a:xfrm>
-          <a:prstGeom prst="roundRect">
-            <a:avLst/>
-          </a:prstGeom>
-          <a:noFill/>
-        </p:spPr>
-        <p:style>
-          <a:lnRef idx="2">
-            <a:schemeClr val="accent6"/>
-          </a:lnRef>
-          <a:fillRef idx="1">
-            <a:schemeClr val="lt1"/>
-          </a:fillRef>
-          <a:effectRef idx="0">
-            <a:schemeClr val="accent6"/>
-          </a:effectRef>
-          <a:fontRef idx="minor">
-            <a:schemeClr val="dk1"/>
-          </a:fontRef>
-        </p:style>
-        <p:txBody>
-          <a:bodyPr rtlCol="0" anchor="ctr"/>
-          <a:lstStyle/>
-          <a:p>
-            <a:pPr algn="ctr"/>
-            <a:endParaRPr lang="pt-BR"/>
-          </a:p>
-        </p:txBody>
-      </p:sp>
-      <p:sp>
-        <p:nvSpPr>
-          <p:cNvPr id="67" name="Retângulo 66"/>
-          <p:cNvSpPr/>
-          <p:nvPr/>
-        </p:nvSpPr>
-        <p:spPr>
-          <a:xfrm>
-            <a:off x="6880797" y="3087313"/>
-            <a:ext cx="388679" cy="371922"/>
-          </a:xfrm>
-          <a:prstGeom prst="rect">
-            <a:avLst/>
-          </a:prstGeom>
-          <a:solidFill>
-            <a:srgbClr val="FF0000"/>
-          </a:solidFill>
-          <a:ln>
-            <a:solidFill>
-              <a:srgbClr val="FF0000"/>
-            </a:solidFill>
-          </a:ln>
-          <a:effectLst>
-            <a:outerShdw blurRad="50800" dist="38100" dir="2700000" algn="tl" rotWithShape="0">
-              <a:prstClr val="black">
-                <a:alpha val="40000"/>
-              </a:prstClr>
-            </a:outerShdw>
-            <a:softEdge rad="0"/>
-          </a:effectLst>
-        </p:spPr>
-        <p:style>
-          <a:lnRef idx="2">
-            <a:schemeClr val="accent1">
-              <a:shade val="50000"/>
-            </a:schemeClr>
-          </a:lnRef>
-          <a:fillRef idx="1">
-            <a:schemeClr val="accent1"/>
-          </a:fillRef>
-          <a:effectRef idx="0">
-            <a:schemeClr val="accent1"/>
-          </a:effectRef>
-          <a:fontRef idx="minor">
-            <a:schemeClr val="lt1"/>
-          </a:fontRef>
-        </p:style>
-        <p:txBody>
-          <a:bodyPr rtlCol="0" anchor="ctr"/>
-          <a:lstStyle/>
-          <a:p>
-            <a:pPr algn="ctr"/>
-            <a:r>
-              <a:rPr lang="pt-BR" sz="2800" b="1" dirty="0"/>
-              <a:t>x</a:t>
-            </a:r>
-          </a:p>
-        </p:txBody>
-      </p:sp>
-      <p:sp>
-        <p:nvSpPr>
-          <p:cNvPr id="68" name="CaixaDeTexto 67"/>
-          <p:cNvSpPr txBox="1"/>
-          <p:nvPr/>
-        </p:nvSpPr>
-        <p:spPr>
-          <a:xfrm>
-            <a:off x="1462362" y="3062233"/>
-            <a:ext cx="4578359" cy="369332"/>
-          </a:xfrm>
-          <a:prstGeom prst="rect">
-            <a:avLst/>
-          </a:prstGeom>
-          <a:noFill/>
-        </p:spPr>
-        <p:txBody>
-          <a:bodyPr wrap="square" rtlCol="0">
-            <a:spAutoFit/>
-          </a:bodyPr>
-          <a:lstStyle/>
-          <a:p>
-            <a:r>
-              <a:rPr lang="pt-BR" dirty="0">
-                <a:solidFill>
-                  <a:srgbClr val="447E43"/>
-                </a:solidFill>
-                <a:latin typeface="Bahnschrift" panose="020B0502040204020203" pitchFamily="34" charset="0"/>
-              </a:rPr>
-              <a:t>Pergunta 2</a:t>
-            </a:r>
-          </a:p>
-        </p:txBody>
-      </p:sp>
-      <p:sp>
-        <p:nvSpPr>
-          <p:cNvPr id="46" name="Retângulo 45"/>
-          <p:cNvSpPr/>
-          <p:nvPr/>
-        </p:nvSpPr>
-        <p:spPr>
-          <a:xfrm>
-            <a:off x="6011251" y="5509015"/>
-            <a:ext cx="1175160" cy="378657"/>
-          </a:xfrm>
-          <a:prstGeom prst="rect">
-            <a:avLst/>
-          </a:prstGeom>
-          <a:solidFill>
-            <a:srgbClr val="73D54A"/>
-          </a:solidFill>
-          <a:ln>
-            <a:solidFill>
-              <a:srgbClr val="73D54A"/>
-            </a:solidFill>
-          </a:ln>
-          <a:effectLst>
-            <a:outerShdw blurRad="50800" dist="38100" dir="2700000" algn="tl" rotWithShape="0">
-              <a:prstClr val="black">
-                <a:alpha val="40000"/>
-              </a:prstClr>
-            </a:outerShdw>
-            <a:softEdge rad="0"/>
-          </a:effectLst>
-        </p:spPr>
-        <p:style>
-          <a:lnRef idx="2">
-            <a:schemeClr val="accent1">
-              <a:shade val="50000"/>
-            </a:schemeClr>
-          </a:lnRef>
-          <a:fillRef idx="1">
-            <a:schemeClr val="accent1"/>
-          </a:fillRef>
-          <a:effectRef idx="0">
-            <a:schemeClr val="accent1"/>
-          </a:effectRef>
-          <a:fontRef idx="minor">
-            <a:schemeClr val="lt1"/>
-          </a:fontRef>
-        </p:style>
-        <p:txBody>
-          <a:bodyPr rtlCol="0" anchor="ctr"/>
-          <a:lstStyle/>
-          <a:p>
-            <a:pPr algn="ctr"/>
-            <a:r>
-              <a:rPr lang="pt-BR" dirty="0"/>
-              <a:t>Salvar</a:t>
-            </a:r>
-          </a:p>
-        </p:txBody>
-      </p:sp>
-    </p:spTree>
-    <p:extLst>
-      <p:ext uri="{BB962C8B-B14F-4D97-AF65-F5344CB8AC3E}">
-        <p14:creationId xmlns:p14="http://schemas.microsoft.com/office/powerpoint/2010/main" val="946480658"/>
-      </p:ext>
-    </p:extLst>
-  </p:cSld>
-  <p:clrMapOvr>
-    <a:masterClrMapping/>
-  </p:clrMapOvr>
-</p:sld>
-</file>
-
-<file path=ppt/slides/slide22.xml><?xml version="1.0" encoding="utf-8"?>
-<p:sld xmlns:a="http://schemas.openxmlformats.org/drawingml/2006/main" xmlns:r="http://schemas.openxmlformats.org/officeDocument/2006/relationships" xmlns:p="http://schemas.openxmlformats.org/presentationml/2006/main">
-  <p:cSld>
-    <p:spTree>
-      <p:nvGrpSpPr>
-        <p:cNvPr id="1" name=""/>
-        <p:cNvGrpSpPr/>
-        <p:nvPr/>
-      </p:nvGrpSpPr>
-      <p:grpSpPr>
-        <a:xfrm>
-          <a:off x="0" y="0"/>
-          <a:ext cx="0" cy="0"/>
-          <a:chOff x="0" y="0"/>
-          <a:chExt cx="0" cy="0"/>
-        </a:xfrm>
-      </p:grpSpPr>
-      <p:sp>
-        <p:nvSpPr>
-          <p:cNvPr id="2" name="Título 1"/>
-          <p:cNvSpPr>
-            <a:spLocks noGrp="1"/>
-          </p:cNvSpPr>
-          <p:nvPr>
-            <p:ph type="title"/>
-          </p:nvPr>
-        </p:nvSpPr>
-        <p:spPr/>
-        <p:txBody>
-          <a:bodyPr>
-            <a:normAutofit/>
-          </a:bodyPr>
-          <a:lstStyle/>
-          <a:p>
-            <a:r>
-              <a:rPr lang="pt-BR" sz="3200" dirty="0"/>
-              <a:t>Tabela de Elementos – Tela Edição de Rodada</a:t>
-            </a:r>
-          </a:p>
-        </p:txBody>
-      </p:sp>
-      <p:graphicFrame>
-        <p:nvGraphicFramePr>
-          <p:cNvPr id="4" name="Espaço Reservado para Conteúdo 3"/>
-          <p:cNvGraphicFramePr>
-            <a:graphicFrameLocks noGrp="1"/>
-          </p:cNvGraphicFramePr>
-          <p:nvPr>
-            <p:ph idx="1"/>
-            <p:extLst>
-              <p:ext uri="{D42A27DB-BD31-4B8C-83A1-F6EECF244321}">
-                <p14:modId xmlns:p14="http://schemas.microsoft.com/office/powerpoint/2010/main" val="1164697345"/>
-              </p:ext>
-            </p:extLst>
-          </p:nvPr>
-        </p:nvGraphicFramePr>
-        <p:xfrm>
-          <a:off x="838199" y="2250626"/>
-          <a:ext cx="9168685" cy="3006229"/>
-        </p:xfrm>
-        <a:graphic>
-          <a:graphicData uri="http://schemas.openxmlformats.org/drawingml/2006/table">
-            <a:tbl>
-              <a:tblPr firstRow="1" bandRow="1">
-                <a:tableStyleId>{93296810-A885-4BE3-A3E7-6D5BEEA58F35}</a:tableStyleId>
-              </a:tblPr>
-              <a:tblGrid>
-                <a:gridCol w="569322">
-                  <a:extLst>
-                    <a:ext uri="{9D8B030D-6E8A-4147-A177-3AD203B41FA5}">
-                      <a16:colId xmlns:a16="http://schemas.microsoft.com/office/drawing/2014/main" val="20000"/>
-                    </a:ext>
-                  </a:extLst>
-                </a:gridCol>
-                <a:gridCol w="1629692">
-                  <a:extLst>
-                    <a:ext uri="{9D8B030D-6E8A-4147-A177-3AD203B41FA5}">
-                      <a16:colId xmlns:a16="http://schemas.microsoft.com/office/drawing/2014/main" val="20001"/>
-                    </a:ext>
-                  </a:extLst>
-                </a:gridCol>
-                <a:gridCol w="1742084">
-                  <a:extLst>
-                    <a:ext uri="{9D8B030D-6E8A-4147-A177-3AD203B41FA5}">
-                      <a16:colId xmlns:a16="http://schemas.microsoft.com/office/drawing/2014/main" val="20002"/>
-                    </a:ext>
-                  </a:extLst>
-                </a:gridCol>
-                <a:gridCol w="2942571">
-                  <a:extLst>
-                    <a:ext uri="{9D8B030D-6E8A-4147-A177-3AD203B41FA5}">
-                      <a16:colId xmlns:a16="http://schemas.microsoft.com/office/drawing/2014/main" val="20003"/>
-                    </a:ext>
-                  </a:extLst>
-                </a:gridCol>
-                <a:gridCol w="2285016">
-                  <a:extLst>
-                    <a:ext uri="{9D8B030D-6E8A-4147-A177-3AD203B41FA5}">
-                      <a16:colId xmlns:a16="http://schemas.microsoft.com/office/drawing/2014/main" val="20004"/>
-                    </a:ext>
-                  </a:extLst>
-                </a:gridCol>
-              </a:tblGrid>
-              <a:tr h="445909">
-                <a:tc>
-                  <a:txBody>
-                    <a:bodyPr/>
-                    <a:lstStyle/>
-                    <a:p>
-                      <a:endParaRPr lang="pt-BR" dirty="0"/>
-                    </a:p>
-                  </a:txBody>
-                  <a:tcPr/>
-                </a:tc>
-                <a:tc>
-                  <a:txBody>
-                    <a:bodyPr/>
-                    <a:lstStyle/>
-                    <a:p>
-                      <a:r>
-                        <a:rPr lang="pt-BR" dirty="0"/>
-                        <a:t>Nome Campo</a:t>
-                      </a:r>
-                    </a:p>
-                  </a:txBody>
-                  <a:tcPr/>
-                </a:tc>
-                <a:tc>
-                  <a:txBody>
-                    <a:bodyPr/>
-                    <a:lstStyle/>
-                    <a:p>
-                      <a:r>
-                        <a:rPr lang="pt-BR" dirty="0"/>
-                        <a:t>Origem</a:t>
-                      </a:r>
-                    </a:p>
-                  </a:txBody>
-                  <a:tcPr/>
-                </a:tc>
-                <a:tc>
-                  <a:txBody>
-                    <a:bodyPr/>
-                    <a:lstStyle/>
-                    <a:p>
-                      <a:r>
-                        <a:rPr lang="pt-BR" dirty="0"/>
-                        <a:t>Tipo</a:t>
-                      </a:r>
-                    </a:p>
-                  </a:txBody>
-                  <a:tcPr/>
-                </a:tc>
-                <a:tc>
-                  <a:txBody>
-                    <a:bodyPr/>
-                    <a:lstStyle/>
-                    <a:p>
-                      <a:r>
-                        <a:rPr lang="pt-BR" dirty="0"/>
-                        <a:t>Função</a:t>
-                      </a:r>
-                    </a:p>
-                  </a:txBody>
-                  <a:tcPr/>
-                </a:tc>
-                <a:extLst>
-                  <a:ext uri="{0D108BD9-81ED-4DB2-BD59-A6C34878D82A}">
-                    <a16:rowId xmlns:a16="http://schemas.microsoft.com/office/drawing/2014/main" val="10000"/>
-                  </a:ext>
-                </a:extLst>
-              </a:tr>
-              <a:tr h="445909">
-                <a:tc>
-                  <a:txBody>
-                    <a:bodyPr/>
-                    <a:lstStyle/>
-                    <a:p>
-                      <a:r>
-                        <a:rPr lang="pt-BR" dirty="0"/>
-                        <a:t>0</a:t>
-                      </a:r>
-                    </a:p>
-                  </a:txBody>
-                  <a:tcPr/>
-                </a:tc>
-                <a:tc>
-                  <a:txBody>
-                    <a:bodyPr/>
-                    <a:lstStyle/>
-                    <a:p>
-                      <a:r>
-                        <a:rPr lang="pt-BR" dirty="0"/>
-                        <a:t>‘+’ (QUIZ)</a:t>
-                      </a:r>
-                    </a:p>
-                  </a:txBody>
-                  <a:tcPr/>
-                </a:tc>
-                <a:tc>
-                  <a:txBody>
-                    <a:bodyPr/>
-                    <a:lstStyle/>
-                    <a:p>
-                      <a:endParaRPr lang="pt-BR" dirty="0"/>
-                    </a:p>
-                  </a:txBody>
-                  <a:tcPr/>
-                </a:tc>
-                <a:tc>
-                  <a:txBody>
-                    <a:bodyPr/>
-                    <a:lstStyle/>
-                    <a:p>
-                      <a:r>
-                        <a:rPr lang="pt-BR" dirty="0"/>
-                        <a:t>Botão</a:t>
-                      </a:r>
-                    </a:p>
-                  </a:txBody>
-                  <a:tcPr/>
-                </a:tc>
-                <a:tc>
-                  <a:txBody>
-                    <a:bodyPr/>
-                    <a:lstStyle/>
-                    <a:p>
-                      <a:r>
-                        <a:rPr lang="pt-BR" dirty="0"/>
-                        <a:t>Adiciona respectiva</a:t>
-                      </a:r>
-                      <a:r>
-                        <a:rPr lang="pt-BR" baseline="0" dirty="0"/>
-                        <a:t> pergunta a rodada</a:t>
-                      </a:r>
-                      <a:endParaRPr lang="pt-BR" dirty="0"/>
-                    </a:p>
-                  </a:txBody>
-                  <a:tcPr/>
-                </a:tc>
-                <a:extLst>
-                  <a:ext uri="{0D108BD9-81ED-4DB2-BD59-A6C34878D82A}">
-                    <a16:rowId xmlns:a16="http://schemas.microsoft.com/office/drawing/2014/main" val="10001"/>
-                  </a:ext>
-                </a:extLst>
-              </a:tr>
-              <a:tr h="445909">
-                <a:tc>
-                  <a:txBody>
-                    <a:bodyPr/>
-                    <a:lstStyle/>
-                    <a:p>
-                      <a:r>
-                        <a:rPr lang="pt-BR" dirty="0"/>
-                        <a:t>1</a:t>
-                      </a:r>
-                    </a:p>
-                  </a:txBody>
-                  <a:tcPr/>
-                </a:tc>
-                <a:tc>
-                  <a:txBody>
-                    <a:bodyPr/>
-                    <a:lstStyle/>
-                    <a:p>
-                      <a:r>
-                        <a:rPr lang="pt-BR" dirty="0"/>
-                        <a:t>‘ +’ (Jogo</a:t>
-                      </a:r>
-                      <a:r>
-                        <a:rPr lang="pt-BR" baseline="0" dirty="0"/>
-                        <a:t> da Memória</a:t>
-                      </a:r>
-                      <a:r>
-                        <a:rPr lang="pt-BR" dirty="0"/>
-                        <a:t>)</a:t>
-                      </a:r>
-                    </a:p>
-                  </a:txBody>
-                  <a:tcPr/>
-                </a:tc>
-                <a:tc>
-                  <a:txBody>
-                    <a:bodyPr/>
-                    <a:lstStyle/>
-                    <a:p>
-                      <a:endParaRPr lang="pt-BR" dirty="0"/>
-                    </a:p>
-                  </a:txBody>
-                  <a:tcPr/>
-                </a:tc>
-                <a:tc>
-                  <a:txBody>
-                    <a:bodyPr/>
-                    <a:lstStyle/>
-                    <a:p>
-                      <a:r>
-                        <a:rPr lang="pt-BR" dirty="0"/>
-                        <a:t>Botão</a:t>
-                      </a:r>
-                    </a:p>
-                  </a:txBody>
-                  <a:tcPr/>
-                </a:tc>
-                <a:tc>
-                  <a:txBody>
-                    <a:bodyPr/>
-                    <a:lstStyle/>
-                    <a:p>
-                      <a:r>
-                        <a:rPr lang="pt-BR" dirty="0"/>
-                        <a:t>Adiciona o Jogo da memória a rodada</a:t>
-                      </a:r>
-                    </a:p>
-                  </a:txBody>
-                  <a:tcPr/>
-                </a:tc>
-                <a:extLst>
-                  <a:ext uri="{0D108BD9-81ED-4DB2-BD59-A6C34878D82A}">
-                    <a16:rowId xmlns:a16="http://schemas.microsoft.com/office/drawing/2014/main" val="10002"/>
-                  </a:ext>
-                </a:extLst>
-              </a:tr>
-              <a:tr h="445909">
-                <a:tc>
-                  <a:txBody>
-                    <a:bodyPr/>
-                    <a:lstStyle/>
-                    <a:p>
-                      <a:r>
-                        <a:rPr lang="pt-BR" dirty="0"/>
-                        <a:t>2</a:t>
-                      </a:r>
-                    </a:p>
-                  </a:txBody>
-                  <a:tcPr/>
-                </a:tc>
-                <a:tc>
-                  <a:txBody>
-                    <a:bodyPr/>
-                    <a:lstStyle/>
-                    <a:p>
-                      <a:r>
-                        <a:rPr lang="pt-BR" dirty="0"/>
-                        <a:t>‘+’ (Acerte o alvo)</a:t>
-                      </a:r>
-                    </a:p>
-                  </a:txBody>
-                  <a:tcPr/>
-                </a:tc>
-                <a:tc>
-                  <a:txBody>
-                    <a:bodyPr/>
-                    <a:lstStyle/>
-                    <a:p>
-                      <a:endParaRPr lang="pt-BR" dirty="0"/>
-                    </a:p>
-                  </a:txBody>
-                  <a:tcPr/>
-                </a:tc>
-                <a:tc>
-                  <a:txBody>
-                    <a:bodyPr/>
-                    <a:lstStyle/>
-                    <a:p>
-                      <a:r>
-                        <a:rPr lang="pt-BR" dirty="0"/>
-                        <a:t>Botão</a:t>
-                      </a:r>
-                    </a:p>
-                  </a:txBody>
-                  <a:tcPr/>
-                </a:tc>
-                <a:tc>
-                  <a:txBody>
-                    <a:bodyPr/>
-                    <a:lstStyle/>
-                    <a:p>
-                      <a:r>
-                        <a:rPr lang="pt-BR" dirty="0"/>
-                        <a:t>Adiciona o jogo Acerte ao Alvo a rodada</a:t>
-                      </a:r>
-                    </a:p>
-                  </a:txBody>
-                  <a:tcPr/>
-                </a:tc>
-                <a:extLst>
-                  <a:ext uri="{0D108BD9-81ED-4DB2-BD59-A6C34878D82A}">
-                    <a16:rowId xmlns:a16="http://schemas.microsoft.com/office/drawing/2014/main" val="10003"/>
-                  </a:ext>
-                </a:extLst>
-              </a:tr>
-              <a:tr h="445909">
-                <a:tc>
-                  <a:txBody>
-                    <a:bodyPr/>
-                    <a:lstStyle/>
-                    <a:p>
-                      <a:r>
-                        <a:rPr lang="pt-BR" dirty="0"/>
-                        <a:t>3</a:t>
-                      </a:r>
-                    </a:p>
-                  </a:txBody>
-                  <a:tcPr/>
-                </a:tc>
-                <a:tc>
-                  <a:txBody>
-                    <a:bodyPr/>
-                    <a:lstStyle/>
-                    <a:p>
-                      <a:r>
-                        <a:rPr lang="pt-BR" dirty="0"/>
-                        <a:t>‘X’</a:t>
-                      </a:r>
-                    </a:p>
-                  </a:txBody>
-                  <a:tcPr/>
-                </a:tc>
-                <a:tc>
-                  <a:txBody>
-                    <a:bodyPr/>
-                    <a:lstStyle/>
-                    <a:p>
-                      <a:endParaRPr lang="pt-BR" dirty="0"/>
-                    </a:p>
-                  </a:txBody>
-                  <a:tcPr/>
-                </a:tc>
-                <a:tc>
-                  <a:txBody>
-                    <a:bodyPr/>
-                    <a:lstStyle/>
-                    <a:p>
-                      <a:r>
-                        <a:rPr lang="pt-BR" dirty="0"/>
-                        <a:t>Botão</a:t>
-                      </a:r>
-                    </a:p>
-                  </a:txBody>
-                  <a:tcPr/>
-                </a:tc>
-                <a:tc>
-                  <a:txBody>
-                    <a:bodyPr/>
-                    <a:lstStyle/>
-                    <a:p>
-                      <a:r>
-                        <a:rPr lang="pt-BR" dirty="0"/>
-                        <a:t>Exclui</a:t>
-                      </a:r>
-                      <a:r>
-                        <a:rPr lang="pt-BR" baseline="0" dirty="0"/>
-                        <a:t> respectivo jogo da Rodada</a:t>
-                      </a:r>
-                      <a:endParaRPr lang="pt-BR" dirty="0"/>
-                    </a:p>
-                  </a:txBody>
-                  <a:tcPr/>
-                </a:tc>
-                <a:extLst>
-                  <a:ext uri="{0D108BD9-81ED-4DB2-BD59-A6C34878D82A}">
-                    <a16:rowId xmlns:a16="http://schemas.microsoft.com/office/drawing/2014/main" val="10004"/>
-                  </a:ext>
-                </a:extLst>
-              </a:tr>
-            </a:tbl>
-          </a:graphicData>
-        </a:graphic>
-      </p:graphicFrame>
-    </p:spTree>
-    <p:extLst>
-      <p:ext uri="{BB962C8B-B14F-4D97-AF65-F5344CB8AC3E}">
-        <p14:creationId xmlns:p14="http://schemas.microsoft.com/office/powerpoint/2010/main" val="2728877319"/>
-      </p:ext>
-    </p:extLst>
-  </p:cSld>
-  <p:clrMapOvr>
-    <a:masterClrMapping/>
-  </p:clrMapOvr>
-</p:sld>
-</file>
-
-<file path=ppt/slides/slide23.xml><?xml version="1.0" encoding="utf-8"?>
 <p:sld xmlns:a="http://schemas.openxmlformats.org/drawingml/2006/main" xmlns:r="http://schemas.openxmlformats.org/officeDocument/2006/relationships" xmlns:p="http://schemas.openxmlformats.org/presentationml/2006/main">
   <p:cSld>
     <p:spTree>
@@ -16291,7 +13782,7 @@
 </p:sld>
 </file>
 
-<file path=ppt/slides/slide24.xml><?xml version="1.0" encoding="utf-8"?>
+<file path=ppt/slides/slide22.xml><?xml version="1.0" encoding="utf-8"?>
 <p:sld xmlns:a="http://schemas.openxmlformats.org/drawingml/2006/main" xmlns:r="http://schemas.openxmlformats.org/officeDocument/2006/relationships" xmlns:p="http://schemas.openxmlformats.org/presentationml/2006/main">
   <p:cSld>
     <p:spTree>
@@ -16335,15 +13826,7 @@
             </a:r>
             <a:r>
               <a:rPr lang="pt-BR" sz="3200" dirty="0"/>
-              <a:t> Game (</a:t>
-            </a:r>
-            <a:r>
-              <a:rPr lang="pt-BR" sz="3200" dirty="0" err="1"/>
-              <a:t>Quiz</a:t>
-            </a:r>
-            <a:r>
-              <a:rPr lang="pt-BR" sz="3200" dirty="0"/>
-              <a:t>)</a:t>
+              <a:t> Game (Quiz)</a:t>
             </a:r>
           </a:p>
         </p:txBody>
@@ -16377,35 +13860,35 @@
                 <a:gridCol w="631698">
                   <a:extLst>
                     <a:ext uri="{9D8B030D-6E8A-4147-A177-3AD203B41FA5}">
-                      <a16:colId xmlns:a16="http://schemas.microsoft.com/office/drawing/2014/main" val="20000"/>
+                      <a16:colId xmlns:a16="http://schemas.microsoft.com/office/drawing/2014/main" xmlns="" val="20000"/>
                     </a:ext>
                   </a:extLst>
                 </a:gridCol>
                 <a:gridCol w="1808247">
                   <a:extLst>
                     <a:ext uri="{9D8B030D-6E8A-4147-A177-3AD203B41FA5}">
-                      <a16:colId xmlns:a16="http://schemas.microsoft.com/office/drawing/2014/main" val="20001"/>
+                      <a16:colId xmlns:a16="http://schemas.microsoft.com/office/drawing/2014/main" xmlns="" val="20001"/>
                     </a:ext>
                   </a:extLst>
                 </a:gridCol>
                 <a:gridCol w="1932953">
                   <a:extLst>
                     <a:ext uri="{9D8B030D-6E8A-4147-A177-3AD203B41FA5}">
-                      <a16:colId xmlns:a16="http://schemas.microsoft.com/office/drawing/2014/main" val="20002"/>
+                      <a16:colId xmlns:a16="http://schemas.microsoft.com/office/drawing/2014/main" xmlns="" val="20002"/>
                     </a:ext>
                   </a:extLst>
                 </a:gridCol>
                 <a:gridCol w="2900170">
                   <a:extLst>
                     <a:ext uri="{9D8B030D-6E8A-4147-A177-3AD203B41FA5}">
-                      <a16:colId xmlns:a16="http://schemas.microsoft.com/office/drawing/2014/main" val="20003"/>
+                      <a16:colId xmlns:a16="http://schemas.microsoft.com/office/drawing/2014/main" xmlns="" val="20003"/>
                     </a:ext>
                   </a:extLst>
                 </a:gridCol>
                 <a:gridCol w="2900170">
                   <a:extLst>
                     <a:ext uri="{9D8B030D-6E8A-4147-A177-3AD203B41FA5}">
-                      <a16:colId xmlns:a16="http://schemas.microsoft.com/office/drawing/2014/main" val="20004"/>
+                      <a16:colId xmlns:a16="http://schemas.microsoft.com/office/drawing/2014/main" xmlns="" val="20004"/>
                     </a:ext>
                   </a:extLst>
                 </a:gridCol>
@@ -16475,7 +13958,7 @@
                 </a:tc>
                 <a:extLst>
                   <a:ext uri="{0D108BD9-81ED-4DB2-BD59-A6C34878D82A}">
-                    <a16:rowId xmlns:a16="http://schemas.microsoft.com/office/drawing/2014/main" val="10000"/>
+                    <a16:rowId xmlns:a16="http://schemas.microsoft.com/office/drawing/2014/main" xmlns="" val="10000"/>
                   </a:ext>
                 </a:extLst>
               </a:tr>
@@ -16541,7 +14024,7 @@
                 </a:tc>
                 <a:extLst>
                   <a:ext uri="{0D108BD9-81ED-4DB2-BD59-A6C34878D82A}">
-                    <a16:rowId xmlns:a16="http://schemas.microsoft.com/office/drawing/2014/main" val="10001"/>
+                    <a16:rowId xmlns:a16="http://schemas.microsoft.com/office/drawing/2014/main" xmlns="" val="10001"/>
                   </a:ext>
                 </a:extLst>
               </a:tr>
@@ -16612,7 +14095,7 @@
                 </a:tc>
                 <a:extLst>
                   <a:ext uri="{0D108BD9-81ED-4DB2-BD59-A6C34878D82A}">
-                    <a16:rowId xmlns:a16="http://schemas.microsoft.com/office/drawing/2014/main" val="10002"/>
+                    <a16:rowId xmlns:a16="http://schemas.microsoft.com/office/drawing/2014/main" xmlns="" val="10002"/>
                   </a:ext>
                 </a:extLst>
               </a:tr>
@@ -16678,7 +14161,7 @@
                 </a:tc>
                 <a:extLst>
                   <a:ext uri="{0D108BD9-81ED-4DB2-BD59-A6C34878D82A}">
-                    <a16:rowId xmlns:a16="http://schemas.microsoft.com/office/drawing/2014/main" val="10003"/>
+                    <a16:rowId xmlns:a16="http://schemas.microsoft.com/office/drawing/2014/main" xmlns="" val="10003"/>
                   </a:ext>
                 </a:extLst>
               </a:tr>
@@ -16804,7 +14287,7 @@
 </p:sld>
 </file>
 
-<file path=ppt/slides/slide25.xml><?xml version="1.0" encoding="utf-8"?>
+<file path=ppt/slides/slide23.xml><?xml version="1.0" encoding="utf-8"?>
 <p:sld xmlns:a="http://schemas.openxmlformats.org/drawingml/2006/main" xmlns:r="http://schemas.openxmlformats.org/officeDocument/2006/relationships" xmlns:p="http://schemas.openxmlformats.org/presentationml/2006/main">
   <p:cSld>
     <p:spTree>
@@ -18217,7 +15700,7 @@
             <p:nvPr/>
           </p:nvPicPr>
           <p:blipFill rotWithShape="1">
-            <a:blip r:embed="rId12" cstate="print">
+            <a:blip r:embed="rId14" cstate="print">
               <a:extLst>
                 <a:ext uri="{28A0092B-C50C-407E-A947-70E740481C1C}">
                   <a14:useLocalDpi xmlns:a14="http://schemas.microsoft.com/office/drawing/2010/main" val="0"/>
@@ -18405,7 +15888,7 @@
             <p:nvPr/>
           </p:nvPicPr>
           <p:blipFill rotWithShape="1">
-            <a:blip r:embed="rId12" cstate="print">
+            <a:blip r:embed="rId14" cstate="print">
               <a:extLst>
                 <a:ext uri="{28A0092B-C50C-407E-A947-70E740481C1C}">
                   <a14:useLocalDpi xmlns:a14="http://schemas.microsoft.com/office/drawing/2010/main" val="0"/>
@@ -18593,7 +16076,7 @@
             <p:nvPr/>
           </p:nvPicPr>
           <p:blipFill rotWithShape="1">
-            <a:blip r:embed="rId12" cstate="print">
+            <a:blip r:embed="rId14" cstate="print">
               <a:extLst>
                 <a:ext uri="{28A0092B-C50C-407E-A947-70E740481C1C}">
                   <a14:useLocalDpi xmlns:a14="http://schemas.microsoft.com/office/drawing/2010/main" val="0"/>
@@ -19567,7 +17050,7 @@
 </p:sld>
 </file>
 
-<file path=ppt/slides/slide26.xml><?xml version="1.0" encoding="utf-8"?>
+<file path=ppt/slides/slide24.xml><?xml version="1.0" encoding="utf-8"?>
 <p:sld xmlns:a="http://schemas.openxmlformats.org/drawingml/2006/main" xmlns:r="http://schemas.openxmlformats.org/officeDocument/2006/relationships" xmlns:p="http://schemas.openxmlformats.org/presentationml/2006/main">
   <p:cSld>
     <p:spTree>
@@ -20431,7 +17914,7 @@
 </p:sld>
 </file>
 
-<file path=ppt/slides/slide27.xml><?xml version="1.0" encoding="utf-8"?>
+<file path=ppt/slides/slide25.xml><?xml version="1.0" encoding="utf-8"?>
 <p:sld xmlns:a="http://schemas.openxmlformats.org/drawingml/2006/main" xmlns:r="http://schemas.openxmlformats.org/officeDocument/2006/relationships" xmlns:p="http://schemas.openxmlformats.org/presentationml/2006/main">
   <p:cSld>
     <p:spTree>
@@ -20509,35 +17992,35 @@
                 <a:gridCol w="631698">
                   <a:extLst>
                     <a:ext uri="{9D8B030D-6E8A-4147-A177-3AD203B41FA5}">
-                      <a16:colId xmlns:a16="http://schemas.microsoft.com/office/drawing/2014/main" val="20000"/>
+                      <a16:colId xmlns:a16="http://schemas.microsoft.com/office/drawing/2014/main" xmlns="" val="20000"/>
                     </a:ext>
                   </a:extLst>
                 </a:gridCol>
                 <a:gridCol w="1808247">
                   <a:extLst>
                     <a:ext uri="{9D8B030D-6E8A-4147-A177-3AD203B41FA5}">
-                      <a16:colId xmlns:a16="http://schemas.microsoft.com/office/drawing/2014/main" val="20001"/>
+                      <a16:colId xmlns:a16="http://schemas.microsoft.com/office/drawing/2014/main" xmlns="" val="20001"/>
                     </a:ext>
                   </a:extLst>
                 </a:gridCol>
                 <a:gridCol w="1932953">
                   <a:extLst>
                     <a:ext uri="{9D8B030D-6E8A-4147-A177-3AD203B41FA5}">
-                      <a16:colId xmlns:a16="http://schemas.microsoft.com/office/drawing/2014/main" val="20002"/>
+                      <a16:colId xmlns:a16="http://schemas.microsoft.com/office/drawing/2014/main" xmlns="" val="20002"/>
                     </a:ext>
                   </a:extLst>
                 </a:gridCol>
                 <a:gridCol w="2900170">
                   <a:extLst>
                     <a:ext uri="{9D8B030D-6E8A-4147-A177-3AD203B41FA5}">
-                      <a16:colId xmlns:a16="http://schemas.microsoft.com/office/drawing/2014/main" val="20003"/>
+                      <a16:colId xmlns:a16="http://schemas.microsoft.com/office/drawing/2014/main" xmlns="" val="20003"/>
                     </a:ext>
                   </a:extLst>
                 </a:gridCol>
                 <a:gridCol w="2900170">
                   <a:extLst>
                     <a:ext uri="{9D8B030D-6E8A-4147-A177-3AD203B41FA5}">
-                      <a16:colId xmlns:a16="http://schemas.microsoft.com/office/drawing/2014/main" val="20004"/>
+                      <a16:colId xmlns:a16="http://schemas.microsoft.com/office/drawing/2014/main" xmlns="" val="20004"/>
                     </a:ext>
                   </a:extLst>
                 </a:gridCol>
@@ -20607,7 +18090,7 @@
                 </a:tc>
                 <a:extLst>
                   <a:ext uri="{0D108BD9-81ED-4DB2-BD59-A6C34878D82A}">
-                    <a16:rowId xmlns:a16="http://schemas.microsoft.com/office/drawing/2014/main" val="10000"/>
+                    <a16:rowId xmlns:a16="http://schemas.microsoft.com/office/drawing/2014/main" xmlns="" val="10000"/>
                   </a:ext>
                 </a:extLst>
               </a:tr>
@@ -20673,7 +18156,7 @@
                 </a:tc>
                 <a:extLst>
                   <a:ext uri="{0D108BD9-81ED-4DB2-BD59-A6C34878D82A}">
-                    <a16:rowId xmlns:a16="http://schemas.microsoft.com/office/drawing/2014/main" val="10001"/>
+                    <a16:rowId xmlns:a16="http://schemas.microsoft.com/office/drawing/2014/main" xmlns="" val="10001"/>
                   </a:ext>
                 </a:extLst>
               </a:tr>
@@ -20744,7 +18227,7 @@
                 </a:tc>
                 <a:extLst>
                   <a:ext uri="{0D108BD9-81ED-4DB2-BD59-A6C34878D82A}">
-                    <a16:rowId xmlns:a16="http://schemas.microsoft.com/office/drawing/2014/main" val="10002"/>
+                    <a16:rowId xmlns:a16="http://schemas.microsoft.com/office/drawing/2014/main" xmlns="" val="10002"/>
                   </a:ext>
                 </a:extLst>
               </a:tr>
@@ -20810,7 +18293,7 @@
                 </a:tc>
                 <a:extLst>
                   <a:ext uri="{0D108BD9-81ED-4DB2-BD59-A6C34878D82A}">
-                    <a16:rowId xmlns:a16="http://schemas.microsoft.com/office/drawing/2014/main" val="10003"/>
+                    <a16:rowId xmlns:a16="http://schemas.microsoft.com/office/drawing/2014/main" xmlns="" val="10003"/>
                   </a:ext>
                 </a:extLst>
               </a:tr>
@@ -20936,7 +18419,7 @@
 </p:sld>
 </file>
 
-<file path=ppt/slides/slide28.xml><?xml version="1.0" encoding="utf-8"?>
+<file path=ppt/slides/slide26.xml><?xml version="1.0" encoding="utf-8"?>
 <p:sld xmlns:a="http://schemas.openxmlformats.org/drawingml/2006/main" xmlns:r="http://schemas.openxmlformats.org/officeDocument/2006/relationships" xmlns:p="http://schemas.openxmlformats.org/presentationml/2006/main">
   <p:cSld>
     <p:spTree>
@@ -21865,7 +19348,7 @@
 </p:sld>
 </file>
 
-<file path=ppt/slides/slide29.xml><?xml version="1.0" encoding="utf-8"?>
+<file path=ppt/slides/slide27.xml><?xml version="1.0" encoding="utf-8"?>
 <p:sld xmlns:a="http://schemas.openxmlformats.org/drawingml/2006/main" xmlns:r="http://schemas.openxmlformats.org/officeDocument/2006/relationships" xmlns:p="http://schemas.openxmlformats.org/presentationml/2006/main">
   <p:cSld>
     <p:spTree>
@@ -21943,35 +19426,35 @@
                 <a:gridCol w="631698">
                   <a:extLst>
                     <a:ext uri="{9D8B030D-6E8A-4147-A177-3AD203B41FA5}">
-                      <a16:colId xmlns:a16="http://schemas.microsoft.com/office/drawing/2014/main" val="20000"/>
+                      <a16:colId xmlns:a16="http://schemas.microsoft.com/office/drawing/2014/main" xmlns="" val="20000"/>
                     </a:ext>
                   </a:extLst>
                 </a:gridCol>
                 <a:gridCol w="1808247">
                   <a:extLst>
                     <a:ext uri="{9D8B030D-6E8A-4147-A177-3AD203B41FA5}">
-                      <a16:colId xmlns:a16="http://schemas.microsoft.com/office/drawing/2014/main" val="20001"/>
+                      <a16:colId xmlns:a16="http://schemas.microsoft.com/office/drawing/2014/main" xmlns="" val="20001"/>
                     </a:ext>
                   </a:extLst>
                 </a:gridCol>
                 <a:gridCol w="1932953">
                   <a:extLst>
                     <a:ext uri="{9D8B030D-6E8A-4147-A177-3AD203B41FA5}">
-                      <a16:colId xmlns:a16="http://schemas.microsoft.com/office/drawing/2014/main" val="20002"/>
+                      <a16:colId xmlns:a16="http://schemas.microsoft.com/office/drawing/2014/main" xmlns="" val="20002"/>
                     </a:ext>
                   </a:extLst>
                 </a:gridCol>
                 <a:gridCol w="2900170">
                   <a:extLst>
                     <a:ext uri="{9D8B030D-6E8A-4147-A177-3AD203B41FA5}">
-                      <a16:colId xmlns:a16="http://schemas.microsoft.com/office/drawing/2014/main" val="20003"/>
+                      <a16:colId xmlns:a16="http://schemas.microsoft.com/office/drawing/2014/main" xmlns="" val="20003"/>
                     </a:ext>
                   </a:extLst>
                 </a:gridCol>
                 <a:gridCol w="2900170">
                   <a:extLst>
                     <a:ext uri="{9D8B030D-6E8A-4147-A177-3AD203B41FA5}">
-                      <a16:colId xmlns:a16="http://schemas.microsoft.com/office/drawing/2014/main" val="20004"/>
+                      <a16:colId xmlns:a16="http://schemas.microsoft.com/office/drawing/2014/main" xmlns="" val="20004"/>
                     </a:ext>
                   </a:extLst>
                 </a:gridCol>
@@ -22041,7 +19524,7 @@
                 </a:tc>
                 <a:extLst>
                   <a:ext uri="{0D108BD9-81ED-4DB2-BD59-A6C34878D82A}">
-                    <a16:rowId xmlns:a16="http://schemas.microsoft.com/office/drawing/2014/main" val="10000"/>
+                    <a16:rowId xmlns:a16="http://schemas.microsoft.com/office/drawing/2014/main" xmlns="" val="10000"/>
                   </a:ext>
                 </a:extLst>
               </a:tr>
@@ -22107,7 +19590,7 @@
                 </a:tc>
                 <a:extLst>
                   <a:ext uri="{0D108BD9-81ED-4DB2-BD59-A6C34878D82A}">
-                    <a16:rowId xmlns:a16="http://schemas.microsoft.com/office/drawing/2014/main" val="10001"/>
+                    <a16:rowId xmlns:a16="http://schemas.microsoft.com/office/drawing/2014/main" xmlns="" val="10001"/>
                   </a:ext>
                 </a:extLst>
               </a:tr>
@@ -22178,7 +19661,7 @@
                 </a:tc>
                 <a:extLst>
                   <a:ext uri="{0D108BD9-81ED-4DB2-BD59-A6C34878D82A}">
-                    <a16:rowId xmlns:a16="http://schemas.microsoft.com/office/drawing/2014/main" val="10002"/>
+                    <a16:rowId xmlns:a16="http://schemas.microsoft.com/office/drawing/2014/main" xmlns="" val="10002"/>
                   </a:ext>
                 </a:extLst>
               </a:tr>
@@ -22244,7 +19727,7 @@
                 </a:tc>
                 <a:extLst>
                   <a:ext uri="{0D108BD9-81ED-4DB2-BD59-A6C34878D82A}">
-                    <a16:rowId xmlns:a16="http://schemas.microsoft.com/office/drawing/2014/main" val="10003"/>
+                    <a16:rowId xmlns:a16="http://schemas.microsoft.com/office/drawing/2014/main" xmlns="" val="10003"/>
                   </a:ext>
                 </a:extLst>
               </a:tr>
@@ -22370,635 +19853,7 @@
 </p:sld>
 </file>
 
-<file path=ppt/slides/slide3.xml><?xml version="1.0" encoding="utf-8"?>
-<p:sld xmlns:a="http://schemas.openxmlformats.org/drawingml/2006/main" xmlns:r="http://schemas.openxmlformats.org/officeDocument/2006/relationships" xmlns:p="http://schemas.openxmlformats.org/presentationml/2006/main">
-  <p:cSld>
-    <p:spTree>
-      <p:nvGrpSpPr>
-        <p:cNvPr id="1" name=""/>
-        <p:cNvGrpSpPr/>
-        <p:nvPr/>
-      </p:nvGrpSpPr>
-      <p:grpSpPr>
-        <a:xfrm>
-          <a:off x="0" y="0"/>
-          <a:ext cx="0" cy="0"/>
-          <a:chOff x="0" y="0"/>
-          <a:chExt cx="0" cy="0"/>
-        </a:xfrm>
-      </p:grpSpPr>
-      <p:sp>
-        <p:nvSpPr>
-          <p:cNvPr id="4" name="Retângulo 3"/>
-          <p:cNvSpPr/>
-          <p:nvPr/>
-        </p:nvSpPr>
-        <p:spPr>
-          <a:xfrm>
-            <a:off x="1146749" y="441822"/>
-            <a:ext cx="9787944" cy="5911402"/>
-          </a:xfrm>
-          <a:prstGeom prst="rect">
-            <a:avLst/>
-          </a:prstGeom>
-          <a:solidFill>
-            <a:srgbClr val="86B161"/>
-          </a:solidFill>
-          <a:ln>
-            <a:solidFill>
-              <a:schemeClr val="accent6">
-                <a:lumMod val="60000"/>
-                <a:lumOff val="40000"/>
-              </a:schemeClr>
-            </a:solidFill>
-          </a:ln>
-          <a:effectLst/>
-        </p:spPr>
-        <p:style>
-          <a:lnRef idx="2">
-            <a:schemeClr val="accent1">
-              <a:shade val="50000"/>
-            </a:schemeClr>
-          </a:lnRef>
-          <a:fillRef idx="1">
-            <a:schemeClr val="accent1"/>
-          </a:fillRef>
-          <a:effectRef idx="0">
-            <a:schemeClr val="accent1"/>
-          </a:effectRef>
-          <a:fontRef idx="minor">
-            <a:schemeClr val="lt1"/>
-          </a:fontRef>
-        </p:style>
-        <p:txBody>
-          <a:bodyPr rtlCol="0" anchor="ctr"/>
-          <a:lstStyle/>
-          <a:p>
-            <a:pPr algn="ctr"/>
-            <a:endParaRPr lang="pt-BR"/>
-          </a:p>
-        </p:txBody>
-      </p:sp>
-      <p:sp>
-        <p:nvSpPr>
-          <p:cNvPr id="12" name="Retângulo 11"/>
-          <p:cNvSpPr/>
-          <p:nvPr/>
-        </p:nvSpPr>
-        <p:spPr>
-          <a:xfrm>
-            <a:off x="1146749" y="441822"/>
-            <a:ext cx="8461708" cy="2193702"/>
-          </a:xfrm>
-          <a:custGeom>
-            <a:avLst/>
-            <a:gdLst>
-              <a:gd name="connsiteX0" fmla="*/ 0 w 4531235"/>
-              <a:gd name="connsiteY0" fmla="*/ 0 h 2177143"/>
-              <a:gd name="connsiteX1" fmla="*/ 4531235 w 4531235"/>
-              <a:gd name="connsiteY1" fmla="*/ 0 h 2177143"/>
-              <a:gd name="connsiteX2" fmla="*/ 4531235 w 4531235"/>
-              <a:gd name="connsiteY2" fmla="*/ 2177143 h 2177143"/>
-              <a:gd name="connsiteX3" fmla="*/ 0 w 4531235"/>
-              <a:gd name="connsiteY3" fmla="*/ 2177143 h 2177143"/>
-              <a:gd name="connsiteX4" fmla="*/ 0 w 4531235"/>
-              <a:gd name="connsiteY4" fmla="*/ 0 h 2177143"/>
-              <a:gd name="connsiteX0" fmla="*/ 0 w 4531235"/>
-              <a:gd name="connsiteY0" fmla="*/ 0 h 2177143"/>
-              <a:gd name="connsiteX1" fmla="*/ 4531235 w 4531235"/>
-              <a:gd name="connsiteY1" fmla="*/ 0 h 2177143"/>
-              <a:gd name="connsiteX2" fmla="*/ 4531235 w 4531235"/>
-              <a:gd name="connsiteY2" fmla="*/ 2177143 h 2177143"/>
-              <a:gd name="connsiteX3" fmla="*/ 1494971 w 4531235"/>
-              <a:gd name="connsiteY3" fmla="*/ 1973943 h 2177143"/>
-              <a:gd name="connsiteX4" fmla="*/ 0 w 4531235"/>
-              <a:gd name="connsiteY4" fmla="*/ 0 h 2177143"/>
-              <a:gd name="connsiteX0" fmla="*/ 0 w 4531235"/>
-              <a:gd name="connsiteY0" fmla="*/ 0 h 2191658"/>
-              <a:gd name="connsiteX1" fmla="*/ 4531235 w 4531235"/>
-              <a:gd name="connsiteY1" fmla="*/ 0 h 2191658"/>
-              <a:gd name="connsiteX2" fmla="*/ 4531235 w 4531235"/>
-              <a:gd name="connsiteY2" fmla="*/ 2177143 h 2191658"/>
-              <a:gd name="connsiteX3" fmla="*/ 0 w 4531235"/>
-              <a:gd name="connsiteY3" fmla="*/ 2191658 h 2191658"/>
-              <a:gd name="connsiteX4" fmla="*/ 0 w 4531235"/>
-              <a:gd name="connsiteY4" fmla="*/ 0 h 2191658"/>
-              <a:gd name="connsiteX0" fmla="*/ 0 w 6809978"/>
-              <a:gd name="connsiteY0" fmla="*/ 0 h 2191658"/>
-              <a:gd name="connsiteX1" fmla="*/ 4531235 w 6809978"/>
-              <a:gd name="connsiteY1" fmla="*/ 0 h 2191658"/>
-              <a:gd name="connsiteX2" fmla="*/ 6809978 w 6809978"/>
-              <a:gd name="connsiteY2" fmla="*/ 0 h 2191658"/>
-              <a:gd name="connsiteX3" fmla="*/ 0 w 6809978"/>
-              <a:gd name="connsiteY3" fmla="*/ 2191658 h 2191658"/>
-              <a:gd name="connsiteX4" fmla="*/ 0 w 6809978"/>
-              <a:gd name="connsiteY4" fmla="*/ 0 h 2191658"/>
-            </a:gdLst>
-            <a:ahLst/>
-            <a:cxnLst>
-              <a:cxn ang="0">
-                <a:pos x="connsiteX0" y="connsiteY0"/>
-              </a:cxn>
-              <a:cxn ang="0">
-                <a:pos x="connsiteX1" y="connsiteY1"/>
-              </a:cxn>
-              <a:cxn ang="0">
-                <a:pos x="connsiteX2" y="connsiteY2"/>
-              </a:cxn>
-              <a:cxn ang="0">
-                <a:pos x="connsiteX3" y="connsiteY3"/>
-              </a:cxn>
-              <a:cxn ang="0">
-                <a:pos x="connsiteX4" y="connsiteY4"/>
-              </a:cxn>
-            </a:cxnLst>
-            <a:rect l="l" t="t" r="r" b="b"/>
-            <a:pathLst>
-              <a:path w="6809978" h="2191658">
-                <a:moveTo>
-                  <a:pt x="0" y="0"/>
-                </a:moveTo>
-                <a:lnTo>
-                  <a:pt x="4531235" y="0"/>
-                </a:lnTo>
-                <a:lnTo>
-                  <a:pt x="6809978" y="0"/>
-                </a:lnTo>
-                <a:lnTo>
-                  <a:pt x="0" y="2191658"/>
-                </a:lnTo>
-                <a:lnTo>
-                  <a:pt x="0" y="0"/>
-                </a:lnTo>
-                <a:close/>
-              </a:path>
-            </a:pathLst>
-          </a:custGeom>
-          <a:solidFill>
-            <a:srgbClr val="A5CA97"/>
-          </a:solidFill>
-          <a:ln>
-            <a:noFill/>
-          </a:ln>
-        </p:spPr>
-        <p:style>
-          <a:lnRef idx="2">
-            <a:schemeClr val="accent1">
-              <a:shade val="50000"/>
-            </a:schemeClr>
-          </a:lnRef>
-          <a:fillRef idx="1">
-            <a:schemeClr val="accent1"/>
-          </a:fillRef>
-          <a:effectRef idx="0">
-            <a:schemeClr val="accent1"/>
-          </a:effectRef>
-          <a:fontRef idx="minor">
-            <a:schemeClr val="lt1"/>
-          </a:fontRef>
-        </p:style>
-        <p:txBody>
-          <a:bodyPr rtlCol="0" anchor="ctr"/>
-          <a:lstStyle/>
-          <a:p>
-            <a:pPr algn="ctr"/>
-            <a:endParaRPr lang="pt-BR"/>
-          </a:p>
-        </p:txBody>
-      </p:sp>
-      <p:sp>
-        <p:nvSpPr>
-          <p:cNvPr id="14" name="Retângulo 11"/>
-          <p:cNvSpPr/>
-          <p:nvPr/>
-        </p:nvSpPr>
-        <p:spPr>
-          <a:xfrm rot="10800000">
-            <a:off x="2460290" y="4155328"/>
-            <a:ext cx="8461708" cy="2193702"/>
-          </a:xfrm>
-          <a:custGeom>
-            <a:avLst/>
-            <a:gdLst>
-              <a:gd name="connsiteX0" fmla="*/ 0 w 4531235"/>
-              <a:gd name="connsiteY0" fmla="*/ 0 h 2177143"/>
-              <a:gd name="connsiteX1" fmla="*/ 4531235 w 4531235"/>
-              <a:gd name="connsiteY1" fmla="*/ 0 h 2177143"/>
-              <a:gd name="connsiteX2" fmla="*/ 4531235 w 4531235"/>
-              <a:gd name="connsiteY2" fmla="*/ 2177143 h 2177143"/>
-              <a:gd name="connsiteX3" fmla="*/ 0 w 4531235"/>
-              <a:gd name="connsiteY3" fmla="*/ 2177143 h 2177143"/>
-              <a:gd name="connsiteX4" fmla="*/ 0 w 4531235"/>
-              <a:gd name="connsiteY4" fmla="*/ 0 h 2177143"/>
-              <a:gd name="connsiteX0" fmla="*/ 0 w 4531235"/>
-              <a:gd name="connsiteY0" fmla="*/ 0 h 2177143"/>
-              <a:gd name="connsiteX1" fmla="*/ 4531235 w 4531235"/>
-              <a:gd name="connsiteY1" fmla="*/ 0 h 2177143"/>
-              <a:gd name="connsiteX2" fmla="*/ 4531235 w 4531235"/>
-              <a:gd name="connsiteY2" fmla="*/ 2177143 h 2177143"/>
-              <a:gd name="connsiteX3" fmla="*/ 1494971 w 4531235"/>
-              <a:gd name="connsiteY3" fmla="*/ 1973943 h 2177143"/>
-              <a:gd name="connsiteX4" fmla="*/ 0 w 4531235"/>
-              <a:gd name="connsiteY4" fmla="*/ 0 h 2177143"/>
-              <a:gd name="connsiteX0" fmla="*/ 0 w 4531235"/>
-              <a:gd name="connsiteY0" fmla="*/ 0 h 2191658"/>
-              <a:gd name="connsiteX1" fmla="*/ 4531235 w 4531235"/>
-              <a:gd name="connsiteY1" fmla="*/ 0 h 2191658"/>
-              <a:gd name="connsiteX2" fmla="*/ 4531235 w 4531235"/>
-              <a:gd name="connsiteY2" fmla="*/ 2177143 h 2191658"/>
-              <a:gd name="connsiteX3" fmla="*/ 0 w 4531235"/>
-              <a:gd name="connsiteY3" fmla="*/ 2191658 h 2191658"/>
-              <a:gd name="connsiteX4" fmla="*/ 0 w 4531235"/>
-              <a:gd name="connsiteY4" fmla="*/ 0 h 2191658"/>
-              <a:gd name="connsiteX0" fmla="*/ 0 w 6809978"/>
-              <a:gd name="connsiteY0" fmla="*/ 0 h 2191658"/>
-              <a:gd name="connsiteX1" fmla="*/ 4531235 w 6809978"/>
-              <a:gd name="connsiteY1" fmla="*/ 0 h 2191658"/>
-              <a:gd name="connsiteX2" fmla="*/ 6809978 w 6809978"/>
-              <a:gd name="connsiteY2" fmla="*/ 0 h 2191658"/>
-              <a:gd name="connsiteX3" fmla="*/ 0 w 6809978"/>
-              <a:gd name="connsiteY3" fmla="*/ 2191658 h 2191658"/>
-              <a:gd name="connsiteX4" fmla="*/ 0 w 6809978"/>
-              <a:gd name="connsiteY4" fmla="*/ 0 h 2191658"/>
-            </a:gdLst>
-            <a:ahLst/>
-            <a:cxnLst>
-              <a:cxn ang="0">
-                <a:pos x="connsiteX0" y="connsiteY0"/>
-              </a:cxn>
-              <a:cxn ang="0">
-                <a:pos x="connsiteX1" y="connsiteY1"/>
-              </a:cxn>
-              <a:cxn ang="0">
-                <a:pos x="connsiteX2" y="connsiteY2"/>
-              </a:cxn>
-              <a:cxn ang="0">
-                <a:pos x="connsiteX3" y="connsiteY3"/>
-              </a:cxn>
-              <a:cxn ang="0">
-                <a:pos x="connsiteX4" y="connsiteY4"/>
-              </a:cxn>
-            </a:cxnLst>
-            <a:rect l="l" t="t" r="r" b="b"/>
-            <a:pathLst>
-              <a:path w="6809978" h="2191658">
-                <a:moveTo>
-                  <a:pt x="0" y="0"/>
-                </a:moveTo>
-                <a:lnTo>
-                  <a:pt x="4531235" y="0"/>
-                </a:lnTo>
-                <a:lnTo>
-                  <a:pt x="6809978" y="0"/>
-                </a:lnTo>
-                <a:lnTo>
-                  <a:pt x="0" y="2191658"/>
-                </a:lnTo>
-                <a:lnTo>
-                  <a:pt x="0" y="0"/>
-                </a:lnTo>
-                <a:close/>
-              </a:path>
-            </a:pathLst>
-          </a:custGeom>
-          <a:solidFill>
-            <a:srgbClr val="A5CA97"/>
-          </a:solidFill>
-          <a:ln>
-            <a:noFill/>
-          </a:ln>
-        </p:spPr>
-        <p:style>
-          <a:lnRef idx="2">
-            <a:schemeClr val="accent1">
-              <a:shade val="50000"/>
-            </a:schemeClr>
-          </a:lnRef>
-          <a:fillRef idx="1">
-            <a:schemeClr val="accent1"/>
-          </a:fillRef>
-          <a:effectRef idx="0">
-            <a:schemeClr val="accent1"/>
-          </a:effectRef>
-          <a:fontRef idx="minor">
-            <a:schemeClr val="lt1"/>
-          </a:fontRef>
-        </p:style>
-        <p:txBody>
-          <a:bodyPr rtlCol="0" anchor="ctr"/>
-          <a:lstStyle/>
-          <a:p>
-            <a:pPr algn="ctr"/>
-            <a:endParaRPr lang="pt-BR"/>
-          </a:p>
-        </p:txBody>
-      </p:sp>
-      <p:sp>
-        <p:nvSpPr>
-          <p:cNvPr id="11" name="Retângulo de cantos arredondados 10"/>
-          <p:cNvSpPr/>
-          <p:nvPr/>
-        </p:nvSpPr>
-        <p:spPr>
-          <a:xfrm>
-            <a:off x="3850392" y="1093785"/>
-            <a:ext cx="4074408" cy="4789713"/>
-          </a:xfrm>
-          <a:prstGeom prst="roundRect">
-            <a:avLst/>
-          </a:prstGeom>
-          <a:solidFill>
-            <a:srgbClr val="FDEBC7"/>
-          </a:solidFill>
-          <a:ln>
-            <a:noFill/>
-          </a:ln>
-          <a:effectLst>
-            <a:outerShdw blurRad="50800" dist="38100" dir="2700000" algn="tl" rotWithShape="0">
-              <a:prstClr val="black">
-                <a:alpha val="40000"/>
-              </a:prstClr>
-            </a:outerShdw>
-          </a:effectLst>
-        </p:spPr>
-        <p:style>
-          <a:lnRef idx="2">
-            <a:schemeClr val="accent1">
-              <a:shade val="50000"/>
-            </a:schemeClr>
-          </a:lnRef>
-          <a:fillRef idx="1">
-            <a:schemeClr val="accent1"/>
-          </a:fillRef>
-          <a:effectRef idx="0">
-            <a:schemeClr val="accent1"/>
-          </a:effectRef>
-          <a:fontRef idx="minor">
-            <a:schemeClr val="lt1"/>
-          </a:fontRef>
-        </p:style>
-        <p:txBody>
-          <a:bodyPr rtlCol="0" anchor="ctr"/>
-          <a:lstStyle/>
-          <a:p>
-            <a:pPr algn="ctr"/>
-            <a:endParaRPr lang="pt-BR"/>
-          </a:p>
-        </p:txBody>
-      </p:sp>
-      <p:sp>
-        <p:nvSpPr>
-          <p:cNvPr id="15" name="CaixaDeTexto 14"/>
-          <p:cNvSpPr txBox="1"/>
-          <p:nvPr/>
-        </p:nvSpPr>
-        <p:spPr>
-          <a:xfrm>
-            <a:off x="4315805" y="2123814"/>
-            <a:ext cx="4578359" cy="400110"/>
-          </a:xfrm>
-          <a:prstGeom prst="rect">
-            <a:avLst/>
-          </a:prstGeom>
-          <a:noFill/>
-        </p:spPr>
-        <p:txBody>
-          <a:bodyPr wrap="square" rtlCol="0">
-            <a:spAutoFit/>
-          </a:bodyPr>
-          <a:lstStyle/>
-          <a:p>
-            <a:r>
-              <a:rPr lang="pt-BR" sz="2000" dirty="0">
-                <a:solidFill>
-                  <a:srgbClr val="447E43"/>
-                </a:solidFill>
-                <a:latin typeface="Bahnschrift" panose="020B0502040204020203" pitchFamily="34" charset="0"/>
-              </a:rPr>
-              <a:t>Login</a:t>
-            </a:r>
-          </a:p>
-        </p:txBody>
-      </p:sp>
-      <p:sp>
-        <p:nvSpPr>
-          <p:cNvPr id="16" name="Retângulo de cantos arredondados 15"/>
-          <p:cNvSpPr/>
-          <p:nvPr/>
-        </p:nvSpPr>
-        <p:spPr>
-          <a:xfrm>
-            <a:off x="4315805" y="2553483"/>
-            <a:ext cx="3106057" cy="526210"/>
-          </a:xfrm>
-          <a:prstGeom prst="roundRect">
-            <a:avLst/>
-          </a:prstGeom>
-          <a:noFill/>
-        </p:spPr>
-        <p:style>
-          <a:lnRef idx="2">
-            <a:schemeClr val="accent6"/>
-          </a:lnRef>
-          <a:fillRef idx="1">
-            <a:schemeClr val="lt1"/>
-          </a:fillRef>
-          <a:effectRef idx="0">
-            <a:schemeClr val="accent6"/>
-          </a:effectRef>
-          <a:fontRef idx="minor">
-            <a:schemeClr val="dk1"/>
-          </a:fontRef>
-        </p:style>
-        <p:txBody>
-          <a:bodyPr rtlCol="0" anchor="ctr"/>
-          <a:lstStyle/>
-          <a:p>
-            <a:pPr algn="ctr"/>
-            <a:endParaRPr lang="pt-BR"/>
-          </a:p>
-        </p:txBody>
-      </p:sp>
-      <p:sp>
-        <p:nvSpPr>
-          <p:cNvPr id="17" name="Retângulo de cantos arredondados 16"/>
-          <p:cNvSpPr/>
-          <p:nvPr/>
-        </p:nvSpPr>
-        <p:spPr>
-          <a:xfrm>
-            <a:off x="4315805" y="3727766"/>
-            <a:ext cx="3106057" cy="526210"/>
-          </a:xfrm>
-          <a:prstGeom prst="roundRect">
-            <a:avLst/>
-          </a:prstGeom>
-          <a:noFill/>
-        </p:spPr>
-        <p:style>
-          <a:lnRef idx="2">
-            <a:schemeClr val="accent6"/>
-          </a:lnRef>
-          <a:fillRef idx="1">
-            <a:schemeClr val="lt1"/>
-          </a:fillRef>
-          <a:effectRef idx="0">
-            <a:schemeClr val="accent6"/>
-          </a:effectRef>
-          <a:fontRef idx="minor">
-            <a:schemeClr val="dk1"/>
-          </a:fontRef>
-        </p:style>
-        <p:txBody>
-          <a:bodyPr rtlCol="0" anchor="ctr"/>
-          <a:lstStyle/>
-          <a:p>
-            <a:pPr algn="ctr"/>
-            <a:endParaRPr lang="pt-BR"/>
-          </a:p>
-        </p:txBody>
-      </p:sp>
-      <p:sp>
-        <p:nvSpPr>
-          <p:cNvPr id="18" name="CaixaDeTexto 17"/>
-          <p:cNvSpPr txBox="1"/>
-          <p:nvPr/>
-        </p:nvSpPr>
-        <p:spPr>
-          <a:xfrm>
-            <a:off x="4315805" y="3327656"/>
-            <a:ext cx="4578359" cy="400110"/>
-          </a:xfrm>
-          <a:prstGeom prst="rect">
-            <a:avLst/>
-          </a:prstGeom>
-          <a:noFill/>
-        </p:spPr>
-        <p:txBody>
-          <a:bodyPr wrap="square" rtlCol="0">
-            <a:spAutoFit/>
-          </a:bodyPr>
-          <a:lstStyle/>
-          <a:p>
-            <a:r>
-              <a:rPr lang="pt-BR" sz="2000" dirty="0">
-                <a:solidFill>
-                  <a:srgbClr val="447E43"/>
-                </a:solidFill>
-                <a:latin typeface="Bahnschrift" panose="020B0502040204020203" pitchFamily="34" charset="0"/>
-              </a:rPr>
-              <a:t>Senha</a:t>
-            </a:r>
-          </a:p>
-        </p:txBody>
-      </p:sp>
-      <p:sp>
-        <p:nvSpPr>
-          <p:cNvPr id="19" name="Retângulo 18"/>
-          <p:cNvSpPr/>
-          <p:nvPr/>
-        </p:nvSpPr>
-        <p:spPr>
-          <a:xfrm>
-            <a:off x="4315805" y="4753282"/>
-            <a:ext cx="3106057" cy="378657"/>
-          </a:xfrm>
-          <a:prstGeom prst="rect">
-            <a:avLst/>
-          </a:prstGeom>
-          <a:solidFill>
-            <a:srgbClr val="73D54A"/>
-          </a:solidFill>
-          <a:ln>
-            <a:solidFill>
-              <a:srgbClr val="73D54A"/>
-            </a:solidFill>
-          </a:ln>
-          <a:effectLst>
-            <a:outerShdw blurRad="50800" dist="38100" dir="2700000" algn="tl" rotWithShape="0">
-              <a:prstClr val="black">
-                <a:alpha val="40000"/>
-              </a:prstClr>
-            </a:outerShdw>
-            <a:softEdge rad="0"/>
-          </a:effectLst>
-        </p:spPr>
-        <p:style>
-          <a:lnRef idx="2">
-            <a:schemeClr val="accent1">
-              <a:shade val="50000"/>
-            </a:schemeClr>
-          </a:lnRef>
-          <a:fillRef idx="1">
-            <a:schemeClr val="accent1"/>
-          </a:fillRef>
-          <a:effectRef idx="0">
-            <a:schemeClr val="accent1"/>
-          </a:effectRef>
-          <a:fontRef idx="minor">
-            <a:schemeClr val="lt1"/>
-          </a:fontRef>
-        </p:style>
-        <p:txBody>
-          <a:bodyPr rtlCol="0" anchor="ctr"/>
-          <a:lstStyle/>
-          <a:p>
-            <a:pPr algn="ctr"/>
-            <a:r>
-              <a:rPr lang="pt-BR" dirty="0"/>
-              <a:t>Entrar</a:t>
-            </a:r>
-          </a:p>
-        </p:txBody>
-      </p:sp>
-      <p:sp>
-        <p:nvSpPr>
-          <p:cNvPr id="20" name="CaixaDeTexto 19"/>
-          <p:cNvSpPr txBox="1"/>
-          <p:nvPr/>
-        </p:nvSpPr>
-        <p:spPr>
-          <a:xfrm>
-            <a:off x="5030098" y="1240161"/>
-            <a:ext cx="4578359" cy="461665"/>
-          </a:xfrm>
-          <a:prstGeom prst="rect">
-            <a:avLst/>
-          </a:prstGeom>
-          <a:noFill/>
-        </p:spPr>
-        <p:txBody>
-          <a:bodyPr wrap="square" rtlCol="0">
-            <a:spAutoFit/>
-          </a:bodyPr>
-          <a:lstStyle/>
-          <a:p>
-            <a:r>
-              <a:rPr lang="pt-BR" sz="2400" dirty="0">
-                <a:solidFill>
-                  <a:srgbClr val="447E43"/>
-                </a:solidFill>
-                <a:latin typeface="Bahnschrift" panose="020B0502040204020203" pitchFamily="34" charset="0"/>
-              </a:rPr>
-              <a:t>Professor</a:t>
-            </a:r>
-          </a:p>
-        </p:txBody>
-      </p:sp>
-    </p:spTree>
-    <p:extLst>
-      <p:ext uri="{BB962C8B-B14F-4D97-AF65-F5344CB8AC3E}">
-        <p14:creationId xmlns:p14="http://schemas.microsoft.com/office/powerpoint/2010/main" val="2338417493"/>
-      </p:ext>
-    </p:extLst>
-  </p:cSld>
-  <p:clrMapOvr>
-    <a:masterClrMapping/>
-  </p:clrMapOvr>
-</p:sld>
-</file>
-
-<file path=ppt/slides/slide30.xml><?xml version="1.0" encoding="utf-8"?>
+<file path=ppt/slides/slide28.xml><?xml version="1.0" encoding="utf-8"?>
 <p:sld xmlns:a="http://schemas.openxmlformats.org/drawingml/2006/main" xmlns:r="http://schemas.openxmlformats.org/officeDocument/2006/relationships" xmlns:p="http://schemas.openxmlformats.org/presentationml/2006/main">
   <p:cSld>
     <p:spTree>
@@ -24556,7 +21411,7 @@
 </p:sld>
 </file>
 
-<file path=ppt/slides/slide31.xml><?xml version="1.0" encoding="utf-8"?>
+<file path=ppt/slides/slide29.xml><?xml version="1.0" encoding="utf-8"?>
 <p:sld xmlns:a="http://schemas.openxmlformats.org/drawingml/2006/main" xmlns:r="http://schemas.openxmlformats.org/officeDocument/2006/relationships" xmlns:p="http://schemas.openxmlformats.org/presentationml/2006/main">
   <p:cSld>
     <p:spTree>
@@ -24626,35 +21481,35 @@
                 <a:gridCol w="586838">
                   <a:extLst>
                     <a:ext uri="{9D8B030D-6E8A-4147-A177-3AD203B41FA5}">
-                      <a16:colId xmlns:a16="http://schemas.microsoft.com/office/drawing/2014/main" val="20000"/>
+                      <a16:colId xmlns:a16="http://schemas.microsoft.com/office/drawing/2014/main" xmlns="" val="20000"/>
                     </a:ext>
                   </a:extLst>
                 </a:gridCol>
                 <a:gridCol w="1679832">
                   <a:extLst>
                     <a:ext uri="{9D8B030D-6E8A-4147-A177-3AD203B41FA5}">
-                      <a16:colId xmlns:a16="http://schemas.microsoft.com/office/drawing/2014/main" val="20001"/>
+                      <a16:colId xmlns:a16="http://schemas.microsoft.com/office/drawing/2014/main" xmlns="" val="20001"/>
                     </a:ext>
                   </a:extLst>
                 </a:gridCol>
                 <a:gridCol w="2090660">
                   <a:extLst>
                     <a:ext uri="{9D8B030D-6E8A-4147-A177-3AD203B41FA5}">
-                      <a16:colId xmlns:a16="http://schemas.microsoft.com/office/drawing/2014/main" val="20002"/>
+                      <a16:colId xmlns:a16="http://schemas.microsoft.com/office/drawing/2014/main" xmlns="" val="20002"/>
                     </a:ext>
                   </a:extLst>
                 </a:gridCol>
                 <a:gridCol w="2209822">
                   <a:extLst>
                     <a:ext uri="{9D8B030D-6E8A-4147-A177-3AD203B41FA5}">
-                      <a16:colId xmlns:a16="http://schemas.microsoft.com/office/drawing/2014/main" val="20003"/>
+                      <a16:colId xmlns:a16="http://schemas.microsoft.com/office/drawing/2014/main" xmlns="" val="20003"/>
                     </a:ext>
                   </a:extLst>
                 </a:gridCol>
                 <a:gridCol w="2588654">
                   <a:extLst>
                     <a:ext uri="{9D8B030D-6E8A-4147-A177-3AD203B41FA5}">
-                      <a16:colId xmlns:a16="http://schemas.microsoft.com/office/drawing/2014/main" val="20004"/>
+                      <a16:colId xmlns:a16="http://schemas.microsoft.com/office/drawing/2014/main" xmlns="" val="20004"/>
                     </a:ext>
                   </a:extLst>
                 </a:gridCol>
@@ -24724,7 +21579,7 @@
                 </a:tc>
                 <a:extLst>
                   <a:ext uri="{0D108BD9-81ED-4DB2-BD59-A6C34878D82A}">
-                    <a16:rowId xmlns:a16="http://schemas.microsoft.com/office/drawing/2014/main" val="10000"/>
+                    <a16:rowId xmlns:a16="http://schemas.microsoft.com/office/drawing/2014/main" xmlns="" val="10000"/>
                   </a:ext>
                 </a:extLst>
               </a:tr>
@@ -24793,7 +21648,7 @@
                 </a:tc>
                 <a:extLst>
                   <a:ext uri="{0D108BD9-81ED-4DB2-BD59-A6C34878D82A}">
-                    <a16:rowId xmlns:a16="http://schemas.microsoft.com/office/drawing/2014/main" val="10001"/>
+                    <a16:rowId xmlns:a16="http://schemas.microsoft.com/office/drawing/2014/main" xmlns="" val="10001"/>
                   </a:ext>
                 </a:extLst>
               </a:tr>
@@ -24882,7 +21737,7 @@
                 </a:tc>
                 <a:extLst>
                   <a:ext uri="{0D108BD9-81ED-4DB2-BD59-A6C34878D82A}">
-                    <a16:rowId xmlns:a16="http://schemas.microsoft.com/office/drawing/2014/main" val="10002"/>
+                    <a16:rowId xmlns:a16="http://schemas.microsoft.com/office/drawing/2014/main" xmlns="" val="10002"/>
                   </a:ext>
                 </a:extLst>
               </a:tr>
@@ -24971,7 +21826,7 @@
                 </a:tc>
                 <a:extLst>
                   <a:ext uri="{0D108BD9-81ED-4DB2-BD59-A6C34878D82A}">
-                    <a16:rowId xmlns:a16="http://schemas.microsoft.com/office/drawing/2014/main" val="10003"/>
+                    <a16:rowId xmlns:a16="http://schemas.microsoft.com/office/drawing/2014/main" xmlns="" val="10003"/>
                   </a:ext>
                 </a:extLst>
               </a:tr>
@@ -24992,7 +21847,635 @@
 </p:sld>
 </file>
 
-<file path=ppt/slides/slide32.xml><?xml version="1.0" encoding="utf-8"?>
+<file path=ppt/slides/slide3.xml><?xml version="1.0" encoding="utf-8"?>
+<p:sld xmlns:a="http://schemas.openxmlformats.org/drawingml/2006/main" xmlns:r="http://schemas.openxmlformats.org/officeDocument/2006/relationships" xmlns:p="http://schemas.openxmlformats.org/presentationml/2006/main">
+  <p:cSld>
+    <p:spTree>
+      <p:nvGrpSpPr>
+        <p:cNvPr id="1" name=""/>
+        <p:cNvGrpSpPr/>
+        <p:nvPr/>
+      </p:nvGrpSpPr>
+      <p:grpSpPr>
+        <a:xfrm>
+          <a:off x="0" y="0"/>
+          <a:ext cx="0" cy="0"/>
+          <a:chOff x="0" y="0"/>
+          <a:chExt cx="0" cy="0"/>
+        </a:xfrm>
+      </p:grpSpPr>
+      <p:sp>
+        <p:nvSpPr>
+          <p:cNvPr id="4" name="Retângulo 3"/>
+          <p:cNvSpPr/>
+          <p:nvPr/>
+        </p:nvSpPr>
+        <p:spPr>
+          <a:xfrm>
+            <a:off x="1146749" y="441822"/>
+            <a:ext cx="9787944" cy="5911402"/>
+          </a:xfrm>
+          <a:prstGeom prst="rect">
+            <a:avLst/>
+          </a:prstGeom>
+          <a:solidFill>
+            <a:srgbClr val="86B161"/>
+          </a:solidFill>
+          <a:ln>
+            <a:solidFill>
+              <a:schemeClr val="accent6">
+                <a:lumMod val="60000"/>
+                <a:lumOff val="40000"/>
+              </a:schemeClr>
+            </a:solidFill>
+          </a:ln>
+          <a:effectLst/>
+        </p:spPr>
+        <p:style>
+          <a:lnRef idx="2">
+            <a:schemeClr val="accent1">
+              <a:shade val="50000"/>
+            </a:schemeClr>
+          </a:lnRef>
+          <a:fillRef idx="1">
+            <a:schemeClr val="accent1"/>
+          </a:fillRef>
+          <a:effectRef idx="0">
+            <a:schemeClr val="accent1"/>
+          </a:effectRef>
+          <a:fontRef idx="minor">
+            <a:schemeClr val="lt1"/>
+          </a:fontRef>
+        </p:style>
+        <p:txBody>
+          <a:bodyPr rtlCol="0" anchor="ctr"/>
+          <a:lstStyle/>
+          <a:p>
+            <a:pPr algn="ctr"/>
+            <a:endParaRPr lang="pt-BR"/>
+          </a:p>
+        </p:txBody>
+      </p:sp>
+      <p:sp>
+        <p:nvSpPr>
+          <p:cNvPr id="12" name="Retângulo 11"/>
+          <p:cNvSpPr/>
+          <p:nvPr/>
+        </p:nvSpPr>
+        <p:spPr>
+          <a:xfrm>
+            <a:off x="1146749" y="441822"/>
+            <a:ext cx="8461708" cy="2193702"/>
+          </a:xfrm>
+          <a:custGeom>
+            <a:avLst/>
+            <a:gdLst>
+              <a:gd name="connsiteX0" fmla="*/ 0 w 4531235"/>
+              <a:gd name="connsiteY0" fmla="*/ 0 h 2177143"/>
+              <a:gd name="connsiteX1" fmla="*/ 4531235 w 4531235"/>
+              <a:gd name="connsiteY1" fmla="*/ 0 h 2177143"/>
+              <a:gd name="connsiteX2" fmla="*/ 4531235 w 4531235"/>
+              <a:gd name="connsiteY2" fmla="*/ 2177143 h 2177143"/>
+              <a:gd name="connsiteX3" fmla="*/ 0 w 4531235"/>
+              <a:gd name="connsiteY3" fmla="*/ 2177143 h 2177143"/>
+              <a:gd name="connsiteX4" fmla="*/ 0 w 4531235"/>
+              <a:gd name="connsiteY4" fmla="*/ 0 h 2177143"/>
+              <a:gd name="connsiteX0" fmla="*/ 0 w 4531235"/>
+              <a:gd name="connsiteY0" fmla="*/ 0 h 2177143"/>
+              <a:gd name="connsiteX1" fmla="*/ 4531235 w 4531235"/>
+              <a:gd name="connsiteY1" fmla="*/ 0 h 2177143"/>
+              <a:gd name="connsiteX2" fmla="*/ 4531235 w 4531235"/>
+              <a:gd name="connsiteY2" fmla="*/ 2177143 h 2177143"/>
+              <a:gd name="connsiteX3" fmla="*/ 1494971 w 4531235"/>
+              <a:gd name="connsiteY3" fmla="*/ 1973943 h 2177143"/>
+              <a:gd name="connsiteX4" fmla="*/ 0 w 4531235"/>
+              <a:gd name="connsiteY4" fmla="*/ 0 h 2177143"/>
+              <a:gd name="connsiteX0" fmla="*/ 0 w 4531235"/>
+              <a:gd name="connsiteY0" fmla="*/ 0 h 2191658"/>
+              <a:gd name="connsiteX1" fmla="*/ 4531235 w 4531235"/>
+              <a:gd name="connsiteY1" fmla="*/ 0 h 2191658"/>
+              <a:gd name="connsiteX2" fmla="*/ 4531235 w 4531235"/>
+              <a:gd name="connsiteY2" fmla="*/ 2177143 h 2191658"/>
+              <a:gd name="connsiteX3" fmla="*/ 0 w 4531235"/>
+              <a:gd name="connsiteY3" fmla="*/ 2191658 h 2191658"/>
+              <a:gd name="connsiteX4" fmla="*/ 0 w 4531235"/>
+              <a:gd name="connsiteY4" fmla="*/ 0 h 2191658"/>
+              <a:gd name="connsiteX0" fmla="*/ 0 w 6809978"/>
+              <a:gd name="connsiteY0" fmla="*/ 0 h 2191658"/>
+              <a:gd name="connsiteX1" fmla="*/ 4531235 w 6809978"/>
+              <a:gd name="connsiteY1" fmla="*/ 0 h 2191658"/>
+              <a:gd name="connsiteX2" fmla="*/ 6809978 w 6809978"/>
+              <a:gd name="connsiteY2" fmla="*/ 0 h 2191658"/>
+              <a:gd name="connsiteX3" fmla="*/ 0 w 6809978"/>
+              <a:gd name="connsiteY3" fmla="*/ 2191658 h 2191658"/>
+              <a:gd name="connsiteX4" fmla="*/ 0 w 6809978"/>
+              <a:gd name="connsiteY4" fmla="*/ 0 h 2191658"/>
+            </a:gdLst>
+            <a:ahLst/>
+            <a:cxnLst>
+              <a:cxn ang="0">
+                <a:pos x="connsiteX0" y="connsiteY0"/>
+              </a:cxn>
+              <a:cxn ang="0">
+                <a:pos x="connsiteX1" y="connsiteY1"/>
+              </a:cxn>
+              <a:cxn ang="0">
+                <a:pos x="connsiteX2" y="connsiteY2"/>
+              </a:cxn>
+              <a:cxn ang="0">
+                <a:pos x="connsiteX3" y="connsiteY3"/>
+              </a:cxn>
+              <a:cxn ang="0">
+                <a:pos x="connsiteX4" y="connsiteY4"/>
+              </a:cxn>
+            </a:cxnLst>
+            <a:rect l="l" t="t" r="r" b="b"/>
+            <a:pathLst>
+              <a:path w="6809978" h="2191658">
+                <a:moveTo>
+                  <a:pt x="0" y="0"/>
+                </a:moveTo>
+                <a:lnTo>
+                  <a:pt x="4531235" y="0"/>
+                </a:lnTo>
+                <a:lnTo>
+                  <a:pt x="6809978" y="0"/>
+                </a:lnTo>
+                <a:lnTo>
+                  <a:pt x="0" y="2191658"/>
+                </a:lnTo>
+                <a:lnTo>
+                  <a:pt x="0" y="0"/>
+                </a:lnTo>
+                <a:close/>
+              </a:path>
+            </a:pathLst>
+          </a:custGeom>
+          <a:solidFill>
+            <a:srgbClr val="A5CA97"/>
+          </a:solidFill>
+          <a:ln>
+            <a:noFill/>
+          </a:ln>
+        </p:spPr>
+        <p:style>
+          <a:lnRef idx="2">
+            <a:schemeClr val="accent1">
+              <a:shade val="50000"/>
+            </a:schemeClr>
+          </a:lnRef>
+          <a:fillRef idx="1">
+            <a:schemeClr val="accent1"/>
+          </a:fillRef>
+          <a:effectRef idx="0">
+            <a:schemeClr val="accent1"/>
+          </a:effectRef>
+          <a:fontRef idx="minor">
+            <a:schemeClr val="lt1"/>
+          </a:fontRef>
+        </p:style>
+        <p:txBody>
+          <a:bodyPr rtlCol="0" anchor="ctr"/>
+          <a:lstStyle/>
+          <a:p>
+            <a:pPr algn="ctr"/>
+            <a:endParaRPr lang="pt-BR"/>
+          </a:p>
+        </p:txBody>
+      </p:sp>
+      <p:sp>
+        <p:nvSpPr>
+          <p:cNvPr id="14" name="Retângulo 11"/>
+          <p:cNvSpPr/>
+          <p:nvPr/>
+        </p:nvSpPr>
+        <p:spPr>
+          <a:xfrm rot="10800000">
+            <a:off x="2460290" y="4155328"/>
+            <a:ext cx="8461708" cy="2193702"/>
+          </a:xfrm>
+          <a:custGeom>
+            <a:avLst/>
+            <a:gdLst>
+              <a:gd name="connsiteX0" fmla="*/ 0 w 4531235"/>
+              <a:gd name="connsiteY0" fmla="*/ 0 h 2177143"/>
+              <a:gd name="connsiteX1" fmla="*/ 4531235 w 4531235"/>
+              <a:gd name="connsiteY1" fmla="*/ 0 h 2177143"/>
+              <a:gd name="connsiteX2" fmla="*/ 4531235 w 4531235"/>
+              <a:gd name="connsiteY2" fmla="*/ 2177143 h 2177143"/>
+              <a:gd name="connsiteX3" fmla="*/ 0 w 4531235"/>
+              <a:gd name="connsiteY3" fmla="*/ 2177143 h 2177143"/>
+              <a:gd name="connsiteX4" fmla="*/ 0 w 4531235"/>
+              <a:gd name="connsiteY4" fmla="*/ 0 h 2177143"/>
+              <a:gd name="connsiteX0" fmla="*/ 0 w 4531235"/>
+              <a:gd name="connsiteY0" fmla="*/ 0 h 2177143"/>
+              <a:gd name="connsiteX1" fmla="*/ 4531235 w 4531235"/>
+              <a:gd name="connsiteY1" fmla="*/ 0 h 2177143"/>
+              <a:gd name="connsiteX2" fmla="*/ 4531235 w 4531235"/>
+              <a:gd name="connsiteY2" fmla="*/ 2177143 h 2177143"/>
+              <a:gd name="connsiteX3" fmla="*/ 1494971 w 4531235"/>
+              <a:gd name="connsiteY3" fmla="*/ 1973943 h 2177143"/>
+              <a:gd name="connsiteX4" fmla="*/ 0 w 4531235"/>
+              <a:gd name="connsiteY4" fmla="*/ 0 h 2177143"/>
+              <a:gd name="connsiteX0" fmla="*/ 0 w 4531235"/>
+              <a:gd name="connsiteY0" fmla="*/ 0 h 2191658"/>
+              <a:gd name="connsiteX1" fmla="*/ 4531235 w 4531235"/>
+              <a:gd name="connsiteY1" fmla="*/ 0 h 2191658"/>
+              <a:gd name="connsiteX2" fmla="*/ 4531235 w 4531235"/>
+              <a:gd name="connsiteY2" fmla="*/ 2177143 h 2191658"/>
+              <a:gd name="connsiteX3" fmla="*/ 0 w 4531235"/>
+              <a:gd name="connsiteY3" fmla="*/ 2191658 h 2191658"/>
+              <a:gd name="connsiteX4" fmla="*/ 0 w 4531235"/>
+              <a:gd name="connsiteY4" fmla="*/ 0 h 2191658"/>
+              <a:gd name="connsiteX0" fmla="*/ 0 w 6809978"/>
+              <a:gd name="connsiteY0" fmla="*/ 0 h 2191658"/>
+              <a:gd name="connsiteX1" fmla="*/ 4531235 w 6809978"/>
+              <a:gd name="connsiteY1" fmla="*/ 0 h 2191658"/>
+              <a:gd name="connsiteX2" fmla="*/ 6809978 w 6809978"/>
+              <a:gd name="connsiteY2" fmla="*/ 0 h 2191658"/>
+              <a:gd name="connsiteX3" fmla="*/ 0 w 6809978"/>
+              <a:gd name="connsiteY3" fmla="*/ 2191658 h 2191658"/>
+              <a:gd name="connsiteX4" fmla="*/ 0 w 6809978"/>
+              <a:gd name="connsiteY4" fmla="*/ 0 h 2191658"/>
+            </a:gdLst>
+            <a:ahLst/>
+            <a:cxnLst>
+              <a:cxn ang="0">
+                <a:pos x="connsiteX0" y="connsiteY0"/>
+              </a:cxn>
+              <a:cxn ang="0">
+                <a:pos x="connsiteX1" y="connsiteY1"/>
+              </a:cxn>
+              <a:cxn ang="0">
+                <a:pos x="connsiteX2" y="connsiteY2"/>
+              </a:cxn>
+              <a:cxn ang="0">
+                <a:pos x="connsiteX3" y="connsiteY3"/>
+              </a:cxn>
+              <a:cxn ang="0">
+                <a:pos x="connsiteX4" y="connsiteY4"/>
+              </a:cxn>
+            </a:cxnLst>
+            <a:rect l="l" t="t" r="r" b="b"/>
+            <a:pathLst>
+              <a:path w="6809978" h="2191658">
+                <a:moveTo>
+                  <a:pt x="0" y="0"/>
+                </a:moveTo>
+                <a:lnTo>
+                  <a:pt x="4531235" y="0"/>
+                </a:lnTo>
+                <a:lnTo>
+                  <a:pt x="6809978" y="0"/>
+                </a:lnTo>
+                <a:lnTo>
+                  <a:pt x="0" y="2191658"/>
+                </a:lnTo>
+                <a:lnTo>
+                  <a:pt x="0" y="0"/>
+                </a:lnTo>
+                <a:close/>
+              </a:path>
+            </a:pathLst>
+          </a:custGeom>
+          <a:solidFill>
+            <a:srgbClr val="A5CA97"/>
+          </a:solidFill>
+          <a:ln>
+            <a:noFill/>
+          </a:ln>
+        </p:spPr>
+        <p:style>
+          <a:lnRef idx="2">
+            <a:schemeClr val="accent1">
+              <a:shade val="50000"/>
+            </a:schemeClr>
+          </a:lnRef>
+          <a:fillRef idx="1">
+            <a:schemeClr val="accent1"/>
+          </a:fillRef>
+          <a:effectRef idx="0">
+            <a:schemeClr val="accent1"/>
+          </a:effectRef>
+          <a:fontRef idx="minor">
+            <a:schemeClr val="lt1"/>
+          </a:fontRef>
+        </p:style>
+        <p:txBody>
+          <a:bodyPr rtlCol="0" anchor="ctr"/>
+          <a:lstStyle/>
+          <a:p>
+            <a:pPr algn="ctr"/>
+            <a:endParaRPr lang="pt-BR"/>
+          </a:p>
+        </p:txBody>
+      </p:sp>
+      <p:sp>
+        <p:nvSpPr>
+          <p:cNvPr id="11" name="Retângulo de cantos arredondados 10"/>
+          <p:cNvSpPr/>
+          <p:nvPr/>
+        </p:nvSpPr>
+        <p:spPr>
+          <a:xfrm>
+            <a:off x="3850392" y="1093785"/>
+            <a:ext cx="4074408" cy="4789713"/>
+          </a:xfrm>
+          <a:prstGeom prst="roundRect">
+            <a:avLst/>
+          </a:prstGeom>
+          <a:solidFill>
+            <a:srgbClr val="FDEBC7"/>
+          </a:solidFill>
+          <a:ln>
+            <a:noFill/>
+          </a:ln>
+          <a:effectLst>
+            <a:outerShdw blurRad="50800" dist="38100" dir="2700000" algn="tl" rotWithShape="0">
+              <a:prstClr val="black">
+                <a:alpha val="40000"/>
+              </a:prstClr>
+            </a:outerShdw>
+          </a:effectLst>
+        </p:spPr>
+        <p:style>
+          <a:lnRef idx="2">
+            <a:schemeClr val="accent1">
+              <a:shade val="50000"/>
+            </a:schemeClr>
+          </a:lnRef>
+          <a:fillRef idx="1">
+            <a:schemeClr val="accent1"/>
+          </a:fillRef>
+          <a:effectRef idx="0">
+            <a:schemeClr val="accent1"/>
+          </a:effectRef>
+          <a:fontRef idx="minor">
+            <a:schemeClr val="lt1"/>
+          </a:fontRef>
+        </p:style>
+        <p:txBody>
+          <a:bodyPr rtlCol="0" anchor="ctr"/>
+          <a:lstStyle/>
+          <a:p>
+            <a:pPr algn="ctr"/>
+            <a:endParaRPr lang="pt-BR"/>
+          </a:p>
+        </p:txBody>
+      </p:sp>
+      <p:sp>
+        <p:nvSpPr>
+          <p:cNvPr id="15" name="CaixaDeTexto 14"/>
+          <p:cNvSpPr txBox="1"/>
+          <p:nvPr/>
+        </p:nvSpPr>
+        <p:spPr>
+          <a:xfrm>
+            <a:off x="4315805" y="2123814"/>
+            <a:ext cx="4578359" cy="400110"/>
+          </a:xfrm>
+          <a:prstGeom prst="rect">
+            <a:avLst/>
+          </a:prstGeom>
+          <a:noFill/>
+        </p:spPr>
+        <p:txBody>
+          <a:bodyPr wrap="square" rtlCol="0">
+            <a:spAutoFit/>
+          </a:bodyPr>
+          <a:lstStyle/>
+          <a:p>
+            <a:r>
+              <a:rPr lang="pt-BR" sz="2000" dirty="0">
+                <a:solidFill>
+                  <a:srgbClr val="447E43"/>
+                </a:solidFill>
+                <a:latin typeface="Bahnschrift" panose="020B0502040204020203" pitchFamily="34" charset="0"/>
+              </a:rPr>
+              <a:t>Login</a:t>
+            </a:r>
+          </a:p>
+        </p:txBody>
+      </p:sp>
+      <p:sp>
+        <p:nvSpPr>
+          <p:cNvPr id="16" name="Retângulo de cantos arredondados 15"/>
+          <p:cNvSpPr/>
+          <p:nvPr/>
+        </p:nvSpPr>
+        <p:spPr>
+          <a:xfrm>
+            <a:off x="4315805" y="2553483"/>
+            <a:ext cx="3106057" cy="526210"/>
+          </a:xfrm>
+          <a:prstGeom prst="roundRect">
+            <a:avLst/>
+          </a:prstGeom>
+          <a:noFill/>
+        </p:spPr>
+        <p:style>
+          <a:lnRef idx="2">
+            <a:schemeClr val="accent6"/>
+          </a:lnRef>
+          <a:fillRef idx="1">
+            <a:schemeClr val="lt1"/>
+          </a:fillRef>
+          <a:effectRef idx="0">
+            <a:schemeClr val="accent6"/>
+          </a:effectRef>
+          <a:fontRef idx="minor">
+            <a:schemeClr val="dk1"/>
+          </a:fontRef>
+        </p:style>
+        <p:txBody>
+          <a:bodyPr rtlCol="0" anchor="ctr"/>
+          <a:lstStyle/>
+          <a:p>
+            <a:pPr algn="ctr"/>
+            <a:endParaRPr lang="pt-BR"/>
+          </a:p>
+        </p:txBody>
+      </p:sp>
+      <p:sp>
+        <p:nvSpPr>
+          <p:cNvPr id="17" name="Retângulo de cantos arredondados 16"/>
+          <p:cNvSpPr/>
+          <p:nvPr/>
+        </p:nvSpPr>
+        <p:spPr>
+          <a:xfrm>
+            <a:off x="4315805" y="3727766"/>
+            <a:ext cx="3106057" cy="526210"/>
+          </a:xfrm>
+          <a:prstGeom prst="roundRect">
+            <a:avLst/>
+          </a:prstGeom>
+          <a:noFill/>
+        </p:spPr>
+        <p:style>
+          <a:lnRef idx="2">
+            <a:schemeClr val="accent6"/>
+          </a:lnRef>
+          <a:fillRef idx="1">
+            <a:schemeClr val="lt1"/>
+          </a:fillRef>
+          <a:effectRef idx="0">
+            <a:schemeClr val="accent6"/>
+          </a:effectRef>
+          <a:fontRef idx="minor">
+            <a:schemeClr val="dk1"/>
+          </a:fontRef>
+        </p:style>
+        <p:txBody>
+          <a:bodyPr rtlCol="0" anchor="ctr"/>
+          <a:lstStyle/>
+          <a:p>
+            <a:pPr algn="ctr"/>
+            <a:endParaRPr lang="pt-BR"/>
+          </a:p>
+        </p:txBody>
+      </p:sp>
+      <p:sp>
+        <p:nvSpPr>
+          <p:cNvPr id="18" name="CaixaDeTexto 17"/>
+          <p:cNvSpPr txBox="1"/>
+          <p:nvPr/>
+        </p:nvSpPr>
+        <p:spPr>
+          <a:xfrm>
+            <a:off x="4315805" y="3327656"/>
+            <a:ext cx="4578359" cy="400110"/>
+          </a:xfrm>
+          <a:prstGeom prst="rect">
+            <a:avLst/>
+          </a:prstGeom>
+          <a:noFill/>
+        </p:spPr>
+        <p:txBody>
+          <a:bodyPr wrap="square" rtlCol="0">
+            <a:spAutoFit/>
+          </a:bodyPr>
+          <a:lstStyle/>
+          <a:p>
+            <a:r>
+              <a:rPr lang="pt-BR" sz="2000" dirty="0">
+                <a:solidFill>
+                  <a:srgbClr val="447E43"/>
+                </a:solidFill>
+                <a:latin typeface="Bahnschrift" panose="020B0502040204020203" pitchFamily="34" charset="0"/>
+              </a:rPr>
+              <a:t>Senha</a:t>
+            </a:r>
+          </a:p>
+        </p:txBody>
+      </p:sp>
+      <p:sp>
+        <p:nvSpPr>
+          <p:cNvPr id="19" name="Retângulo 18"/>
+          <p:cNvSpPr/>
+          <p:nvPr/>
+        </p:nvSpPr>
+        <p:spPr>
+          <a:xfrm>
+            <a:off x="4315805" y="4753282"/>
+            <a:ext cx="3106057" cy="378657"/>
+          </a:xfrm>
+          <a:prstGeom prst="rect">
+            <a:avLst/>
+          </a:prstGeom>
+          <a:solidFill>
+            <a:srgbClr val="73D54A"/>
+          </a:solidFill>
+          <a:ln>
+            <a:solidFill>
+              <a:srgbClr val="73D54A"/>
+            </a:solidFill>
+          </a:ln>
+          <a:effectLst>
+            <a:outerShdw blurRad="50800" dist="38100" dir="2700000" algn="tl" rotWithShape="0">
+              <a:prstClr val="black">
+                <a:alpha val="40000"/>
+              </a:prstClr>
+            </a:outerShdw>
+            <a:softEdge rad="0"/>
+          </a:effectLst>
+        </p:spPr>
+        <p:style>
+          <a:lnRef idx="2">
+            <a:schemeClr val="accent1">
+              <a:shade val="50000"/>
+            </a:schemeClr>
+          </a:lnRef>
+          <a:fillRef idx="1">
+            <a:schemeClr val="accent1"/>
+          </a:fillRef>
+          <a:effectRef idx="0">
+            <a:schemeClr val="accent1"/>
+          </a:effectRef>
+          <a:fontRef idx="minor">
+            <a:schemeClr val="lt1"/>
+          </a:fontRef>
+        </p:style>
+        <p:txBody>
+          <a:bodyPr rtlCol="0" anchor="ctr"/>
+          <a:lstStyle/>
+          <a:p>
+            <a:pPr algn="ctr"/>
+            <a:r>
+              <a:rPr lang="pt-BR" dirty="0"/>
+              <a:t>Entrar</a:t>
+            </a:r>
+          </a:p>
+        </p:txBody>
+      </p:sp>
+      <p:sp>
+        <p:nvSpPr>
+          <p:cNvPr id="20" name="CaixaDeTexto 19"/>
+          <p:cNvSpPr txBox="1"/>
+          <p:nvPr/>
+        </p:nvSpPr>
+        <p:spPr>
+          <a:xfrm>
+            <a:off x="5030098" y="1240161"/>
+            <a:ext cx="4578359" cy="461665"/>
+          </a:xfrm>
+          <a:prstGeom prst="rect">
+            <a:avLst/>
+          </a:prstGeom>
+          <a:noFill/>
+        </p:spPr>
+        <p:txBody>
+          <a:bodyPr wrap="square" rtlCol="0">
+            <a:spAutoFit/>
+          </a:bodyPr>
+          <a:lstStyle/>
+          <a:p>
+            <a:r>
+              <a:rPr lang="pt-BR" sz="2400" dirty="0">
+                <a:solidFill>
+                  <a:srgbClr val="447E43"/>
+                </a:solidFill>
+                <a:latin typeface="Bahnschrift" panose="020B0502040204020203" pitchFamily="34" charset="0"/>
+              </a:rPr>
+              <a:t>Professor</a:t>
+            </a:r>
+          </a:p>
+        </p:txBody>
+      </p:sp>
+    </p:spTree>
+    <p:extLst>
+      <p:ext uri="{BB962C8B-B14F-4D97-AF65-F5344CB8AC3E}">
+        <p14:creationId xmlns:p14="http://schemas.microsoft.com/office/powerpoint/2010/main" val="2338417493"/>
+      </p:ext>
+    </p:extLst>
+  </p:cSld>
+  <p:clrMapOvr>
+    <a:masterClrMapping/>
+  </p:clrMapOvr>
+</p:sld>
+</file>
+
+<file path=ppt/slides/slide30.xml><?xml version="1.0" encoding="utf-8"?>
 <p:sld xmlns:a="http://schemas.openxmlformats.org/drawingml/2006/main" xmlns:r="http://schemas.openxmlformats.org/officeDocument/2006/relationships" xmlns:p="http://schemas.openxmlformats.org/presentationml/2006/main">
   <p:cSld>
     <p:spTree>
@@ -26195,7 +23678,7 @@
 </p:sld>
 </file>
 
-<file path=ppt/slides/slide33.xml><?xml version="1.0" encoding="utf-8"?>
+<file path=ppt/slides/slide31.xml><?xml version="1.0" encoding="utf-8"?>
 <p:sld xmlns:a="http://schemas.openxmlformats.org/drawingml/2006/main" xmlns:r="http://schemas.openxmlformats.org/officeDocument/2006/relationships" xmlns:p="http://schemas.openxmlformats.org/presentationml/2006/main">
   <p:cSld>
     <p:spTree>
@@ -26502,6 +23985,2001 @@
 </p:sld>
 </file>
 
+<file path=ppt/slides/slide32.xml><?xml version="1.0" encoding="utf-8"?>
+<p:sld xmlns:a="http://schemas.openxmlformats.org/drawingml/2006/main" xmlns:r="http://schemas.openxmlformats.org/officeDocument/2006/relationships" xmlns:p="http://schemas.openxmlformats.org/presentationml/2006/main">
+  <p:cSld>
+    <p:spTree>
+      <p:nvGrpSpPr>
+        <p:cNvPr id="1" name=""/>
+        <p:cNvGrpSpPr/>
+        <p:nvPr/>
+      </p:nvGrpSpPr>
+      <p:grpSpPr>
+        <a:xfrm>
+          <a:off x="0" y="0"/>
+          <a:ext cx="0" cy="0"/>
+          <a:chOff x="0" y="0"/>
+          <a:chExt cx="0" cy="0"/>
+        </a:xfrm>
+      </p:grpSpPr>
+      <p:sp>
+        <p:nvSpPr>
+          <p:cNvPr id="4" name="Retângulo 3"/>
+          <p:cNvSpPr/>
+          <p:nvPr/>
+        </p:nvSpPr>
+        <p:spPr>
+          <a:xfrm>
+            <a:off x="1117279" y="445761"/>
+            <a:ext cx="9787944" cy="5911402"/>
+          </a:xfrm>
+          <a:prstGeom prst="rect">
+            <a:avLst/>
+          </a:prstGeom>
+          <a:solidFill>
+            <a:srgbClr val="A5CA97"/>
+          </a:solidFill>
+          <a:ln>
+            <a:solidFill>
+              <a:schemeClr val="accent6">
+                <a:lumMod val="60000"/>
+                <a:lumOff val="40000"/>
+              </a:schemeClr>
+            </a:solidFill>
+          </a:ln>
+          <a:effectLst/>
+        </p:spPr>
+        <p:style>
+          <a:lnRef idx="2">
+            <a:schemeClr val="accent1">
+              <a:shade val="50000"/>
+            </a:schemeClr>
+          </a:lnRef>
+          <a:fillRef idx="1">
+            <a:schemeClr val="accent1"/>
+          </a:fillRef>
+          <a:effectRef idx="0">
+            <a:schemeClr val="accent1"/>
+          </a:effectRef>
+          <a:fontRef idx="minor">
+            <a:schemeClr val="lt1"/>
+          </a:fontRef>
+        </p:style>
+        <p:txBody>
+          <a:bodyPr rtlCol="0" anchor="ctr"/>
+          <a:lstStyle/>
+          <a:p>
+            <a:pPr algn="ctr"/>
+            <a:endParaRPr lang="pt-BR"/>
+          </a:p>
+        </p:txBody>
+      </p:sp>
+      <p:sp>
+        <p:nvSpPr>
+          <p:cNvPr id="15" name="Retângulo 14"/>
+          <p:cNvSpPr/>
+          <p:nvPr/>
+        </p:nvSpPr>
+        <p:spPr>
+          <a:xfrm>
+            <a:off x="1146749" y="445761"/>
+            <a:ext cx="9787944" cy="764853"/>
+          </a:xfrm>
+          <a:prstGeom prst="rect">
+            <a:avLst/>
+          </a:prstGeom>
+          <a:solidFill>
+            <a:srgbClr val="8DBA62"/>
+          </a:solidFill>
+          <a:ln>
+            <a:noFill/>
+          </a:ln>
+        </p:spPr>
+        <p:style>
+          <a:lnRef idx="2">
+            <a:schemeClr val="accent1">
+              <a:shade val="50000"/>
+            </a:schemeClr>
+          </a:lnRef>
+          <a:fillRef idx="1">
+            <a:schemeClr val="accent1"/>
+          </a:fillRef>
+          <a:effectRef idx="0">
+            <a:schemeClr val="accent1"/>
+          </a:effectRef>
+          <a:fontRef idx="minor">
+            <a:schemeClr val="lt1"/>
+          </a:fontRef>
+        </p:style>
+        <p:txBody>
+          <a:bodyPr rtlCol="0" anchor="ctr"/>
+          <a:lstStyle/>
+          <a:p>
+            <a:pPr algn="ctr"/>
+            <a:endParaRPr lang="pt-BR"/>
+          </a:p>
+        </p:txBody>
+      </p:sp>
+      <p:sp>
+        <p:nvSpPr>
+          <p:cNvPr id="40" name="CaixaDeTexto 39"/>
+          <p:cNvSpPr txBox="1"/>
+          <p:nvPr/>
+        </p:nvSpPr>
+        <p:spPr>
+          <a:xfrm>
+            <a:off x="1577068" y="505291"/>
+            <a:ext cx="8258308" cy="646331"/>
+          </a:xfrm>
+          <a:prstGeom prst="rect">
+            <a:avLst/>
+          </a:prstGeom>
+          <a:noFill/>
+        </p:spPr>
+        <p:txBody>
+          <a:bodyPr wrap="square" rtlCol="0">
+            <a:spAutoFit/>
+          </a:bodyPr>
+          <a:lstStyle/>
+          <a:p>
+            <a:r>
+              <a:rPr lang="pt-BR" sz="3600" dirty="0">
+                <a:solidFill>
+                  <a:schemeClr val="bg1"/>
+                </a:solidFill>
+                <a:latin typeface="Bahnschrift" panose="020B0502040204020203" pitchFamily="34" charset="0"/>
+              </a:rPr>
+              <a:t>Nova rodada </a:t>
+            </a:r>
+          </a:p>
+        </p:txBody>
+      </p:sp>
+      <p:grpSp>
+        <p:nvGrpSpPr>
+          <p:cNvPr id="47" name="Grupo 46"/>
+          <p:cNvGrpSpPr/>
+          <p:nvPr/>
+        </p:nvGrpSpPr>
+        <p:grpSpPr>
+          <a:xfrm>
+            <a:off x="1247577" y="1397073"/>
+            <a:ext cx="6196412" cy="4773631"/>
+            <a:chOff x="3303102" y="1578846"/>
+            <a:chExt cx="7132734" cy="4364070"/>
+          </a:xfrm>
+        </p:grpSpPr>
+        <p:sp>
+          <p:nvSpPr>
+            <p:cNvPr id="50" name="Retângulo 49"/>
+            <p:cNvSpPr/>
+            <p:nvPr/>
+          </p:nvSpPr>
+          <p:spPr>
+            <a:xfrm>
+              <a:off x="3303102" y="1578846"/>
+              <a:ext cx="7132734" cy="4364070"/>
+            </a:xfrm>
+            <a:prstGeom prst="rect">
+              <a:avLst/>
+            </a:prstGeom>
+            <a:solidFill>
+              <a:srgbClr val="8DBA62"/>
+            </a:solidFill>
+            <a:ln>
+              <a:solidFill>
+                <a:srgbClr val="8DBA62"/>
+              </a:solidFill>
+            </a:ln>
+          </p:spPr>
+          <p:style>
+            <a:lnRef idx="2">
+              <a:schemeClr val="accent1">
+                <a:shade val="50000"/>
+              </a:schemeClr>
+            </a:lnRef>
+            <a:fillRef idx="1">
+              <a:schemeClr val="accent1"/>
+            </a:fillRef>
+            <a:effectRef idx="0">
+              <a:schemeClr val="accent1"/>
+            </a:effectRef>
+            <a:fontRef idx="minor">
+              <a:schemeClr val="lt1"/>
+            </a:fontRef>
+          </p:style>
+          <p:txBody>
+            <a:bodyPr rtlCol="0" anchor="ctr"/>
+            <a:lstStyle/>
+            <a:p>
+              <a:pPr algn="ctr"/>
+              <a:endParaRPr lang="pt-BR"/>
+            </a:p>
+          </p:txBody>
+        </p:sp>
+        <p:sp>
+          <p:nvSpPr>
+            <p:cNvPr id="58" name="Retângulo de cantos arredondados 57"/>
+            <p:cNvSpPr/>
+            <p:nvPr/>
+          </p:nvSpPr>
+          <p:spPr>
+            <a:xfrm>
+              <a:off x="3400023" y="1674254"/>
+              <a:ext cx="6941711" cy="4172754"/>
+            </a:xfrm>
+            <a:prstGeom prst="roundRect">
+              <a:avLst>
+                <a:gd name="adj" fmla="val 0"/>
+              </a:avLst>
+            </a:prstGeom>
+            <a:solidFill>
+              <a:srgbClr val="FDEBC7"/>
+            </a:solidFill>
+            <a:ln>
+              <a:solidFill>
+                <a:srgbClr val="8DBA62"/>
+              </a:solidFill>
+            </a:ln>
+          </p:spPr>
+          <p:style>
+            <a:lnRef idx="2">
+              <a:schemeClr val="accent6"/>
+            </a:lnRef>
+            <a:fillRef idx="1">
+              <a:schemeClr val="lt1"/>
+            </a:fillRef>
+            <a:effectRef idx="0">
+              <a:schemeClr val="accent6"/>
+            </a:effectRef>
+            <a:fontRef idx="minor">
+              <a:schemeClr val="dk1"/>
+            </a:fontRef>
+          </p:style>
+          <p:txBody>
+            <a:bodyPr rtlCol="0" anchor="ctr"/>
+            <a:lstStyle/>
+            <a:p>
+              <a:pPr algn="ctr"/>
+              <a:endParaRPr lang="pt-BR"/>
+            </a:p>
+          </p:txBody>
+        </p:sp>
+      </p:grpSp>
+      <p:sp>
+        <p:nvSpPr>
+          <p:cNvPr id="19" name="CaixaDeTexto 18"/>
+          <p:cNvSpPr txBox="1"/>
+          <p:nvPr/>
+        </p:nvSpPr>
+        <p:spPr>
+          <a:xfrm>
+            <a:off x="1432892" y="1602383"/>
+            <a:ext cx="4578359" cy="461665"/>
+          </a:xfrm>
+          <a:prstGeom prst="rect">
+            <a:avLst/>
+          </a:prstGeom>
+          <a:noFill/>
+        </p:spPr>
+        <p:txBody>
+          <a:bodyPr wrap="square" rtlCol="0">
+            <a:spAutoFit/>
+          </a:bodyPr>
+          <a:lstStyle/>
+          <a:p>
+            <a:r>
+              <a:rPr lang="pt-BR" sz="2400" dirty="0">
+                <a:solidFill>
+                  <a:srgbClr val="447E43"/>
+                </a:solidFill>
+                <a:latin typeface="Bahnschrift" panose="020B0502040204020203" pitchFamily="34" charset="0"/>
+              </a:rPr>
+              <a:t>Jogos Cadastrados</a:t>
+            </a:r>
+          </a:p>
+        </p:txBody>
+      </p:sp>
+      <p:cxnSp>
+        <p:nvCxnSpPr>
+          <p:cNvPr id="3" name="Conector reto 2"/>
+          <p:cNvCxnSpPr/>
+          <p:nvPr/>
+        </p:nvCxnSpPr>
+        <p:spPr>
+          <a:xfrm>
+            <a:off x="1577068" y="2064048"/>
+            <a:ext cx="5609343" cy="0"/>
+          </a:xfrm>
+          <a:prstGeom prst="line">
+            <a:avLst/>
+          </a:prstGeom>
+          <a:ln>
+            <a:solidFill>
+              <a:srgbClr val="8DBA62"/>
+            </a:solidFill>
+          </a:ln>
+        </p:spPr>
+        <p:style>
+          <a:lnRef idx="1">
+            <a:schemeClr val="accent1"/>
+          </a:lnRef>
+          <a:fillRef idx="0">
+            <a:schemeClr val="accent1"/>
+          </a:fillRef>
+          <a:effectRef idx="0">
+            <a:schemeClr val="accent1"/>
+          </a:effectRef>
+          <a:fontRef idx="minor">
+            <a:schemeClr val="tx1"/>
+          </a:fontRef>
+        </p:style>
+      </p:cxnSp>
+      <p:grpSp>
+        <p:nvGrpSpPr>
+          <p:cNvPr id="23" name="Grupo 22"/>
+          <p:cNvGrpSpPr/>
+          <p:nvPr/>
+        </p:nvGrpSpPr>
+        <p:grpSpPr>
+          <a:xfrm>
+            <a:off x="7545106" y="1397073"/>
+            <a:ext cx="3224038" cy="1861282"/>
+            <a:chOff x="3303102" y="1578846"/>
+            <a:chExt cx="7132734" cy="4364070"/>
+          </a:xfrm>
+        </p:grpSpPr>
+        <p:sp>
+          <p:nvSpPr>
+            <p:cNvPr id="24" name="Retângulo 23"/>
+            <p:cNvSpPr/>
+            <p:nvPr/>
+          </p:nvSpPr>
+          <p:spPr>
+            <a:xfrm>
+              <a:off x="3303102" y="1578846"/>
+              <a:ext cx="7132734" cy="4364070"/>
+            </a:xfrm>
+            <a:prstGeom prst="rect">
+              <a:avLst/>
+            </a:prstGeom>
+            <a:solidFill>
+              <a:srgbClr val="8DBA62"/>
+            </a:solidFill>
+            <a:ln>
+              <a:solidFill>
+                <a:srgbClr val="8DBA62"/>
+              </a:solidFill>
+            </a:ln>
+          </p:spPr>
+          <p:style>
+            <a:lnRef idx="2">
+              <a:schemeClr val="accent1">
+                <a:shade val="50000"/>
+              </a:schemeClr>
+            </a:lnRef>
+            <a:fillRef idx="1">
+              <a:schemeClr val="accent1"/>
+            </a:fillRef>
+            <a:effectRef idx="0">
+              <a:schemeClr val="accent1"/>
+            </a:effectRef>
+            <a:fontRef idx="minor">
+              <a:schemeClr val="lt1"/>
+            </a:fontRef>
+          </p:style>
+          <p:txBody>
+            <a:bodyPr rtlCol="0" anchor="ctr"/>
+            <a:lstStyle/>
+            <a:p>
+              <a:pPr algn="ctr"/>
+              <a:endParaRPr lang="pt-BR"/>
+            </a:p>
+          </p:txBody>
+        </p:sp>
+        <p:sp>
+          <p:nvSpPr>
+            <p:cNvPr id="25" name="Retângulo de cantos arredondados 24"/>
+            <p:cNvSpPr/>
+            <p:nvPr/>
+          </p:nvSpPr>
+          <p:spPr>
+            <a:xfrm>
+              <a:off x="3400023" y="1674254"/>
+              <a:ext cx="6941711" cy="4172754"/>
+            </a:xfrm>
+            <a:prstGeom prst="roundRect">
+              <a:avLst>
+                <a:gd name="adj" fmla="val 0"/>
+              </a:avLst>
+            </a:prstGeom>
+            <a:solidFill>
+              <a:srgbClr val="FDEBC7"/>
+            </a:solidFill>
+            <a:ln>
+              <a:solidFill>
+                <a:srgbClr val="8DBA62"/>
+              </a:solidFill>
+            </a:ln>
+          </p:spPr>
+          <p:style>
+            <a:lnRef idx="2">
+              <a:schemeClr val="accent6"/>
+            </a:lnRef>
+            <a:fillRef idx="1">
+              <a:schemeClr val="lt1"/>
+            </a:fillRef>
+            <a:effectRef idx="0">
+              <a:schemeClr val="accent6"/>
+            </a:effectRef>
+            <a:fontRef idx="minor">
+              <a:schemeClr val="dk1"/>
+            </a:fontRef>
+          </p:style>
+          <p:txBody>
+            <a:bodyPr rtlCol="0" anchor="ctr"/>
+            <a:lstStyle/>
+            <a:p>
+              <a:pPr algn="ctr"/>
+              <a:endParaRPr lang="pt-BR"/>
+            </a:p>
+          </p:txBody>
+        </p:sp>
+      </p:grpSp>
+      <p:grpSp>
+        <p:nvGrpSpPr>
+          <p:cNvPr id="26" name="Grupo 25"/>
+          <p:cNvGrpSpPr/>
+          <p:nvPr/>
+        </p:nvGrpSpPr>
+        <p:grpSpPr>
+          <a:xfrm>
+            <a:off x="7545107" y="3321368"/>
+            <a:ext cx="3224038" cy="1469574"/>
+            <a:chOff x="3303102" y="1578846"/>
+            <a:chExt cx="7132734" cy="4364070"/>
+          </a:xfrm>
+        </p:grpSpPr>
+        <p:sp>
+          <p:nvSpPr>
+            <p:cNvPr id="27" name="Retângulo 26"/>
+            <p:cNvSpPr/>
+            <p:nvPr/>
+          </p:nvSpPr>
+          <p:spPr>
+            <a:xfrm>
+              <a:off x="3303102" y="1578846"/>
+              <a:ext cx="7132734" cy="4364070"/>
+            </a:xfrm>
+            <a:prstGeom prst="rect">
+              <a:avLst/>
+            </a:prstGeom>
+            <a:solidFill>
+              <a:srgbClr val="8DBA62"/>
+            </a:solidFill>
+            <a:ln>
+              <a:solidFill>
+                <a:srgbClr val="8DBA62"/>
+              </a:solidFill>
+            </a:ln>
+          </p:spPr>
+          <p:style>
+            <a:lnRef idx="2">
+              <a:schemeClr val="accent1">
+                <a:shade val="50000"/>
+              </a:schemeClr>
+            </a:lnRef>
+            <a:fillRef idx="1">
+              <a:schemeClr val="accent1"/>
+            </a:fillRef>
+            <a:effectRef idx="0">
+              <a:schemeClr val="accent1"/>
+            </a:effectRef>
+            <a:fontRef idx="minor">
+              <a:schemeClr val="lt1"/>
+            </a:fontRef>
+          </p:style>
+          <p:txBody>
+            <a:bodyPr rtlCol="0" anchor="ctr"/>
+            <a:lstStyle/>
+            <a:p>
+              <a:pPr algn="ctr"/>
+              <a:endParaRPr lang="pt-BR"/>
+            </a:p>
+          </p:txBody>
+        </p:sp>
+        <p:sp>
+          <p:nvSpPr>
+            <p:cNvPr id="28" name="Retângulo de cantos arredondados 27"/>
+            <p:cNvSpPr/>
+            <p:nvPr/>
+          </p:nvSpPr>
+          <p:spPr>
+            <a:xfrm>
+              <a:off x="3400023" y="1674254"/>
+              <a:ext cx="6941711" cy="4172754"/>
+            </a:xfrm>
+            <a:prstGeom prst="roundRect">
+              <a:avLst>
+                <a:gd name="adj" fmla="val 0"/>
+              </a:avLst>
+            </a:prstGeom>
+            <a:solidFill>
+              <a:srgbClr val="FDEBC7"/>
+            </a:solidFill>
+            <a:ln>
+              <a:solidFill>
+                <a:srgbClr val="8DBA62"/>
+              </a:solidFill>
+            </a:ln>
+          </p:spPr>
+          <p:style>
+            <a:lnRef idx="2">
+              <a:schemeClr val="accent6"/>
+            </a:lnRef>
+            <a:fillRef idx="1">
+              <a:schemeClr val="lt1"/>
+            </a:fillRef>
+            <a:effectRef idx="0">
+              <a:schemeClr val="accent6"/>
+            </a:effectRef>
+            <a:fontRef idx="minor">
+              <a:schemeClr val="dk1"/>
+            </a:fontRef>
+          </p:style>
+          <p:txBody>
+            <a:bodyPr rtlCol="0" anchor="ctr"/>
+            <a:lstStyle/>
+            <a:p>
+              <a:pPr algn="ctr"/>
+              <a:endParaRPr lang="pt-BR"/>
+            </a:p>
+          </p:txBody>
+        </p:sp>
+      </p:grpSp>
+      <p:grpSp>
+        <p:nvGrpSpPr>
+          <p:cNvPr id="29" name="Grupo 28"/>
+          <p:cNvGrpSpPr/>
+          <p:nvPr/>
+        </p:nvGrpSpPr>
+        <p:grpSpPr>
+          <a:xfrm>
+            <a:off x="7545106" y="4864736"/>
+            <a:ext cx="3224038" cy="1247973"/>
+            <a:chOff x="3303102" y="1578846"/>
+            <a:chExt cx="7132734" cy="4364070"/>
+          </a:xfrm>
+        </p:grpSpPr>
+        <p:sp>
+          <p:nvSpPr>
+            <p:cNvPr id="30" name="Retângulo 29"/>
+            <p:cNvSpPr/>
+            <p:nvPr/>
+          </p:nvSpPr>
+          <p:spPr>
+            <a:xfrm>
+              <a:off x="3303102" y="1578846"/>
+              <a:ext cx="7132734" cy="4364070"/>
+            </a:xfrm>
+            <a:prstGeom prst="rect">
+              <a:avLst/>
+            </a:prstGeom>
+            <a:solidFill>
+              <a:srgbClr val="8DBA62"/>
+            </a:solidFill>
+            <a:ln>
+              <a:solidFill>
+                <a:srgbClr val="8DBA62"/>
+              </a:solidFill>
+            </a:ln>
+          </p:spPr>
+          <p:style>
+            <a:lnRef idx="2">
+              <a:schemeClr val="accent1">
+                <a:shade val="50000"/>
+              </a:schemeClr>
+            </a:lnRef>
+            <a:fillRef idx="1">
+              <a:schemeClr val="accent1"/>
+            </a:fillRef>
+            <a:effectRef idx="0">
+              <a:schemeClr val="accent1"/>
+            </a:effectRef>
+            <a:fontRef idx="minor">
+              <a:schemeClr val="lt1"/>
+            </a:fontRef>
+          </p:style>
+          <p:txBody>
+            <a:bodyPr rtlCol="0" anchor="ctr"/>
+            <a:lstStyle/>
+            <a:p>
+              <a:pPr algn="ctr"/>
+              <a:endParaRPr lang="pt-BR"/>
+            </a:p>
+          </p:txBody>
+        </p:sp>
+        <p:sp>
+          <p:nvSpPr>
+            <p:cNvPr id="31" name="Retângulo de cantos arredondados 30"/>
+            <p:cNvSpPr/>
+            <p:nvPr/>
+          </p:nvSpPr>
+          <p:spPr>
+            <a:xfrm>
+              <a:off x="3400023" y="1674254"/>
+              <a:ext cx="6941711" cy="4172754"/>
+            </a:xfrm>
+            <a:prstGeom prst="roundRect">
+              <a:avLst>
+                <a:gd name="adj" fmla="val 0"/>
+              </a:avLst>
+            </a:prstGeom>
+            <a:solidFill>
+              <a:srgbClr val="FDEBC7"/>
+            </a:solidFill>
+            <a:ln>
+              <a:solidFill>
+                <a:srgbClr val="8DBA62"/>
+              </a:solidFill>
+            </a:ln>
+          </p:spPr>
+          <p:style>
+            <a:lnRef idx="2">
+              <a:schemeClr val="accent6"/>
+            </a:lnRef>
+            <a:fillRef idx="1">
+              <a:schemeClr val="lt1"/>
+            </a:fillRef>
+            <a:effectRef idx="0">
+              <a:schemeClr val="accent6"/>
+            </a:effectRef>
+            <a:fontRef idx="minor">
+              <a:schemeClr val="dk1"/>
+            </a:fontRef>
+          </p:style>
+          <p:txBody>
+            <a:bodyPr rtlCol="0" anchor="ctr"/>
+            <a:lstStyle/>
+            <a:p>
+              <a:pPr algn="ctr"/>
+              <a:endParaRPr lang="pt-BR"/>
+            </a:p>
+          </p:txBody>
+        </p:sp>
+      </p:grpSp>
+      <p:sp>
+        <p:nvSpPr>
+          <p:cNvPr id="32" name="Retângulo 31"/>
+          <p:cNvSpPr/>
+          <p:nvPr/>
+        </p:nvSpPr>
+        <p:spPr>
+          <a:xfrm>
+            <a:off x="7545107" y="1394320"/>
+            <a:ext cx="3186618" cy="208063"/>
+          </a:xfrm>
+          <a:prstGeom prst="rect">
+            <a:avLst/>
+          </a:prstGeom>
+          <a:solidFill>
+            <a:srgbClr val="8DBA62"/>
+          </a:solidFill>
+          <a:ln>
+            <a:solidFill>
+              <a:srgbClr val="73D54A"/>
+            </a:solidFill>
+          </a:ln>
+          <a:effectLst>
+            <a:outerShdw blurRad="50800" dist="38100" dir="2700000" algn="tl" rotWithShape="0">
+              <a:prstClr val="black">
+                <a:alpha val="40000"/>
+              </a:prstClr>
+            </a:outerShdw>
+            <a:softEdge rad="0"/>
+          </a:effectLst>
+        </p:spPr>
+        <p:style>
+          <a:lnRef idx="2">
+            <a:schemeClr val="accent1">
+              <a:shade val="50000"/>
+            </a:schemeClr>
+          </a:lnRef>
+          <a:fillRef idx="1">
+            <a:schemeClr val="accent1"/>
+          </a:fillRef>
+          <a:effectRef idx="0">
+            <a:schemeClr val="accent1"/>
+          </a:effectRef>
+          <a:fontRef idx="minor">
+            <a:schemeClr val="lt1"/>
+          </a:fontRef>
+        </p:style>
+        <p:txBody>
+          <a:bodyPr rtlCol="0" anchor="ctr"/>
+          <a:lstStyle/>
+          <a:p>
+            <a:pPr algn="ctr"/>
+            <a:r>
+              <a:rPr lang="pt-BR" dirty="0"/>
+              <a:t>QUIZ</a:t>
+            </a:r>
+          </a:p>
+        </p:txBody>
+      </p:sp>
+      <p:sp>
+        <p:nvSpPr>
+          <p:cNvPr id="33" name="Retângulo 32"/>
+          <p:cNvSpPr/>
+          <p:nvPr/>
+        </p:nvSpPr>
+        <p:spPr>
+          <a:xfrm>
+            <a:off x="7545106" y="3332149"/>
+            <a:ext cx="3186618" cy="235299"/>
+          </a:xfrm>
+          <a:prstGeom prst="rect">
+            <a:avLst/>
+          </a:prstGeom>
+          <a:solidFill>
+            <a:srgbClr val="8DBA62"/>
+          </a:solidFill>
+          <a:ln>
+            <a:solidFill>
+              <a:srgbClr val="73D54A"/>
+            </a:solidFill>
+          </a:ln>
+          <a:effectLst>
+            <a:outerShdw blurRad="50800" dist="38100" dir="2700000" algn="tl" rotWithShape="0">
+              <a:prstClr val="black">
+                <a:alpha val="40000"/>
+              </a:prstClr>
+            </a:outerShdw>
+            <a:softEdge rad="0"/>
+          </a:effectLst>
+        </p:spPr>
+        <p:style>
+          <a:lnRef idx="2">
+            <a:schemeClr val="accent1">
+              <a:shade val="50000"/>
+            </a:schemeClr>
+          </a:lnRef>
+          <a:fillRef idx="1">
+            <a:schemeClr val="accent1"/>
+          </a:fillRef>
+          <a:effectRef idx="0">
+            <a:schemeClr val="accent1"/>
+          </a:effectRef>
+          <a:fontRef idx="minor">
+            <a:schemeClr val="lt1"/>
+          </a:fontRef>
+        </p:style>
+        <p:txBody>
+          <a:bodyPr rtlCol="0" anchor="ctr"/>
+          <a:lstStyle/>
+          <a:p>
+            <a:pPr algn="ctr"/>
+            <a:r>
+              <a:rPr lang="pt-BR" dirty="0"/>
+              <a:t>Jogo da memória</a:t>
+            </a:r>
+          </a:p>
+        </p:txBody>
+      </p:sp>
+      <p:sp>
+        <p:nvSpPr>
+          <p:cNvPr id="34" name="Retângulo 33"/>
+          <p:cNvSpPr/>
+          <p:nvPr/>
+        </p:nvSpPr>
+        <p:spPr>
+          <a:xfrm>
+            <a:off x="7574287" y="4892019"/>
+            <a:ext cx="3142809" cy="175779"/>
+          </a:xfrm>
+          <a:prstGeom prst="rect">
+            <a:avLst/>
+          </a:prstGeom>
+          <a:solidFill>
+            <a:srgbClr val="8DBA62"/>
+          </a:solidFill>
+          <a:ln>
+            <a:solidFill>
+              <a:srgbClr val="73D54A"/>
+            </a:solidFill>
+          </a:ln>
+          <a:effectLst>
+            <a:outerShdw blurRad="50800" dist="38100" dir="2700000" algn="tl" rotWithShape="0">
+              <a:prstClr val="black">
+                <a:alpha val="40000"/>
+              </a:prstClr>
+            </a:outerShdw>
+            <a:softEdge rad="0"/>
+          </a:effectLst>
+        </p:spPr>
+        <p:style>
+          <a:lnRef idx="2">
+            <a:schemeClr val="accent1">
+              <a:shade val="50000"/>
+            </a:schemeClr>
+          </a:lnRef>
+          <a:fillRef idx="1">
+            <a:schemeClr val="accent1"/>
+          </a:fillRef>
+          <a:effectRef idx="0">
+            <a:schemeClr val="accent1"/>
+          </a:effectRef>
+          <a:fontRef idx="minor">
+            <a:schemeClr val="lt1"/>
+          </a:fontRef>
+        </p:style>
+        <p:txBody>
+          <a:bodyPr rtlCol="0" anchor="ctr"/>
+          <a:lstStyle/>
+          <a:p>
+            <a:pPr algn="ctr"/>
+            <a:r>
+              <a:rPr lang="pt-BR" dirty="0" smtClean="0"/>
+              <a:t>Apaque a Luz</a:t>
+            </a:r>
+            <a:endParaRPr lang="pt-BR" dirty="0"/>
+          </a:p>
+        </p:txBody>
+      </p:sp>
+      <p:sp>
+        <p:nvSpPr>
+          <p:cNvPr id="60" name="Retângulo de cantos arredondados 59"/>
+          <p:cNvSpPr/>
+          <p:nvPr/>
+        </p:nvSpPr>
+        <p:spPr>
+          <a:xfrm>
+            <a:off x="1443660" y="2216733"/>
+            <a:ext cx="5382144" cy="386367"/>
+          </a:xfrm>
+          <a:prstGeom prst="roundRect">
+            <a:avLst/>
+          </a:prstGeom>
+          <a:noFill/>
+        </p:spPr>
+        <p:style>
+          <a:lnRef idx="2">
+            <a:schemeClr val="accent6"/>
+          </a:lnRef>
+          <a:fillRef idx="1">
+            <a:schemeClr val="lt1"/>
+          </a:fillRef>
+          <a:effectRef idx="0">
+            <a:schemeClr val="accent6"/>
+          </a:effectRef>
+          <a:fontRef idx="minor">
+            <a:schemeClr val="dk1"/>
+          </a:fontRef>
+        </p:style>
+        <p:txBody>
+          <a:bodyPr rtlCol="0" anchor="ctr"/>
+          <a:lstStyle/>
+          <a:p>
+            <a:pPr algn="ctr"/>
+            <a:endParaRPr lang="pt-BR"/>
+          </a:p>
+        </p:txBody>
+      </p:sp>
+      <p:sp>
+        <p:nvSpPr>
+          <p:cNvPr id="61" name="CaixaDeTexto 60"/>
+          <p:cNvSpPr txBox="1"/>
+          <p:nvPr/>
+        </p:nvSpPr>
+        <p:spPr>
+          <a:xfrm>
+            <a:off x="1462362" y="2216732"/>
+            <a:ext cx="4578359" cy="369332"/>
+          </a:xfrm>
+          <a:prstGeom prst="rect">
+            <a:avLst/>
+          </a:prstGeom>
+          <a:noFill/>
+        </p:spPr>
+        <p:txBody>
+          <a:bodyPr wrap="square" rtlCol="0">
+            <a:spAutoFit/>
+          </a:bodyPr>
+          <a:lstStyle/>
+          <a:p>
+            <a:r>
+              <a:rPr lang="pt-BR" dirty="0" smtClean="0">
+                <a:solidFill>
+                  <a:srgbClr val="447E43"/>
+                </a:solidFill>
+                <a:latin typeface="Bahnschrift" panose="020B0502040204020203" pitchFamily="34" charset="0"/>
+              </a:rPr>
+              <a:t>Quiz</a:t>
+            </a:r>
+            <a:endParaRPr lang="pt-BR" dirty="0">
+              <a:solidFill>
+                <a:srgbClr val="447E43"/>
+              </a:solidFill>
+              <a:latin typeface="Bahnschrift" panose="020B0502040204020203" pitchFamily="34" charset="0"/>
+            </a:endParaRPr>
+          </a:p>
+        </p:txBody>
+      </p:sp>
+      <p:sp>
+        <p:nvSpPr>
+          <p:cNvPr id="62" name="Retângulo 61"/>
+          <p:cNvSpPr/>
+          <p:nvPr/>
+        </p:nvSpPr>
+        <p:spPr>
+          <a:xfrm>
+            <a:off x="6880967" y="2216732"/>
+            <a:ext cx="388679" cy="371922"/>
+          </a:xfrm>
+          <a:prstGeom prst="rect">
+            <a:avLst/>
+          </a:prstGeom>
+          <a:solidFill>
+            <a:srgbClr val="FF0000"/>
+          </a:solidFill>
+          <a:ln>
+            <a:solidFill>
+              <a:srgbClr val="FF0000"/>
+            </a:solidFill>
+          </a:ln>
+          <a:effectLst>
+            <a:outerShdw blurRad="50800" dist="38100" dir="2700000" algn="tl" rotWithShape="0">
+              <a:prstClr val="black">
+                <a:alpha val="40000"/>
+              </a:prstClr>
+            </a:outerShdw>
+            <a:softEdge rad="0"/>
+          </a:effectLst>
+        </p:spPr>
+        <p:style>
+          <a:lnRef idx="2">
+            <a:schemeClr val="accent1">
+              <a:shade val="50000"/>
+            </a:schemeClr>
+          </a:lnRef>
+          <a:fillRef idx="1">
+            <a:schemeClr val="accent1"/>
+          </a:fillRef>
+          <a:effectRef idx="0">
+            <a:schemeClr val="accent1"/>
+          </a:effectRef>
+          <a:fontRef idx="minor">
+            <a:schemeClr val="lt1"/>
+          </a:fontRef>
+        </p:style>
+        <p:txBody>
+          <a:bodyPr rtlCol="0" anchor="ctr"/>
+          <a:lstStyle/>
+          <a:p>
+            <a:pPr algn="ctr"/>
+            <a:r>
+              <a:rPr lang="pt-BR" sz="2800" b="1" dirty="0"/>
+              <a:t>x</a:t>
+            </a:r>
+          </a:p>
+        </p:txBody>
+      </p:sp>
+      <p:sp>
+        <p:nvSpPr>
+          <p:cNvPr id="63" name="Retângulo de cantos arredondados 62"/>
+          <p:cNvSpPr/>
+          <p:nvPr/>
+        </p:nvSpPr>
+        <p:spPr>
+          <a:xfrm>
+            <a:off x="1443660" y="2631936"/>
+            <a:ext cx="5382144" cy="386367"/>
+          </a:xfrm>
+          <a:prstGeom prst="roundRect">
+            <a:avLst/>
+          </a:prstGeom>
+          <a:noFill/>
+        </p:spPr>
+        <p:style>
+          <a:lnRef idx="2">
+            <a:schemeClr val="accent6"/>
+          </a:lnRef>
+          <a:fillRef idx="1">
+            <a:schemeClr val="lt1"/>
+          </a:fillRef>
+          <a:effectRef idx="0">
+            <a:schemeClr val="accent6"/>
+          </a:effectRef>
+          <a:fontRef idx="minor">
+            <a:schemeClr val="dk1"/>
+          </a:fontRef>
+        </p:style>
+        <p:txBody>
+          <a:bodyPr rtlCol="0" anchor="ctr"/>
+          <a:lstStyle/>
+          <a:p>
+            <a:pPr algn="ctr"/>
+            <a:endParaRPr lang="pt-BR"/>
+          </a:p>
+        </p:txBody>
+      </p:sp>
+      <p:sp>
+        <p:nvSpPr>
+          <p:cNvPr id="64" name="Retângulo 63"/>
+          <p:cNvSpPr/>
+          <p:nvPr/>
+        </p:nvSpPr>
+        <p:spPr>
+          <a:xfrm>
+            <a:off x="6880797" y="2651741"/>
+            <a:ext cx="388679" cy="371922"/>
+          </a:xfrm>
+          <a:prstGeom prst="rect">
+            <a:avLst/>
+          </a:prstGeom>
+          <a:solidFill>
+            <a:srgbClr val="FF0000"/>
+          </a:solidFill>
+          <a:ln>
+            <a:solidFill>
+              <a:srgbClr val="FF0000"/>
+            </a:solidFill>
+          </a:ln>
+          <a:effectLst>
+            <a:outerShdw blurRad="50800" dist="38100" dir="2700000" algn="tl" rotWithShape="0">
+              <a:prstClr val="black">
+                <a:alpha val="40000"/>
+              </a:prstClr>
+            </a:outerShdw>
+            <a:softEdge rad="0"/>
+          </a:effectLst>
+        </p:spPr>
+        <p:style>
+          <a:lnRef idx="2">
+            <a:schemeClr val="accent1">
+              <a:shade val="50000"/>
+            </a:schemeClr>
+          </a:lnRef>
+          <a:fillRef idx="1">
+            <a:schemeClr val="accent1"/>
+          </a:fillRef>
+          <a:effectRef idx="0">
+            <a:schemeClr val="accent1"/>
+          </a:effectRef>
+          <a:fontRef idx="minor">
+            <a:schemeClr val="lt1"/>
+          </a:fontRef>
+        </p:style>
+        <p:txBody>
+          <a:bodyPr rtlCol="0" anchor="ctr"/>
+          <a:lstStyle/>
+          <a:p>
+            <a:pPr algn="ctr"/>
+            <a:r>
+              <a:rPr lang="pt-BR" sz="2800" b="1" dirty="0"/>
+              <a:t>x</a:t>
+            </a:r>
+          </a:p>
+        </p:txBody>
+      </p:sp>
+      <p:sp>
+        <p:nvSpPr>
+          <p:cNvPr id="65" name="CaixaDeTexto 64"/>
+          <p:cNvSpPr txBox="1"/>
+          <p:nvPr/>
+        </p:nvSpPr>
+        <p:spPr>
+          <a:xfrm>
+            <a:off x="1462362" y="2626661"/>
+            <a:ext cx="4578359" cy="369332"/>
+          </a:xfrm>
+          <a:prstGeom prst="rect">
+            <a:avLst/>
+          </a:prstGeom>
+          <a:noFill/>
+        </p:spPr>
+        <p:txBody>
+          <a:bodyPr wrap="square" rtlCol="0">
+            <a:spAutoFit/>
+          </a:bodyPr>
+          <a:lstStyle/>
+          <a:p>
+            <a:r>
+              <a:rPr lang="pt-BR" dirty="0" smtClean="0">
+                <a:solidFill>
+                  <a:srgbClr val="447E43"/>
+                </a:solidFill>
+                <a:latin typeface="Bahnschrift" panose="020B0502040204020203" pitchFamily="34" charset="0"/>
+              </a:rPr>
+              <a:t>Jogo da memória</a:t>
+            </a:r>
+            <a:endParaRPr lang="pt-BR" dirty="0">
+              <a:solidFill>
+                <a:srgbClr val="447E43"/>
+              </a:solidFill>
+              <a:latin typeface="Bahnschrift" panose="020B0502040204020203" pitchFamily="34" charset="0"/>
+            </a:endParaRPr>
+          </a:p>
+        </p:txBody>
+      </p:sp>
+      <p:sp>
+        <p:nvSpPr>
+          <p:cNvPr id="66" name="Retângulo de cantos arredondados 65"/>
+          <p:cNvSpPr/>
+          <p:nvPr/>
+        </p:nvSpPr>
+        <p:spPr>
+          <a:xfrm>
+            <a:off x="1443660" y="3067508"/>
+            <a:ext cx="5382144" cy="386367"/>
+          </a:xfrm>
+          <a:prstGeom prst="roundRect">
+            <a:avLst/>
+          </a:prstGeom>
+          <a:noFill/>
+        </p:spPr>
+        <p:style>
+          <a:lnRef idx="2">
+            <a:schemeClr val="accent6"/>
+          </a:lnRef>
+          <a:fillRef idx="1">
+            <a:schemeClr val="lt1"/>
+          </a:fillRef>
+          <a:effectRef idx="0">
+            <a:schemeClr val="accent6"/>
+          </a:effectRef>
+          <a:fontRef idx="minor">
+            <a:schemeClr val="dk1"/>
+          </a:fontRef>
+        </p:style>
+        <p:txBody>
+          <a:bodyPr rtlCol="0" anchor="ctr"/>
+          <a:lstStyle/>
+          <a:p>
+            <a:pPr algn="ctr"/>
+            <a:endParaRPr lang="pt-BR"/>
+          </a:p>
+        </p:txBody>
+      </p:sp>
+      <p:sp>
+        <p:nvSpPr>
+          <p:cNvPr id="67" name="Retângulo 66"/>
+          <p:cNvSpPr/>
+          <p:nvPr/>
+        </p:nvSpPr>
+        <p:spPr>
+          <a:xfrm>
+            <a:off x="6880797" y="3087313"/>
+            <a:ext cx="388679" cy="371922"/>
+          </a:xfrm>
+          <a:prstGeom prst="rect">
+            <a:avLst/>
+          </a:prstGeom>
+          <a:solidFill>
+            <a:srgbClr val="FF0000"/>
+          </a:solidFill>
+          <a:ln>
+            <a:solidFill>
+              <a:srgbClr val="FF0000"/>
+            </a:solidFill>
+          </a:ln>
+          <a:effectLst>
+            <a:outerShdw blurRad="50800" dist="38100" dir="2700000" algn="tl" rotWithShape="0">
+              <a:prstClr val="black">
+                <a:alpha val="40000"/>
+              </a:prstClr>
+            </a:outerShdw>
+            <a:softEdge rad="0"/>
+          </a:effectLst>
+        </p:spPr>
+        <p:style>
+          <a:lnRef idx="2">
+            <a:schemeClr val="accent1">
+              <a:shade val="50000"/>
+            </a:schemeClr>
+          </a:lnRef>
+          <a:fillRef idx="1">
+            <a:schemeClr val="accent1"/>
+          </a:fillRef>
+          <a:effectRef idx="0">
+            <a:schemeClr val="accent1"/>
+          </a:effectRef>
+          <a:fontRef idx="minor">
+            <a:schemeClr val="lt1"/>
+          </a:fontRef>
+        </p:style>
+        <p:txBody>
+          <a:bodyPr rtlCol="0" anchor="ctr"/>
+          <a:lstStyle/>
+          <a:p>
+            <a:pPr algn="ctr"/>
+            <a:r>
+              <a:rPr lang="pt-BR" sz="2800" b="1" dirty="0"/>
+              <a:t>x</a:t>
+            </a:r>
+          </a:p>
+        </p:txBody>
+      </p:sp>
+      <p:sp>
+        <p:nvSpPr>
+          <p:cNvPr id="68" name="CaixaDeTexto 67"/>
+          <p:cNvSpPr txBox="1"/>
+          <p:nvPr/>
+        </p:nvSpPr>
+        <p:spPr>
+          <a:xfrm>
+            <a:off x="1462362" y="3062233"/>
+            <a:ext cx="4578359" cy="369332"/>
+          </a:xfrm>
+          <a:prstGeom prst="rect">
+            <a:avLst/>
+          </a:prstGeom>
+          <a:noFill/>
+        </p:spPr>
+        <p:txBody>
+          <a:bodyPr wrap="square" rtlCol="0">
+            <a:spAutoFit/>
+          </a:bodyPr>
+          <a:lstStyle/>
+          <a:p>
+            <a:r>
+              <a:rPr lang="pt-BR" dirty="0" smtClean="0">
+                <a:solidFill>
+                  <a:srgbClr val="447E43"/>
+                </a:solidFill>
+                <a:latin typeface="Bahnschrift" panose="020B0502040204020203" pitchFamily="34" charset="0"/>
+              </a:rPr>
+              <a:t>Acerte o alvo</a:t>
+            </a:r>
+            <a:endParaRPr lang="pt-BR" dirty="0">
+              <a:solidFill>
+                <a:srgbClr val="447E43"/>
+              </a:solidFill>
+              <a:latin typeface="Bahnschrift" panose="020B0502040204020203" pitchFamily="34" charset="0"/>
+            </a:endParaRPr>
+          </a:p>
+        </p:txBody>
+      </p:sp>
+      <p:sp>
+        <p:nvSpPr>
+          <p:cNvPr id="46" name="Retângulo 45"/>
+          <p:cNvSpPr/>
+          <p:nvPr/>
+        </p:nvSpPr>
+        <p:spPr>
+          <a:xfrm>
+            <a:off x="5461686" y="5488650"/>
+            <a:ext cx="1724725" cy="399022"/>
+          </a:xfrm>
+          <a:prstGeom prst="rect">
+            <a:avLst/>
+          </a:prstGeom>
+          <a:solidFill>
+            <a:srgbClr val="73D54A"/>
+          </a:solidFill>
+          <a:ln>
+            <a:solidFill>
+              <a:srgbClr val="73D54A"/>
+            </a:solidFill>
+          </a:ln>
+          <a:effectLst>
+            <a:outerShdw blurRad="50800" dist="38100" dir="2700000" algn="tl" rotWithShape="0">
+              <a:prstClr val="black">
+                <a:alpha val="40000"/>
+              </a:prstClr>
+            </a:outerShdw>
+            <a:softEdge rad="0"/>
+          </a:effectLst>
+        </p:spPr>
+        <p:style>
+          <a:lnRef idx="2">
+            <a:schemeClr val="accent1">
+              <a:shade val="50000"/>
+            </a:schemeClr>
+          </a:lnRef>
+          <a:fillRef idx="1">
+            <a:schemeClr val="accent1"/>
+          </a:fillRef>
+          <a:effectRef idx="0">
+            <a:schemeClr val="accent1"/>
+          </a:effectRef>
+          <a:fontRef idx="minor">
+            <a:schemeClr val="lt1"/>
+          </a:fontRef>
+        </p:style>
+        <p:txBody>
+          <a:bodyPr rtlCol="0" anchor="ctr"/>
+          <a:lstStyle/>
+          <a:p>
+            <a:pPr algn="ctr"/>
+            <a:r>
+              <a:rPr lang="pt-BR" dirty="0" smtClean="0"/>
+              <a:t>Iniciar rodada</a:t>
+            </a:r>
+            <a:endParaRPr lang="pt-BR" dirty="0"/>
+          </a:p>
+        </p:txBody>
+      </p:sp>
+      <p:sp>
+        <p:nvSpPr>
+          <p:cNvPr id="70" name="Retângulo 69"/>
+          <p:cNvSpPr/>
+          <p:nvPr/>
+        </p:nvSpPr>
+        <p:spPr>
+          <a:xfrm>
+            <a:off x="8230963" y="2128096"/>
+            <a:ext cx="2057243" cy="399022"/>
+          </a:xfrm>
+          <a:prstGeom prst="rect">
+            <a:avLst/>
+          </a:prstGeom>
+          <a:solidFill>
+            <a:srgbClr val="73D54A"/>
+          </a:solidFill>
+          <a:ln>
+            <a:solidFill>
+              <a:srgbClr val="73D54A"/>
+            </a:solidFill>
+          </a:ln>
+          <a:effectLst>
+            <a:outerShdw blurRad="50800" dist="38100" dir="2700000" algn="tl" rotWithShape="0">
+              <a:prstClr val="black">
+                <a:alpha val="40000"/>
+              </a:prstClr>
+            </a:outerShdw>
+            <a:softEdge rad="0"/>
+          </a:effectLst>
+        </p:spPr>
+        <p:style>
+          <a:lnRef idx="2">
+            <a:schemeClr val="accent1">
+              <a:shade val="50000"/>
+            </a:schemeClr>
+          </a:lnRef>
+          <a:fillRef idx="1">
+            <a:schemeClr val="accent1"/>
+          </a:fillRef>
+          <a:effectRef idx="0">
+            <a:schemeClr val="accent1"/>
+          </a:effectRef>
+          <a:fontRef idx="minor">
+            <a:schemeClr val="lt1"/>
+          </a:fontRef>
+        </p:style>
+        <p:txBody>
+          <a:bodyPr rtlCol="0" anchor="ctr"/>
+          <a:lstStyle/>
+          <a:p>
+            <a:pPr algn="ctr"/>
+            <a:r>
+              <a:rPr lang="pt-BR" dirty="0" smtClean="0"/>
+              <a:t>Escolher pergunta</a:t>
+            </a:r>
+            <a:endParaRPr lang="pt-BR" dirty="0"/>
+          </a:p>
+        </p:txBody>
+      </p:sp>
+      <p:sp>
+        <p:nvSpPr>
+          <p:cNvPr id="72" name="Retângulo 71"/>
+          <p:cNvSpPr/>
+          <p:nvPr/>
+        </p:nvSpPr>
+        <p:spPr>
+          <a:xfrm>
+            <a:off x="7957751" y="3856560"/>
+            <a:ext cx="2462837" cy="517732"/>
+          </a:xfrm>
+          <a:prstGeom prst="rect">
+            <a:avLst/>
+          </a:prstGeom>
+          <a:solidFill>
+            <a:srgbClr val="73D54A"/>
+          </a:solidFill>
+          <a:ln>
+            <a:solidFill>
+              <a:srgbClr val="73D54A"/>
+            </a:solidFill>
+          </a:ln>
+          <a:effectLst>
+            <a:outerShdw blurRad="50800" dist="38100" dir="2700000" algn="tl" rotWithShape="0">
+              <a:prstClr val="black">
+                <a:alpha val="40000"/>
+              </a:prstClr>
+            </a:outerShdw>
+            <a:softEdge rad="0"/>
+          </a:effectLst>
+        </p:spPr>
+        <p:style>
+          <a:lnRef idx="2">
+            <a:schemeClr val="accent1">
+              <a:shade val="50000"/>
+            </a:schemeClr>
+          </a:lnRef>
+          <a:fillRef idx="1">
+            <a:schemeClr val="accent1"/>
+          </a:fillRef>
+          <a:effectRef idx="0">
+            <a:schemeClr val="accent1"/>
+          </a:effectRef>
+          <a:fontRef idx="minor">
+            <a:schemeClr val="lt1"/>
+          </a:fontRef>
+        </p:style>
+        <p:txBody>
+          <a:bodyPr rtlCol="0" anchor="ctr"/>
+          <a:lstStyle/>
+          <a:p>
+            <a:pPr algn="ctr"/>
+            <a:r>
+              <a:rPr lang="pt-BR" dirty="0" smtClean="0"/>
+              <a:t>Adicionar Jogo da Memória</a:t>
+            </a:r>
+            <a:endParaRPr lang="pt-BR" dirty="0"/>
+          </a:p>
+        </p:txBody>
+      </p:sp>
+      <p:sp>
+        <p:nvSpPr>
+          <p:cNvPr id="73" name="Retângulo 72"/>
+          <p:cNvSpPr/>
+          <p:nvPr/>
+        </p:nvSpPr>
+        <p:spPr>
+          <a:xfrm>
+            <a:off x="7961454" y="5289211"/>
+            <a:ext cx="2459134" cy="399022"/>
+          </a:xfrm>
+          <a:prstGeom prst="rect">
+            <a:avLst/>
+          </a:prstGeom>
+          <a:solidFill>
+            <a:srgbClr val="73D54A"/>
+          </a:solidFill>
+          <a:ln>
+            <a:solidFill>
+              <a:srgbClr val="73D54A"/>
+            </a:solidFill>
+          </a:ln>
+          <a:effectLst>
+            <a:outerShdw blurRad="50800" dist="38100" dir="2700000" algn="tl" rotWithShape="0">
+              <a:prstClr val="black">
+                <a:alpha val="40000"/>
+              </a:prstClr>
+            </a:outerShdw>
+            <a:softEdge rad="0"/>
+          </a:effectLst>
+        </p:spPr>
+        <p:style>
+          <a:lnRef idx="2">
+            <a:schemeClr val="accent1">
+              <a:shade val="50000"/>
+            </a:schemeClr>
+          </a:lnRef>
+          <a:fillRef idx="1">
+            <a:schemeClr val="accent1"/>
+          </a:fillRef>
+          <a:effectRef idx="0">
+            <a:schemeClr val="accent1"/>
+          </a:effectRef>
+          <a:fontRef idx="minor">
+            <a:schemeClr val="lt1"/>
+          </a:fontRef>
+        </p:style>
+        <p:txBody>
+          <a:bodyPr rtlCol="0" anchor="ctr"/>
+          <a:lstStyle/>
+          <a:p>
+            <a:pPr algn="ctr"/>
+            <a:r>
+              <a:rPr lang="pt-BR" dirty="0" smtClean="0"/>
+              <a:t>Adicionar Apague a Luz</a:t>
+            </a:r>
+            <a:endParaRPr lang="pt-BR" dirty="0"/>
+          </a:p>
+        </p:txBody>
+      </p:sp>
+    </p:spTree>
+    <p:extLst>
+      <p:ext uri="{BB962C8B-B14F-4D97-AF65-F5344CB8AC3E}">
+        <p14:creationId xmlns:p14="http://schemas.microsoft.com/office/powerpoint/2010/main" val="946480658"/>
+      </p:ext>
+    </p:extLst>
+  </p:cSld>
+  <p:clrMapOvr>
+    <a:masterClrMapping/>
+  </p:clrMapOvr>
+</p:sld>
+</file>
+
+<file path=ppt/slides/slide33.xml><?xml version="1.0" encoding="utf-8"?>
+<p:sld xmlns:a="http://schemas.openxmlformats.org/drawingml/2006/main" xmlns:r="http://schemas.openxmlformats.org/officeDocument/2006/relationships" xmlns:p="http://schemas.openxmlformats.org/presentationml/2006/main">
+  <p:cSld>
+    <p:spTree>
+      <p:nvGrpSpPr>
+        <p:cNvPr id="1" name=""/>
+        <p:cNvGrpSpPr/>
+        <p:nvPr/>
+      </p:nvGrpSpPr>
+      <p:grpSpPr>
+        <a:xfrm>
+          <a:off x="0" y="0"/>
+          <a:ext cx="0" cy="0"/>
+          <a:chOff x="0" y="0"/>
+          <a:chExt cx="0" cy="0"/>
+        </a:xfrm>
+      </p:grpSpPr>
+      <p:sp>
+        <p:nvSpPr>
+          <p:cNvPr id="2" name="Título 1"/>
+          <p:cNvSpPr>
+            <a:spLocks noGrp="1"/>
+          </p:cNvSpPr>
+          <p:nvPr>
+            <p:ph type="title"/>
+          </p:nvPr>
+        </p:nvSpPr>
+        <p:spPr/>
+        <p:txBody>
+          <a:bodyPr>
+            <a:normAutofit/>
+          </a:bodyPr>
+          <a:lstStyle/>
+          <a:p>
+            <a:r>
+              <a:rPr lang="pt-BR" sz="3200" dirty="0"/>
+              <a:t>Tabela de Elementos – Tela </a:t>
+            </a:r>
+            <a:r>
+              <a:rPr lang="pt-BR" sz="3200" dirty="0" smtClean="0"/>
+              <a:t>Nova Rodada</a:t>
+            </a:r>
+            <a:endParaRPr lang="pt-BR" sz="3200" dirty="0"/>
+          </a:p>
+        </p:txBody>
+      </p:sp>
+      <p:graphicFrame>
+        <p:nvGraphicFramePr>
+          <p:cNvPr id="4" name="Espaço Reservado para Conteúdo 3"/>
+          <p:cNvGraphicFramePr>
+            <a:graphicFrameLocks noGrp="1"/>
+          </p:cNvGraphicFramePr>
+          <p:nvPr>
+            <p:ph idx="1"/>
+            <p:extLst>
+              <p:ext uri="{D42A27DB-BD31-4B8C-83A1-F6EECF244321}">
+                <p14:modId xmlns:p14="http://schemas.microsoft.com/office/powerpoint/2010/main" val="1164697345"/>
+              </p:ext>
+            </p:extLst>
+          </p:nvPr>
+        </p:nvGraphicFramePr>
+        <p:xfrm>
+          <a:off x="838199" y="2250626"/>
+          <a:ext cx="9168685" cy="3006229"/>
+        </p:xfrm>
+        <a:graphic>
+          <a:graphicData uri="http://schemas.openxmlformats.org/drawingml/2006/table">
+            <a:tbl>
+              <a:tblPr firstRow="1" bandRow="1">
+                <a:tableStyleId>{93296810-A885-4BE3-A3E7-6D5BEEA58F35}</a:tableStyleId>
+              </a:tblPr>
+              <a:tblGrid>
+                <a:gridCol w="569322">
+                  <a:extLst>
+                    <a:ext uri="{9D8B030D-6E8A-4147-A177-3AD203B41FA5}">
+                      <a16:colId xmlns:a16="http://schemas.microsoft.com/office/drawing/2014/main" xmlns="" val="20000"/>
+                    </a:ext>
+                  </a:extLst>
+                </a:gridCol>
+                <a:gridCol w="1629692">
+                  <a:extLst>
+                    <a:ext uri="{9D8B030D-6E8A-4147-A177-3AD203B41FA5}">
+                      <a16:colId xmlns:a16="http://schemas.microsoft.com/office/drawing/2014/main" xmlns="" val="20001"/>
+                    </a:ext>
+                  </a:extLst>
+                </a:gridCol>
+                <a:gridCol w="1742084">
+                  <a:extLst>
+                    <a:ext uri="{9D8B030D-6E8A-4147-A177-3AD203B41FA5}">
+                      <a16:colId xmlns:a16="http://schemas.microsoft.com/office/drawing/2014/main" xmlns="" val="20002"/>
+                    </a:ext>
+                  </a:extLst>
+                </a:gridCol>
+                <a:gridCol w="2942571">
+                  <a:extLst>
+                    <a:ext uri="{9D8B030D-6E8A-4147-A177-3AD203B41FA5}">
+                      <a16:colId xmlns:a16="http://schemas.microsoft.com/office/drawing/2014/main" xmlns="" val="20003"/>
+                    </a:ext>
+                  </a:extLst>
+                </a:gridCol>
+                <a:gridCol w="2285016">
+                  <a:extLst>
+                    <a:ext uri="{9D8B030D-6E8A-4147-A177-3AD203B41FA5}">
+                      <a16:colId xmlns:a16="http://schemas.microsoft.com/office/drawing/2014/main" xmlns="" val="20004"/>
+                    </a:ext>
+                  </a:extLst>
+                </a:gridCol>
+              </a:tblGrid>
+              <a:tr h="445909">
+                <a:tc>
+                  <a:txBody>
+                    <a:bodyPr/>
+                    <a:lstStyle/>
+                    <a:p>
+                      <a:endParaRPr lang="pt-BR" dirty="0"/>
+                    </a:p>
+                  </a:txBody>
+                  <a:tcPr/>
+                </a:tc>
+                <a:tc>
+                  <a:txBody>
+                    <a:bodyPr/>
+                    <a:lstStyle/>
+                    <a:p>
+                      <a:r>
+                        <a:rPr lang="pt-BR" dirty="0"/>
+                        <a:t>Nome Campo</a:t>
+                      </a:r>
+                    </a:p>
+                  </a:txBody>
+                  <a:tcPr/>
+                </a:tc>
+                <a:tc>
+                  <a:txBody>
+                    <a:bodyPr/>
+                    <a:lstStyle/>
+                    <a:p>
+                      <a:r>
+                        <a:rPr lang="pt-BR" dirty="0"/>
+                        <a:t>Origem</a:t>
+                      </a:r>
+                    </a:p>
+                  </a:txBody>
+                  <a:tcPr/>
+                </a:tc>
+                <a:tc>
+                  <a:txBody>
+                    <a:bodyPr/>
+                    <a:lstStyle/>
+                    <a:p>
+                      <a:r>
+                        <a:rPr lang="pt-BR" dirty="0"/>
+                        <a:t>Tipo</a:t>
+                      </a:r>
+                    </a:p>
+                  </a:txBody>
+                  <a:tcPr/>
+                </a:tc>
+                <a:tc>
+                  <a:txBody>
+                    <a:bodyPr/>
+                    <a:lstStyle/>
+                    <a:p>
+                      <a:r>
+                        <a:rPr lang="pt-BR" dirty="0"/>
+                        <a:t>Função</a:t>
+                      </a:r>
+                    </a:p>
+                  </a:txBody>
+                  <a:tcPr/>
+                </a:tc>
+                <a:extLst>
+                  <a:ext uri="{0D108BD9-81ED-4DB2-BD59-A6C34878D82A}">
+                    <a16:rowId xmlns:a16="http://schemas.microsoft.com/office/drawing/2014/main" xmlns="" val="10000"/>
+                  </a:ext>
+                </a:extLst>
+              </a:tr>
+              <a:tr h="445909">
+                <a:tc>
+                  <a:txBody>
+                    <a:bodyPr/>
+                    <a:lstStyle/>
+                    <a:p>
+                      <a:r>
+                        <a:rPr lang="pt-BR" dirty="0"/>
+                        <a:t>0</a:t>
+                      </a:r>
+                    </a:p>
+                  </a:txBody>
+                  <a:tcPr/>
+                </a:tc>
+                <a:tc>
+                  <a:txBody>
+                    <a:bodyPr/>
+                    <a:lstStyle/>
+                    <a:p>
+                      <a:r>
+                        <a:rPr lang="pt-BR" dirty="0"/>
+                        <a:t>‘+’ (QUIZ)</a:t>
+                      </a:r>
+                    </a:p>
+                  </a:txBody>
+                  <a:tcPr/>
+                </a:tc>
+                <a:tc>
+                  <a:txBody>
+                    <a:bodyPr/>
+                    <a:lstStyle/>
+                    <a:p>
+                      <a:endParaRPr lang="pt-BR" dirty="0"/>
+                    </a:p>
+                  </a:txBody>
+                  <a:tcPr/>
+                </a:tc>
+                <a:tc>
+                  <a:txBody>
+                    <a:bodyPr/>
+                    <a:lstStyle/>
+                    <a:p>
+                      <a:r>
+                        <a:rPr lang="pt-BR" dirty="0"/>
+                        <a:t>Botão</a:t>
+                      </a:r>
+                    </a:p>
+                  </a:txBody>
+                  <a:tcPr/>
+                </a:tc>
+                <a:tc>
+                  <a:txBody>
+                    <a:bodyPr/>
+                    <a:lstStyle/>
+                    <a:p>
+                      <a:r>
+                        <a:rPr lang="pt-BR" dirty="0"/>
+                        <a:t>Adiciona respectiva</a:t>
+                      </a:r>
+                      <a:r>
+                        <a:rPr lang="pt-BR" baseline="0" dirty="0"/>
+                        <a:t> pergunta a rodada</a:t>
+                      </a:r>
+                      <a:endParaRPr lang="pt-BR" dirty="0"/>
+                    </a:p>
+                  </a:txBody>
+                  <a:tcPr/>
+                </a:tc>
+                <a:extLst>
+                  <a:ext uri="{0D108BD9-81ED-4DB2-BD59-A6C34878D82A}">
+                    <a16:rowId xmlns:a16="http://schemas.microsoft.com/office/drawing/2014/main" xmlns="" val="10001"/>
+                  </a:ext>
+                </a:extLst>
+              </a:tr>
+              <a:tr h="445909">
+                <a:tc>
+                  <a:txBody>
+                    <a:bodyPr/>
+                    <a:lstStyle/>
+                    <a:p>
+                      <a:r>
+                        <a:rPr lang="pt-BR" dirty="0"/>
+                        <a:t>1</a:t>
+                      </a:r>
+                    </a:p>
+                  </a:txBody>
+                  <a:tcPr/>
+                </a:tc>
+                <a:tc>
+                  <a:txBody>
+                    <a:bodyPr/>
+                    <a:lstStyle/>
+                    <a:p>
+                      <a:r>
+                        <a:rPr lang="pt-BR" dirty="0"/>
+                        <a:t>‘ +’ (Jogo</a:t>
+                      </a:r>
+                      <a:r>
+                        <a:rPr lang="pt-BR" baseline="0" dirty="0"/>
+                        <a:t> da Memória</a:t>
+                      </a:r>
+                      <a:r>
+                        <a:rPr lang="pt-BR" dirty="0"/>
+                        <a:t>)</a:t>
+                      </a:r>
+                    </a:p>
+                  </a:txBody>
+                  <a:tcPr/>
+                </a:tc>
+                <a:tc>
+                  <a:txBody>
+                    <a:bodyPr/>
+                    <a:lstStyle/>
+                    <a:p>
+                      <a:endParaRPr lang="pt-BR" dirty="0"/>
+                    </a:p>
+                  </a:txBody>
+                  <a:tcPr/>
+                </a:tc>
+                <a:tc>
+                  <a:txBody>
+                    <a:bodyPr/>
+                    <a:lstStyle/>
+                    <a:p>
+                      <a:r>
+                        <a:rPr lang="pt-BR" dirty="0"/>
+                        <a:t>Botão</a:t>
+                      </a:r>
+                    </a:p>
+                  </a:txBody>
+                  <a:tcPr/>
+                </a:tc>
+                <a:tc>
+                  <a:txBody>
+                    <a:bodyPr/>
+                    <a:lstStyle/>
+                    <a:p>
+                      <a:r>
+                        <a:rPr lang="pt-BR" dirty="0"/>
+                        <a:t>Adiciona o Jogo da memória a rodada</a:t>
+                      </a:r>
+                    </a:p>
+                  </a:txBody>
+                  <a:tcPr/>
+                </a:tc>
+                <a:extLst>
+                  <a:ext uri="{0D108BD9-81ED-4DB2-BD59-A6C34878D82A}">
+                    <a16:rowId xmlns:a16="http://schemas.microsoft.com/office/drawing/2014/main" xmlns="" val="10002"/>
+                  </a:ext>
+                </a:extLst>
+              </a:tr>
+              <a:tr h="445909">
+                <a:tc>
+                  <a:txBody>
+                    <a:bodyPr/>
+                    <a:lstStyle/>
+                    <a:p>
+                      <a:r>
+                        <a:rPr lang="pt-BR" dirty="0"/>
+                        <a:t>2</a:t>
+                      </a:r>
+                    </a:p>
+                  </a:txBody>
+                  <a:tcPr/>
+                </a:tc>
+                <a:tc>
+                  <a:txBody>
+                    <a:bodyPr/>
+                    <a:lstStyle/>
+                    <a:p>
+                      <a:r>
+                        <a:rPr lang="pt-BR" dirty="0"/>
+                        <a:t>‘+’ (Acerte o alvo)</a:t>
+                      </a:r>
+                    </a:p>
+                  </a:txBody>
+                  <a:tcPr/>
+                </a:tc>
+                <a:tc>
+                  <a:txBody>
+                    <a:bodyPr/>
+                    <a:lstStyle/>
+                    <a:p>
+                      <a:endParaRPr lang="pt-BR" dirty="0"/>
+                    </a:p>
+                  </a:txBody>
+                  <a:tcPr/>
+                </a:tc>
+                <a:tc>
+                  <a:txBody>
+                    <a:bodyPr/>
+                    <a:lstStyle/>
+                    <a:p>
+                      <a:r>
+                        <a:rPr lang="pt-BR" dirty="0"/>
+                        <a:t>Botão</a:t>
+                      </a:r>
+                    </a:p>
+                  </a:txBody>
+                  <a:tcPr/>
+                </a:tc>
+                <a:tc>
+                  <a:txBody>
+                    <a:bodyPr/>
+                    <a:lstStyle/>
+                    <a:p>
+                      <a:r>
+                        <a:rPr lang="pt-BR" dirty="0"/>
+                        <a:t>Adiciona o jogo Acerte ao Alvo a rodada</a:t>
+                      </a:r>
+                    </a:p>
+                  </a:txBody>
+                  <a:tcPr/>
+                </a:tc>
+                <a:extLst>
+                  <a:ext uri="{0D108BD9-81ED-4DB2-BD59-A6C34878D82A}">
+                    <a16:rowId xmlns:a16="http://schemas.microsoft.com/office/drawing/2014/main" xmlns="" val="10003"/>
+                  </a:ext>
+                </a:extLst>
+              </a:tr>
+              <a:tr h="445909">
+                <a:tc>
+                  <a:txBody>
+                    <a:bodyPr/>
+                    <a:lstStyle/>
+                    <a:p>
+                      <a:r>
+                        <a:rPr lang="pt-BR" dirty="0"/>
+                        <a:t>3</a:t>
+                      </a:r>
+                    </a:p>
+                  </a:txBody>
+                  <a:tcPr/>
+                </a:tc>
+                <a:tc>
+                  <a:txBody>
+                    <a:bodyPr/>
+                    <a:lstStyle/>
+                    <a:p>
+                      <a:r>
+                        <a:rPr lang="pt-BR" dirty="0"/>
+                        <a:t>‘X’</a:t>
+                      </a:r>
+                    </a:p>
+                  </a:txBody>
+                  <a:tcPr/>
+                </a:tc>
+                <a:tc>
+                  <a:txBody>
+                    <a:bodyPr/>
+                    <a:lstStyle/>
+                    <a:p>
+                      <a:endParaRPr lang="pt-BR" dirty="0"/>
+                    </a:p>
+                  </a:txBody>
+                  <a:tcPr/>
+                </a:tc>
+                <a:tc>
+                  <a:txBody>
+                    <a:bodyPr/>
+                    <a:lstStyle/>
+                    <a:p>
+                      <a:r>
+                        <a:rPr lang="pt-BR" dirty="0"/>
+                        <a:t>Botão</a:t>
+                      </a:r>
+                    </a:p>
+                  </a:txBody>
+                  <a:tcPr/>
+                </a:tc>
+                <a:tc>
+                  <a:txBody>
+                    <a:bodyPr/>
+                    <a:lstStyle/>
+                    <a:p>
+                      <a:r>
+                        <a:rPr lang="pt-BR" dirty="0"/>
+                        <a:t>Exclui</a:t>
+                      </a:r>
+                      <a:r>
+                        <a:rPr lang="pt-BR" baseline="0" dirty="0"/>
+                        <a:t> respectivo jogo da Rodada</a:t>
+                      </a:r>
+                      <a:endParaRPr lang="pt-BR" dirty="0"/>
+                    </a:p>
+                  </a:txBody>
+                  <a:tcPr/>
+                </a:tc>
+                <a:extLst>
+                  <a:ext uri="{0D108BD9-81ED-4DB2-BD59-A6C34878D82A}">
+                    <a16:rowId xmlns:a16="http://schemas.microsoft.com/office/drawing/2014/main" xmlns="" val="10004"/>
+                  </a:ext>
+                </a:extLst>
+              </a:tr>
+            </a:tbl>
+          </a:graphicData>
+        </a:graphic>
+      </p:graphicFrame>
+    </p:spTree>
+    <p:extLst>
+      <p:ext uri="{BB962C8B-B14F-4D97-AF65-F5344CB8AC3E}">
+        <p14:creationId xmlns:p14="http://schemas.microsoft.com/office/powerpoint/2010/main" val="2728877319"/>
+      </p:ext>
+    </p:extLst>
+  </p:cSld>
+  <p:clrMapOvr>
+    <a:masterClrMapping/>
+  </p:clrMapOvr>
+</p:sld>
+</file>
+
 <file path=ppt/slides/slide34.xml><?xml version="1.0" encoding="utf-8"?>
 <p:sld xmlns:a="http://schemas.openxmlformats.org/drawingml/2006/main" xmlns:r="http://schemas.openxmlformats.org/officeDocument/2006/relationships" xmlns:p="http://schemas.openxmlformats.org/presentationml/2006/main">
   <p:cSld>
@@ -26524,7 +26002,7 @@
           <p:cNvPr id="28" name="Retângulo 27">
             <a:extLst>
               <a:ext uri="{FF2B5EF4-FFF2-40B4-BE49-F238E27FC236}">
-                <a16:creationId xmlns:a16="http://schemas.microsoft.com/office/drawing/2014/main" id="{5F32A0B6-C48F-43EE-A5D8-7308B54BD125}"/>
+                <a16:creationId xmlns:a16="http://schemas.microsoft.com/office/drawing/2014/main" xmlns="" id="{5F32A0B6-C48F-43EE-A5D8-7308B54BD125}"/>
               </a:ext>
             </a:extLst>
           </p:cNvPr>
@@ -26582,7 +26060,7 @@
           <p:cNvPr id="29" name="Imagem 28">
             <a:extLst>
               <a:ext uri="{FF2B5EF4-FFF2-40B4-BE49-F238E27FC236}">
-                <a16:creationId xmlns:a16="http://schemas.microsoft.com/office/drawing/2014/main" id="{FB65D69D-FD79-4510-9B62-EF95225475B4}"/>
+                <a16:creationId xmlns:a16="http://schemas.microsoft.com/office/drawing/2014/main" xmlns="" id="{FB65D69D-FD79-4510-9B62-EF95225475B4}"/>
               </a:ext>
             </a:extLst>
           </p:cNvPr>
@@ -26617,7 +26095,7 @@
           <p:cNvPr id="30" name="Retângulo 29">
             <a:extLst>
               <a:ext uri="{FF2B5EF4-FFF2-40B4-BE49-F238E27FC236}">
-                <a16:creationId xmlns:a16="http://schemas.microsoft.com/office/drawing/2014/main" id="{69F39E0A-ADF3-4786-AADD-1590DEF8ACD5}"/>
+                <a16:creationId xmlns:a16="http://schemas.microsoft.com/office/drawing/2014/main" xmlns="" id="{69F39E0A-ADF3-4786-AADD-1590DEF8ACD5}"/>
               </a:ext>
             </a:extLst>
           </p:cNvPr>
@@ -26671,7 +26149,7 @@
           <p:cNvPr id="31" name="Retângulo de cantos arredondados 15">
             <a:extLst>
               <a:ext uri="{FF2B5EF4-FFF2-40B4-BE49-F238E27FC236}">
-                <a16:creationId xmlns:a16="http://schemas.microsoft.com/office/drawing/2014/main" id="{A8F89069-7CD4-49CA-8349-13E28CB0199B}"/>
+                <a16:creationId xmlns:a16="http://schemas.microsoft.com/office/drawing/2014/main" xmlns="" id="{A8F89069-7CD4-49CA-8349-13E28CB0199B}"/>
               </a:ext>
             </a:extLst>
           </p:cNvPr>
@@ -26718,7 +26196,7 @@
           <p:cNvPr id="32" name="Retângulo 31">
             <a:extLst>
               <a:ext uri="{FF2B5EF4-FFF2-40B4-BE49-F238E27FC236}">
-                <a16:creationId xmlns:a16="http://schemas.microsoft.com/office/drawing/2014/main" id="{FB98B605-AF2E-47B3-A046-9DBA0B0C6DF0}"/>
+                <a16:creationId xmlns:a16="http://schemas.microsoft.com/office/drawing/2014/main" xmlns="" id="{FB98B605-AF2E-47B3-A046-9DBA0B0C6DF0}"/>
               </a:ext>
             </a:extLst>
           </p:cNvPr>
@@ -26787,7 +26265,7 @@
           <p:cNvPr id="33" name="Retângulo 32">
             <a:extLst>
               <a:ext uri="{FF2B5EF4-FFF2-40B4-BE49-F238E27FC236}">
-                <a16:creationId xmlns:a16="http://schemas.microsoft.com/office/drawing/2014/main" id="{C58BEB00-D0CF-4119-A679-797E80547B05}"/>
+                <a16:creationId xmlns:a16="http://schemas.microsoft.com/office/drawing/2014/main" xmlns="" id="{C58BEB00-D0CF-4119-A679-797E80547B05}"/>
               </a:ext>
             </a:extLst>
           </p:cNvPr>
@@ -26856,7 +26334,7 @@
           <p:cNvPr id="34" name="Retângulo 33">
             <a:extLst>
               <a:ext uri="{FF2B5EF4-FFF2-40B4-BE49-F238E27FC236}">
-                <a16:creationId xmlns:a16="http://schemas.microsoft.com/office/drawing/2014/main" id="{B89DBC78-F9B4-4606-9E15-BA606BC8461C}"/>
+                <a16:creationId xmlns:a16="http://schemas.microsoft.com/office/drawing/2014/main" xmlns="" id="{B89DBC78-F9B4-4606-9E15-BA606BC8461C}"/>
               </a:ext>
             </a:extLst>
           </p:cNvPr>
@@ -26925,7 +26403,7 @@
           <p:cNvPr id="35" name="Retângulo 34">
             <a:extLst>
               <a:ext uri="{FF2B5EF4-FFF2-40B4-BE49-F238E27FC236}">
-                <a16:creationId xmlns:a16="http://schemas.microsoft.com/office/drawing/2014/main" id="{0B9D6A87-571A-41B7-8B3A-068B4D3A1265}"/>
+                <a16:creationId xmlns:a16="http://schemas.microsoft.com/office/drawing/2014/main" xmlns="" id="{0B9D6A87-571A-41B7-8B3A-068B4D3A1265}"/>
               </a:ext>
             </a:extLst>
           </p:cNvPr>
@@ -26994,7 +26472,7 @@
           <p:cNvPr id="36" name="CaixaDeTexto 35">
             <a:extLst>
               <a:ext uri="{FF2B5EF4-FFF2-40B4-BE49-F238E27FC236}">
-                <a16:creationId xmlns:a16="http://schemas.microsoft.com/office/drawing/2014/main" id="{37A1CC55-461A-40B6-BDC2-2D9791E94584}"/>
+                <a16:creationId xmlns:a16="http://schemas.microsoft.com/office/drawing/2014/main" xmlns="" id="{37A1CC55-461A-40B6-BDC2-2D9791E94584}"/>
               </a:ext>
             </a:extLst>
           </p:cNvPr>
@@ -27034,7 +26512,7 @@
           <p:cNvPr id="37" name="Retângulo de cantos arredondados 12">
             <a:extLst>
               <a:ext uri="{FF2B5EF4-FFF2-40B4-BE49-F238E27FC236}">
-                <a16:creationId xmlns:a16="http://schemas.microsoft.com/office/drawing/2014/main" id="{152A2D14-D488-49A7-9950-4E3295F94DFB}"/>
+                <a16:creationId xmlns:a16="http://schemas.microsoft.com/office/drawing/2014/main" xmlns="" id="{152A2D14-D488-49A7-9950-4E3295F94DFB}"/>
               </a:ext>
             </a:extLst>
           </p:cNvPr>
@@ -27097,7 +26575,7 @@
           <p:cNvPr id="38" name="Imagem 37">
             <a:extLst>
               <a:ext uri="{FF2B5EF4-FFF2-40B4-BE49-F238E27FC236}">
-                <a16:creationId xmlns:a16="http://schemas.microsoft.com/office/drawing/2014/main" id="{F2BF6BE9-45DE-458A-9408-5C7903B7295F}"/>
+                <a16:creationId xmlns:a16="http://schemas.microsoft.com/office/drawing/2014/main" xmlns="" id="{F2BF6BE9-45DE-458A-9408-5C7903B7295F}"/>
               </a:ext>
             </a:extLst>
           </p:cNvPr>
@@ -27146,7 +26624,7 @@
           <p:cNvPr id="39" name="Imagem 38">
             <a:extLst>
               <a:ext uri="{FF2B5EF4-FFF2-40B4-BE49-F238E27FC236}">
-                <a16:creationId xmlns:a16="http://schemas.microsoft.com/office/drawing/2014/main" id="{D89D9DA9-AD65-4970-90D0-0D6997AF6D21}"/>
+                <a16:creationId xmlns:a16="http://schemas.microsoft.com/office/drawing/2014/main" xmlns="" id="{D89D9DA9-AD65-4970-90D0-0D6997AF6D21}"/>
               </a:ext>
             </a:extLst>
           </p:cNvPr>
@@ -27189,7 +26667,7 @@
           <p:cNvPr id="41" name="Imagem 40">
             <a:extLst>
               <a:ext uri="{FF2B5EF4-FFF2-40B4-BE49-F238E27FC236}">
-                <a16:creationId xmlns:a16="http://schemas.microsoft.com/office/drawing/2014/main" id="{CEA260CB-8F16-4F6F-B5F3-2A53C9DA9FF2}"/>
+                <a16:creationId xmlns:a16="http://schemas.microsoft.com/office/drawing/2014/main" xmlns="" id="{CEA260CB-8F16-4F6F-B5F3-2A53C9DA9FF2}"/>
               </a:ext>
             </a:extLst>
           </p:cNvPr>
@@ -27565,35 +27043,35 @@
                 <a:gridCol w="586838">
                   <a:extLst>
                     <a:ext uri="{9D8B030D-6E8A-4147-A177-3AD203B41FA5}">
-                      <a16:colId xmlns:a16="http://schemas.microsoft.com/office/drawing/2014/main" val="20000"/>
+                      <a16:colId xmlns:a16="http://schemas.microsoft.com/office/drawing/2014/main" xmlns="" val="20000"/>
                     </a:ext>
                   </a:extLst>
                 </a:gridCol>
                 <a:gridCol w="1679832">
                   <a:extLst>
                     <a:ext uri="{9D8B030D-6E8A-4147-A177-3AD203B41FA5}">
-                      <a16:colId xmlns:a16="http://schemas.microsoft.com/office/drawing/2014/main" val="20001"/>
+                      <a16:colId xmlns:a16="http://schemas.microsoft.com/office/drawing/2014/main" xmlns="" val="20001"/>
                     </a:ext>
                   </a:extLst>
                 </a:gridCol>
                 <a:gridCol w="2090660">
                   <a:extLst>
                     <a:ext uri="{9D8B030D-6E8A-4147-A177-3AD203B41FA5}">
-                      <a16:colId xmlns:a16="http://schemas.microsoft.com/office/drawing/2014/main" val="20002"/>
+                      <a16:colId xmlns:a16="http://schemas.microsoft.com/office/drawing/2014/main" xmlns="" val="20002"/>
                     </a:ext>
                   </a:extLst>
                 </a:gridCol>
                 <a:gridCol w="2209822">
                   <a:extLst>
                     <a:ext uri="{9D8B030D-6E8A-4147-A177-3AD203B41FA5}">
-                      <a16:colId xmlns:a16="http://schemas.microsoft.com/office/drawing/2014/main" val="20003"/>
+                      <a16:colId xmlns:a16="http://schemas.microsoft.com/office/drawing/2014/main" xmlns="" val="20003"/>
                     </a:ext>
                   </a:extLst>
                 </a:gridCol>
                 <a:gridCol w="2588654">
                   <a:extLst>
                     <a:ext uri="{9D8B030D-6E8A-4147-A177-3AD203B41FA5}">
-                      <a16:colId xmlns:a16="http://schemas.microsoft.com/office/drawing/2014/main" val="20004"/>
+                      <a16:colId xmlns:a16="http://schemas.microsoft.com/office/drawing/2014/main" xmlns="" val="20004"/>
                     </a:ext>
                   </a:extLst>
                 </a:gridCol>
@@ -27663,7 +27141,7 @@
                 </a:tc>
                 <a:extLst>
                   <a:ext uri="{0D108BD9-81ED-4DB2-BD59-A6C34878D82A}">
-                    <a16:rowId xmlns:a16="http://schemas.microsoft.com/office/drawing/2014/main" val="10000"/>
+                    <a16:rowId xmlns:a16="http://schemas.microsoft.com/office/drawing/2014/main" xmlns="" val="10000"/>
                   </a:ext>
                 </a:extLst>
               </a:tr>
@@ -27735,7 +27213,7 @@
                 </a:tc>
                 <a:extLst>
                   <a:ext uri="{0D108BD9-81ED-4DB2-BD59-A6C34878D82A}">
-                    <a16:rowId xmlns:a16="http://schemas.microsoft.com/office/drawing/2014/main" val="10001"/>
+                    <a16:rowId xmlns:a16="http://schemas.microsoft.com/office/drawing/2014/main" xmlns="" val="10001"/>
                   </a:ext>
                 </a:extLst>
               </a:tr>
@@ -27812,7 +27290,7 @@
                 </a:tc>
                 <a:extLst>
                   <a:ext uri="{0D108BD9-81ED-4DB2-BD59-A6C34878D82A}">
-                    <a16:rowId xmlns:a16="http://schemas.microsoft.com/office/drawing/2014/main" val="10002"/>
+                    <a16:rowId xmlns:a16="http://schemas.microsoft.com/office/drawing/2014/main" xmlns="" val="10002"/>
                   </a:ext>
                 </a:extLst>
               </a:tr>
@@ -27911,35 +27389,35 @@
                 <a:gridCol w="554127">
                   <a:extLst>
                     <a:ext uri="{9D8B030D-6E8A-4147-A177-3AD203B41FA5}">
-                      <a16:colId xmlns:a16="http://schemas.microsoft.com/office/drawing/2014/main" val="20000"/>
+                      <a16:colId xmlns:a16="http://schemas.microsoft.com/office/drawing/2014/main" xmlns="" val="20000"/>
                     </a:ext>
                   </a:extLst>
                 </a:gridCol>
                 <a:gridCol w="1586198">
                   <a:extLst>
                     <a:ext uri="{9D8B030D-6E8A-4147-A177-3AD203B41FA5}">
-                      <a16:colId xmlns:a16="http://schemas.microsoft.com/office/drawing/2014/main" val="20001"/>
+                      <a16:colId xmlns:a16="http://schemas.microsoft.com/office/drawing/2014/main" xmlns="" val="20001"/>
                     </a:ext>
                   </a:extLst>
                 </a:gridCol>
                 <a:gridCol w="1695590">
                   <a:extLst>
                     <a:ext uri="{9D8B030D-6E8A-4147-A177-3AD203B41FA5}">
-                      <a16:colId xmlns:a16="http://schemas.microsoft.com/office/drawing/2014/main" val="20002"/>
+                      <a16:colId xmlns:a16="http://schemas.microsoft.com/office/drawing/2014/main" xmlns="" val="20002"/>
                     </a:ext>
                   </a:extLst>
                 </a:gridCol>
                 <a:gridCol w="2544035">
                   <a:extLst>
                     <a:ext uri="{9D8B030D-6E8A-4147-A177-3AD203B41FA5}">
-                      <a16:colId xmlns:a16="http://schemas.microsoft.com/office/drawing/2014/main" val="20003"/>
+                      <a16:colId xmlns:a16="http://schemas.microsoft.com/office/drawing/2014/main" xmlns="" val="20003"/>
                     </a:ext>
                   </a:extLst>
                 </a:gridCol>
                 <a:gridCol w="2544035">
                   <a:extLst>
                     <a:ext uri="{9D8B030D-6E8A-4147-A177-3AD203B41FA5}">
-                      <a16:colId xmlns:a16="http://schemas.microsoft.com/office/drawing/2014/main" val="20004"/>
+                      <a16:colId xmlns:a16="http://schemas.microsoft.com/office/drawing/2014/main" xmlns="" val="20004"/>
                     </a:ext>
                   </a:extLst>
                 </a:gridCol>
@@ -28009,7 +27487,7 @@
                 </a:tc>
                 <a:extLst>
                   <a:ext uri="{0D108BD9-81ED-4DB2-BD59-A6C34878D82A}">
-                    <a16:rowId xmlns:a16="http://schemas.microsoft.com/office/drawing/2014/main" val="10000"/>
+                    <a16:rowId xmlns:a16="http://schemas.microsoft.com/office/drawing/2014/main" xmlns="" val="10000"/>
                   </a:ext>
                 </a:extLst>
               </a:tr>
@@ -28080,7 +27558,7 @@
                 </a:tc>
                 <a:extLst>
                   <a:ext uri="{0D108BD9-81ED-4DB2-BD59-A6C34878D82A}">
-                    <a16:rowId xmlns:a16="http://schemas.microsoft.com/office/drawing/2014/main" val="10001"/>
+                    <a16:rowId xmlns:a16="http://schemas.microsoft.com/office/drawing/2014/main" xmlns="" val="10001"/>
                   </a:ext>
                 </a:extLst>
               </a:tr>
@@ -28150,7 +27628,7 @@
                 </a:tc>
                 <a:extLst>
                   <a:ext uri="{0D108BD9-81ED-4DB2-BD59-A6C34878D82A}">
-                    <a16:rowId xmlns:a16="http://schemas.microsoft.com/office/drawing/2014/main" val="10002"/>
+                    <a16:rowId xmlns:a16="http://schemas.microsoft.com/office/drawing/2014/main" xmlns="" val="10002"/>
                   </a:ext>
                 </a:extLst>
               </a:tr>
@@ -28219,7 +27697,7 @@
                 </a:tc>
                 <a:extLst>
                   <a:ext uri="{0D108BD9-81ED-4DB2-BD59-A6C34878D82A}">
-                    <a16:rowId xmlns:a16="http://schemas.microsoft.com/office/drawing/2014/main" val="10003"/>
+                    <a16:rowId xmlns:a16="http://schemas.microsoft.com/office/drawing/2014/main" xmlns="" val="10003"/>
                   </a:ext>
                 </a:extLst>
               </a:tr>
@@ -28980,35 +28458,35 @@
                 <a:gridCol w="578919">
                   <a:extLst>
                     <a:ext uri="{9D8B030D-6E8A-4147-A177-3AD203B41FA5}">
-                      <a16:colId xmlns:a16="http://schemas.microsoft.com/office/drawing/2014/main" val="20000"/>
+                      <a16:colId xmlns:a16="http://schemas.microsoft.com/office/drawing/2014/main" xmlns="" val="20000"/>
                     </a:ext>
                   </a:extLst>
                 </a:gridCol>
                 <a:gridCol w="1657161">
                   <a:extLst>
                     <a:ext uri="{9D8B030D-6E8A-4147-A177-3AD203B41FA5}">
-                      <a16:colId xmlns:a16="http://schemas.microsoft.com/office/drawing/2014/main" val="20001"/>
+                      <a16:colId xmlns:a16="http://schemas.microsoft.com/office/drawing/2014/main" xmlns="" val="20001"/>
                     </a:ext>
                   </a:extLst>
                 </a:gridCol>
                 <a:gridCol w="1771448">
                   <a:extLst>
                     <a:ext uri="{9D8B030D-6E8A-4147-A177-3AD203B41FA5}">
-                      <a16:colId xmlns:a16="http://schemas.microsoft.com/office/drawing/2014/main" val="20002"/>
+                      <a16:colId xmlns:a16="http://schemas.microsoft.com/office/drawing/2014/main" xmlns="" val="20002"/>
                     </a:ext>
                   </a:extLst>
                 </a:gridCol>
                 <a:gridCol w="2657852">
                   <a:extLst>
                     <a:ext uri="{9D8B030D-6E8A-4147-A177-3AD203B41FA5}">
-                      <a16:colId xmlns:a16="http://schemas.microsoft.com/office/drawing/2014/main" val="20003"/>
+                      <a16:colId xmlns:a16="http://schemas.microsoft.com/office/drawing/2014/main" xmlns="" val="20003"/>
                     </a:ext>
                   </a:extLst>
                 </a:gridCol>
                 <a:gridCol w="2657852">
                   <a:extLst>
                     <a:ext uri="{9D8B030D-6E8A-4147-A177-3AD203B41FA5}">
-                      <a16:colId xmlns:a16="http://schemas.microsoft.com/office/drawing/2014/main" val="20004"/>
+                      <a16:colId xmlns:a16="http://schemas.microsoft.com/office/drawing/2014/main" xmlns="" val="20004"/>
                     </a:ext>
                   </a:extLst>
                 </a:gridCol>
@@ -29078,7 +28556,7 @@
                 </a:tc>
                 <a:extLst>
                   <a:ext uri="{0D108BD9-81ED-4DB2-BD59-A6C34878D82A}">
-                    <a16:rowId xmlns:a16="http://schemas.microsoft.com/office/drawing/2014/main" val="10000"/>
+                    <a16:rowId xmlns:a16="http://schemas.microsoft.com/office/drawing/2014/main" xmlns="" val="10000"/>
                   </a:ext>
                 </a:extLst>
               </a:tr>
@@ -29149,7 +28627,7 @@
                 </a:tc>
                 <a:extLst>
                   <a:ext uri="{0D108BD9-81ED-4DB2-BD59-A6C34878D82A}">
-                    <a16:rowId xmlns:a16="http://schemas.microsoft.com/office/drawing/2014/main" val="10001"/>
+                    <a16:rowId xmlns:a16="http://schemas.microsoft.com/office/drawing/2014/main" xmlns="" val="10001"/>
                   </a:ext>
                 </a:extLst>
               </a:tr>
@@ -29219,7 +28697,7 @@
                 </a:tc>
                 <a:extLst>
                   <a:ext uri="{0D108BD9-81ED-4DB2-BD59-A6C34878D82A}">
-                    <a16:rowId xmlns:a16="http://schemas.microsoft.com/office/drawing/2014/main" val="10002"/>
+                    <a16:rowId xmlns:a16="http://schemas.microsoft.com/office/drawing/2014/main" xmlns="" val="10002"/>
                   </a:ext>
                 </a:extLst>
               </a:tr>
@@ -29308,7 +28786,7 @@
                 </a:tc>
                 <a:extLst>
                   <a:ext uri="{0D108BD9-81ED-4DB2-BD59-A6C34878D82A}">
-                    <a16:rowId xmlns:a16="http://schemas.microsoft.com/office/drawing/2014/main" val="10003"/>
+                    <a16:rowId xmlns:a16="http://schemas.microsoft.com/office/drawing/2014/main" xmlns="" val="10003"/>
                   </a:ext>
                 </a:extLst>
               </a:tr>
@@ -29382,7 +28860,7 @@
                 </a:tc>
                 <a:extLst>
                   <a:ext uri="{0D108BD9-81ED-4DB2-BD59-A6C34878D82A}">
-                    <a16:rowId xmlns:a16="http://schemas.microsoft.com/office/drawing/2014/main" val="10004"/>
+                    <a16:rowId xmlns:a16="http://schemas.microsoft.com/office/drawing/2014/main" xmlns="" val="10004"/>
                   </a:ext>
                 </a:extLst>
               </a:tr>
@@ -30174,35 +29652,35 @@
                 <a:gridCol w="542932">
                   <a:extLst>
                     <a:ext uri="{9D8B030D-6E8A-4147-A177-3AD203B41FA5}">
-                      <a16:colId xmlns:a16="http://schemas.microsoft.com/office/drawing/2014/main" val="20000"/>
+                      <a16:colId xmlns:a16="http://schemas.microsoft.com/office/drawing/2014/main" xmlns="" val="20000"/>
                     </a:ext>
                   </a:extLst>
                 </a:gridCol>
                 <a:gridCol w="1554149">
                   <a:extLst>
                     <a:ext uri="{9D8B030D-6E8A-4147-A177-3AD203B41FA5}">
-                      <a16:colId xmlns:a16="http://schemas.microsoft.com/office/drawing/2014/main" val="20001"/>
+                      <a16:colId xmlns:a16="http://schemas.microsoft.com/office/drawing/2014/main" xmlns="" val="20001"/>
                     </a:ext>
                   </a:extLst>
                 </a:gridCol>
                 <a:gridCol w="1661332">
                   <a:extLst>
                     <a:ext uri="{9D8B030D-6E8A-4147-A177-3AD203B41FA5}">
-                      <a16:colId xmlns:a16="http://schemas.microsoft.com/office/drawing/2014/main" val="20002"/>
+                      <a16:colId xmlns:a16="http://schemas.microsoft.com/office/drawing/2014/main" xmlns="" val="20002"/>
                     </a:ext>
                   </a:extLst>
                 </a:gridCol>
                 <a:gridCol w="2492635">
                   <a:extLst>
                     <a:ext uri="{9D8B030D-6E8A-4147-A177-3AD203B41FA5}">
-                      <a16:colId xmlns:a16="http://schemas.microsoft.com/office/drawing/2014/main" val="20003"/>
+                      <a16:colId xmlns:a16="http://schemas.microsoft.com/office/drawing/2014/main" xmlns="" val="20003"/>
                     </a:ext>
                   </a:extLst>
                 </a:gridCol>
                 <a:gridCol w="2492635">
                   <a:extLst>
                     <a:ext uri="{9D8B030D-6E8A-4147-A177-3AD203B41FA5}">
-                      <a16:colId xmlns:a16="http://schemas.microsoft.com/office/drawing/2014/main" val="20004"/>
+                      <a16:colId xmlns:a16="http://schemas.microsoft.com/office/drawing/2014/main" xmlns="" val="20004"/>
                     </a:ext>
                   </a:extLst>
                 </a:gridCol>
@@ -30272,7 +29750,7 @@
                 </a:tc>
                 <a:extLst>
                   <a:ext uri="{0D108BD9-81ED-4DB2-BD59-A6C34878D82A}">
-                    <a16:rowId xmlns:a16="http://schemas.microsoft.com/office/drawing/2014/main" val="10000"/>
+                    <a16:rowId xmlns:a16="http://schemas.microsoft.com/office/drawing/2014/main" xmlns="" val="10000"/>
                   </a:ext>
                 </a:extLst>
               </a:tr>
@@ -30343,7 +29821,7 @@
                 </a:tc>
                 <a:extLst>
                   <a:ext uri="{0D108BD9-81ED-4DB2-BD59-A6C34878D82A}">
-                    <a16:rowId xmlns:a16="http://schemas.microsoft.com/office/drawing/2014/main" val="10001"/>
+                    <a16:rowId xmlns:a16="http://schemas.microsoft.com/office/drawing/2014/main" xmlns="" val="10001"/>
                   </a:ext>
                 </a:extLst>
               </a:tr>
@@ -30413,7 +29891,7 @@
                 </a:tc>
                 <a:extLst>
                   <a:ext uri="{0D108BD9-81ED-4DB2-BD59-A6C34878D82A}">
-                    <a16:rowId xmlns:a16="http://schemas.microsoft.com/office/drawing/2014/main" val="10002"/>
+                    <a16:rowId xmlns:a16="http://schemas.microsoft.com/office/drawing/2014/main" xmlns="" val="10002"/>
                   </a:ext>
                 </a:extLst>
               </a:tr>
@@ -30483,7 +29961,7 @@
                 </a:tc>
                 <a:extLst>
                   <a:ext uri="{0D108BD9-81ED-4DB2-BD59-A6C34878D82A}">
-                    <a16:rowId xmlns:a16="http://schemas.microsoft.com/office/drawing/2014/main" val="10003"/>
+                    <a16:rowId xmlns:a16="http://schemas.microsoft.com/office/drawing/2014/main" xmlns="" val="10003"/>
                   </a:ext>
                 </a:extLst>
               </a:tr>
@@ -30552,7 +30030,7 @@
                 </a:tc>
                 <a:extLst>
                   <a:ext uri="{0D108BD9-81ED-4DB2-BD59-A6C34878D82A}">
-                    <a16:rowId xmlns:a16="http://schemas.microsoft.com/office/drawing/2014/main" val="10004"/>
+                    <a16:rowId xmlns:a16="http://schemas.microsoft.com/office/drawing/2014/main" xmlns="" val="10004"/>
                   </a:ext>
                 </a:extLst>
               </a:tr>
@@ -31522,7 +31000,7 @@
   <a:extraClrSchemeLst/>
   <a:extLst>
     <a:ext uri="{05A4C25C-085E-4340-85A3-A5531E510DB2}">
-      <thm15:themeFamily xmlns:thm15="http://schemas.microsoft.com/office/thememl/2012/main" name="Office Theme" id="{62F939B6-93AF-4DB8-9C6B-D6C7DFDC589F}" vid="{4A3C46E8-61CC-4603-A589-7422A47A8E4A}"/>
+      <thm15:themeFamily xmlns:thm15="http://schemas.microsoft.com/office/thememl/2012/main" xmlns="" name="Office Theme" id="{62F939B6-93AF-4DB8-9C6B-D6C7DFDC589F}" vid="{4A3C46E8-61CC-4603-A589-7422A47A8E4A}"/>
     </a:ext>
   </a:extLst>
 </a:theme>

--- a/DocumentacaoProjeto/Protótipo_Visual.pptx
+++ b/DocumentacaoProjeto/Protótipo_Visual.pptx
@@ -140,7 +140,18 @@
   </p:defaultTextStyle>
   <p:extLst>
     <p:ext uri="{EFAFB233-063F-42B5-8137-9DF3F51BA10A}">
-      <p15:sldGuideLst xmlns:p15="http://schemas.microsoft.com/office/powerpoint/2012/main" xmlns=""/>
+      <p15:sldGuideLst xmlns:p15="http://schemas.microsoft.com/office/powerpoint/2012/main">
+        <p15:guide id="1" orient="horz" pos="2160">
+          <p15:clr>
+            <a:srgbClr val="A4A3A4"/>
+          </p15:clr>
+        </p15:guide>
+        <p15:guide id="2" pos="3840">
+          <p15:clr>
+            <a:srgbClr val="A4A3A4"/>
+          </p15:clr>
+        </p15:guide>
+      </p15:sldGuideLst>
     </p:ext>
   </p:extLst>
 </p:presentation>
@@ -275,7 +286,7 @@
           <a:p>
             <a:fld id="{ED8D6B47-35E8-4B74-A8BC-163E56BA4F07}" type="datetimeFigureOut">
               <a:rPr lang="pt-BR" smtClean="0"/>
-              <a:t>24/06/2020</a:t>
+              <a:t>25/06/2020</a:t>
             </a:fld>
             <a:endParaRPr lang="pt-BR"/>
           </a:p>
@@ -443,7 +454,7 @@
           <a:p>
             <a:fld id="{ED8D6B47-35E8-4B74-A8BC-163E56BA4F07}" type="datetimeFigureOut">
               <a:rPr lang="pt-BR" smtClean="0"/>
-              <a:t>24/06/2020</a:t>
+              <a:t>25/06/2020</a:t>
             </a:fld>
             <a:endParaRPr lang="pt-BR"/>
           </a:p>
@@ -621,7 +632,7 @@
           <a:p>
             <a:fld id="{ED8D6B47-35E8-4B74-A8BC-163E56BA4F07}" type="datetimeFigureOut">
               <a:rPr lang="pt-BR" smtClean="0"/>
-              <a:t>24/06/2020</a:t>
+              <a:t>25/06/2020</a:t>
             </a:fld>
             <a:endParaRPr lang="pt-BR"/>
           </a:p>
@@ -789,7 +800,7 @@
           <a:p>
             <a:fld id="{ED8D6B47-35E8-4B74-A8BC-163E56BA4F07}" type="datetimeFigureOut">
               <a:rPr lang="pt-BR" smtClean="0"/>
-              <a:t>24/06/2020</a:t>
+              <a:t>25/06/2020</a:t>
             </a:fld>
             <a:endParaRPr lang="pt-BR"/>
           </a:p>
@@ -1034,7 +1045,7 @@
           <a:p>
             <a:fld id="{ED8D6B47-35E8-4B74-A8BC-163E56BA4F07}" type="datetimeFigureOut">
               <a:rPr lang="pt-BR" smtClean="0"/>
-              <a:t>24/06/2020</a:t>
+              <a:t>25/06/2020</a:t>
             </a:fld>
             <a:endParaRPr lang="pt-BR"/>
           </a:p>
@@ -1263,7 +1274,7 @@
           <a:p>
             <a:fld id="{ED8D6B47-35E8-4B74-A8BC-163E56BA4F07}" type="datetimeFigureOut">
               <a:rPr lang="pt-BR" smtClean="0"/>
-              <a:t>24/06/2020</a:t>
+              <a:t>25/06/2020</a:t>
             </a:fld>
             <a:endParaRPr lang="pt-BR"/>
           </a:p>
@@ -1627,7 +1638,7 @@
           <a:p>
             <a:fld id="{ED8D6B47-35E8-4B74-A8BC-163E56BA4F07}" type="datetimeFigureOut">
               <a:rPr lang="pt-BR" smtClean="0"/>
-              <a:t>24/06/2020</a:t>
+              <a:t>25/06/2020</a:t>
             </a:fld>
             <a:endParaRPr lang="pt-BR"/>
           </a:p>
@@ -1744,7 +1755,7 @@
           <a:p>
             <a:fld id="{ED8D6B47-35E8-4B74-A8BC-163E56BA4F07}" type="datetimeFigureOut">
               <a:rPr lang="pt-BR" smtClean="0"/>
-              <a:t>24/06/2020</a:t>
+              <a:t>25/06/2020</a:t>
             </a:fld>
             <a:endParaRPr lang="pt-BR"/>
           </a:p>
@@ -1839,7 +1850,7 @@
           <a:p>
             <a:fld id="{ED8D6B47-35E8-4B74-A8BC-163E56BA4F07}" type="datetimeFigureOut">
               <a:rPr lang="pt-BR" smtClean="0"/>
-              <a:t>24/06/2020</a:t>
+              <a:t>25/06/2020</a:t>
             </a:fld>
             <a:endParaRPr lang="pt-BR"/>
           </a:p>
@@ -2114,7 +2125,7 @@
           <a:p>
             <a:fld id="{ED8D6B47-35E8-4B74-A8BC-163E56BA4F07}" type="datetimeFigureOut">
               <a:rPr lang="pt-BR" smtClean="0"/>
-              <a:t>24/06/2020</a:t>
+              <a:t>25/06/2020</a:t>
             </a:fld>
             <a:endParaRPr lang="pt-BR"/>
           </a:p>
@@ -2366,7 +2377,7 @@
           <a:p>
             <a:fld id="{ED8D6B47-35E8-4B74-A8BC-163E56BA4F07}" type="datetimeFigureOut">
               <a:rPr lang="pt-BR" smtClean="0"/>
-              <a:t>24/06/2020</a:t>
+              <a:t>25/06/2020</a:t>
             </a:fld>
             <a:endParaRPr lang="pt-BR"/>
           </a:p>
@@ -2577,7 +2588,7 @@
           <a:p>
             <a:fld id="{ED8D6B47-35E8-4B74-A8BC-163E56BA4F07}" type="datetimeFigureOut">
               <a:rPr lang="pt-BR" smtClean="0"/>
-              <a:t>24/06/2020</a:t>
+              <a:t>25/06/2020</a:t>
             </a:fld>
             <a:endParaRPr lang="pt-BR"/>
           </a:p>
@@ -3520,35 +3531,35 @@
                 <a:gridCol w="574120">
                   <a:extLst>
                     <a:ext uri="{9D8B030D-6E8A-4147-A177-3AD203B41FA5}">
-                      <a16:colId xmlns:a16="http://schemas.microsoft.com/office/drawing/2014/main" xmlns="" val="20000"/>
+                      <a16:colId xmlns:a16="http://schemas.microsoft.com/office/drawing/2014/main" val="20000"/>
                     </a:ext>
                   </a:extLst>
                 </a:gridCol>
                 <a:gridCol w="1643427">
                   <a:extLst>
                     <a:ext uri="{9D8B030D-6E8A-4147-A177-3AD203B41FA5}">
-                      <a16:colId xmlns:a16="http://schemas.microsoft.com/office/drawing/2014/main" xmlns="" val="20001"/>
+                      <a16:colId xmlns:a16="http://schemas.microsoft.com/office/drawing/2014/main" val="20001"/>
                     </a:ext>
                   </a:extLst>
                 </a:gridCol>
                 <a:gridCol w="1756766">
                   <a:extLst>
                     <a:ext uri="{9D8B030D-6E8A-4147-A177-3AD203B41FA5}">
-                      <a16:colId xmlns:a16="http://schemas.microsoft.com/office/drawing/2014/main" xmlns="" val="20002"/>
+                      <a16:colId xmlns:a16="http://schemas.microsoft.com/office/drawing/2014/main" val="20002"/>
                     </a:ext>
                   </a:extLst>
                 </a:gridCol>
                 <a:gridCol w="2635823">
                   <a:extLst>
                     <a:ext uri="{9D8B030D-6E8A-4147-A177-3AD203B41FA5}">
-                      <a16:colId xmlns:a16="http://schemas.microsoft.com/office/drawing/2014/main" xmlns="" val="20003"/>
+                      <a16:colId xmlns:a16="http://schemas.microsoft.com/office/drawing/2014/main" val="20003"/>
                     </a:ext>
                   </a:extLst>
                 </a:gridCol>
                 <a:gridCol w="2635823">
                   <a:extLst>
                     <a:ext uri="{9D8B030D-6E8A-4147-A177-3AD203B41FA5}">
-                      <a16:colId xmlns:a16="http://schemas.microsoft.com/office/drawing/2014/main" xmlns="" val="20004"/>
+                      <a16:colId xmlns:a16="http://schemas.microsoft.com/office/drawing/2014/main" val="20004"/>
                     </a:ext>
                   </a:extLst>
                 </a:gridCol>
@@ -3618,7 +3629,7 @@
                 </a:tc>
                 <a:extLst>
                   <a:ext uri="{0D108BD9-81ED-4DB2-BD59-A6C34878D82A}">
-                    <a16:rowId xmlns:a16="http://schemas.microsoft.com/office/drawing/2014/main" xmlns="" val="10000"/>
+                    <a16:rowId xmlns:a16="http://schemas.microsoft.com/office/drawing/2014/main" val="10000"/>
                   </a:ext>
                 </a:extLst>
               </a:tr>
@@ -3687,7 +3698,7 @@
                 </a:tc>
                 <a:extLst>
                   <a:ext uri="{0D108BD9-81ED-4DB2-BD59-A6C34878D82A}">
-                    <a16:rowId xmlns:a16="http://schemas.microsoft.com/office/drawing/2014/main" xmlns="" val="10001"/>
+                    <a16:rowId xmlns:a16="http://schemas.microsoft.com/office/drawing/2014/main" val="10001"/>
                   </a:ext>
                 </a:extLst>
               </a:tr>
@@ -3781,7 +3792,7 @@
                 </a:tc>
                 <a:extLst>
                   <a:ext uri="{0D108BD9-81ED-4DB2-BD59-A6C34878D82A}">
-                    <a16:rowId xmlns:a16="http://schemas.microsoft.com/office/drawing/2014/main" xmlns="" val="10002"/>
+                    <a16:rowId xmlns:a16="http://schemas.microsoft.com/office/drawing/2014/main" val="10002"/>
                   </a:ext>
                 </a:extLst>
               </a:tr>
@@ -3870,7 +3881,7 @@
                 </a:tc>
                 <a:extLst>
                   <a:ext uri="{0D108BD9-81ED-4DB2-BD59-A6C34878D82A}">
-                    <a16:rowId xmlns:a16="http://schemas.microsoft.com/office/drawing/2014/main" xmlns="" val="10003"/>
+                    <a16:rowId xmlns:a16="http://schemas.microsoft.com/office/drawing/2014/main" val="10003"/>
                   </a:ext>
                 </a:extLst>
               </a:tr>
@@ -3959,7 +3970,7 @@
                 </a:tc>
                 <a:extLst>
                   <a:ext uri="{0D108BD9-81ED-4DB2-BD59-A6C34878D82A}">
-                    <a16:rowId xmlns:a16="http://schemas.microsoft.com/office/drawing/2014/main" xmlns="" val="10004"/>
+                    <a16:rowId xmlns:a16="http://schemas.microsoft.com/office/drawing/2014/main" val="10004"/>
                   </a:ext>
                 </a:extLst>
               </a:tr>
@@ -4045,7 +4056,7 @@
                 </a:tc>
                 <a:extLst>
                   <a:ext uri="{0D108BD9-81ED-4DB2-BD59-A6C34878D82A}">
-                    <a16:rowId xmlns:a16="http://schemas.microsoft.com/office/drawing/2014/main" xmlns="" val="10005"/>
+                    <a16:rowId xmlns:a16="http://schemas.microsoft.com/office/drawing/2014/main" val="10005"/>
                   </a:ext>
                 </a:extLst>
               </a:tr>
@@ -4128,7 +4139,7 @@
                 </a:tc>
                 <a:extLst>
                   <a:ext uri="{0D108BD9-81ED-4DB2-BD59-A6C34878D82A}">
-                    <a16:rowId xmlns:a16="http://schemas.microsoft.com/office/drawing/2014/main" xmlns="" val="10006"/>
+                    <a16:rowId xmlns:a16="http://schemas.microsoft.com/office/drawing/2014/main" val="10006"/>
                   </a:ext>
                 </a:extLst>
               </a:tr>
@@ -4987,35 +4998,35 @@
                 <a:gridCol w="490951">
                   <a:extLst>
                     <a:ext uri="{9D8B030D-6E8A-4147-A177-3AD203B41FA5}">
-                      <a16:colId xmlns:a16="http://schemas.microsoft.com/office/drawing/2014/main" xmlns="" val="20000"/>
+                      <a16:colId xmlns:a16="http://schemas.microsoft.com/office/drawing/2014/main" val="20000"/>
                     </a:ext>
                   </a:extLst>
                 </a:gridCol>
                 <a:gridCol w="1405354">
                   <a:extLst>
                     <a:ext uri="{9D8B030D-6E8A-4147-A177-3AD203B41FA5}">
-                      <a16:colId xmlns:a16="http://schemas.microsoft.com/office/drawing/2014/main" xmlns="" val="20001"/>
+                      <a16:colId xmlns:a16="http://schemas.microsoft.com/office/drawing/2014/main" val="20001"/>
                     </a:ext>
                   </a:extLst>
                 </a:gridCol>
                 <a:gridCol w="1502275">
                   <a:extLst>
                     <a:ext uri="{9D8B030D-6E8A-4147-A177-3AD203B41FA5}">
-                      <a16:colId xmlns:a16="http://schemas.microsoft.com/office/drawing/2014/main" xmlns="" val="20002"/>
+                      <a16:colId xmlns:a16="http://schemas.microsoft.com/office/drawing/2014/main" val="20002"/>
                     </a:ext>
                   </a:extLst>
                 </a:gridCol>
                 <a:gridCol w="2253988">
                   <a:extLst>
                     <a:ext uri="{9D8B030D-6E8A-4147-A177-3AD203B41FA5}">
-                      <a16:colId xmlns:a16="http://schemas.microsoft.com/office/drawing/2014/main" xmlns="" val="20003"/>
+                      <a16:colId xmlns:a16="http://schemas.microsoft.com/office/drawing/2014/main" val="20003"/>
                     </a:ext>
                   </a:extLst>
                 </a:gridCol>
                 <a:gridCol w="2253988">
                   <a:extLst>
                     <a:ext uri="{9D8B030D-6E8A-4147-A177-3AD203B41FA5}">
-                      <a16:colId xmlns:a16="http://schemas.microsoft.com/office/drawing/2014/main" xmlns="" val="20004"/>
+                      <a16:colId xmlns:a16="http://schemas.microsoft.com/office/drawing/2014/main" val="20004"/>
                     </a:ext>
                   </a:extLst>
                 </a:gridCol>
@@ -5085,7 +5096,7 @@
                 </a:tc>
                 <a:extLst>
                   <a:ext uri="{0D108BD9-81ED-4DB2-BD59-A6C34878D82A}">
-                    <a16:rowId xmlns:a16="http://schemas.microsoft.com/office/drawing/2014/main" xmlns="" val="10000"/>
+                    <a16:rowId xmlns:a16="http://schemas.microsoft.com/office/drawing/2014/main" val="10000"/>
                   </a:ext>
                 </a:extLst>
               </a:tr>
@@ -5159,7 +5170,7 @@
                 </a:tc>
                 <a:extLst>
                   <a:ext uri="{0D108BD9-81ED-4DB2-BD59-A6C34878D82A}">
-                    <a16:rowId xmlns:a16="http://schemas.microsoft.com/office/drawing/2014/main" xmlns="" val="10001"/>
+                    <a16:rowId xmlns:a16="http://schemas.microsoft.com/office/drawing/2014/main" val="10001"/>
                   </a:ext>
                 </a:extLst>
               </a:tr>
@@ -5233,7 +5244,7 @@
                 </a:tc>
                 <a:extLst>
                   <a:ext uri="{0D108BD9-81ED-4DB2-BD59-A6C34878D82A}">
-                    <a16:rowId xmlns:a16="http://schemas.microsoft.com/office/drawing/2014/main" xmlns="" val="10002"/>
+                    <a16:rowId xmlns:a16="http://schemas.microsoft.com/office/drawing/2014/main" val="10002"/>
                   </a:ext>
                 </a:extLst>
               </a:tr>
@@ -5302,7 +5313,7 @@
                 </a:tc>
                 <a:extLst>
                   <a:ext uri="{0D108BD9-81ED-4DB2-BD59-A6C34878D82A}">
-                    <a16:rowId xmlns:a16="http://schemas.microsoft.com/office/drawing/2014/main" xmlns="" val="10003"/>
+                    <a16:rowId xmlns:a16="http://schemas.microsoft.com/office/drawing/2014/main" val="10003"/>
                   </a:ext>
                 </a:extLst>
               </a:tr>
@@ -5376,7 +5387,7 @@
                 </a:tc>
                 <a:extLst>
                   <a:ext uri="{0D108BD9-81ED-4DB2-BD59-A6C34878D82A}">
-                    <a16:rowId xmlns:a16="http://schemas.microsoft.com/office/drawing/2014/main" xmlns="" val="10004"/>
+                    <a16:rowId xmlns:a16="http://schemas.microsoft.com/office/drawing/2014/main" val="10004"/>
                   </a:ext>
                 </a:extLst>
               </a:tr>
@@ -5462,7 +5473,7 @@
                 </a:tc>
                 <a:extLst>
                   <a:ext uri="{0D108BD9-81ED-4DB2-BD59-A6C34878D82A}">
-                    <a16:rowId xmlns:a16="http://schemas.microsoft.com/office/drawing/2014/main" xmlns="" val="10005"/>
+                    <a16:rowId xmlns:a16="http://schemas.microsoft.com/office/drawing/2014/main" val="10005"/>
                   </a:ext>
                 </a:extLst>
               </a:tr>
@@ -5548,7 +5559,7 @@
                 </a:tc>
                 <a:extLst>
                   <a:ext uri="{0D108BD9-81ED-4DB2-BD59-A6C34878D82A}">
-                    <a16:rowId xmlns:a16="http://schemas.microsoft.com/office/drawing/2014/main" xmlns="" val="10006"/>
+                    <a16:rowId xmlns:a16="http://schemas.microsoft.com/office/drawing/2014/main" val="10006"/>
                   </a:ext>
                 </a:extLst>
               </a:tr>
@@ -6626,35 +6637,35 @@
                 <a:gridCol w="546130">
                   <a:extLst>
                     <a:ext uri="{9D8B030D-6E8A-4147-A177-3AD203B41FA5}">
-                      <a16:colId xmlns:a16="http://schemas.microsoft.com/office/drawing/2014/main" xmlns="" val="20000"/>
+                      <a16:colId xmlns:a16="http://schemas.microsoft.com/office/drawing/2014/main" val="20000"/>
                     </a:ext>
                   </a:extLst>
                 </a:gridCol>
                 <a:gridCol w="1563306">
                   <a:extLst>
                     <a:ext uri="{9D8B030D-6E8A-4147-A177-3AD203B41FA5}">
-                      <a16:colId xmlns:a16="http://schemas.microsoft.com/office/drawing/2014/main" xmlns="" val="20001"/>
+                      <a16:colId xmlns:a16="http://schemas.microsoft.com/office/drawing/2014/main" val="20001"/>
                     </a:ext>
                   </a:extLst>
                 </a:gridCol>
                 <a:gridCol w="1671120">
                   <a:extLst>
                     <a:ext uri="{9D8B030D-6E8A-4147-A177-3AD203B41FA5}">
-                      <a16:colId xmlns:a16="http://schemas.microsoft.com/office/drawing/2014/main" xmlns="" val="20002"/>
+                      <a16:colId xmlns:a16="http://schemas.microsoft.com/office/drawing/2014/main" val="20002"/>
                     </a:ext>
                   </a:extLst>
                 </a:gridCol>
                 <a:gridCol w="2507320">
                   <a:extLst>
                     <a:ext uri="{9D8B030D-6E8A-4147-A177-3AD203B41FA5}">
-                      <a16:colId xmlns:a16="http://schemas.microsoft.com/office/drawing/2014/main" xmlns="" val="20003"/>
+                      <a16:colId xmlns:a16="http://schemas.microsoft.com/office/drawing/2014/main" val="20003"/>
                     </a:ext>
                   </a:extLst>
                 </a:gridCol>
                 <a:gridCol w="2507320">
                   <a:extLst>
                     <a:ext uri="{9D8B030D-6E8A-4147-A177-3AD203B41FA5}">
-                      <a16:colId xmlns:a16="http://schemas.microsoft.com/office/drawing/2014/main" xmlns="" val="20004"/>
+                      <a16:colId xmlns:a16="http://schemas.microsoft.com/office/drawing/2014/main" val="20004"/>
                     </a:ext>
                   </a:extLst>
                 </a:gridCol>
@@ -6724,7 +6735,7 @@
                 </a:tc>
                 <a:extLst>
                   <a:ext uri="{0D108BD9-81ED-4DB2-BD59-A6C34878D82A}">
-                    <a16:rowId xmlns:a16="http://schemas.microsoft.com/office/drawing/2014/main" xmlns="" val="10000"/>
+                    <a16:rowId xmlns:a16="http://schemas.microsoft.com/office/drawing/2014/main" val="10000"/>
                   </a:ext>
                 </a:extLst>
               </a:tr>
@@ -6794,7 +6805,7 @@
                 </a:tc>
                 <a:extLst>
                   <a:ext uri="{0D108BD9-81ED-4DB2-BD59-A6C34878D82A}">
-                    <a16:rowId xmlns:a16="http://schemas.microsoft.com/office/drawing/2014/main" xmlns="" val="10001"/>
+                    <a16:rowId xmlns:a16="http://schemas.microsoft.com/office/drawing/2014/main" val="10001"/>
                   </a:ext>
                 </a:extLst>
               </a:tr>
@@ -6863,7 +6874,7 @@
                 </a:tc>
                 <a:extLst>
                   <a:ext uri="{0D108BD9-81ED-4DB2-BD59-A6C34878D82A}">
-                    <a16:rowId xmlns:a16="http://schemas.microsoft.com/office/drawing/2014/main" xmlns="" val="10002"/>
+                    <a16:rowId xmlns:a16="http://schemas.microsoft.com/office/drawing/2014/main" val="10002"/>
                   </a:ext>
                 </a:extLst>
               </a:tr>
@@ -7912,35 +7923,35 @@
                 <a:gridCol w="559725">
                   <a:extLst>
                     <a:ext uri="{9D8B030D-6E8A-4147-A177-3AD203B41FA5}">
-                      <a16:colId xmlns:a16="http://schemas.microsoft.com/office/drawing/2014/main" xmlns="" val="20000"/>
+                      <a16:colId xmlns:a16="http://schemas.microsoft.com/office/drawing/2014/main" val="20000"/>
                     </a:ext>
                   </a:extLst>
                 </a:gridCol>
                 <a:gridCol w="1602222">
                   <a:extLst>
                     <a:ext uri="{9D8B030D-6E8A-4147-A177-3AD203B41FA5}">
-                      <a16:colId xmlns:a16="http://schemas.microsoft.com/office/drawing/2014/main" xmlns="" val="20001"/>
+                      <a16:colId xmlns:a16="http://schemas.microsoft.com/office/drawing/2014/main" val="20001"/>
                     </a:ext>
                   </a:extLst>
                 </a:gridCol>
                 <a:gridCol w="1712720">
                   <a:extLst>
                     <a:ext uri="{9D8B030D-6E8A-4147-A177-3AD203B41FA5}">
-                      <a16:colId xmlns:a16="http://schemas.microsoft.com/office/drawing/2014/main" xmlns="" val="20002"/>
+                      <a16:colId xmlns:a16="http://schemas.microsoft.com/office/drawing/2014/main" val="20002"/>
                     </a:ext>
                   </a:extLst>
                 </a:gridCol>
                 <a:gridCol w="2569736">
                   <a:extLst>
                     <a:ext uri="{9D8B030D-6E8A-4147-A177-3AD203B41FA5}">
-                      <a16:colId xmlns:a16="http://schemas.microsoft.com/office/drawing/2014/main" xmlns="" val="20003"/>
+                      <a16:colId xmlns:a16="http://schemas.microsoft.com/office/drawing/2014/main" val="20003"/>
                     </a:ext>
                   </a:extLst>
                 </a:gridCol>
                 <a:gridCol w="2569736">
                   <a:extLst>
                     <a:ext uri="{9D8B030D-6E8A-4147-A177-3AD203B41FA5}">
-                      <a16:colId xmlns:a16="http://schemas.microsoft.com/office/drawing/2014/main" xmlns="" val="20004"/>
+                      <a16:colId xmlns:a16="http://schemas.microsoft.com/office/drawing/2014/main" val="20004"/>
                     </a:ext>
                   </a:extLst>
                 </a:gridCol>
@@ -8010,7 +8021,7 @@
                 </a:tc>
                 <a:extLst>
                   <a:ext uri="{0D108BD9-81ED-4DB2-BD59-A6C34878D82A}">
-                    <a16:rowId xmlns:a16="http://schemas.microsoft.com/office/drawing/2014/main" xmlns="" val="10000"/>
+                    <a16:rowId xmlns:a16="http://schemas.microsoft.com/office/drawing/2014/main" val="10000"/>
                   </a:ext>
                 </a:extLst>
               </a:tr>
@@ -8079,7 +8090,7 @@
                 </a:tc>
                 <a:extLst>
                   <a:ext uri="{0D108BD9-81ED-4DB2-BD59-A6C34878D82A}">
-                    <a16:rowId xmlns:a16="http://schemas.microsoft.com/office/drawing/2014/main" xmlns="" val="10001"/>
+                    <a16:rowId xmlns:a16="http://schemas.microsoft.com/office/drawing/2014/main" val="10001"/>
                   </a:ext>
                 </a:extLst>
               </a:tr>
@@ -8168,7 +8179,7 @@
                 </a:tc>
                 <a:extLst>
                   <a:ext uri="{0D108BD9-81ED-4DB2-BD59-A6C34878D82A}">
-                    <a16:rowId xmlns:a16="http://schemas.microsoft.com/office/drawing/2014/main" xmlns="" val="10002"/>
+                    <a16:rowId xmlns:a16="http://schemas.microsoft.com/office/drawing/2014/main" val="10002"/>
                   </a:ext>
                 </a:extLst>
               </a:tr>
@@ -8257,7 +8268,7 @@
                 </a:tc>
                 <a:extLst>
                   <a:ext uri="{0D108BD9-81ED-4DB2-BD59-A6C34878D82A}">
-                    <a16:rowId xmlns:a16="http://schemas.microsoft.com/office/drawing/2014/main" xmlns="" val="10003"/>
+                    <a16:rowId xmlns:a16="http://schemas.microsoft.com/office/drawing/2014/main" val="10003"/>
                   </a:ext>
                 </a:extLst>
               </a:tr>
@@ -9601,35 +9612,35 @@
                 <a:gridCol w="490951">
                   <a:extLst>
                     <a:ext uri="{9D8B030D-6E8A-4147-A177-3AD203B41FA5}">
-                      <a16:colId xmlns:a16="http://schemas.microsoft.com/office/drawing/2014/main" xmlns="" val="20000"/>
+                      <a16:colId xmlns:a16="http://schemas.microsoft.com/office/drawing/2014/main" val="20000"/>
                     </a:ext>
                   </a:extLst>
                 </a:gridCol>
                 <a:gridCol w="1405354">
                   <a:extLst>
                     <a:ext uri="{9D8B030D-6E8A-4147-A177-3AD203B41FA5}">
-                      <a16:colId xmlns:a16="http://schemas.microsoft.com/office/drawing/2014/main" xmlns="" val="20001"/>
+                      <a16:colId xmlns:a16="http://schemas.microsoft.com/office/drawing/2014/main" val="20001"/>
                     </a:ext>
                   </a:extLst>
                 </a:gridCol>
                 <a:gridCol w="1502275">
                   <a:extLst>
                     <a:ext uri="{9D8B030D-6E8A-4147-A177-3AD203B41FA5}">
-                      <a16:colId xmlns:a16="http://schemas.microsoft.com/office/drawing/2014/main" xmlns="" val="20002"/>
+                      <a16:colId xmlns:a16="http://schemas.microsoft.com/office/drawing/2014/main" val="20002"/>
                     </a:ext>
                   </a:extLst>
                 </a:gridCol>
                 <a:gridCol w="2253988">
                   <a:extLst>
                     <a:ext uri="{9D8B030D-6E8A-4147-A177-3AD203B41FA5}">
-                      <a16:colId xmlns:a16="http://schemas.microsoft.com/office/drawing/2014/main" xmlns="" val="20003"/>
+                      <a16:colId xmlns:a16="http://schemas.microsoft.com/office/drawing/2014/main" val="20003"/>
                     </a:ext>
                   </a:extLst>
                 </a:gridCol>
                 <a:gridCol w="2253988">
                   <a:extLst>
                     <a:ext uri="{9D8B030D-6E8A-4147-A177-3AD203B41FA5}">
-                      <a16:colId xmlns:a16="http://schemas.microsoft.com/office/drawing/2014/main" xmlns="" val="20004"/>
+                      <a16:colId xmlns:a16="http://schemas.microsoft.com/office/drawing/2014/main" val="20004"/>
                     </a:ext>
                   </a:extLst>
                 </a:gridCol>
@@ -9699,7 +9710,7 @@
                 </a:tc>
                 <a:extLst>
                   <a:ext uri="{0D108BD9-81ED-4DB2-BD59-A6C34878D82A}">
-                    <a16:rowId xmlns:a16="http://schemas.microsoft.com/office/drawing/2014/main" xmlns="" val="10000"/>
+                    <a16:rowId xmlns:a16="http://schemas.microsoft.com/office/drawing/2014/main" val="10000"/>
                   </a:ext>
                 </a:extLst>
               </a:tr>
@@ -9773,7 +9784,7 @@
                 </a:tc>
                 <a:extLst>
                   <a:ext uri="{0D108BD9-81ED-4DB2-BD59-A6C34878D82A}">
-                    <a16:rowId xmlns:a16="http://schemas.microsoft.com/office/drawing/2014/main" xmlns="" val="10001"/>
+                    <a16:rowId xmlns:a16="http://schemas.microsoft.com/office/drawing/2014/main" val="10001"/>
                   </a:ext>
                 </a:extLst>
               </a:tr>
@@ -9842,7 +9853,7 @@
                 </a:tc>
                 <a:extLst>
                   <a:ext uri="{0D108BD9-81ED-4DB2-BD59-A6C34878D82A}">
-                    <a16:rowId xmlns:a16="http://schemas.microsoft.com/office/drawing/2014/main" xmlns="" val="10002"/>
+                    <a16:rowId xmlns:a16="http://schemas.microsoft.com/office/drawing/2014/main" val="10002"/>
                   </a:ext>
                 </a:extLst>
               </a:tr>
@@ -9911,7 +9922,7 @@
                 </a:tc>
                 <a:extLst>
                   <a:ext uri="{0D108BD9-81ED-4DB2-BD59-A6C34878D82A}">
-                    <a16:rowId xmlns:a16="http://schemas.microsoft.com/office/drawing/2014/main" xmlns="" val="10003"/>
+                    <a16:rowId xmlns:a16="http://schemas.microsoft.com/office/drawing/2014/main" val="10003"/>
                   </a:ext>
                 </a:extLst>
               </a:tr>
@@ -11243,7 +11254,7 @@
                 </a:solidFill>
                 <a:latin typeface="Bahnschrift" panose="020B0502040204020203" pitchFamily="34" charset="0"/>
               </a:rPr>
-              <a:t>Descrição</a:t>
+              <a:t>Pergunta</a:t>
             </a:r>
           </a:p>
         </p:txBody>
@@ -11375,7 +11386,7 @@
                 </a:solidFill>
                 <a:latin typeface="Bahnschrift" panose="020B0502040204020203" pitchFamily="34" charset="0"/>
               </a:rPr>
-              <a:t>Cadastro de Pergunta</a:t>
+              <a:t>Cadastro de pergunta</a:t>
             </a:r>
           </a:p>
         </p:txBody>
@@ -11755,35 +11766,35 @@
                 <a:gridCol w="490951">
                   <a:extLst>
                     <a:ext uri="{9D8B030D-6E8A-4147-A177-3AD203B41FA5}">
-                      <a16:colId xmlns:a16="http://schemas.microsoft.com/office/drawing/2014/main" xmlns="" val="20000"/>
+                      <a16:colId xmlns:a16="http://schemas.microsoft.com/office/drawing/2014/main" val="20000"/>
                     </a:ext>
                   </a:extLst>
                 </a:gridCol>
                 <a:gridCol w="1405354">
                   <a:extLst>
                     <a:ext uri="{9D8B030D-6E8A-4147-A177-3AD203B41FA5}">
-                      <a16:colId xmlns:a16="http://schemas.microsoft.com/office/drawing/2014/main" xmlns="" val="20001"/>
+                      <a16:colId xmlns:a16="http://schemas.microsoft.com/office/drawing/2014/main" val="20001"/>
                     </a:ext>
                   </a:extLst>
                 </a:gridCol>
                 <a:gridCol w="1502275">
                   <a:extLst>
                     <a:ext uri="{9D8B030D-6E8A-4147-A177-3AD203B41FA5}">
-                      <a16:colId xmlns:a16="http://schemas.microsoft.com/office/drawing/2014/main" xmlns="" val="20002"/>
+                      <a16:colId xmlns:a16="http://schemas.microsoft.com/office/drawing/2014/main" val="20002"/>
                     </a:ext>
                   </a:extLst>
                 </a:gridCol>
                 <a:gridCol w="2253988">
                   <a:extLst>
                     <a:ext uri="{9D8B030D-6E8A-4147-A177-3AD203B41FA5}">
-                      <a16:colId xmlns:a16="http://schemas.microsoft.com/office/drawing/2014/main" xmlns="" val="20003"/>
+                      <a16:colId xmlns:a16="http://schemas.microsoft.com/office/drawing/2014/main" val="20003"/>
                     </a:ext>
                   </a:extLst>
                 </a:gridCol>
                 <a:gridCol w="2253988">
                   <a:extLst>
                     <a:ext uri="{9D8B030D-6E8A-4147-A177-3AD203B41FA5}">
-                      <a16:colId xmlns:a16="http://schemas.microsoft.com/office/drawing/2014/main" xmlns="" val="20004"/>
+                      <a16:colId xmlns:a16="http://schemas.microsoft.com/office/drawing/2014/main" val="20004"/>
                     </a:ext>
                   </a:extLst>
                 </a:gridCol>
@@ -11853,7 +11864,7 @@
                 </a:tc>
                 <a:extLst>
                   <a:ext uri="{0D108BD9-81ED-4DB2-BD59-A6C34878D82A}">
-                    <a16:rowId xmlns:a16="http://schemas.microsoft.com/office/drawing/2014/main" xmlns="" val="10000"/>
+                    <a16:rowId xmlns:a16="http://schemas.microsoft.com/office/drawing/2014/main" val="10000"/>
                   </a:ext>
                 </a:extLst>
               </a:tr>
@@ -11935,7 +11946,7 @@
                 </a:tc>
                 <a:extLst>
                   <a:ext uri="{0D108BD9-81ED-4DB2-BD59-A6C34878D82A}">
-                    <a16:rowId xmlns:a16="http://schemas.microsoft.com/office/drawing/2014/main" xmlns="" val="10001"/>
+                    <a16:rowId xmlns:a16="http://schemas.microsoft.com/office/drawing/2014/main" val="10001"/>
                   </a:ext>
                 </a:extLst>
               </a:tr>
@@ -12034,7 +12045,7 @@
                 </a:tc>
                 <a:extLst>
                   <a:ext uri="{0D108BD9-81ED-4DB2-BD59-A6C34878D82A}">
-                    <a16:rowId xmlns:a16="http://schemas.microsoft.com/office/drawing/2014/main" xmlns="" val="10002"/>
+                    <a16:rowId xmlns:a16="http://schemas.microsoft.com/office/drawing/2014/main" val="10002"/>
                   </a:ext>
                 </a:extLst>
               </a:tr>
@@ -12125,35 +12136,35 @@
                 <a:gridCol w="536534">
                   <a:extLst>
                     <a:ext uri="{9D8B030D-6E8A-4147-A177-3AD203B41FA5}">
-                      <a16:colId xmlns:a16="http://schemas.microsoft.com/office/drawing/2014/main" xmlns="" val="20000"/>
+                      <a16:colId xmlns:a16="http://schemas.microsoft.com/office/drawing/2014/main" val="20000"/>
                     </a:ext>
                   </a:extLst>
                 </a:gridCol>
                 <a:gridCol w="1535836">
                   <a:extLst>
                     <a:ext uri="{9D8B030D-6E8A-4147-A177-3AD203B41FA5}">
-                      <a16:colId xmlns:a16="http://schemas.microsoft.com/office/drawing/2014/main" xmlns="" val="20001"/>
+                      <a16:colId xmlns:a16="http://schemas.microsoft.com/office/drawing/2014/main" val="20001"/>
                     </a:ext>
                   </a:extLst>
                 </a:gridCol>
                 <a:gridCol w="1641756">
                   <a:extLst>
                     <a:ext uri="{9D8B030D-6E8A-4147-A177-3AD203B41FA5}">
-                      <a16:colId xmlns:a16="http://schemas.microsoft.com/office/drawing/2014/main" xmlns="" val="20002"/>
+                      <a16:colId xmlns:a16="http://schemas.microsoft.com/office/drawing/2014/main" val="20002"/>
                     </a:ext>
                   </a:extLst>
                 </a:gridCol>
                 <a:gridCol w="2463263">
                   <a:extLst>
                     <a:ext uri="{9D8B030D-6E8A-4147-A177-3AD203B41FA5}">
-                      <a16:colId xmlns:a16="http://schemas.microsoft.com/office/drawing/2014/main" xmlns="" val="20003"/>
+                      <a16:colId xmlns:a16="http://schemas.microsoft.com/office/drawing/2014/main" val="20003"/>
                     </a:ext>
                   </a:extLst>
                 </a:gridCol>
                 <a:gridCol w="2463263">
                   <a:extLst>
                     <a:ext uri="{9D8B030D-6E8A-4147-A177-3AD203B41FA5}">
-                      <a16:colId xmlns:a16="http://schemas.microsoft.com/office/drawing/2014/main" xmlns="" val="20004"/>
+                      <a16:colId xmlns:a16="http://schemas.microsoft.com/office/drawing/2014/main" val="20004"/>
                     </a:ext>
                   </a:extLst>
                 </a:gridCol>
@@ -12223,7 +12234,7 @@
                 </a:tc>
                 <a:extLst>
                   <a:ext uri="{0D108BD9-81ED-4DB2-BD59-A6C34878D82A}">
-                    <a16:rowId xmlns:a16="http://schemas.microsoft.com/office/drawing/2014/main" xmlns="" val="10000"/>
+                    <a16:rowId xmlns:a16="http://schemas.microsoft.com/office/drawing/2014/main" val="10000"/>
                   </a:ext>
                 </a:extLst>
               </a:tr>
@@ -12293,7 +12304,7 @@
                 </a:tc>
                 <a:extLst>
                   <a:ext uri="{0D108BD9-81ED-4DB2-BD59-A6C34878D82A}">
-                    <a16:rowId xmlns:a16="http://schemas.microsoft.com/office/drawing/2014/main" xmlns="" val="10001"/>
+                    <a16:rowId xmlns:a16="http://schemas.microsoft.com/office/drawing/2014/main" val="10001"/>
                   </a:ext>
                 </a:extLst>
               </a:tr>
@@ -12363,7 +12374,7 @@
                 </a:tc>
                 <a:extLst>
                   <a:ext uri="{0D108BD9-81ED-4DB2-BD59-A6C34878D82A}">
-                    <a16:rowId xmlns:a16="http://schemas.microsoft.com/office/drawing/2014/main" xmlns="" val="10002"/>
+                    <a16:rowId xmlns:a16="http://schemas.microsoft.com/office/drawing/2014/main" val="10002"/>
                   </a:ext>
                 </a:extLst>
               </a:tr>
@@ -12438,7 +12449,7 @@
                 </a:tc>
                 <a:extLst>
                   <a:ext uri="{0D108BD9-81ED-4DB2-BD59-A6C34878D82A}">
-                    <a16:rowId xmlns:a16="http://schemas.microsoft.com/office/drawing/2014/main" xmlns="" val="10003"/>
+                    <a16:rowId xmlns:a16="http://schemas.microsoft.com/office/drawing/2014/main" val="10003"/>
                   </a:ext>
                 </a:extLst>
               </a:tr>
@@ -12513,7 +12524,7 @@
                 </a:tc>
                 <a:extLst>
                   <a:ext uri="{0D108BD9-81ED-4DB2-BD59-A6C34878D82A}">
-                    <a16:rowId xmlns:a16="http://schemas.microsoft.com/office/drawing/2014/main" xmlns="" val="10004"/>
+                    <a16:rowId xmlns:a16="http://schemas.microsoft.com/office/drawing/2014/main" val="10004"/>
                   </a:ext>
                 </a:extLst>
               </a:tr>
@@ -12583,7 +12594,7 @@
                 </a:tc>
                 <a:extLst>
                   <a:ext uri="{0D108BD9-81ED-4DB2-BD59-A6C34878D82A}">
-                    <a16:rowId xmlns:a16="http://schemas.microsoft.com/office/drawing/2014/main" xmlns="" val="10005"/>
+                    <a16:rowId xmlns:a16="http://schemas.microsoft.com/office/drawing/2014/main" val="10005"/>
                   </a:ext>
                 </a:extLst>
               </a:tr>
@@ -12657,7 +12668,7 @@
                 </a:tc>
                 <a:extLst>
                   <a:ext uri="{0D108BD9-81ED-4DB2-BD59-A6C34878D82A}">
-                    <a16:rowId xmlns:a16="http://schemas.microsoft.com/office/drawing/2014/main" xmlns="" val="10006"/>
+                    <a16:rowId xmlns:a16="http://schemas.microsoft.com/office/drawing/2014/main" val="10006"/>
                   </a:ext>
                 </a:extLst>
               </a:tr>
@@ -13860,35 +13871,35 @@
                 <a:gridCol w="631698">
                   <a:extLst>
                     <a:ext uri="{9D8B030D-6E8A-4147-A177-3AD203B41FA5}">
-                      <a16:colId xmlns:a16="http://schemas.microsoft.com/office/drawing/2014/main" xmlns="" val="20000"/>
+                      <a16:colId xmlns:a16="http://schemas.microsoft.com/office/drawing/2014/main" val="20000"/>
                     </a:ext>
                   </a:extLst>
                 </a:gridCol>
                 <a:gridCol w="1808247">
                   <a:extLst>
                     <a:ext uri="{9D8B030D-6E8A-4147-A177-3AD203B41FA5}">
-                      <a16:colId xmlns:a16="http://schemas.microsoft.com/office/drawing/2014/main" xmlns="" val="20001"/>
+                      <a16:colId xmlns:a16="http://schemas.microsoft.com/office/drawing/2014/main" val="20001"/>
                     </a:ext>
                   </a:extLst>
                 </a:gridCol>
                 <a:gridCol w="1932953">
                   <a:extLst>
                     <a:ext uri="{9D8B030D-6E8A-4147-A177-3AD203B41FA5}">
-                      <a16:colId xmlns:a16="http://schemas.microsoft.com/office/drawing/2014/main" xmlns="" val="20002"/>
+                      <a16:colId xmlns:a16="http://schemas.microsoft.com/office/drawing/2014/main" val="20002"/>
                     </a:ext>
                   </a:extLst>
                 </a:gridCol>
                 <a:gridCol w="2900170">
                   <a:extLst>
                     <a:ext uri="{9D8B030D-6E8A-4147-A177-3AD203B41FA5}">
-                      <a16:colId xmlns:a16="http://schemas.microsoft.com/office/drawing/2014/main" xmlns="" val="20003"/>
+                      <a16:colId xmlns:a16="http://schemas.microsoft.com/office/drawing/2014/main" val="20003"/>
                     </a:ext>
                   </a:extLst>
                 </a:gridCol>
                 <a:gridCol w="2900170">
                   <a:extLst>
                     <a:ext uri="{9D8B030D-6E8A-4147-A177-3AD203B41FA5}">
-                      <a16:colId xmlns:a16="http://schemas.microsoft.com/office/drawing/2014/main" xmlns="" val="20004"/>
+                      <a16:colId xmlns:a16="http://schemas.microsoft.com/office/drawing/2014/main" val="20004"/>
                     </a:ext>
                   </a:extLst>
                 </a:gridCol>
@@ -13958,7 +13969,7 @@
                 </a:tc>
                 <a:extLst>
                   <a:ext uri="{0D108BD9-81ED-4DB2-BD59-A6C34878D82A}">
-                    <a16:rowId xmlns:a16="http://schemas.microsoft.com/office/drawing/2014/main" xmlns="" val="10000"/>
+                    <a16:rowId xmlns:a16="http://schemas.microsoft.com/office/drawing/2014/main" val="10000"/>
                   </a:ext>
                 </a:extLst>
               </a:tr>
@@ -14024,7 +14035,7 @@
                 </a:tc>
                 <a:extLst>
                   <a:ext uri="{0D108BD9-81ED-4DB2-BD59-A6C34878D82A}">
-                    <a16:rowId xmlns:a16="http://schemas.microsoft.com/office/drawing/2014/main" xmlns="" val="10001"/>
+                    <a16:rowId xmlns:a16="http://schemas.microsoft.com/office/drawing/2014/main" val="10001"/>
                   </a:ext>
                 </a:extLst>
               </a:tr>
@@ -14095,7 +14106,7 @@
                 </a:tc>
                 <a:extLst>
                   <a:ext uri="{0D108BD9-81ED-4DB2-BD59-A6C34878D82A}">
-                    <a16:rowId xmlns:a16="http://schemas.microsoft.com/office/drawing/2014/main" xmlns="" val="10002"/>
+                    <a16:rowId xmlns:a16="http://schemas.microsoft.com/office/drawing/2014/main" val="10002"/>
                   </a:ext>
                 </a:extLst>
               </a:tr>
@@ -14161,7 +14172,7 @@
                 </a:tc>
                 <a:extLst>
                   <a:ext uri="{0D108BD9-81ED-4DB2-BD59-A6C34878D82A}">
-                    <a16:rowId xmlns:a16="http://schemas.microsoft.com/office/drawing/2014/main" xmlns="" val="10003"/>
+                    <a16:rowId xmlns:a16="http://schemas.microsoft.com/office/drawing/2014/main" val="10003"/>
                   </a:ext>
                 </a:extLst>
               </a:tr>
@@ -17992,35 +18003,35 @@
                 <a:gridCol w="631698">
                   <a:extLst>
                     <a:ext uri="{9D8B030D-6E8A-4147-A177-3AD203B41FA5}">
-                      <a16:colId xmlns:a16="http://schemas.microsoft.com/office/drawing/2014/main" xmlns="" val="20000"/>
+                      <a16:colId xmlns:a16="http://schemas.microsoft.com/office/drawing/2014/main" val="20000"/>
                     </a:ext>
                   </a:extLst>
                 </a:gridCol>
                 <a:gridCol w="1808247">
                   <a:extLst>
                     <a:ext uri="{9D8B030D-6E8A-4147-A177-3AD203B41FA5}">
-                      <a16:colId xmlns:a16="http://schemas.microsoft.com/office/drawing/2014/main" xmlns="" val="20001"/>
+                      <a16:colId xmlns:a16="http://schemas.microsoft.com/office/drawing/2014/main" val="20001"/>
                     </a:ext>
                   </a:extLst>
                 </a:gridCol>
                 <a:gridCol w="1932953">
                   <a:extLst>
                     <a:ext uri="{9D8B030D-6E8A-4147-A177-3AD203B41FA5}">
-                      <a16:colId xmlns:a16="http://schemas.microsoft.com/office/drawing/2014/main" xmlns="" val="20002"/>
+                      <a16:colId xmlns:a16="http://schemas.microsoft.com/office/drawing/2014/main" val="20002"/>
                     </a:ext>
                   </a:extLst>
                 </a:gridCol>
                 <a:gridCol w="2900170">
                   <a:extLst>
                     <a:ext uri="{9D8B030D-6E8A-4147-A177-3AD203B41FA5}">
-                      <a16:colId xmlns:a16="http://schemas.microsoft.com/office/drawing/2014/main" xmlns="" val="20003"/>
+                      <a16:colId xmlns:a16="http://schemas.microsoft.com/office/drawing/2014/main" val="20003"/>
                     </a:ext>
                   </a:extLst>
                 </a:gridCol>
                 <a:gridCol w="2900170">
                   <a:extLst>
                     <a:ext uri="{9D8B030D-6E8A-4147-A177-3AD203B41FA5}">
-                      <a16:colId xmlns:a16="http://schemas.microsoft.com/office/drawing/2014/main" xmlns="" val="20004"/>
+                      <a16:colId xmlns:a16="http://schemas.microsoft.com/office/drawing/2014/main" val="20004"/>
                     </a:ext>
                   </a:extLst>
                 </a:gridCol>
@@ -18090,7 +18101,7 @@
                 </a:tc>
                 <a:extLst>
                   <a:ext uri="{0D108BD9-81ED-4DB2-BD59-A6C34878D82A}">
-                    <a16:rowId xmlns:a16="http://schemas.microsoft.com/office/drawing/2014/main" xmlns="" val="10000"/>
+                    <a16:rowId xmlns:a16="http://schemas.microsoft.com/office/drawing/2014/main" val="10000"/>
                   </a:ext>
                 </a:extLst>
               </a:tr>
@@ -18156,7 +18167,7 @@
                 </a:tc>
                 <a:extLst>
                   <a:ext uri="{0D108BD9-81ED-4DB2-BD59-A6C34878D82A}">
-                    <a16:rowId xmlns:a16="http://schemas.microsoft.com/office/drawing/2014/main" xmlns="" val="10001"/>
+                    <a16:rowId xmlns:a16="http://schemas.microsoft.com/office/drawing/2014/main" val="10001"/>
                   </a:ext>
                 </a:extLst>
               </a:tr>
@@ -18227,7 +18238,7 @@
                 </a:tc>
                 <a:extLst>
                   <a:ext uri="{0D108BD9-81ED-4DB2-BD59-A6C34878D82A}">
-                    <a16:rowId xmlns:a16="http://schemas.microsoft.com/office/drawing/2014/main" xmlns="" val="10002"/>
+                    <a16:rowId xmlns:a16="http://schemas.microsoft.com/office/drawing/2014/main" val="10002"/>
                   </a:ext>
                 </a:extLst>
               </a:tr>
@@ -18293,7 +18304,7 @@
                 </a:tc>
                 <a:extLst>
                   <a:ext uri="{0D108BD9-81ED-4DB2-BD59-A6C34878D82A}">
-                    <a16:rowId xmlns:a16="http://schemas.microsoft.com/office/drawing/2014/main" xmlns="" val="10003"/>
+                    <a16:rowId xmlns:a16="http://schemas.microsoft.com/office/drawing/2014/main" val="10003"/>
                   </a:ext>
                 </a:extLst>
               </a:tr>
@@ -19426,35 +19437,35 @@
                 <a:gridCol w="631698">
                   <a:extLst>
                     <a:ext uri="{9D8B030D-6E8A-4147-A177-3AD203B41FA5}">
-                      <a16:colId xmlns:a16="http://schemas.microsoft.com/office/drawing/2014/main" xmlns="" val="20000"/>
+                      <a16:colId xmlns:a16="http://schemas.microsoft.com/office/drawing/2014/main" val="20000"/>
                     </a:ext>
                   </a:extLst>
                 </a:gridCol>
                 <a:gridCol w="1808247">
                   <a:extLst>
                     <a:ext uri="{9D8B030D-6E8A-4147-A177-3AD203B41FA5}">
-                      <a16:colId xmlns:a16="http://schemas.microsoft.com/office/drawing/2014/main" xmlns="" val="20001"/>
+                      <a16:colId xmlns:a16="http://schemas.microsoft.com/office/drawing/2014/main" val="20001"/>
                     </a:ext>
                   </a:extLst>
                 </a:gridCol>
                 <a:gridCol w="1932953">
                   <a:extLst>
                     <a:ext uri="{9D8B030D-6E8A-4147-A177-3AD203B41FA5}">
-                      <a16:colId xmlns:a16="http://schemas.microsoft.com/office/drawing/2014/main" xmlns="" val="20002"/>
+                      <a16:colId xmlns:a16="http://schemas.microsoft.com/office/drawing/2014/main" val="20002"/>
                     </a:ext>
                   </a:extLst>
                 </a:gridCol>
                 <a:gridCol w="2900170">
                   <a:extLst>
                     <a:ext uri="{9D8B030D-6E8A-4147-A177-3AD203B41FA5}">
-                      <a16:colId xmlns:a16="http://schemas.microsoft.com/office/drawing/2014/main" xmlns="" val="20003"/>
+                      <a16:colId xmlns:a16="http://schemas.microsoft.com/office/drawing/2014/main" val="20003"/>
                     </a:ext>
                   </a:extLst>
                 </a:gridCol>
                 <a:gridCol w="2900170">
                   <a:extLst>
                     <a:ext uri="{9D8B030D-6E8A-4147-A177-3AD203B41FA5}">
-                      <a16:colId xmlns:a16="http://schemas.microsoft.com/office/drawing/2014/main" xmlns="" val="20004"/>
+                      <a16:colId xmlns:a16="http://schemas.microsoft.com/office/drawing/2014/main" val="20004"/>
                     </a:ext>
                   </a:extLst>
                 </a:gridCol>
@@ -19524,7 +19535,7 @@
                 </a:tc>
                 <a:extLst>
                   <a:ext uri="{0D108BD9-81ED-4DB2-BD59-A6C34878D82A}">
-                    <a16:rowId xmlns:a16="http://schemas.microsoft.com/office/drawing/2014/main" xmlns="" val="10000"/>
+                    <a16:rowId xmlns:a16="http://schemas.microsoft.com/office/drawing/2014/main" val="10000"/>
                   </a:ext>
                 </a:extLst>
               </a:tr>
@@ -19590,7 +19601,7 @@
                 </a:tc>
                 <a:extLst>
                   <a:ext uri="{0D108BD9-81ED-4DB2-BD59-A6C34878D82A}">
-                    <a16:rowId xmlns:a16="http://schemas.microsoft.com/office/drawing/2014/main" xmlns="" val="10001"/>
+                    <a16:rowId xmlns:a16="http://schemas.microsoft.com/office/drawing/2014/main" val="10001"/>
                   </a:ext>
                 </a:extLst>
               </a:tr>
@@ -19661,7 +19672,7 @@
                 </a:tc>
                 <a:extLst>
                   <a:ext uri="{0D108BD9-81ED-4DB2-BD59-A6C34878D82A}">
-                    <a16:rowId xmlns:a16="http://schemas.microsoft.com/office/drawing/2014/main" xmlns="" val="10002"/>
+                    <a16:rowId xmlns:a16="http://schemas.microsoft.com/office/drawing/2014/main" val="10002"/>
                   </a:ext>
                 </a:extLst>
               </a:tr>
@@ -19727,7 +19738,7 @@
                 </a:tc>
                 <a:extLst>
                   <a:ext uri="{0D108BD9-81ED-4DB2-BD59-A6C34878D82A}">
-                    <a16:rowId xmlns:a16="http://schemas.microsoft.com/office/drawing/2014/main" xmlns="" val="10003"/>
+                    <a16:rowId xmlns:a16="http://schemas.microsoft.com/office/drawing/2014/main" val="10003"/>
                   </a:ext>
                 </a:extLst>
               </a:tr>
@@ -21481,35 +21492,35 @@
                 <a:gridCol w="586838">
                   <a:extLst>
                     <a:ext uri="{9D8B030D-6E8A-4147-A177-3AD203B41FA5}">
-                      <a16:colId xmlns:a16="http://schemas.microsoft.com/office/drawing/2014/main" xmlns="" val="20000"/>
+                      <a16:colId xmlns:a16="http://schemas.microsoft.com/office/drawing/2014/main" val="20000"/>
                     </a:ext>
                   </a:extLst>
                 </a:gridCol>
                 <a:gridCol w="1679832">
                   <a:extLst>
                     <a:ext uri="{9D8B030D-6E8A-4147-A177-3AD203B41FA5}">
-                      <a16:colId xmlns:a16="http://schemas.microsoft.com/office/drawing/2014/main" xmlns="" val="20001"/>
+                      <a16:colId xmlns:a16="http://schemas.microsoft.com/office/drawing/2014/main" val="20001"/>
                     </a:ext>
                   </a:extLst>
                 </a:gridCol>
                 <a:gridCol w="2090660">
                   <a:extLst>
                     <a:ext uri="{9D8B030D-6E8A-4147-A177-3AD203B41FA5}">
-                      <a16:colId xmlns:a16="http://schemas.microsoft.com/office/drawing/2014/main" xmlns="" val="20002"/>
+                      <a16:colId xmlns:a16="http://schemas.microsoft.com/office/drawing/2014/main" val="20002"/>
                     </a:ext>
                   </a:extLst>
                 </a:gridCol>
                 <a:gridCol w="2209822">
                   <a:extLst>
                     <a:ext uri="{9D8B030D-6E8A-4147-A177-3AD203B41FA5}">
-                      <a16:colId xmlns:a16="http://schemas.microsoft.com/office/drawing/2014/main" xmlns="" val="20003"/>
+                      <a16:colId xmlns:a16="http://schemas.microsoft.com/office/drawing/2014/main" val="20003"/>
                     </a:ext>
                   </a:extLst>
                 </a:gridCol>
                 <a:gridCol w="2588654">
                   <a:extLst>
                     <a:ext uri="{9D8B030D-6E8A-4147-A177-3AD203B41FA5}">
-                      <a16:colId xmlns:a16="http://schemas.microsoft.com/office/drawing/2014/main" xmlns="" val="20004"/>
+                      <a16:colId xmlns:a16="http://schemas.microsoft.com/office/drawing/2014/main" val="20004"/>
                     </a:ext>
                   </a:extLst>
                 </a:gridCol>
@@ -21579,7 +21590,7 @@
                 </a:tc>
                 <a:extLst>
                   <a:ext uri="{0D108BD9-81ED-4DB2-BD59-A6C34878D82A}">
-                    <a16:rowId xmlns:a16="http://schemas.microsoft.com/office/drawing/2014/main" xmlns="" val="10000"/>
+                    <a16:rowId xmlns:a16="http://schemas.microsoft.com/office/drawing/2014/main" val="10000"/>
                   </a:ext>
                 </a:extLst>
               </a:tr>
@@ -21648,7 +21659,7 @@
                 </a:tc>
                 <a:extLst>
                   <a:ext uri="{0D108BD9-81ED-4DB2-BD59-A6C34878D82A}">
-                    <a16:rowId xmlns:a16="http://schemas.microsoft.com/office/drawing/2014/main" xmlns="" val="10001"/>
+                    <a16:rowId xmlns:a16="http://schemas.microsoft.com/office/drawing/2014/main" val="10001"/>
                   </a:ext>
                 </a:extLst>
               </a:tr>
@@ -21737,7 +21748,7 @@
                 </a:tc>
                 <a:extLst>
                   <a:ext uri="{0D108BD9-81ED-4DB2-BD59-A6C34878D82A}">
-                    <a16:rowId xmlns:a16="http://schemas.microsoft.com/office/drawing/2014/main" xmlns="" val="10002"/>
+                    <a16:rowId xmlns:a16="http://schemas.microsoft.com/office/drawing/2014/main" val="10002"/>
                   </a:ext>
                 </a:extLst>
               </a:tr>
@@ -21826,7 +21837,7 @@
                 </a:tc>
                 <a:extLst>
                   <a:ext uri="{0D108BD9-81ED-4DB2-BD59-A6C34878D82A}">
-                    <a16:rowId xmlns:a16="http://schemas.microsoft.com/office/drawing/2014/main" xmlns="" val="10003"/>
+                    <a16:rowId xmlns:a16="http://schemas.microsoft.com/office/drawing/2014/main" val="10003"/>
                   </a:ext>
                 </a:extLst>
               </a:tr>
@@ -24274,7 +24285,7 @@
                 </a:solidFill>
                 <a:latin typeface="Bahnschrift" panose="020B0502040204020203" pitchFamily="34" charset="0"/>
               </a:rPr>
-              <a:t>Jogos Cadastrados</a:t>
+              <a:t>Jogos cadastrados</a:t>
             </a:r>
           </a:p>
         </p:txBody>
@@ -24818,10 +24829,9 @@
           <a:p>
             <a:pPr algn="ctr"/>
             <a:r>
-              <a:rPr lang="pt-BR" dirty="0" smtClean="0"/>
+              <a:rPr lang="pt-BR" dirty="0"/>
               <a:t>Apaque a Luz</a:t>
             </a:r>
-            <a:endParaRPr lang="pt-BR" dirty="0"/>
           </a:p>
         </p:txBody>
       </p:sp>
@@ -24834,7 +24844,7 @@
         <p:spPr>
           <a:xfrm>
             <a:off x="1443660" y="2216733"/>
-            <a:ext cx="5382144" cy="386367"/>
+            <a:ext cx="5838086" cy="386367"/>
           </a:xfrm>
           <a:prstGeom prst="roundRect">
             <a:avLst/>
@@ -24887,7 +24897,7 @@
           <a:lstStyle/>
           <a:p>
             <a:r>
-              <a:rPr lang="pt-BR" dirty="0" smtClean="0">
+              <a:rPr lang="pt-BR" dirty="0">
                 <a:solidFill>
                   <a:srgbClr val="447E43"/>
                 </a:solidFill>
@@ -24895,35 +24905,175 @@
               </a:rPr>
               <a:t>Quiz</a:t>
             </a:r>
-            <a:endParaRPr lang="pt-BR" dirty="0">
-              <a:solidFill>
-                <a:srgbClr val="447E43"/>
-              </a:solidFill>
-              <a:latin typeface="Bahnschrift" panose="020B0502040204020203" pitchFamily="34" charset="0"/>
-            </a:endParaRPr>
-          </a:p>
-        </p:txBody>
-      </p:sp>
-      <p:sp>
-        <p:nvSpPr>
-          <p:cNvPr id="62" name="Retângulo 61"/>
+          </a:p>
+        </p:txBody>
+      </p:sp>
+      <p:sp>
+        <p:nvSpPr>
+          <p:cNvPr id="63" name="Retângulo de cantos arredondados 62"/>
           <p:cNvSpPr/>
           <p:nvPr/>
         </p:nvSpPr>
         <p:spPr>
           <a:xfrm>
-            <a:off x="6880967" y="2216732"/>
-            <a:ext cx="388679" cy="371922"/>
+            <a:off x="1443659" y="2631936"/>
+            <a:ext cx="5838085" cy="386367"/>
+          </a:xfrm>
+          <a:prstGeom prst="roundRect">
+            <a:avLst/>
+          </a:prstGeom>
+          <a:noFill/>
+        </p:spPr>
+        <p:style>
+          <a:lnRef idx="2">
+            <a:schemeClr val="accent6"/>
+          </a:lnRef>
+          <a:fillRef idx="1">
+            <a:schemeClr val="lt1"/>
+          </a:fillRef>
+          <a:effectRef idx="0">
+            <a:schemeClr val="accent6"/>
+          </a:effectRef>
+          <a:fontRef idx="minor">
+            <a:schemeClr val="dk1"/>
+          </a:fontRef>
+        </p:style>
+        <p:txBody>
+          <a:bodyPr rtlCol="0" anchor="ctr"/>
+          <a:lstStyle/>
+          <a:p>
+            <a:pPr algn="ctr"/>
+            <a:endParaRPr lang="pt-BR"/>
+          </a:p>
+        </p:txBody>
+      </p:sp>
+      <p:sp>
+        <p:nvSpPr>
+          <p:cNvPr id="65" name="CaixaDeTexto 64"/>
+          <p:cNvSpPr txBox="1"/>
+          <p:nvPr/>
+        </p:nvSpPr>
+        <p:spPr>
+          <a:xfrm>
+            <a:off x="1462362" y="2626661"/>
+            <a:ext cx="4578359" cy="369332"/>
           </a:xfrm>
           <a:prstGeom prst="rect">
             <a:avLst/>
           </a:prstGeom>
+          <a:noFill/>
+        </p:spPr>
+        <p:txBody>
+          <a:bodyPr wrap="square" rtlCol="0">
+            <a:spAutoFit/>
+          </a:bodyPr>
+          <a:lstStyle/>
+          <a:p>
+            <a:r>
+              <a:rPr lang="pt-BR" dirty="0">
+                <a:solidFill>
+                  <a:srgbClr val="447E43"/>
+                </a:solidFill>
+                <a:latin typeface="Bahnschrift" panose="020B0502040204020203" pitchFamily="34" charset="0"/>
+              </a:rPr>
+              <a:t>Jogo da memória</a:t>
+            </a:r>
+          </a:p>
+        </p:txBody>
+      </p:sp>
+      <p:sp>
+        <p:nvSpPr>
+          <p:cNvPr id="66" name="Retângulo de cantos arredondados 65"/>
+          <p:cNvSpPr/>
+          <p:nvPr/>
+        </p:nvSpPr>
+        <p:spPr>
+          <a:xfrm>
+            <a:off x="1443660" y="3067508"/>
+            <a:ext cx="5838084" cy="386367"/>
+          </a:xfrm>
+          <a:prstGeom prst="roundRect">
+            <a:avLst/>
+          </a:prstGeom>
+          <a:noFill/>
+        </p:spPr>
+        <p:style>
+          <a:lnRef idx="2">
+            <a:schemeClr val="accent6"/>
+          </a:lnRef>
+          <a:fillRef idx="1">
+            <a:schemeClr val="lt1"/>
+          </a:fillRef>
+          <a:effectRef idx="0">
+            <a:schemeClr val="accent6"/>
+          </a:effectRef>
+          <a:fontRef idx="minor">
+            <a:schemeClr val="dk1"/>
+          </a:fontRef>
+        </p:style>
+        <p:txBody>
+          <a:bodyPr rtlCol="0" anchor="ctr"/>
+          <a:lstStyle/>
+          <a:p>
+            <a:pPr algn="ctr"/>
+            <a:endParaRPr lang="pt-BR"/>
+          </a:p>
+        </p:txBody>
+      </p:sp>
+      <p:sp>
+        <p:nvSpPr>
+          <p:cNvPr id="68" name="CaixaDeTexto 67"/>
+          <p:cNvSpPr txBox="1"/>
+          <p:nvPr/>
+        </p:nvSpPr>
+        <p:spPr>
+          <a:xfrm>
+            <a:off x="1462362" y="3062233"/>
+            <a:ext cx="4578359" cy="369332"/>
+          </a:xfrm>
+          <a:prstGeom prst="rect">
+            <a:avLst/>
+          </a:prstGeom>
+          <a:noFill/>
+        </p:spPr>
+        <p:txBody>
+          <a:bodyPr wrap="square" rtlCol="0">
+            <a:spAutoFit/>
+          </a:bodyPr>
+          <a:lstStyle/>
+          <a:p>
+            <a:r>
+              <a:rPr lang="pt-BR" dirty="0">
+                <a:solidFill>
+                  <a:srgbClr val="447E43"/>
+                </a:solidFill>
+                <a:latin typeface="Bahnschrift" panose="020B0502040204020203" pitchFamily="34" charset="0"/>
+              </a:rPr>
+              <a:t>Apague a luz</a:t>
+            </a:r>
+          </a:p>
+        </p:txBody>
+      </p:sp>
+      <p:sp>
+        <p:nvSpPr>
+          <p:cNvPr id="46" name="Retângulo 45"/>
+          <p:cNvSpPr/>
+          <p:nvPr/>
+        </p:nvSpPr>
+        <p:spPr>
+          <a:xfrm>
+            <a:off x="5461686" y="5488650"/>
+            <a:ext cx="1724725" cy="399022"/>
+          </a:xfrm>
+          <a:prstGeom prst="rect">
+            <a:avLst/>
+          </a:prstGeom>
           <a:solidFill>
-            <a:srgbClr val="FF0000"/>
+            <a:srgbClr val="73D54A"/>
           </a:solidFill>
           <a:ln>
             <a:solidFill>
-              <a:srgbClr val="FF0000"/>
+              <a:srgbClr val="73D54A"/>
             </a:solidFill>
           </a:ln>
           <a:effectLst>
@@ -24957,71 +25107,32 @@
           <a:p>
             <a:pPr algn="ctr"/>
             <a:r>
-              <a:rPr lang="pt-BR" sz="2800" b="1" dirty="0"/>
-              <a:t>x</a:t>
+              <a:rPr lang="pt-BR" dirty="0"/>
+              <a:t>Iniciar rodada</a:t>
             </a:r>
           </a:p>
         </p:txBody>
       </p:sp>
       <p:sp>
         <p:nvSpPr>
-          <p:cNvPr id="63" name="Retângulo de cantos arredondados 62"/>
+          <p:cNvPr id="70" name="Retângulo 69"/>
           <p:cNvSpPr/>
           <p:nvPr/>
         </p:nvSpPr>
         <p:spPr>
           <a:xfrm>
-            <a:off x="1443660" y="2631936"/>
-            <a:ext cx="5382144" cy="386367"/>
-          </a:xfrm>
-          <a:prstGeom prst="roundRect">
-            <a:avLst/>
-          </a:prstGeom>
-          <a:noFill/>
-        </p:spPr>
-        <p:style>
-          <a:lnRef idx="2">
-            <a:schemeClr val="accent6"/>
-          </a:lnRef>
-          <a:fillRef idx="1">
-            <a:schemeClr val="lt1"/>
-          </a:fillRef>
-          <a:effectRef idx="0">
-            <a:schemeClr val="accent6"/>
-          </a:effectRef>
-          <a:fontRef idx="minor">
-            <a:schemeClr val="dk1"/>
-          </a:fontRef>
-        </p:style>
-        <p:txBody>
-          <a:bodyPr rtlCol="0" anchor="ctr"/>
-          <a:lstStyle/>
-          <a:p>
-            <a:pPr algn="ctr"/>
-            <a:endParaRPr lang="pt-BR"/>
-          </a:p>
-        </p:txBody>
-      </p:sp>
-      <p:sp>
-        <p:nvSpPr>
-          <p:cNvPr id="64" name="Retângulo 63"/>
-          <p:cNvSpPr/>
-          <p:nvPr/>
-        </p:nvSpPr>
-        <p:spPr>
-          <a:xfrm>
-            <a:off x="6880797" y="2651741"/>
-            <a:ext cx="388679" cy="371922"/>
+            <a:off x="8162399" y="2204078"/>
+            <a:ext cx="2057243" cy="399022"/>
           </a:xfrm>
           <a:prstGeom prst="rect">
             <a:avLst/>
           </a:prstGeom>
           <a:solidFill>
-            <a:srgbClr val="FF0000"/>
+            <a:srgbClr val="73D54A"/>
           </a:solidFill>
           <a:ln>
             <a:solidFill>
-              <a:srgbClr val="FF0000"/>
+              <a:srgbClr val="73D54A"/>
             </a:solidFill>
           </a:ln>
           <a:effectLst>
@@ -25055,111 +25166,32 @@
           <a:p>
             <a:pPr algn="ctr"/>
             <a:r>
-              <a:rPr lang="pt-BR" sz="2800" b="1" dirty="0"/>
-              <a:t>x</a:t>
+              <a:rPr lang="pt-BR" dirty="0"/>
+              <a:t>Adicionar perguntas</a:t>
             </a:r>
           </a:p>
         </p:txBody>
       </p:sp>
       <p:sp>
         <p:nvSpPr>
-          <p:cNvPr id="65" name="CaixaDeTexto 64"/>
-          <p:cNvSpPr txBox="1"/>
-          <p:nvPr/>
-        </p:nvSpPr>
-        <p:spPr>
-          <a:xfrm>
-            <a:off x="1462362" y="2626661"/>
-            <a:ext cx="4578359" cy="369332"/>
+          <p:cNvPr id="72" name="Retângulo 71"/>
+          <p:cNvSpPr/>
+          <p:nvPr/>
+        </p:nvSpPr>
+        <p:spPr>
+          <a:xfrm>
+            <a:off x="7961454" y="3904181"/>
+            <a:ext cx="2462837" cy="517732"/>
           </a:xfrm>
           <a:prstGeom prst="rect">
             <a:avLst/>
           </a:prstGeom>
-          <a:noFill/>
-        </p:spPr>
-        <p:txBody>
-          <a:bodyPr wrap="square" rtlCol="0">
-            <a:spAutoFit/>
-          </a:bodyPr>
-          <a:lstStyle/>
-          <a:p>
-            <a:r>
-              <a:rPr lang="pt-BR" dirty="0" smtClean="0">
-                <a:solidFill>
-                  <a:srgbClr val="447E43"/>
-                </a:solidFill>
-                <a:latin typeface="Bahnschrift" panose="020B0502040204020203" pitchFamily="34" charset="0"/>
-              </a:rPr>
-              <a:t>Jogo da memória</a:t>
-            </a:r>
-            <a:endParaRPr lang="pt-BR" dirty="0">
-              <a:solidFill>
-                <a:srgbClr val="447E43"/>
-              </a:solidFill>
-              <a:latin typeface="Bahnschrift" panose="020B0502040204020203" pitchFamily="34" charset="0"/>
-            </a:endParaRPr>
-          </a:p>
-        </p:txBody>
-      </p:sp>
-      <p:sp>
-        <p:nvSpPr>
-          <p:cNvPr id="66" name="Retângulo de cantos arredondados 65"/>
-          <p:cNvSpPr/>
-          <p:nvPr/>
-        </p:nvSpPr>
-        <p:spPr>
-          <a:xfrm>
-            <a:off x="1443660" y="3067508"/>
-            <a:ext cx="5382144" cy="386367"/>
-          </a:xfrm>
-          <a:prstGeom prst="roundRect">
-            <a:avLst/>
-          </a:prstGeom>
-          <a:noFill/>
-        </p:spPr>
-        <p:style>
-          <a:lnRef idx="2">
-            <a:schemeClr val="accent6"/>
-          </a:lnRef>
-          <a:fillRef idx="1">
-            <a:schemeClr val="lt1"/>
-          </a:fillRef>
-          <a:effectRef idx="0">
-            <a:schemeClr val="accent6"/>
-          </a:effectRef>
-          <a:fontRef idx="minor">
-            <a:schemeClr val="dk1"/>
-          </a:fontRef>
-        </p:style>
-        <p:txBody>
-          <a:bodyPr rtlCol="0" anchor="ctr"/>
-          <a:lstStyle/>
-          <a:p>
-            <a:pPr algn="ctr"/>
-            <a:endParaRPr lang="pt-BR"/>
-          </a:p>
-        </p:txBody>
-      </p:sp>
-      <p:sp>
-        <p:nvSpPr>
-          <p:cNvPr id="67" name="Retângulo 66"/>
-          <p:cNvSpPr/>
-          <p:nvPr/>
-        </p:nvSpPr>
-        <p:spPr>
-          <a:xfrm>
-            <a:off x="6880797" y="3087313"/>
-            <a:ext cx="388679" cy="371922"/>
-          </a:xfrm>
-          <a:prstGeom prst="rect">
-            <a:avLst/>
-          </a:prstGeom>
           <a:solidFill>
-            <a:srgbClr val="FF0000"/>
+            <a:srgbClr val="73D54A"/>
           </a:solidFill>
           <a:ln>
             <a:solidFill>
-              <a:srgbClr val="FF0000"/>
+              <a:srgbClr val="73D54A"/>
             </a:solidFill>
           </a:ln>
           <a:effectLst>
@@ -25193,62 +25225,22 @@
           <a:p>
             <a:pPr algn="ctr"/>
             <a:r>
-              <a:rPr lang="pt-BR" sz="2800" b="1" dirty="0"/>
-              <a:t>x</a:t>
+              <a:rPr lang="pt-BR" dirty="0"/>
+              <a:t>Adicionar Jogo da Memória</a:t>
             </a:r>
           </a:p>
         </p:txBody>
       </p:sp>
       <p:sp>
         <p:nvSpPr>
-          <p:cNvPr id="68" name="CaixaDeTexto 67"/>
-          <p:cNvSpPr txBox="1"/>
-          <p:nvPr/>
-        </p:nvSpPr>
-        <p:spPr>
-          <a:xfrm>
-            <a:off x="1462362" y="3062233"/>
-            <a:ext cx="4578359" cy="369332"/>
-          </a:xfrm>
-          <a:prstGeom prst="rect">
-            <a:avLst/>
-          </a:prstGeom>
-          <a:noFill/>
-        </p:spPr>
-        <p:txBody>
-          <a:bodyPr wrap="square" rtlCol="0">
-            <a:spAutoFit/>
-          </a:bodyPr>
-          <a:lstStyle/>
-          <a:p>
-            <a:r>
-              <a:rPr lang="pt-BR" dirty="0" smtClean="0">
-                <a:solidFill>
-                  <a:srgbClr val="447E43"/>
-                </a:solidFill>
-                <a:latin typeface="Bahnschrift" panose="020B0502040204020203" pitchFamily="34" charset="0"/>
-              </a:rPr>
-              <a:t>Acerte o alvo</a:t>
-            </a:r>
-            <a:endParaRPr lang="pt-BR" dirty="0">
-              <a:solidFill>
-                <a:srgbClr val="447E43"/>
-              </a:solidFill>
-              <a:latin typeface="Bahnschrift" panose="020B0502040204020203" pitchFamily="34" charset="0"/>
-            </a:endParaRPr>
-          </a:p>
-        </p:txBody>
-      </p:sp>
-      <p:sp>
-        <p:nvSpPr>
-          <p:cNvPr id="46" name="Retângulo 45"/>
+          <p:cNvPr id="73" name="Retângulo 72"/>
           <p:cNvSpPr/>
           <p:nvPr/>
         </p:nvSpPr>
         <p:spPr>
           <a:xfrm>
-            <a:off x="5461686" y="5488650"/>
-            <a:ext cx="1724725" cy="399022"/>
+            <a:off x="7961454" y="5377029"/>
+            <a:ext cx="2459134" cy="399022"/>
           </a:xfrm>
           <a:prstGeom prst="rect">
             <a:avLst/>
@@ -25292,23 +25284,28 @@
           <a:p>
             <a:pPr algn="ctr"/>
             <a:r>
-              <a:rPr lang="pt-BR" dirty="0" smtClean="0"/>
-              <a:t>Iniciar rodada</a:t>
+              <a:rPr lang="pt-BR" dirty="0"/>
+              <a:t>Adicionar Apague a Luz</a:t>
             </a:r>
-            <a:endParaRPr lang="pt-BR" dirty="0"/>
-          </a:p>
-        </p:txBody>
-      </p:sp>
-      <p:sp>
-        <p:nvSpPr>
-          <p:cNvPr id="70" name="Retângulo 69"/>
+          </a:p>
+        </p:txBody>
+      </p:sp>
+      <p:sp>
+        <p:nvSpPr>
+          <p:cNvPr id="35" name="Retângulo 34">
+            <a:extLst>
+              <a:ext uri="{FF2B5EF4-FFF2-40B4-BE49-F238E27FC236}">
+                <a16:creationId xmlns:a16="http://schemas.microsoft.com/office/drawing/2014/main" id="{579B470E-A950-473D-9224-F36D0EB57231}"/>
+              </a:ext>
+            </a:extLst>
+          </p:cNvPr>
           <p:cNvSpPr/>
           <p:nvPr/>
         </p:nvSpPr>
         <p:spPr>
           <a:xfrm>
-            <a:off x="8230963" y="2128096"/>
-            <a:ext cx="2057243" cy="399022"/>
+            <a:off x="1462362" y="5289211"/>
+            <a:ext cx="1724725" cy="596570"/>
           </a:xfrm>
           <a:prstGeom prst="rect">
             <a:avLst/>
@@ -25352,130 +25349,9 @@
           <a:p>
             <a:pPr algn="ctr"/>
             <a:r>
-              <a:rPr lang="pt-BR" dirty="0" smtClean="0"/>
-              <a:t>Escolher pergunta</a:t>
+              <a:rPr lang="pt-BR" dirty="0"/>
+              <a:t>Remover último jogo</a:t>
             </a:r>
-            <a:endParaRPr lang="pt-BR" dirty="0"/>
-          </a:p>
-        </p:txBody>
-      </p:sp>
-      <p:sp>
-        <p:nvSpPr>
-          <p:cNvPr id="72" name="Retângulo 71"/>
-          <p:cNvSpPr/>
-          <p:nvPr/>
-        </p:nvSpPr>
-        <p:spPr>
-          <a:xfrm>
-            <a:off x="7957751" y="3856560"/>
-            <a:ext cx="2462837" cy="517732"/>
-          </a:xfrm>
-          <a:prstGeom prst="rect">
-            <a:avLst/>
-          </a:prstGeom>
-          <a:solidFill>
-            <a:srgbClr val="73D54A"/>
-          </a:solidFill>
-          <a:ln>
-            <a:solidFill>
-              <a:srgbClr val="73D54A"/>
-            </a:solidFill>
-          </a:ln>
-          <a:effectLst>
-            <a:outerShdw blurRad="50800" dist="38100" dir="2700000" algn="tl" rotWithShape="0">
-              <a:prstClr val="black">
-                <a:alpha val="40000"/>
-              </a:prstClr>
-            </a:outerShdw>
-            <a:softEdge rad="0"/>
-          </a:effectLst>
-        </p:spPr>
-        <p:style>
-          <a:lnRef idx="2">
-            <a:schemeClr val="accent1">
-              <a:shade val="50000"/>
-            </a:schemeClr>
-          </a:lnRef>
-          <a:fillRef idx="1">
-            <a:schemeClr val="accent1"/>
-          </a:fillRef>
-          <a:effectRef idx="0">
-            <a:schemeClr val="accent1"/>
-          </a:effectRef>
-          <a:fontRef idx="minor">
-            <a:schemeClr val="lt1"/>
-          </a:fontRef>
-        </p:style>
-        <p:txBody>
-          <a:bodyPr rtlCol="0" anchor="ctr"/>
-          <a:lstStyle/>
-          <a:p>
-            <a:pPr algn="ctr"/>
-            <a:r>
-              <a:rPr lang="pt-BR" dirty="0" smtClean="0"/>
-              <a:t>Adicionar Jogo da Memória</a:t>
-            </a:r>
-            <a:endParaRPr lang="pt-BR" dirty="0"/>
-          </a:p>
-        </p:txBody>
-      </p:sp>
-      <p:sp>
-        <p:nvSpPr>
-          <p:cNvPr id="73" name="Retângulo 72"/>
-          <p:cNvSpPr/>
-          <p:nvPr/>
-        </p:nvSpPr>
-        <p:spPr>
-          <a:xfrm>
-            <a:off x="7961454" y="5289211"/>
-            <a:ext cx="2459134" cy="399022"/>
-          </a:xfrm>
-          <a:prstGeom prst="rect">
-            <a:avLst/>
-          </a:prstGeom>
-          <a:solidFill>
-            <a:srgbClr val="73D54A"/>
-          </a:solidFill>
-          <a:ln>
-            <a:solidFill>
-              <a:srgbClr val="73D54A"/>
-            </a:solidFill>
-          </a:ln>
-          <a:effectLst>
-            <a:outerShdw blurRad="50800" dist="38100" dir="2700000" algn="tl" rotWithShape="0">
-              <a:prstClr val="black">
-                <a:alpha val="40000"/>
-              </a:prstClr>
-            </a:outerShdw>
-            <a:softEdge rad="0"/>
-          </a:effectLst>
-        </p:spPr>
-        <p:style>
-          <a:lnRef idx="2">
-            <a:schemeClr val="accent1">
-              <a:shade val="50000"/>
-            </a:schemeClr>
-          </a:lnRef>
-          <a:fillRef idx="1">
-            <a:schemeClr val="accent1"/>
-          </a:fillRef>
-          <a:effectRef idx="0">
-            <a:schemeClr val="accent1"/>
-          </a:effectRef>
-          <a:fontRef idx="minor">
-            <a:schemeClr val="lt1"/>
-          </a:fontRef>
-        </p:style>
-        <p:txBody>
-          <a:bodyPr rtlCol="0" anchor="ctr"/>
-          <a:lstStyle/>
-          <a:p>
-            <a:pPr algn="ctr"/>
-            <a:r>
-              <a:rPr lang="pt-BR" dirty="0" smtClean="0"/>
-              <a:t>Adicionar Apague a Luz</a:t>
-            </a:r>
-            <a:endParaRPr lang="pt-BR" dirty="0"/>
           </a:p>
         </p:txBody>
       </p:sp>
@@ -25528,13 +25404,8 @@
           <a:p>
             <a:r>
               <a:rPr lang="pt-BR" sz="3200" dirty="0"/>
-              <a:t>Tabela de Elementos – Tela </a:t>
+              <a:t>Tabela de Elementos – Tela Nova Rodada</a:t>
             </a:r>
-            <a:r>
-              <a:rPr lang="pt-BR" sz="3200" dirty="0" smtClean="0"/>
-              <a:t>Nova Rodada</a:t>
-            </a:r>
-            <a:endParaRPr lang="pt-BR" sz="3200" dirty="0"/>
           </a:p>
         </p:txBody>
       </p:sp>
@@ -25567,35 +25438,35 @@
                 <a:gridCol w="569322">
                   <a:extLst>
                     <a:ext uri="{9D8B030D-6E8A-4147-A177-3AD203B41FA5}">
-                      <a16:colId xmlns:a16="http://schemas.microsoft.com/office/drawing/2014/main" xmlns="" val="20000"/>
+                      <a16:colId xmlns:a16="http://schemas.microsoft.com/office/drawing/2014/main" val="20000"/>
                     </a:ext>
                   </a:extLst>
                 </a:gridCol>
                 <a:gridCol w="1629692">
                   <a:extLst>
                     <a:ext uri="{9D8B030D-6E8A-4147-A177-3AD203B41FA5}">
-                      <a16:colId xmlns:a16="http://schemas.microsoft.com/office/drawing/2014/main" xmlns="" val="20001"/>
+                      <a16:colId xmlns:a16="http://schemas.microsoft.com/office/drawing/2014/main" val="20001"/>
                     </a:ext>
                   </a:extLst>
                 </a:gridCol>
                 <a:gridCol w="1742084">
                   <a:extLst>
                     <a:ext uri="{9D8B030D-6E8A-4147-A177-3AD203B41FA5}">
-                      <a16:colId xmlns:a16="http://schemas.microsoft.com/office/drawing/2014/main" xmlns="" val="20002"/>
+                      <a16:colId xmlns:a16="http://schemas.microsoft.com/office/drawing/2014/main" val="20002"/>
                     </a:ext>
                   </a:extLst>
                 </a:gridCol>
                 <a:gridCol w="2942571">
                   <a:extLst>
                     <a:ext uri="{9D8B030D-6E8A-4147-A177-3AD203B41FA5}">
-                      <a16:colId xmlns:a16="http://schemas.microsoft.com/office/drawing/2014/main" xmlns="" val="20003"/>
+                      <a16:colId xmlns:a16="http://schemas.microsoft.com/office/drawing/2014/main" val="20003"/>
                     </a:ext>
                   </a:extLst>
                 </a:gridCol>
                 <a:gridCol w="2285016">
                   <a:extLst>
                     <a:ext uri="{9D8B030D-6E8A-4147-A177-3AD203B41FA5}">
-                      <a16:colId xmlns:a16="http://schemas.microsoft.com/office/drawing/2014/main" xmlns="" val="20004"/>
+                      <a16:colId xmlns:a16="http://schemas.microsoft.com/office/drawing/2014/main" val="20004"/>
                     </a:ext>
                   </a:extLst>
                 </a:gridCol>
@@ -25665,7 +25536,7 @@
                 </a:tc>
                 <a:extLst>
                   <a:ext uri="{0D108BD9-81ED-4DB2-BD59-A6C34878D82A}">
-                    <a16:rowId xmlns:a16="http://schemas.microsoft.com/office/drawing/2014/main" xmlns="" val="10000"/>
+                    <a16:rowId xmlns:a16="http://schemas.microsoft.com/office/drawing/2014/main" val="10000"/>
                   </a:ext>
                 </a:extLst>
               </a:tr>
@@ -25739,7 +25610,7 @@
                 </a:tc>
                 <a:extLst>
                   <a:ext uri="{0D108BD9-81ED-4DB2-BD59-A6C34878D82A}">
-                    <a16:rowId xmlns:a16="http://schemas.microsoft.com/office/drawing/2014/main" xmlns="" val="10001"/>
+                    <a16:rowId xmlns:a16="http://schemas.microsoft.com/office/drawing/2014/main" val="10001"/>
                   </a:ext>
                 </a:extLst>
               </a:tr>
@@ -25816,7 +25687,7 @@
                 </a:tc>
                 <a:extLst>
                   <a:ext uri="{0D108BD9-81ED-4DB2-BD59-A6C34878D82A}">
-                    <a16:rowId xmlns:a16="http://schemas.microsoft.com/office/drawing/2014/main" xmlns="" val="10002"/>
+                    <a16:rowId xmlns:a16="http://schemas.microsoft.com/office/drawing/2014/main" val="10002"/>
                   </a:ext>
                 </a:extLst>
               </a:tr>
@@ -25885,7 +25756,7 @@
                 </a:tc>
                 <a:extLst>
                   <a:ext uri="{0D108BD9-81ED-4DB2-BD59-A6C34878D82A}">
-                    <a16:rowId xmlns:a16="http://schemas.microsoft.com/office/drawing/2014/main" xmlns="" val="10003"/>
+                    <a16:rowId xmlns:a16="http://schemas.microsoft.com/office/drawing/2014/main" val="10003"/>
                   </a:ext>
                 </a:extLst>
               </a:tr>
@@ -25959,7 +25830,7 @@
                 </a:tc>
                 <a:extLst>
                   <a:ext uri="{0D108BD9-81ED-4DB2-BD59-A6C34878D82A}">
-                    <a16:rowId xmlns:a16="http://schemas.microsoft.com/office/drawing/2014/main" xmlns="" val="10004"/>
+                    <a16:rowId xmlns:a16="http://schemas.microsoft.com/office/drawing/2014/main" val="10004"/>
                   </a:ext>
                 </a:extLst>
               </a:tr>
@@ -26002,7 +25873,7 @@
           <p:cNvPr id="28" name="Retângulo 27">
             <a:extLst>
               <a:ext uri="{FF2B5EF4-FFF2-40B4-BE49-F238E27FC236}">
-                <a16:creationId xmlns:a16="http://schemas.microsoft.com/office/drawing/2014/main" xmlns="" id="{5F32A0B6-C48F-43EE-A5D8-7308B54BD125}"/>
+                <a16:creationId xmlns:a16="http://schemas.microsoft.com/office/drawing/2014/main" id="{5F32A0B6-C48F-43EE-A5D8-7308B54BD125}"/>
               </a:ext>
             </a:extLst>
           </p:cNvPr>
@@ -26060,7 +25931,7 @@
           <p:cNvPr id="29" name="Imagem 28">
             <a:extLst>
               <a:ext uri="{FF2B5EF4-FFF2-40B4-BE49-F238E27FC236}">
-                <a16:creationId xmlns:a16="http://schemas.microsoft.com/office/drawing/2014/main" xmlns="" id="{FB65D69D-FD79-4510-9B62-EF95225475B4}"/>
+                <a16:creationId xmlns:a16="http://schemas.microsoft.com/office/drawing/2014/main" id="{FB65D69D-FD79-4510-9B62-EF95225475B4}"/>
               </a:ext>
             </a:extLst>
           </p:cNvPr>
@@ -26095,7 +25966,7 @@
           <p:cNvPr id="30" name="Retângulo 29">
             <a:extLst>
               <a:ext uri="{FF2B5EF4-FFF2-40B4-BE49-F238E27FC236}">
-                <a16:creationId xmlns:a16="http://schemas.microsoft.com/office/drawing/2014/main" xmlns="" id="{69F39E0A-ADF3-4786-AADD-1590DEF8ACD5}"/>
+                <a16:creationId xmlns:a16="http://schemas.microsoft.com/office/drawing/2014/main" id="{69F39E0A-ADF3-4786-AADD-1590DEF8ACD5}"/>
               </a:ext>
             </a:extLst>
           </p:cNvPr>
@@ -26149,7 +26020,7 @@
           <p:cNvPr id="31" name="Retângulo de cantos arredondados 15">
             <a:extLst>
               <a:ext uri="{FF2B5EF4-FFF2-40B4-BE49-F238E27FC236}">
-                <a16:creationId xmlns:a16="http://schemas.microsoft.com/office/drawing/2014/main" xmlns="" id="{A8F89069-7CD4-49CA-8349-13E28CB0199B}"/>
+                <a16:creationId xmlns:a16="http://schemas.microsoft.com/office/drawing/2014/main" id="{A8F89069-7CD4-49CA-8349-13E28CB0199B}"/>
               </a:ext>
             </a:extLst>
           </p:cNvPr>
@@ -26196,7 +26067,7 @@
           <p:cNvPr id="32" name="Retângulo 31">
             <a:extLst>
               <a:ext uri="{FF2B5EF4-FFF2-40B4-BE49-F238E27FC236}">
-                <a16:creationId xmlns:a16="http://schemas.microsoft.com/office/drawing/2014/main" xmlns="" id="{FB98B605-AF2E-47B3-A046-9DBA0B0C6DF0}"/>
+                <a16:creationId xmlns:a16="http://schemas.microsoft.com/office/drawing/2014/main" id="{FB98B605-AF2E-47B3-A046-9DBA0B0C6DF0}"/>
               </a:ext>
             </a:extLst>
           </p:cNvPr>
@@ -26265,7 +26136,7 @@
           <p:cNvPr id="33" name="Retângulo 32">
             <a:extLst>
               <a:ext uri="{FF2B5EF4-FFF2-40B4-BE49-F238E27FC236}">
-                <a16:creationId xmlns:a16="http://schemas.microsoft.com/office/drawing/2014/main" xmlns="" id="{C58BEB00-D0CF-4119-A679-797E80547B05}"/>
+                <a16:creationId xmlns:a16="http://schemas.microsoft.com/office/drawing/2014/main" id="{C58BEB00-D0CF-4119-A679-797E80547B05}"/>
               </a:ext>
             </a:extLst>
           </p:cNvPr>
@@ -26334,7 +26205,7 @@
           <p:cNvPr id="34" name="Retângulo 33">
             <a:extLst>
               <a:ext uri="{FF2B5EF4-FFF2-40B4-BE49-F238E27FC236}">
-                <a16:creationId xmlns:a16="http://schemas.microsoft.com/office/drawing/2014/main" xmlns="" id="{B89DBC78-F9B4-4606-9E15-BA606BC8461C}"/>
+                <a16:creationId xmlns:a16="http://schemas.microsoft.com/office/drawing/2014/main" id="{B89DBC78-F9B4-4606-9E15-BA606BC8461C}"/>
               </a:ext>
             </a:extLst>
           </p:cNvPr>
@@ -26403,7 +26274,7 @@
           <p:cNvPr id="35" name="Retângulo 34">
             <a:extLst>
               <a:ext uri="{FF2B5EF4-FFF2-40B4-BE49-F238E27FC236}">
-                <a16:creationId xmlns:a16="http://schemas.microsoft.com/office/drawing/2014/main" xmlns="" id="{0B9D6A87-571A-41B7-8B3A-068B4D3A1265}"/>
+                <a16:creationId xmlns:a16="http://schemas.microsoft.com/office/drawing/2014/main" id="{0B9D6A87-571A-41B7-8B3A-068B4D3A1265}"/>
               </a:ext>
             </a:extLst>
           </p:cNvPr>
@@ -26472,7 +26343,7 @@
           <p:cNvPr id="36" name="CaixaDeTexto 35">
             <a:extLst>
               <a:ext uri="{FF2B5EF4-FFF2-40B4-BE49-F238E27FC236}">
-                <a16:creationId xmlns:a16="http://schemas.microsoft.com/office/drawing/2014/main" xmlns="" id="{37A1CC55-461A-40B6-BDC2-2D9791E94584}"/>
+                <a16:creationId xmlns:a16="http://schemas.microsoft.com/office/drawing/2014/main" id="{37A1CC55-461A-40B6-BDC2-2D9791E94584}"/>
               </a:ext>
             </a:extLst>
           </p:cNvPr>
@@ -26512,7 +26383,7 @@
           <p:cNvPr id="37" name="Retângulo de cantos arredondados 12">
             <a:extLst>
               <a:ext uri="{FF2B5EF4-FFF2-40B4-BE49-F238E27FC236}">
-                <a16:creationId xmlns:a16="http://schemas.microsoft.com/office/drawing/2014/main" xmlns="" id="{152A2D14-D488-49A7-9950-4E3295F94DFB}"/>
+                <a16:creationId xmlns:a16="http://schemas.microsoft.com/office/drawing/2014/main" id="{152A2D14-D488-49A7-9950-4E3295F94DFB}"/>
               </a:ext>
             </a:extLst>
           </p:cNvPr>
@@ -26575,7 +26446,7 @@
           <p:cNvPr id="38" name="Imagem 37">
             <a:extLst>
               <a:ext uri="{FF2B5EF4-FFF2-40B4-BE49-F238E27FC236}">
-                <a16:creationId xmlns:a16="http://schemas.microsoft.com/office/drawing/2014/main" xmlns="" id="{F2BF6BE9-45DE-458A-9408-5C7903B7295F}"/>
+                <a16:creationId xmlns:a16="http://schemas.microsoft.com/office/drawing/2014/main" id="{F2BF6BE9-45DE-458A-9408-5C7903B7295F}"/>
               </a:ext>
             </a:extLst>
           </p:cNvPr>
@@ -26624,7 +26495,7 @@
           <p:cNvPr id="39" name="Imagem 38">
             <a:extLst>
               <a:ext uri="{FF2B5EF4-FFF2-40B4-BE49-F238E27FC236}">
-                <a16:creationId xmlns:a16="http://schemas.microsoft.com/office/drawing/2014/main" xmlns="" id="{D89D9DA9-AD65-4970-90D0-0D6997AF6D21}"/>
+                <a16:creationId xmlns:a16="http://schemas.microsoft.com/office/drawing/2014/main" id="{D89D9DA9-AD65-4970-90D0-0D6997AF6D21}"/>
               </a:ext>
             </a:extLst>
           </p:cNvPr>
@@ -26667,7 +26538,7 @@
           <p:cNvPr id="41" name="Imagem 40">
             <a:extLst>
               <a:ext uri="{FF2B5EF4-FFF2-40B4-BE49-F238E27FC236}">
-                <a16:creationId xmlns:a16="http://schemas.microsoft.com/office/drawing/2014/main" xmlns="" id="{CEA260CB-8F16-4F6F-B5F3-2A53C9DA9FF2}"/>
+                <a16:creationId xmlns:a16="http://schemas.microsoft.com/office/drawing/2014/main" id="{CEA260CB-8F16-4F6F-B5F3-2A53C9DA9FF2}"/>
               </a:ext>
             </a:extLst>
           </p:cNvPr>
@@ -26705,40 +26576,6 @@
           </a:prstGeom>
         </p:spPr>
       </p:pic>
-      <p:sp>
-        <p:nvSpPr>
-          <p:cNvPr id="40" name="CaixaDeTexto 39"/>
-          <p:cNvSpPr txBox="1"/>
-          <p:nvPr/>
-        </p:nvSpPr>
-        <p:spPr>
-          <a:xfrm>
-            <a:off x="1577068" y="505291"/>
-            <a:ext cx="4578359" cy="646331"/>
-          </a:xfrm>
-          <a:prstGeom prst="rect">
-            <a:avLst/>
-          </a:prstGeom>
-          <a:noFill/>
-        </p:spPr>
-        <p:txBody>
-          <a:bodyPr wrap="square" rtlCol="0">
-            <a:spAutoFit/>
-          </a:bodyPr>
-          <a:lstStyle/>
-          <a:p>
-            <a:r>
-              <a:rPr lang="pt-BR" sz="3600" dirty="0">
-                <a:solidFill>
-                  <a:schemeClr val="bg1"/>
-                </a:solidFill>
-                <a:latin typeface="Bahnschrift" panose="020B0502040204020203" pitchFamily="34" charset="0"/>
-              </a:rPr>
-              <a:t>Salas</a:t>
-            </a:r>
-          </a:p>
-        </p:txBody>
-      </p:sp>
       <p:sp>
         <p:nvSpPr>
           <p:cNvPr id="22" name="Retângulo de cantos arredondados 21"/>
@@ -27043,35 +26880,35 @@
                 <a:gridCol w="586838">
                   <a:extLst>
                     <a:ext uri="{9D8B030D-6E8A-4147-A177-3AD203B41FA5}">
-                      <a16:colId xmlns:a16="http://schemas.microsoft.com/office/drawing/2014/main" xmlns="" val="20000"/>
+                      <a16:colId xmlns:a16="http://schemas.microsoft.com/office/drawing/2014/main" val="20000"/>
                     </a:ext>
                   </a:extLst>
                 </a:gridCol>
                 <a:gridCol w="1679832">
                   <a:extLst>
                     <a:ext uri="{9D8B030D-6E8A-4147-A177-3AD203B41FA5}">
-                      <a16:colId xmlns:a16="http://schemas.microsoft.com/office/drawing/2014/main" xmlns="" val="20001"/>
+                      <a16:colId xmlns:a16="http://schemas.microsoft.com/office/drawing/2014/main" val="20001"/>
                     </a:ext>
                   </a:extLst>
                 </a:gridCol>
                 <a:gridCol w="2090660">
                   <a:extLst>
                     <a:ext uri="{9D8B030D-6E8A-4147-A177-3AD203B41FA5}">
-                      <a16:colId xmlns:a16="http://schemas.microsoft.com/office/drawing/2014/main" xmlns="" val="20002"/>
+                      <a16:colId xmlns:a16="http://schemas.microsoft.com/office/drawing/2014/main" val="20002"/>
                     </a:ext>
                   </a:extLst>
                 </a:gridCol>
                 <a:gridCol w="2209822">
                   <a:extLst>
                     <a:ext uri="{9D8B030D-6E8A-4147-A177-3AD203B41FA5}">
-                      <a16:colId xmlns:a16="http://schemas.microsoft.com/office/drawing/2014/main" xmlns="" val="20003"/>
+                      <a16:colId xmlns:a16="http://schemas.microsoft.com/office/drawing/2014/main" val="20003"/>
                     </a:ext>
                   </a:extLst>
                 </a:gridCol>
                 <a:gridCol w="2588654">
                   <a:extLst>
                     <a:ext uri="{9D8B030D-6E8A-4147-A177-3AD203B41FA5}">
-                      <a16:colId xmlns:a16="http://schemas.microsoft.com/office/drawing/2014/main" xmlns="" val="20004"/>
+                      <a16:colId xmlns:a16="http://schemas.microsoft.com/office/drawing/2014/main" val="20004"/>
                     </a:ext>
                   </a:extLst>
                 </a:gridCol>
@@ -27141,7 +26978,7 @@
                 </a:tc>
                 <a:extLst>
                   <a:ext uri="{0D108BD9-81ED-4DB2-BD59-A6C34878D82A}">
-                    <a16:rowId xmlns:a16="http://schemas.microsoft.com/office/drawing/2014/main" xmlns="" val="10000"/>
+                    <a16:rowId xmlns:a16="http://schemas.microsoft.com/office/drawing/2014/main" val="10000"/>
                   </a:ext>
                 </a:extLst>
               </a:tr>
@@ -27213,7 +27050,7 @@
                 </a:tc>
                 <a:extLst>
                   <a:ext uri="{0D108BD9-81ED-4DB2-BD59-A6C34878D82A}">
-                    <a16:rowId xmlns:a16="http://schemas.microsoft.com/office/drawing/2014/main" xmlns="" val="10001"/>
+                    <a16:rowId xmlns:a16="http://schemas.microsoft.com/office/drawing/2014/main" val="10001"/>
                   </a:ext>
                 </a:extLst>
               </a:tr>
@@ -27290,7 +27127,7 @@
                 </a:tc>
                 <a:extLst>
                   <a:ext uri="{0D108BD9-81ED-4DB2-BD59-A6C34878D82A}">
-                    <a16:rowId xmlns:a16="http://schemas.microsoft.com/office/drawing/2014/main" xmlns="" val="10002"/>
+                    <a16:rowId xmlns:a16="http://schemas.microsoft.com/office/drawing/2014/main" val="10002"/>
                   </a:ext>
                 </a:extLst>
               </a:tr>
@@ -27389,35 +27226,35 @@
                 <a:gridCol w="554127">
                   <a:extLst>
                     <a:ext uri="{9D8B030D-6E8A-4147-A177-3AD203B41FA5}">
-                      <a16:colId xmlns:a16="http://schemas.microsoft.com/office/drawing/2014/main" xmlns="" val="20000"/>
+                      <a16:colId xmlns:a16="http://schemas.microsoft.com/office/drawing/2014/main" val="20000"/>
                     </a:ext>
                   </a:extLst>
                 </a:gridCol>
                 <a:gridCol w="1586198">
                   <a:extLst>
                     <a:ext uri="{9D8B030D-6E8A-4147-A177-3AD203B41FA5}">
-                      <a16:colId xmlns:a16="http://schemas.microsoft.com/office/drawing/2014/main" xmlns="" val="20001"/>
+                      <a16:colId xmlns:a16="http://schemas.microsoft.com/office/drawing/2014/main" val="20001"/>
                     </a:ext>
                   </a:extLst>
                 </a:gridCol>
                 <a:gridCol w="1695590">
                   <a:extLst>
                     <a:ext uri="{9D8B030D-6E8A-4147-A177-3AD203B41FA5}">
-                      <a16:colId xmlns:a16="http://schemas.microsoft.com/office/drawing/2014/main" xmlns="" val="20002"/>
+                      <a16:colId xmlns:a16="http://schemas.microsoft.com/office/drawing/2014/main" val="20002"/>
                     </a:ext>
                   </a:extLst>
                 </a:gridCol>
                 <a:gridCol w="2544035">
                   <a:extLst>
                     <a:ext uri="{9D8B030D-6E8A-4147-A177-3AD203B41FA5}">
-                      <a16:colId xmlns:a16="http://schemas.microsoft.com/office/drawing/2014/main" xmlns="" val="20003"/>
+                      <a16:colId xmlns:a16="http://schemas.microsoft.com/office/drawing/2014/main" val="20003"/>
                     </a:ext>
                   </a:extLst>
                 </a:gridCol>
                 <a:gridCol w="2544035">
                   <a:extLst>
                     <a:ext uri="{9D8B030D-6E8A-4147-A177-3AD203B41FA5}">
-                      <a16:colId xmlns:a16="http://schemas.microsoft.com/office/drawing/2014/main" xmlns="" val="20004"/>
+                      <a16:colId xmlns:a16="http://schemas.microsoft.com/office/drawing/2014/main" val="20004"/>
                     </a:ext>
                   </a:extLst>
                 </a:gridCol>
@@ -27487,7 +27324,7 @@
                 </a:tc>
                 <a:extLst>
                   <a:ext uri="{0D108BD9-81ED-4DB2-BD59-A6C34878D82A}">
-                    <a16:rowId xmlns:a16="http://schemas.microsoft.com/office/drawing/2014/main" xmlns="" val="10000"/>
+                    <a16:rowId xmlns:a16="http://schemas.microsoft.com/office/drawing/2014/main" val="10000"/>
                   </a:ext>
                 </a:extLst>
               </a:tr>
@@ -27558,7 +27395,7 @@
                 </a:tc>
                 <a:extLst>
                   <a:ext uri="{0D108BD9-81ED-4DB2-BD59-A6C34878D82A}">
-                    <a16:rowId xmlns:a16="http://schemas.microsoft.com/office/drawing/2014/main" xmlns="" val="10001"/>
+                    <a16:rowId xmlns:a16="http://schemas.microsoft.com/office/drawing/2014/main" val="10001"/>
                   </a:ext>
                 </a:extLst>
               </a:tr>
@@ -27628,7 +27465,7 @@
                 </a:tc>
                 <a:extLst>
                   <a:ext uri="{0D108BD9-81ED-4DB2-BD59-A6C34878D82A}">
-                    <a16:rowId xmlns:a16="http://schemas.microsoft.com/office/drawing/2014/main" xmlns="" val="10002"/>
+                    <a16:rowId xmlns:a16="http://schemas.microsoft.com/office/drawing/2014/main" val="10002"/>
                   </a:ext>
                 </a:extLst>
               </a:tr>
@@ -27697,7 +27534,7 @@
                 </a:tc>
                 <a:extLst>
                   <a:ext uri="{0D108BD9-81ED-4DB2-BD59-A6C34878D82A}">
-                    <a16:rowId xmlns:a16="http://schemas.microsoft.com/office/drawing/2014/main" xmlns="" val="10003"/>
+                    <a16:rowId xmlns:a16="http://schemas.microsoft.com/office/drawing/2014/main" val="10003"/>
                   </a:ext>
                 </a:extLst>
               </a:tr>
@@ -28458,35 +28295,35 @@
                 <a:gridCol w="578919">
                   <a:extLst>
                     <a:ext uri="{9D8B030D-6E8A-4147-A177-3AD203B41FA5}">
-                      <a16:colId xmlns:a16="http://schemas.microsoft.com/office/drawing/2014/main" xmlns="" val="20000"/>
+                      <a16:colId xmlns:a16="http://schemas.microsoft.com/office/drawing/2014/main" val="20000"/>
                     </a:ext>
                   </a:extLst>
                 </a:gridCol>
                 <a:gridCol w="1657161">
                   <a:extLst>
                     <a:ext uri="{9D8B030D-6E8A-4147-A177-3AD203B41FA5}">
-                      <a16:colId xmlns:a16="http://schemas.microsoft.com/office/drawing/2014/main" xmlns="" val="20001"/>
+                      <a16:colId xmlns:a16="http://schemas.microsoft.com/office/drawing/2014/main" val="20001"/>
                     </a:ext>
                   </a:extLst>
                 </a:gridCol>
                 <a:gridCol w="1771448">
                   <a:extLst>
                     <a:ext uri="{9D8B030D-6E8A-4147-A177-3AD203B41FA5}">
-                      <a16:colId xmlns:a16="http://schemas.microsoft.com/office/drawing/2014/main" xmlns="" val="20002"/>
+                      <a16:colId xmlns:a16="http://schemas.microsoft.com/office/drawing/2014/main" val="20002"/>
                     </a:ext>
                   </a:extLst>
                 </a:gridCol>
                 <a:gridCol w="2657852">
                   <a:extLst>
                     <a:ext uri="{9D8B030D-6E8A-4147-A177-3AD203B41FA5}">
-                      <a16:colId xmlns:a16="http://schemas.microsoft.com/office/drawing/2014/main" xmlns="" val="20003"/>
+                      <a16:colId xmlns:a16="http://schemas.microsoft.com/office/drawing/2014/main" val="20003"/>
                     </a:ext>
                   </a:extLst>
                 </a:gridCol>
                 <a:gridCol w="2657852">
                   <a:extLst>
                     <a:ext uri="{9D8B030D-6E8A-4147-A177-3AD203B41FA5}">
-                      <a16:colId xmlns:a16="http://schemas.microsoft.com/office/drawing/2014/main" xmlns="" val="20004"/>
+                      <a16:colId xmlns:a16="http://schemas.microsoft.com/office/drawing/2014/main" val="20004"/>
                     </a:ext>
                   </a:extLst>
                 </a:gridCol>
@@ -28556,7 +28393,7 @@
                 </a:tc>
                 <a:extLst>
                   <a:ext uri="{0D108BD9-81ED-4DB2-BD59-A6C34878D82A}">
-                    <a16:rowId xmlns:a16="http://schemas.microsoft.com/office/drawing/2014/main" xmlns="" val="10000"/>
+                    <a16:rowId xmlns:a16="http://schemas.microsoft.com/office/drawing/2014/main" val="10000"/>
                   </a:ext>
                 </a:extLst>
               </a:tr>
@@ -28627,7 +28464,7 @@
                 </a:tc>
                 <a:extLst>
                   <a:ext uri="{0D108BD9-81ED-4DB2-BD59-A6C34878D82A}">
-                    <a16:rowId xmlns:a16="http://schemas.microsoft.com/office/drawing/2014/main" xmlns="" val="10001"/>
+                    <a16:rowId xmlns:a16="http://schemas.microsoft.com/office/drawing/2014/main" val="10001"/>
                   </a:ext>
                 </a:extLst>
               </a:tr>
@@ -28697,7 +28534,7 @@
                 </a:tc>
                 <a:extLst>
                   <a:ext uri="{0D108BD9-81ED-4DB2-BD59-A6C34878D82A}">
-                    <a16:rowId xmlns:a16="http://schemas.microsoft.com/office/drawing/2014/main" xmlns="" val="10002"/>
+                    <a16:rowId xmlns:a16="http://schemas.microsoft.com/office/drawing/2014/main" val="10002"/>
                   </a:ext>
                 </a:extLst>
               </a:tr>
@@ -28786,7 +28623,7 @@
                 </a:tc>
                 <a:extLst>
                   <a:ext uri="{0D108BD9-81ED-4DB2-BD59-A6C34878D82A}">
-                    <a16:rowId xmlns:a16="http://schemas.microsoft.com/office/drawing/2014/main" xmlns="" val="10003"/>
+                    <a16:rowId xmlns:a16="http://schemas.microsoft.com/office/drawing/2014/main" val="10003"/>
                   </a:ext>
                 </a:extLst>
               </a:tr>
@@ -28860,7 +28697,7 @@
                 </a:tc>
                 <a:extLst>
                   <a:ext uri="{0D108BD9-81ED-4DB2-BD59-A6C34878D82A}">
-                    <a16:rowId xmlns:a16="http://schemas.microsoft.com/office/drawing/2014/main" xmlns="" val="10004"/>
+                    <a16:rowId xmlns:a16="http://schemas.microsoft.com/office/drawing/2014/main" val="10004"/>
                   </a:ext>
                 </a:extLst>
               </a:tr>
@@ -29652,35 +29489,35 @@
                 <a:gridCol w="542932">
                   <a:extLst>
                     <a:ext uri="{9D8B030D-6E8A-4147-A177-3AD203B41FA5}">
-                      <a16:colId xmlns:a16="http://schemas.microsoft.com/office/drawing/2014/main" xmlns="" val="20000"/>
+                      <a16:colId xmlns:a16="http://schemas.microsoft.com/office/drawing/2014/main" val="20000"/>
                     </a:ext>
                   </a:extLst>
                 </a:gridCol>
                 <a:gridCol w="1554149">
                   <a:extLst>
                     <a:ext uri="{9D8B030D-6E8A-4147-A177-3AD203B41FA5}">
-                      <a16:colId xmlns:a16="http://schemas.microsoft.com/office/drawing/2014/main" xmlns="" val="20001"/>
+                      <a16:colId xmlns:a16="http://schemas.microsoft.com/office/drawing/2014/main" val="20001"/>
                     </a:ext>
                   </a:extLst>
                 </a:gridCol>
                 <a:gridCol w="1661332">
                   <a:extLst>
                     <a:ext uri="{9D8B030D-6E8A-4147-A177-3AD203B41FA5}">
-                      <a16:colId xmlns:a16="http://schemas.microsoft.com/office/drawing/2014/main" xmlns="" val="20002"/>
+                      <a16:colId xmlns:a16="http://schemas.microsoft.com/office/drawing/2014/main" val="20002"/>
                     </a:ext>
                   </a:extLst>
                 </a:gridCol>
                 <a:gridCol w="2492635">
                   <a:extLst>
                     <a:ext uri="{9D8B030D-6E8A-4147-A177-3AD203B41FA5}">
-                      <a16:colId xmlns:a16="http://schemas.microsoft.com/office/drawing/2014/main" xmlns="" val="20003"/>
+                      <a16:colId xmlns:a16="http://schemas.microsoft.com/office/drawing/2014/main" val="20003"/>
                     </a:ext>
                   </a:extLst>
                 </a:gridCol>
                 <a:gridCol w="2492635">
                   <a:extLst>
                     <a:ext uri="{9D8B030D-6E8A-4147-A177-3AD203B41FA5}">
-                      <a16:colId xmlns:a16="http://schemas.microsoft.com/office/drawing/2014/main" xmlns="" val="20004"/>
+                      <a16:colId xmlns:a16="http://schemas.microsoft.com/office/drawing/2014/main" val="20004"/>
                     </a:ext>
                   </a:extLst>
                 </a:gridCol>
@@ -29750,7 +29587,7 @@
                 </a:tc>
                 <a:extLst>
                   <a:ext uri="{0D108BD9-81ED-4DB2-BD59-A6C34878D82A}">
-                    <a16:rowId xmlns:a16="http://schemas.microsoft.com/office/drawing/2014/main" xmlns="" val="10000"/>
+                    <a16:rowId xmlns:a16="http://schemas.microsoft.com/office/drawing/2014/main" val="10000"/>
                   </a:ext>
                 </a:extLst>
               </a:tr>
@@ -29821,7 +29658,7 @@
                 </a:tc>
                 <a:extLst>
                   <a:ext uri="{0D108BD9-81ED-4DB2-BD59-A6C34878D82A}">
-                    <a16:rowId xmlns:a16="http://schemas.microsoft.com/office/drawing/2014/main" xmlns="" val="10001"/>
+                    <a16:rowId xmlns:a16="http://schemas.microsoft.com/office/drawing/2014/main" val="10001"/>
                   </a:ext>
                 </a:extLst>
               </a:tr>
@@ -29891,7 +29728,7 @@
                 </a:tc>
                 <a:extLst>
                   <a:ext uri="{0D108BD9-81ED-4DB2-BD59-A6C34878D82A}">
-                    <a16:rowId xmlns:a16="http://schemas.microsoft.com/office/drawing/2014/main" xmlns="" val="10002"/>
+                    <a16:rowId xmlns:a16="http://schemas.microsoft.com/office/drawing/2014/main" val="10002"/>
                   </a:ext>
                 </a:extLst>
               </a:tr>
@@ -29961,7 +29798,7 @@
                 </a:tc>
                 <a:extLst>
                   <a:ext uri="{0D108BD9-81ED-4DB2-BD59-A6C34878D82A}">
-                    <a16:rowId xmlns:a16="http://schemas.microsoft.com/office/drawing/2014/main" xmlns="" val="10003"/>
+                    <a16:rowId xmlns:a16="http://schemas.microsoft.com/office/drawing/2014/main" val="10003"/>
                   </a:ext>
                 </a:extLst>
               </a:tr>
@@ -30030,7 +29867,7 @@
                 </a:tc>
                 <a:extLst>
                   <a:ext uri="{0D108BD9-81ED-4DB2-BD59-A6C34878D82A}">
-                    <a16:rowId xmlns:a16="http://schemas.microsoft.com/office/drawing/2014/main" xmlns="" val="10004"/>
+                    <a16:rowId xmlns:a16="http://schemas.microsoft.com/office/drawing/2014/main" val="10004"/>
                   </a:ext>
                 </a:extLst>
               </a:tr>
@@ -31000,7 +30837,7 @@
   <a:extraClrSchemeLst/>
   <a:extLst>
     <a:ext uri="{05A4C25C-085E-4340-85A3-A5531E510DB2}">
-      <thm15:themeFamily xmlns:thm15="http://schemas.microsoft.com/office/thememl/2012/main" xmlns="" name="Office Theme" id="{62F939B6-93AF-4DB8-9C6B-D6C7DFDC589F}" vid="{4A3C46E8-61CC-4603-A589-7422A47A8E4A}"/>
+      <thm15:themeFamily xmlns:thm15="http://schemas.microsoft.com/office/thememl/2012/main" name="Office Theme" id="{62F939B6-93AF-4DB8-9C6B-D6C7DFDC589F}" vid="{4A3C46E8-61CC-4603-A589-7422A47A8E4A}"/>
     </a:ext>
   </a:extLst>
 </a:theme>

--- a/DocumentacaoProjeto/Protótipo_Visual.pptx
+++ b/DocumentacaoProjeto/Protótipo_Visual.pptx
@@ -39,7 +39,10 @@
     <p:sldId id="268" r:id="rId33"/>
     <p:sldId id="287" r:id="rId34"/>
     <p:sldId id="274" r:id="rId35"/>
-    <p:sldId id="291" r:id="rId36"/>
+    <p:sldId id="297" r:id="rId36"/>
+    <p:sldId id="299" r:id="rId37"/>
+    <p:sldId id="298" r:id="rId38"/>
+    <p:sldId id="291" r:id="rId39"/>
   </p:sldIdLst>
   <p:sldSz cx="12192000" cy="6858000"/>
   <p:notesSz cx="6858000" cy="9144000"/>
@@ -286,7 +289,7 @@
           <a:p>
             <a:fld id="{ED8D6B47-35E8-4B74-A8BC-163E56BA4F07}" type="datetimeFigureOut">
               <a:rPr lang="pt-BR" smtClean="0"/>
-              <a:t>25/06/2020</a:t>
+              <a:t>28/06/2020</a:t>
             </a:fld>
             <a:endParaRPr lang="pt-BR"/>
           </a:p>
@@ -454,7 +457,7 @@
           <a:p>
             <a:fld id="{ED8D6B47-35E8-4B74-A8BC-163E56BA4F07}" type="datetimeFigureOut">
               <a:rPr lang="pt-BR" smtClean="0"/>
-              <a:t>25/06/2020</a:t>
+              <a:t>28/06/2020</a:t>
             </a:fld>
             <a:endParaRPr lang="pt-BR"/>
           </a:p>
@@ -632,7 +635,7 @@
           <a:p>
             <a:fld id="{ED8D6B47-35E8-4B74-A8BC-163E56BA4F07}" type="datetimeFigureOut">
               <a:rPr lang="pt-BR" smtClean="0"/>
-              <a:t>25/06/2020</a:t>
+              <a:t>28/06/2020</a:t>
             </a:fld>
             <a:endParaRPr lang="pt-BR"/>
           </a:p>
@@ -800,7 +803,7 @@
           <a:p>
             <a:fld id="{ED8D6B47-35E8-4B74-A8BC-163E56BA4F07}" type="datetimeFigureOut">
               <a:rPr lang="pt-BR" smtClean="0"/>
-              <a:t>25/06/2020</a:t>
+              <a:t>28/06/2020</a:t>
             </a:fld>
             <a:endParaRPr lang="pt-BR"/>
           </a:p>
@@ -1045,7 +1048,7 @@
           <a:p>
             <a:fld id="{ED8D6B47-35E8-4B74-A8BC-163E56BA4F07}" type="datetimeFigureOut">
               <a:rPr lang="pt-BR" smtClean="0"/>
-              <a:t>25/06/2020</a:t>
+              <a:t>28/06/2020</a:t>
             </a:fld>
             <a:endParaRPr lang="pt-BR"/>
           </a:p>
@@ -1274,7 +1277,7 @@
           <a:p>
             <a:fld id="{ED8D6B47-35E8-4B74-A8BC-163E56BA4F07}" type="datetimeFigureOut">
               <a:rPr lang="pt-BR" smtClean="0"/>
-              <a:t>25/06/2020</a:t>
+              <a:t>28/06/2020</a:t>
             </a:fld>
             <a:endParaRPr lang="pt-BR"/>
           </a:p>
@@ -1638,7 +1641,7 @@
           <a:p>
             <a:fld id="{ED8D6B47-35E8-4B74-A8BC-163E56BA4F07}" type="datetimeFigureOut">
               <a:rPr lang="pt-BR" smtClean="0"/>
-              <a:t>25/06/2020</a:t>
+              <a:t>28/06/2020</a:t>
             </a:fld>
             <a:endParaRPr lang="pt-BR"/>
           </a:p>
@@ -1755,7 +1758,7 @@
           <a:p>
             <a:fld id="{ED8D6B47-35E8-4B74-A8BC-163E56BA4F07}" type="datetimeFigureOut">
               <a:rPr lang="pt-BR" smtClean="0"/>
-              <a:t>25/06/2020</a:t>
+              <a:t>28/06/2020</a:t>
             </a:fld>
             <a:endParaRPr lang="pt-BR"/>
           </a:p>
@@ -1850,7 +1853,7 @@
           <a:p>
             <a:fld id="{ED8D6B47-35E8-4B74-A8BC-163E56BA4F07}" type="datetimeFigureOut">
               <a:rPr lang="pt-BR" smtClean="0"/>
-              <a:t>25/06/2020</a:t>
+              <a:t>28/06/2020</a:t>
             </a:fld>
             <a:endParaRPr lang="pt-BR"/>
           </a:p>
@@ -2125,7 +2128,7 @@
           <a:p>
             <a:fld id="{ED8D6B47-35E8-4B74-A8BC-163E56BA4F07}" type="datetimeFigureOut">
               <a:rPr lang="pt-BR" smtClean="0"/>
-              <a:t>25/06/2020</a:t>
+              <a:t>28/06/2020</a:t>
             </a:fld>
             <a:endParaRPr lang="pt-BR"/>
           </a:p>
@@ -2377,7 +2380,7 @@
           <a:p>
             <a:fld id="{ED8D6B47-35E8-4B74-A8BC-163E56BA4F07}" type="datetimeFigureOut">
               <a:rPr lang="pt-BR" smtClean="0"/>
-              <a:t>25/06/2020</a:t>
+              <a:t>28/06/2020</a:t>
             </a:fld>
             <a:endParaRPr lang="pt-BR"/>
           </a:p>
@@ -2588,7 +2591,7 @@
           <a:p>
             <a:fld id="{ED8D6B47-35E8-4B74-A8BC-163E56BA4F07}" type="datetimeFigureOut">
               <a:rPr lang="pt-BR" smtClean="0"/>
-              <a:t>25/06/2020</a:t>
+              <a:t>28/06/2020</a:t>
             </a:fld>
             <a:endParaRPr lang="pt-BR"/>
           </a:p>
@@ -3531,35 +3534,35 @@
                 <a:gridCol w="574120">
                   <a:extLst>
                     <a:ext uri="{9D8B030D-6E8A-4147-A177-3AD203B41FA5}">
-                      <a16:colId xmlns:a16="http://schemas.microsoft.com/office/drawing/2014/main" val="20000"/>
+                      <a16:colId xmlns:a16="http://schemas.microsoft.com/office/drawing/2014/main" xmlns="" val="20000"/>
                     </a:ext>
                   </a:extLst>
                 </a:gridCol>
                 <a:gridCol w="1643427">
                   <a:extLst>
                     <a:ext uri="{9D8B030D-6E8A-4147-A177-3AD203B41FA5}">
-                      <a16:colId xmlns:a16="http://schemas.microsoft.com/office/drawing/2014/main" val="20001"/>
+                      <a16:colId xmlns:a16="http://schemas.microsoft.com/office/drawing/2014/main" xmlns="" val="20001"/>
                     </a:ext>
                   </a:extLst>
                 </a:gridCol>
                 <a:gridCol w="1756766">
                   <a:extLst>
                     <a:ext uri="{9D8B030D-6E8A-4147-A177-3AD203B41FA5}">
-                      <a16:colId xmlns:a16="http://schemas.microsoft.com/office/drawing/2014/main" val="20002"/>
+                      <a16:colId xmlns:a16="http://schemas.microsoft.com/office/drawing/2014/main" xmlns="" val="20002"/>
                     </a:ext>
                   </a:extLst>
                 </a:gridCol>
                 <a:gridCol w="2635823">
                   <a:extLst>
                     <a:ext uri="{9D8B030D-6E8A-4147-A177-3AD203B41FA5}">
-                      <a16:colId xmlns:a16="http://schemas.microsoft.com/office/drawing/2014/main" val="20003"/>
+                      <a16:colId xmlns:a16="http://schemas.microsoft.com/office/drawing/2014/main" xmlns="" val="20003"/>
                     </a:ext>
                   </a:extLst>
                 </a:gridCol>
                 <a:gridCol w="2635823">
                   <a:extLst>
                     <a:ext uri="{9D8B030D-6E8A-4147-A177-3AD203B41FA5}">
-                      <a16:colId xmlns:a16="http://schemas.microsoft.com/office/drawing/2014/main" val="20004"/>
+                      <a16:colId xmlns:a16="http://schemas.microsoft.com/office/drawing/2014/main" xmlns="" val="20004"/>
                     </a:ext>
                   </a:extLst>
                 </a:gridCol>
@@ -3629,7 +3632,7 @@
                 </a:tc>
                 <a:extLst>
                   <a:ext uri="{0D108BD9-81ED-4DB2-BD59-A6C34878D82A}">
-                    <a16:rowId xmlns:a16="http://schemas.microsoft.com/office/drawing/2014/main" val="10000"/>
+                    <a16:rowId xmlns:a16="http://schemas.microsoft.com/office/drawing/2014/main" xmlns="" val="10000"/>
                   </a:ext>
                 </a:extLst>
               </a:tr>
@@ -3698,7 +3701,7 @@
                 </a:tc>
                 <a:extLst>
                   <a:ext uri="{0D108BD9-81ED-4DB2-BD59-A6C34878D82A}">
-                    <a16:rowId xmlns:a16="http://schemas.microsoft.com/office/drawing/2014/main" val="10001"/>
+                    <a16:rowId xmlns:a16="http://schemas.microsoft.com/office/drawing/2014/main" xmlns="" val="10001"/>
                   </a:ext>
                 </a:extLst>
               </a:tr>
@@ -3792,7 +3795,7 @@
                 </a:tc>
                 <a:extLst>
                   <a:ext uri="{0D108BD9-81ED-4DB2-BD59-A6C34878D82A}">
-                    <a16:rowId xmlns:a16="http://schemas.microsoft.com/office/drawing/2014/main" val="10002"/>
+                    <a16:rowId xmlns:a16="http://schemas.microsoft.com/office/drawing/2014/main" xmlns="" val="10002"/>
                   </a:ext>
                 </a:extLst>
               </a:tr>
@@ -3881,7 +3884,7 @@
                 </a:tc>
                 <a:extLst>
                   <a:ext uri="{0D108BD9-81ED-4DB2-BD59-A6C34878D82A}">
-                    <a16:rowId xmlns:a16="http://schemas.microsoft.com/office/drawing/2014/main" val="10003"/>
+                    <a16:rowId xmlns:a16="http://schemas.microsoft.com/office/drawing/2014/main" xmlns="" val="10003"/>
                   </a:ext>
                 </a:extLst>
               </a:tr>
@@ -3970,7 +3973,7 @@
                 </a:tc>
                 <a:extLst>
                   <a:ext uri="{0D108BD9-81ED-4DB2-BD59-A6C34878D82A}">
-                    <a16:rowId xmlns:a16="http://schemas.microsoft.com/office/drawing/2014/main" val="10004"/>
+                    <a16:rowId xmlns:a16="http://schemas.microsoft.com/office/drawing/2014/main" xmlns="" val="10004"/>
                   </a:ext>
                 </a:extLst>
               </a:tr>
@@ -4056,7 +4059,7 @@
                 </a:tc>
                 <a:extLst>
                   <a:ext uri="{0D108BD9-81ED-4DB2-BD59-A6C34878D82A}">
-                    <a16:rowId xmlns:a16="http://schemas.microsoft.com/office/drawing/2014/main" val="10005"/>
+                    <a16:rowId xmlns:a16="http://schemas.microsoft.com/office/drawing/2014/main" xmlns="" val="10005"/>
                   </a:ext>
                 </a:extLst>
               </a:tr>
@@ -4139,7 +4142,7 @@
                 </a:tc>
                 <a:extLst>
                   <a:ext uri="{0D108BD9-81ED-4DB2-BD59-A6C34878D82A}">
-                    <a16:rowId xmlns:a16="http://schemas.microsoft.com/office/drawing/2014/main" val="10006"/>
+                    <a16:rowId xmlns:a16="http://schemas.microsoft.com/office/drawing/2014/main" xmlns="" val="10006"/>
                   </a:ext>
                 </a:extLst>
               </a:tr>
@@ -4998,35 +5001,35 @@
                 <a:gridCol w="490951">
                   <a:extLst>
                     <a:ext uri="{9D8B030D-6E8A-4147-A177-3AD203B41FA5}">
-                      <a16:colId xmlns:a16="http://schemas.microsoft.com/office/drawing/2014/main" val="20000"/>
+                      <a16:colId xmlns:a16="http://schemas.microsoft.com/office/drawing/2014/main" xmlns="" val="20000"/>
                     </a:ext>
                   </a:extLst>
                 </a:gridCol>
                 <a:gridCol w="1405354">
                   <a:extLst>
                     <a:ext uri="{9D8B030D-6E8A-4147-A177-3AD203B41FA5}">
-                      <a16:colId xmlns:a16="http://schemas.microsoft.com/office/drawing/2014/main" val="20001"/>
+                      <a16:colId xmlns:a16="http://schemas.microsoft.com/office/drawing/2014/main" xmlns="" val="20001"/>
                     </a:ext>
                   </a:extLst>
                 </a:gridCol>
                 <a:gridCol w="1502275">
                   <a:extLst>
                     <a:ext uri="{9D8B030D-6E8A-4147-A177-3AD203B41FA5}">
-                      <a16:colId xmlns:a16="http://schemas.microsoft.com/office/drawing/2014/main" val="20002"/>
+                      <a16:colId xmlns:a16="http://schemas.microsoft.com/office/drawing/2014/main" xmlns="" val="20002"/>
                     </a:ext>
                   </a:extLst>
                 </a:gridCol>
                 <a:gridCol w="2253988">
                   <a:extLst>
                     <a:ext uri="{9D8B030D-6E8A-4147-A177-3AD203B41FA5}">
-                      <a16:colId xmlns:a16="http://schemas.microsoft.com/office/drawing/2014/main" val="20003"/>
+                      <a16:colId xmlns:a16="http://schemas.microsoft.com/office/drawing/2014/main" xmlns="" val="20003"/>
                     </a:ext>
                   </a:extLst>
                 </a:gridCol>
                 <a:gridCol w="2253988">
                   <a:extLst>
                     <a:ext uri="{9D8B030D-6E8A-4147-A177-3AD203B41FA5}">
-                      <a16:colId xmlns:a16="http://schemas.microsoft.com/office/drawing/2014/main" val="20004"/>
+                      <a16:colId xmlns:a16="http://schemas.microsoft.com/office/drawing/2014/main" xmlns="" val="20004"/>
                     </a:ext>
                   </a:extLst>
                 </a:gridCol>
@@ -5096,7 +5099,7 @@
                 </a:tc>
                 <a:extLst>
                   <a:ext uri="{0D108BD9-81ED-4DB2-BD59-A6C34878D82A}">
-                    <a16:rowId xmlns:a16="http://schemas.microsoft.com/office/drawing/2014/main" val="10000"/>
+                    <a16:rowId xmlns:a16="http://schemas.microsoft.com/office/drawing/2014/main" xmlns="" val="10000"/>
                   </a:ext>
                 </a:extLst>
               </a:tr>
@@ -5170,7 +5173,7 @@
                 </a:tc>
                 <a:extLst>
                   <a:ext uri="{0D108BD9-81ED-4DB2-BD59-A6C34878D82A}">
-                    <a16:rowId xmlns:a16="http://schemas.microsoft.com/office/drawing/2014/main" val="10001"/>
+                    <a16:rowId xmlns:a16="http://schemas.microsoft.com/office/drawing/2014/main" xmlns="" val="10001"/>
                   </a:ext>
                 </a:extLst>
               </a:tr>
@@ -5244,7 +5247,7 @@
                 </a:tc>
                 <a:extLst>
                   <a:ext uri="{0D108BD9-81ED-4DB2-BD59-A6C34878D82A}">
-                    <a16:rowId xmlns:a16="http://schemas.microsoft.com/office/drawing/2014/main" val="10002"/>
+                    <a16:rowId xmlns:a16="http://schemas.microsoft.com/office/drawing/2014/main" xmlns="" val="10002"/>
                   </a:ext>
                 </a:extLst>
               </a:tr>
@@ -5313,7 +5316,7 @@
                 </a:tc>
                 <a:extLst>
                   <a:ext uri="{0D108BD9-81ED-4DB2-BD59-A6C34878D82A}">
-                    <a16:rowId xmlns:a16="http://schemas.microsoft.com/office/drawing/2014/main" val="10003"/>
+                    <a16:rowId xmlns:a16="http://schemas.microsoft.com/office/drawing/2014/main" xmlns="" val="10003"/>
                   </a:ext>
                 </a:extLst>
               </a:tr>
@@ -5387,7 +5390,7 @@
                 </a:tc>
                 <a:extLst>
                   <a:ext uri="{0D108BD9-81ED-4DB2-BD59-A6C34878D82A}">
-                    <a16:rowId xmlns:a16="http://schemas.microsoft.com/office/drawing/2014/main" val="10004"/>
+                    <a16:rowId xmlns:a16="http://schemas.microsoft.com/office/drawing/2014/main" xmlns="" val="10004"/>
                   </a:ext>
                 </a:extLst>
               </a:tr>
@@ -5473,7 +5476,7 @@
                 </a:tc>
                 <a:extLst>
                   <a:ext uri="{0D108BD9-81ED-4DB2-BD59-A6C34878D82A}">
-                    <a16:rowId xmlns:a16="http://schemas.microsoft.com/office/drawing/2014/main" val="10005"/>
+                    <a16:rowId xmlns:a16="http://schemas.microsoft.com/office/drawing/2014/main" xmlns="" val="10005"/>
                   </a:ext>
                 </a:extLst>
               </a:tr>
@@ -5559,7 +5562,7 @@
                 </a:tc>
                 <a:extLst>
                   <a:ext uri="{0D108BD9-81ED-4DB2-BD59-A6C34878D82A}">
-                    <a16:rowId xmlns:a16="http://schemas.microsoft.com/office/drawing/2014/main" val="10006"/>
+                    <a16:rowId xmlns:a16="http://schemas.microsoft.com/office/drawing/2014/main" xmlns="" val="10006"/>
                   </a:ext>
                 </a:extLst>
               </a:tr>
@@ -6637,35 +6640,35 @@
                 <a:gridCol w="546130">
                   <a:extLst>
                     <a:ext uri="{9D8B030D-6E8A-4147-A177-3AD203B41FA5}">
-                      <a16:colId xmlns:a16="http://schemas.microsoft.com/office/drawing/2014/main" val="20000"/>
+                      <a16:colId xmlns:a16="http://schemas.microsoft.com/office/drawing/2014/main" xmlns="" val="20000"/>
                     </a:ext>
                   </a:extLst>
                 </a:gridCol>
                 <a:gridCol w="1563306">
                   <a:extLst>
                     <a:ext uri="{9D8B030D-6E8A-4147-A177-3AD203B41FA5}">
-                      <a16:colId xmlns:a16="http://schemas.microsoft.com/office/drawing/2014/main" val="20001"/>
+                      <a16:colId xmlns:a16="http://schemas.microsoft.com/office/drawing/2014/main" xmlns="" val="20001"/>
                     </a:ext>
                   </a:extLst>
                 </a:gridCol>
                 <a:gridCol w="1671120">
                   <a:extLst>
                     <a:ext uri="{9D8B030D-6E8A-4147-A177-3AD203B41FA5}">
-                      <a16:colId xmlns:a16="http://schemas.microsoft.com/office/drawing/2014/main" val="20002"/>
+                      <a16:colId xmlns:a16="http://schemas.microsoft.com/office/drawing/2014/main" xmlns="" val="20002"/>
                     </a:ext>
                   </a:extLst>
                 </a:gridCol>
                 <a:gridCol w="2507320">
                   <a:extLst>
                     <a:ext uri="{9D8B030D-6E8A-4147-A177-3AD203B41FA5}">
-                      <a16:colId xmlns:a16="http://schemas.microsoft.com/office/drawing/2014/main" val="20003"/>
+                      <a16:colId xmlns:a16="http://schemas.microsoft.com/office/drawing/2014/main" xmlns="" val="20003"/>
                     </a:ext>
                   </a:extLst>
                 </a:gridCol>
                 <a:gridCol w="2507320">
                   <a:extLst>
                     <a:ext uri="{9D8B030D-6E8A-4147-A177-3AD203B41FA5}">
-                      <a16:colId xmlns:a16="http://schemas.microsoft.com/office/drawing/2014/main" val="20004"/>
+                      <a16:colId xmlns:a16="http://schemas.microsoft.com/office/drawing/2014/main" xmlns="" val="20004"/>
                     </a:ext>
                   </a:extLst>
                 </a:gridCol>
@@ -6735,7 +6738,7 @@
                 </a:tc>
                 <a:extLst>
                   <a:ext uri="{0D108BD9-81ED-4DB2-BD59-A6C34878D82A}">
-                    <a16:rowId xmlns:a16="http://schemas.microsoft.com/office/drawing/2014/main" val="10000"/>
+                    <a16:rowId xmlns:a16="http://schemas.microsoft.com/office/drawing/2014/main" xmlns="" val="10000"/>
                   </a:ext>
                 </a:extLst>
               </a:tr>
@@ -6805,7 +6808,7 @@
                 </a:tc>
                 <a:extLst>
                   <a:ext uri="{0D108BD9-81ED-4DB2-BD59-A6C34878D82A}">
-                    <a16:rowId xmlns:a16="http://schemas.microsoft.com/office/drawing/2014/main" val="10001"/>
+                    <a16:rowId xmlns:a16="http://schemas.microsoft.com/office/drawing/2014/main" xmlns="" val="10001"/>
                   </a:ext>
                 </a:extLst>
               </a:tr>
@@ -6874,7 +6877,7 @@
                 </a:tc>
                 <a:extLst>
                   <a:ext uri="{0D108BD9-81ED-4DB2-BD59-A6C34878D82A}">
-                    <a16:rowId xmlns:a16="http://schemas.microsoft.com/office/drawing/2014/main" val="10002"/>
+                    <a16:rowId xmlns:a16="http://schemas.microsoft.com/office/drawing/2014/main" xmlns="" val="10002"/>
                   </a:ext>
                 </a:extLst>
               </a:tr>
@@ -7923,35 +7926,35 @@
                 <a:gridCol w="559725">
                   <a:extLst>
                     <a:ext uri="{9D8B030D-6E8A-4147-A177-3AD203B41FA5}">
-                      <a16:colId xmlns:a16="http://schemas.microsoft.com/office/drawing/2014/main" val="20000"/>
+                      <a16:colId xmlns:a16="http://schemas.microsoft.com/office/drawing/2014/main" xmlns="" val="20000"/>
                     </a:ext>
                   </a:extLst>
                 </a:gridCol>
                 <a:gridCol w="1602222">
                   <a:extLst>
                     <a:ext uri="{9D8B030D-6E8A-4147-A177-3AD203B41FA5}">
-                      <a16:colId xmlns:a16="http://schemas.microsoft.com/office/drawing/2014/main" val="20001"/>
+                      <a16:colId xmlns:a16="http://schemas.microsoft.com/office/drawing/2014/main" xmlns="" val="20001"/>
                     </a:ext>
                   </a:extLst>
                 </a:gridCol>
                 <a:gridCol w="1712720">
                   <a:extLst>
                     <a:ext uri="{9D8B030D-6E8A-4147-A177-3AD203B41FA5}">
-                      <a16:colId xmlns:a16="http://schemas.microsoft.com/office/drawing/2014/main" val="20002"/>
+                      <a16:colId xmlns:a16="http://schemas.microsoft.com/office/drawing/2014/main" xmlns="" val="20002"/>
                     </a:ext>
                   </a:extLst>
                 </a:gridCol>
                 <a:gridCol w="2569736">
                   <a:extLst>
                     <a:ext uri="{9D8B030D-6E8A-4147-A177-3AD203B41FA5}">
-                      <a16:colId xmlns:a16="http://schemas.microsoft.com/office/drawing/2014/main" val="20003"/>
+                      <a16:colId xmlns:a16="http://schemas.microsoft.com/office/drawing/2014/main" xmlns="" val="20003"/>
                     </a:ext>
                   </a:extLst>
                 </a:gridCol>
                 <a:gridCol w="2569736">
                   <a:extLst>
                     <a:ext uri="{9D8B030D-6E8A-4147-A177-3AD203B41FA5}">
-                      <a16:colId xmlns:a16="http://schemas.microsoft.com/office/drawing/2014/main" val="20004"/>
+                      <a16:colId xmlns:a16="http://schemas.microsoft.com/office/drawing/2014/main" xmlns="" val="20004"/>
                     </a:ext>
                   </a:extLst>
                 </a:gridCol>
@@ -8021,7 +8024,7 @@
                 </a:tc>
                 <a:extLst>
                   <a:ext uri="{0D108BD9-81ED-4DB2-BD59-A6C34878D82A}">
-                    <a16:rowId xmlns:a16="http://schemas.microsoft.com/office/drawing/2014/main" val="10000"/>
+                    <a16:rowId xmlns:a16="http://schemas.microsoft.com/office/drawing/2014/main" xmlns="" val="10000"/>
                   </a:ext>
                 </a:extLst>
               </a:tr>
@@ -8090,7 +8093,7 @@
                 </a:tc>
                 <a:extLst>
                   <a:ext uri="{0D108BD9-81ED-4DB2-BD59-A6C34878D82A}">
-                    <a16:rowId xmlns:a16="http://schemas.microsoft.com/office/drawing/2014/main" val="10001"/>
+                    <a16:rowId xmlns:a16="http://schemas.microsoft.com/office/drawing/2014/main" xmlns="" val="10001"/>
                   </a:ext>
                 </a:extLst>
               </a:tr>
@@ -8179,7 +8182,7 @@
                 </a:tc>
                 <a:extLst>
                   <a:ext uri="{0D108BD9-81ED-4DB2-BD59-A6C34878D82A}">
-                    <a16:rowId xmlns:a16="http://schemas.microsoft.com/office/drawing/2014/main" val="10002"/>
+                    <a16:rowId xmlns:a16="http://schemas.microsoft.com/office/drawing/2014/main" xmlns="" val="10002"/>
                   </a:ext>
                 </a:extLst>
               </a:tr>
@@ -8268,7 +8271,7 @@
                 </a:tc>
                 <a:extLst>
                   <a:ext uri="{0D108BD9-81ED-4DB2-BD59-A6C34878D82A}">
-                    <a16:rowId xmlns:a16="http://schemas.microsoft.com/office/drawing/2014/main" val="10003"/>
+                    <a16:rowId xmlns:a16="http://schemas.microsoft.com/office/drawing/2014/main" xmlns="" val="10003"/>
                   </a:ext>
                 </a:extLst>
               </a:tr>
@@ -9612,35 +9615,35 @@
                 <a:gridCol w="490951">
                   <a:extLst>
                     <a:ext uri="{9D8B030D-6E8A-4147-A177-3AD203B41FA5}">
-                      <a16:colId xmlns:a16="http://schemas.microsoft.com/office/drawing/2014/main" val="20000"/>
+                      <a16:colId xmlns:a16="http://schemas.microsoft.com/office/drawing/2014/main" xmlns="" val="20000"/>
                     </a:ext>
                   </a:extLst>
                 </a:gridCol>
                 <a:gridCol w="1405354">
                   <a:extLst>
                     <a:ext uri="{9D8B030D-6E8A-4147-A177-3AD203B41FA5}">
-                      <a16:colId xmlns:a16="http://schemas.microsoft.com/office/drawing/2014/main" val="20001"/>
+                      <a16:colId xmlns:a16="http://schemas.microsoft.com/office/drawing/2014/main" xmlns="" val="20001"/>
                     </a:ext>
                   </a:extLst>
                 </a:gridCol>
                 <a:gridCol w="1502275">
                   <a:extLst>
                     <a:ext uri="{9D8B030D-6E8A-4147-A177-3AD203B41FA5}">
-                      <a16:colId xmlns:a16="http://schemas.microsoft.com/office/drawing/2014/main" val="20002"/>
+                      <a16:colId xmlns:a16="http://schemas.microsoft.com/office/drawing/2014/main" xmlns="" val="20002"/>
                     </a:ext>
                   </a:extLst>
                 </a:gridCol>
                 <a:gridCol w="2253988">
                   <a:extLst>
                     <a:ext uri="{9D8B030D-6E8A-4147-A177-3AD203B41FA5}">
-                      <a16:colId xmlns:a16="http://schemas.microsoft.com/office/drawing/2014/main" val="20003"/>
+                      <a16:colId xmlns:a16="http://schemas.microsoft.com/office/drawing/2014/main" xmlns="" val="20003"/>
                     </a:ext>
                   </a:extLst>
                 </a:gridCol>
                 <a:gridCol w="2253988">
                   <a:extLst>
                     <a:ext uri="{9D8B030D-6E8A-4147-A177-3AD203B41FA5}">
-                      <a16:colId xmlns:a16="http://schemas.microsoft.com/office/drawing/2014/main" val="20004"/>
+                      <a16:colId xmlns:a16="http://schemas.microsoft.com/office/drawing/2014/main" xmlns="" val="20004"/>
                     </a:ext>
                   </a:extLst>
                 </a:gridCol>
@@ -9710,7 +9713,7 @@
                 </a:tc>
                 <a:extLst>
                   <a:ext uri="{0D108BD9-81ED-4DB2-BD59-A6C34878D82A}">
-                    <a16:rowId xmlns:a16="http://schemas.microsoft.com/office/drawing/2014/main" val="10000"/>
+                    <a16:rowId xmlns:a16="http://schemas.microsoft.com/office/drawing/2014/main" xmlns="" val="10000"/>
                   </a:ext>
                 </a:extLst>
               </a:tr>
@@ -9784,7 +9787,7 @@
                 </a:tc>
                 <a:extLst>
                   <a:ext uri="{0D108BD9-81ED-4DB2-BD59-A6C34878D82A}">
-                    <a16:rowId xmlns:a16="http://schemas.microsoft.com/office/drawing/2014/main" val="10001"/>
+                    <a16:rowId xmlns:a16="http://schemas.microsoft.com/office/drawing/2014/main" xmlns="" val="10001"/>
                   </a:ext>
                 </a:extLst>
               </a:tr>
@@ -9853,7 +9856,7 @@
                 </a:tc>
                 <a:extLst>
                   <a:ext uri="{0D108BD9-81ED-4DB2-BD59-A6C34878D82A}">
-                    <a16:rowId xmlns:a16="http://schemas.microsoft.com/office/drawing/2014/main" val="10002"/>
+                    <a16:rowId xmlns:a16="http://schemas.microsoft.com/office/drawing/2014/main" xmlns="" val="10002"/>
                   </a:ext>
                 </a:extLst>
               </a:tr>
@@ -9922,7 +9925,7 @@
                 </a:tc>
                 <a:extLst>
                   <a:ext uri="{0D108BD9-81ED-4DB2-BD59-A6C34878D82A}">
-                    <a16:rowId xmlns:a16="http://schemas.microsoft.com/office/drawing/2014/main" val="10003"/>
+                    <a16:rowId xmlns:a16="http://schemas.microsoft.com/office/drawing/2014/main" xmlns="" val="10003"/>
                   </a:ext>
                 </a:extLst>
               </a:tr>
@@ -11306,7 +11309,7 @@
         </p:nvSpPr>
         <p:spPr>
           <a:xfrm>
-            <a:off x="6901711" y="5766259"/>
+            <a:off x="6901711" y="5484284"/>
             <a:ext cx="1235388" cy="378657"/>
           </a:xfrm>
           <a:prstGeom prst="rect">
@@ -11607,79 +11610,6 @@
           <a:p>
             <a:pPr algn="ctr"/>
             <a:endParaRPr lang="pt-BR"/>
-          </a:p>
-        </p:txBody>
-      </p:sp>
-      <p:sp>
-        <p:nvSpPr>
-          <p:cNvPr id="52" name="Retângulo de cantos arredondados 51"/>
-          <p:cNvSpPr/>
-          <p:nvPr/>
-        </p:nvSpPr>
-        <p:spPr>
-          <a:xfrm>
-            <a:off x="3322893" y="5647474"/>
-            <a:ext cx="711498" cy="367158"/>
-          </a:xfrm>
-          <a:prstGeom prst="roundRect">
-            <a:avLst/>
-          </a:prstGeom>
-          <a:noFill/>
-        </p:spPr>
-        <p:style>
-          <a:lnRef idx="2">
-            <a:schemeClr val="accent6"/>
-          </a:lnRef>
-          <a:fillRef idx="1">
-            <a:schemeClr val="lt1"/>
-          </a:fillRef>
-          <a:effectRef idx="0">
-            <a:schemeClr val="accent6"/>
-          </a:effectRef>
-          <a:fontRef idx="minor">
-            <a:schemeClr val="dk1"/>
-          </a:fontRef>
-        </p:style>
-        <p:txBody>
-          <a:bodyPr rtlCol="0" anchor="ctr"/>
-          <a:lstStyle/>
-          <a:p>
-            <a:pPr algn="ctr"/>
-            <a:endParaRPr lang="pt-BR"/>
-          </a:p>
-        </p:txBody>
-      </p:sp>
-      <p:sp>
-        <p:nvSpPr>
-          <p:cNvPr id="53" name="CaixaDeTexto 52"/>
-          <p:cNvSpPr txBox="1"/>
-          <p:nvPr/>
-        </p:nvSpPr>
-        <p:spPr>
-          <a:xfrm>
-            <a:off x="2894373" y="5323813"/>
-            <a:ext cx="4578359" cy="338554"/>
-          </a:xfrm>
-          <a:prstGeom prst="rect">
-            <a:avLst/>
-          </a:prstGeom>
-          <a:noFill/>
-        </p:spPr>
-        <p:txBody>
-          <a:bodyPr wrap="square" rtlCol="0">
-            <a:spAutoFit/>
-          </a:bodyPr>
-          <a:lstStyle/>
-          <a:p>
-            <a:r>
-              <a:rPr lang="pt-BR" sz="1600" dirty="0">
-                <a:solidFill>
-                  <a:srgbClr val="447E43"/>
-                </a:solidFill>
-                <a:latin typeface="Bahnschrift" panose="020B0502040204020203" pitchFamily="34" charset="0"/>
-              </a:rPr>
-              <a:t>Nº alternativa correta</a:t>
-            </a:r>
           </a:p>
         </p:txBody>
       </p:sp>
@@ -11766,35 +11696,35 @@
                 <a:gridCol w="490951">
                   <a:extLst>
                     <a:ext uri="{9D8B030D-6E8A-4147-A177-3AD203B41FA5}">
-                      <a16:colId xmlns:a16="http://schemas.microsoft.com/office/drawing/2014/main" val="20000"/>
+                      <a16:colId xmlns:a16="http://schemas.microsoft.com/office/drawing/2014/main" xmlns="" val="20000"/>
                     </a:ext>
                   </a:extLst>
                 </a:gridCol>
                 <a:gridCol w="1405354">
                   <a:extLst>
                     <a:ext uri="{9D8B030D-6E8A-4147-A177-3AD203B41FA5}">
-                      <a16:colId xmlns:a16="http://schemas.microsoft.com/office/drawing/2014/main" val="20001"/>
+                      <a16:colId xmlns:a16="http://schemas.microsoft.com/office/drawing/2014/main" xmlns="" val="20001"/>
                     </a:ext>
                   </a:extLst>
                 </a:gridCol>
                 <a:gridCol w="1502275">
                   <a:extLst>
                     <a:ext uri="{9D8B030D-6E8A-4147-A177-3AD203B41FA5}">
-                      <a16:colId xmlns:a16="http://schemas.microsoft.com/office/drawing/2014/main" val="20002"/>
+                      <a16:colId xmlns:a16="http://schemas.microsoft.com/office/drawing/2014/main" xmlns="" val="20002"/>
                     </a:ext>
                   </a:extLst>
                 </a:gridCol>
                 <a:gridCol w="2253988">
                   <a:extLst>
                     <a:ext uri="{9D8B030D-6E8A-4147-A177-3AD203B41FA5}">
-                      <a16:colId xmlns:a16="http://schemas.microsoft.com/office/drawing/2014/main" val="20003"/>
+                      <a16:colId xmlns:a16="http://schemas.microsoft.com/office/drawing/2014/main" xmlns="" val="20003"/>
                     </a:ext>
                   </a:extLst>
                 </a:gridCol>
                 <a:gridCol w="2253988">
                   <a:extLst>
                     <a:ext uri="{9D8B030D-6E8A-4147-A177-3AD203B41FA5}">
-                      <a16:colId xmlns:a16="http://schemas.microsoft.com/office/drawing/2014/main" val="20004"/>
+                      <a16:colId xmlns:a16="http://schemas.microsoft.com/office/drawing/2014/main" xmlns="" val="20004"/>
                     </a:ext>
                   </a:extLst>
                 </a:gridCol>
@@ -11864,7 +11794,7 @@
                 </a:tc>
                 <a:extLst>
                   <a:ext uri="{0D108BD9-81ED-4DB2-BD59-A6C34878D82A}">
-                    <a16:rowId xmlns:a16="http://schemas.microsoft.com/office/drawing/2014/main" val="10000"/>
+                    <a16:rowId xmlns:a16="http://schemas.microsoft.com/office/drawing/2014/main" xmlns="" val="10000"/>
                   </a:ext>
                 </a:extLst>
               </a:tr>
@@ -11946,7 +11876,7 @@
                 </a:tc>
                 <a:extLst>
                   <a:ext uri="{0D108BD9-81ED-4DB2-BD59-A6C34878D82A}">
-                    <a16:rowId xmlns:a16="http://schemas.microsoft.com/office/drawing/2014/main" val="10001"/>
+                    <a16:rowId xmlns:a16="http://schemas.microsoft.com/office/drawing/2014/main" xmlns="" val="10001"/>
                   </a:ext>
                 </a:extLst>
               </a:tr>
@@ -12045,7 +11975,7 @@
                 </a:tc>
                 <a:extLst>
                   <a:ext uri="{0D108BD9-81ED-4DB2-BD59-A6C34878D82A}">
-                    <a16:rowId xmlns:a16="http://schemas.microsoft.com/office/drawing/2014/main" val="10002"/>
+                    <a16:rowId xmlns:a16="http://schemas.microsoft.com/office/drawing/2014/main" xmlns="" val="10002"/>
                   </a:ext>
                 </a:extLst>
               </a:tr>
@@ -12136,35 +12066,35 @@
                 <a:gridCol w="536534">
                   <a:extLst>
                     <a:ext uri="{9D8B030D-6E8A-4147-A177-3AD203B41FA5}">
-                      <a16:colId xmlns:a16="http://schemas.microsoft.com/office/drawing/2014/main" val="20000"/>
+                      <a16:colId xmlns:a16="http://schemas.microsoft.com/office/drawing/2014/main" xmlns="" val="20000"/>
                     </a:ext>
                   </a:extLst>
                 </a:gridCol>
                 <a:gridCol w="1535836">
                   <a:extLst>
                     <a:ext uri="{9D8B030D-6E8A-4147-A177-3AD203B41FA5}">
-                      <a16:colId xmlns:a16="http://schemas.microsoft.com/office/drawing/2014/main" val="20001"/>
+                      <a16:colId xmlns:a16="http://schemas.microsoft.com/office/drawing/2014/main" xmlns="" val="20001"/>
                     </a:ext>
                   </a:extLst>
                 </a:gridCol>
                 <a:gridCol w="1641756">
                   <a:extLst>
                     <a:ext uri="{9D8B030D-6E8A-4147-A177-3AD203B41FA5}">
-                      <a16:colId xmlns:a16="http://schemas.microsoft.com/office/drawing/2014/main" val="20002"/>
+                      <a16:colId xmlns:a16="http://schemas.microsoft.com/office/drawing/2014/main" xmlns="" val="20002"/>
                     </a:ext>
                   </a:extLst>
                 </a:gridCol>
                 <a:gridCol w="2463263">
                   <a:extLst>
                     <a:ext uri="{9D8B030D-6E8A-4147-A177-3AD203B41FA5}">
-                      <a16:colId xmlns:a16="http://schemas.microsoft.com/office/drawing/2014/main" val="20003"/>
+                      <a16:colId xmlns:a16="http://schemas.microsoft.com/office/drawing/2014/main" xmlns="" val="20003"/>
                     </a:ext>
                   </a:extLst>
                 </a:gridCol>
                 <a:gridCol w="2463263">
                   <a:extLst>
                     <a:ext uri="{9D8B030D-6E8A-4147-A177-3AD203B41FA5}">
-                      <a16:colId xmlns:a16="http://schemas.microsoft.com/office/drawing/2014/main" val="20004"/>
+                      <a16:colId xmlns:a16="http://schemas.microsoft.com/office/drawing/2014/main" xmlns="" val="20004"/>
                     </a:ext>
                   </a:extLst>
                 </a:gridCol>
@@ -12234,7 +12164,7 @@
                 </a:tc>
                 <a:extLst>
                   <a:ext uri="{0D108BD9-81ED-4DB2-BD59-A6C34878D82A}">
-                    <a16:rowId xmlns:a16="http://schemas.microsoft.com/office/drawing/2014/main" val="10000"/>
+                    <a16:rowId xmlns:a16="http://schemas.microsoft.com/office/drawing/2014/main" xmlns="" val="10000"/>
                   </a:ext>
                 </a:extLst>
               </a:tr>
@@ -12304,7 +12234,7 @@
                 </a:tc>
                 <a:extLst>
                   <a:ext uri="{0D108BD9-81ED-4DB2-BD59-A6C34878D82A}">
-                    <a16:rowId xmlns:a16="http://schemas.microsoft.com/office/drawing/2014/main" val="10001"/>
+                    <a16:rowId xmlns:a16="http://schemas.microsoft.com/office/drawing/2014/main" xmlns="" val="10001"/>
                   </a:ext>
                 </a:extLst>
               </a:tr>
@@ -12374,7 +12304,7 @@
                 </a:tc>
                 <a:extLst>
                   <a:ext uri="{0D108BD9-81ED-4DB2-BD59-A6C34878D82A}">
-                    <a16:rowId xmlns:a16="http://schemas.microsoft.com/office/drawing/2014/main" val="10002"/>
+                    <a16:rowId xmlns:a16="http://schemas.microsoft.com/office/drawing/2014/main" xmlns="" val="10002"/>
                   </a:ext>
                 </a:extLst>
               </a:tr>
@@ -12449,7 +12379,7 @@
                 </a:tc>
                 <a:extLst>
                   <a:ext uri="{0D108BD9-81ED-4DB2-BD59-A6C34878D82A}">
-                    <a16:rowId xmlns:a16="http://schemas.microsoft.com/office/drawing/2014/main" val="10003"/>
+                    <a16:rowId xmlns:a16="http://schemas.microsoft.com/office/drawing/2014/main" xmlns="" val="10003"/>
                   </a:ext>
                 </a:extLst>
               </a:tr>
@@ -12524,7 +12454,7 @@
                 </a:tc>
                 <a:extLst>
                   <a:ext uri="{0D108BD9-81ED-4DB2-BD59-A6C34878D82A}">
-                    <a16:rowId xmlns:a16="http://schemas.microsoft.com/office/drawing/2014/main" val="10004"/>
+                    <a16:rowId xmlns:a16="http://schemas.microsoft.com/office/drawing/2014/main" xmlns="" val="10004"/>
                   </a:ext>
                 </a:extLst>
               </a:tr>
@@ -12594,7 +12524,7 @@
                 </a:tc>
                 <a:extLst>
                   <a:ext uri="{0D108BD9-81ED-4DB2-BD59-A6C34878D82A}">
-                    <a16:rowId xmlns:a16="http://schemas.microsoft.com/office/drawing/2014/main" val="10005"/>
+                    <a16:rowId xmlns:a16="http://schemas.microsoft.com/office/drawing/2014/main" xmlns="" val="10005"/>
                   </a:ext>
                 </a:extLst>
               </a:tr>
@@ -12668,7 +12598,7 @@
                 </a:tc>
                 <a:extLst>
                   <a:ext uri="{0D108BD9-81ED-4DB2-BD59-A6C34878D82A}">
-                    <a16:rowId xmlns:a16="http://schemas.microsoft.com/office/drawing/2014/main" val="10006"/>
+                    <a16:rowId xmlns:a16="http://schemas.microsoft.com/office/drawing/2014/main" xmlns="" val="10006"/>
                   </a:ext>
                 </a:extLst>
               </a:tr>
@@ -13871,35 +13801,35 @@
                 <a:gridCol w="631698">
                   <a:extLst>
                     <a:ext uri="{9D8B030D-6E8A-4147-A177-3AD203B41FA5}">
-                      <a16:colId xmlns:a16="http://schemas.microsoft.com/office/drawing/2014/main" val="20000"/>
+                      <a16:colId xmlns:a16="http://schemas.microsoft.com/office/drawing/2014/main" xmlns="" val="20000"/>
                     </a:ext>
                   </a:extLst>
                 </a:gridCol>
                 <a:gridCol w="1808247">
                   <a:extLst>
                     <a:ext uri="{9D8B030D-6E8A-4147-A177-3AD203B41FA5}">
-                      <a16:colId xmlns:a16="http://schemas.microsoft.com/office/drawing/2014/main" val="20001"/>
+                      <a16:colId xmlns:a16="http://schemas.microsoft.com/office/drawing/2014/main" xmlns="" val="20001"/>
                     </a:ext>
                   </a:extLst>
                 </a:gridCol>
                 <a:gridCol w="1932953">
                   <a:extLst>
                     <a:ext uri="{9D8B030D-6E8A-4147-A177-3AD203B41FA5}">
-                      <a16:colId xmlns:a16="http://schemas.microsoft.com/office/drawing/2014/main" val="20002"/>
+                      <a16:colId xmlns:a16="http://schemas.microsoft.com/office/drawing/2014/main" xmlns="" val="20002"/>
                     </a:ext>
                   </a:extLst>
                 </a:gridCol>
                 <a:gridCol w="2900170">
                   <a:extLst>
                     <a:ext uri="{9D8B030D-6E8A-4147-A177-3AD203B41FA5}">
-                      <a16:colId xmlns:a16="http://schemas.microsoft.com/office/drawing/2014/main" val="20003"/>
+                      <a16:colId xmlns:a16="http://schemas.microsoft.com/office/drawing/2014/main" xmlns="" val="20003"/>
                     </a:ext>
                   </a:extLst>
                 </a:gridCol>
                 <a:gridCol w="2900170">
                   <a:extLst>
                     <a:ext uri="{9D8B030D-6E8A-4147-A177-3AD203B41FA5}">
-                      <a16:colId xmlns:a16="http://schemas.microsoft.com/office/drawing/2014/main" val="20004"/>
+                      <a16:colId xmlns:a16="http://schemas.microsoft.com/office/drawing/2014/main" xmlns="" val="20004"/>
                     </a:ext>
                   </a:extLst>
                 </a:gridCol>
@@ -13969,7 +13899,7 @@
                 </a:tc>
                 <a:extLst>
                   <a:ext uri="{0D108BD9-81ED-4DB2-BD59-A6C34878D82A}">
-                    <a16:rowId xmlns:a16="http://schemas.microsoft.com/office/drawing/2014/main" val="10000"/>
+                    <a16:rowId xmlns:a16="http://schemas.microsoft.com/office/drawing/2014/main" xmlns="" val="10000"/>
                   </a:ext>
                 </a:extLst>
               </a:tr>
@@ -14035,7 +13965,7 @@
                 </a:tc>
                 <a:extLst>
                   <a:ext uri="{0D108BD9-81ED-4DB2-BD59-A6C34878D82A}">
-                    <a16:rowId xmlns:a16="http://schemas.microsoft.com/office/drawing/2014/main" val="10001"/>
+                    <a16:rowId xmlns:a16="http://schemas.microsoft.com/office/drawing/2014/main" xmlns="" val="10001"/>
                   </a:ext>
                 </a:extLst>
               </a:tr>
@@ -14106,7 +14036,7 @@
                 </a:tc>
                 <a:extLst>
                   <a:ext uri="{0D108BD9-81ED-4DB2-BD59-A6C34878D82A}">
-                    <a16:rowId xmlns:a16="http://schemas.microsoft.com/office/drawing/2014/main" val="10002"/>
+                    <a16:rowId xmlns:a16="http://schemas.microsoft.com/office/drawing/2014/main" xmlns="" val="10002"/>
                   </a:ext>
                 </a:extLst>
               </a:tr>
@@ -14172,7 +14102,7 @@
                 </a:tc>
                 <a:extLst>
                   <a:ext uri="{0D108BD9-81ED-4DB2-BD59-A6C34878D82A}">
-                    <a16:rowId xmlns:a16="http://schemas.microsoft.com/office/drawing/2014/main" val="10003"/>
+                    <a16:rowId xmlns:a16="http://schemas.microsoft.com/office/drawing/2014/main" xmlns="" val="10003"/>
                   </a:ext>
                 </a:extLst>
               </a:tr>
@@ -18003,35 +17933,35 @@
                 <a:gridCol w="631698">
                   <a:extLst>
                     <a:ext uri="{9D8B030D-6E8A-4147-A177-3AD203B41FA5}">
-                      <a16:colId xmlns:a16="http://schemas.microsoft.com/office/drawing/2014/main" val="20000"/>
+                      <a16:colId xmlns:a16="http://schemas.microsoft.com/office/drawing/2014/main" xmlns="" val="20000"/>
                     </a:ext>
                   </a:extLst>
                 </a:gridCol>
                 <a:gridCol w="1808247">
                   <a:extLst>
                     <a:ext uri="{9D8B030D-6E8A-4147-A177-3AD203B41FA5}">
-                      <a16:colId xmlns:a16="http://schemas.microsoft.com/office/drawing/2014/main" val="20001"/>
+                      <a16:colId xmlns:a16="http://schemas.microsoft.com/office/drawing/2014/main" xmlns="" val="20001"/>
                     </a:ext>
                   </a:extLst>
                 </a:gridCol>
                 <a:gridCol w="1932953">
                   <a:extLst>
                     <a:ext uri="{9D8B030D-6E8A-4147-A177-3AD203B41FA5}">
-                      <a16:colId xmlns:a16="http://schemas.microsoft.com/office/drawing/2014/main" val="20002"/>
+                      <a16:colId xmlns:a16="http://schemas.microsoft.com/office/drawing/2014/main" xmlns="" val="20002"/>
                     </a:ext>
                   </a:extLst>
                 </a:gridCol>
                 <a:gridCol w="2900170">
                   <a:extLst>
                     <a:ext uri="{9D8B030D-6E8A-4147-A177-3AD203B41FA5}">
-                      <a16:colId xmlns:a16="http://schemas.microsoft.com/office/drawing/2014/main" val="20003"/>
+                      <a16:colId xmlns:a16="http://schemas.microsoft.com/office/drawing/2014/main" xmlns="" val="20003"/>
                     </a:ext>
                   </a:extLst>
                 </a:gridCol>
                 <a:gridCol w="2900170">
                   <a:extLst>
                     <a:ext uri="{9D8B030D-6E8A-4147-A177-3AD203B41FA5}">
-                      <a16:colId xmlns:a16="http://schemas.microsoft.com/office/drawing/2014/main" val="20004"/>
+                      <a16:colId xmlns:a16="http://schemas.microsoft.com/office/drawing/2014/main" xmlns="" val="20004"/>
                     </a:ext>
                   </a:extLst>
                 </a:gridCol>
@@ -18101,7 +18031,7 @@
                 </a:tc>
                 <a:extLst>
                   <a:ext uri="{0D108BD9-81ED-4DB2-BD59-A6C34878D82A}">
-                    <a16:rowId xmlns:a16="http://schemas.microsoft.com/office/drawing/2014/main" val="10000"/>
+                    <a16:rowId xmlns:a16="http://schemas.microsoft.com/office/drawing/2014/main" xmlns="" val="10000"/>
                   </a:ext>
                 </a:extLst>
               </a:tr>
@@ -18167,7 +18097,7 @@
                 </a:tc>
                 <a:extLst>
                   <a:ext uri="{0D108BD9-81ED-4DB2-BD59-A6C34878D82A}">
-                    <a16:rowId xmlns:a16="http://schemas.microsoft.com/office/drawing/2014/main" val="10001"/>
+                    <a16:rowId xmlns:a16="http://schemas.microsoft.com/office/drawing/2014/main" xmlns="" val="10001"/>
                   </a:ext>
                 </a:extLst>
               </a:tr>
@@ -18238,7 +18168,7 @@
                 </a:tc>
                 <a:extLst>
                   <a:ext uri="{0D108BD9-81ED-4DB2-BD59-A6C34878D82A}">
-                    <a16:rowId xmlns:a16="http://schemas.microsoft.com/office/drawing/2014/main" val="10002"/>
+                    <a16:rowId xmlns:a16="http://schemas.microsoft.com/office/drawing/2014/main" xmlns="" val="10002"/>
                   </a:ext>
                 </a:extLst>
               </a:tr>
@@ -18304,7 +18234,7 @@
                 </a:tc>
                 <a:extLst>
                   <a:ext uri="{0D108BD9-81ED-4DB2-BD59-A6C34878D82A}">
-                    <a16:rowId xmlns:a16="http://schemas.microsoft.com/office/drawing/2014/main" val="10003"/>
+                    <a16:rowId xmlns:a16="http://schemas.microsoft.com/office/drawing/2014/main" xmlns="" val="10003"/>
                   </a:ext>
                 </a:extLst>
               </a:tr>
@@ -19437,35 +19367,35 @@
                 <a:gridCol w="631698">
                   <a:extLst>
                     <a:ext uri="{9D8B030D-6E8A-4147-A177-3AD203B41FA5}">
-                      <a16:colId xmlns:a16="http://schemas.microsoft.com/office/drawing/2014/main" val="20000"/>
+                      <a16:colId xmlns:a16="http://schemas.microsoft.com/office/drawing/2014/main" xmlns="" val="20000"/>
                     </a:ext>
                   </a:extLst>
                 </a:gridCol>
                 <a:gridCol w="1808247">
                   <a:extLst>
                     <a:ext uri="{9D8B030D-6E8A-4147-A177-3AD203B41FA5}">
-                      <a16:colId xmlns:a16="http://schemas.microsoft.com/office/drawing/2014/main" val="20001"/>
+                      <a16:colId xmlns:a16="http://schemas.microsoft.com/office/drawing/2014/main" xmlns="" val="20001"/>
                     </a:ext>
                   </a:extLst>
                 </a:gridCol>
                 <a:gridCol w="1932953">
                   <a:extLst>
                     <a:ext uri="{9D8B030D-6E8A-4147-A177-3AD203B41FA5}">
-                      <a16:colId xmlns:a16="http://schemas.microsoft.com/office/drawing/2014/main" val="20002"/>
+                      <a16:colId xmlns:a16="http://schemas.microsoft.com/office/drawing/2014/main" xmlns="" val="20002"/>
                     </a:ext>
                   </a:extLst>
                 </a:gridCol>
                 <a:gridCol w="2900170">
                   <a:extLst>
                     <a:ext uri="{9D8B030D-6E8A-4147-A177-3AD203B41FA5}">
-                      <a16:colId xmlns:a16="http://schemas.microsoft.com/office/drawing/2014/main" val="20003"/>
+                      <a16:colId xmlns:a16="http://schemas.microsoft.com/office/drawing/2014/main" xmlns="" val="20003"/>
                     </a:ext>
                   </a:extLst>
                 </a:gridCol>
                 <a:gridCol w="2900170">
                   <a:extLst>
                     <a:ext uri="{9D8B030D-6E8A-4147-A177-3AD203B41FA5}">
-                      <a16:colId xmlns:a16="http://schemas.microsoft.com/office/drawing/2014/main" val="20004"/>
+                      <a16:colId xmlns:a16="http://schemas.microsoft.com/office/drawing/2014/main" xmlns="" val="20004"/>
                     </a:ext>
                   </a:extLst>
                 </a:gridCol>
@@ -19535,7 +19465,7 @@
                 </a:tc>
                 <a:extLst>
                   <a:ext uri="{0D108BD9-81ED-4DB2-BD59-A6C34878D82A}">
-                    <a16:rowId xmlns:a16="http://schemas.microsoft.com/office/drawing/2014/main" val="10000"/>
+                    <a16:rowId xmlns:a16="http://schemas.microsoft.com/office/drawing/2014/main" xmlns="" val="10000"/>
                   </a:ext>
                 </a:extLst>
               </a:tr>
@@ -19601,7 +19531,7 @@
                 </a:tc>
                 <a:extLst>
                   <a:ext uri="{0D108BD9-81ED-4DB2-BD59-A6C34878D82A}">
-                    <a16:rowId xmlns:a16="http://schemas.microsoft.com/office/drawing/2014/main" val="10001"/>
+                    <a16:rowId xmlns:a16="http://schemas.microsoft.com/office/drawing/2014/main" xmlns="" val="10001"/>
                   </a:ext>
                 </a:extLst>
               </a:tr>
@@ -19672,7 +19602,7 @@
                 </a:tc>
                 <a:extLst>
                   <a:ext uri="{0D108BD9-81ED-4DB2-BD59-A6C34878D82A}">
-                    <a16:rowId xmlns:a16="http://schemas.microsoft.com/office/drawing/2014/main" val="10002"/>
+                    <a16:rowId xmlns:a16="http://schemas.microsoft.com/office/drawing/2014/main" xmlns="" val="10002"/>
                   </a:ext>
                 </a:extLst>
               </a:tr>
@@ -19738,7 +19668,7 @@
                 </a:tc>
                 <a:extLst>
                   <a:ext uri="{0D108BD9-81ED-4DB2-BD59-A6C34878D82A}">
-                    <a16:rowId xmlns:a16="http://schemas.microsoft.com/office/drawing/2014/main" val="10003"/>
+                    <a16:rowId xmlns:a16="http://schemas.microsoft.com/office/drawing/2014/main" xmlns="" val="10003"/>
                   </a:ext>
                 </a:extLst>
               </a:tr>
@@ -21492,35 +21422,35 @@
                 <a:gridCol w="586838">
                   <a:extLst>
                     <a:ext uri="{9D8B030D-6E8A-4147-A177-3AD203B41FA5}">
-                      <a16:colId xmlns:a16="http://schemas.microsoft.com/office/drawing/2014/main" val="20000"/>
+                      <a16:colId xmlns:a16="http://schemas.microsoft.com/office/drawing/2014/main" xmlns="" val="20000"/>
                     </a:ext>
                   </a:extLst>
                 </a:gridCol>
                 <a:gridCol w="1679832">
                   <a:extLst>
                     <a:ext uri="{9D8B030D-6E8A-4147-A177-3AD203B41FA5}">
-                      <a16:colId xmlns:a16="http://schemas.microsoft.com/office/drawing/2014/main" val="20001"/>
+                      <a16:colId xmlns:a16="http://schemas.microsoft.com/office/drawing/2014/main" xmlns="" val="20001"/>
                     </a:ext>
                   </a:extLst>
                 </a:gridCol>
                 <a:gridCol w="2090660">
                   <a:extLst>
                     <a:ext uri="{9D8B030D-6E8A-4147-A177-3AD203B41FA5}">
-                      <a16:colId xmlns:a16="http://schemas.microsoft.com/office/drawing/2014/main" val="20002"/>
+                      <a16:colId xmlns:a16="http://schemas.microsoft.com/office/drawing/2014/main" xmlns="" val="20002"/>
                     </a:ext>
                   </a:extLst>
                 </a:gridCol>
                 <a:gridCol w="2209822">
                   <a:extLst>
                     <a:ext uri="{9D8B030D-6E8A-4147-A177-3AD203B41FA5}">
-                      <a16:colId xmlns:a16="http://schemas.microsoft.com/office/drawing/2014/main" val="20003"/>
+                      <a16:colId xmlns:a16="http://schemas.microsoft.com/office/drawing/2014/main" xmlns="" val="20003"/>
                     </a:ext>
                   </a:extLst>
                 </a:gridCol>
                 <a:gridCol w="2588654">
                   <a:extLst>
                     <a:ext uri="{9D8B030D-6E8A-4147-A177-3AD203B41FA5}">
-                      <a16:colId xmlns:a16="http://schemas.microsoft.com/office/drawing/2014/main" val="20004"/>
+                      <a16:colId xmlns:a16="http://schemas.microsoft.com/office/drawing/2014/main" xmlns="" val="20004"/>
                     </a:ext>
                   </a:extLst>
                 </a:gridCol>
@@ -21590,7 +21520,7 @@
                 </a:tc>
                 <a:extLst>
                   <a:ext uri="{0D108BD9-81ED-4DB2-BD59-A6C34878D82A}">
-                    <a16:rowId xmlns:a16="http://schemas.microsoft.com/office/drawing/2014/main" val="10000"/>
+                    <a16:rowId xmlns:a16="http://schemas.microsoft.com/office/drawing/2014/main" xmlns="" val="10000"/>
                   </a:ext>
                 </a:extLst>
               </a:tr>
@@ -21659,7 +21589,7 @@
                 </a:tc>
                 <a:extLst>
                   <a:ext uri="{0D108BD9-81ED-4DB2-BD59-A6C34878D82A}">
-                    <a16:rowId xmlns:a16="http://schemas.microsoft.com/office/drawing/2014/main" val="10001"/>
+                    <a16:rowId xmlns:a16="http://schemas.microsoft.com/office/drawing/2014/main" xmlns="" val="10001"/>
                   </a:ext>
                 </a:extLst>
               </a:tr>
@@ -21748,7 +21678,7 @@
                 </a:tc>
                 <a:extLst>
                   <a:ext uri="{0D108BD9-81ED-4DB2-BD59-A6C34878D82A}">
-                    <a16:rowId xmlns:a16="http://schemas.microsoft.com/office/drawing/2014/main" val="10002"/>
+                    <a16:rowId xmlns:a16="http://schemas.microsoft.com/office/drawing/2014/main" xmlns="" val="10002"/>
                   </a:ext>
                 </a:extLst>
               </a:tr>
@@ -21837,7 +21767,7 @@
                 </a:tc>
                 <a:extLst>
                   <a:ext uri="{0D108BD9-81ED-4DB2-BD59-A6C34878D82A}">
-                    <a16:rowId xmlns:a16="http://schemas.microsoft.com/office/drawing/2014/main" val="10003"/>
+                    <a16:rowId xmlns:a16="http://schemas.microsoft.com/office/drawing/2014/main" xmlns="" val="10003"/>
                   </a:ext>
                 </a:extLst>
               </a:tr>
@@ -25295,7 +25225,7 @@
           <p:cNvPr id="35" name="Retângulo 34">
             <a:extLst>
               <a:ext uri="{FF2B5EF4-FFF2-40B4-BE49-F238E27FC236}">
-                <a16:creationId xmlns:a16="http://schemas.microsoft.com/office/drawing/2014/main" id="{579B470E-A950-473D-9224-F36D0EB57231}"/>
+                <a16:creationId xmlns:a16="http://schemas.microsoft.com/office/drawing/2014/main" xmlns="" id="{579B470E-A950-473D-9224-F36D0EB57231}"/>
               </a:ext>
             </a:extLst>
           </p:cNvPr>
@@ -25438,35 +25368,35 @@
                 <a:gridCol w="569322">
                   <a:extLst>
                     <a:ext uri="{9D8B030D-6E8A-4147-A177-3AD203B41FA5}">
-                      <a16:colId xmlns:a16="http://schemas.microsoft.com/office/drawing/2014/main" val="20000"/>
+                      <a16:colId xmlns:a16="http://schemas.microsoft.com/office/drawing/2014/main" xmlns="" val="20000"/>
                     </a:ext>
                   </a:extLst>
                 </a:gridCol>
                 <a:gridCol w="1629692">
                   <a:extLst>
                     <a:ext uri="{9D8B030D-6E8A-4147-A177-3AD203B41FA5}">
-                      <a16:colId xmlns:a16="http://schemas.microsoft.com/office/drawing/2014/main" val="20001"/>
+                      <a16:colId xmlns:a16="http://schemas.microsoft.com/office/drawing/2014/main" xmlns="" val="20001"/>
                     </a:ext>
                   </a:extLst>
                 </a:gridCol>
                 <a:gridCol w="1742084">
                   <a:extLst>
                     <a:ext uri="{9D8B030D-6E8A-4147-A177-3AD203B41FA5}">
-                      <a16:colId xmlns:a16="http://schemas.microsoft.com/office/drawing/2014/main" val="20002"/>
+                      <a16:colId xmlns:a16="http://schemas.microsoft.com/office/drawing/2014/main" xmlns="" val="20002"/>
                     </a:ext>
                   </a:extLst>
                 </a:gridCol>
                 <a:gridCol w="2942571">
                   <a:extLst>
                     <a:ext uri="{9D8B030D-6E8A-4147-A177-3AD203B41FA5}">
-                      <a16:colId xmlns:a16="http://schemas.microsoft.com/office/drawing/2014/main" val="20003"/>
+                      <a16:colId xmlns:a16="http://schemas.microsoft.com/office/drawing/2014/main" xmlns="" val="20003"/>
                     </a:ext>
                   </a:extLst>
                 </a:gridCol>
                 <a:gridCol w="2285016">
                   <a:extLst>
                     <a:ext uri="{9D8B030D-6E8A-4147-A177-3AD203B41FA5}">
-                      <a16:colId xmlns:a16="http://schemas.microsoft.com/office/drawing/2014/main" val="20004"/>
+                      <a16:colId xmlns:a16="http://schemas.microsoft.com/office/drawing/2014/main" xmlns="" val="20004"/>
                     </a:ext>
                   </a:extLst>
                 </a:gridCol>
@@ -25536,7 +25466,7 @@
                 </a:tc>
                 <a:extLst>
                   <a:ext uri="{0D108BD9-81ED-4DB2-BD59-A6C34878D82A}">
-                    <a16:rowId xmlns:a16="http://schemas.microsoft.com/office/drawing/2014/main" val="10000"/>
+                    <a16:rowId xmlns:a16="http://schemas.microsoft.com/office/drawing/2014/main" xmlns="" val="10000"/>
                   </a:ext>
                 </a:extLst>
               </a:tr>
@@ -25610,7 +25540,7 @@
                 </a:tc>
                 <a:extLst>
                   <a:ext uri="{0D108BD9-81ED-4DB2-BD59-A6C34878D82A}">
-                    <a16:rowId xmlns:a16="http://schemas.microsoft.com/office/drawing/2014/main" val="10001"/>
+                    <a16:rowId xmlns:a16="http://schemas.microsoft.com/office/drawing/2014/main" xmlns="" val="10001"/>
                   </a:ext>
                 </a:extLst>
               </a:tr>
@@ -25687,7 +25617,7 @@
                 </a:tc>
                 <a:extLst>
                   <a:ext uri="{0D108BD9-81ED-4DB2-BD59-A6C34878D82A}">
-                    <a16:rowId xmlns:a16="http://schemas.microsoft.com/office/drawing/2014/main" val="10002"/>
+                    <a16:rowId xmlns:a16="http://schemas.microsoft.com/office/drawing/2014/main" xmlns="" val="10002"/>
                   </a:ext>
                 </a:extLst>
               </a:tr>
@@ -25756,7 +25686,7 @@
                 </a:tc>
                 <a:extLst>
                   <a:ext uri="{0D108BD9-81ED-4DB2-BD59-A6C34878D82A}">
-                    <a16:rowId xmlns:a16="http://schemas.microsoft.com/office/drawing/2014/main" val="10003"/>
+                    <a16:rowId xmlns:a16="http://schemas.microsoft.com/office/drawing/2014/main" xmlns="" val="10003"/>
                   </a:ext>
                 </a:extLst>
               </a:tr>
@@ -25830,7 +25760,7 @@
                 </a:tc>
                 <a:extLst>
                   <a:ext uri="{0D108BD9-81ED-4DB2-BD59-A6C34878D82A}">
-                    <a16:rowId xmlns:a16="http://schemas.microsoft.com/office/drawing/2014/main" val="10004"/>
+                    <a16:rowId xmlns:a16="http://schemas.microsoft.com/office/drawing/2014/main" xmlns="" val="10004"/>
                   </a:ext>
                 </a:extLst>
               </a:tr>
@@ -25873,7 +25803,7 @@
           <p:cNvPr id="28" name="Retângulo 27">
             <a:extLst>
               <a:ext uri="{FF2B5EF4-FFF2-40B4-BE49-F238E27FC236}">
-                <a16:creationId xmlns:a16="http://schemas.microsoft.com/office/drawing/2014/main" id="{5F32A0B6-C48F-43EE-A5D8-7308B54BD125}"/>
+                <a16:creationId xmlns:a16="http://schemas.microsoft.com/office/drawing/2014/main" xmlns="" id="{5F32A0B6-C48F-43EE-A5D8-7308B54BD125}"/>
               </a:ext>
             </a:extLst>
           </p:cNvPr>
@@ -25931,7 +25861,7 @@
           <p:cNvPr id="29" name="Imagem 28">
             <a:extLst>
               <a:ext uri="{FF2B5EF4-FFF2-40B4-BE49-F238E27FC236}">
-                <a16:creationId xmlns:a16="http://schemas.microsoft.com/office/drawing/2014/main" id="{FB65D69D-FD79-4510-9B62-EF95225475B4}"/>
+                <a16:creationId xmlns:a16="http://schemas.microsoft.com/office/drawing/2014/main" xmlns="" id="{FB65D69D-FD79-4510-9B62-EF95225475B4}"/>
               </a:ext>
             </a:extLst>
           </p:cNvPr>
@@ -25966,7 +25896,7 @@
           <p:cNvPr id="30" name="Retângulo 29">
             <a:extLst>
               <a:ext uri="{FF2B5EF4-FFF2-40B4-BE49-F238E27FC236}">
-                <a16:creationId xmlns:a16="http://schemas.microsoft.com/office/drawing/2014/main" id="{69F39E0A-ADF3-4786-AADD-1590DEF8ACD5}"/>
+                <a16:creationId xmlns:a16="http://schemas.microsoft.com/office/drawing/2014/main" xmlns="" id="{69F39E0A-ADF3-4786-AADD-1590DEF8ACD5}"/>
               </a:ext>
             </a:extLst>
           </p:cNvPr>
@@ -26020,7 +25950,7 @@
           <p:cNvPr id="31" name="Retângulo de cantos arredondados 15">
             <a:extLst>
               <a:ext uri="{FF2B5EF4-FFF2-40B4-BE49-F238E27FC236}">
-                <a16:creationId xmlns:a16="http://schemas.microsoft.com/office/drawing/2014/main" id="{A8F89069-7CD4-49CA-8349-13E28CB0199B}"/>
+                <a16:creationId xmlns:a16="http://schemas.microsoft.com/office/drawing/2014/main" xmlns="" id="{A8F89069-7CD4-49CA-8349-13E28CB0199B}"/>
               </a:ext>
             </a:extLst>
           </p:cNvPr>
@@ -26067,7 +25997,7 @@
           <p:cNvPr id="32" name="Retângulo 31">
             <a:extLst>
               <a:ext uri="{FF2B5EF4-FFF2-40B4-BE49-F238E27FC236}">
-                <a16:creationId xmlns:a16="http://schemas.microsoft.com/office/drawing/2014/main" id="{FB98B605-AF2E-47B3-A046-9DBA0B0C6DF0}"/>
+                <a16:creationId xmlns:a16="http://schemas.microsoft.com/office/drawing/2014/main" xmlns="" id="{FB98B605-AF2E-47B3-A046-9DBA0B0C6DF0}"/>
               </a:ext>
             </a:extLst>
           </p:cNvPr>
@@ -26136,7 +26066,7 @@
           <p:cNvPr id="33" name="Retângulo 32">
             <a:extLst>
               <a:ext uri="{FF2B5EF4-FFF2-40B4-BE49-F238E27FC236}">
-                <a16:creationId xmlns:a16="http://schemas.microsoft.com/office/drawing/2014/main" id="{C58BEB00-D0CF-4119-A679-797E80547B05}"/>
+                <a16:creationId xmlns:a16="http://schemas.microsoft.com/office/drawing/2014/main" xmlns="" id="{C58BEB00-D0CF-4119-A679-797E80547B05}"/>
               </a:ext>
             </a:extLst>
           </p:cNvPr>
@@ -26205,7 +26135,7 @@
           <p:cNvPr id="34" name="Retângulo 33">
             <a:extLst>
               <a:ext uri="{FF2B5EF4-FFF2-40B4-BE49-F238E27FC236}">
-                <a16:creationId xmlns:a16="http://schemas.microsoft.com/office/drawing/2014/main" id="{B89DBC78-F9B4-4606-9E15-BA606BC8461C}"/>
+                <a16:creationId xmlns:a16="http://schemas.microsoft.com/office/drawing/2014/main" xmlns="" id="{B89DBC78-F9B4-4606-9E15-BA606BC8461C}"/>
               </a:ext>
             </a:extLst>
           </p:cNvPr>
@@ -26274,7 +26204,7 @@
           <p:cNvPr id="35" name="Retângulo 34">
             <a:extLst>
               <a:ext uri="{FF2B5EF4-FFF2-40B4-BE49-F238E27FC236}">
-                <a16:creationId xmlns:a16="http://schemas.microsoft.com/office/drawing/2014/main" id="{0B9D6A87-571A-41B7-8B3A-068B4D3A1265}"/>
+                <a16:creationId xmlns:a16="http://schemas.microsoft.com/office/drawing/2014/main" xmlns="" id="{0B9D6A87-571A-41B7-8B3A-068B4D3A1265}"/>
               </a:ext>
             </a:extLst>
           </p:cNvPr>
@@ -26343,7 +26273,7 @@
           <p:cNvPr id="36" name="CaixaDeTexto 35">
             <a:extLst>
               <a:ext uri="{FF2B5EF4-FFF2-40B4-BE49-F238E27FC236}">
-                <a16:creationId xmlns:a16="http://schemas.microsoft.com/office/drawing/2014/main" id="{37A1CC55-461A-40B6-BDC2-2D9791E94584}"/>
+                <a16:creationId xmlns:a16="http://schemas.microsoft.com/office/drawing/2014/main" xmlns="" id="{37A1CC55-461A-40B6-BDC2-2D9791E94584}"/>
               </a:ext>
             </a:extLst>
           </p:cNvPr>
@@ -26383,7 +26313,7 @@
           <p:cNvPr id="37" name="Retângulo de cantos arredondados 12">
             <a:extLst>
               <a:ext uri="{FF2B5EF4-FFF2-40B4-BE49-F238E27FC236}">
-                <a16:creationId xmlns:a16="http://schemas.microsoft.com/office/drawing/2014/main" id="{152A2D14-D488-49A7-9950-4E3295F94DFB}"/>
+                <a16:creationId xmlns:a16="http://schemas.microsoft.com/office/drawing/2014/main" xmlns="" id="{152A2D14-D488-49A7-9950-4E3295F94DFB}"/>
               </a:ext>
             </a:extLst>
           </p:cNvPr>
@@ -26446,7 +26376,7 @@
           <p:cNvPr id="38" name="Imagem 37">
             <a:extLst>
               <a:ext uri="{FF2B5EF4-FFF2-40B4-BE49-F238E27FC236}">
-                <a16:creationId xmlns:a16="http://schemas.microsoft.com/office/drawing/2014/main" id="{F2BF6BE9-45DE-458A-9408-5C7903B7295F}"/>
+                <a16:creationId xmlns:a16="http://schemas.microsoft.com/office/drawing/2014/main" xmlns="" id="{F2BF6BE9-45DE-458A-9408-5C7903B7295F}"/>
               </a:ext>
             </a:extLst>
           </p:cNvPr>
@@ -26495,7 +26425,7 @@
           <p:cNvPr id="39" name="Imagem 38">
             <a:extLst>
               <a:ext uri="{FF2B5EF4-FFF2-40B4-BE49-F238E27FC236}">
-                <a16:creationId xmlns:a16="http://schemas.microsoft.com/office/drawing/2014/main" id="{D89D9DA9-AD65-4970-90D0-0D6997AF6D21}"/>
+                <a16:creationId xmlns:a16="http://schemas.microsoft.com/office/drawing/2014/main" xmlns="" id="{D89D9DA9-AD65-4970-90D0-0D6997AF6D21}"/>
               </a:ext>
             </a:extLst>
           </p:cNvPr>
@@ -26538,7 +26468,7 @@
           <p:cNvPr id="41" name="Imagem 40">
             <a:extLst>
               <a:ext uri="{FF2B5EF4-FFF2-40B4-BE49-F238E27FC236}">
-                <a16:creationId xmlns:a16="http://schemas.microsoft.com/office/drawing/2014/main" id="{CEA260CB-8F16-4F6F-B5F3-2A53C9DA9FF2}"/>
+                <a16:creationId xmlns:a16="http://schemas.microsoft.com/office/drawing/2014/main" xmlns="" id="{CEA260CB-8F16-4F6F-B5F3-2A53C9DA9FF2}"/>
               </a:ext>
             </a:extLst>
           </p:cNvPr>
@@ -26829,6 +26759,1132 @@
       </p:grpSpPr>
       <p:sp>
         <p:nvSpPr>
+          <p:cNvPr id="4" name="Retângulo 3"/>
+          <p:cNvSpPr/>
+          <p:nvPr/>
+        </p:nvSpPr>
+        <p:spPr>
+          <a:xfrm>
+            <a:off x="1117279" y="445761"/>
+            <a:ext cx="9787944" cy="5911402"/>
+          </a:xfrm>
+          <a:prstGeom prst="rect">
+            <a:avLst/>
+          </a:prstGeom>
+          <a:solidFill>
+            <a:srgbClr val="A5CA97"/>
+          </a:solidFill>
+          <a:ln>
+            <a:solidFill>
+              <a:schemeClr val="accent6">
+                <a:lumMod val="60000"/>
+                <a:lumOff val="40000"/>
+              </a:schemeClr>
+            </a:solidFill>
+          </a:ln>
+          <a:effectLst/>
+        </p:spPr>
+        <p:style>
+          <a:lnRef idx="2">
+            <a:schemeClr val="accent1">
+              <a:shade val="50000"/>
+            </a:schemeClr>
+          </a:lnRef>
+          <a:fillRef idx="1">
+            <a:schemeClr val="accent1"/>
+          </a:fillRef>
+          <a:effectRef idx="0">
+            <a:schemeClr val="accent1"/>
+          </a:effectRef>
+          <a:fontRef idx="minor">
+            <a:schemeClr val="lt1"/>
+          </a:fontRef>
+        </p:style>
+        <p:txBody>
+          <a:bodyPr rtlCol="0" anchor="ctr"/>
+          <a:lstStyle/>
+          <a:p>
+            <a:pPr algn="ctr"/>
+            <a:endParaRPr lang="pt-BR"/>
+          </a:p>
+        </p:txBody>
+      </p:sp>
+      <p:sp>
+        <p:nvSpPr>
+          <p:cNvPr id="15" name="Retângulo 14"/>
+          <p:cNvSpPr/>
+          <p:nvPr/>
+        </p:nvSpPr>
+        <p:spPr>
+          <a:xfrm>
+            <a:off x="1146749" y="445761"/>
+            <a:ext cx="9787944" cy="764853"/>
+          </a:xfrm>
+          <a:prstGeom prst="rect">
+            <a:avLst/>
+          </a:prstGeom>
+          <a:solidFill>
+            <a:srgbClr val="8DBA62"/>
+          </a:solidFill>
+          <a:ln>
+            <a:noFill/>
+          </a:ln>
+        </p:spPr>
+        <p:style>
+          <a:lnRef idx="2">
+            <a:schemeClr val="accent1">
+              <a:shade val="50000"/>
+            </a:schemeClr>
+          </a:lnRef>
+          <a:fillRef idx="1">
+            <a:schemeClr val="accent1"/>
+          </a:fillRef>
+          <a:effectRef idx="0">
+            <a:schemeClr val="accent1"/>
+          </a:effectRef>
+          <a:fontRef idx="minor">
+            <a:schemeClr val="lt1"/>
+          </a:fontRef>
+        </p:style>
+        <p:txBody>
+          <a:bodyPr rtlCol="0" anchor="ctr"/>
+          <a:lstStyle/>
+          <a:p>
+            <a:pPr algn="ctr"/>
+            <a:endParaRPr lang="pt-BR"/>
+          </a:p>
+        </p:txBody>
+      </p:sp>
+      <p:sp>
+        <p:nvSpPr>
+          <p:cNvPr id="40" name="CaixaDeTexto 39"/>
+          <p:cNvSpPr txBox="1"/>
+          <p:nvPr/>
+        </p:nvSpPr>
+        <p:spPr>
+          <a:xfrm>
+            <a:off x="1146749" y="487727"/>
+            <a:ext cx="4578359" cy="646331"/>
+          </a:xfrm>
+          <a:prstGeom prst="rect">
+            <a:avLst/>
+          </a:prstGeom>
+          <a:noFill/>
+        </p:spPr>
+        <p:txBody>
+          <a:bodyPr wrap="square" rtlCol="0">
+            <a:spAutoFit/>
+          </a:bodyPr>
+          <a:lstStyle/>
+          <a:p>
+            <a:r>
+              <a:rPr lang="pt-BR" sz="3600" dirty="0" smtClean="0">
+                <a:solidFill>
+                  <a:schemeClr val="bg1"/>
+                </a:solidFill>
+                <a:latin typeface="Bahnschrift" panose="020B0502040204020203" pitchFamily="34" charset="0"/>
+              </a:rPr>
+              <a:t>ENTRAR NA SALA</a:t>
+            </a:r>
+            <a:endParaRPr lang="pt-BR" sz="3600" dirty="0">
+              <a:solidFill>
+                <a:schemeClr val="bg1"/>
+              </a:solidFill>
+              <a:latin typeface="Bahnschrift" panose="020B0502040204020203" pitchFamily="34" charset="0"/>
+            </a:endParaRPr>
+          </a:p>
+        </p:txBody>
+      </p:sp>
+      <p:grpSp>
+        <p:nvGrpSpPr>
+          <p:cNvPr id="47" name="Grupo 46"/>
+          <p:cNvGrpSpPr/>
+          <p:nvPr/>
+        </p:nvGrpSpPr>
+        <p:grpSpPr>
+          <a:xfrm>
+            <a:off x="1711215" y="1429557"/>
+            <a:ext cx="8104155" cy="4773631"/>
+            <a:chOff x="3303102" y="1578846"/>
+            <a:chExt cx="7132734" cy="4364070"/>
+          </a:xfrm>
+        </p:grpSpPr>
+        <p:sp>
+          <p:nvSpPr>
+            <p:cNvPr id="50" name="Retângulo 49"/>
+            <p:cNvSpPr/>
+            <p:nvPr/>
+          </p:nvSpPr>
+          <p:spPr>
+            <a:xfrm>
+              <a:off x="3303102" y="1578846"/>
+              <a:ext cx="7132734" cy="4364070"/>
+            </a:xfrm>
+            <a:prstGeom prst="rect">
+              <a:avLst/>
+            </a:prstGeom>
+            <a:solidFill>
+              <a:srgbClr val="8DBA62"/>
+            </a:solidFill>
+            <a:ln>
+              <a:solidFill>
+                <a:srgbClr val="8DBA62"/>
+              </a:solidFill>
+            </a:ln>
+          </p:spPr>
+          <p:style>
+            <a:lnRef idx="2">
+              <a:schemeClr val="accent1">
+                <a:shade val="50000"/>
+              </a:schemeClr>
+            </a:lnRef>
+            <a:fillRef idx="1">
+              <a:schemeClr val="accent1"/>
+            </a:fillRef>
+            <a:effectRef idx="0">
+              <a:schemeClr val="accent1"/>
+            </a:effectRef>
+            <a:fontRef idx="minor">
+              <a:schemeClr val="lt1"/>
+            </a:fontRef>
+          </p:style>
+          <p:txBody>
+            <a:bodyPr rtlCol="0" anchor="ctr"/>
+            <a:lstStyle/>
+            <a:p>
+              <a:pPr algn="ctr"/>
+              <a:endParaRPr lang="pt-BR"/>
+            </a:p>
+          </p:txBody>
+        </p:sp>
+        <p:sp>
+          <p:nvSpPr>
+            <p:cNvPr id="58" name="Retângulo de cantos arredondados 57"/>
+            <p:cNvSpPr/>
+            <p:nvPr/>
+          </p:nvSpPr>
+          <p:spPr>
+            <a:xfrm>
+              <a:off x="3400023" y="1674254"/>
+              <a:ext cx="6941711" cy="4172754"/>
+            </a:xfrm>
+            <a:prstGeom prst="roundRect">
+              <a:avLst>
+                <a:gd name="adj" fmla="val 0"/>
+              </a:avLst>
+            </a:prstGeom>
+            <a:solidFill>
+              <a:srgbClr val="FDEBC7"/>
+            </a:solidFill>
+            <a:ln>
+              <a:solidFill>
+                <a:srgbClr val="8DBA62"/>
+              </a:solidFill>
+            </a:ln>
+          </p:spPr>
+          <p:style>
+            <a:lnRef idx="2">
+              <a:schemeClr val="accent6"/>
+            </a:lnRef>
+            <a:fillRef idx="1">
+              <a:schemeClr val="lt1"/>
+            </a:fillRef>
+            <a:effectRef idx="0">
+              <a:schemeClr val="accent6"/>
+            </a:effectRef>
+            <a:fontRef idx="minor">
+              <a:schemeClr val="dk1"/>
+            </a:fontRef>
+          </p:style>
+          <p:txBody>
+            <a:bodyPr rtlCol="0" anchor="ctr"/>
+            <a:lstStyle/>
+            <a:p>
+              <a:pPr algn="ctr"/>
+              <a:endParaRPr lang="pt-BR"/>
+            </a:p>
+          </p:txBody>
+        </p:sp>
+      </p:grpSp>
+      <p:sp>
+        <p:nvSpPr>
+          <p:cNvPr id="9" name="Retângulo de cantos arredondados 8"/>
+          <p:cNvSpPr/>
+          <p:nvPr/>
+        </p:nvSpPr>
+        <p:spPr>
+          <a:xfrm>
+            <a:off x="2145794" y="2048456"/>
+            <a:ext cx="2284540" cy="321257"/>
+          </a:xfrm>
+          <a:prstGeom prst="roundRect">
+            <a:avLst/>
+          </a:prstGeom>
+          <a:noFill/>
+        </p:spPr>
+        <p:style>
+          <a:lnRef idx="2">
+            <a:schemeClr val="accent6"/>
+          </a:lnRef>
+          <a:fillRef idx="1">
+            <a:schemeClr val="lt1"/>
+          </a:fillRef>
+          <a:effectRef idx="0">
+            <a:schemeClr val="accent6"/>
+          </a:effectRef>
+          <a:fontRef idx="minor">
+            <a:schemeClr val="dk1"/>
+          </a:fontRef>
+        </p:style>
+        <p:txBody>
+          <a:bodyPr rtlCol="0" anchor="ctr"/>
+          <a:lstStyle/>
+          <a:p>
+            <a:pPr algn="ctr"/>
+            <a:endParaRPr lang="pt-BR"/>
+          </a:p>
+        </p:txBody>
+      </p:sp>
+      <p:sp>
+        <p:nvSpPr>
+          <p:cNvPr id="10" name="CaixaDeTexto 9"/>
+          <p:cNvSpPr txBox="1"/>
+          <p:nvPr/>
+        </p:nvSpPr>
+        <p:spPr>
+          <a:xfrm>
+            <a:off x="2141154" y="1709902"/>
+            <a:ext cx="4578359" cy="338554"/>
+          </a:xfrm>
+          <a:prstGeom prst="rect">
+            <a:avLst/>
+          </a:prstGeom>
+          <a:noFill/>
+        </p:spPr>
+        <p:txBody>
+          <a:bodyPr wrap="square" rtlCol="0">
+            <a:spAutoFit/>
+          </a:bodyPr>
+          <a:lstStyle/>
+          <a:p>
+            <a:r>
+              <a:rPr lang="pt-BR" sz="1600" dirty="0" smtClean="0">
+                <a:solidFill>
+                  <a:srgbClr val="447E43"/>
+                </a:solidFill>
+                <a:latin typeface="Bahnschrift" panose="020B0502040204020203" pitchFamily="34" charset="0"/>
+              </a:rPr>
+              <a:t>Digite o código da sala</a:t>
+            </a:r>
+            <a:endParaRPr lang="pt-BR" sz="1600" dirty="0">
+              <a:solidFill>
+                <a:srgbClr val="447E43"/>
+              </a:solidFill>
+              <a:latin typeface="Bahnschrift" panose="020B0502040204020203" pitchFamily="34" charset="0"/>
+            </a:endParaRPr>
+          </a:p>
+        </p:txBody>
+      </p:sp>
+      <p:sp>
+        <p:nvSpPr>
+          <p:cNvPr id="11" name="Retângulo 10"/>
+          <p:cNvSpPr/>
+          <p:nvPr/>
+        </p:nvSpPr>
+        <p:spPr>
+          <a:xfrm>
+            <a:off x="4699486" y="1991056"/>
+            <a:ext cx="1662677" cy="378657"/>
+          </a:xfrm>
+          <a:prstGeom prst="rect">
+            <a:avLst/>
+          </a:prstGeom>
+          <a:solidFill>
+            <a:srgbClr val="73D54A"/>
+          </a:solidFill>
+          <a:ln>
+            <a:solidFill>
+              <a:srgbClr val="73D54A"/>
+            </a:solidFill>
+          </a:ln>
+          <a:effectLst>
+            <a:outerShdw blurRad="50800" dist="38100" dir="2700000" algn="tl" rotWithShape="0">
+              <a:prstClr val="black">
+                <a:alpha val="40000"/>
+              </a:prstClr>
+            </a:outerShdw>
+            <a:softEdge rad="0"/>
+          </a:effectLst>
+        </p:spPr>
+        <p:style>
+          <a:lnRef idx="2">
+            <a:schemeClr val="accent1">
+              <a:shade val="50000"/>
+            </a:schemeClr>
+          </a:lnRef>
+          <a:fillRef idx="1">
+            <a:schemeClr val="accent1"/>
+          </a:fillRef>
+          <a:effectRef idx="0">
+            <a:schemeClr val="accent1"/>
+          </a:effectRef>
+          <a:fontRef idx="minor">
+            <a:schemeClr val="lt1"/>
+          </a:fontRef>
+        </p:style>
+        <p:txBody>
+          <a:bodyPr rtlCol="0" anchor="ctr"/>
+          <a:lstStyle/>
+          <a:p>
+            <a:pPr algn="ctr"/>
+            <a:r>
+              <a:rPr lang="pt-BR" dirty="0" smtClean="0"/>
+              <a:t>Entrar na sala</a:t>
+            </a:r>
+            <a:endParaRPr lang="pt-BR" dirty="0"/>
+          </a:p>
+        </p:txBody>
+      </p:sp>
+    </p:spTree>
+    <p:extLst>
+      <p:ext uri="{BB962C8B-B14F-4D97-AF65-F5344CB8AC3E}">
+        <p14:creationId xmlns:p14="http://schemas.microsoft.com/office/powerpoint/2010/main" val="178012295"/>
+      </p:ext>
+    </p:extLst>
+  </p:cSld>
+  <p:clrMapOvr>
+    <a:masterClrMapping/>
+  </p:clrMapOvr>
+</p:sld>
+</file>
+
+<file path=ppt/slides/slide36.xml><?xml version="1.0" encoding="utf-8"?>
+<p:sld xmlns:a="http://schemas.openxmlformats.org/drawingml/2006/main" xmlns:r="http://schemas.openxmlformats.org/officeDocument/2006/relationships" xmlns:p="http://schemas.openxmlformats.org/presentationml/2006/main">
+  <p:cSld>
+    <p:spTree>
+      <p:nvGrpSpPr>
+        <p:cNvPr id="1" name=""/>
+        <p:cNvGrpSpPr/>
+        <p:nvPr/>
+      </p:nvGrpSpPr>
+      <p:grpSpPr>
+        <a:xfrm>
+          <a:off x="0" y="0"/>
+          <a:ext cx="0" cy="0"/>
+          <a:chOff x="0" y="0"/>
+          <a:chExt cx="0" cy="0"/>
+        </a:xfrm>
+      </p:grpSpPr>
+      <p:sp>
+        <p:nvSpPr>
+          <p:cNvPr id="4" name="Retângulo 3"/>
+          <p:cNvSpPr/>
+          <p:nvPr/>
+        </p:nvSpPr>
+        <p:spPr>
+          <a:xfrm>
+            <a:off x="1117279" y="445761"/>
+            <a:ext cx="9787944" cy="5911402"/>
+          </a:xfrm>
+          <a:prstGeom prst="rect">
+            <a:avLst/>
+          </a:prstGeom>
+          <a:solidFill>
+            <a:srgbClr val="A5CA97"/>
+          </a:solidFill>
+          <a:ln>
+            <a:solidFill>
+              <a:schemeClr val="accent6">
+                <a:lumMod val="60000"/>
+                <a:lumOff val="40000"/>
+              </a:schemeClr>
+            </a:solidFill>
+          </a:ln>
+          <a:effectLst/>
+        </p:spPr>
+        <p:style>
+          <a:lnRef idx="2">
+            <a:schemeClr val="accent1">
+              <a:shade val="50000"/>
+            </a:schemeClr>
+          </a:lnRef>
+          <a:fillRef idx="1">
+            <a:schemeClr val="accent1"/>
+          </a:fillRef>
+          <a:effectRef idx="0">
+            <a:schemeClr val="accent1"/>
+          </a:effectRef>
+          <a:fontRef idx="minor">
+            <a:schemeClr val="lt1"/>
+          </a:fontRef>
+        </p:style>
+        <p:txBody>
+          <a:bodyPr rtlCol="0" anchor="ctr"/>
+          <a:lstStyle/>
+          <a:p>
+            <a:pPr algn="ctr"/>
+            <a:endParaRPr lang="pt-BR"/>
+          </a:p>
+        </p:txBody>
+      </p:sp>
+      <p:sp>
+        <p:nvSpPr>
+          <p:cNvPr id="15" name="Retângulo 14"/>
+          <p:cNvSpPr/>
+          <p:nvPr/>
+        </p:nvSpPr>
+        <p:spPr>
+          <a:xfrm>
+            <a:off x="1146749" y="445761"/>
+            <a:ext cx="9787944" cy="764853"/>
+          </a:xfrm>
+          <a:prstGeom prst="rect">
+            <a:avLst/>
+          </a:prstGeom>
+          <a:solidFill>
+            <a:srgbClr val="8DBA62"/>
+          </a:solidFill>
+          <a:ln>
+            <a:noFill/>
+          </a:ln>
+        </p:spPr>
+        <p:style>
+          <a:lnRef idx="2">
+            <a:schemeClr val="accent1">
+              <a:shade val="50000"/>
+            </a:schemeClr>
+          </a:lnRef>
+          <a:fillRef idx="1">
+            <a:schemeClr val="accent1"/>
+          </a:fillRef>
+          <a:effectRef idx="0">
+            <a:schemeClr val="accent1"/>
+          </a:effectRef>
+          <a:fontRef idx="minor">
+            <a:schemeClr val="lt1"/>
+          </a:fontRef>
+        </p:style>
+        <p:txBody>
+          <a:bodyPr rtlCol="0" anchor="ctr"/>
+          <a:lstStyle/>
+          <a:p>
+            <a:pPr algn="ctr"/>
+            <a:endParaRPr lang="pt-BR"/>
+          </a:p>
+        </p:txBody>
+      </p:sp>
+      <p:sp>
+        <p:nvSpPr>
+          <p:cNvPr id="40" name="CaixaDeTexto 39"/>
+          <p:cNvSpPr txBox="1"/>
+          <p:nvPr/>
+        </p:nvSpPr>
+        <p:spPr>
+          <a:xfrm>
+            <a:off x="1184933" y="512242"/>
+            <a:ext cx="4578359" cy="646331"/>
+          </a:xfrm>
+          <a:prstGeom prst="rect">
+            <a:avLst/>
+          </a:prstGeom>
+          <a:noFill/>
+        </p:spPr>
+        <p:txBody>
+          <a:bodyPr wrap="square" rtlCol="0">
+            <a:spAutoFit/>
+          </a:bodyPr>
+          <a:lstStyle/>
+          <a:p>
+            <a:r>
+              <a:rPr lang="pt-BR" sz="3600" dirty="0" smtClean="0">
+                <a:solidFill>
+                  <a:schemeClr val="bg1"/>
+                </a:solidFill>
+                <a:latin typeface="Bahnschrift" panose="020B0502040204020203" pitchFamily="34" charset="0"/>
+              </a:rPr>
+              <a:t>SALA</a:t>
+            </a:r>
+            <a:endParaRPr lang="pt-BR" sz="3600" dirty="0">
+              <a:solidFill>
+                <a:schemeClr val="bg1"/>
+              </a:solidFill>
+              <a:latin typeface="Bahnschrift" panose="020B0502040204020203" pitchFamily="34" charset="0"/>
+            </a:endParaRPr>
+          </a:p>
+        </p:txBody>
+      </p:sp>
+      <p:grpSp>
+        <p:nvGrpSpPr>
+          <p:cNvPr id="47" name="Grupo 46"/>
+          <p:cNvGrpSpPr/>
+          <p:nvPr/>
+        </p:nvGrpSpPr>
+        <p:grpSpPr>
+          <a:xfrm>
+            <a:off x="1711215" y="1429557"/>
+            <a:ext cx="8104155" cy="4773631"/>
+            <a:chOff x="3303102" y="1578846"/>
+            <a:chExt cx="7132734" cy="4364070"/>
+          </a:xfrm>
+        </p:grpSpPr>
+        <p:sp>
+          <p:nvSpPr>
+            <p:cNvPr id="50" name="Retângulo 49"/>
+            <p:cNvSpPr/>
+            <p:nvPr/>
+          </p:nvSpPr>
+          <p:spPr>
+            <a:xfrm>
+              <a:off x="3303102" y="1578846"/>
+              <a:ext cx="7132734" cy="4364070"/>
+            </a:xfrm>
+            <a:prstGeom prst="rect">
+              <a:avLst/>
+            </a:prstGeom>
+            <a:solidFill>
+              <a:srgbClr val="8DBA62"/>
+            </a:solidFill>
+            <a:ln>
+              <a:solidFill>
+                <a:srgbClr val="8DBA62"/>
+              </a:solidFill>
+            </a:ln>
+          </p:spPr>
+          <p:style>
+            <a:lnRef idx="2">
+              <a:schemeClr val="accent1">
+                <a:shade val="50000"/>
+              </a:schemeClr>
+            </a:lnRef>
+            <a:fillRef idx="1">
+              <a:schemeClr val="accent1"/>
+            </a:fillRef>
+            <a:effectRef idx="0">
+              <a:schemeClr val="accent1"/>
+            </a:effectRef>
+            <a:fontRef idx="minor">
+              <a:schemeClr val="lt1"/>
+            </a:fontRef>
+          </p:style>
+          <p:txBody>
+            <a:bodyPr rtlCol="0" anchor="ctr"/>
+            <a:lstStyle/>
+            <a:p>
+              <a:pPr algn="ctr"/>
+              <a:endParaRPr lang="pt-BR"/>
+            </a:p>
+          </p:txBody>
+        </p:sp>
+        <p:sp>
+          <p:nvSpPr>
+            <p:cNvPr id="58" name="Retângulo de cantos arredondados 57"/>
+            <p:cNvSpPr/>
+            <p:nvPr/>
+          </p:nvSpPr>
+          <p:spPr>
+            <a:xfrm>
+              <a:off x="3400023" y="1674254"/>
+              <a:ext cx="6941711" cy="4172754"/>
+            </a:xfrm>
+            <a:prstGeom prst="roundRect">
+              <a:avLst>
+                <a:gd name="adj" fmla="val 0"/>
+              </a:avLst>
+            </a:prstGeom>
+            <a:solidFill>
+              <a:srgbClr val="FDEBC7"/>
+            </a:solidFill>
+            <a:ln>
+              <a:solidFill>
+                <a:srgbClr val="8DBA62"/>
+              </a:solidFill>
+            </a:ln>
+          </p:spPr>
+          <p:style>
+            <a:lnRef idx="2">
+              <a:schemeClr val="accent6"/>
+            </a:lnRef>
+            <a:fillRef idx="1">
+              <a:schemeClr val="lt1"/>
+            </a:fillRef>
+            <a:effectRef idx="0">
+              <a:schemeClr val="accent6"/>
+            </a:effectRef>
+            <a:fontRef idx="minor">
+              <a:schemeClr val="dk1"/>
+            </a:fontRef>
+          </p:style>
+          <p:txBody>
+            <a:bodyPr rtlCol="0" anchor="ctr"/>
+            <a:lstStyle/>
+            <a:p>
+              <a:pPr algn="ctr"/>
+              <a:endParaRPr lang="pt-BR"/>
+            </a:p>
+          </p:txBody>
+        </p:sp>
+      </p:grpSp>
+      <p:sp>
+        <p:nvSpPr>
+          <p:cNvPr id="11" name="Retângulo 10"/>
+          <p:cNvSpPr/>
+          <p:nvPr/>
+        </p:nvSpPr>
+        <p:spPr>
+          <a:xfrm>
+            <a:off x="7421960" y="1952420"/>
+            <a:ext cx="1958891" cy="378657"/>
+          </a:xfrm>
+          <a:prstGeom prst="rect">
+            <a:avLst/>
+          </a:prstGeom>
+          <a:solidFill>
+            <a:srgbClr val="73D54A"/>
+          </a:solidFill>
+          <a:ln>
+            <a:solidFill>
+              <a:srgbClr val="73D54A"/>
+            </a:solidFill>
+          </a:ln>
+          <a:effectLst>
+            <a:outerShdw blurRad="50800" dist="38100" dir="2700000" algn="tl" rotWithShape="0">
+              <a:prstClr val="black">
+                <a:alpha val="40000"/>
+              </a:prstClr>
+            </a:outerShdw>
+            <a:softEdge rad="0"/>
+          </a:effectLst>
+        </p:spPr>
+        <p:style>
+          <a:lnRef idx="2">
+            <a:schemeClr val="accent1">
+              <a:shade val="50000"/>
+            </a:schemeClr>
+          </a:lnRef>
+          <a:fillRef idx="1">
+            <a:schemeClr val="accent1"/>
+          </a:fillRef>
+          <a:effectRef idx="0">
+            <a:schemeClr val="accent1"/>
+          </a:effectRef>
+          <a:fontRef idx="minor">
+            <a:schemeClr val="lt1"/>
+          </a:fontRef>
+        </p:style>
+        <p:txBody>
+          <a:bodyPr rtlCol="0" anchor="ctr"/>
+          <a:lstStyle/>
+          <a:p>
+            <a:pPr algn="ctr"/>
+            <a:r>
+              <a:rPr lang="pt-BR" dirty="0" smtClean="0"/>
+              <a:t>Adicionar Rodada</a:t>
+            </a:r>
+            <a:endParaRPr lang="pt-BR" dirty="0"/>
+          </a:p>
+        </p:txBody>
+      </p:sp>
+    </p:spTree>
+    <p:extLst>
+      <p:ext uri="{BB962C8B-B14F-4D97-AF65-F5344CB8AC3E}">
+        <p14:creationId xmlns:p14="http://schemas.microsoft.com/office/powerpoint/2010/main" val="1377177600"/>
+      </p:ext>
+    </p:extLst>
+  </p:cSld>
+  <p:clrMapOvr>
+    <a:masterClrMapping/>
+  </p:clrMapOvr>
+</p:sld>
+</file>
+
+<file path=ppt/slides/slide37.xml><?xml version="1.0" encoding="utf-8"?>
+<p:sld xmlns:a="http://schemas.openxmlformats.org/drawingml/2006/main" xmlns:r="http://schemas.openxmlformats.org/officeDocument/2006/relationships" xmlns:p="http://schemas.openxmlformats.org/presentationml/2006/main">
+  <p:cSld>
+    <p:spTree>
+      <p:nvGrpSpPr>
+        <p:cNvPr id="1" name=""/>
+        <p:cNvGrpSpPr/>
+        <p:nvPr/>
+      </p:nvGrpSpPr>
+      <p:grpSpPr>
+        <a:xfrm>
+          <a:off x="0" y="0"/>
+          <a:ext cx="0" cy="0"/>
+          <a:chOff x="0" y="0"/>
+          <a:chExt cx="0" cy="0"/>
+        </a:xfrm>
+      </p:grpSpPr>
+      <p:sp>
+        <p:nvSpPr>
+          <p:cNvPr id="4" name="Retângulo 3"/>
+          <p:cNvSpPr/>
+          <p:nvPr/>
+        </p:nvSpPr>
+        <p:spPr>
+          <a:xfrm>
+            <a:off x="1117279" y="445761"/>
+            <a:ext cx="9787944" cy="5911402"/>
+          </a:xfrm>
+          <a:prstGeom prst="rect">
+            <a:avLst/>
+          </a:prstGeom>
+          <a:solidFill>
+            <a:srgbClr val="A5CA97"/>
+          </a:solidFill>
+          <a:ln>
+            <a:solidFill>
+              <a:schemeClr val="accent6">
+                <a:lumMod val="60000"/>
+                <a:lumOff val="40000"/>
+              </a:schemeClr>
+            </a:solidFill>
+          </a:ln>
+          <a:effectLst/>
+        </p:spPr>
+        <p:style>
+          <a:lnRef idx="2">
+            <a:schemeClr val="accent1">
+              <a:shade val="50000"/>
+            </a:schemeClr>
+          </a:lnRef>
+          <a:fillRef idx="1">
+            <a:schemeClr val="accent1"/>
+          </a:fillRef>
+          <a:effectRef idx="0">
+            <a:schemeClr val="accent1"/>
+          </a:effectRef>
+          <a:fontRef idx="minor">
+            <a:schemeClr val="lt1"/>
+          </a:fontRef>
+        </p:style>
+        <p:txBody>
+          <a:bodyPr rtlCol="0" anchor="ctr"/>
+          <a:lstStyle/>
+          <a:p>
+            <a:pPr algn="ctr"/>
+            <a:endParaRPr lang="pt-BR"/>
+          </a:p>
+        </p:txBody>
+      </p:sp>
+      <p:sp>
+        <p:nvSpPr>
+          <p:cNvPr id="15" name="Retângulo 14"/>
+          <p:cNvSpPr/>
+          <p:nvPr/>
+        </p:nvSpPr>
+        <p:spPr>
+          <a:xfrm>
+            <a:off x="1146749" y="445761"/>
+            <a:ext cx="9787944" cy="764853"/>
+          </a:xfrm>
+          <a:prstGeom prst="rect">
+            <a:avLst/>
+          </a:prstGeom>
+          <a:solidFill>
+            <a:srgbClr val="8DBA62"/>
+          </a:solidFill>
+          <a:ln>
+            <a:noFill/>
+          </a:ln>
+        </p:spPr>
+        <p:style>
+          <a:lnRef idx="2">
+            <a:schemeClr val="accent1">
+              <a:shade val="50000"/>
+            </a:schemeClr>
+          </a:lnRef>
+          <a:fillRef idx="1">
+            <a:schemeClr val="accent1"/>
+          </a:fillRef>
+          <a:effectRef idx="0">
+            <a:schemeClr val="accent1"/>
+          </a:effectRef>
+          <a:fontRef idx="minor">
+            <a:schemeClr val="lt1"/>
+          </a:fontRef>
+        </p:style>
+        <p:txBody>
+          <a:bodyPr rtlCol="0" anchor="ctr"/>
+          <a:lstStyle/>
+          <a:p>
+            <a:pPr algn="ctr"/>
+            <a:endParaRPr lang="pt-BR"/>
+          </a:p>
+        </p:txBody>
+      </p:sp>
+      <p:sp>
+        <p:nvSpPr>
+          <p:cNvPr id="40" name="CaixaDeTexto 39"/>
+          <p:cNvSpPr txBox="1"/>
+          <p:nvPr/>
+        </p:nvSpPr>
+        <p:spPr>
+          <a:xfrm>
+            <a:off x="1146749" y="487727"/>
+            <a:ext cx="4578359" cy="646331"/>
+          </a:xfrm>
+          <a:prstGeom prst="rect">
+            <a:avLst/>
+          </a:prstGeom>
+          <a:noFill/>
+        </p:spPr>
+        <p:txBody>
+          <a:bodyPr wrap="square" rtlCol="0">
+            <a:spAutoFit/>
+          </a:bodyPr>
+          <a:lstStyle/>
+          <a:p>
+            <a:r>
+              <a:rPr lang="pt-BR" sz="3600" dirty="0" smtClean="0">
+                <a:solidFill>
+                  <a:schemeClr val="bg1"/>
+                </a:solidFill>
+                <a:latin typeface="Bahnschrift" panose="020B0502040204020203" pitchFamily="34" charset="0"/>
+              </a:rPr>
+              <a:t>TELA DE ESPERA</a:t>
+            </a:r>
+            <a:endParaRPr lang="pt-BR" sz="3600" dirty="0">
+              <a:solidFill>
+                <a:schemeClr val="bg1"/>
+              </a:solidFill>
+              <a:latin typeface="Bahnschrift" panose="020B0502040204020203" pitchFamily="34" charset="0"/>
+            </a:endParaRPr>
+          </a:p>
+        </p:txBody>
+      </p:sp>
+      <p:grpSp>
+        <p:nvGrpSpPr>
+          <p:cNvPr id="47" name="Grupo 46"/>
+          <p:cNvGrpSpPr/>
+          <p:nvPr/>
+        </p:nvGrpSpPr>
+        <p:grpSpPr>
+          <a:xfrm>
+            <a:off x="1711215" y="1429557"/>
+            <a:ext cx="8104155" cy="4773631"/>
+            <a:chOff x="3303102" y="1578846"/>
+            <a:chExt cx="7132734" cy="4364070"/>
+          </a:xfrm>
+        </p:grpSpPr>
+        <p:sp>
+          <p:nvSpPr>
+            <p:cNvPr id="50" name="Retângulo 49"/>
+            <p:cNvSpPr/>
+            <p:nvPr/>
+          </p:nvSpPr>
+          <p:spPr>
+            <a:xfrm>
+              <a:off x="3303102" y="1578846"/>
+              <a:ext cx="7132734" cy="4364070"/>
+            </a:xfrm>
+            <a:prstGeom prst="rect">
+              <a:avLst/>
+            </a:prstGeom>
+            <a:solidFill>
+              <a:srgbClr val="8DBA62"/>
+            </a:solidFill>
+            <a:ln>
+              <a:solidFill>
+                <a:srgbClr val="8DBA62"/>
+              </a:solidFill>
+            </a:ln>
+          </p:spPr>
+          <p:style>
+            <a:lnRef idx="2">
+              <a:schemeClr val="accent1">
+                <a:shade val="50000"/>
+              </a:schemeClr>
+            </a:lnRef>
+            <a:fillRef idx="1">
+              <a:schemeClr val="accent1"/>
+            </a:fillRef>
+            <a:effectRef idx="0">
+              <a:schemeClr val="accent1"/>
+            </a:effectRef>
+            <a:fontRef idx="minor">
+              <a:schemeClr val="lt1"/>
+            </a:fontRef>
+          </p:style>
+          <p:txBody>
+            <a:bodyPr rtlCol="0" anchor="ctr"/>
+            <a:lstStyle/>
+            <a:p>
+              <a:pPr algn="ctr"/>
+              <a:endParaRPr lang="pt-BR"/>
+            </a:p>
+          </p:txBody>
+        </p:sp>
+        <p:sp>
+          <p:nvSpPr>
+            <p:cNvPr id="58" name="Retângulo de cantos arredondados 57"/>
+            <p:cNvSpPr/>
+            <p:nvPr/>
+          </p:nvSpPr>
+          <p:spPr>
+            <a:xfrm>
+              <a:off x="3400023" y="1674254"/>
+              <a:ext cx="6941711" cy="4172754"/>
+            </a:xfrm>
+            <a:prstGeom prst="roundRect">
+              <a:avLst>
+                <a:gd name="adj" fmla="val 0"/>
+              </a:avLst>
+            </a:prstGeom>
+            <a:solidFill>
+              <a:srgbClr val="FDEBC7"/>
+            </a:solidFill>
+            <a:ln>
+              <a:solidFill>
+                <a:srgbClr val="8DBA62"/>
+              </a:solidFill>
+            </a:ln>
+          </p:spPr>
+          <p:style>
+            <a:lnRef idx="2">
+              <a:schemeClr val="accent6"/>
+            </a:lnRef>
+            <a:fillRef idx="1">
+              <a:schemeClr val="lt1"/>
+            </a:fillRef>
+            <a:effectRef idx="0">
+              <a:schemeClr val="accent6"/>
+            </a:effectRef>
+            <a:fontRef idx="minor">
+              <a:schemeClr val="dk1"/>
+            </a:fontRef>
+          </p:style>
+          <p:txBody>
+            <a:bodyPr rtlCol="0" anchor="ctr"/>
+            <a:lstStyle/>
+            <a:p>
+              <a:pPr algn="ctr"/>
+              <a:endParaRPr lang="pt-BR"/>
+            </a:p>
+          </p:txBody>
+        </p:sp>
+      </p:grpSp>
+      <p:sp>
+        <p:nvSpPr>
+          <p:cNvPr id="11" name="Retângulo 10"/>
+          <p:cNvSpPr/>
+          <p:nvPr/>
+        </p:nvSpPr>
+        <p:spPr>
+          <a:xfrm>
+            <a:off x="4275782" y="5114216"/>
+            <a:ext cx="2975020" cy="378657"/>
+          </a:xfrm>
+          <a:prstGeom prst="rect">
+            <a:avLst/>
+          </a:prstGeom>
+          <a:solidFill>
+            <a:srgbClr val="73D54A"/>
+          </a:solidFill>
+          <a:ln>
+            <a:solidFill>
+              <a:srgbClr val="73D54A"/>
+            </a:solidFill>
+          </a:ln>
+          <a:effectLst>
+            <a:outerShdw blurRad="50800" dist="38100" dir="2700000" algn="tl" rotWithShape="0">
+              <a:prstClr val="black">
+                <a:alpha val="40000"/>
+              </a:prstClr>
+            </a:outerShdw>
+            <a:softEdge rad="0"/>
+          </a:effectLst>
+        </p:spPr>
+        <p:style>
+          <a:lnRef idx="2">
+            <a:schemeClr val="accent1">
+              <a:shade val="50000"/>
+            </a:schemeClr>
+          </a:lnRef>
+          <a:fillRef idx="1">
+            <a:schemeClr val="accent1"/>
+          </a:fillRef>
+          <a:effectRef idx="0">
+            <a:schemeClr val="accent1"/>
+          </a:effectRef>
+          <a:fontRef idx="minor">
+            <a:schemeClr val="lt1"/>
+          </a:fontRef>
+        </p:style>
+        <p:txBody>
+          <a:bodyPr rtlCol="0" anchor="ctr"/>
+          <a:lstStyle/>
+          <a:p>
+            <a:pPr algn="ctr"/>
+            <a:r>
+              <a:rPr lang="pt-BR" dirty="0" smtClean="0"/>
+              <a:t>Pronto !</a:t>
+            </a:r>
+            <a:endParaRPr lang="pt-BR" dirty="0"/>
+          </a:p>
+        </p:txBody>
+      </p:sp>
+      <p:pic>
+        <p:nvPicPr>
+          <p:cNvPr id="2" name="Imagem 1"/>
+          <p:cNvPicPr>
+            <a:picLocks noChangeAspect="1"/>
+          </p:cNvPicPr>
+          <p:nvPr/>
+        </p:nvPicPr>
+        <p:blipFill>
+          <a:blip r:embed="rId2">
+            <a:extLst>
+              <a:ext uri="{28A0092B-C50C-407E-A947-70E740481C1C}">
+                <a14:useLocalDpi xmlns:a14="http://schemas.microsoft.com/office/drawing/2010/main" val="0"/>
+              </a:ext>
+            </a:extLst>
+          </a:blip>
+          <a:stretch>
+            <a:fillRect/>
+          </a:stretch>
+        </p:blipFill>
+        <p:spPr>
+          <a:xfrm>
+            <a:off x="3648902" y="1915586"/>
+            <a:ext cx="3962511" cy="2971883"/>
+          </a:xfrm>
+          <a:prstGeom prst="rect">
+            <a:avLst/>
+          </a:prstGeom>
+        </p:spPr>
+      </p:pic>
+    </p:spTree>
+    <p:extLst>
+      <p:ext uri="{BB962C8B-B14F-4D97-AF65-F5344CB8AC3E}">
+        <p14:creationId xmlns:p14="http://schemas.microsoft.com/office/powerpoint/2010/main" val="1861770829"/>
+      </p:ext>
+    </p:extLst>
+  </p:cSld>
+  <p:clrMapOvr>
+    <a:masterClrMapping/>
+  </p:clrMapOvr>
+</p:sld>
+</file>
+
+<file path=ppt/slides/slide38.xml><?xml version="1.0" encoding="utf-8"?>
+<p:sld xmlns:a="http://schemas.openxmlformats.org/drawingml/2006/main" xmlns:r="http://schemas.openxmlformats.org/officeDocument/2006/relationships" xmlns:p="http://schemas.openxmlformats.org/presentationml/2006/main">
+  <p:cSld>
+    <p:spTree>
+      <p:nvGrpSpPr>
+        <p:cNvPr id="1" name=""/>
+        <p:cNvGrpSpPr/>
+        <p:nvPr/>
+      </p:nvGrpSpPr>
+      <p:grpSpPr>
+        <a:xfrm>
+          <a:off x="0" y="0"/>
+          <a:ext cx="0" cy="0"/>
+          <a:chOff x="0" y="0"/>
+          <a:chExt cx="0" cy="0"/>
+        </a:xfrm>
+      </p:grpSpPr>
+      <p:sp>
+        <p:nvSpPr>
           <p:cNvPr id="2" name="Título 1"/>
           <p:cNvSpPr>
             <a:spLocks noGrp="1"/>
@@ -26880,35 +27936,35 @@
                 <a:gridCol w="586838">
                   <a:extLst>
                     <a:ext uri="{9D8B030D-6E8A-4147-A177-3AD203B41FA5}">
-                      <a16:colId xmlns:a16="http://schemas.microsoft.com/office/drawing/2014/main" val="20000"/>
+                      <a16:colId xmlns:a16="http://schemas.microsoft.com/office/drawing/2014/main" xmlns="" val="20000"/>
                     </a:ext>
                   </a:extLst>
                 </a:gridCol>
                 <a:gridCol w="1679832">
                   <a:extLst>
                     <a:ext uri="{9D8B030D-6E8A-4147-A177-3AD203B41FA5}">
-                      <a16:colId xmlns:a16="http://schemas.microsoft.com/office/drawing/2014/main" val="20001"/>
+                      <a16:colId xmlns:a16="http://schemas.microsoft.com/office/drawing/2014/main" xmlns="" val="20001"/>
                     </a:ext>
                   </a:extLst>
                 </a:gridCol>
                 <a:gridCol w="2090660">
                   <a:extLst>
                     <a:ext uri="{9D8B030D-6E8A-4147-A177-3AD203B41FA5}">
-                      <a16:colId xmlns:a16="http://schemas.microsoft.com/office/drawing/2014/main" val="20002"/>
+                      <a16:colId xmlns:a16="http://schemas.microsoft.com/office/drawing/2014/main" xmlns="" val="20002"/>
                     </a:ext>
                   </a:extLst>
                 </a:gridCol>
                 <a:gridCol w="2209822">
                   <a:extLst>
                     <a:ext uri="{9D8B030D-6E8A-4147-A177-3AD203B41FA5}">
-                      <a16:colId xmlns:a16="http://schemas.microsoft.com/office/drawing/2014/main" val="20003"/>
+                      <a16:colId xmlns:a16="http://schemas.microsoft.com/office/drawing/2014/main" xmlns="" val="20003"/>
                     </a:ext>
                   </a:extLst>
                 </a:gridCol>
                 <a:gridCol w="2588654">
                   <a:extLst>
                     <a:ext uri="{9D8B030D-6E8A-4147-A177-3AD203B41FA5}">
-                      <a16:colId xmlns:a16="http://schemas.microsoft.com/office/drawing/2014/main" val="20004"/>
+                      <a16:colId xmlns:a16="http://schemas.microsoft.com/office/drawing/2014/main" xmlns="" val="20004"/>
                     </a:ext>
                   </a:extLst>
                 </a:gridCol>
@@ -26978,7 +28034,7 @@
                 </a:tc>
                 <a:extLst>
                   <a:ext uri="{0D108BD9-81ED-4DB2-BD59-A6C34878D82A}">
-                    <a16:rowId xmlns:a16="http://schemas.microsoft.com/office/drawing/2014/main" val="10000"/>
+                    <a16:rowId xmlns:a16="http://schemas.microsoft.com/office/drawing/2014/main" xmlns="" val="10000"/>
                   </a:ext>
                 </a:extLst>
               </a:tr>
@@ -27050,7 +28106,7 @@
                 </a:tc>
                 <a:extLst>
                   <a:ext uri="{0D108BD9-81ED-4DB2-BD59-A6C34878D82A}">
-                    <a16:rowId xmlns:a16="http://schemas.microsoft.com/office/drawing/2014/main" val="10001"/>
+                    <a16:rowId xmlns:a16="http://schemas.microsoft.com/office/drawing/2014/main" xmlns="" val="10001"/>
                   </a:ext>
                 </a:extLst>
               </a:tr>
@@ -27127,7 +28183,7 @@
                 </a:tc>
                 <a:extLst>
                   <a:ext uri="{0D108BD9-81ED-4DB2-BD59-A6C34878D82A}">
-                    <a16:rowId xmlns:a16="http://schemas.microsoft.com/office/drawing/2014/main" val="10002"/>
+                    <a16:rowId xmlns:a16="http://schemas.microsoft.com/office/drawing/2014/main" xmlns="" val="10002"/>
                   </a:ext>
                 </a:extLst>
               </a:tr>
@@ -27226,35 +28282,35 @@
                 <a:gridCol w="554127">
                   <a:extLst>
                     <a:ext uri="{9D8B030D-6E8A-4147-A177-3AD203B41FA5}">
-                      <a16:colId xmlns:a16="http://schemas.microsoft.com/office/drawing/2014/main" val="20000"/>
+                      <a16:colId xmlns:a16="http://schemas.microsoft.com/office/drawing/2014/main" xmlns="" val="20000"/>
                     </a:ext>
                   </a:extLst>
                 </a:gridCol>
                 <a:gridCol w="1586198">
                   <a:extLst>
                     <a:ext uri="{9D8B030D-6E8A-4147-A177-3AD203B41FA5}">
-                      <a16:colId xmlns:a16="http://schemas.microsoft.com/office/drawing/2014/main" val="20001"/>
+                      <a16:colId xmlns:a16="http://schemas.microsoft.com/office/drawing/2014/main" xmlns="" val="20001"/>
                     </a:ext>
                   </a:extLst>
                 </a:gridCol>
                 <a:gridCol w="1695590">
                   <a:extLst>
                     <a:ext uri="{9D8B030D-6E8A-4147-A177-3AD203B41FA5}">
-                      <a16:colId xmlns:a16="http://schemas.microsoft.com/office/drawing/2014/main" val="20002"/>
+                      <a16:colId xmlns:a16="http://schemas.microsoft.com/office/drawing/2014/main" xmlns="" val="20002"/>
                     </a:ext>
                   </a:extLst>
                 </a:gridCol>
                 <a:gridCol w="2544035">
                   <a:extLst>
                     <a:ext uri="{9D8B030D-6E8A-4147-A177-3AD203B41FA5}">
-                      <a16:colId xmlns:a16="http://schemas.microsoft.com/office/drawing/2014/main" val="20003"/>
+                      <a16:colId xmlns:a16="http://schemas.microsoft.com/office/drawing/2014/main" xmlns="" val="20003"/>
                     </a:ext>
                   </a:extLst>
                 </a:gridCol>
                 <a:gridCol w="2544035">
                   <a:extLst>
                     <a:ext uri="{9D8B030D-6E8A-4147-A177-3AD203B41FA5}">
-                      <a16:colId xmlns:a16="http://schemas.microsoft.com/office/drawing/2014/main" val="20004"/>
+                      <a16:colId xmlns:a16="http://schemas.microsoft.com/office/drawing/2014/main" xmlns="" val="20004"/>
                     </a:ext>
                   </a:extLst>
                 </a:gridCol>
@@ -27324,7 +28380,7 @@
                 </a:tc>
                 <a:extLst>
                   <a:ext uri="{0D108BD9-81ED-4DB2-BD59-A6C34878D82A}">
-                    <a16:rowId xmlns:a16="http://schemas.microsoft.com/office/drawing/2014/main" val="10000"/>
+                    <a16:rowId xmlns:a16="http://schemas.microsoft.com/office/drawing/2014/main" xmlns="" val="10000"/>
                   </a:ext>
                 </a:extLst>
               </a:tr>
@@ -27395,7 +28451,7 @@
                 </a:tc>
                 <a:extLst>
                   <a:ext uri="{0D108BD9-81ED-4DB2-BD59-A6C34878D82A}">
-                    <a16:rowId xmlns:a16="http://schemas.microsoft.com/office/drawing/2014/main" val="10001"/>
+                    <a16:rowId xmlns:a16="http://schemas.microsoft.com/office/drawing/2014/main" xmlns="" val="10001"/>
                   </a:ext>
                 </a:extLst>
               </a:tr>
@@ -27465,7 +28521,7 @@
                 </a:tc>
                 <a:extLst>
                   <a:ext uri="{0D108BD9-81ED-4DB2-BD59-A6C34878D82A}">
-                    <a16:rowId xmlns:a16="http://schemas.microsoft.com/office/drawing/2014/main" val="10002"/>
+                    <a16:rowId xmlns:a16="http://schemas.microsoft.com/office/drawing/2014/main" xmlns="" val="10002"/>
                   </a:ext>
                 </a:extLst>
               </a:tr>
@@ -27534,7 +28590,7 @@
                 </a:tc>
                 <a:extLst>
                   <a:ext uri="{0D108BD9-81ED-4DB2-BD59-A6C34878D82A}">
-                    <a16:rowId xmlns:a16="http://schemas.microsoft.com/office/drawing/2014/main" val="10003"/>
+                    <a16:rowId xmlns:a16="http://schemas.microsoft.com/office/drawing/2014/main" xmlns="" val="10003"/>
                   </a:ext>
                 </a:extLst>
               </a:tr>
@@ -28295,35 +29351,35 @@
                 <a:gridCol w="578919">
                   <a:extLst>
                     <a:ext uri="{9D8B030D-6E8A-4147-A177-3AD203B41FA5}">
-                      <a16:colId xmlns:a16="http://schemas.microsoft.com/office/drawing/2014/main" val="20000"/>
+                      <a16:colId xmlns:a16="http://schemas.microsoft.com/office/drawing/2014/main" xmlns="" val="20000"/>
                     </a:ext>
                   </a:extLst>
                 </a:gridCol>
                 <a:gridCol w="1657161">
                   <a:extLst>
                     <a:ext uri="{9D8B030D-6E8A-4147-A177-3AD203B41FA5}">
-                      <a16:colId xmlns:a16="http://schemas.microsoft.com/office/drawing/2014/main" val="20001"/>
+                      <a16:colId xmlns:a16="http://schemas.microsoft.com/office/drawing/2014/main" xmlns="" val="20001"/>
                     </a:ext>
                   </a:extLst>
                 </a:gridCol>
                 <a:gridCol w="1771448">
                   <a:extLst>
                     <a:ext uri="{9D8B030D-6E8A-4147-A177-3AD203B41FA5}">
-                      <a16:colId xmlns:a16="http://schemas.microsoft.com/office/drawing/2014/main" val="20002"/>
+                      <a16:colId xmlns:a16="http://schemas.microsoft.com/office/drawing/2014/main" xmlns="" val="20002"/>
                     </a:ext>
                   </a:extLst>
                 </a:gridCol>
                 <a:gridCol w="2657852">
                   <a:extLst>
                     <a:ext uri="{9D8B030D-6E8A-4147-A177-3AD203B41FA5}">
-                      <a16:colId xmlns:a16="http://schemas.microsoft.com/office/drawing/2014/main" val="20003"/>
+                      <a16:colId xmlns:a16="http://schemas.microsoft.com/office/drawing/2014/main" xmlns="" val="20003"/>
                     </a:ext>
                   </a:extLst>
                 </a:gridCol>
                 <a:gridCol w="2657852">
                   <a:extLst>
                     <a:ext uri="{9D8B030D-6E8A-4147-A177-3AD203B41FA5}">
-                      <a16:colId xmlns:a16="http://schemas.microsoft.com/office/drawing/2014/main" val="20004"/>
+                      <a16:colId xmlns:a16="http://schemas.microsoft.com/office/drawing/2014/main" xmlns="" val="20004"/>
                     </a:ext>
                   </a:extLst>
                 </a:gridCol>
@@ -28393,7 +29449,7 @@
                 </a:tc>
                 <a:extLst>
                   <a:ext uri="{0D108BD9-81ED-4DB2-BD59-A6C34878D82A}">
-                    <a16:rowId xmlns:a16="http://schemas.microsoft.com/office/drawing/2014/main" val="10000"/>
+                    <a16:rowId xmlns:a16="http://schemas.microsoft.com/office/drawing/2014/main" xmlns="" val="10000"/>
                   </a:ext>
                 </a:extLst>
               </a:tr>
@@ -28464,7 +29520,7 @@
                 </a:tc>
                 <a:extLst>
                   <a:ext uri="{0D108BD9-81ED-4DB2-BD59-A6C34878D82A}">
-                    <a16:rowId xmlns:a16="http://schemas.microsoft.com/office/drawing/2014/main" val="10001"/>
+                    <a16:rowId xmlns:a16="http://schemas.microsoft.com/office/drawing/2014/main" xmlns="" val="10001"/>
                   </a:ext>
                 </a:extLst>
               </a:tr>
@@ -28534,7 +29590,7 @@
                 </a:tc>
                 <a:extLst>
                   <a:ext uri="{0D108BD9-81ED-4DB2-BD59-A6C34878D82A}">
-                    <a16:rowId xmlns:a16="http://schemas.microsoft.com/office/drawing/2014/main" val="10002"/>
+                    <a16:rowId xmlns:a16="http://schemas.microsoft.com/office/drawing/2014/main" xmlns="" val="10002"/>
                   </a:ext>
                 </a:extLst>
               </a:tr>
@@ -28623,7 +29679,7 @@
                 </a:tc>
                 <a:extLst>
                   <a:ext uri="{0D108BD9-81ED-4DB2-BD59-A6C34878D82A}">
-                    <a16:rowId xmlns:a16="http://schemas.microsoft.com/office/drawing/2014/main" val="10003"/>
+                    <a16:rowId xmlns:a16="http://schemas.microsoft.com/office/drawing/2014/main" xmlns="" val="10003"/>
                   </a:ext>
                 </a:extLst>
               </a:tr>
@@ -28697,7 +29753,7 @@
                 </a:tc>
                 <a:extLst>
                   <a:ext uri="{0D108BD9-81ED-4DB2-BD59-A6C34878D82A}">
-                    <a16:rowId xmlns:a16="http://schemas.microsoft.com/office/drawing/2014/main" val="10004"/>
+                    <a16:rowId xmlns:a16="http://schemas.microsoft.com/office/drawing/2014/main" xmlns="" val="10004"/>
                   </a:ext>
                 </a:extLst>
               </a:tr>
@@ -29489,35 +30545,35 @@
                 <a:gridCol w="542932">
                   <a:extLst>
                     <a:ext uri="{9D8B030D-6E8A-4147-A177-3AD203B41FA5}">
-                      <a16:colId xmlns:a16="http://schemas.microsoft.com/office/drawing/2014/main" val="20000"/>
+                      <a16:colId xmlns:a16="http://schemas.microsoft.com/office/drawing/2014/main" xmlns="" val="20000"/>
                     </a:ext>
                   </a:extLst>
                 </a:gridCol>
                 <a:gridCol w="1554149">
                   <a:extLst>
                     <a:ext uri="{9D8B030D-6E8A-4147-A177-3AD203B41FA5}">
-                      <a16:colId xmlns:a16="http://schemas.microsoft.com/office/drawing/2014/main" val="20001"/>
+                      <a16:colId xmlns:a16="http://schemas.microsoft.com/office/drawing/2014/main" xmlns="" val="20001"/>
                     </a:ext>
                   </a:extLst>
                 </a:gridCol>
                 <a:gridCol w="1661332">
                   <a:extLst>
                     <a:ext uri="{9D8B030D-6E8A-4147-A177-3AD203B41FA5}">
-                      <a16:colId xmlns:a16="http://schemas.microsoft.com/office/drawing/2014/main" val="20002"/>
+                      <a16:colId xmlns:a16="http://schemas.microsoft.com/office/drawing/2014/main" xmlns="" val="20002"/>
                     </a:ext>
                   </a:extLst>
                 </a:gridCol>
                 <a:gridCol w="2492635">
                   <a:extLst>
                     <a:ext uri="{9D8B030D-6E8A-4147-A177-3AD203B41FA5}">
-                      <a16:colId xmlns:a16="http://schemas.microsoft.com/office/drawing/2014/main" val="20003"/>
+                      <a16:colId xmlns:a16="http://schemas.microsoft.com/office/drawing/2014/main" xmlns="" val="20003"/>
                     </a:ext>
                   </a:extLst>
                 </a:gridCol>
                 <a:gridCol w="2492635">
                   <a:extLst>
                     <a:ext uri="{9D8B030D-6E8A-4147-A177-3AD203B41FA5}">
-                      <a16:colId xmlns:a16="http://schemas.microsoft.com/office/drawing/2014/main" val="20004"/>
+                      <a16:colId xmlns:a16="http://schemas.microsoft.com/office/drawing/2014/main" xmlns="" val="20004"/>
                     </a:ext>
                   </a:extLst>
                 </a:gridCol>
@@ -29587,7 +30643,7 @@
                 </a:tc>
                 <a:extLst>
                   <a:ext uri="{0D108BD9-81ED-4DB2-BD59-A6C34878D82A}">
-                    <a16:rowId xmlns:a16="http://schemas.microsoft.com/office/drawing/2014/main" val="10000"/>
+                    <a16:rowId xmlns:a16="http://schemas.microsoft.com/office/drawing/2014/main" xmlns="" val="10000"/>
                   </a:ext>
                 </a:extLst>
               </a:tr>
@@ -29658,7 +30714,7 @@
                 </a:tc>
                 <a:extLst>
                   <a:ext uri="{0D108BD9-81ED-4DB2-BD59-A6C34878D82A}">
-                    <a16:rowId xmlns:a16="http://schemas.microsoft.com/office/drawing/2014/main" val="10001"/>
+                    <a16:rowId xmlns:a16="http://schemas.microsoft.com/office/drawing/2014/main" xmlns="" val="10001"/>
                   </a:ext>
                 </a:extLst>
               </a:tr>
@@ -29728,7 +30784,7 @@
                 </a:tc>
                 <a:extLst>
                   <a:ext uri="{0D108BD9-81ED-4DB2-BD59-A6C34878D82A}">
-                    <a16:rowId xmlns:a16="http://schemas.microsoft.com/office/drawing/2014/main" val="10002"/>
+                    <a16:rowId xmlns:a16="http://schemas.microsoft.com/office/drawing/2014/main" xmlns="" val="10002"/>
                   </a:ext>
                 </a:extLst>
               </a:tr>
@@ -29798,7 +30854,7 @@
                 </a:tc>
                 <a:extLst>
                   <a:ext uri="{0D108BD9-81ED-4DB2-BD59-A6C34878D82A}">
-                    <a16:rowId xmlns:a16="http://schemas.microsoft.com/office/drawing/2014/main" val="10003"/>
+                    <a16:rowId xmlns:a16="http://schemas.microsoft.com/office/drawing/2014/main" xmlns="" val="10003"/>
                   </a:ext>
                 </a:extLst>
               </a:tr>
@@ -29867,7 +30923,7 @@
                 </a:tc>
                 <a:extLst>
                   <a:ext uri="{0D108BD9-81ED-4DB2-BD59-A6C34878D82A}">
-                    <a16:rowId xmlns:a16="http://schemas.microsoft.com/office/drawing/2014/main" val="10004"/>
+                    <a16:rowId xmlns:a16="http://schemas.microsoft.com/office/drawing/2014/main" xmlns="" val="10004"/>
                   </a:ext>
                 </a:extLst>
               </a:tr>

--- a/DocumentacaoProjeto/Protótipo_Visual.pptx
+++ b/DocumentacaoProjeto/Protótipo_Visual.pptx
@@ -289,7 +289,7 @@
           <a:p>
             <a:fld id="{ED8D6B47-35E8-4B74-A8BC-163E56BA4F07}" type="datetimeFigureOut">
               <a:rPr lang="pt-BR" smtClean="0"/>
-              <a:t>28/06/2020</a:t>
+              <a:t>29/06/2020</a:t>
             </a:fld>
             <a:endParaRPr lang="pt-BR"/>
           </a:p>
@@ -457,7 +457,7 @@
           <a:p>
             <a:fld id="{ED8D6B47-35E8-4B74-A8BC-163E56BA4F07}" type="datetimeFigureOut">
               <a:rPr lang="pt-BR" smtClean="0"/>
-              <a:t>28/06/2020</a:t>
+              <a:t>29/06/2020</a:t>
             </a:fld>
             <a:endParaRPr lang="pt-BR"/>
           </a:p>
@@ -635,7 +635,7 @@
           <a:p>
             <a:fld id="{ED8D6B47-35E8-4B74-A8BC-163E56BA4F07}" type="datetimeFigureOut">
               <a:rPr lang="pt-BR" smtClean="0"/>
-              <a:t>28/06/2020</a:t>
+              <a:t>29/06/2020</a:t>
             </a:fld>
             <a:endParaRPr lang="pt-BR"/>
           </a:p>
@@ -803,7 +803,7 @@
           <a:p>
             <a:fld id="{ED8D6B47-35E8-4B74-A8BC-163E56BA4F07}" type="datetimeFigureOut">
               <a:rPr lang="pt-BR" smtClean="0"/>
-              <a:t>28/06/2020</a:t>
+              <a:t>29/06/2020</a:t>
             </a:fld>
             <a:endParaRPr lang="pt-BR"/>
           </a:p>
@@ -1048,7 +1048,7 @@
           <a:p>
             <a:fld id="{ED8D6B47-35E8-4B74-A8BC-163E56BA4F07}" type="datetimeFigureOut">
               <a:rPr lang="pt-BR" smtClean="0"/>
-              <a:t>28/06/2020</a:t>
+              <a:t>29/06/2020</a:t>
             </a:fld>
             <a:endParaRPr lang="pt-BR"/>
           </a:p>
@@ -1277,7 +1277,7 @@
           <a:p>
             <a:fld id="{ED8D6B47-35E8-4B74-A8BC-163E56BA4F07}" type="datetimeFigureOut">
               <a:rPr lang="pt-BR" smtClean="0"/>
-              <a:t>28/06/2020</a:t>
+              <a:t>29/06/2020</a:t>
             </a:fld>
             <a:endParaRPr lang="pt-BR"/>
           </a:p>
@@ -1641,7 +1641,7 @@
           <a:p>
             <a:fld id="{ED8D6B47-35E8-4B74-A8BC-163E56BA4F07}" type="datetimeFigureOut">
               <a:rPr lang="pt-BR" smtClean="0"/>
-              <a:t>28/06/2020</a:t>
+              <a:t>29/06/2020</a:t>
             </a:fld>
             <a:endParaRPr lang="pt-BR"/>
           </a:p>
@@ -1758,7 +1758,7 @@
           <a:p>
             <a:fld id="{ED8D6B47-35E8-4B74-A8BC-163E56BA4F07}" type="datetimeFigureOut">
               <a:rPr lang="pt-BR" smtClean="0"/>
-              <a:t>28/06/2020</a:t>
+              <a:t>29/06/2020</a:t>
             </a:fld>
             <a:endParaRPr lang="pt-BR"/>
           </a:p>
@@ -1853,7 +1853,7 @@
           <a:p>
             <a:fld id="{ED8D6B47-35E8-4B74-A8BC-163E56BA4F07}" type="datetimeFigureOut">
               <a:rPr lang="pt-BR" smtClean="0"/>
-              <a:t>28/06/2020</a:t>
+              <a:t>29/06/2020</a:t>
             </a:fld>
             <a:endParaRPr lang="pt-BR"/>
           </a:p>
@@ -2128,7 +2128,7 @@
           <a:p>
             <a:fld id="{ED8D6B47-35E8-4B74-A8BC-163E56BA4F07}" type="datetimeFigureOut">
               <a:rPr lang="pt-BR" smtClean="0"/>
-              <a:t>28/06/2020</a:t>
+              <a:t>29/06/2020</a:t>
             </a:fld>
             <a:endParaRPr lang="pt-BR"/>
           </a:p>
@@ -2380,7 +2380,7 @@
           <a:p>
             <a:fld id="{ED8D6B47-35E8-4B74-A8BC-163E56BA4F07}" type="datetimeFigureOut">
               <a:rPr lang="pt-BR" smtClean="0"/>
-              <a:t>28/06/2020</a:t>
+              <a:t>29/06/2020</a:t>
             </a:fld>
             <a:endParaRPr lang="pt-BR"/>
           </a:p>
@@ -2591,7 +2591,7 @@
           <a:p>
             <a:fld id="{ED8D6B47-35E8-4B74-A8BC-163E56BA4F07}" type="datetimeFigureOut">
               <a:rPr lang="pt-BR" smtClean="0"/>
-              <a:t>28/06/2020</a:t>
+              <a:t>29/06/2020</a:t>
             </a:fld>
             <a:endParaRPr lang="pt-BR"/>
           </a:p>
@@ -3534,35 +3534,35 @@
                 <a:gridCol w="574120">
                   <a:extLst>
                     <a:ext uri="{9D8B030D-6E8A-4147-A177-3AD203B41FA5}">
-                      <a16:colId xmlns:a16="http://schemas.microsoft.com/office/drawing/2014/main" xmlns="" val="20000"/>
+                      <a16:colId xmlns="" xmlns:a16="http://schemas.microsoft.com/office/drawing/2014/main" val="20000"/>
                     </a:ext>
                   </a:extLst>
                 </a:gridCol>
                 <a:gridCol w="1643427">
                   <a:extLst>
                     <a:ext uri="{9D8B030D-6E8A-4147-A177-3AD203B41FA5}">
-                      <a16:colId xmlns:a16="http://schemas.microsoft.com/office/drawing/2014/main" xmlns="" val="20001"/>
+                      <a16:colId xmlns="" xmlns:a16="http://schemas.microsoft.com/office/drawing/2014/main" val="20001"/>
                     </a:ext>
                   </a:extLst>
                 </a:gridCol>
                 <a:gridCol w="1756766">
                   <a:extLst>
                     <a:ext uri="{9D8B030D-6E8A-4147-A177-3AD203B41FA5}">
-                      <a16:colId xmlns:a16="http://schemas.microsoft.com/office/drawing/2014/main" xmlns="" val="20002"/>
+                      <a16:colId xmlns="" xmlns:a16="http://schemas.microsoft.com/office/drawing/2014/main" val="20002"/>
                     </a:ext>
                   </a:extLst>
                 </a:gridCol>
                 <a:gridCol w="2635823">
                   <a:extLst>
                     <a:ext uri="{9D8B030D-6E8A-4147-A177-3AD203B41FA5}">
-                      <a16:colId xmlns:a16="http://schemas.microsoft.com/office/drawing/2014/main" xmlns="" val="20003"/>
+                      <a16:colId xmlns="" xmlns:a16="http://schemas.microsoft.com/office/drawing/2014/main" val="20003"/>
                     </a:ext>
                   </a:extLst>
                 </a:gridCol>
                 <a:gridCol w="2635823">
                   <a:extLst>
                     <a:ext uri="{9D8B030D-6E8A-4147-A177-3AD203B41FA5}">
-                      <a16:colId xmlns:a16="http://schemas.microsoft.com/office/drawing/2014/main" xmlns="" val="20004"/>
+                      <a16:colId xmlns="" xmlns:a16="http://schemas.microsoft.com/office/drawing/2014/main" val="20004"/>
                     </a:ext>
                   </a:extLst>
                 </a:gridCol>
@@ -3632,7 +3632,7 @@
                 </a:tc>
                 <a:extLst>
                   <a:ext uri="{0D108BD9-81ED-4DB2-BD59-A6C34878D82A}">
-                    <a16:rowId xmlns:a16="http://schemas.microsoft.com/office/drawing/2014/main" xmlns="" val="10000"/>
+                    <a16:rowId xmlns="" xmlns:a16="http://schemas.microsoft.com/office/drawing/2014/main" val="10000"/>
                   </a:ext>
                 </a:extLst>
               </a:tr>
@@ -3701,7 +3701,7 @@
                 </a:tc>
                 <a:extLst>
                   <a:ext uri="{0D108BD9-81ED-4DB2-BD59-A6C34878D82A}">
-                    <a16:rowId xmlns:a16="http://schemas.microsoft.com/office/drawing/2014/main" xmlns="" val="10001"/>
+                    <a16:rowId xmlns="" xmlns:a16="http://schemas.microsoft.com/office/drawing/2014/main" val="10001"/>
                   </a:ext>
                 </a:extLst>
               </a:tr>
@@ -3795,7 +3795,7 @@
                 </a:tc>
                 <a:extLst>
                   <a:ext uri="{0D108BD9-81ED-4DB2-BD59-A6C34878D82A}">
-                    <a16:rowId xmlns:a16="http://schemas.microsoft.com/office/drawing/2014/main" xmlns="" val="10002"/>
+                    <a16:rowId xmlns="" xmlns:a16="http://schemas.microsoft.com/office/drawing/2014/main" val="10002"/>
                   </a:ext>
                 </a:extLst>
               </a:tr>
@@ -3884,7 +3884,7 @@
                 </a:tc>
                 <a:extLst>
                   <a:ext uri="{0D108BD9-81ED-4DB2-BD59-A6C34878D82A}">
-                    <a16:rowId xmlns:a16="http://schemas.microsoft.com/office/drawing/2014/main" xmlns="" val="10003"/>
+                    <a16:rowId xmlns="" xmlns:a16="http://schemas.microsoft.com/office/drawing/2014/main" val="10003"/>
                   </a:ext>
                 </a:extLst>
               </a:tr>
@@ -3973,7 +3973,7 @@
                 </a:tc>
                 <a:extLst>
                   <a:ext uri="{0D108BD9-81ED-4DB2-BD59-A6C34878D82A}">
-                    <a16:rowId xmlns:a16="http://schemas.microsoft.com/office/drawing/2014/main" xmlns="" val="10004"/>
+                    <a16:rowId xmlns="" xmlns:a16="http://schemas.microsoft.com/office/drawing/2014/main" val="10004"/>
                   </a:ext>
                 </a:extLst>
               </a:tr>
@@ -4059,7 +4059,7 @@
                 </a:tc>
                 <a:extLst>
                   <a:ext uri="{0D108BD9-81ED-4DB2-BD59-A6C34878D82A}">
-                    <a16:rowId xmlns:a16="http://schemas.microsoft.com/office/drawing/2014/main" xmlns="" val="10005"/>
+                    <a16:rowId xmlns="" xmlns:a16="http://schemas.microsoft.com/office/drawing/2014/main" val="10005"/>
                   </a:ext>
                 </a:extLst>
               </a:tr>
@@ -4142,7 +4142,7 @@
                 </a:tc>
                 <a:extLst>
                   <a:ext uri="{0D108BD9-81ED-4DB2-BD59-A6C34878D82A}">
-                    <a16:rowId xmlns:a16="http://schemas.microsoft.com/office/drawing/2014/main" xmlns="" val="10006"/>
+                    <a16:rowId xmlns="" xmlns:a16="http://schemas.microsoft.com/office/drawing/2014/main" val="10006"/>
                   </a:ext>
                 </a:extLst>
               </a:tr>
@@ -5001,35 +5001,35 @@
                 <a:gridCol w="490951">
                   <a:extLst>
                     <a:ext uri="{9D8B030D-6E8A-4147-A177-3AD203B41FA5}">
-                      <a16:colId xmlns:a16="http://schemas.microsoft.com/office/drawing/2014/main" xmlns="" val="20000"/>
+                      <a16:colId xmlns="" xmlns:a16="http://schemas.microsoft.com/office/drawing/2014/main" val="20000"/>
                     </a:ext>
                   </a:extLst>
                 </a:gridCol>
                 <a:gridCol w="1405354">
                   <a:extLst>
                     <a:ext uri="{9D8B030D-6E8A-4147-A177-3AD203B41FA5}">
-                      <a16:colId xmlns:a16="http://schemas.microsoft.com/office/drawing/2014/main" xmlns="" val="20001"/>
+                      <a16:colId xmlns="" xmlns:a16="http://schemas.microsoft.com/office/drawing/2014/main" val="20001"/>
                     </a:ext>
                   </a:extLst>
                 </a:gridCol>
                 <a:gridCol w="1502275">
                   <a:extLst>
                     <a:ext uri="{9D8B030D-6E8A-4147-A177-3AD203B41FA5}">
-                      <a16:colId xmlns:a16="http://schemas.microsoft.com/office/drawing/2014/main" xmlns="" val="20002"/>
+                      <a16:colId xmlns="" xmlns:a16="http://schemas.microsoft.com/office/drawing/2014/main" val="20002"/>
                     </a:ext>
                   </a:extLst>
                 </a:gridCol>
                 <a:gridCol w="2253988">
                   <a:extLst>
                     <a:ext uri="{9D8B030D-6E8A-4147-A177-3AD203B41FA5}">
-                      <a16:colId xmlns:a16="http://schemas.microsoft.com/office/drawing/2014/main" xmlns="" val="20003"/>
+                      <a16:colId xmlns="" xmlns:a16="http://schemas.microsoft.com/office/drawing/2014/main" val="20003"/>
                     </a:ext>
                   </a:extLst>
                 </a:gridCol>
                 <a:gridCol w="2253988">
                   <a:extLst>
                     <a:ext uri="{9D8B030D-6E8A-4147-A177-3AD203B41FA5}">
-                      <a16:colId xmlns:a16="http://schemas.microsoft.com/office/drawing/2014/main" xmlns="" val="20004"/>
+                      <a16:colId xmlns="" xmlns:a16="http://schemas.microsoft.com/office/drawing/2014/main" val="20004"/>
                     </a:ext>
                   </a:extLst>
                 </a:gridCol>
@@ -5099,7 +5099,7 @@
                 </a:tc>
                 <a:extLst>
                   <a:ext uri="{0D108BD9-81ED-4DB2-BD59-A6C34878D82A}">
-                    <a16:rowId xmlns:a16="http://schemas.microsoft.com/office/drawing/2014/main" xmlns="" val="10000"/>
+                    <a16:rowId xmlns="" xmlns:a16="http://schemas.microsoft.com/office/drawing/2014/main" val="10000"/>
                   </a:ext>
                 </a:extLst>
               </a:tr>
@@ -5173,7 +5173,7 @@
                 </a:tc>
                 <a:extLst>
                   <a:ext uri="{0D108BD9-81ED-4DB2-BD59-A6C34878D82A}">
-                    <a16:rowId xmlns:a16="http://schemas.microsoft.com/office/drawing/2014/main" xmlns="" val="10001"/>
+                    <a16:rowId xmlns="" xmlns:a16="http://schemas.microsoft.com/office/drawing/2014/main" val="10001"/>
                   </a:ext>
                 </a:extLst>
               </a:tr>
@@ -5247,7 +5247,7 @@
                 </a:tc>
                 <a:extLst>
                   <a:ext uri="{0D108BD9-81ED-4DB2-BD59-A6C34878D82A}">
-                    <a16:rowId xmlns:a16="http://schemas.microsoft.com/office/drawing/2014/main" xmlns="" val="10002"/>
+                    <a16:rowId xmlns="" xmlns:a16="http://schemas.microsoft.com/office/drawing/2014/main" val="10002"/>
                   </a:ext>
                 </a:extLst>
               </a:tr>
@@ -5316,7 +5316,7 @@
                 </a:tc>
                 <a:extLst>
                   <a:ext uri="{0D108BD9-81ED-4DB2-BD59-A6C34878D82A}">
-                    <a16:rowId xmlns:a16="http://schemas.microsoft.com/office/drawing/2014/main" xmlns="" val="10003"/>
+                    <a16:rowId xmlns="" xmlns:a16="http://schemas.microsoft.com/office/drawing/2014/main" val="10003"/>
                   </a:ext>
                 </a:extLst>
               </a:tr>
@@ -5390,7 +5390,7 @@
                 </a:tc>
                 <a:extLst>
                   <a:ext uri="{0D108BD9-81ED-4DB2-BD59-A6C34878D82A}">
-                    <a16:rowId xmlns:a16="http://schemas.microsoft.com/office/drawing/2014/main" xmlns="" val="10004"/>
+                    <a16:rowId xmlns="" xmlns:a16="http://schemas.microsoft.com/office/drawing/2014/main" val="10004"/>
                   </a:ext>
                 </a:extLst>
               </a:tr>
@@ -5476,7 +5476,7 @@
                 </a:tc>
                 <a:extLst>
                   <a:ext uri="{0D108BD9-81ED-4DB2-BD59-A6C34878D82A}">
-                    <a16:rowId xmlns:a16="http://schemas.microsoft.com/office/drawing/2014/main" xmlns="" val="10005"/>
+                    <a16:rowId xmlns="" xmlns:a16="http://schemas.microsoft.com/office/drawing/2014/main" val="10005"/>
                   </a:ext>
                 </a:extLst>
               </a:tr>
@@ -5562,7 +5562,7 @@
                 </a:tc>
                 <a:extLst>
                   <a:ext uri="{0D108BD9-81ED-4DB2-BD59-A6C34878D82A}">
-                    <a16:rowId xmlns:a16="http://schemas.microsoft.com/office/drawing/2014/main" xmlns="" val="10006"/>
+                    <a16:rowId xmlns="" xmlns:a16="http://schemas.microsoft.com/office/drawing/2014/main" val="10006"/>
                   </a:ext>
                 </a:extLst>
               </a:tr>
@@ -6640,35 +6640,35 @@
                 <a:gridCol w="546130">
                   <a:extLst>
                     <a:ext uri="{9D8B030D-6E8A-4147-A177-3AD203B41FA5}">
-                      <a16:colId xmlns:a16="http://schemas.microsoft.com/office/drawing/2014/main" xmlns="" val="20000"/>
+                      <a16:colId xmlns="" xmlns:a16="http://schemas.microsoft.com/office/drawing/2014/main" val="20000"/>
                     </a:ext>
                   </a:extLst>
                 </a:gridCol>
                 <a:gridCol w="1563306">
                   <a:extLst>
                     <a:ext uri="{9D8B030D-6E8A-4147-A177-3AD203B41FA5}">
-                      <a16:colId xmlns:a16="http://schemas.microsoft.com/office/drawing/2014/main" xmlns="" val="20001"/>
+                      <a16:colId xmlns="" xmlns:a16="http://schemas.microsoft.com/office/drawing/2014/main" val="20001"/>
                     </a:ext>
                   </a:extLst>
                 </a:gridCol>
                 <a:gridCol w="1671120">
                   <a:extLst>
                     <a:ext uri="{9D8B030D-6E8A-4147-A177-3AD203B41FA5}">
-                      <a16:colId xmlns:a16="http://schemas.microsoft.com/office/drawing/2014/main" xmlns="" val="20002"/>
+                      <a16:colId xmlns="" xmlns:a16="http://schemas.microsoft.com/office/drawing/2014/main" val="20002"/>
                     </a:ext>
                   </a:extLst>
                 </a:gridCol>
                 <a:gridCol w="2507320">
                   <a:extLst>
                     <a:ext uri="{9D8B030D-6E8A-4147-A177-3AD203B41FA5}">
-                      <a16:colId xmlns:a16="http://schemas.microsoft.com/office/drawing/2014/main" xmlns="" val="20003"/>
+                      <a16:colId xmlns="" xmlns:a16="http://schemas.microsoft.com/office/drawing/2014/main" val="20003"/>
                     </a:ext>
                   </a:extLst>
                 </a:gridCol>
                 <a:gridCol w="2507320">
                   <a:extLst>
                     <a:ext uri="{9D8B030D-6E8A-4147-A177-3AD203B41FA5}">
-                      <a16:colId xmlns:a16="http://schemas.microsoft.com/office/drawing/2014/main" xmlns="" val="20004"/>
+                      <a16:colId xmlns="" xmlns:a16="http://schemas.microsoft.com/office/drawing/2014/main" val="20004"/>
                     </a:ext>
                   </a:extLst>
                 </a:gridCol>
@@ -6738,7 +6738,7 @@
                 </a:tc>
                 <a:extLst>
                   <a:ext uri="{0D108BD9-81ED-4DB2-BD59-A6C34878D82A}">
-                    <a16:rowId xmlns:a16="http://schemas.microsoft.com/office/drawing/2014/main" xmlns="" val="10000"/>
+                    <a16:rowId xmlns="" xmlns:a16="http://schemas.microsoft.com/office/drawing/2014/main" val="10000"/>
                   </a:ext>
                 </a:extLst>
               </a:tr>
@@ -6808,7 +6808,7 @@
                 </a:tc>
                 <a:extLst>
                   <a:ext uri="{0D108BD9-81ED-4DB2-BD59-A6C34878D82A}">
-                    <a16:rowId xmlns:a16="http://schemas.microsoft.com/office/drawing/2014/main" xmlns="" val="10001"/>
+                    <a16:rowId xmlns="" xmlns:a16="http://schemas.microsoft.com/office/drawing/2014/main" val="10001"/>
                   </a:ext>
                 </a:extLst>
               </a:tr>
@@ -6877,7 +6877,7 @@
                 </a:tc>
                 <a:extLst>
                   <a:ext uri="{0D108BD9-81ED-4DB2-BD59-A6C34878D82A}">
-                    <a16:rowId xmlns:a16="http://schemas.microsoft.com/office/drawing/2014/main" xmlns="" val="10002"/>
+                    <a16:rowId xmlns="" xmlns:a16="http://schemas.microsoft.com/office/drawing/2014/main" val="10002"/>
                   </a:ext>
                 </a:extLst>
               </a:tr>
@@ -7926,35 +7926,35 @@
                 <a:gridCol w="559725">
                   <a:extLst>
                     <a:ext uri="{9D8B030D-6E8A-4147-A177-3AD203B41FA5}">
-                      <a16:colId xmlns:a16="http://schemas.microsoft.com/office/drawing/2014/main" xmlns="" val="20000"/>
+                      <a16:colId xmlns="" xmlns:a16="http://schemas.microsoft.com/office/drawing/2014/main" val="20000"/>
                     </a:ext>
                   </a:extLst>
                 </a:gridCol>
                 <a:gridCol w="1602222">
                   <a:extLst>
                     <a:ext uri="{9D8B030D-6E8A-4147-A177-3AD203B41FA5}">
-                      <a16:colId xmlns:a16="http://schemas.microsoft.com/office/drawing/2014/main" xmlns="" val="20001"/>
+                      <a16:colId xmlns="" xmlns:a16="http://schemas.microsoft.com/office/drawing/2014/main" val="20001"/>
                     </a:ext>
                   </a:extLst>
                 </a:gridCol>
                 <a:gridCol w="1712720">
                   <a:extLst>
                     <a:ext uri="{9D8B030D-6E8A-4147-A177-3AD203B41FA5}">
-                      <a16:colId xmlns:a16="http://schemas.microsoft.com/office/drawing/2014/main" xmlns="" val="20002"/>
+                      <a16:colId xmlns="" xmlns:a16="http://schemas.microsoft.com/office/drawing/2014/main" val="20002"/>
                     </a:ext>
                   </a:extLst>
                 </a:gridCol>
                 <a:gridCol w="2569736">
                   <a:extLst>
                     <a:ext uri="{9D8B030D-6E8A-4147-A177-3AD203B41FA5}">
-                      <a16:colId xmlns:a16="http://schemas.microsoft.com/office/drawing/2014/main" xmlns="" val="20003"/>
+                      <a16:colId xmlns="" xmlns:a16="http://schemas.microsoft.com/office/drawing/2014/main" val="20003"/>
                     </a:ext>
                   </a:extLst>
                 </a:gridCol>
                 <a:gridCol w="2569736">
                   <a:extLst>
                     <a:ext uri="{9D8B030D-6E8A-4147-A177-3AD203B41FA5}">
-                      <a16:colId xmlns:a16="http://schemas.microsoft.com/office/drawing/2014/main" xmlns="" val="20004"/>
+                      <a16:colId xmlns="" xmlns:a16="http://schemas.microsoft.com/office/drawing/2014/main" val="20004"/>
                     </a:ext>
                   </a:extLst>
                 </a:gridCol>
@@ -8024,7 +8024,7 @@
                 </a:tc>
                 <a:extLst>
                   <a:ext uri="{0D108BD9-81ED-4DB2-BD59-A6C34878D82A}">
-                    <a16:rowId xmlns:a16="http://schemas.microsoft.com/office/drawing/2014/main" xmlns="" val="10000"/>
+                    <a16:rowId xmlns="" xmlns:a16="http://schemas.microsoft.com/office/drawing/2014/main" val="10000"/>
                   </a:ext>
                 </a:extLst>
               </a:tr>
@@ -8093,7 +8093,7 @@
                 </a:tc>
                 <a:extLst>
                   <a:ext uri="{0D108BD9-81ED-4DB2-BD59-A6C34878D82A}">
-                    <a16:rowId xmlns:a16="http://schemas.microsoft.com/office/drawing/2014/main" xmlns="" val="10001"/>
+                    <a16:rowId xmlns="" xmlns:a16="http://schemas.microsoft.com/office/drawing/2014/main" val="10001"/>
                   </a:ext>
                 </a:extLst>
               </a:tr>
@@ -8182,7 +8182,7 @@
                 </a:tc>
                 <a:extLst>
                   <a:ext uri="{0D108BD9-81ED-4DB2-BD59-A6C34878D82A}">
-                    <a16:rowId xmlns:a16="http://schemas.microsoft.com/office/drawing/2014/main" xmlns="" val="10002"/>
+                    <a16:rowId xmlns="" xmlns:a16="http://schemas.microsoft.com/office/drawing/2014/main" val="10002"/>
                   </a:ext>
                 </a:extLst>
               </a:tr>
@@ -8271,7 +8271,7 @@
                 </a:tc>
                 <a:extLst>
                   <a:ext uri="{0D108BD9-81ED-4DB2-BD59-A6C34878D82A}">
-                    <a16:rowId xmlns:a16="http://schemas.microsoft.com/office/drawing/2014/main" xmlns="" val="10003"/>
+                    <a16:rowId xmlns="" xmlns:a16="http://schemas.microsoft.com/office/drawing/2014/main" val="10003"/>
                   </a:ext>
                 </a:extLst>
               </a:tr>
@@ -9615,35 +9615,35 @@
                 <a:gridCol w="490951">
                   <a:extLst>
                     <a:ext uri="{9D8B030D-6E8A-4147-A177-3AD203B41FA5}">
-                      <a16:colId xmlns:a16="http://schemas.microsoft.com/office/drawing/2014/main" xmlns="" val="20000"/>
+                      <a16:colId xmlns="" xmlns:a16="http://schemas.microsoft.com/office/drawing/2014/main" val="20000"/>
                     </a:ext>
                   </a:extLst>
                 </a:gridCol>
                 <a:gridCol w="1405354">
                   <a:extLst>
                     <a:ext uri="{9D8B030D-6E8A-4147-A177-3AD203B41FA5}">
-                      <a16:colId xmlns:a16="http://schemas.microsoft.com/office/drawing/2014/main" xmlns="" val="20001"/>
+                      <a16:colId xmlns="" xmlns:a16="http://schemas.microsoft.com/office/drawing/2014/main" val="20001"/>
                     </a:ext>
                   </a:extLst>
                 </a:gridCol>
                 <a:gridCol w="1502275">
                   <a:extLst>
                     <a:ext uri="{9D8B030D-6E8A-4147-A177-3AD203B41FA5}">
-                      <a16:colId xmlns:a16="http://schemas.microsoft.com/office/drawing/2014/main" xmlns="" val="20002"/>
+                      <a16:colId xmlns="" xmlns:a16="http://schemas.microsoft.com/office/drawing/2014/main" val="20002"/>
                     </a:ext>
                   </a:extLst>
                 </a:gridCol>
                 <a:gridCol w="2253988">
                   <a:extLst>
                     <a:ext uri="{9D8B030D-6E8A-4147-A177-3AD203B41FA5}">
-                      <a16:colId xmlns:a16="http://schemas.microsoft.com/office/drawing/2014/main" xmlns="" val="20003"/>
+                      <a16:colId xmlns="" xmlns:a16="http://schemas.microsoft.com/office/drawing/2014/main" val="20003"/>
                     </a:ext>
                   </a:extLst>
                 </a:gridCol>
                 <a:gridCol w="2253988">
                   <a:extLst>
                     <a:ext uri="{9D8B030D-6E8A-4147-A177-3AD203B41FA5}">
-                      <a16:colId xmlns:a16="http://schemas.microsoft.com/office/drawing/2014/main" xmlns="" val="20004"/>
+                      <a16:colId xmlns="" xmlns:a16="http://schemas.microsoft.com/office/drawing/2014/main" val="20004"/>
                     </a:ext>
                   </a:extLst>
                 </a:gridCol>
@@ -9713,7 +9713,7 @@
                 </a:tc>
                 <a:extLst>
                   <a:ext uri="{0D108BD9-81ED-4DB2-BD59-A6C34878D82A}">
-                    <a16:rowId xmlns:a16="http://schemas.microsoft.com/office/drawing/2014/main" xmlns="" val="10000"/>
+                    <a16:rowId xmlns="" xmlns:a16="http://schemas.microsoft.com/office/drawing/2014/main" val="10000"/>
                   </a:ext>
                 </a:extLst>
               </a:tr>
@@ -9787,7 +9787,7 @@
                 </a:tc>
                 <a:extLst>
                   <a:ext uri="{0D108BD9-81ED-4DB2-BD59-A6C34878D82A}">
-                    <a16:rowId xmlns:a16="http://schemas.microsoft.com/office/drawing/2014/main" xmlns="" val="10001"/>
+                    <a16:rowId xmlns="" xmlns:a16="http://schemas.microsoft.com/office/drawing/2014/main" val="10001"/>
                   </a:ext>
                 </a:extLst>
               </a:tr>
@@ -9856,7 +9856,7 @@
                 </a:tc>
                 <a:extLst>
                   <a:ext uri="{0D108BD9-81ED-4DB2-BD59-A6C34878D82A}">
-                    <a16:rowId xmlns:a16="http://schemas.microsoft.com/office/drawing/2014/main" xmlns="" val="10002"/>
+                    <a16:rowId xmlns="" xmlns:a16="http://schemas.microsoft.com/office/drawing/2014/main" val="10002"/>
                   </a:ext>
                 </a:extLst>
               </a:tr>
@@ -9925,7 +9925,7 @@
                 </a:tc>
                 <a:extLst>
                   <a:ext uri="{0D108BD9-81ED-4DB2-BD59-A6C34878D82A}">
-                    <a16:rowId xmlns:a16="http://schemas.microsoft.com/office/drawing/2014/main" xmlns="" val="10003"/>
+                    <a16:rowId xmlns="" xmlns:a16="http://schemas.microsoft.com/office/drawing/2014/main" val="10003"/>
                   </a:ext>
                 </a:extLst>
               </a:tr>
@@ -11696,35 +11696,35 @@
                 <a:gridCol w="490951">
                   <a:extLst>
                     <a:ext uri="{9D8B030D-6E8A-4147-A177-3AD203B41FA5}">
-                      <a16:colId xmlns:a16="http://schemas.microsoft.com/office/drawing/2014/main" xmlns="" val="20000"/>
+                      <a16:colId xmlns="" xmlns:a16="http://schemas.microsoft.com/office/drawing/2014/main" val="20000"/>
                     </a:ext>
                   </a:extLst>
                 </a:gridCol>
                 <a:gridCol w="1405354">
                   <a:extLst>
                     <a:ext uri="{9D8B030D-6E8A-4147-A177-3AD203B41FA5}">
-                      <a16:colId xmlns:a16="http://schemas.microsoft.com/office/drawing/2014/main" xmlns="" val="20001"/>
+                      <a16:colId xmlns="" xmlns:a16="http://schemas.microsoft.com/office/drawing/2014/main" val="20001"/>
                     </a:ext>
                   </a:extLst>
                 </a:gridCol>
                 <a:gridCol w="1502275">
                   <a:extLst>
                     <a:ext uri="{9D8B030D-6E8A-4147-A177-3AD203B41FA5}">
-                      <a16:colId xmlns:a16="http://schemas.microsoft.com/office/drawing/2014/main" xmlns="" val="20002"/>
+                      <a16:colId xmlns="" xmlns:a16="http://schemas.microsoft.com/office/drawing/2014/main" val="20002"/>
                     </a:ext>
                   </a:extLst>
                 </a:gridCol>
                 <a:gridCol w="2253988">
                   <a:extLst>
                     <a:ext uri="{9D8B030D-6E8A-4147-A177-3AD203B41FA5}">
-                      <a16:colId xmlns:a16="http://schemas.microsoft.com/office/drawing/2014/main" xmlns="" val="20003"/>
+                      <a16:colId xmlns="" xmlns:a16="http://schemas.microsoft.com/office/drawing/2014/main" val="20003"/>
                     </a:ext>
                   </a:extLst>
                 </a:gridCol>
                 <a:gridCol w="2253988">
                   <a:extLst>
                     <a:ext uri="{9D8B030D-6E8A-4147-A177-3AD203B41FA5}">
-                      <a16:colId xmlns:a16="http://schemas.microsoft.com/office/drawing/2014/main" xmlns="" val="20004"/>
+                      <a16:colId xmlns="" xmlns:a16="http://schemas.microsoft.com/office/drawing/2014/main" val="20004"/>
                     </a:ext>
                   </a:extLst>
                 </a:gridCol>
@@ -11794,7 +11794,7 @@
                 </a:tc>
                 <a:extLst>
                   <a:ext uri="{0D108BD9-81ED-4DB2-BD59-A6C34878D82A}">
-                    <a16:rowId xmlns:a16="http://schemas.microsoft.com/office/drawing/2014/main" xmlns="" val="10000"/>
+                    <a16:rowId xmlns="" xmlns:a16="http://schemas.microsoft.com/office/drawing/2014/main" val="10000"/>
                   </a:ext>
                 </a:extLst>
               </a:tr>
@@ -11876,7 +11876,7 @@
                 </a:tc>
                 <a:extLst>
                   <a:ext uri="{0D108BD9-81ED-4DB2-BD59-A6C34878D82A}">
-                    <a16:rowId xmlns:a16="http://schemas.microsoft.com/office/drawing/2014/main" xmlns="" val="10001"/>
+                    <a16:rowId xmlns="" xmlns:a16="http://schemas.microsoft.com/office/drawing/2014/main" val="10001"/>
                   </a:ext>
                 </a:extLst>
               </a:tr>
@@ -11975,7 +11975,7 @@
                 </a:tc>
                 <a:extLst>
                   <a:ext uri="{0D108BD9-81ED-4DB2-BD59-A6C34878D82A}">
-                    <a16:rowId xmlns:a16="http://schemas.microsoft.com/office/drawing/2014/main" xmlns="" val="10002"/>
+                    <a16:rowId xmlns="" xmlns:a16="http://schemas.microsoft.com/office/drawing/2014/main" val="10002"/>
                   </a:ext>
                 </a:extLst>
               </a:tr>
@@ -12066,35 +12066,35 @@
                 <a:gridCol w="536534">
                   <a:extLst>
                     <a:ext uri="{9D8B030D-6E8A-4147-A177-3AD203B41FA5}">
-                      <a16:colId xmlns:a16="http://schemas.microsoft.com/office/drawing/2014/main" xmlns="" val="20000"/>
+                      <a16:colId xmlns="" xmlns:a16="http://schemas.microsoft.com/office/drawing/2014/main" val="20000"/>
                     </a:ext>
                   </a:extLst>
                 </a:gridCol>
                 <a:gridCol w="1535836">
                   <a:extLst>
                     <a:ext uri="{9D8B030D-6E8A-4147-A177-3AD203B41FA5}">
-                      <a16:colId xmlns:a16="http://schemas.microsoft.com/office/drawing/2014/main" xmlns="" val="20001"/>
+                      <a16:colId xmlns="" xmlns:a16="http://schemas.microsoft.com/office/drawing/2014/main" val="20001"/>
                     </a:ext>
                   </a:extLst>
                 </a:gridCol>
                 <a:gridCol w="1641756">
                   <a:extLst>
                     <a:ext uri="{9D8B030D-6E8A-4147-A177-3AD203B41FA5}">
-                      <a16:colId xmlns:a16="http://schemas.microsoft.com/office/drawing/2014/main" xmlns="" val="20002"/>
+                      <a16:colId xmlns="" xmlns:a16="http://schemas.microsoft.com/office/drawing/2014/main" val="20002"/>
                     </a:ext>
                   </a:extLst>
                 </a:gridCol>
                 <a:gridCol w="2463263">
                   <a:extLst>
                     <a:ext uri="{9D8B030D-6E8A-4147-A177-3AD203B41FA5}">
-                      <a16:colId xmlns:a16="http://schemas.microsoft.com/office/drawing/2014/main" xmlns="" val="20003"/>
+                      <a16:colId xmlns="" xmlns:a16="http://schemas.microsoft.com/office/drawing/2014/main" val="20003"/>
                     </a:ext>
                   </a:extLst>
                 </a:gridCol>
                 <a:gridCol w="2463263">
                   <a:extLst>
                     <a:ext uri="{9D8B030D-6E8A-4147-A177-3AD203B41FA5}">
-                      <a16:colId xmlns:a16="http://schemas.microsoft.com/office/drawing/2014/main" xmlns="" val="20004"/>
+                      <a16:colId xmlns="" xmlns:a16="http://schemas.microsoft.com/office/drawing/2014/main" val="20004"/>
                     </a:ext>
                   </a:extLst>
                 </a:gridCol>
@@ -12164,7 +12164,7 @@
                 </a:tc>
                 <a:extLst>
                   <a:ext uri="{0D108BD9-81ED-4DB2-BD59-A6C34878D82A}">
-                    <a16:rowId xmlns:a16="http://schemas.microsoft.com/office/drawing/2014/main" xmlns="" val="10000"/>
+                    <a16:rowId xmlns="" xmlns:a16="http://schemas.microsoft.com/office/drawing/2014/main" val="10000"/>
                   </a:ext>
                 </a:extLst>
               </a:tr>
@@ -12234,7 +12234,7 @@
                 </a:tc>
                 <a:extLst>
                   <a:ext uri="{0D108BD9-81ED-4DB2-BD59-A6C34878D82A}">
-                    <a16:rowId xmlns:a16="http://schemas.microsoft.com/office/drawing/2014/main" xmlns="" val="10001"/>
+                    <a16:rowId xmlns="" xmlns:a16="http://schemas.microsoft.com/office/drawing/2014/main" val="10001"/>
                   </a:ext>
                 </a:extLst>
               </a:tr>
@@ -12304,7 +12304,7 @@
                 </a:tc>
                 <a:extLst>
                   <a:ext uri="{0D108BD9-81ED-4DB2-BD59-A6C34878D82A}">
-                    <a16:rowId xmlns:a16="http://schemas.microsoft.com/office/drawing/2014/main" xmlns="" val="10002"/>
+                    <a16:rowId xmlns="" xmlns:a16="http://schemas.microsoft.com/office/drawing/2014/main" val="10002"/>
                   </a:ext>
                 </a:extLst>
               </a:tr>
@@ -12379,7 +12379,7 @@
                 </a:tc>
                 <a:extLst>
                   <a:ext uri="{0D108BD9-81ED-4DB2-BD59-A6C34878D82A}">
-                    <a16:rowId xmlns:a16="http://schemas.microsoft.com/office/drawing/2014/main" xmlns="" val="10003"/>
+                    <a16:rowId xmlns="" xmlns:a16="http://schemas.microsoft.com/office/drawing/2014/main" val="10003"/>
                   </a:ext>
                 </a:extLst>
               </a:tr>
@@ -12454,7 +12454,7 @@
                 </a:tc>
                 <a:extLst>
                   <a:ext uri="{0D108BD9-81ED-4DB2-BD59-A6C34878D82A}">
-                    <a16:rowId xmlns:a16="http://schemas.microsoft.com/office/drawing/2014/main" xmlns="" val="10004"/>
+                    <a16:rowId xmlns="" xmlns:a16="http://schemas.microsoft.com/office/drawing/2014/main" val="10004"/>
                   </a:ext>
                 </a:extLst>
               </a:tr>
@@ -12524,7 +12524,7 @@
                 </a:tc>
                 <a:extLst>
                   <a:ext uri="{0D108BD9-81ED-4DB2-BD59-A6C34878D82A}">
-                    <a16:rowId xmlns:a16="http://schemas.microsoft.com/office/drawing/2014/main" xmlns="" val="10005"/>
+                    <a16:rowId xmlns="" xmlns:a16="http://schemas.microsoft.com/office/drawing/2014/main" val="10005"/>
                   </a:ext>
                 </a:extLst>
               </a:tr>
@@ -12598,7 +12598,7 @@
                 </a:tc>
                 <a:extLst>
                   <a:ext uri="{0D108BD9-81ED-4DB2-BD59-A6C34878D82A}">
-                    <a16:rowId xmlns:a16="http://schemas.microsoft.com/office/drawing/2014/main" xmlns="" val="10006"/>
+                    <a16:rowId xmlns="" xmlns:a16="http://schemas.microsoft.com/office/drawing/2014/main" val="10006"/>
                   </a:ext>
                 </a:extLst>
               </a:tr>
@@ -13068,14 +13068,248 @@
       </p:pic>
       <p:sp>
         <p:nvSpPr>
-          <p:cNvPr id="26" name="Retângulo de cantos arredondados 25"/>
+          <p:cNvPr id="27" name="Retângulo de cantos arredondados 26"/>
           <p:cNvSpPr/>
           <p:nvPr/>
         </p:nvSpPr>
         <p:spPr>
           <a:xfrm>
-            <a:off x="9259910" y="722334"/>
-            <a:ext cx="1183430" cy="307071"/>
+            <a:off x="1560817" y="1828799"/>
+            <a:ext cx="8882523" cy="1867437"/>
+          </a:xfrm>
+          <a:prstGeom prst="roundRect">
+            <a:avLst/>
+          </a:prstGeom>
+          <a:noFill/>
+        </p:spPr>
+        <p:style>
+          <a:lnRef idx="2">
+            <a:schemeClr val="accent6"/>
+          </a:lnRef>
+          <a:fillRef idx="1">
+            <a:schemeClr val="lt1"/>
+          </a:fillRef>
+          <a:effectRef idx="0">
+            <a:schemeClr val="accent6"/>
+          </a:effectRef>
+          <a:fontRef idx="minor">
+            <a:schemeClr val="dk1"/>
+          </a:fontRef>
+        </p:style>
+        <p:txBody>
+          <a:bodyPr rtlCol="0" anchor="ctr"/>
+          <a:lstStyle/>
+          <a:p>
+            <a:pPr algn="ctr"/>
+            <a:endParaRPr lang="pt-BR"/>
+          </a:p>
+        </p:txBody>
+      </p:sp>
+      <p:sp>
+        <p:nvSpPr>
+          <p:cNvPr id="29" name="Retângulo de cantos arredondados 28"/>
+          <p:cNvSpPr/>
+          <p:nvPr/>
+        </p:nvSpPr>
+        <p:spPr>
+          <a:xfrm>
+            <a:off x="1560817" y="3874028"/>
+            <a:ext cx="8882523" cy="401255"/>
+          </a:xfrm>
+          <a:prstGeom prst="roundRect">
+            <a:avLst/>
+          </a:prstGeom>
+          <a:solidFill>
+            <a:schemeClr val="bg1">
+              <a:lumMod val="95000"/>
+            </a:schemeClr>
+          </a:solidFill>
+          <a:ln>
+            <a:solidFill>
+              <a:schemeClr val="bg1">
+                <a:lumMod val="85000"/>
+              </a:schemeClr>
+            </a:solidFill>
+          </a:ln>
+        </p:spPr>
+        <p:style>
+          <a:lnRef idx="2">
+            <a:schemeClr val="accent6"/>
+          </a:lnRef>
+          <a:fillRef idx="1">
+            <a:schemeClr val="lt1"/>
+          </a:fillRef>
+          <a:effectRef idx="0">
+            <a:schemeClr val="accent6"/>
+          </a:effectRef>
+          <a:fontRef idx="minor">
+            <a:schemeClr val="dk1"/>
+          </a:fontRef>
+        </p:style>
+        <p:txBody>
+          <a:bodyPr rtlCol="0" anchor="ctr"/>
+          <a:lstStyle/>
+          <a:p>
+            <a:pPr algn="ctr"/>
+            <a:r>
+              <a:rPr lang="pt-BR" dirty="0"/>
+              <a:t>a) Opção I</a:t>
+            </a:r>
+          </a:p>
+        </p:txBody>
+      </p:sp>
+      <p:sp>
+        <p:nvSpPr>
+          <p:cNvPr id="31" name="Retângulo de cantos arredondados 30"/>
+          <p:cNvSpPr/>
+          <p:nvPr/>
+        </p:nvSpPr>
+        <p:spPr>
+          <a:xfrm>
+            <a:off x="1560817" y="4327402"/>
+            <a:ext cx="8882521" cy="401255"/>
+          </a:xfrm>
+          <a:prstGeom prst="roundRect">
+            <a:avLst/>
+          </a:prstGeom>
+          <a:solidFill>
+            <a:schemeClr val="bg1">
+              <a:lumMod val="95000"/>
+            </a:schemeClr>
+          </a:solidFill>
+          <a:ln>
+            <a:solidFill>
+              <a:schemeClr val="bg1">
+                <a:lumMod val="85000"/>
+              </a:schemeClr>
+            </a:solidFill>
+          </a:ln>
+        </p:spPr>
+        <p:style>
+          <a:lnRef idx="2">
+            <a:schemeClr val="accent6"/>
+          </a:lnRef>
+          <a:fillRef idx="1">
+            <a:schemeClr val="lt1"/>
+          </a:fillRef>
+          <a:effectRef idx="0">
+            <a:schemeClr val="accent6"/>
+          </a:effectRef>
+          <a:fontRef idx="minor">
+            <a:schemeClr val="dk1"/>
+          </a:fontRef>
+        </p:style>
+        <p:txBody>
+          <a:bodyPr rtlCol="0" anchor="ctr"/>
+          <a:lstStyle/>
+          <a:p>
+            <a:pPr algn="ctr"/>
+            <a:r>
+              <a:rPr lang="pt-BR" dirty="0"/>
+              <a:t>b) Opção II</a:t>
+            </a:r>
+          </a:p>
+        </p:txBody>
+      </p:sp>
+      <p:sp>
+        <p:nvSpPr>
+          <p:cNvPr id="32" name="Retângulo de cantos arredondados 31"/>
+          <p:cNvSpPr/>
+          <p:nvPr/>
+        </p:nvSpPr>
+        <p:spPr>
+          <a:xfrm>
+            <a:off x="1560817" y="4780777"/>
+            <a:ext cx="8882521" cy="401255"/>
+          </a:xfrm>
+          <a:prstGeom prst="roundRect">
+            <a:avLst/>
+          </a:prstGeom>
+          <a:solidFill>
+            <a:schemeClr val="bg1">
+              <a:lumMod val="95000"/>
+            </a:schemeClr>
+          </a:solidFill>
+          <a:ln>
+            <a:solidFill>
+              <a:schemeClr val="bg1">
+                <a:lumMod val="85000"/>
+              </a:schemeClr>
+            </a:solidFill>
+          </a:ln>
+        </p:spPr>
+        <p:style>
+          <a:lnRef idx="2">
+            <a:schemeClr val="accent6"/>
+          </a:lnRef>
+          <a:fillRef idx="1">
+            <a:schemeClr val="lt1"/>
+          </a:fillRef>
+          <a:effectRef idx="0">
+            <a:schemeClr val="accent6"/>
+          </a:effectRef>
+          <a:fontRef idx="minor">
+            <a:schemeClr val="dk1"/>
+          </a:fontRef>
+        </p:style>
+        <p:txBody>
+          <a:bodyPr rtlCol="0" anchor="ctr"/>
+          <a:lstStyle/>
+          <a:p>
+            <a:pPr algn="ctr"/>
+            <a:r>
+              <a:rPr lang="pt-BR" dirty="0"/>
+              <a:t>c) Opção III</a:t>
+            </a:r>
+          </a:p>
+        </p:txBody>
+      </p:sp>
+      <p:sp>
+        <p:nvSpPr>
+          <p:cNvPr id="33" name="CaixaDeTexto 32"/>
+          <p:cNvSpPr txBox="1"/>
+          <p:nvPr/>
+        </p:nvSpPr>
+        <p:spPr>
+          <a:xfrm>
+            <a:off x="1719727" y="2191082"/>
+            <a:ext cx="1501399" cy="400110"/>
+          </a:xfrm>
+          <a:prstGeom prst="rect">
+            <a:avLst/>
+          </a:prstGeom>
+          <a:noFill/>
+        </p:spPr>
+        <p:txBody>
+          <a:bodyPr wrap="square" rtlCol="0">
+            <a:spAutoFit/>
+          </a:bodyPr>
+          <a:lstStyle/>
+          <a:p>
+            <a:r>
+              <a:rPr lang="pt-BR" sz="2000" dirty="0">
+                <a:solidFill>
+                  <a:srgbClr val="447E43"/>
+                </a:solidFill>
+                <a:latin typeface="Arial Unicode MS" panose="020B0604020202020204" pitchFamily="34" charset="-128"/>
+                <a:ea typeface="Arial Unicode MS" panose="020B0604020202020204" pitchFamily="34" charset="-128"/>
+                <a:cs typeface="Arial Unicode MS" panose="020B0604020202020204" pitchFamily="34" charset="-128"/>
+              </a:rPr>
+              <a:t>Pergunta 1</a:t>
+            </a:r>
+          </a:p>
+        </p:txBody>
+      </p:sp>
+      <p:sp>
+        <p:nvSpPr>
+          <p:cNvPr id="28" name="Retângulo de cantos arredondados 27"/>
+          <p:cNvSpPr/>
+          <p:nvPr/>
+        </p:nvSpPr>
+        <p:spPr>
+          <a:xfrm>
+            <a:off x="5395370" y="5587210"/>
+            <a:ext cx="1290702" cy="715877"/>
           </a:xfrm>
           <a:prstGeom prst="roundRect">
             <a:avLst/>
@@ -13121,294 +13355,32 @@
                   <a:schemeClr val="tx1"/>
                 </a:solidFill>
               </a:rPr>
-              <a:t>2º</a:t>
+              <a:t>150</a:t>
             </a:r>
           </a:p>
         </p:txBody>
       </p:sp>
-      <p:pic>
-        <p:nvPicPr>
-          <p:cNvPr id="8" name="Imagem 7"/>
-          <p:cNvPicPr>
-            <a:picLocks noChangeAspect="1"/>
-          </p:cNvPicPr>
-          <p:nvPr/>
-        </p:nvPicPr>
-        <p:blipFill>
-          <a:blip r:embed="rId4" cstate="print">
-            <a:extLst>
-              <a:ext uri="{28A0092B-C50C-407E-A947-70E740481C1C}">
-                <a14:useLocalDpi xmlns:a14="http://schemas.microsoft.com/office/drawing/2010/main" val="0"/>
-              </a:ext>
-            </a:extLst>
-          </a:blip>
-          <a:stretch>
-            <a:fillRect/>
-          </a:stretch>
-        </p:blipFill>
-        <p:spPr>
-          <a:xfrm>
-            <a:off x="8894093" y="489681"/>
-            <a:ext cx="748911" cy="748911"/>
+      <p:sp>
+        <p:nvSpPr>
+          <p:cNvPr id="30" name="Retângulo 29"/>
+          <p:cNvSpPr/>
+          <p:nvPr/>
+        </p:nvSpPr>
+        <p:spPr>
+          <a:xfrm>
+            <a:off x="5499123" y="5409996"/>
+            <a:ext cx="1083196" cy="378657"/>
           </a:xfrm>
           <a:prstGeom prst="rect">
             <a:avLst/>
           </a:prstGeom>
-        </p:spPr>
-      </p:pic>
-      <p:sp>
-        <p:nvSpPr>
-          <p:cNvPr id="27" name="Retângulo de cantos arredondados 26"/>
-          <p:cNvSpPr/>
-          <p:nvPr/>
-        </p:nvSpPr>
-        <p:spPr>
-          <a:xfrm>
-            <a:off x="1560817" y="1828799"/>
-            <a:ext cx="8882523" cy="1867437"/>
-          </a:xfrm>
-          <a:prstGeom prst="roundRect">
-            <a:avLst/>
-          </a:prstGeom>
-          <a:noFill/>
-        </p:spPr>
-        <p:style>
-          <a:lnRef idx="2">
-            <a:schemeClr val="accent6"/>
-          </a:lnRef>
-          <a:fillRef idx="1">
-            <a:schemeClr val="lt1"/>
-          </a:fillRef>
-          <a:effectRef idx="0">
-            <a:schemeClr val="accent6"/>
-          </a:effectRef>
-          <a:fontRef idx="minor">
-            <a:schemeClr val="dk1"/>
-          </a:fontRef>
-        </p:style>
-        <p:txBody>
-          <a:bodyPr rtlCol="0" anchor="ctr"/>
-          <a:lstStyle/>
-          <a:p>
-            <a:pPr algn="ctr"/>
-            <a:endParaRPr lang="pt-BR"/>
-          </a:p>
-        </p:txBody>
-      </p:sp>
-      <p:sp>
-        <p:nvSpPr>
-          <p:cNvPr id="29" name="Retângulo de cantos arredondados 28"/>
-          <p:cNvSpPr/>
-          <p:nvPr/>
-        </p:nvSpPr>
-        <p:spPr>
-          <a:xfrm>
-            <a:off x="1560817" y="3874028"/>
-            <a:ext cx="8882523" cy="401255"/>
-          </a:xfrm>
-          <a:prstGeom prst="roundRect">
-            <a:avLst/>
-          </a:prstGeom>
           <a:solidFill>
-            <a:schemeClr val="bg1">
-              <a:lumMod val="95000"/>
-            </a:schemeClr>
+            <a:srgbClr val="8DBA62"/>
           </a:solidFill>
           <a:ln>
             <a:solidFill>
-              <a:schemeClr val="bg1">
-                <a:lumMod val="85000"/>
-              </a:schemeClr>
+              <a:srgbClr val="73D54A"/>
             </a:solidFill>
-          </a:ln>
-        </p:spPr>
-        <p:style>
-          <a:lnRef idx="2">
-            <a:schemeClr val="accent6"/>
-          </a:lnRef>
-          <a:fillRef idx="1">
-            <a:schemeClr val="lt1"/>
-          </a:fillRef>
-          <a:effectRef idx="0">
-            <a:schemeClr val="accent6"/>
-          </a:effectRef>
-          <a:fontRef idx="minor">
-            <a:schemeClr val="dk1"/>
-          </a:fontRef>
-        </p:style>
-        <p:txBody>
-          <a:bodyPr rtlCol="0" anchor="ctr"/>
-          <a:lstStyle/>
-          <a:p>
-            <a:pPr algn="ctr"/>
-            <a:r>
-              <a:rPr lang="pt-BR" dirty="0"/>
-              <a:t>a) Opção I</a:t>
-            </a:r>
-          </a:p>
-        </p:txBody>
-      </p:sp>
-      <p:sp>
-        <p:nvSpPr>
-          <p:cNvPr id="31" name="Retângulo de cantos arredondados 30"/>
-          <p:cNvSpPr/>
-          <p:nvPr/>
-        </p:nvSpPr>
-        <p:spPr>
-          <a:xfrm>
-            <a:off x="1560817" y="4327402"/>
-            <a:ext cx="8882521" cy="401255"/>
-          </a:xfrm>
-          <a:prstGeom prst="roundRect">
-            <a:avLst/>
-          </a:prstGeom>
-          <a:solidFill>
-            <a:schemeClr val="bg1">
-              <a:lumMod val="95000"/>
-            </a:schemeClr>
-          </a:solidFill>
-          <a:ln>
-            <a:solidFill>
-              <a:schemeClr val="bg1">
-                <a:lumMod val="85000"/>
-              </a:schemeClr>
-            </a:solidFill>
-          </a:ln>
-        </p:spPr>
-        <p:style>
-          <a:lnRef idx="2">
-            <a:schemeClr val="accent6"/>
-          </a:lnRef>
-          <a:fillRef idx="1">
-            <a:schemeClr val="lt1"/>
-          </a:fillRef>
-          <a:effectRef idx="0">
-            <a:schemeClr val="accent6"/>
-          </a:effectRef>
-          <a:fontRef idx="minor">
-            <a:schemeClr val="dk1"/>
-          </a:fontRef>
-        </p:style>
-        <p:txBody>
-          <a:bodyPr rtlCol="0" anchor="ctr"/>
-          <a:lstStyle/>
-          <a:p>
-            <a:pPr algn="ctr"/>
-            <a:r>
-              <a:rPr lang="pt-BR" dirty="0"/>
-              <a:t>b) Opção II</a:t>
-            </a:r>
-          </a:p>
-        </p:txBody>
-      </p:sp>
-      <p:sp>
-        <p:nvSpPr>
-          <p:cNvPr id="32" name="Retângulo de cantos arredondados 31"/>
-          <p:cNvSpPr/>
-          <p:nvPr/>
-        </p:nvSpPr>
-        <p:spPr>
-          <a:xfrm>
-            <a:off x="1560817" y="4780777"/>
-            <a:ext cx="8882521" cy="401255"/>
-          </a:xfrm>
-          <a:prstGeom prst="roundRect">
-            <a:avLst/>
-          </a:prstGeom>
-          <a:solidFill>
-            <a:schemeClr val="bg1">
-              <a:lumMod val="95000"/>
-            </a:schemeClr>
-          </a:solidFill>
-          <a:ln>
-            <a:solidFill>
-              <a:schemeClr val="bg1">
-                <a:lumMod val="85000"/>
-              </a:schemeClr>
-            </a:solidFill>
-          </a:ln>
-        </p:spPr>
-        <p:style>
-          <a:lnRef idx="2">
-            <a:schemeClr val="accent6"/>
-          </a:lnRef>
-          <a:fillRef idx="1">
-            <a:schemeClr val="lt1"/>
-          </a:fillRef>
-          <a:effectRef idx="0">
-            <a:schemeClr val="accent6"/>
-          </a:effectRef>
-          <a:fontRef idx="minor">
-            <a:schemeClr val="dk1"/>
-          </a:fontRef>
-        </p:style>
-        <p:txBody>
-          <a:bodyPr rtlCol="0" anchor="ctr"/>
-          <a:lstStyle/>
-          <a:p>
-            <a:pPr algn="ctr"/>
-            <a:r>
-              <a:rPr lang="pt-BR" dirty="0"/>
-              <a:t>c) Opção III</a:t>
-            </a:r>
-          </a:p>
-        </p:txBody>
-      </p:sp>
-      <p:sp>
-        <p:nvSpPr>
-          <p:cNvPr id="33" name="CaixaDeTexto 32"/>
-          <p:cNvSpPr txBox="1"/>
-          <p:nvPr/>
-        </p:nvSpPr>
-        <p:spPr>
-          <a:xfrm>
-            <a:off x="1719727" y="2191082"/>
-            <a:ext cx="1501399" cy="400110"/>
-          </a:xfrm>
-          <a:prstGeom prst="rect">
-            <a:avLst/>
-          </a:prstGeom>
-          <a:noFill/>
-        </p:spPr>
-        <p:txBody>
-          <a:bodyPr wrap="square" rtlCol="0">
-            <a:spAutoFit/>
-          </a:bodyPr>
-          <a:lstStyle/>
-          <a:p>
-            <a:r>
-              <a:rPr lang="pt-BR" sz="2000" dirty="0">
-                <a:solidFill>
-                  <a:srgbClr val="447E43"/>
-                </a:solidFill>
-                <a:latin typeface="Arial Unicode MS" panose="020B0604020202020204" pitchFamily="34" charset="-128"/>
-                <a:ea typeface="Arial Unicode MS" panose="020B0604020202020204" pitchFamily="34" charset="-128"/>
-                <a:cs typeface="Arial Unicode MS" panose="020B0604020202020204" pitchFamily="34" charset="-128"/>
-              </a:rPr>
-              <a:t>Pergunta 1</a:t>
-            </a:r>
-          </a:p>
-        </p:txBody>
-      </p:sp>
-      <p:sp>
-        <p:nvSpPr>
-          <p:cNvPr id="28" name="Retângulo de cantos arredondados 27"/>
-          <p:cNvSpPr/>
-          <p:nvPr/>
-        </p:nvSpPr>
-        <p:spPr>
-          <a:xfrm>
-            <a:off x="5395370" y="5587210"/>
-            <a:ext cx="1290702" cy="715877"/>
-          </a:xfrm>
-          <a:prstGeom prst="roundRect">
-            <a:avLst/>
-          </a:prstGeom>
-          <a:solidFill>
-            <a:srgbClr val="FDEBC7"/>
-          </a:solidFill>
-          <a:ln>
-            <a:noFill/>
           </a:ln>
           <a:effectLst>
             <a:outerShdw blurRad="50800" dist="38100" dir="2700000" algn="tl" rotWithShape="0">
@@ -13416,6 +13388,7 @@
                 <a:alpha val="40000"/>
               </a:prstClr>
             </a:outerShdw>
+            <a:softEdge rad="0"/>
           </a:effectLst>
         </p:spPr>
         <p:style>
@@ -13440,37 +13413,31 @@
           <a:p>
             <a:pPr algn="ctr"/>
             <a:r>
-              <a:rPr lang="pt-BR" dirty="0">
-                <a:solidFill>
-                  <a:schemeClr val="tx1"/>
-                </a:solidFill>
-              </a:rPr>
-              <a:t>150</a:t>
+              <a:rPr lang="pt-BR" dirty="0"/>
+              <a:t>Score</a:t>
             </a:r>
           </a:p>
         </p:txBody>
       </p:sp>
       <p:sp>
         <p:nvSpPr>
-          <p:cNvPr id="30" name="Retângulo 29"/>
+          <p:cNvPr id="40" name="Retângulo de cantos arredondados 39"/>
           <p:cNvSpPr/>
           <p:nvPr/>
         </p:nvSpPr>
         <p:spPr>
           <a:xfrm>
-            <a:off x="5499123" y="5409996"/>
-            <a:ext cx="1083196" cy="378657"/>
-          </a:xfrm>
-          <a:prstGeom prst="rect">
+            <a:off x="1560817" y="5792058"/>
+            <a:ext cx="2341963" cy="449141"/>
+          </a:xfrm>
+          <a:prstGeom prst="roundRect">
             <a:avLst/>
           </a:prstGeom>
           <a:solidFill>
-            <a:srgbClr val="8DBA62"/>
+            <a:srgbClr val="FDEBC7"/>
           </a:solidFill>
           <a:ln>
-            <a:solidFill>
-              <a:srgbClr val="73D54A"/>
-            </a:solidFill>
+            <a:noFill/>
           </a:ln>
           <a:effectLst>
             <a:outerShdw blurRad="50800" dist="38100" dir="2700000" algn="tl" rotWithShape="0">
@@ -13478,7 +13445,6 @@
                 <a:alpha val="40000"/>
               </a:prstClr>
             </a:outerShdw>
-            <a:softEdge rad="0"/>
           </a:effectLst>
         </p:spPr>
         <p:style>
@@ -13502,62 +13468,6 @@
           <a:lstStyle/>
           <a:p>
             <a:pPr algn="ctr"/>
-            <a:r>
-              <a:rPr lang="pt-BR" dirty="0"/>
-              <a:t>Score</a:t>
-            </a:r>
-          </a:p>
-        </p:txBody>
-      </p:sp>
-      <p:sp>
-        <p:nvSpPr>
-          <p:cNvPr id="40" name="Retângulo de cantos arredondados 39"/>
-          <p:cNvSpPr/>
-          <p:nvPr/>
-        </p:nvSpPr>
-        <p:spPr>
-          <a:xfrm>
-            <a:off x="1560817" y="5792058"/>
-            <a:ext cx="2341963" cy="449141"/>
-          </a:xfrm>
-          <a:prstGeom prst="roundRect">
-            <a:avLst/>
-          </a:prstGeom>
-          <a:solidFill>
-            <a:srgbClr val="FDEBC7"/>
-          </a:solidFill>
-          <a:ln>
-            <a:noFill/>
-          </a:ln>
-          <a:effectLst>
-            <a:outerShdw blurRad="50800" dist="38100" dir="2700000" algn="tl" rotWithShape="0">
-              <a:prstClr val="black">
-                <a:alpha val="40000"/>
-              </a:prstClr>
-            </a:outerShdw>
-          </a:effectLst>
-        </p:spPr>
-        <p:style>
-          <a:lnRef idx="2">
-            <a:schemeClr val="accent1">
-              <a:shade val="50000"/>
-            </a:schemeClr>
-          </a:lnRef>
-          <a:fillRef idx="1">
-            <a:schemeClr val="accent1"/>
-          </a:fillRef>
-          <a:effectRef idx="0">
-            <a:schemeClr val="accent1"/>
-          </a:effectRef>
-          <a:fontRef idx="minor">
-            <a:schemeClr val="lt1"/>
-          </a:fontRef>
-        </p:style>
-        <p:txBody>
-          <a:bodyPr rtlCol="0" anchor="ctr"/>
-          <a:lstStyle/>
-          <a:p>
-            <a:pPr algn="ctr"/>
             <a:endParaRPr lang="pt-BR" dirty="0">
               <a:solidFill>
                 <a:schemeClr val="tx1"/>
@@ -13575,7 +13485,7 @@
           <p:nvPr/>
         </p:nvPicPr>
         <p:blipFill>
-          <a:blip r:embed="rId5" cstate="print">
+          <a:blip r:embed="rId4" cstate="print">
             <a:extLst>
               <a:ext uri="{28A0092B-C50C-407E-A947-70E740481C1C}">
                 <a14:useLocalDpi xmlns:a14="http://schemas.microsoft.com/office/drawing/2010/main" val="0"/>
@@ -13605,11 +13515,11 @@
           <p:nvPr/>
         </p:nvPicPr>
         <p:blipFill>
-          <a:blip r:embed="rId6" cstate="print">
+          <a:blip r:embed="rId5" cstate="print">
             <a:extLst>
               <a:ext uri="{BEBA8EAE-BF5A-486C-A8C5-ECC9F3942E4B}">
                 <a14:imgProps xmlns:a14="http://schemas.microsoft.com/office/drawing/2010/main">
-                  <a14:imgLayer r:embed="rId7">
+                  <a14:imgLayer r:embed="rId6">
                     <a14:imgEffect>
                       <a14:backgroundRemoval t="10000" b="90000" l="10000" r="90000">
                         <a14:foregroundMark x1="34725" y1="55385" x2="39780" y2="60440"/>
@@ -13680,11 +13590,11 @@
           <p:nvPr/>
         </p:nvPicPr>
         <p:blipFill>
-          <a:blip r:embed="rId8" cstate="print">
+          <a:blip r:embed="rId7" cstate="print">
             <a:extLst>
               <a:ext uri="{BEBA8EAE-BF5A-486C-A8C5-ECC9F3942E4B}">
                 <a14:imgProps xmlns:a14="http://schemas.microsoft.com/office/drawing/2010/main">
-                  <a14:imgLayer r:embed="rId9">
+                  <a14:imgLayer r:embed="rId8">
                     <a14:imgEffect>
                       <a14:backgroundRemoval t="10000" b="90000" l="10000" r="90000"/>
                     </a14:imgEffect>
@@ -13801,35 +13711,35 @@
                 <a:gridCol w="631698">
                   <a:extLst>
                     <a:ext uri="{9D8B030D-6E8A-4147-A177-3AD203B41FA5}">
-                      <a16:colId xmlns:a16="http://schemas.microsoft.com/office/drawing/2014/main" xmlns="" val="20000"/>
+                      <a16:colId xmlns="" xmlns:a16="http://schemas.microsoft.com/office/drawing/2014/main" val="20000"/>
                     </a:ext>
                   </a:extLst>
                 </a:gridCol>
                 <a:gridCol w="1808247">
                   <a:extLst>
                     <a:ext uri="{9D8B030D-6E8A-4147-A177-3AD203B41FA5}">
-                      <a16:colId xmlns:a16="http://schemas.microsoft.com/office/drawing/2014/main" xmlns="" val="20001"/>
+                      <a16:colId xmlns="" xmlns:a16="http://schemas.microsoft.com/office/drawing/2014/main" val="20001"/>
                     </a:ext>
                   </a:extLst>
                 </a:gridCol>
                 <a:gridCol w="1932953">
                   <a:extLst>
                     <a:ext uri="{9D8B030D-6E8A-4147-A177-3AD203B41FA5}">
-                      <a16:colId xmlns:a16="http://schemas.microsoft.com/office/drawing/2014/main" xmlns="" val="20002"/>
+                      <a16:colId xmlns="" xmlns:a16="http://schemas.microsoft.com/office/drawing/2014/main" val="20002"/>
                     </a:ext>
                   </a:extLst>
                 </a:gridCol>
                 <a:gridCol w="2900170">
                   <a:extLst>
                     <a:ext uri="{9D8B030D-6E8A-4147-A177-3AD203B41FA5}">
-                      <a16:colId xmlns:a16="http://schemas.microsoft.com/office/drawing/2014/main" xmlns="" val="20003"/>
+                      <a16:colId xmlns="" xmlns:a16="http://schemas.microsoft.com/office/drawing/2014/main" val="20003"/>
                     </a:ext>
                   </a:extLst>
                 </a:gridCol>
                 <a:gridCol w="2900170">
                   <a:extLst>
                     <a:ext uri="{9D8B030D-6E8A-4147-A177-3AD203B41FA5}">
-                      <a16:colId xmlns:a16="http://schemas.microsoft.com/office/drawing/2014/main" xmlns="" val="20004"/>
+                      <a16:colId xmlns="" xmlns:a16="http://schemas.microsoft.com/office/drawing/2014/main" val="20004"/>
                     </a:ext>
                   </a:extLst>
                 </a:gridCol>
@@ -13899,7 +13809,7 @@
                 </a:tc>
                 <a:extLst>
                   <a:ext uri="{0D108BD9-81ED-4DB2-BD59-A6C34878D82A}">
-                    <a16:rowId xmlns:a16="http://schemas.microsoft.com/office/drawing/2014/main" xmlns="" val="10000"/>
+                    <a16:rowId xmlns="" xmlns:a16="http://schemas.microsoft.com/office/drawing/2014/main" val="10000"/>
                   </a:ext>
                 </a:extLst>
               </a:tr>
@@ -13965,7 +13875,7 @@
                 </a:tc>
                 <a:extLst>
                   <a:ext uri="{0D108BD9-81ED-4DB2-BD59-A6C34878D82A}">
-                    <a16:rowId xmlns:a16="http://schemas.microsoft.com/office/drawing/2014/main" xmlns="" val="10001"/>
+                    <a16:rowId xmlns="" xmlns:a16="http://schemas.microsoft.com/office/drawing/2014/main" val="10001"/>
                   </a:ext>
                 </a:extLst>
               </a:tr>
@@ -14036,7 +13946,7 @@
                 </a:tc>
                 <a:extLst>
                   <a:ext uri="{0D108BD9-81ED-4DB2-BD59-A6C34878D82A}">
-                    <a16:rowId xmlns:a16="http://schemas.microsoft.com/office/drawing/2014/main" xmlns="" val="10002"/>
+                    <a16:rowId xmlns="" xmlns:a16="http://schemas.microsoft.com/office/drawing/2014/main" val="10002"/>
                   </a:ext>
                 </a:extLst>
               </a:tr>
@@ -14102,7 +14012,7 @@
                 </a:tc>
                 <a:extLst>
                   <a:ext uri="{0D108BD9-81ED-4DB2-BD59-A6C34878D82A}">
-                    <a16:rowId xmlns:a16="http://schemas.microsoft.com/office/drawing/2014/main" xmlns="" val="10003"/>
+                    <a16:rowId xmlns="" xmlns:a16="http://schemas.microsoft.com/office/drawing/2014/main" val="10003"/>
                   </a:ext>
                 </a:extLst>
               </a:tr>
@@ -14678,14 +14588,14 @@
       </p:pic>
       <p:sp>
         <p:nvSpPr>
-          <p:cNvPr id="26" name="Retângulo de cantos arredondados 25"/>
+          <p:cNvPr id="28" name="Retângulo de cantos arredondados 27"/>
           <p:cNvSpPr/>
           <p:nvPr/>
         </p:nvSpPr>
         <p:spPr>
           <a:xfrm>
-            <a:off x="9259910" y="722334"/>
-            <a:ext cx="1183430" cy="307071"/>
+            <a:off x="5395370" y="5587210"/>
+            <a:ext cx="1290702" cy="715877"/>
           </a:xfrm>
           <a:prstGeom prst="roundRect">
             <a:avLst/>
@@ -14731,60 +14641,32 @@
                   <a:schemeClr val="tx1"/>
                 </a:solidFill>
               </a:rPr>
-              <a:t>2º</a:t>
+              <a:t>150</a:t>
             </a:r>
           </a:p>
         </p:txBody>
       </p:sp>
-      <p:pic>
-        <p:nvPicPr>
-          <p:cNvPr id="8" name="Imagem 7"/>
-          <p:cNvPicPr>
-            <a:picLocks noChangeAspect="1"/>
-          </p:cNvPicPr>
-          <p:nvPr/>
-        </p:nvPicPr>
-        <p:blipFill>
-          <a:blip r:embed="rId5" cstate="print">
-            <a:extLst>
-              <a:ext uri="{28A0092B-C50C-407E-A947-70E740481C1C}">
-                <a14:useLocalDpi xmlns:a14="http://schemas.microsoft.com/office/drawing/2010/main" val="0"/>
-              </a:ext>
-            </a:extLst>
-          </a:blip>
-          <a:stretch>
-            <a:fillRect/>
-          </a:stretch>
-        </p:blipFill>
-        <p:spPr>
-          <a:xfrm>
-            <a:off x="8894093" y="489681"/>
-            <a:ext cx="748911" cy="748911"/>
+      <p:sp>
+        <p:nvSpPr>
+          <p:cNvPr id="30" name="Retângulo 29"/>
+          <p:cNvSpPr/>
+          <p:nvPr/>
+        </p:nvSpPr>
+        <p:spPr>
+          <a:xfrm>
+            <a:off x="5499123" y="5409996"/>
+            <a:ext cx="1083196" cy="378657"/>
           </a:xfrm>
           <a:prstGeom prst="rect">
             <a:avLst/>
           </a:prstGeom>
-        </p:spPr>
-      </p:pic>
-      <p:sp>
-        <p:nvSpPr>
-          <p:cNvPr id="28" name="Retângulo de cantos arredondados 27"/>
-          <p:cNvSpPr/>
-          <p:nvPr/>
-        </p:nvSpPr>
-        <p:spPr>
-          <a:xfrm>
-            <a:off x="5395370" y="5587210"/>
-            <a:ext cx="1290702" cy="715877"/>
-          </a:xfrm>
-          <a:prstGeom prst="roundRect">
-            <a:avLst/>
-          </a:prstGeom>
           <a:solidFill>
-            <a:srgbClr val="FDEBC7"/>
+            <a:srgbClr val="8DBA62"/>
           </a:solidFill>
           <a:ln>
-            <a:noFill/>
+            <a:solidFill>
+              <a:srgbClr val="73D54A"/>
+            </a:solidFill>
           </a:ln>
           <a:effectLst>
             <a:outerShdw blurRad="50800" dist="38100" dir="2700000" algn="tl" rotWithShape="0">
@@ -14792,6 +14674,7 @@
                 <a:alpha val="40000"/>
               </a:prstClr>
             </a:outerShdw>
+            <a:softEdge rad="0"/>
           </a:effectLst>
         </p:spPr>
         <p:style>
@@ -14816,37 +14699,31 @@
           <a:p>
             <a:pPr algn="ctr"/>
             <a:r>
-              <a:rPr lang="pt-BR" dirty="0">
-                <a:solidFill>
-                  <a:schemeClr val="tx1"/>
-                </a:solidFill>
-              </a:rPr>
-              <a:t>150</a:t>
+              <a:rPr lang="pt-BR" dirty="0"/>
+              <a:t>Score</a:t>
             </a:r>
           </a:p>
         </p:txBody>
       </p:sp>
       <p:sp>
         <p:nvSpPr>
-          <p:cNvPr id="30" name="Retângulo 29"/>
+          <p:cNvPr id="40" name="Retângulo de cantos arredondados 39"/>
           <p:cNvSpPr/>
           <p:nvPr/>
         </p:nvSpPr>
         <p:spPr>
           <a:xfrm>
-            <a:off x="5499123" y="5409996"/>
-            <a:ext cx="1083196" cy="378657"/>
-          </a:xfrm>
-          <a:prstGeom prst="rect">
+            <a:off x="1560817" y="5792058"/>
+            <a:ext cx="2341963" cy="449141"/>
+          </a:xfrm>
+          <a:prstGeom prst="roundRect">
             <a:avLst/>
           </a:prstGeom>
           <a:solidFill>
-            <a:srgbClr val="8DBA62"/>
+            <a:srgbClr val="FDEBC7"/>
           </a:solidFill>
           <a:ln>
-            <a:solidFill>
-              <a:srgbClr val="73D54A"/>
-            </a:solidFill>
+            <a:noFill/>
           </a:ln>
           <a:effectLst>
             <a:outerShdw blurRad="50800" dist="38100" dir="2700000" algn="tl" rotWithShape="0">
@@ -14854,7 +14731,6 @@
                 <a:alpha val="40000"/>
               </a:prstClr>
             </a:outerShdw>
-            <a:softEdge rad="0"/>
           </a:effectLst>
         </p:spPr>
         <p:style>
@@ -14878,62 +14754,6 @@
           <a:lstStyle/>
           <a:p>
             <a:pPr algn="ctr"/>
-            <a:r>
-              <a:rPr lang="pt-BR" dirty="0"/>
-              <a:t>Score</a:t>
-            </a:r>
-          </a:p>
-        </p:txBody>
-      </p:sp>
-      <p:sp>
-        <p:nvSpPr>
-          <p:cNvPr id="40" name="Retângulo de cantos arredondados 39"/>
-          <p:cNvSpPr/>
-          <p:nvPr/>
-        </p:nvSpPr>
-        <p:spPr>
-          <a:xfrm>
-            <a:off x="1560817" y="5792058"/>
-            <a:ext cx="2341963" cy="449141"/>
-          </a:xfrm>
-          <a:prstGeom prst="roundRect">
-            <a:avLst/>
-          </a:prstGeom>
-          <a:solidFill>
-            <a:srgbClr val="FDEBC7"/>
-          </a:solidFill>
-          <a:ln>
-            <a:noFill/>
-          </a:ln>
-          <a:effectLst>
-            <a:outerShdw blurRad="50800" dist="38100" dir="2700000" algn="tl" rotWithShape="0">
-              <a:prstClr val="black">
-                <a:alpha val="40000"/>
-              </a:prstClr>
-            </a:outerShdw>
-          </a:effectLst>
-        </p:spPr>
-        <p:style>
-          <a:lnRef idx="2">
-            <a:schemeClr val="accent1">
-              <a:shade val="50000"/>
-            </a:schemeClr>
-          </a:lnRef>
-          <a:fillRef idx="1">
-            <a:schemeClr val="accent1"/>
-          </a:fillRef>
-          <a:effectRef idx="0">
-            <a:schemeClr val="accent1"/>
-          </a:effectRef>
-          <a:fontRef idx="minor">
-            <a:schemeClr val="lt1"/>
-          </a:fontRef>
-        </p:style>
-        <p:txBody>
-          <a:bodyPr rtlCol="0" anchor="ctr"/>
-          <a:lstStyle/>
-          <a:p>
-            <a:pPr algn="ctr"/>
             <a:endParaRPr lang="pt-BR" dirty="0">
               <a:solidFill>
                 <a:schemeClr val="tx1"/>
@@ -14951,7 +14771,7 @@
           <p:nvPr/>
         </p:nvPicPr>
         <p:blipFill>
-          <a:blip r:embed="rId6" cstate="print">
+          <a:blip r:embed="rId5" cstate="print">
             <a:extLst>
               <a:ext uri="{28A0092B-C50C-407E-A947-70E740481C1C}">
                 <a14:useLocalDpi xmlns:a14="http://schemas.microsoft.com/office/drawing/2010/main" val="0"/>
@@ -14981,11 +14801,11 @@
           <p:nvPr/>
         </p:nvPicPr>
         <p:blipFill>
-          <a:blip r:embed="rId7" cstate="print">
+          <a:blip r:embed="rId6" cstate="print">
             <a:extLst>
               <a:ext uri="{BEBA8EAE-BF5A-486C-A8C5-ECC9F3942E4B}">
                 <a14:imgProps xmlns:a14="http://schemas.microsoft.com/office/drawing/2010/main">
-                  <a14:imgLayer r:embed="rId8">
+                  <a14:imgLayer r:embed="rId7">
                     <a14:imgEffect>
                       <a14:backgroundRemoval t="10000" b="90000" l="10000" r="90000">
                         <a14:foregroundMark x1="34725" y1="55385" x2="39780" y2="60440"/>
@@ -15056,11 +14876,11 @@
           <p:nvPr/>
         </p:nvPicPr>
         <p:blipFill>
-          <a:blip r:embed="rId9" cstate="print">
+          <a:blip r:embed="rId8" cstate="print">
             <a:extLst>
               <a:ext uri="{BEBA8EAE-BF5A-486C-A8C5-ECC9F3942E4B}">
                 <a14:imgProps xmlns:a14="http://schemas.microsoft.com/office/drawing/2010/main">
-                  <a14:imgLayer r:embed="rId10">
+                  <a14:imgLayer r:embed="rId9">
                     <a14:imgEffect>
                       <a14:backgroundRemoval t="10000" b="90000" l="10000" r="90000"/>
                     </a14:imgEffect>
@@ -15253,208 +15073,8 @@
             <p:nvPr/>
           </p:nvPicPr>
           <p:blipFill rotWithShape="1">
-            <a:blip r:embed="rId11" cstate="print">
+            <a:blip r:embed="rId10" cstate="print">
               <a:extLst>
-                <a:ext uri="{28A0092B-C50C-407E-A947-70E740481C1C}">
-                  <a14:useLocalDpi xmlns:a14="http://schemas.microsoft.com/office/drawing/2010/main" val="0"/>
-                </a:ext>
-              </a:extLst>
-            </a:blip>
-            <a:srcRect l="19090" t="18911" r="17886" b="17557"/>
-            <a:stretch/>
-          </p:blipFill>
-          <p:spPr>
-            <a:xfrm>
-              <a:off x="2400300" y="2101850"/>
-              <a:ext cx="787400" cy="793750"/>
-            </a:xfrm>
-            <a:prstGeom prst="rect">
-              <a:avLst/>
-            </a:prstGeom>
-          </p:spPr>
-        </p:pic>
-      </p:grpSp>
-      <p:grpSp>
-        <p:nvGrpSpPr>
-          <p:cNvPr id="50" name="Grupo 49"/>
-          <p:cNvGrpSpPr/>
-          <p:nvPr/>
-        </p:nvGrpSpPr>
-        <p:grpSpPr>
-          <a:xfrm>
-            <a:off x="3732884" y="1720848"/>
-            <a:ext cx="1133476" cy="1514757"/>
-            <a:chOff x="2222500" y="1720849"/>
-            <a:chExt cx="1133476" cy="1514757"/>
-          </a:xfrm>
-        </p:grpSpPr>
-        <p:sp>
-          <p:nvSpPr>
-            <p:cNvPr id="51" name="Retângulo 50"/>
-            <p:cNvSpPr/>
-            <p:nvPr/>
-          </p:nvSpPr>
-          <p:spPr>
-            <a:xfrm>
-              <a:off x="2222500" y="1720849"/>
-              <a:ext cx="1133476" cy="1514757"/>
-            </a:xfrm>
-            <a:prstGeom prst="rect">
-              <a:avLst/>
-            </a:prstGeom>
-            <a:solidFill>
-              <a:srgbClr val="FDEBC7"/>
-            </a:solidFill>
-            <a:ln>
-              <a:solidFill>
-                <a:srgbClr val="8DBA62"/>
-              </a:solidFill>
-            </a:ln>
-          </p:spPr>
-          <p:style>
-            <a:lnRef idx="2">
-              <a:schemeClr val="accent1">
-                <a:shade val="50000"/>
-              </a:schemeClr>
-            </a:lnRef>
-            <a:fillRef idx="1">
-              <a:schemeClr val="accent1"/>
-            </a:fillRef>
-            <a:effectRef idx="0">
-              <a:schemeClr val="accent1"/>
-            </a:effectRef>
-            <a:fontRef idx="minor">
-              <a:schemeClr val="lt1"/>
-            </a:fontRef>
-          </p:style>
-          <p:txBody>
-            <a:bodyPr rtlCol="0" anchor="ctr"/>
-            <a:lstStyle/>
-            <a:p>
-              <a:pPr algn="ctr"/>
-              <a:endParaRPr lang="pt-BR"/>
-            </a:p>
-          </p:txBody>
-        </p:sp>
-        <p:sp>
-          <p:nvSpPr>
-            <p:cNvPr id="52" name="Retângulo 51"/>
-            <p:cNvSpPr/>
-            <p:nvPr/>
-          </p:nvSpPr>
-          <p:spPr>
-            <a:xfrm>
-              <a:off x="2274979" y="1772529"/>
-              <a:ext cx="1027638" cy="1411916"/>
-            </a:xfrm>
-            <a:prstGeom prst="rect">
-              <a:avLst/>
-            </a:prstGeom>
-            <a:solidFill>
-              <a:srgbClr val="8DBA62"/>
-            </a:solidFill>
-            <a:ln>
-              <a:solidFill>
-                <a:srgbClr val="8DBA62"/>
-              </a:solidFill>
-            </a:ln>
-          </p:spPr>
-          <p:style>
-            <a:lnRef idx="2">
-              <a:schemeClr val="accent1">
-                <a:shade val="50000"/>
-              </a:schemeClr>
-            </a:lnRef>
-            <a:fillRef idx="1">
-              <a:schemeClr val="accent1"/>
-            </a:fillRef>
-            <a:effectRef idx="0">
-              <a:schemeClr val="accent1"/>
-            </a:effectRef>
-            <a:fontRef idx="minor">
-              <a:schemeClr val="lt1"/>
-            </a:fontRef>
-          </p:style>
-          <p:txBody>
-            <a:bodyPr rtlCol="0" anchor="ctr"/>
-            <a:lstStyle/>
-            <a:p>
-              <a:pPr algn="ctr"/>
-              <a:endParaRPr lang="pt-BR"/>
-            </a:p>
-          </p:txBody>
-        </p:sp>
-        <p:sp>
-          <p:nvSpPr>
-            <p:cNvPr id="53" name="Elipse 52"/>
-            <p:cNvSpPr/>
-            <p:nvPr/>
-          </p:nvSpPr>
-          <p:spPr>
-            <a:xfrm>
-              <a:off x="2341225" y="1872436"/>
-              <a:ext cx="895145" cy="1211582"/>
-            </a:xfrm>
-            <a:prstGeom prst="ellipse">
-              <a:avLst/>
-            </a:prstGeom>
-            <a:solidFill>
-              <a:srgbClr val="FDEBC7"/>
-            </a:solidFill>
-            <a:ln>
-              <a:solidFill>
-                <a:srgbClr val="FDEBC7"/>
-              </a:solidFill>
-            </a:ln>
-          </p:spPr>
-          <p:style>
-            <a:lnRef idx="2">
-              <a:schemeClr val="accent1">
-                <a:shade val="50000"/>
-              </a:schemeClr>
-            </a:lnRef>
-            <a:fillRef idx="1">
-              <a:schemeClr val="accent1"/>
-            </a:fillRef>
-            <a:effectRef idx="0">
-              <a:schemeClr val="accent1"/>
-            </a:effectRef>
-            <a:fontRef idx="minor">
-              <a:schemeClr val="lt1"/>
-            </a:fontRef>
-          </p:style>
-          <p:txBody>
-            <a:bodyPr rtlCol="0" anchor="ctr"/>
-            <a:lstStyle/>
-            <a:p>
-              <a:pPr algn="ctr"/>
-              <a:endParaRPr lang="pt-BR"/>
-            </a:p>
-          </p:txBody>
-        </p:sp>
-        <p:pic>
-          <p:nvPicPr>
-            <p:cNvPr id="54" name="Imagem 53"/>
-            <p:cNvPicPr>
-              <a:picLocks noChangeAspect="1"/>
-            </p:cNvPicPr>
-            <p:nvPr/>
-          </p:nvPicPr>
-          <p:blipFill rotWithShape="1">
-            <a:blip r:embed="rId12" cstate="print">
-              <a:extLst>
-                <a:ext uri="{BEBA8EAE-BF5A-486C-A8C5-ECC9F3942E4B}">
-                  <a14:imgProps xmlns:a14="http://schemas.microsoft.com/office/drawing/2010/main">
-                    <a14:imgLayer r:embed="rId13">
-                      <a14:imgEffect>
-                        <a14:backgroundRemoval t="10000" b="90000" l="10000" r="90000">
-                          <a14:foregroundMark x1="54142" y1="68935" x2="59763" y2="67456"/>
-                          <a14:foregroundMark x1="27515" y1="52367" x2="27811" y2="44675"/>
-                        </a14:backgroundRemoval>
-                      </a14:imgEffect>
-                    </a14:imgLayer>
-                  </a14:imgProps>
-                </a:ext>
                 <a:ext uri="{28A0092B-C50C-407E-A947-70E740481C1C}">
                   <a14:useLocalDpi xmlns:a14="http://schemas.microsoft.com/office/drawing/2010/main" val="0"/>
                 </a:ext>
@@ -15641,7 +15261,7 @@
             <p:nvPr/>
           </p:nvPicPr>
           <p:blipFill rotWithShape="1">
-            <a:blip r:embed="rId14" cstate="print">
+            <a:blip r:embed="rId11" cstate="print">
               <a:extLst>
                 <a:ext uri="{28A0092B-C50C-407E-A947-70E740481C1C}">
                   <a14:useLocalDpi xmlns:a14="http://schemas.microsoft.com/office/drawing/2010/main" val="0"/>
@@ -15829,7 +15449,7 @@
             <p:nvPr/>
           </p:nvPicPr>
           <p:blipFill rotWithShape="1">
-            <a:blip r:embed="rId14" cstate="print">
+            <a:blip r:embed="rId11" cstate="print">
               <a:extLst>
                 <a:ext uri="{28A0092B-C50C-407E-A947-70E740481C1C}">
                   <a14:useLocalDpi xmlns:a14="http://schemas.microsoft.com/office/drawing/2010/main" val="0"/>
@@ -16017,7 +15637,7 @@
             <p:nvPr/>
           </p:nvPicPr>
           <p:blipFill rotWithShape="1">
-            <a:blip r:embed="rId14" cstate="print">
+            <a:blip r:embed="rId11" cstate="print">
               <a:extLst>
                 <a:ext uri="{28A0092B-C50C-407E-A947-70E740481C1C}">
                   <a14:useLocalDpi xmlns:a14="http://schemas.microsoft.com/office/drawing/2010/main" val="0"/>
@@ -16205,7 +15825,7 @@
             <p:nvPr/>
           </p:nvPicPr>
           <p:blipFill rotWithShape="1">
-            <a:blip r:embed="rId11" cstate="print">
+            <a:blip r:embed="rId10" cstate="print">
               <a:extLst>
                 <a:ext uri="{28A0092B-C50C-407E-A947-70E740481C1C}">
                   <a14:useLocalDpi xmlns:a14="http://schemas.microsoft.com/office/drawing/2010/main" val="0"/>
@@ -16393,7 +16013,7 @@
             <p:nvPr/>
           </p:nvPicPr>
           <p:blipFill rotWithShape="1">
-            <a:blip r:embed="rId11" cstate="print">
+            <a:blip r:embed="rId10" cstate="print">
               <a:extLst>
                 <a:ext uri="{28A0092B-C50C-407E-A947-70E740481C1C}">
                   <a14:useLocalDpi xmlns:a14="http://schemas.microsoft.com/office/drawing/2010/main" val="0"/>
@@ -16581,7 +16201,7 @@
             <p:nvPr/>
           </p:nvPicPr>
           <p:blipFill rotWithShape="1">
-            <a:blip r:embed="rId11" cstate="print">
+            <a:blip r:embed="rId10" cstate="print">
               <a:extLst>
                 <a:ext uri="{28A0092B-C50C-407E-A947-70E740481C1C}">
                   <a14:useLocalDpi xmlns:a14="http://schemas.microsoft.com/office/drawing/2010/main" val="0"/>
@@ -16769,7 +16389,7 @@
             <p:nvPr/>
           </p:nvPicPr>
           <p:blipFill rotWithShape="1">
-            <a:blip r:embed="rId11" cstate="print">
+            <a:blip r:embed="rId10" cstate="print">
               <a:extLst>
                 <a:ext uri="{28A0092B-C50C-407E-A947-70E740481C1C}">
                   <a14:useLocalDpi xmlns:a14="http://schemas.microsoft.com/office/drawing/2010/main" val="0"/>
@@ -16951,6 +16571,194 @@
         <p:pic>
           <p:nvPicPr>
             <p:cNvPr id="119" name="Imagem 118"/>
+            <p:cNvPicPr>
+              <a:picLocks noChangeAspect="1"/>
+            </p:cNvPicPr>
+            <p:nvPr/>
+          </p:nvPicPr>
+          <p:blipFill rotWithShape="1">
+            <a:blip r:embed="rId10" cstate="print">
+              <a:extLst>
+                <a:ext uri="{28A0092B-C50C-407E-A947-70E740481C1C}">
+                  <a14:useLocalDpi xmlns:a14="http://schemas.microsoft.com/office/drawing/2010/main" val="0"/>
+                </a:ext>
+              </a:extLst>
+            </a:blip>
+            <a:srcRect l="19090" t="18911" r="17886" b="17557"/>
+            <a:stretch/>
+          </p:blipFill>
+          <p:spPr>
+            <a:xfrm>
+              <a:off x="2400300" y="2101850"/>
+              <a:ext cx="787400" cy="793750"/>
+            </a:xfrm>
+            <a:prstGeom prst="rect">
+              <a:avLst/>
+            </a:prstGeom>
+          </p:spPr>
+        </p:pic>
+      </p:grpSp>
+      <p:grpSp>
+        <p:nvGrpSpPr>
+          <p:cNvPr id="71" name="Grupo 70"/>
+          <p:cNvGrpSpPr/>
+          <p:nvPr/>
+        </p:nvGrpSpPr>
+        <p:grpSpPr>
+          <a:xfrm>
+            <a:off x="3786376" y="1720123"/>
+            <a:ext cx="1133476" cy="1514757"/>
+            <a:chOff x="2222500" y="1720849"/>
+            <a:chExt cx="1133476" cy="1514757"/>
+          </a:xfrm>
+        </p:grpSpPr>
+        <p:sp>
+          <p:nvSpPr>
+            <p:cNvPr id="72" name="Retângulo 71"/>
+            <p:cNvSpPr/>
+            <p:nvPr/>
+          </p:nvSpPr>
+          <p:spPr>
+            <a:xfrm>
+              <a:off x="2222500" y="1720849"/>
+              <a:ext cx="1133476" cy="1514757"/>
+            </a:xfrm>
+            <a:prstGeom prst="rect">
+              <a:avLst/>
+            </a:prstGeom>
+            <a:solidFill>
+              <a:srgbClr val="FDEBC7"/>
+            </a:solidFill>
+            <a:ln>
+              <a:solidFill>
+                <a:srgbClr val="8DBA62"/>
+              </a:solidFill>
+            </a:ln>
+          </p:spPr>
+          <p:style>
+            <a:lnRef idx="2">
+              <a:schemeClr val="accent1">
+                <a:shade val="50000"/>
+              </a:schemeClr>
+            </a:lnRef>
+            <a:fillRef idx="1">
+              <a:schemeClr val="accent1"/>
+            </a:fillRef>
+            <a:effectRef idx="0">
+              <a:schemeClr val="accent1"/>
+            </a:effectRef>
+            <a:fontRef idx="minor">
+              <a:schemeClr val="lt1"/>
+            </a:fontRef>
+          </p:style>
+          <p:txBody>
+            <a:bodyPr rtlCol="0" anchor="ctr"/>
+            <a:lstStyle/>
+            <a:p>
+              <a:pPr algn="ctr"/>
+              <a:endParaRPr lang="pt-BR"/>
+            </a:p>
+          </p:txBody>
+        </p:sp>
+        <p:sp>
+          <p:nvSpPr>
+            <p:cNvPr id="73" name="Retângulo 72"/>
+            <p:cNvSpPr/>
+            <p:nvPr/>
+          </p:nvSpPr>
+          <p:spPr>
+            <a:xfrm>
+              <a:off x="2274979" y="1772529"/>
+              <a:ext cx="1027638" cy="1411916"/>
+            </a:xfrm>
+            <a:prstGeom prst="rect">
+              <a:avLst/>
+            </a:prstGeom>
+            <a:solidFill>
+              <a:srgbClr val="8DBA62"/>
+            </a:solidFill>
+            <a:ln>
+              <a:solidFill>
+                <a:srgbClr val="8DBA62"/>
+              </a:solidFill>
+            </a:ln>
+          </p:spPr>
+          <p:style>
+            <a:lnRef idx="2">
+              <a:schemeClr val="accent1">
+                <a:shade val="50000"/>
+              </a:schemeClr>
+            </a:lnRef>
+            <a:fillRef idx="1">
+              <a:schemeClr val="accent1"/>
+            </a:fillRef>
+            <a:effectRef idx="0">
+              <a:schemeClr val="accent1"/>
+            </a:effectRef>
+            <a:fontRef idx="minor">
+              <a:schemeClr val="lt1"/>
+            </a:fontRef>
+          </p:style>
+          <p:txBody>
+            <a:bodyPr rtlCol="0" anchor="ctr"/>
+            <a:lstStyle/>
+            <a:p>
+              <a:pPr algn="ctr"/>
+              <a:endParaRPr lang="pt-BR"/>
+            </a:p>
+          </p:txBody>
+        </p:sp>
+        <p:sp>
+          <p:nvSpPr>
+            <p:cNvPr id="74" name="Elipse 73"/>
+            <p:cNvSpPr/>
+            <p:nvPr/>
+          </p:nvSpPr>
+          <p:spPr>
+            <a:xfrm>
+              <a:off x="2341225" y="1872436"/>
+              <a:ext cx="895145" cy="1211582"/>
+            </a:xfrm>
+            <a:prstGeom prst="ellipse">
+              <a:avLst/>
+            </a:prstGeom>
+            <a:solidFill>
+              <a:srgbClr val="FDEBC7"/>
+            </a:solidFill>
+            <a:ln>
+              <a:solidFill>
+                <a:srgbClr val="FDEBC7"/>
+              </a:solidFill>
+            </a:ln>
+          </p:spPr>
+          <p:style>
+            <a:lnRef idx="2">
+              <a:schemeClr val="accent1">
+                <a:shade val="50000"/>
+              </a:schemeClr>
+            </a:lnRef>
+            <a:fillRef idx="1">
+              <a:schemeClr val="accent1"/>
+            </a:fillRef>
+            <a:effectRef idx="0">
+              <a:schemeClr val="accent1"/>
+            </a:effectRef>
+            <a:fontRef idx="minor">
+              <a:schemeClr val="lt1"/>
+            </a:fontRef>
+          </p:style>
+          <p:txBody>
+            <a:bodyPr rtlCol="0" anchor="ctr"/>
+            <a:lstStyle/>
+            <a:p>
+              <a:pPr algn="ctr"/>
+              <a:endParaRPr lang="pt-BR"/>
+            </a:p>
+          </p:txBody>
+        </p:sp>
+        <p:pic>
+          <p:nvPicPr>
+            <p:cNvPr id="75" name="Imagem 74"/>
             <p:cNvPicPr>
               <a:picLocks noChangeAspect="1"/>
             </p:cNvPicPr>
@@ -17933,35 +17741,35 @@
                 <a:gridCol w="631698">
                   <a:extLst>
                     <a:ext uri="{9D8B030D-6E8A-4147-A177-3AD203B41FA5}">
-                      <a16:colId xmlns:a16="http://schemas.microsoft.com/office/drawing/2014/main" xmlns="" val="20000"/>
+                      <a16:colId xmlns="" xmlns:a16="http://schemas.microsoft.com/office/drawing/2014/main" val="20000"/>
                     </a:ext>
                   </a:extLst>
                 </a:gridCol>
                 <a:gridCol w="1808247">
                   <a:extLst>
                     <a:ext uri="{9D8B030D-6E8A-4147-A177-3AD203B41FA5}">
-                      <a16:colId xmlns:a16="http://schemas.microsoft.com/office/drawing/2014/main" xmlns="" val="20001"/>
+                      <a16:colId xmlns="" xmlns:a16="http://schemas.microsoft.com/office/drawing/2014/main" val="20001"/>
                     </a:ext>
                   </a:extLst>
                 </a:gridCol>
                 <a:gridCol w="1932953">
                   <a:extLst>
                     <a:ext uri="{9D8B030D-6E8A-4147-A177-3AD203B41FA5}">
-                      <a16:colId xmlns:a16="http://schemas.microsoft.com/office/drawing/2014/main" xmlns="" val="20002"/>
+                      <a16:colId xmlns="" xmlns:a16="http://schemas.microsoft.com/office/drawing/2014/main" val="20002"/>
                     </a:ext>
                   </a:extLst>
                 </a:gridCol>
                 <a:gridCol w="2900170">
                   <a:extLst>
                     <a:ext uri="{9D8B030D-6E8A-4147-A177-3AD203B41FA5}">
-                      <a16:colId xmlns:a16="http://schemas.microsoft.com/office/drawing/2014/main" xmlns="" val="20003"/>
+                      <a16:colId xmlns="" xmlns:a16="http://schemas.microsoft.com/office/drawing/2014/main" val="20003"/>
                     </a:ext>
                   </a:extLst>
                 </a:gridCol>
                 <a:gridCol w="2900170">
                   <a:extLst>
                     <a:ext uri="{9D8B030D-6E8A-4147-A177-3AD203B41FA5}">
-                      <a16:colId xmlns:a16="http://schemas.microsoft.com/office/drawing/2014/main" xmlns="" val="20004"/>
+                      <a16:colId xmlns="" xmlns:a16="http://schemas.microsoft.com/office/drawing/2014/main" val="20004"/>
                     </a:ext>
                   </a:extLst>
                 </a:gridCol>
@@ -18031,7 +17839,7 @@
                 </a:tc>
                 <a:extLst>
                   <a:ext uri="{0D108BD9-81ED-4DB2-BD59-A6C34878D82A}">
-                    <a16:rowId xmlns:a16="http://schemas.microsoft.com/office/drawing/2014/main" xmlns="" val="10000"/>
+                    <a16:rowId xmlns="" xmlns:a16="http://schemas.microsoft.com/office/drawing/2014/main" val="10000"/>
                   </a:ext>
                 </a:extLst>
               </a:tr>
@@ -18097,7 +17905,7 @@
                 </a:tc>
                 <a:extLst>
                   <a:ext uri="{0D108BD9-81ED-4DB2-BD59-A6C34878D82A}">
-                    <a16:rowId xmlns:a16="http://schemas.microsoft.com/office/drawing/2014/main" xmlns="" val="10001"/>
+                    <a16:rowId xmlns="" xmlns:a16="http://schemas.microsoft.com/office/drawing/2014/main" val="10001"/>
                   </a:ext>
                 </a:extLst>
               </a:tr>
@@ -18168,7 +17976,7 @@
                 </a:tc>
                 <a:extLst>
                   <a:ext uri="{0D108BD9-81ED-4DB2-BD59-A6C34878D82A}">
-                    <a16:rowId xmlns:a16="http://schemas.microsoft.com/office/drawing/2014/main" xmlns="" val="10002"/>
+                    <a16:rowId xmlns="" xmlns:a16="http://schemas.microsoft.com/office/drawing/2014/main" val="10002"/>
                   </a:ext>
                 </a:extLst>
               </a:tr>
@@ -18234,7 +18042,7 @@
                 </a:tc>
                 <a:extLst>
                   <a:ext uri="{0D108BD9-81ED-4DB2-BD59-A6C34878D82A}">
-                    <a16:rowId xmlns:a16="http://schemas.microsoft.com/office/drawing/2014/main" xmlns="" val="10003"/>
+                    <a16:rowId xmlns="" xmlns:a16="http://schemas.microsoft.com/office/drawing/2014/main" val="10003"/>
                   </a:ext>
                 </a:extLst>
               </a:tr>
@@ -18810,14 +18618,14 @@
       </p:pic>
       <p:sp>
         <p:nvSpPr>
-          <p:cNvPr id="26" name="Retângulo de cantos arredondados 25"/>
+          <p:cNvPr id="28" name="Retângulo de cantos arredondados 27"/>
           <p:cNvSpPr/>
           <p:nvPr/>
         </p:nvSpPr>
         <p:spPr>
           <a:xfrm>
-            <a:off x="9259910" y="722334"/>
-            <a:ext cx="1183430" cy="307071"/>
+            <a:off x="5395370" y="5587210"/>
+            <a:ext cx="1290702" cy="715877"/>
           </a:xfrm>
           <a:prstGeom prst="roundRect">
             <a:avLst/>
@@ -18863,60 +18671,32 @@
                   <a:schemeClr val="tx1"/>
                 </a:solidFill>
               </a:rPr>
-              <a:t>2º</a:t>
+              <a:t>150</a:t>
             </a:r>
           </a:p>
         </p:txBody>
       </p:sp>
-      <p:pic>
-        <p:nvPicPr>
-          <p:cNvPr id="8" name="Imagem 7"/>
-          <p:cNvPicPr>
-            <a:picLocks noChangeAspect="1"/>
-          </p:cNvPicPr>
-          <p:nvPr/>
-        </p:nvPicPr>
-        <p:blipFill>
-          <a:blip r:embed="rId5" cstate="print">
-            <a:extLst>
-              <a:ext uri="{28A0092B-C50C-407E-A947-70E740481C1C}">
-                <a14:useLocalDpi xmlns:a14="http://schemas.microsoft.com/office/drawing/2010/main" val="0"/>
-              </a:ext>
-            </a:extLst>
-          </a:blip>
-          <a:stretch>
-            <a:fillRect/>
-          </a:stretch>
-        </p:blipFill>
-        <p:spPr>
-          <a:xfrm>
-            <a:off x="8894093" y="489681"/>
-            <a:ext cx="748911" cy="748911"/>
+      <p:sp>
+        <p:nvSpPr>
+          <p:cNvPr id="30" name="Retângulo 29"/>
+          <p:cNvSpPr/>
+          <p:nvPr/>
+        </p:nvSpPr>
+        <p:spPr>
+          <a:xfrm>
+            <a:off x="5499123" y="5409996"/>
+            <a:ext cx="1083196" cy="378657"/>
           </a:xfrm>
           <a:prstGeom prst="rect">
             <a:avLst/>
           </a:prstGeom>
-        </p:spPr>
-      </p:pic>
-      <p:sp>
-        <p:nvSpPr>
-          <p:cNvPr id="28" name="Retângulo de cantos arredondados 27"/>
-          <p:cNvSpPr/>
-          <p:nvPr/>
-        </p:nvSpPr>
-        <p:spPr>
-          <a:xfrm>
-            <a:off x="5395370" y="5587210"/>
-            <a:ext cx="1290702" cy="715877"/>
-          </a:xfrm>
-          <a:prstGeom prst="roundRect">
-            <a:avLst/>
-          </a:prstGeom>
           <a:solidFill>
-            <a:srgbClr val="FDEBC7"/>
+            <a:srgbClr val="8DBA62"/>
           </a:solidFill>
           <a:ln>
-            <a:noFill/>
+            <a:solidFill>
+              <a:srgbClr val="73D54A"/>
+            </a:solidFill>
           </a:ln>
           <a:effectLst>
             <a:outerShdw blurRad="50800" dist="38100" dir="2700000" algn="tl" rotWithShape="0">
@@ -18924,6 +18704,7 @@
                 <a:alpha val="40000"/>
               </a:prstClr>
             </a:outerShdw>
+            <a:softEdge rad="0"/>
           </a:effectLst>
         </p:spPr>
         <p:style>
@@ -18948,37 +18729,31 @@
           <a:p>
             <a:pPr algn="ctr"/>
             <a:r>
-              <a:rPr lang="pt-BR" dirty="0">
-                <a:solidFill>
-                  <a:schemeClr val="tx1"/>
-                </a:solidFill>
-              </a:rPr>
-              <a:t>150</a:t>
+              <a:rPr lang="pt-BR" dirty="0"/>
+              <a:t>Score</a:t>
             </a:r>
           </a:p>
         </p:txBody>
       </p:sp>
       <p:sp>
         <p:nvSpPr>
-          <p:cNvPr id="30" name="Retângulo 29"/>
+          <p:cNvPr id="40" name="Retângulo de cantos arredondados 39"/>
           <p:cNvSpPr/>
           <p:nvPr/>
         </p:nvSpPr>
         <p:spPr>
           <a:xfrm>
-            <a:off x="5499123" y="5409996"/>
-            <a:ext cx="1083196" cy="378657"/>
-          </a:xfrm>
-          <a:prstGeom prst="rect">
+            <a:off x="1560817" y="5792058"/>
+            <a:ext cx="2341963" cy="449141"/>
+          </a:xfrm>
+          <a:prstGeom prst="roundRect">
             <a:avLst/>
           </a:prstGeom>
           <a:solidFill>
-            <a:srgbClr val="8DBA62"/>
+            <a:srgbClr val="FDEBC7"/>
           </a:solidFill>
           <a:ln>
-            <a:solidFill>
-              <a:srgbClr val="73D54A"/>
-            </a:solidFill>
+            <a:noFill/>
           </a:ln>
           <a:effectLst>
             <a:outerShdw blurRad="50800" dist="38100" dir="2700000" algn="tl" rotWithShape="0">
@@ -18986,7 +18761,6 @@
                 <a:alpha val="40000"/>
               </a:prstClr>
             </a:outerShdw>
-            <a:softEdge rad="0"/>
           </a:effectLst>
         </p:spPr>
         <p:style>
@@ -19010,62 +18784,6 @@
           <a:lstStyle/>
           <a:p>
             <a:pPr algn="ctr"/>
-            <a:r>
-              <a:rPr lang="pt-BR" dirty="0"/>
-              <a:t>Score</a:t>
-            </a:r>
-          </a:p>
-        </p:txBody>
-      </p:sp>
-      <p:sp>
-        <p:nvSpPr>
-          <p:cNvPr id="40" name="Retângulo de cantos arredondados 39"/>
-          <p:cNvSpPr/>
-          <p:nvPr/>
-        </p:nvSpPr>
-        <p:spPr>
-          <a:xfrm>
-            <a:off x="1560817" y="5792058"/>
-            <a:ext cx="2341963" cy="449141"/>
-          </a:xfrm>
-          <a:prstGeom prst="roundRect">
-            <a:avLst/>
-          </a:prstGeom>
-          <a:solidFill>
-            <a:srgbClr val="FDEBC7"/>
-          </a:solidFill>
-          <a:ln>
-            <a:noFill/>
-          </a:ln>
-          <a:effectLst>
-            <a:outerShdw blurRad="50800" dist="38100" dir="2700000" algn="tl" rotWithShape="0">
-              <a:prstClr val="black">
-                <a:alpha val="40000"/>
-              </a:prstClr>
-            </a:outerShdw>
-          </a:effectLst>
-        </p:spPr>
-        <p:style>
-          <a:lnRef idx="2">
-            <a:schemeClr val="accent1">
-              <a:shade val="50000"/>
-            </a:schemeClr>
-          </a:lnRef>
-          <a:fillRef idx="1">
-            <a:schemeClr val="accent1"/>
-          </a:fillRef>
-          <a:effectRef idx="0">
-            <a:schemeClr val="accent1"/>
-          </a:effectRef>
-          <a:fontRef idx="minor">
-            <a:schemeClr val="lt1"/>
-          </a:fontRef>
-        </p:style>
-        <p:txBody>
-          <a:bodyPr rtlCol="0" anchor="ctr"/>
-          <a:lstStyle/>
-          <a:p>
-            <a:pPr algn="ctr"/>
             <a:endParaRPr lang="pt-BR" dirty="0">
               <a:solidFill>
                 <a:schemeClr val="tx1"/>
@@ -19083,7 +18801,7 @@
           <p:nvPr/>
         </p:nvPicPr>
         <p:blipFill>
-          <a:blip r:embed="rId6" cstate="print">
+          <a:blip r:embed="rId5" cstate="print">
             <a:extLst>
               <a:ext uri="{28A0092B-C50C-407E-A947-70E740481C1C}">
                 <a14:useLocalDpi xmlns:a14="http://schemas.microsoft.com/office/drawing/2010/main" val="0"/>
@@ -19113,11 +18831,11 @@
           <p:nvPr/>
         </p:nvPicPr>
         <p:blipFill>
-          <a:blip r:embed="rId7" cstate="print">
+          <a:blip r:embed="rId6" cstate="print">
             <a:extLst>
               <a:ext uri="{BEBA8EAE-BF5A-486C-A8C5-ECC9F3942E4B}">
                 <a14:imgProps xmlns:a14="http://schemas.microsoft.com/office/drawing/2010/main">
-                  <a14:imgLayer r:embed="rId8">
+                  <a14:imgLayer r:embed="rId7">
                     <a14:imgEffect>
                       <a14:backgroundRemoval t="10000" b="90000" l="10000" r="90000">
                         <a14:foregroundMark x1="34725" y1="55385" x2="39780" y2="60440"/>
@@ -19188,11 +18906,11 @@
           <p:nvPr/>
         </p:nvPicPr>
         <p:blipFill>
-          <a:blip r:embed="rId9" cstate="print">
+          <a:blip r:embed="rId8" cstate="print">
             <a:extLst>
               <a:ext uri="{BEBA8EAE-BF5A-486C-A8C5-ECC9F3942E4B}">
                 <a14:imgProps xmlns:a14="http://schemas.microsoft.com/office/drawing/2010/main">
-                  <a14:imgLayer r:embed="rId10">
+                  <a14:imgLayer r:embed="rId9">
                     <a14:imgEffect>
                       <a14:backgroundRemoval t="10000" b="90000" l="10000" r="90000"/>
                     </a14:imgEffect>
@@ -19227,7 +18945,7 @@
           <p:nvPr/>
         </p:nvPicPr>
         <p:blipFill rotWithShape="1">
-          <a:blip r:embed="rId11">
+          <a:blip r:embed="rId10">
             <a:extLst>
               <a:ext uri="{28A0092B-C50C-407E-A947-70E740481C1C}">
                 <a14:useLocalDpi xmlns:a14="http://schemas.microsoft.com/office/drawing/2010/main" val="0"/>
@@ -19256,7 +18974,7 @@
           <p:nvPr/>
         </p:nvPicPr>
         <p:blipFill rotWithShape="1">
-          <a:blip r:embed="rId11">
+          <a:blip r:embed="rId10">
             <a:extLst>
               <a:ext uri="{28A0092B-C50C-407E-A947-70E740481C1C}">
                 <a14:useLocalDpi xmlns:a14="http://schemas.microsoft.com/office/drawing/2010/main" val="0"/>
@@ -19367,35 +19085,35 @@
                 <a:gridCol w="631698">
                   <a:extLst>
                     <a:ext uri="{9D8B030D-6E8A-4147-A177-3AD203B41FA5}">
-                      <a16:colId xmlns:a16="http://schemas.microsoft.com/office/drawing/2014/main" xmlns="" val="20000"/>
+                      <a16:colId xmlns="" xmlns:a16="http://schemas.microsoft.com/office/drawing/2014/main" val="20000"/>
                     </a:ext>
                   </a:extLst>
                 </a:gridCol>
                 <a:gridCol w="1808247">
                   <a:extLst>
                     <a:ext uri="{9D8B030D-6E8A-4147-A177-3AD203B41FA5}">
-                      <a16:colId xmlns:a16="http://schemas.microsoft.com/office/drawing/2014/main" xmlns="" val="20001"/>
+                      <a16:colId xmlns="" xmlns:a16="http://schemas.microsoft.com/office/drawing/2014/main" val="20001"/>
                     </a:ext>
                   </a:extLst>
                 </a:gridCol>
                 <a:gridCol w="1932953">
                   <a:extLst>
                     <a:ext uri="{9D8B030D-6E8A-4147-A177-3AD203B41FA5}">
-                      <a16:colId xmlns:a16="http://schemas.microsoft.com/office/drawing/2014/main" xmlns="" val="20002"/>
+                      <a16:colId xmlns="" xmlns:a16="http://schemas.microsoft.com/office/drawing/2014/main" val="20002"/>
                     </a:ext>
                   </a:extLst>
                 </a:gridCol>
                 <a:gridCol w="2900170">
                   <a:extLst>
                     <a:ext uri="{9D8B030D-6E8A-4147-A177-3AD203B41FA5}">
-                      <a16:colId xmlns:a16="http://schemas.microsoft.com/office/drawing/2014/main" xmlns="" val="20003"/>
+                      <a16:colId xmlns="" xmlns:a16="http://schemas.microsoft.com/office/drawing/2014/main" val="20003"/>
                     </a:ext>
                   </a:extLst>
                 </a:gridCol>
                 <a:gridCol w="2900170">
                   <a:extLst>
                     <a:ext uri="{9D8B030D-6E8A-4147-A177-3AD203B41FA5}">
-                      <a16:colId xmlns:a16="http://schemas.microsoft.com/office/drawing/2014/main" xmlns="" val="20004"/>
+                      <a16:colId xmlns="" xmlns:a16="http://schemas.microsoft.com/office/drawing/2014/main" val="20004"/>
                     </a:ext>
                   </a:extLst>
                 </a:gridCol>
@@ -19465,7 +19183,7 @@
                 </a:tc>
                 <a:extLst>
                   <a:ext uri="{0D108BD9-81ED-4DB2-BD59-A6C34878D82A}">
-                    <a16:rowId xmlns:a16="http://schemas.microsoft.com/office/drawing/2014/main" xmlns="" val="10000"/>
+                    <a16:rowId xmlns="" xmlns:a16="http://schemas.microsoft.com/office/drawing/2014/main" val="10000"/>
                   </a:ext>
                 </a:extLst>
               </a:tr>
@@ -19531,7 +19249,7 @@
                 </a:tc>
                 <a:extLst>
                   <a:ext uri="{0D108BD9-81ED-4DB2-BD59-A6C34878D82A}">
-                    <a16:rowId xmlns:a16="http://schemas.microsoft.com/office/drawing/2014/main" xmlns="" val="10001"/>
+                    <a16:rowId xmlns="" xmlns:a16="http://schemas.microsoft.com/office/drawing/2014/main" val="10001"/>
                   </a:ext>
                 </a:extLst>
               </a:tr>
@@ -19602,7 +19320,7 @@
                 </a:tc>
                 <a:extLst>
                   <a:ext uri="{0D108BD9-81ED-4DB2-BD59-A6C34878D82A}">
-                    <a16:rowId xmlns:a16="http://schemas.microsoft.com/office/drawing/2014/main" xmlns="" val="10002"/>
+                    <a16:rowId xmlns="" xmlns:a16="http://schemas.microsoft.com/office/drawing/2014/main" val="10002"/>
                   </a:ext>
                 </a:extLst>
               </a:tr>
@@ -19668,7 +19386,7 @@
                 </a:tc>
                 <a:extLst>
                   <a:ext uri="{0D108BD9-81ED-4DB2-BD59-A6C34878D82A}">
-                    <a16:rowId xmlns:a16="http://schemas.microsoft.com/office/drawing/2014/main" xmlns="" val="10003"/>
+                    <a16:rowId xmlns="" xmlns:a16="http://schemas.microsoft.com/office/drawing/2014/main" val="10003"/>
                   </a:ext>
                 </a:extLst>
               </a:tr>
@@ -21422,35 +21140,35 @@
                 <a:gridCol w="586838">
                   <a:extLst>
                     <a:ext uri="{9D8B030D-6E8A-4147-A177-3AD203B41FA5}">
-                      <a16:colId xmlns:a16="http://schemas.microsoft.com/office/drawing/2014/main" xmlns="" val="20000"/>
+                      <a16:colId xmlns="" xmlns:a16="http://schemas.microsoft.com/office/drawing/2014/main" val="20000"/>
                     </a:ext>
                   </a:extLst>
                 </a:gridCol>
                 <a:gridCol w="1679832">
                   <a:extLst>
                     <a:ext uri="{9D8B030D-6E8A-4147-A177-3AD203B41FA5}">
-                      <a16:colId xmlns:a16="http://schemas.microsoft.com/office/drawing/2014/main" xmlns="" val="20001"/>
+                      <a16:colId xmlns="" xmlns:a16="http://schemas.microsoft.com/office/drawing/2014/main" val="20001"/>
                     </a:ext>
                   </a:extLst>
                 </a:gridCol>
                 <a:gridCol w="2090660">
                   <a:extLst>
                     <a:ext uri="{9D8B030D-6E8A-4147-A177-3AD203B41FA5}">
-                      <a16:colId xmlns:a16="http://schemas.microsoft.com/office/drawing/2014/main" xmlns="" val="20002"/>
+                      <a16:colId xmlns="" xmlns:a16="http://schemas.microsoft.com/office/drawing/2014/main" val="20002"/>
                     </a:ext>
                   </a:extLst>
                 </a:gridCol>
                 <a:gridCol w="2209822">
                   <a:extLst>
                     <a:ext uri="{9D8B030D-6E8A-4147-A177-3AD203B41FA5}">
-                      <a16:colId xmlns:a16="http://schemas.microsoft.com/office/drawing/2014/main" xmlns="" val="20003"/>
+                      <a16:colId xmlns="" xmlns:a16="http://schemas.microsoft.com/office/drawing/2014/main" val="20003"/>
                     </a:ext>
                   </a:extLst>
                 </a:gridCol>
                 <a:gridCol w="2588654">
                   <a:extLst>
                     <a:ext uri="{9D8B030D-6E8A-4147-A177-3AD203B41FA5}">
-                      <a16:colId xmlns:a16="http://schemas.microsoft.com/office/drawing/2014/main" xmlns="" val="20004"/>
+                      <a16:colId xmlns="" xmlns:a16="http://schemas.microsoft.com/office/drawing/2014/main" val="20004"/>
                     </a:ext>
                   </a:extLst>
                 </a:gridCol>
@@ -21520,7 +21238,7 @@
                 </a:tc>
                 <a:extLst>
                   <a:ext uri="{0D108BD9-81ED-4DB2-BD59-A6C34878D82A}">
-                    <a16:rowId xmlns:a16="http://schemas.microsoft.com/office/drawing/2014/main" xmlns="" val="10000"/>
+                    <a16:rowId xmlns="" xmlns:a16="http://schemas.microsoft.com/office/drawing/2014/main" val="10000"/>
                   </a:ext>
                 </a:extLst>
               </a:tr>
@@ -21589,7 +21307,7 @@
                 </a:tc>
                 <a:extLst>
                   <a:ext uri="{0D108BD9-81ED-4DB2-BD59-A6C34878D82A}">
-                    <a16:rowId xmlns:a16="http://schemas.microsoft.com/office/drawing/2014/main" xmlns="" val="10001"/>
+                    <a16:rowId xmlns="" xmlns:a16="http://schemas.microsoft.com/office/drawing/2014/main" val="10001"/>
                   </a:ext>
                 </a:extLst>
               </a:tr>
@@ -21678,7 +21396,7 @@
                 </a:tc>
                 <a:extLst>
                   <a:ext uri="{0D108BD9-81ED-4DB2-BD59-A6C34878D82A}">
-                    <a16:rowId xmlns:a16="http://schemas.microsoft.com/office/drawing/2014/main" xmlns="" val="10002"/>
+                    <a16:rowId xmlns="" xmlns:a16="http://schemas.microsoft.com/office/drawing/2014/main" val="10002"/>
                   </a:ext>
                 </a:extLst>
               </a:tr>
@@ -21767,7 +21485,7 @@
                 </a:tc>
                 <a:extLst>
                   <a:ext uri="{0D108BD9-81ED-4DB2-BD59-A6C34878D82A}">
-                    <a16:rowId xmlns:a16="http://schemas.microsoft.com/office/drawing/2014/main" xmlns="" val="10003"/>
+                    <a16:rowId xmlns="" xmlns:a16="http://schemas.microsoft.com/office/drawing/2014/main" val="10003"/>
                   </a:ext>
                 </a:extLst>
               </a:tr>
@@ -25225,7 +24943,7 @@
           <p:cNvPr id="35" name="Retângulo 34">
             <a:extLst>
               <a:ext uri="{FF2B5EF4-FFF2-40B4-BE49-F238E27FC236}">
-                <a16:creationId xmlns:a16="http://schemas.microsoft.com/office/drawing/2014/main" xmlns="" id="{579B470E-A950-473D-9224-F36D0EB57231}"/>
+                <a16:creationId xmlns="" xmlns:a16="http://schemas.microsoft.com/office/drawing/2014/main" id="{579B470E-A950-473D-9224-F36D0EB57231}"/>
               </a:ext>
             </a:extLst>
           </p:cNvPr>
@@ -25368,35 +25086,35 @@
                 <a:gridCol w="569322">
                   <a:extLst>
                     <a:ext uri="{9D8B030D-6E8A-4147-A177-3AD203B41FA5}">
-                      <a16:colId xmlns:a16="http://schemas.microsoft.com/office/drawing/2014/main" xmlns="" val="20000"/>
+                      <a16:colId xmlns="" xmlns:a16="http://schemas.microsoft.com/office/drawing/2014/main" val="20000"/>
                     </a:ext>
                   </a:extLst>
                 </a:gridCol>
                 <a:gridCol w="1629692">
                   <a:extLst>
                     <a:ext uri="{9D8B030D-6E8A-4147-A177-3AD203B41FA5}">
-                      <a16:colId xmlns:a16="http://schemas.microsoft.com/office/drawing/2014/main" xmlns="" val="20001"/>
+                      <a16:colId xmlns="" xmlns:a16="http://schemas.microsoft.com/office/drawing/2014/main" val="20001"/>
                     </a:ext>
                   </a:extLst>
                 </a:gridCol>
                 <a:gridCol w="1742084">
                   <a:extLst>
                     <a:ext uri="{9D8B030D-6E8A-4147-A177-3AD203B41FA5}">
-                      <a16:colId xmlns:a16="http://schemas.microsoft.com/office/drawing/2014/main" xmlns="" val="20002"/>
+                      <a16:colId xmlns="" xmlns:a16="http://schemas.microsoft.com/office/drawing/2014/main" val="20002"/>
                     </a:ext>
                   </a:extLst>
                 </a:gridCol>
                 <a:gridCol w="2942571">
                   <a:extLst>
                     <a:ext uri="{9D8B030D-6E8A-4147-A177-3AD203B41FA5}">
-                      <a16:colId xmlns:a16="http://schemas.microsoft.com/office/drawing/2014/main" xmlns="" val="20003"/>
+                      <a16:colId xmlns="" xmlns:a16="http://schemas.microsoft.com/office/drawing/2014/main" val="20003"/>
                     </a:ext>
                   </a:extLst>
                 </a:gridCol>
                 <a:gridCol w="2285016">
                   <a:extLst>
                     <a:ext uri="{9D8B030D-6E8A-4147-A177-3AD203B41FA5}">
-                      <a16:colId xmlns:a16="http://schemas.microsoft.com/office/drawing/2014/main" xmlns="" val="20004"/>
+                      <a16:colId xmlns="" xmlns:a16="http://schemas.microsoft.com/office/drawing/2014/main" val="20004"/>
                     </a:ext>
                   </a:extLst>
                 </a:gridCol>
@@ -25466,7 +25184,7 @@
                 </a:tc>
                 <a:extLst>
                   <a:ext uri="{0D108BD9-81ED-4DB2-BD59-A6C34878D82A}">
-                    <a16:rowId xmlns:a16="http://schemas.microsoft.com/office/drawing/2014/main" xmlns="" val="10000"/>
+                    <a16:rowId xmlns="" xmlns:a16="http://schemas.microsoft.com/office/drawing/2014/main" val="10000"/>
                   </a:ext>
                 </a:extLst>
               </a:tr>
@@ -25540,7 +25258,7 @@
                 </a:tc>
                 <a:extLst>
                   <a:ext uri="{0D108BD9-81ED-4DB2-BD59-A6C34878D82A}">
-                    <a16:rowId xmlns:a16="http://schemas.microsoft.com/office/drawing/2014/main" xmlns="" val="10001"/>
+                    <a16:rowId xmlns="" xmlns:a16="http://schemas.microsoft.com/office/drawing/2014/main" val="10001"/>
                   </a:ext>
                 </a:extLst>
               </a:tr>
@@ -25617,7 +25335,7 @@
                 </a:tc>
                 <a:extLst>
                   <a:ext uri="{0D108BD9-81ED-4DB2-BD59-A6C34878D82A}">
-                    <a16:rowId xmlns:a16="http://schemas.microsoft.com/office/drawing/2014/main" xmlns="" val="10002"/>
+                    <a16:rowId xmlns="" xmlns:a16="http://schemas.microsoft.com/office/drawing/2014/main" val="10002"/>
                   </a:ext>
                 </a:extLst>
               </a:tr>
@@ -25686,7 +25404,7 @@
                 </a:tc>
                 <a:extLst>
                   <a:ext uri="{0D108BD9-81ED-4DB2-BD59-A6C34878D82A}">
-                    <a16:rowId xmlns:a16="http://schemas.microsoft.com/office/drawing/2014/main" xmlns="" val="10003"/>
+                    <a16:rowId xmlns="" xmlns:a16="http://schemas.microsoft.com/office/drawing/2014/main" val="10003"/>
                   </a:ext>
                 </a:extLst>
               </a:tr>
@@ -25760,7 +25478,7 @@
                 </a:tc>
                 <a:extLst>
                   <a:ext uri="{0D108BD9-81ED-4DB2-BD59-A6C34878D82A}">
-                    <a16:rowId xmlns:a16="http://schemas.microsoft.com/office/drawing/2014/main" xmlns="" val="10004"/>
+                    <a16:rowId xmlns="" xmlns:a16="http://schemas.microsoft.com/office/drawing/2014/main" val="10004"/>
                   </a:ext>
                 </a:extLst>
               </a:tr>
@@ -25803,7 +25521,7 @@
           <p:cNvPr id="28" name="Retângulo 27">
             <a:extLst>
               <a:ext uri="{FF2B5EF4-FFF2-40B4-BE49-F238E27FC236}">
-                <a16:creationId xmlns:a16="http://schemas.microsoft.com/office/drawing/2014/main" xmlns="" id="{5F32A0B6-C48F-43EE-A5D8-7308B54BD125}"/>
+                <a16:creationId xmlns="" xmlns:a16="http://schemas.microsoft.com/office/drawing/2014/main" id="{5F32A0B6-C48F-43EE-A5D8-7308B54BD125}"/>
               </a:ext>
             </a:extLst>
           </p:cNvPr>
@@ -25861,7 +25579,7 @@
           <p:cNvPr id="29" name="Imagem 28">
             <a:extLst>
               <a:ext uri="{FF2B5EF4-FFF2-40B4-BE49-F238E27FC236}">
-                <a16:creationId xmlns:a16="http://schemas.microsoft.com/office/drawing/2014/main" xmlns="" id="{FB65D69D-FD79-4510-9B62-EF95225475B4}"/>
+                <a16:creationId xmlns="" xmlns:a16="http://schemas.microsoft.com/office/drawing/2014/main" id="{FB65D69D-FD79-4510-9B62-EF95225475B4}"/>
               </a:ext>
             </a:extLst>
           </p:cNvPr>
@@ -25896,7 +25614,7 @@
           <p:cNvPr id="30" name="Retângulo 29">
             <a:extLst>
               <a:ext uri="{FF2B5EF4-FFF2-40B4-BE49-F238E27FC236}">
-                <a16:creationId xmlns:a16="http://schemas.microsoft.com/office/drawing/2014/main" xmlns="" id="{69F39E0A-ADF3-4786-AADD-1590DEF8ACD5}"/>
+                <a16:creationId xmlns="" xmlns:a16="http://schemas.microsoft.com/office/drawing/2014/main" id="{69F39E0A-ADF3-4786-AADD-1590DEF8ACD5}"/>
               </a:ext>
             </a:extLst>
           </p:cNvPr>
@@ -25950,7 +25668,7 @@
           <p:cNvPr id="31" name="Retângulo de cantos arredondados 15">
             <a:extLst>
               <a:ext uri="{FF2B5EF4-FFF2-40B4-BE49-F238E27FC236}">
-                <a16:creationId xmlns:a16="http://schemas.microsoft.com/office/drawing/2014/main" xmlns="" id="{A8F89069-7CD4-49CA-8349-13E28CB0199B}"/>
+                <a16:creationId xmlns="" xmlns:a16="http://schemas.microsoft.com/office/drawing/2014/main" id="{A8F89069-7CD4-49CA-8349-13E28CB0199B}"/>
               </a:ext>
             </a:extLst>
           </p:cNvPr>
@@ -25997,7 +25715,7 @@
           <p:cNvPr id="32" name="Retângulo 31">
             <a:extLst>
               <a:ext uri="{FF2B5EF4-FFF2-40B4-BE49-F238E27FC236}">
-                <a16:creationId xmlns:a16="http://schemas.microsoft.com/office/drawing/2014/main" xmlns="" id="{FB98B605-AF2E-47B3-A046-9DBA0B0C6DF0}"/>
+                <a16:creationId xmlns="" xmlns:a16="http://schemas.microsoft.com/office/drawing/2014/main" id="{FB98B605-AF2E-47B3-A046-9DBA0B0C6DF0}"/>
               </a:ext>
             </a:extLst>
           </p:cNvPr>
@@ -26066,7 +25784,7 @@
           <p:cNvPr id="33" name="Retângulo 32">
             <a:extLst>
               <a:ext uri="{FF2B5EF4-FFF2-40B4-BE49-F238E27FC236}">
-                <a16:creationId xmlns:a16="http://schemas.microsoft.com/office/drawing/2014/main" xmlns="" id="{C58BEB00-D0CF-4119-A679-797E80547B05}"/>
+                <a16:creationId xmlns="" xmlns:a16="http://schemas.microsoft.com/office/drawing/2014/main" id="{C58BEB00-D0CF-4119-A679-797E80547B05}"/>
               </a:ext>
             </a:extLst>
           </p:cNvPr>
@@ -26135,7 +25853,7 @@
           <p:cNvPr id="34" name="Retângulo 33">
             <a:extLst>
               <a:ext uri="{FF2B5EF4-FFF2-40B4-BE49-F238E27FC236}">
-                <a16:creationId xmlns:a16="http://schemas.microsoft.com/office/drawing/2014/main" xmlns="" id="{B89DBC78-F9B4-4606-9E15-BA606BC8461C}"/>
+                <a16:creationId xmlns="" xmlns:a16="http://schemas.microsoft.com/office/drawing/2014/main" id="{B89DBC78-F9B4-4606-9E15-BA606BC8461C}"/>
               </a:ext>
             </a:extLst>
           </p:cNvPr>
@@ -26204,7 +25922,7 @@
           <p:cNvPr id="35" name="Retângulo 34">
             <a:extLst>
               <a:ext uri="{FF2B5EF4-FFF2-40B4-BE49-F238E27FC236}">
-                <a16:creationId xmlns:a16="http://schemas.microsoft.com/office/drawing/2014/main" xmlns="" id="{0B9D6A87-571A-41B7-8B3A-068B4D3A1265}"/>
+                <a16:creationId xmlns="" xmlns:a16="http://schemas.microsoft.com/office/drawing/2014/main" id="{0B9D6A87-571A-41B7-8B3A-068B4D3A1265}"/>
               </a:ext>
             </a:extLst>
           </p:cNvPr>
@@ -26273,7 +25991,7 @@
           <p:cNvPr id="36" name="CaixaDeTexto 35">
             <a:extLst>
               <a:ext uri="{FF2B5EF4-FFF2-40B4-BE49-F238E27FC236}">
-                <a16:creationId xmlns:a16="http://schemas.microsoft.com/office/drawing/2014/main" xmlns="" id="{37A1CC55-461A-40B6-BDC2-2D9791E94584}"/>
+                <a16:creationId xmlns="" xmlns:a16="http://schemas.microsoft.com/office/drawing/2014/main" id="{37A1CC55-461A-40B6-BDC2-2D9791E94584}"/>
               </a:ext>
             </a:extLst>
           </p:cNvPr>
@@ -26313,7 +26031,7 @@
           <p:cNvPr id="37" name="Retângulo de cantos arredondados 12">
             <a:extLst>
               <a:ext uri="{FF2B5EF4-FFF2-40B4-BE49-F238E27FC236}">
-                <a16:creationId xmlns:a16="http://schemas.microsoft.com/office/drawing/2014/main" xmlns="" id="{152A2D14-D488-49A7-9950-4E3295F94DFB}"/>
+                <a16:creationId xmlns="" xmlns:a16="http://schemas.microsoft.com/office/drawing/2014/main" id="{152A2D14-D488-49A7-9950-4E3295F94DFB}"/>
               </a:ext>
             </a:extLst>
           </p:cNvPr>
@@ -26376,7 +26094,7 @@
           <p:cNvPr id="38" name="Imagem 37">
             <a:extLst>
               <a:ext uri="{FF2B5EF4-FFF2-40B4-BE49-F238E27FC236}">
-                <a16:creationId xmlns:a16="http://schemas.microsoft.com/office/drawing/2014/main" xmlns="" id="{F2BF6BE9-45DE-458A-9408-5C7903B7295F}"/>
+                <a16:creationId xmlns="" xmlns:a16="http://schemas.microsoft.com/office/drawing/2014/main" id="{F2BF6BE9-45DE-458A-9408-5C7903B7295F}"/>
               </a:ext>
             </a:extLst>
           </p:cNvPr>
@@ -26425,7 +26143,7 @@
           <p:cNvPr id="39" name="Imagem 38">
             <a:extLst>
               <a:ext uri="{FF2B5EF4-FFF2-40B4-BE49-F238E27FC236}">
-                <a16:creationId xmlns:a16="http://schemas.microsoft.com/office/drawing/2014/main" xmlns="" id="{D89D9DA9-AD65-4970-90D0-0D6997AF6D21}"/>
+                <a16:creationId xmlns="" xmlns:a16="http://schemas.microsoft.com/office/drawing/2014/main" id="{D89D9DA9-AD65-4970-90D0-0D6997AF6D21}"/>
               </a:ext>
             </a:extLst>
           </p:cNvPr>
@@ -26468,7 +26186,7 @@
           <p:cNvPr id="41" name="Imagem 40">
             <a:extLst>
               <a:ext uri="{FF2B5EF4-FFF2-40B4-BE49-F238E27FC236}">
-                <a16:creationId xmlns:a16="http://schemas.microsoft.com/office/drawing/2014/main" xmlns="" id="{CEA260CB-8F16-4F6F-B5F3-2A53C9DA9FF2}"/>
+                <a16:creationId xmlns="" xmlns:a16="http://schemas.microsoft.com/office/drawing/2014/main" id="{CEA260CB-8F16-4F6F-B5F3-2A53C9DA9FF2}"/>
               </a:ext>
             </a:extLst>
           </p:cNvPr>
@@ -27936,35 +27654,35 @@
                 <a:gridCol w="586838">
                   <a:extLst>
                     <a:ext uri="{9D8B030D-6E8A-4147-A177-3AD203B41FA5}">
-                      <a16:colId xmlns:a16="http://schemas.microsoft.com/office/drawing/2014/main" xmlns="" val="20000"/>
+                      <a16:colId xmlns="" xmlns:a16="http://schemas.microsoft.com/office/drawing/2014/main" val="20000"/>
                     </a:ext>
                   </a:extLst>
                 </a:gridCol>
                 <a:gridCol w="1679832">
                   <a:extLst>
                     <a:ext uri="{9D8B030D-6E8A-4147-A177-3AD203B41FA5}">
-                      <a16:colId xmlns:a16="http://schemas.microsoft.com/office/drawing/2014/main" xmlns="" val="20001"/>
+                      <a16:colId xmlns="" xmlns:a16="http://schemas.microsoft.com/office/drawing/2014/main" val="20001"/>
                     </a:ext>
                   </a:extLst>
                 </a:gridCol>
                 <a:gridCol w="2090660">
                   <a:extLst>
                     <a:ext uri="{9D8B030D-6E8A-4147-A177-3AD203B41FA5}">
-                      <a16:colId xmlns:a16="http://schemas.microsoft.com/office/drawing/2014/main" xmlns="" val="20002"/>
+                      <a16:colId xmlns="" xmlns:a16="http://schemas.microsoft.com/office/drawing/2014/main" val="20002"/>
                     </a:ext>
                   </a:extLst>
                 </a:gridCol>
                 <a:gridCol w="2209822">
                   <a:extLst>
                     <a:ext uri="{9D8B030D-6E8A-4147-A177-3AD203B41FA5}">
-                      <a16:colId xmlns:a16="http://schemas.microsoft.com/office/drawing/2014/main" xmlns="" val="20003"/>
+                      <a16:colId xmlns="" xmlns:a16="http://schemas.microsoft.com/office/drawing/2014/main" val="20003"/>
                     </a:ext>
                   </a:extLst>
                 </a:gridCol>
                 <a:gridCol w="2588654">
                   <a:extLst>
                     <a:ext uri="{9D8B030D-6E8A-4147-A177-3AD203B41FA5}">
-                      <a16:colId xmlns:a16="http://schemas.microsoft.com/office/drawing/2014/main" xmlns="" val="20004"/>
+                      <a16:colId xmlns="" xmlns:a16="http://schemas.microsoft.com/office/drawing/2014/main" val="20004"/>
                     </a:ext>
                   </a:extLst>
                 </a:gridCol>
@@ -28034,7 +27752,7 @@
                 </a:tc>
                 <a:extLst>
                   <a:ext uri="{0D108BD9-81ED-4DB2-BD59-A6C34878D82A}">
-                    <a16:rowId xmlns:a16="http://schemas.microsoft.com/office/drawing/2014/main" xmlns="" val="10000"/>
+                    <a16:rowId xmlns="" xmlns:a16="http://schemas.microsoft.com/office/drawing/2014/main" val="10000"/>
                   </a:ext>
                 </a:extLst>
               </a:tr>
@@ -28106,7 +27824,7 @@
                 </a:tc>
                 <a:extLst>
                   <a:ext uri="{0D108BD9-81ED-4DB2-BD59-A6C34878D82A}">
-                    <a16:rowId xmlns:a16="http://schemas.microsoft.com/office/drawing/2014/main" xmlns="" val="10001"/>
+                    <a16:rowId xmlns="" xmlns:a16="http://schemas.microsoft.com/office/drawing/2014/main" val="10001"/>
                   </a:ext>
                 </a:extLst>
               </a:tr>
@@ -28183,7 +27901,7 @@
                 </a:tc>
                 <a:extLst>
                   <a:ext uri="{0D108BD9-81ED-4DB2-BD59-A6C34878D82A}">
-                    <a16:rowId xmlns:a16="http://schemas.microsoft.com/office/drawing/2014/main" xmlns="" val="10002"/>
+                    <a16:rowId xmlns="" xmlns:a16="http://schemas.microsoft.com/office/drawing/2014/main" val="10002"/>
                   </a:ext>
                 </a:extLst>
               </a:tr>
@@ -28282,35 +28000,35 @@
                 <a:gridCol w="554127">
                   <a:extLst>
                     <a:ext uri="{9D8B030D-6E8A-4147-A177-3AD203B41FA5}">
-                      <a16:colId xmlns:a16="http://schemas.microsoft.com/office/drawing/2014/main" xmlns="" val="20000"/>
+                      <a16:colId xmlns="" xmlns:a16="http://schemas.microsoft.com/office/drawing/2014/main" val="20000"/>
                     </a:ext>
                   </a:extLst>
                 </a:gridCol>
                 <a:gridCol w="1586198">
                   <a:extLst>
                     <a:ext uri="{9D8B030D-6E8A-4147-A177-3AD203B41FA5}">
-                      <a16:colId xmlns:a16="http://schemas.microsoft.com/office/drawing/2014/main" xmlns="" val="20001"/>
+                      <a16:colId xmlns="" xmlns:a16="http://schemas.microsoft.com/office/drawing/2014/main" val="20001"/>
                     </a:ext>
                   </a:extLst>
                 </a:gridCol>
                 <a:gridCol w="1695590">
                   <a:extLst>
                     <a:ext uri="{9D8B030D-6E8A-4147-A177-3AD203B41FA5}">
-                      <a16:colId xmlns:a16="http://schemas.microsoft.com/office/drawing/2014/main" xmlns="" val="20002"/>
+                      <a16:colId xmlns="" xmlns:a16="http://schemas.microsoft.com/office/drawing/2014/main" val="20002"/>
                     </a:ext>
                   </a:extLst>
                 </a:gridCol>
                 <a:gridCol w="2544035">
                   <a:extLst>
                     <a:ext uri="{9D8B030D-6E8A-4147-A177-3AD203B41FA5}">
-                      <a16:colId xmlns:a16="http://schemas.microsoft.com/office/drawing/2014/main" xmlns="" val="20003"/>
+                      <a16:colId xmlns="" xmlns:a16="http://schemas.microsoft.com/office/drawing/2014/main" val="20003"/>
                     </a:ext>
                   </a:extLst>
                 </a:gridCol>
                 <a:gridCol w="2544035">
                   <a:extLst>
                     <a:ext uri="{9D8B030D-6E8A-4147-A177-3AD203B41FA5}">
-                      <a16:colId xmlns:a16="http://schemas.microsoft.com/office/drawing/2014/main" xmlns="" val="20004"/>
+                      <a16:colId xmlns="" xmlns:a16="http://schemas.microsoft.com/office/drawing/2014/main" val="20004"/>
                     </a:ext>
                   </a:extLst>
                 </a:gridCol>
@@ -28380,7 +28098,7 @@
                 </a:tc>
                 <a:extLst>
                   <a:ext uri="{0D108BD9-81ED-4DB2-BD59-A6C34878D82A}">
-                    <a16:rowId xmlns:a16="http://schemas.microsoft.com/office/drawing/2014/main" xmlns="" val="10000"/>
+                    <a16:rowId xmlns="" xmlns:a16="http://schemas.microsoft.com/office/drawing/2014/main" val="10000"/>
                   </a:ext>
                 </a:extLst>
               </a:tr>
@@ -28451,7 +28169,7 @@
                 </a:tc>
                 <a:extLst>
                   <a:ext uri="{0D108BD9-81ED-4DB2-BD59-A6C34878D82A}">
-                    <a16:rowId xmlns:a16="http://schemas.microsoft.com/office/drawing/2014/main" xmlns="" val="10001"/>
+                    <a16:rowId xmlns="" xmlns:a16="http://schemas.microsoft.com/office/drawing/2014/main" val="10001"/>
                   </a:ext>
                 </a:extLst>
               </a:tr>
@@ -28521,7 +28239,7 @@
                 </a:tc>
                 <a:extLst>
                   <a:ext uri="{0D108BD9-81ED-4DB2-BD59-A6C34878D82A}">
-                    <a16:rowId xmlns:a16="http://schemas.microsoft.com/office/drawing/2014/main" xmlns="" val="10002"/>
+                    <a16:rowId xmlns="" xmlns:a16="http://schemas.microsoft.com/office/drawing/2014/main" val="10002"/>
                   </a:ext>
                 </a:extLst>
               </a:tr>
@@ -28590,7 +28308,7 @@
                 </a:tc>
                 <a:extLst>
                   <a:ext uri="{0D108BD9-81ED-4DB2-BD59-A6C34878D82A}">
-                    <a16:rowId xmlns:a16="http://schemas.microsoft.com/office/drawing/2014/main" xmlns="" val="10003"/>
+                    <a16:rowId xmlns="" xmlns:a16="http://schemas.microsoft.com/office/drawing/2014/main" val="10003"/>
                   </a:ext>
                 </a:extLst>
               </a:tr>
@@ -29351,35 +29069,35 @@
                 <a:gridCol w="578919">
                   <a:extLst>
                     <a:ext uri="{9D8B030D-6E8A-4147-A177-3AD203B41FA5}">
-                      <a16:colId xmlns:a16="http://schemas.microsoft.com/office/drawing/2014/main" xmlns="" val="20000"/>
+                      <a16:colId xmlns="" xmlns:a16="http://schemas.microsoft.com/office/drawing/2014/main" val="20000"/>
                     </a:ext>
                   </a:extLst>
                 </a:gridCol>
                 <a:gridCol w="1657161">
                   <a:extLst>
                     <a:ext uri="{9D8B030D-6E8A-4147-A177-3AD203B41FA5}">
-                      <a16:colId xmlns:a16="http://schemas.microsoft.com/office/drawing/2014/main" xmlns="" val="20001"/>
+                      <a16:colId xmlns="" xmlns:a16="http://schemas.microsoft.com/office/drawing/2014/main" val="20001"/>
                     </a:ext>
                   </a:extLst>
                 </a:gridCol>
                 <a:gridCol w="1771448">
                   <a:extLst>
                     <a:ext uri="{9D8B030D-6E8A-4147-A177-3AD203B41FA5}">
-                      <a16:colId xmlns:a16="http://schemas.microsoft.com/office/drawing/2014/main" xmlns="" val="20002"/>
+                      <a16:colId xmlns="" xmlns:a16="http://schemas.microsoft.com/office/drawing/2014/main" val="20002"/>
                     </a:ext>
                   </a:extLst>
                 </a:gridCol>
                 <a:gridCol w="2657852">
                   <a:extLst>
                     <a:ext uri="{9D8B030D-6E8A-4147-A177-3AD203B41FA5}">
-                      <a16:colId xmlns:a16="http://schemas.microsoft.com/office/drawing/2014/main" xmlns="" val="20003"/>
+                      <a16:colId xmlns="" xmlns:a16="http://schemas.microsoft.com/office/drawing/2014/main" val="20003"/>
                     </a:ext>
                   </a:extLst>
                 </a:gridCol>
                 <a:gridCol w="2657852">
                   <a:extLst>
                     <a:ext uri="{9D8B030D-6E8A-4147-A177-3AD203B41FA5}">
-                      <a16:colId xmlns:a16="http://schemas.microsoft.com/office/drawing/2014/main" xmlns="" val="20004"/>
+                      <a16:colId xmlns="" xmlns:a16="http://schemas.microsoft.com/office/drawing/2014/main" val="20004"/>
                     </a:ext>
                   </a:extLst>
                 </a:gridCol>
@@ -29449,7 +29167,7 @@
                 </a:tc>
                 <a:extLst>
                   <a:ext uri="{0D108BD9-81ED-4DB2-BD59-A6C34878D82A}">
-                    <a16:rowId xmlns:a16="http://schemas.microsoft.com/office/drawing/2014/main" xmlns="" val="10000"/>
+                    <a16:rowId xmlns="" xmlns:a16="http://schemas.microsoft.com/office/drawing/2014/main" val="10000"/>
                   </a:ext>
                 </a:extLst>
               </a:tr>
@@ -29520,7 +29238,7 @@
                 </a:tc>
                 <a:extLst>
                   <a:ext uri="{0D108BD9-81ED-4DB2-BD59-A6C34878D82A}">
-                    <a16:rowId xmlns:a16="http://schemas.microsoft.com/office/drawing/2014/main" xmlns="" val="10001"/>
+                    <a16:rowId xmlns="" xmlns:a16="http://schemas.microsoft.com/office/drawing/2014/main" val="10001"/>
                   </a:ext>
                 </a:extLst>
               </a:tr>
@@ -29590,7 +29308,7 @@
                 </a:tc>
                 <a:extLst>
                   <a:ext uri="{0D108BD9-81ED-4DB2-BD59-A6C34878D82A}">
-                    <a16:rowId xmlns:a16="http://schemas.microsoft.com/office/drawing/2014/main" xmlns="" val="10002"/>
+                    <a16:rowId xmlns="" xmlns:a16="http://schemas.microsoft.com/office/drawing/2014/main" val="10002"/>
                   </a:ext>
                 </a:extLst>
               </a:tr>
@@ -29679,7 +29397,7 @@
                 </a:tc>
                 <a:extLst>
                   <a:ext uri="{0D108BD9-81ED-4DB2-BD59-A6C34878D82A}">
-                    <a16:rowId xmlns:a16="http://schemas.microsoft.com/office/drawing/2014/main" xmlns="" val="10003"/>
+                    <a16:rowId xmlns="" xmlns:a16="http://schemas.microsoft.com/office/drawing/2014/main" val="10003"/>
                   </a:ext>
                 </a:extLst>
               </a:tr>
@@ -29753,7 +29471,7 @@
                 </a:tc>
                 <a:extLst>
                   <a:ext uri="{0D108BD9-81ED-4DB2-BD59-A6C34878D82A}">
-                    <a16:rowId xmlns:a16="http://schemas.microsoft.com/office/drawing/2014/main" xmlns="" val="10004"/>
+                    <a16:rowId xmlns="" xmlns:a16="http://schemas.microsoft.com/office/drawing/2014/main" val="10004"/>
                   </a:ext>
                 </a:extLst>
               </a:tr>
@@ -30545,35 +30263,35 @@
                 <a:gridCol w="542932">
                   <a:extLst>
                     <a:ext uri="{9D8B030D-6E8A-4147-A177-3AD203B41FA5}">
-                      <a16:colId xmlns:a16="http://schemas.microsoft.com/office/drawing/2014/main" xmlns="" val="20000"/>
+                      <a16:colId xmlns="" xmlns:a16="http://schemas.microsoft.com/office/drawing/2014/main" val="20000"/>
                     </a:ext>
                   </a:extLst>
                 </a:gridCol>
                 <a:gridCol w="1554149">
                   <a:extLst>
                     <a:ext uri="{9D8B030D-6E8A-4147-A177-3AD203B41FA5}">
-                      <a16:colId xmlns:a16="http://schemas.microsoft.com/office/drawing/2014/main" xmlns="" val="20001"/>
+                      <a16:colId xmlns="" xmlns:a16="http://schemas.microsoft.com/office/drawing/2014/main" val="20001"/>
                     </a:ext>
                   </a:extLst>
                 </a:gridCol>
                 <a:gridCol w="1661332">
                   <a:extLst>
                     <a:ext uri="{9D8B030D-6E8A-4147-A177-3AD203B41FA5}">
-                      <a16:colId xmlns:a16="http://schemas.microsoft.com/office/drawing/2014/main" xmlns="" val="20002"/>
+                      <a16:colId xmlns="" xmlns:a16="http://schemas.microsoft.com/office/drawing/2014/main" val="20002"/>
                     </a:ext>
                   </a:extLst>
                 </a:gridCol>
                 <a:gridCol w="2492635">
                   <a:extLst>
                     <a:ext uri="{9D8B030D-6E8A-4147-A177-3AD203B41FA5}">
-                      <a16:colId xmlns:a16="http://schemas.microsoft.com/office/drawing/2014/main" xmlns="" val="20003"/>
+                      <a16:colId xmlns="" xmlns:a16="http://schemas.microsoft.com/office/drawing/2014/main" val="20003"/>
                     </a:ext>
                   </a:extLst>
                 </a:gridCol>
                 <a:gridCol w="2492635">
                   <a:extLst>
                     <a:ext uri="{9D8B030D-6E8A-4147-A177-3AD203B41FA5}">
-                      <a16:colId xmlns:a16="http://schemas.microsoft.com/office/drawing/2014/main" xmlns="" val="20004"/>
+                      <a16:colId xmlns="" xmlns:a16="http://schemas.microsoft.com/office/drawing/2014/main" val="20004"/>
                     </a:ext>
                   </a:extLst>
                 </a:gridCol>
@@ -30643,7 +30361,7 @@
                 </a:tc>
                 <a:extLst>
                   <a:ext uri="{0D108BD9-81ED-4DB2-BD59-A6C34878D82A}">
-                    <a16:rowId xmlns:a16="http://schemas.microsoft.com/office/drawing/2014/main" xmlns="" val="10000"/>
+                    <a16:rowId xmlns="" xmlns:a16="http://schemas.microsoft.com/office/drawing/2014/main" val="10000"/>
                   </a:ext>
                 </a:extLst>
               </a:tr>
@@ -30714,7 +30432,7 @@
                 </a:tc>
                 <a:extLst>
                   <a:ext uri="{0D108BD9-81ED-4DB2-BD59-A6C34878D82A}">
-                    <a16:rowId xmlns:a16="http://schemas.microsoft.com/office/drawing/2014/main" xmlns="" val="10001"/>
+                    <a16:rowId xmlns="" xmlns:a16="http://schemas.microsoft.com/office/drawing/2014/main" val="10001"/>
                   </a:ext>
                 </a:extLst>
               </a:tr>
@@ -30784,7 +30502,7 @@
                 </a:tc>
                 <a:extLst>
                   <a:ext uri="{0D108BD9-81ED-4DB2-BD59-A6C34878D82A}">
-                    <a16:rowId xmlns:a16="http://schemas.microsoft.com/office/drawing/2014/main" xmlns="" val="10002"/>
+                    <a16:rowId xmlns="" xmlns:a16="http://schemas.microsoft.com/office/drawing/2014/main" val="10002"/>
                   </a:ext>
                 </a:extLst>
               </a:tr>
@@ -30854,7 +30572,7 @@
                 </a:tc>
                 <a:extLst>
                   <a:ext uri="{0D108BD9-81ED-4DB2-BD59-A6C34878D82A}">
-                    <a16:rowId xmlns:a16="http://schemas.microsoft.com/office/drawing/2014/main" xmlns="" val="10003"/>
+                    <a16:rowId xmlns="" xmlns:a16="http://schemas.microsoft.com/office/drawing/2014/main" val="10003"/>
                   </a:ext>
                 </a:extLst>
               </a:tr>
@@ -30923,7 +30641,7 @@
                 </a:tc>
                 <a:extLst>
                   <a:ext uri="{0D108BD9-81ED-4DB2-BD59-A6C34878D82A}">
-                    <a16:rowId xmlns:a16="http://schemas.microsoft.com/office/drawing/2014/main" xmlns="" val="10004"/>
+                    <a16:rowId xmlns="" xmlns:a16="http://schemas.microsoft.com/office/drawing/2014/main" val="10004"/>
                   </a:ext>
                 </a:extLst>
               </a:tr>

--- a/DocumentacaoProjeto/Protótipo_Visual.pptx
+++ b/DocumentacaoProjeto/Protótipo_Visual.pptx
@@ -24,21 +24,21 @@
     <p:sldId id="261" r:id="rId18"/>
     <p:sldId id="288" r:id="rId19"/>
     <p:sldId id="292" r:id="rId20"/>
-    <p:sldId id="296" r:id="rId21"/>
-    <p:sldId id="294" r:id="rId22"/>
-    <p:sldId id="293" r:id="rId23"/>
-    <p:sldId id="295" r:id="rId24"/>
-    <p:sldId id="262" r:id="rId25"/>
-    <p:sldId id="289" r:id="rId26"/>
-    <p:sldId id="263" r:id="rId27"/>
-    <p:sldId id="269" r:id="rId28"/>
-    <p:sldId id="268" r:id="rId29"/>
-    <p:sldId id="287" r:id="rId30"/>
-    <p:sldId id="274" r:id="rId31"/>
-    <p:sldId id="291" r:id="rId32"/>
-    <p:sldId id="297" r:id="rId33"/>
-    <p:sldId id="299" r:id="rId34"/>
-    <p:sldId id="298" r:id="rId35"/>
+    <p:sldId id="294" r:id="rId21"/>
+    <p:sldId id="293" r:id="rId22"/>
+    <p:sldId id="295" r:id="rId23"/>
+    <p:sldId id="262" r:id="rId24"/>
+    <p:sldId id="289" r:id="rId25"/>
+    <p:sldId id="263" r:id="rId26"/>
+    <p:sldId id="269" r:id="rId27"/>
+    <p:sldId id="297" r:id="rId28"/>
+    <p:sldId id="291" r:id="rId29"/>
+    <p:sldId id="299" r:id="rId30"/>
+    <p:sldId id="301" r:id="rId31"/>
+    <p:sldId id="268" r:id="rId32"/>
+    <p:sldId id="287" r:id="rId33"/>
+    <p:sldId id="298" r:id="rId34"/>
+    <p:sldId id="300" r:id="rId35"/>
   </p:sldIdLst>
   <p:sldSz cx="12192000" cy="6858000"/>
   <p:notesSz cx="6858000" cy="9144000"/>
@@ -285,7 +285,7 @@
           <a:p>
             <a:fld id="{ED8D6B47-35E8-4B74-A8BC-163E56BA4F07}" type="datetimeFigureOut">
               <a:rPr lang="pt-BR" smtClean="0"/>
-              <a:t>01/07/2020</a:t>
+              <a:t>02/07/2020</a:t>
             </a:fld>
             <a:endParaRPr lang="pt-BR"/>
           </a:p>
@@ -453,7 +453,7 @@
           <a:p>
             <a:fld id="{ED8D6B47-35E8-4B74-A8BC-163E56BA4F07}" type="datetimeFigureOut">
               <a:rPr lang="pt-BR" smtClean="0"/>
-              <a:t>01/07/2020</a:t>
+              <a:t>02/07/2020</a:t>
             </a:fld>
             <a:endParaRPr lang="pt-BR"/>
           </a:p>
@@ -631,7 +631,7 @@
           <a:p>
             <a:fld id="{ED8D6B47-35E8-4B74-A8BC-163E56BA4F07}" type="datetimeFigureOut">
               <a:rPr lang="pt-BR" smtClean="0"/>
-              <a:t>01/07/2020</a:t>
+              <a:t>02/07/2020</a:t>
             </a:fld>
             <a:endParaRPr lang="pt-BR"/>
           </a:p>
@@ -799,7 +799,7 @@
           <a:p>
             <a:fld id="{ED8D6B47-35E8-4B74-A8BC-163E56BA4F07}" type="datetimeFigureOut">
               <a:rPr lang="pt-BR" smtClean="0"/>
-              <a:t>01/07/2020</a:t>
+              <a:t>02/07/2020</a:t>
             </a:fld>
             <a:endParaRPr lang="pt-BR"/>
           </a:p>
@@ -1044,7 +1044,7 @@
           <a:p>
             <a:fld id="{ED8D6B47-35E8-4B74-A8BC-163E56BA4F07}" type="datetimeFigureOut">
               <a:rPr lang="pt-BR" smtClean="0"/>
-              <a:t>01/07/2020</a:t>
+              <a:t>02/07/2020</a:t>
             </a:fld>
             <a:endParaRPr lang="pt-BR"/>
           </a:p>
@@ -1273,7 +1273,7 @@
           <a:p>
             <a:fld id="{ED8D6B47-35E8-4B74-A8BC-163E56BA4F07}" type="datetimeFigureOut">
               <a:rPr lang="pt-BR" smtClean="0"/>
-              <a:t>01/07/2020</a:t>
+              <a:t>02/07/2020</a:t>
             </a:fld>
             <a:endParaRPr lang="pt-BR"/>
           </a:p>
@@ -1637,7 +1637,7 @@
           <a:p>
             <a:fld id="{ED8D6B47-35E8-4B74-A8BC-163E56BA4F07}" type="datetimeFigureOut">
               <a:rPr lang="pt-BR" smtClean="0"/>
-              <a:t>01/07/2020</a:t>
+              <a:t>02/07/2020</a:t>
             </a:fld>
             <a:endParaRPr lang="pt-BR"/>
           </a:p>
@@ -1754,7 +1754,7 @@
           <a:p>
             <a:fld id="{ED8D6B47-35E8-4B74-A8BC-163E56BA4F07}" type="datetimeFigureOut">
               <a:rPr lang="pt-BR" smtClean="0"/>
-              <a:t>01/07/2020</a:t>
+              <a:t>02/07/2020</a:t>
             </a:fld>
             <a:endParaRPr lang="pt-BR"/>
           </a:p>
@@ -1849,7 +1849,7 @@
           <a:p>
             <a:fld id="{ED8D6B47-35E8-4B74-A8BC-163E56BA4F07}" type="datetimeFigureOut">
               <a:rPr lang="pt-BR" smtClean="0"/>
-              <a:t>01/07/2020</a:t>
+              <a:t>02/07/2020</a:t>
             </a:fld>
             <a:endParaRPr lang="pt-BR"/>
           </a:p>
@@ -2124,7 +2124,7 @@
           <a:p>
             <a:fld id="{ED8D6B47-35E8-4B74-A8BC-163E56BA4F07}" type="datetimeFigureOut">
               <a:rPr lang="pt-BR" smtClean="0"/>
-              <a:t>01/07/2020</a:t>
+              <a:t>02/07/2020</a:t>
             </a:fld>
             <a:endParaRPr lang="pt-BR"/>
           </a:p>
@@ -2376,7 +2376,7 @@
           <a:p>
             <a:fld id="{ED8D6B47-35E8-4B74-A8BC-163E56BA4F07}" type="datetimeFigureOut">
               <a:rPr lang="pt-BR" smtClean="0"/>
-              <a:t>01/07/2020</a:t>
+              <a:t>02/07/2020</a:t>
             </a:fld>
             <a:endParaRPr lang="pt-BR"/>
           </a:p>
@@ -2587,7 +2587,7 @@
           <a:p>
             <a:fld id="{ED8D6B47-35E8-4B74-A8BC-163E56BA4F07}" type="datetimeFigureOut">
               <a:rPr lang="pt-BR" smtClean="0"/>
-              <a:t>01/07/2020</a:t>
+              <a:t>02/07/2020</a:t>
             </a:fld>
             <a:endParaRPr lang="pt-BR"/>
           </a:p>
@@ -3530,35 +3530,35 @@
                 <a:gridCol w="574120">
                   <a:extLst>
                     <a:ext uri="{9D8B030D-6E8A-4147-A177-3AD203B41FA5}">
-                      <a16:colId xmlns:a16="http://schemas.microsoft.com/office/drawing/2014/main" val="20000"/>
+                      <a16:colId xmlns:a16="http://schemas.microsoft.com/office/drawing/2014/main" xmlns="" val="20000"/>
                     </a:ext>
                   </a:extLst>
                 </a:gridCol>
                 <a:gridCol w="1643427">
                   <a:extLst>
                     <a:ext uri="{9D8B030D-6E8A-4147-A177-3AD203B41FA5}">
-                      <a16:colId xmlns:a16="http://schemas.microsoft.com/office/drawing/2014/main" val="20001"/>
+                      <a16:colId xmlns:a16="http://schemas.microsoft.com/office/drawing/2014/main" xmlns="" val="20001"/>
                     </a:ext>
                   </a:extLst>
                 </a:gridCol>
                 <a:gridCol w="1756766">
                   <a:extLst>
                     <a:ext uri="{9D8B030D-6E8A-4147-A177-3AD203B41FA5}">
-                      <a16:colId xmlns:a16="http://schemas.microsoft.com/office/drawing/2014/main" val="20002"/>
+                      <a16:colId xmlns:a16="http://schemas.microsoft.com/office/drawing/2014/main" xmlns="" val="20002"/>
                     </a:ext>
                   </a:extLst>
                 </a:gridCol>
                 <a:gridCol w="2635823">
                   <a:extLst>
                     <a:ext uri="{9D8B030D-6E8A-4147-A177-3AD203B41FA5}">
-                      <a16:colId xmlns:a16="http://schemas.microsoft.com/office/drawing/2014/main" val="20003"/>
+                      <a16:colId xmlns:a16="http://schemas.microsoft.com/office/drawing/2014/main" xmlns="" val="20003"/>
                     </a:ext>
                   </a:extLst>
                 </a:gridCol>
                 <a:gridCol w="2635823">
                   <a:extLst>
                     <a:ext uri="{9D8B030D-6E8A-4147-A177-3AD203B41FA5}">
-                      <a16:colId xmlns:a16="http://schemas.microsoft.com/office/drawing/2014/main" val="20004"/>
+                      <a16:colId xmlns:a16="http://schemas.microsoft.com/office/drawing/2014/main" xmlns="" val="20004"/>
                     </a:ext>
                   </a:extLst>
                 </a:gridCol>
@@ -3628,7 +3628,7 @@
                 </a:tc>
                 <a:extLst>
                   <a:ext uri="{0D108BD9-81ED-4DB2-BD59-A6C34878D82A}">
-                    <a16:rowId xmlns:a16="http://schemas.microsoft.com/office/drawing/2014/main" val="10000"/>
+                    <a16:rowId xmlns:a16="http://schemas.microsoft.com/office/drawing/2014/main" xmlns="" val="10000"/>
                   </a:ext>
                 </a:extLst>
               </a:tr>
@@ -3697,7 +3697,7 @@
                 </a:tc>
                 <a:extLst>
                   <a:ext uri="{0D108BD9-81ED-4DB2-BD59-A6C34878D82A}">
-                    <a16:rowId xmlns:a16="http://schemas.microsoft.com/office/drawing/2014/main" val="10001"/>
+                    <a16:rowId xmlns:a16="http://schemas.microsoft.com/office/drawing/2014/main" xmlns="" val="10001"/>
                   </a:ext>
                 </a:extLst>
               </a:tr>
@@ -3791,7 +3791,7 @@
                 </a:tc>
                 <a:extLst>
                   <a:ext uri="{0D108BD9-81ED-4DB2-BD59-A6C34878D82A}">
-                    <a16:rowId xmlns:a16="http://schemas.microsoft.com/office/drawing/2014/main" val="10002"/>
+                    <a16:rowId xmlns:a16="http://schemas.microsoft.com/office/drawing/2014/main" xmlns="" val="10002"/>
                   </a:ext>
                 </a:extLst>
               </a:tr>
@@ -3880,7 +3880,7 @@
                 </a:tc>
                 <a:extLst>
                   <a:ext uri="{0D108BD9-81ED-4DB2-BD59-A6C34878D82A}">
-                    <a16:rowId xmlns:a16="http://schemas.microsoft.com/office/drawing/2014/main" val="10003"/>
+                    <a16:rowId xmlns:a16="http://schemas.microsoft.com/office/drawing/2014/main" xmlns="" val="10003"/>
                   </a:ext>
                 </a:extLst>
               </a:tr>
@@ -4428,35 +4428,35 @@
                 <a:gridCol w="490951">
                   <a:extLst>
                     <a:ext uri="{9D8B030D-6E8A-4147-A177-3AD203B41FA5}">
-                      <a16:colId xmlns:a16="http://schemas.microsoft.com/office/drawing/2014/main" val="20000"/>
+                      <a16:colId xmlns:a16="http://schemas.microsoft.com/office/drawing/2014/main" xmlns="" val="20000"/>
                     </a:ext>
                   </a:extLst>
                 </a:gridCol>
                 <a:gridCol w="2006478">
                   <a:extLst>
                     <a:ext uri="{9D8B030D-6E8A-4147-A177-3AD203B41FA5}">
-                      <a16:colId xmlns:a16="http://schemas.microsoft.com/office/drawing/2014/main" val="20001"/>
+                      <a16:colId xmlns:a16="http://schemas.microsoft.com/office/drawing/2014/main" xmlns="" val="20001"/>
                     </a:ext>
                   </a:extLst>
                 </a:gridCol>
                 <a:gridCol w="1215483">
                   <a:extLst>
                     <a:ext uri="{9D8B030D-6E8A-4147-A177-3AD203B41FA5}">
-                      <a16:colId xmlns:a16="http://schemas.microsoft.com/office/drawing/2014/main" val="20002"/>
+                      <a16:colId xmlns:a16="http://schemas.microsoft.com/office/drawing/2014/main" xmlns="" val="20002"/>
                     </a:ext>
                   </a:extLst>
                 </a:gridCol>
                 <a:gridCol w="1939656">
                   <a:extLst>
                     <a:ext uri="{9D8B030D-6E8A-4147-A177-3AD203B41FA5}">
-                      <a16:colId xmlns:a16="http://schemas.microsoft.com/office/drawing/2014/main" val="20003"/>
+                      <a16:colId xmlns:a16="http://schemas.microsoft.com/office/drawing/2014/main" xmlns="" val="20003"/>
                     </a:ext>
                   </a:extLst>
                 </a:gridCol>
                 <a:gridCol w="2253988">
                   <a:extLst>
                     <a:ext uri="{9D8B030D-6E8A-4147-A177-3AD203B41FA5}">
-                      <a16:colId xmlns:a16="http://schemas.microsoft.com/office/drawing/2014/main" val="20004"/>
+                      <a16:colId xmlns:a16="http://schemas.microsoft.com/office/drawing/2014/main" xmlns="" val="20004"/>
                     </a:ext>
                   </a:extLst>
                 </a:gridCol>
@@ -4526,7 +4526,7 @@
                 </a:tc>
                 <a:extLst>
                   <a:ext uri="{0D108BD9-81ED-4DB2-BD59-A6C34878D82A}">
-                    <a16:rowId xmlns:a16="http://schemas.microsoft.com/office/drawing/2014/main" val="10000"/>
+                    <a16:rowId xmlns:a16="http://schemas.microsoft.com/office/drawing/2014/main" xmlns="" val="10000"/>
                   </a:ext>
                 </a:extLst>
               </a:tr>
@@ -4600,7 +4600,7 @@
                 </a:tc>
                 <a:extLst>
                   <a:ext uri="{0D108BD9-81ED-4DB2-BD59-A6C34878D82A}">
-                    <a16:rowId xmlns:a16="http://schemas.microsoft.com/office/drawing/2014/main" val="10001"/>
+                    <a16:rowId xmlns:a16="http://schemas.microsoft.com/office/drawing/2014/main" xmlns="" val="10001"/>
                   </a:ext>
                 </a:extLst>
               </a:tr>
@@ -4674,7 +4674,7 @@
                 </a:tc>
                 <a:extLst>
                   <a:ext uri="{0D108BD9-81ED-4DB2-BD59-A6C34878D82A}">
-                    <a16:rowId xmlns:a16="http://schemas.microsoft.com/office/drawing/2014/main" val="10002"/>
+                    <a16:rowId xmlns:a16="http://schemas.microsoft.com/office/drawing/2014/main" xmlns="" val="10002"/>
                   </a:ext>
                 </a:extLst>
               </a:tr>
@@ -4743,7 +4743,7 @@
                 </a:tc>
                 <a:extLst>
                   <a:ext uri="{0D108BD9-81ED-4DB2-BD59-A6C34878D82A}">
-                    <a16:rowId xmlns:a16="http://schemas.microsoft.com/office/drawing/2014/main" val="10003"/>
+                    <a16:rowId xmlns:a16="http://schemas.microsoft.com/office/drawing/2014/main" xmlns="" val="10003"/>
                   </a:ext>
                 </a:extLst>
               </a:tr>
@@ -5427,180 +5427,6 @@
           </a:p>
         </p:txBody>
       </p:sp>
-      <p:sp>
-        <p:nvSpPr>
-          <p:cNvPr id="25" name="Retângulo de cantos arredondados 24"/>
-          <p:cNvSpPr/>
-          <p:nvPr/>
-        </p:nvSpPr>
-        <p:spPr>
-          <a:xfrm>
-            <a:off x="8031107" y="749493"/>
-            <a:ext cx="2053206" cy="455194"/>
-          </a:xfrm>
-          <a:prstGeom prst="roundRect">
-            <a:avLst/>
-          </a:prstGeom>
-          <a:solidFill>
-            <a:srgbClr val="FDEBC7"/>
-          </a:solidFill>
-          <a:ln>
-            <a:noFill/>
-          </a:ln>
-          <a:effectLst>
-            <a:outerShdw blurRad="50800" dist="38100" dir="2700000" algn="tl" rotWithShape="0">
-              <a:prstClr val="black">
-                <a:alpha val="40000"/>
-              </a:prstClr>
-            </a:outerShdw>
-          </a:effectLst>
-        </p:spPr>
-        <p:style>
-          <a:lnRef idx="2">
-            <a:schemeClr val="accent1">
-              <a:shade val="50000"/>
-            </a:schemeClr>
-          </a:lnRef>
-          <a:fillRef idx="1">
-            <a:schemeClr val="accent1"/>
-          </a:fillRef>
-          <a:effectRef idx="0">
-            <a:schemeClr val="accent1"/>
-          </a:effectRef>
-          <a:fontRef idx="minor">
-            <a:schemeClr val="lt1"/>
-          </a:fontRef>
-        </p:style>
-        <p:txBody>
-          <a:bodyPr rtlCol="0" anchor="ctr"/>
-          <a:lstStyle/>
-          <a:p>
-            <a:pPr algn="ctr"/>
-            <a:endParaRPr lang="pt-BR" dirty="0">
-              <a:solidFill>
-                <a:schemeClr val="tx1"/>
-              </a:solidFill>
-            </a:endParaRPr>
-          </a:p>
-        </p:txBody>
-      </p:sp>
-      <p:pic>
-        <p:nvPicPr>
-          <p:cNvPr id="26" name="Imagem 25"/>
-          <p:cNvPicPr>
-            <a:picLocks noChangeAspect="1"/>
-          </p:cNvPicPr>
-          <p:nvPr/>
-        </p:nvPicPr>
-        <p:blipFill>
-          <a:blip r:embed="rId3" cstate="print">
-            <a:extLst>
-              <a:ext uri="{BEBA8EAE-BF5A-486C-A8C5-ECC9F3942E4B}">
-                <a14:imgProps xmlns:a14="http://schemas.microsoft.com/office/drawing/2010/main">
-                  <a14:imgLayer r:embed="rId4">
-                    <a14:imgEffect>
-                      <a14:backgroundRemoval t="9804" b="97168" l="9804" r="98475">
-                        <a14:foregroundMark x1="76688" y1="52070" x2="76688" y2="52070"/>
-                        <a14:foregroundMark x1="65577" y1="54466" x2="65577" y2="54466"/>
-                        <a14:foregroundMark x1="59477" y1="58170" x2="59477" y2="58170"/>
-                      </a14:backgroundRemoval>
-                    </a14:imgEffect>
-                  </a14:imgLayer>
-                </a14:imgProps>
-              </a:ext>
-              <a:ext uri="{28A0092B-C50C-407E-A947-70E740481C1C}">
-                <a14:useLocalDpi xmlns:a14="http://schemas.microsoft.com/office/drawing/2010/main" val="0"/>
-              </a:ext>
-            </a:extLst>
-          </a:blip>
-          <a:stretch>
-            <a:fillRect/>
-          </a:stretch>
-        </p:blipFill>
-        <p:spPr>
-          <a:xfrm>
-            <a:off x="7628046" y="437884"/>
-            <a:ext cx="1233133" cy="1233133"/>
-          </a:xfrm>
-          <a:prstGeom prst="rect">
-            <a:avLst/>
-          </a:prstGeom>
-        </p:spPr>
-      </p:pic>
-      <p:pic>
-        <p:nvPicPr>
-          <p:cNvPr id="27" name="Imagem 26"/>
-          <p:cNvPicPr>
-            <a:picLocks noChangeAspect="1"/>
-          </p:cNvPicPr>
-          <p:nvPr/>
-        </p:nvPicPr>
-        <p:blipFill>
-          <a:blip r:embed="rId5" cstate="print">
-            <a:duotone>
-              <a:schemeClr val="accent6">
-                <a:shade val="45000"/>
-                <a:satMod val="135000"/>
-              </a:schemeClr>
-              <a:prstClr val="white"/>
-            </a:duotone>
-            <a:extLst>
-              <a:ext uri="{28A0092B-C50C-407E-A947-70E740481C1C}">
-                <a14:useLocalDpi xmlns:a14="http://schemas.microsoft.com/office/drawing/2010/main" val="0"/>
-              </a:ext>
-            </a:extLst>
-          </a:blip>
-          <a:stretch>
-            <a:fillRect/>
-          </a:stretch>
-        </p:blipFill>
-        <p:spPr>
-          <a:xfrm>
-            <a:off x="9489432" y="847348"/>
-            <a:ext cx="393989" cy="357339"/>
-          </a:xfrm>
-          <a:prstGeom prst="rect">
-            <a:avLst/>
-          </a:prstGeom>
-        </p:spPr>
-      </p:pic>
-      <p:pic>
-        <p:nvPicPr>
-          <p:cNvPr id="28" name="Imagem 27"/>
-          <p:cNvPicPr>
-            <a:picLocks noChangeAspect="1"/>
-          </p:cNvPicPr>
-          <p:nvPr/>
-        </p:nvPicPr>
-        <p:blipFill>
-          <a:blip r:embed="rId6" cstate="print">
-            <a:duotone>
-              <a:schemeClr val="accent6">
-                <a:shade val="45000"/>
-                <a:satMod val="135000"/>
-              </a:schemeClr>
-              <a:prstClr val="white"/>
-            </a:duotone>
-            <a:extLst>
-              <a:ext uri="{28A0092B-C50C-407E-A947-70E740481C1C}">
-                <a14:useLocalDpi xmlns:a14="http://schemas.microsoft.com/office/drawing/2010/main" val="0"/>
-              </a:ext>
-            </a:extLst>
-          </a:blip>
-          <a:stretch>
-            <a:fillRect/>
-          </a:stretch>
-        </p:blipFill>
-        <p:spPr>
-          <a:xfrm>
-            <a:off x="8827734" y="822852"/>
-            <a:ext cx="546115" cy="359636"/>
-          </a:xfrm>
-          <a:prstGeom prst="rect">
-            <a:avLst/>
-          </a:prstGeom>
-        </p:spPr>
-      </p:pic>
     </p:spTree>
     <p:extLst>
       <p:ext uri="{BB962C8B-B14F-4D97-AF65-F5344CB8AC3E}">
@@ -5684,35 +5510,35 @@
                 <a:gridCol w="546130">
                   <a:extLst>
                     <a:ext uri="{9D8B030D-6E8A-4147-A177-3AD203B41FA5}">
-                      <a16:colId xmlns:a16="http://schemas.microsoft.com/office/drawing/2014/main" val="20000"/>
+                      <a16:colId xmlns:a16="http://schemas.microsoft.com/office/drawing/2014/main" xmlns="" val="20000"/>
                     </a:ext>
                   </a:extLst>
                 </a:gridCol>
                 <a:gridCol w="1563306">
                   <a:extLst>
                     <a:ext uri="{9D8B030D-6E8A-4147-A177-3AD203B41FA5}">
-                      <a16:colId xmlns:a16="http://schemas.microsoft.com/office/drawing/2014/main" val="20001"/>
+                      <a16:colId xmlns:a16="http://schemas.microsoft.com/office/drawing/2014/main" xmlns="" val="20001"/>
                     </a:ext>
                   </a:extLst>
                 </a:gridCol>
                 <a:gridCol w="1671120">
                   <a:extLst>
                     <a:ext uri="{9D8B030D-6E8A-4147-A177-3AD203B41FA5}">
-                      <a16:colId xmlns:a16="http://schemas.microsoft.com/office/drawing/2014/main" val="20002"/>
+                      <a16:colId xmlns:a16="http://schemas.microsoft.com/office/drawing/2014/main" xmlns="" val="20002"/>
                     </a:ext>
                   </a:extLst>
                 </a:gridCol>
                 <a:gridCol w="2507320">
                   <a:extLst>
                     <a:ext uri="{9D8B030D-6E8A-4147-A177-3AD203B41FA5}">
-                      <a16:colId xmlns:a16="http://schemas.microsoft.com/office/drawing/2014/main" val="20003"/>
+                      <a16:colId xmlns:a16="http://schemas.microsoft.com/office/drawing/2014/main" xmlns="" val="20003"/>
                     </a:ext>
                   </a:extLst>
                 </a:gridCol>
                 <a:gridCol w="2507320">
                   <a:extLst>
                     <a:ext uri="{9D8B030D-6E8A-4147-A177-3AD203B41FA5}">
-                      <a16:colId xmlns:a16="http://schemas.microsoft.com/office/drawing/2014/main" val="20004"/>
+                      <a16:colId xmlns:a16="http://schemas.microsoft.com/office/drawing/2014/main" xmlns="" val="20004"/>
                     </a:ext>
                   </a:extLst>
                 </a:gridCol>
@@ -5782,7 +5608,7 @@
                 </a:tc>
                 <a:extLst>
                   <a:ext uri="{0D108BD9-81ED-4DB2-BD59-A6C34878D82A}">
-                    <a16:rowId xmlns:a16="http://schemas.microsoft.com/office/drawing/2014/main" val="10000"/>
+                    <a16:rowId xmlns:a16="http://schemas.microsoft.com/office/drawing/2014/main" xmlns="" val="10000"/>
                   </a:ext>
                 </a:extLst>
               </a:tr>
@@ -5852,7 +5678,7 @@
                 </a:tc>
                 <a:extLst>
                   <a:ext uri="{0D108BD9-81ED-4DB2-BD59-A6C34878D82A}">
-                    <a16:rowId xmlns:a16="http://schemas.microsoft.com/office/drawing/2014/main" val="10001"/>
+                    <a16:rowId xmlns:a16="http://schemas.microsoft.com/office/drawing/2014/main" xmlns="" val="10001"/>
                   </a:ext>
                 </a:extLst>
               </a:tr>
@@ -5921,7 +5747,7 @@
                 </a:tc>
                 <a:extLst>
                   <a:ext uri="{0D108BD9-81ED-4DB2-BD59-A6C34878D82A}">
-                    <a16:rowId xmlns:a16="http://schemas.microsoft.com/office/drawing/2014/main" val="10002"/>
+                    <a16:rowId xmlns:a16="http://schemas.microsoft.com/office/drawing/2014/main" xmlns="" val="10002"/>
                   </a:ext>
                 </a:extLst>
               </a:tr>
@@ -6388,184 +6214,10 @@
       </p:sp>
       <p:sp>
         <p:nvSpPr>
-          <p:cNvPr id="27" name="Retângulo de cantos arredondados 26"/>
-          <p:cNvSpPr/>
-          <p:nvPr/>
-        </p:nvSpPr>
-        <p:spPr>
-          <a:xfrm>
-            <a:off x="8031107" y="749493"/>
-            <a:ext cx="2053206" cy="455194"/>
-          </a:xfrm>
-          <a:prstGeom prst="roundRect">
-            <a:avLst/>
-          </a:prstGeom>
-          <a:solidFill>
-            <a:srgbClr val="FDEBC7"/>
-          </a:solidFill>
-          <a:ln>
-            <a:noFill/>
-          </a:ln>
-          <a:effectLst>
-            <a:outerShdw blurRad="50800" dist="38100" dir="2700000" algn="tl" rotWithShape="0">
-              <a:prstClr val="black">
-                <a:alpha val="40000"/>
-              </a:prstClr>
-            </a:outerShdw>
-          </a:effectLst>
-        </p:spPr>
-        <p:style>
-          <a:lnRef idx="2">
-            <a:schemeClr val="accent1">
-              <a:shade val="50000"/>
-            </a:schemeClr>
-          </a:lnRef>
-          <a:fillRef idx="1">
-            <a:schemeClr val="accent1"/>
-          </a:fillRef>
-          <a:effectRef idx="0">
-            <a:schemeClr val="accent1"/>
-          </a:effectRef>
-          <a:fontRef idx="minor">
-            <a:schemeClr val="lt1"/>
-          </a:fontRef>
-        </p:style>
-        <p:txBody>
-          <a:bodyPr rtlCol="0" anchor="ctr"/>
-          <a:lstStyle/>
-          <a:p>
-            <a:pPr algn="ctr"/>
-            <a:endParaRPr lang="pt-BR" dirty="0">
-              <a:solidFill>
-                <a:schemeClr val="tx1"/>
-              </a:solidFill>
-            </a:endParaRPr>
-          </a:p>
-        </p:txBody>
-      </p:sp>
-      <p:pic>
-        <p:nvPicPr>
-          <p:cNvPr id="28" name="Imagem 27"/>
-          <p:cNvPicPr>
-            <a:picLocks noChangeAspect="1"/>
-          </p:cNvPicPr>
-          <p:nvPr/>
-        </p:nvPicPr>
-        <p:blipFill>
-          <a:blip r:embed="rId3" cstate="print">
-            <a:extLst>
-              <a:ext uri="{BEBA8EAE-BF5A-486C-A8C5-ECC9F3942E4B}">
-                <a14:imgProps xmlns:a14="http://schemas.microsoft.com/office/drawing/2010/main">
-                  <a14:imgLayer r:embed="rId4">
-                    <a14:imgEffect>
-                      <a14:backgroundRemoval t="9804" b="97168" l="9804" r="98475">
-                        <a14:foregroundMark x1="76688" y1="52070" x2="76688" y2="52070"/>
-                        <a14:foregroundMark x1="65577" y1="54466" x2="65577" y2="54466"/>
-                        <a14:foregroundMark x1="59477" y1="58170" x2="59477" y2="58170"/>
-                      </a14:backgroundRemoval>
-                    </a14:imgEffect>
-                  </a14:imgLayer>
-                </a14:imgProps>
-              </a:ext>
-              <a:ext uri="{28A0092B-C50C-407E-A947-70E740481C1C}">
-                <a14:useLocalDpi xmlns:a14="http://schemas.microsoft.com/office/drawing/2010/main" val="0"/>
-              </a:ext>
-            </a:extLst>
-          </a:blip>
-          <a:stretch>
-            <a:fillRect/>
-          </a:stretch>
-        </p:blipFill>
-        <p:spPr>
-          <a:xfrm>
-            <a:off x="7628046" y="437884"/>
-            <a:ext cx="1233133" cy="1233133"/>
-          </a:xfrm>
-          <a:prstGeom prst="rect">
-            <a:avLst/>
-          </a:prstGeom>
-        </p:spPr>
-      </p:pic>
-      <p:pic>
-        <p:nvPicPr>
-          <p:cNvPr id="29" name="Imagem 28"/>
-          <p:cNvPicPr>
-            <a:picLocks noChangeAspect="1"/>
-          </p:cNvPicPr>
-          <p:nvPr/>
-        </p:nvPicPr>
-        <p:blipFill>
-          <a:blip r:embed="rId5" cstate="print">
-            <a:duotone>
-              <a:schemeClr val="accent6">
-                <a:shade val="45000"/>
-                <a:satMod val="135000"/>
-              </a:schemeClr>
-              <a:prstClr val="white"/>
-            </a:duotone>
-            <a:extLst>
-              <a:ext uri="{28A0092B-C50C-407E-A947-70E740481C1C}">
-                <a14:useLocalDpi xmlns:a14="http://schemas.microsoft.com/office/drawing/2010/main" val="0"/>
-              </a:ext>
-            </a:extLst>
-          </a:blip>
-          <a:stretch>
-            <a:fillRect/>
-          </a:stretch>
-        </p:blipFill>
-        <p:spPr>
-          <a:xfrm>
-            <a:off x="9489432" y="847348"/>
-            <a:ext cx="393989" cy="357339"/>
-          </a:xfrm>
-          <a:prstGeom prst="rect">
-            <a:avLst/>
-          </a:prstGeom>
-        </p:spPr>
-      </p:pic>
-      <p:pic>
-        <p:nvPicPr>
-          <p:cNvPr id="30" name="Imagem 29"/>
-          <p:cNvPicPr>
-            <a:picLocks noChangeAspect="1"/>
-          </p:cNvPicPr>
-          <p:nvPr/>
-        </p:nvPicPr>
-        <p:blipFill>
-          <a:blip r:embed="rId6" cstate="print">
-            <a:duotone>
-              <a:schemeClr val="accent6">
-                <a:shade val="45000"/>
-                <a:satMod val="135000"/>
-              </a:schemeClr>
-              <a:prstClr val="white"/>
-            </a:duotone>
-            <a:extLst>
-              <a:ext uri="{28A0092B-C50C-407E-A947-70E740481C1C}">
-                <a14:useLocalDpi xmlns:a14="http://schemas.microsoft.com/office/drawing/2010/main" val="0"/>
-              </a:ext>
-            </a:extLst>
-          </a:blip>
-          <a:stretch>
-            <a:fillRect/>
-          </a:stretch>
-        </p:blipFill>
-        <p:spPr>
-          <a:xfrm>
-            <a:off x="8827734" y="822852"/>
-            <a:ext cx="546115" cy="359636"/>
-          </a:xfrm>
-          <a:prstGeom prst="rect">
-            <a:avLst/>
-          </a:prstGeom>
-        </p:spPr>
-      </p:pic>
-      <p:sp>
-        <p:nvSpPr>
           <p:cNvPr id="31" name="Retângulo de cantos arredondados 31">
             <a:extLst>
               <a:ext uri="{FF2B5EF4-FFF2-40B4-BE49-F238E27FC236}">
-                <a16:creationId xmlns:a16="http://schemas.microsoft.com/office/drawing/2014/main" id="{C5007C72-8191-48D6-B5B6-ECB680E45251}"/>
+                <a16:creationId xmlns:a16="http://schemas.microsoft.com/office/drawing/2014/main" xmlns="" id="{C5007C72-8191-48D6-B5B6-ECB680E45251}"/>
               </a:ext>
             </a:extLst>
           </p:cNvPr>
@@ -6628,7 +6280,7 @@
           <p:cNvPr id="32" name="CaixaDeTexto 31">
             <a:extLst>
               <a:ext uri="{FF2B5EF4-FFF2-40B4-BE49-F238E27FC236}">
-                <a16:creationId xmlns:a16="http://schemas.microsoft.com/office/drawing/2014/main" id="{58596935-6E20-46ED-955D-6DF874CA3AC9}"/>
+                <a16:creationId xmlns:a16="http://schemas.microsoft.com/office/drawing/2014/main" xmlns="" id="{58596935-6E20-46ED-955D-6DF874CA3AC9}"/>
               </a:ext>
             </a:extLst>
           </p:cNvPr>
@@ -6668,7 +6320,7 @@
           <p:cNvPr id="33" name="Retângulo 32">
             <a:extLst>
               <a:ext uri="{FF2B5EF4-FFF2-40B4-BE49-F238E27FC236}">
-                <a16:creationId xmlns:a16="http://schemas.microsoft.com/office/drawing/2014/main" id="{87D6854B-EF7C-4167-AEE3-DC45354D504D}"/>
+                <a16:creationId xmlns:a16="http://schemas.microsoft.com/office/drawing/2014/main" xmlns="" id="{87D6854B-EF7C-4167-AEE3-DC45354D504D}"/>
               </a:ext>
             </a:extLst>
           </p:cNvPr>
@@ -6733,7 +6385,7 @@
           <p:cNvPr id="34" name="CaixaDeTexto 33">
             <a:extLst>
               <a:ext uri="{FF2B5EF4-FFF2-40B4-BE49-F238E27FC236}">
-                <a16:creationId xmlns:a16="http://schemas.microsoft.com/office/drawing/2014/main" id="{B5363282-96B5-4AF3-AEED-53F7FB0E380D}"/>
+                <a16:creationId xmlns:a16="http://schemas.microsoft.com/office/drawing/2014/main" xmlns="" id="{B5363282-96B5-4AF3-AEED-53F7FB0E380D}"/>
               </a:ext>
             </a:extLst>
           </p:cNvPr>
@@ -6773,7 +6425,7 @@
           <p:cNvPr id="35" name="CaixaDeTexto 34">
             <a:extLst>
               <a:ext uri="{FF2B5EF4-FFF2-40B4-BE49-F238E27FC236}">
-                <a16:creationId xmlns:a16="http://schemas.microsoft.com/office/drawing/2014/main" id="{7C1971F0-DED0-44D7-894B-1A11250F94F2}"/>
+                <a16:creationId xmlns:a16="http://schemas.microsoft.com/office/drawing/2014/main" xmlns="" id="{7C1971F0-DED0-44D7-894B-1A11250F94F2}"/>
               </a:ext>
             </a:extLst>
           </p:cNvPr>
@@ -6813,7 +6465,7 @@
           <p:cNvPr id="36" name="CaixaDeTexto 35">
             <a:extLst>
               <a:ext uri="{FF2B5EF4-FFF2-40B4-BE49-F238E27FC236}">
-                <a16:creationId xmlns:a16="http://schemas.microsoft.com/office/drawing/2014/main" id="{9671BFC9-32F1-4FF3-934D-304E10CE1163}"/>
+                <a16:creationId xmlns:a16="http://schemas.microsoft.com/office/drawing/2014/main" xmlns="" id="{9671BFC9-32F1-4FF3-934D-304E10CE1163}"/>
               </a:ext>
             </a:extLst>
           </p:cNvPr>
@@ -6853,7 +6505,7 @@
           <p:cNvPr id="37" name="CaixaDeTexto 36">
             <a:extLst>
               <a:ext uri="{FF2B5EF4-FFF2-40B4-BE49-F238E27FC236}">
-                <a16:creationId xmlns:a16="http://schemas.microsoft.com/office/drawing/2014/main" id="{E6A88186-DFD6-4D7C-A36D-A788649EDC5D}"/>
+                <a16:creationId xmlns:a16="http://schemas.microsoft.com/office/drawing/2014/main" xmlns="" id="{E6A88186-DFD6-4D7C-A36D-A788649EDC5D}"/>
               </a:ext>
             </a:extLst>
           </p:cNvPr>
@@ -6893,7 +6545,7 @@
           <p:cNvPr id="38" name="Retângulo de cantos arredondados 40">
             <a:extLst>
               <a:ext uri="{FF2B5EF4-FFF2-40B4-BE49-F238E27FC236}">
-                <a16:creationId xmlns:a16="http://schemas.microsoft.com/office/drawing/2014/main" id="{418800BD-6A8D-4529-947B-B60FAC4140E4}"/>
+                <a16:creationId xmlns:a16="http://schemas.microsoft.com/office/drawing/2014/main" xmlns="" id="{418800BD-6A8D-4529-947B-B60FAC4140E4}"/>
               </a:ext>
             </a:extLst>
           </p:cNvPr>
@@ -6938,7 +6590,7 @@
           <p:cNvPr id="39" name="Retângulo de cantos arredondados 50">
             <a:extLst>
               <a:ext uri="{FF2B5EF4-FFF2-40B4-BE49-F238E27FC236}">
-                <a16:creationId xmlns:a16="http://schemas.microsoft.com/office/drawing/2014/main" id="{B9C88E1C-009F-4B2C-A29A-C16FC7E3961A}"/>
+                <a16:creationId xmlns:a16="http://schemas.microsoft.com/office/drawing/2014/main" xmlns="" id="{B9C88E1C-009F-4B2C-A29A-C16FC7E3961A}"/>
               </a:ext>
             </a:extLst>
           </p:cNvPr>
@@ -6983,7 +6635,7 @@
           <p:cNvPr id="40" name="Retângulo de cantos arredondados 43">
             <a:extLst>
               <a:ext uri="{FF2B5EF4-FFF2-40B4-BE49-F238E27FC236}">
-                <a16:creationId xmlns:a16="http://schemas.microsoft.com/office/drawing/2014/main" id="{E2882B13-A782-4C91-85EE-A1D0CD8AE964}"/>
+                <a16:creationId xmlns:a16="http://schemas.microsoft.com/office/drawing/2014/main" xmlns="" id="{E2882B13-A782-4C91-85EE-A1D0CD8AE964}"/>
               </a:ext>
             </a:extLst>
           </p:cNvPr>
@@ -7028,7 +6680,7 @@
           <p:cNvPr id="41" name="Retângulo de cantos arredondados 47">
             <a:extLst>
               <a:ext uri="{FF2B5EF4-FFF2-40B4-BE49-F238E27FC236}">
-                <a16:creationId xmlns:a16="http://schemas.microsoft.com/office/drawing/2014/main" id="{53302A2D-23E5-4F39-9859-F335AD3B8B51}"/>
+                <a16:creationId xmlns:a16="http://schemas.microsoft.com/office/drawing/2014/main" xmlns="" id="{53302A2D-23E5-4F39-9859-F335AD3B8B51}"/>
               </a:ext>
             </a:extLst>
           </p:cNvPr>
@@ -7127,7 +6779,7 @@
           <p:cNvPr id="6" name="Espaço Reservado para Conteúdo 3">
             <a:extLst>
               <a:ext uri="{FF2B5EF4-FFF2-40B4-BE49-F238E27FC236}">
-                <a16:creationId xmlns:a16="http://schemas.microsoft.com/office/drawing/2014/main" id="{1BCAAEE0-E421-417C-852C-390611B530A5}"/>
+                <a16:creationId xmlns:a16="http://schemas.microsoft.com/office/drawing/2014/main" xmlns="" id="{1BCAAEE0-E421-417C-852C-390611B530A5}"/>
               </a:ext>
             </a:extLst>
           </p:cNvPr>
@@ -7157,35 +6809,35 @@
                 <a:gridCol w="536534">
                   <a:extLst>
                     <a:ext uri="{9D8B030D-6E8A-4147-A177-3AD203B41FA5}">
-                      <a16:colId xmlns:a16="http://schemas.microsoft.com/office/drawing/2014/main" val="20000"/>
+                      <a16:colId xmlns:a16="http://schemas.microsoft.com/office/drawing/2014/main" xmlns="" val="20000"/>
                     </a:ext>
                   </a:extLst>
                 </a:gridCol>
                 <a:gridCol w="1535836">
                   <a:extLst>
                     <a:ext uri="{9D8B030D-6E8A-4147-A177-3AD203B41FA5}">
-                      <a16:colId xmlns:a16="http://schemas.microsoft.com/office/drawing/2014/main" val="20001"/>
+                      <a16:colId xmlns:a16="http://schemas.microsoft.com/office/drawing/2014/main" xmlns="" val="20001"/>
                     </a:ext>
                   </a:extLst>
                 </a:gridCol>
                 <a:gridCol w="1641756">
                   <a:extLst>
                     <a:ext uri="{9D8B030D-6E8A-4147-A177-3AD203B41FA5}">
-                      <a16:colId xmlns:a16="http://schemas.microsoft.com/office/drawing/2014/main" val="20002"/>
+                      <a16:colId xmlns:a16="http://schemas.microsoft.com/office/drawing/2014/main" xmlns="" val="20002"/>
                     </a:ext>
                   </a:extLst>
                 </a:gridCol>
                 <a:gridCol w="2463263">
                   <a:extLst>
                     <a:ext uri="{9D8B030D-6E8A-4147-A177-3AD203B41FA5}">
-                      <a16:colId xmlns:a16="http://schemas.microsoft.com/office/drawing/2014/main" val="20003"/>
+                      <a16:colId xmlns:a16="http://schemas.microsoft.com/office/drawing/2014/main" xmlns="" val="20003"/>
                     </a:ext>
                   </a:extLst>
                 </a:gridCol>
                 <a:gridCol w="2463263">
                   <a:extLst>
                     <a:ext uri="{9D8B030D-6E8A-4147-A177-3AD203B41FA5}">
-                      <a16:colId xmlns:a16="http://schemas.microsoft.com/office/drawing/2014/main" val="20004"/>
+                      <a16:colId xmlns:a16="http://schemas.microsoft.com/office/drawing/2014/main" xmlns="" val="20004"/>
                     </a:ext>
                   </a:extLst>
                 </a:gridCol>
@@ -7255,7 +6907,7 @@
                 </a:tc>
                 <a:extLst>
                   <a:ext uri="{0D108BD9-81ED-4DB2-BD59-A6C34878D82A}">
-                    <a16:rowId xmlns:a16="http://schemas.microsoft.com/office/drawing/2014/main" val="10000"/>
+                    <a16:rowId xmlns:a16="http://schemas.microsoft.com/office/drawing/2014/main" xmlns="" val="10000"/>
                   </a:ext>
                 </a:extLst>
               </a:tr>
@@ -7325,7 +6977,7 @@
                 </a:tc>
                 <a:extLst>
                   <a:ext uri="{0D108BD9-81ED-4DB2-BD59-A6C34878D82A}">
-                    <a16:rowId xmlns:a16="http://schemas.microsoft.com/office/drawing/2014/main" val="10001"/>
+                    <a16:rowId xmlns:a16="http://schemas.microsoft.com/office/drawing/2014/main" xmlns="" val="10001"/>
                   </a:ext>
                 </a:extLst>
               </a:tr>
@@ -7395,7 +7047,7 @@
                 </a:tc>
                 <a:extLst>
                   <a:ext uri="{0D108BD9-81ED-4DB2-BD59-A6C34878D82A}">
-                    <a16:rowId xmlns:a16="http://schemas.microsoft.com/office/drawing/2014/main" val="10002"/>
+                    <a16:rowId xmlns:a16="http://schemas.microsoft.com/office/drawing/2014/main" xmlns="" val="10002"/>
                   </a:ext>
                 </a:extLst>
               </a:tr>
@@ -7470,7 +7122,7 @@
                 </a:tc>
                 <a:extLst>
                   <a:ext uri="{0D108BD9-81ED-4DB2-BD59-A6C34878D82A}">
-                    <a16:rowId xmlns:a16="http://schemas.microsoft.com/office/drawing/2014/main" val="10003"/>
+                    <a16:rowId xmlns:a16="http://schemas.microsoft.com/office/drawing/2014/main" xmlns="" val="10003"/>
                   </a:ext>
                 </a:extLst>
               </a:tr>
@@ -7545,7 +7197,7 @@
                 </a:tc>
                 <a:extLst>
                   <a:ext uri="{0D108BD9-81ED-4DB2-BD59-A6C34878D82A}">
-                    <a16:rowId xmlns:a16="http://schemas.microsoft.com/office/drawing/2014/main" val="10004"/>
+                    <a16:rowId xmlns:a16="http://schemas.microsoft.com/office/drawing/2014/main" xmlns="" val="10004"/>
                   </a:ext>
                 </a:extLst>
               </a:tr>
@@ -7619,7 +7271,7 @@
                 </a:tc>
                 <a:extLst>
                   <a:ext uri="{0D108BD9-81ED-4DB2-BD59-A6C34878D82A}">
-                    <a16:rowId xmlns:a16="http://schemas.microsoft.com/office/drawing/2014/main" val="10006"/>
+                    <a16:rowId xmlns:a16="http://schemas.microsoft.com/office/drawing/2014/main" xmlns="" val="10006"/>
                   </a:ext>
                 </a:extLst>
               </a:tr>
@@ -8732,35 +8384,35 @@
                 <a:gridCol w="631698">
                   <a:extLst>
                     <a:ext uri="{9D8B030D-6E8A-4147-A177-3AD203B41FA5}">
-                      <a16:colId xmlns:a16="http://schemas.microsoft.com/office/drawing/2014/main" val="20000"/>
+                      <a16:colId xmlns:a16="http://schemas.microsoft.com/office/drawing/2014/main" xmlns="" val="20000"/>
                     </a:ext>
                   </a:extLst>
                 </a:gridCol>
                 <a:gridCol w="1808247">
                   <a:extLst>
                     <a:ext uri="{9D8B030D-6E8A-4147-A177-3AD203B41FA5}">
-                      <a16:colId xmlns:a16="http://schemas.microsoft.com/office/drawing/2014/main" val="20001"/>
+                      <a16:colId xmlns:a16="http://schemas.microsoft.com/office/drawing/2014/main" xmlns="" val="20001"/>
                     </a:ext>
                   </a:extLst>
                 </a:gridCol>
                 <a:gridCol w="1932953">
                   <a:extLst>
                     <a:ext uri="{9D8B030D-6E8A-4147-A177-3AD203B41FA5}">
-                      <a16:colId xmlns:a16="http://schemas.microsoft.com/office/drawing/2014/main" val="20002"/>
+                      <a16:colId xmlns:a16="http://schemas.microsoft.com/office/drawing/2014/main" xmlns="" val="20002"/>
                     </a:ext>
                   </a:extLst>
                 </a:gridCol>
                 <a:gridCol w="2900170">
                   <a:extLst>
                     <a:ext uri="{9D8B030D-6E8A-4147-A177-3AD203B41FA5}">
-                      <a16:colId xmlns:a16="http://schemas.microsoft.com/office/drawing/2014/main" val="20003"/>
+                      <a16:colId xmlns:a16="http://schemas.microsoft.com/office/drawing/2014/main" xmlns="" val="20003"/>
                     </a:ext>
                   </a:extLst>
                 </a:gridCol>
                 <a:gridCol w="2900170">
                   <a:extLst>
                     <a:ext uri="{9D8B030D-6E8A-4147-A177-3AD203B41FA5}">
-                      <a16:colId xmlns:a16="http://schemas.microsoft.com/office/drawing/2014/main" val="20004"/>
+                      <a16:colId xmlns:a16="http://schemas.microsoft.com/office/drawing/2014/main" xmlns="" val="20004"/>
                     </a:ext>
                   </a:extLst>
                 </a:gridCol>
@@ -8830,7 +8482,7 @@
                 </a:tc>
                 <a:extLst>
                   <a:ext uri="{0D108BD9-81ED-4DB2-BD59-A6C34878D82A}">
-                    <a16:rowId xmlns:a16="http://schemas.microsoft.com/office/drawing/2014/main" val="10000"/>
+                    <a16:rowId xmlns:a16="http://schemas.microsoft.com/office/drawing/2014/main" xmlns="" val="10000"/>
                   </a:ext>
                 </a:extLst>
               </a:tr>
@@ -8896,7 +8548,7 @@
                 </a:tc>
                 <a:extLst>
                   <a:ext uri="{0D108BD9-81ED-4DB2-BD59-A6C34878D82A}">
-                    <a16:rowId xmlns:a16="http://schemas.microsoft.com/office/drawing/2014/main" val="10001"/>
+                    <a16:rowId xmlns:a16="http://schemas.microsoft.com/office/drawing/2014/main" xmlns="" val="10001"/>
                   </a:ext>
                 </a:extLst>
               </a:tr>
@@ -8967,7 +8619,7 @@
                 </a:tc>
                 <a:extLst>
                   <a:ext uri="{0D108BD9-81ED-4DB2-BD59-A6C34878D82A}">
-                    <a16:rowId xmlns:a16="http://schemas.microsoft.com/office/drawing/2014/main" val="10002"/>
+                    <a16:rowId xmlns:a16="http://schemas.microsoft.com/office/drawing/2014/main" xmlns="" val="10002"/>
                   </a:ext>
                 </a:extLst>
               </a:tr>
@@ -9033,7 +8685,7 @@
                 </a:tc>
                 <a:extLst>
                   <a:ext uri="{0D108BD9-81ED-4DB2-BD59-A6C34878D82A}">
-                    <a16:rowId xmlns:a16="http://schemas.microsoft.com/office/drawing/2014/main" val="10003"/>
+                    <a16:rowId xmlns:a16="http://schemas.microsoft.com/office/drawing/2014/main" xmlns="" val="10003"/>
                   </a:ext>
                 </a:extLst>
               </a:tr>
@@ -11849,35 +11501,35 @@
                 <a:gridCol w="490951">
                   <a:extLst>
                     <a:ext uri="{9D8B030D-6E8A-4147-A177-3AD203B41FA5}">
-                      <a16:colId xmlns:a16="http://schemas.microsoft.com/office/drawing/2014/main" val="20000"/>
+                      <a16:colId xmlns:a16="http://schemas.microsoft.com/office/drawing/2014/main" xmlns="" val="20000"/>
                     </a:ext>
                   </a:extLst>
                 </a:gridCol>
                 <a:gridCol w="1405354">
                   <a:extLst>
                     <a:ext uri="{9D8B030D-6E8A-4147-A177-3AD203B41FA5}">
-                      <a16:colId xmlns:a16="http://schemas.microsoft.com/office/drawing/2014/main" val="20001"/>
+                      <a16:colId xmlns:a16="http://schemas.microsoft.com/office/drawing/2014/main" xmlns="" val="20001"/>
                     </a:ext>
                   </a:extLst>
                 </a:gridCol>
                 <a:gridCol w="1502275">
                   <a:extLst>
                     <a:ext uri="{9D8B030D-6E8A-4147-A177-3AD203B41FA5}">
-                      <a16:colId xmlns:a16="http://schemas.microsoft.com/office/drawing/2014/main" val="20002"/>
+                      <a16:colId xmlns:a16="http://schemas.microsoft.com/office/drawing/2014/main" xmlns="" val="20002"/>
                     </a:ext>
                   </a:extLst>
                 </a:gridCol>
                 <a:gridCol w="2253988">
                   <a:extLst>
                     <a:ext uri="{9D8B030D-6E8A-4147-A177-3AD203B41FA5}">
-                      <a16:colId xmlns:a16="http://schemas.microsoft.com/office/drawing/2014/main" val="20003"/>
+                      <a16:colId xmlns:a16="http://schemas.microsoft.com/office/drawing/2014/main" xmlns="" val="20003"/>
                     </a:ext>
                   </a:extLst>
                 </a:gridCol>
                 <a:gridCol w="2253988">
                   <a:extLst>
                     <a:ext uri="{9D8B030D-6E8A-4147-A177-3AD203B41FA5}">
-                      <a16:colId xmlns:a16="http://schemas.microsoft.com/office/drawing/2014/main" val="20004"/>
+                      <a16:colId xmlns:a16="http://schemas.microsoft.com/office/drawing/2014/main" xmlns="" val="20004"/>
                     </a:ext>
                   </a:extLst>
                 </a:gridCol>
@@ -11947,7 +11599,7 @@
                 </a:tc>
                 <a:extLst>
                   <a:ext uri="{0D108BD9-81ED-4DB2-BD59-A6C34878D82A}">
-                    <a16:rowId xmlns:a16="http://schemas.microsoft.com/office/drawing/2014/main" val="10000"/>
+                    <a16:rowId xmlns:a16="http://schemas.microsoft.com/office/drawing/2014/main" xmlns="" val="10000"/>
                   </a:ext>
                 </a:extLst>
               </a:tr>
@@ -12029,7 +11681,7 @@
                 </a:tc>
                 <a:extLst>
                   <a:ext uri="{0D108BD9-81ED-4DB2-BD59-A6C34878D82A}">
-                    <a16:rowId xmlns:a16="http://schemas.microsoft.com/office/drawing/2014/main" val="10001"/>
+                    <a16:rowId xmlns:a16="http://schemas.microsoft.com/office/drawing/2014/main" xmlns="" val="10001"/>
                   </a:ext>
                 </a:extLst>
               </a:tr>
@@ -12128,7 +11780,7 @@
                 </a:tc>
                 <a:extLst>
                   <a:ext uri="{0D108BD9-81ED-4DB2-BD59-A6C34878D82A}">
-                    <a16:rowId xmlns:a16="http://schemas.microsoft.com/office/drawing/2014/main" val="10002"/>
+                    <a16:rowId xmlns:a16="http://schemas.microsoft.com/office/drawing/2014/main" xmlns="" val="10002"/>
                   </a:ext>
                 </a:extLst>
               </a:tr>
@@ -12166,870 +11818,6 @@
           <a:chExt cx="0" cy="0"/>
         </a:xfrm>
       </p:grpSpPr>
-      <p:grpSp>
-        <p:nvGrpSpPr>
-          <p:cNvPr id="9" name="Grupo 8"/>
-          <p:cNvGrpSpPr/>
-          <p:nvPr/>
-        </p:nvGrpSpPr>
-        <p:grpSpPr>
-          <a:xfrm>
-            <a:off x="1243392" y="1297965"/>
-            <a:ext cx="1133476" cy="1514757"/>
-            <a:chOff x="1814892" y="1431315"/>
-            <a:chExt cx="1133476" cy="1514757"/>
-          </a:xfrm>
-        </p:grpSpPr>
-        <p:sp>
-          <p:nvSpPr>
-            <p:cNvPr id="5" name="Retângulo 4"/>
-            <p:cNvSpPr/>
-            <p:nvPr/>
-          </p:nvSpPr>
-          <p:spPr>
-            <a:xfrm>
-              <a:off x="1814892" y="1431315"/>
-              <a:ext cx="1133476" cy="1514757"/>
-            </a:xfrm>
-            <a:prstGeom prst="rect">
-              <a:avLst/>
-            </a:prstGeom>
-            <a:solidFill>
-              <a:srgbClr val="8DBA62"/>
-            </a:solidFill>
-            <a:ln>
-              <a:solidFill>
-                <a:srgbClr val="8DBA62"/>
-              </a:solidFill>
-            </a:ln>
-          </p:spPr>
-          <p:style>
-            <a:lnRef idx="2">
-              <a:schemeClr val="accent1">
-                <a:shade val="50000"/>
-              </a:schemeClr>
-            </a:lnRef>
-            <a:fillRef idx="1">
-              <a:schemeClr val="accent1"/>
-            </a:fillRef>
-            <a:effectRef idx="0">
-              <a:schemeClr val="accent1"/>
-            </a:effectRef>
-            <a:fontRef idx="minor">
-              <a:schemeClr val="lt1"/>
-            </a:fontRef>
-          </p:style>
-          <p:txBody>
-            <a:bodyPr rtlCol="0" anchor="ctr"/>
-            <a:lstStyle/>
-            <a:p>
-              <a:pPr algn="ctr"/>
-              <a:endParaRPr lang="pt-BR"/>
-            </a:p>
-          </p:txBody>
-        </p:sp>
-        <p:sp>
-          <p:nvSpPr>
-            <p:cNvPr id="10" name="Retângulo 9"/>
-            <p:cNvSpPr/>
-            <p:nvPr/>
-          </p:nvSpPr>
-          <p:spPr>
-            <a:xfrm>
-              <a:off x="1835944" y="1450182"/>
-              <a:ext cx="1092994" cy="1478756"/>
-            </a:xfrm>
-            <a:prstGeom prst="rect">
-              <a:avLst/>
-            </a:prstGeom>
-            <a:solidFill>
-              <a:srgbClr val="FDEBC7"/>
-            </a:solidFill>
-            <a:ln>
-              <a:solidFill>
-                <a:srgbClr val="8DBA62"/>
-              </a:solidFill>
-            </a:ln>
-          </p:spPr>
-          <p:style>
-            <a:lnRef idx="2">
-              <a:schemeClr val="accent1">
-                <a:shade val="50000"/>
-              </a:schemeClr>
-            </a:lnRef>
-            <a:fillRef idx="1">
-              <a:schemeClr val="accent1"/>
-            </a:fillRef>
-            <a:effectRef idx="0">
-              <a:schemeClr val="accent1"/>
-            </a:effectRef>
-            <a:fontRef idx="minor">
-              <a:schemeClr val="lt1"/>
-            </a:fontRef>
-          </p:style>
-          <p:txBody>
-            <a:bodyPr rtlCol="0" anchor="ctr"/>
-            <a:lstStyle/>
-            <a:p>
-              <a:pPr algn="ctr"/>
-              <a:endParaRPr lang="pt-BR"/>
-            </a:p>
-          </p:txBody>
-        </p:sp>
-        <p:pic>
-          <p:nvPicPr>
-            <p:cNvPr id="1026" name="Picture 2" descr="Recycle trash icon. Ecology design. Vector graphic — Stock Vector ..."/>
-            <p:cNvPicPr>
-              <a:picLocks noChangeAspect="1" noChangeArrowheads="1"/>
-            </p:cNvPicPr>
-            <p:nvPr/>
-          </p:nvPicPr>
-          <p:blipFill>
-            <a:blip r:embed="rId2" cstate="print">
-              <a:extLst>
-                <a:ext uri="{28A0092B-C50C-407E-A947-70E740481C1C}">
-                  <a14:useLocalDpi xmlns:a14="http://schemas.microsoft.com/office/drawing/2010/main" val="0"/>
-                </a:ext>
-              </a:extLst>
-            </a:blip>
-            <a:srcRect/>
-            <a:stretch>
-              <a:fillRect/>
-            </a:stretch>
-          </p:blipFill>
-          <p:spPr bwMode="auto">
-            <a:xfrm>
-              <a:off x="1916801" y="1605140"/>
-              <a:ext cx="928897" cy="1167105"/>
-            </a:xfrm>
-            <a:prstGeom prst="rect">
-              <a:avLst/>
-            </a:prstGeom>
-            <a:noFill/>
-            <a:effectLst>
-              <a:glow rad="127000">
-                <a:schemeClr val="accent1">
-                  <a:alpha val="0"/>
-                </a:schemeClr>
-              </a:glow>
-            </a:effectLst>
-            <a:extLst>
-              <a:ext uri="{909E8E84-426E-40DD-AFC4-6F175D3DCCD1}">
-                <a14:hiddenFill xmlns:a14="http://schemas.microsoft.com/office/drawing/2010/main">
-                  <a:solidFill>
-                    <a:srgbClr val="FFFFFF"/>
-                  </a:solidFill>
-                </a14:hiddenFill>
-              </a:ext>
-            </a:extLst>
-          </p:spPr>
-        </p:pic>
-      </p:grpSp>
-      <p:grpSp>
-        <p:nvGrpSpPr>
-          <p:cNvPr id="11" name="Grupo 10"/>
-          <p:cNvGrpSpPr/>
-          <p:nvPr/>
-        </p:nvGrpSpPr>
-        <p:grpSpPr>
-          <a:xfrm>
-            <a:off x="2929317" y="1297965"/>
-            <a:ext cx="1133476" cy="1514757"/>
-            <a:chOff x="3386517" y="1393032"/>
-            <a:chExt cx="1133476" cy="1514757"/>
-          </a:xfrm>
-        </p:grpSpPr>
-        <p:grpSp>
-          <p:nvGrpSpPr>
-            <p:cNvPr id="13" name="Grupo 12"/>
-            <p:cNvGrpSpPr/>
-            <p:nvPr/>
-          </p:nvGrpSpPr>
-          <p:grpSpPr>
-            <a:xfrm>
-              <a:off x="3386517" y="1393032"/>
-              <a:ext cx="1133476" cy="1514757"/>
-              <a:chOff x="1814892" y="1431315"/>
-              <a:chExt cx="1133476" cy="1514757"/>
-            </a:xfrm>
-          </p:grpSpPr>
-          <p:sp>
-            <p:nvSpPr>
-              <p:cNvPr id="14" name="Retângulo 13"/>
-              <p:cNvSpPr/>
-              <p:nvPr/>
-            </p:nvSpPr>
-            <p:spPr>
-              <a:xfrm>
-                <a:off x="1814892" y="1431315"/>
-                <a:ext cx="1133476" cy="1514757"/>
-              </a:xfrm>
-              <a:prstGeom prst="rect">
-                <a:avLst/>
-              </a:prstGeom>
-              <a:solidFill>
-                <a:srgbClr val="8DBA62"/>
-              </a:solidFill>
-              <a:ln>
-                <a:solidFill>
-                  <a:srgbClr val="8DBA62"/>
-                </a:solidFill>
-              </a:ln>
-            </p:spPr>
-            <p:style>
-              <a:lnRef idx="2">
-                <a:schemeClr val="accent1">
-                  <a:shade val="50000"/>
-                </a:schemeClr>
-              </a:lnRef>
-              <a:fillRef idx="1">
-                <a:schemeClr val="accent1"/>
-              </a:fillRef>
-              <a:effectRef idx="0">
-                <a:schemeClr val="accent1"/>
-              </a:effectRef>
-              <a:fontRef idx="minor">
-                <a:schemeClr val="lt1"/>
-              </a:fontRef>
-            </p:style>
-            <p:txBody>
-              <a:bodyPr rtlCol="0" anchor="ctr"/>
-              <a:lstStyle/>
-              <a:p>
-                <a:pPr algn="ctr"/>
-                <a:endParaRPr lang="pt-BR"/>
-              </a:p>
-            </p:txBody>
-          </p:sp>
-          <p:sp>
-            <p:nvSpPr>
-              <p:cNvPr id="15" name="Retângulo 14"/>
-              <p:cNvSpPr/>
-              <p:nvPr/>
-            </p:nvSpPr>
-            <p:spPr>
-              <a:xfrm>
-                <a:off x="1835944" y="1450182"/>
-                <a:ext cx="1092994" cy="1478756"/>
-              </a:xfrm>
-              <a:prstGeom prst="rect">
-                <a:avLst/>
-              </a:prstGeom>
-              <a:solidFill>
-                <a:srgbClr val="FDEBC7"/>
-              </a:solidFill>
-              <a:ln>
-                <a:solidFill>
-                  <a:srgbClr val="8DBA62"/>
-                </a:solidFill>
-              </a:ln>
-            </p:spPr>
-            <p:style>
-              <a:lnRef idx="2">
-                <a:schemeClr val="accent1">
-                  <a:shade val="50000"/>
-                </a:schemeClr>
-              </a:lnRef>
-              <a:fillRef idx="1">
-                <a:schemeClr val="accent1"/>
-              </a:fillRef>
-              <a:effectRef idx="0">
-                <a:schemeClr val="accent1"/>
-              </a:effectRef>
-              <a:fontRef idx="minor">
-                <a:schemeClr val="lt1"/>
-              </a:fontRef>
-            </p:style>
-            <p:txBody>
-              <a:bodyPr rtlCol="0" anchor="ctr"/>
-              <a:lstStyle/>
-              <a:p>
-                <a:pPr algn="ctr"/>
-                <a:endParaRPr lang="pt-BR"/>
-              </a:p>
-            </p:txBody>
-          </p:sp>
-        </p:grpSp>
-        <p:pic>
-          <p:nvPicPr>
-            <p:cNvPr id="1030" name="Picture 6" descr="Handprint Recycle. Vector Illustration Royalty Free Cliparts ..."/>
-            <p:cNvPicPr>
-              <a:picLocks noChangeAspect="1" noChangeArrowheads="1"/>
-            </p:cNvPicPr>
-            <p:nvPr/>
-          </p:nvPicPr>
-          <p:blipFill>
-            <a:blip r:embed="rId3" cstate="print">
-              <a:extLst>
-                <a:ext uri="{28A0092B-C50C-407E-A947-70E740481C1C}">
-                  <a14:useLocalDpi xmlns:a14="http://schemas.microsoft.com/office/drawing/2010/main" val="0"/>
-                </a:ext>
-              </a:extLst>
-            </a:blip>
-            <a:srcRect/>
-            <a:stretch>
-              <a:fillRect/>
-            </a:stretch>
-          </p:blipFill>
-          <p:spPr bwMode="auto">
-            <a:xfrm>
-              <a:off x="3528060" y="1665649"/>
-              <a:ext cx="843767" cy="897625"/>
-            </a:xfrm>
-            <a:prstGeom prst="rect">
-              <a:avLst/>
-            </a:prstGeom>
-            <a:noFill/>
-            <a:extLst>
-              <a:ext uri="{909E8E84-426E-40DD-AFC4-6F175D3DCCD1}">
-                <a14:hiddenFill xmlns:a14="http://schemas.microsoft.com/office/drawing/2010/main">
-                  <a:solidFill>
-                    <a:srgbClr val="FFFFFF"/>
-                  </a:solidFill>
-                </a14:hiddenFill>
-              </a:ext>
-            </a:extLst>
-          </p:spPr>
-        </p:pic>
-      </p:grpSp>
-      <p:grpSp>
-        <p:nvGrpSpPr>
-          <p:cNvPr id="12" name="Grupo 11"/>
-          <p:cNvGrpSpPr/>
-          <p:nvPr/>
-        </p:nvGrpSpPr>
-        <p:grpSpPr>
-          <a:xfrm>
-            <a:off x="4592783" y="1297965"/>
-            <a:ext cx="1162476" cy="1514757"/>
-            <a:chOff x="4592783" y="1297965"/>
-            <a:chExt cx="1162476" cy="1514757"/>
-          </a:xfrm>
-        </p:grpSpPr>
-        <p:grpSp>
-          <p:nvGrpSpPr>
-            <p:cNvPr id="21" name="Grupo 20"/>
-            <p:cNvGrpSpPr/>
-            <p:nvPr/>
-          </p:nvGrpSpPr>
-          <p:grpSpPr>
-            <a:xfrm>
-              <a:off x="4592783" y="1297965"/>
-              <a:ext cx="1133476" cy="1514757"/>
-              <a:chOff x="1814892" y="1431315"/>
-              <a:chExt cx="1133476" cy="1514757"/>
-            </a:xfrm>
-          </p:grpSpPr>
-          <p:sp>
-            <p:nvSpPr>
-              <p:cNvPr id="23" name="Retângulo 22"/>
-              <p:cNvSpPr/>
-              <p:nvPr/>
-            </p:nvSpPr>
-            <p:spPr>
-              <a:xfrm>
-                <a:off x="1814892" y="1431315"/>
-                <a:ext cx="1133476" cy="1514757"/>
-              </a:xfrm>
-              <a:prstGeom prst="rect">
-                <a:avLst/>
-              </a:prstGeom>
-              <a:solidFill>
-                <a:srgbClr val="8DBA62"/>
-              </a:solidFill>
-              <a:ln>
-                <a:solidFill>
-                  <a:srgbClr val="8DBA62"/>
-                </a:solidFill>
-              </a:ln>
-            </p:spPr>
-            <p:style>
-              <a:lnRef idx="2">
-                <a:schemeClr val="accent1">
-                  <a:shade val="50000"/>
-                </a:schemeClr>
-              </a:lnRef>
-              <a:fillRef idx="1">
-                <a:schemeClr val="accent1"/>
-              </a:fillRef>
-              <a:effectRef idx="0">
-                <a:schemeClr val="accent1"/>
-              </a:effectRef>
-              <a:fontRef idx="minor">
-                <a:schemeClr val="lt1"/>
-              </a:fontRef>
-            </p:style>
-            <p:txBody>
-              <a:bodyPr rtlCol="0" anchor="ctr"/>
-              <a:lstStyle/>
-              <a:p>
-                <a:pPr algn="ctr"/>
-                <a:endParaRPr lang="pt-BR"/>
-              </a:p>
-            </p:txBody>
-          </p:sp>
-          <p:sp>
-            <p:nvSpPr>
-              <p:cNvPr id="24" name="Retângulo 23"/>
-              <p:cNvSpPr/>
-              <p:nvPr/>
-            </p:nvSpPr>
-            <p:spPr>
-              <a:xfrm>
-                <a:off x="1835944" y="1450182"/>
-                <a:ext cx="1092994" cy="1478756"/>
-              </a:xfrm>
-              <a:prstGeom prst="rect">
-                <a:avLst/>
-              </a:prstGeom>
-              <a:solidFill>
-                <a:srgbClr val="FDEBC7"/>
-              </a:solidFill>
-              <a:ln>
-                <a:solidFill>
-                  <a:srgbClr val="8DBA62"/>
-                </a:solidFill>
-              </a:ln>
-            </p:spPr>
-            <p:style>
-              <a:lnRef idx="2">
-                <a:schemeClr val="accent1">
-                  <a:shade val="50000"/>
-                </a:schemeClr>
-              </a:lnRef>
-              <a:fillRef idx="1">
-                <a:schemeClr val="accent1"/>
-              </a:fillRef>
-              <a:effectRef idx="0">
-                <a:schemeClr val="accent1"/>
-              </a:effectRef>
-              <a:fontRef idx="minor">
-                <a:schemeClr val="lt1"/>
-              </a:fontRef>
-            </p:style>
-            <p:txBody>
-              <a:bodyPr rtlCol="0" anchor="ctr"/>
-              <a:lstStyle/>
-              <a:p>
-                <a:pPr algn="ctr"/>
-                <a:endParaRPr lang="pt-BR"/>
-              </a:p>
-            </p:txBody>
-          </p:sp>
-        </p:grpSp>
-        <p:pic>
-          <p:nvPicPr>
-            <p:cNvPr id="1032" name="Picture 8" descr="Recycling and Green World-Illustration vector art illustration ..."/>
-            <p:cNvPicPr>
-              <a:picLocks noChangeAspect="1" noChangeArrowheads="1"/>
-            </p:cNvPicPr>
-            <p:nvPr/>
-          </p:nvPicPr>
-          <p:blipFill>
-            <a:blip r:embed="rId4" cstate="print">
-              <a:extLst>
-                <a:ext uri="{28A0092B-C50C-407E-A947-70E740481C1C}">
-                  <a14:useLocalDpi xmlns:a14="http://schemas.microsoft.com/office/drawing/2010/main" val="0"/>
-                </a:ext>
-              </a:extLst>
-            </a:blip>
-            <a:srcRect/>
-            <a:stretch>
-              <a:fillRect/>
-            </a:stretch>
-          </p:blipFill>
-          <p:spPr bwMode="auto">
-            <a:xfrm>
-              <a:off x="4613835" y="1463629"/>
-              <a:ext cx="1141424" cy="1111529"/>
-            </a:xfrm>
-            <a:prstGeom prst="rect">
-              <a:avLst/>
-            </a:prstGeom>
-            <a:noFill/>
-          </p:spPr>
-        </p:pic>
-      </p:grpSp>
-      <p:grpSp>
-        <p:nvGrpSpPr>
-          <p:cNvPr id="17" name="Grupo 16"/>
-          <p:cNvGrpSpPr/>
-          <p:nvPr/>
-        </p:nvGrpSpPr>
-        <p:grpSpPr>
-          <a:xfrm>
-            <a:off x="6128887" y="1316832"/>
-            <a:ext cx="1133476" cy="1514757"/>
-            <a:chOff x="2750687" y="3795665"/>
-            <a:chExt cx="1133476" cy="1514757"/>
-          </a:xfrm>
-        </p:grpSpPr>
-        <p:grpSp>
-          <p:nvGrpSpPr>
-            <p:cNvPr id="28" name="Grupo 27"/>
-            <p:cNvGrpSpPr/>
-            <p:nvPr/>
-          </p:nvGrpSpPr>
-          <p:grpSpPr>
-            <a:xfrm>
-              <a:off x="2750687" y="3795665"/>
-              <a:ext cx="1133476" cy="1514757"/>
-              <a:chOff x="1814892" y="1431315"/>
-              <a:chExt cx="1133476" cy="1514757"/>
-            </a:xfrm>
-          </p:grpSpPr>
-          <p:sp>
-            <p:nvSpPr>
-              <p:cNvPr id="30" name="Retângulo 29"/>
-              <p:cNvSpPr/>
-              <p:nvPr/>
-            </p:nvSpPr>
-            <p:spPr>
-              <a:xfrm>
-                <a:off x="1814892" y="1431315"/>
-                <a:ext cx="1133476" cy="1514757"/>
-              </a:xfrm>
-              <a:prstGeom prst="rect">
-                <a:avLst/>
-              </a:prstGeom>
-              <a:solidFill>
-                <a:srgbClr val="8DBA62"/>
-              </a:solidFill>
-              <a:ln>
-                <a:solidFill>
-                  <a:srgbClr val="8DBA62"/>
-                </a:solidFill>
-              </a:ln>
-            </p:spPr>
-            <p:style>
-              <a:lnRef idx="2">
-                <a:schemeClr val="accent1">
-                  <a:shade val="50000"/>
-                </a:schemeClr>
-              </a:lnRef>
-              <a:fillRef idx="1">
-                <a:schemeClr val="accent1"/>
-              </a:fillRef>
-              <a:effectRef idx="0">
-                <a:schemeClr val="accent1"/>
-              </a:effectRef>
-              <a:fontRef idx="minor">
-                <a:schemeClr val="lt1"/>
-              </a:fontRef>
-            </p:style>
-            <p:txBody>
-              <a:bodyPr rtlCol="0" anchor="ctr"/>
-              <a:lstStyle/>
-              <a:p>
-                <a:pPr algn="ctr"/>
-                <a:endParaRPr lang="pt-BR"/>
-              </a:p>
-            </p:txBody>
-          </p:sp>
-          <p:sp>
-            <p:nvSpPr>
-              <p:cNvPr id="31" name="Retângulo 30"/>
-              <p:cNvSpPr/>
-              <p:nvPr/>
-            </p:nvSpPr>
-            <p:spPr>
-              <a:xfrm>
-                <a:off x="1835944" y="1450182"/>
-                <a:ext cx="1092994" cy="1478756"/>
-              </a:xfrm>
-              <a:prstGeom prst="rect">
-                <a:avLst/>
-              </a:prstGeom>
-              <a:solidFill>
-                <a:srgbClr val="FDEBC7"/>
-              </a:solidFill>
-              <a:ln>
-                <a:solidFill>
-                  <a:srgbClr val="8DBA62"/>
-                </a:solidFill>
-              </a:ln>
-            </p:spPr>
-            <p:style>
-              <a:lnRef idx="2">
-                <a:schemeClr val="accent1">
-                  <a:shade val="50000"/>
-                </a:schemeClr>
-              </a:lnRef>
-              <a:fillRef idx="1">
-                <a:schemeClr val="accent1"/>
-              </a:fillRef>
-              <a:effectRef idx="0">
-                <a:schemeClr val="accent1"/>
-              </a:effectRef>
-              <a:fontRef idx="minor">
-                <a:schemeClr val="lt1"/>
-              </a:fontRef>
-            </p:style>
-            <p:txBody>
-              <a:bodyPr rtlCol="0" anchor="ctr"/>
-              <a:lstStyle/>
-              <a:p>
-                <a:pPr algn="ctr"/>
-                <a:endParaRPr lang="pt-BR"/>
-              </a:p>
-            </p:txBody>
-          </p:sp>
-        </p:grpSp>
-        <p:pic>
-          <p:nvPicPr>
-            <p:cNvPr id="1034" name="Picture 10" descr="EarthCare - City of Thunder Bay"/>
-            <p:cNvPicPr>
-              <a:picLocks noChangeAspect="1" noChangeArrowheads="1"/>
-            </p:cNvPicPr>
-            <p:nvPr/>
-          </p:nvPicPr>
-          <p:blipFill>
-            <a:blip r:embed="rId5" cstate="print">
-              <a:extLst>
-                <a:ext uri="{28A0092B-C50C-407E-A947-70E740481C1C}">
-                  <a14:useLocalDpi xmlns:a14="http://schemas.microsoft.com/office/drawing/2010/main" val="0"/>
-                </a:ext>
-              </a:extLst>
-            </a:blip>
-            <a:srcRect/>
-            <a:stretch>
-              <a:fillRect/>
-            </a:stretch>
-          </p:blipFill>
-          <p:spPr bwMode="auto">
-            <a:xfrm>
-              <a:off x="2981960" y="4086459"/>
-              <a:ext cx="660818" cy="930041"/>
-            </a:xfrm>
-            <a:prstGeom prst="rect">
-              <a:avLst/>
-            </a:prstGeom>
-            <a:noFill/>
-            <a:extLst>
-              <a:ext uri="{909E8E84-426E-40DD-AFC4-6F175D3DCCD1}">
-                <a14:hiddenFill xmlns:a14="http://schemas.microsoft.com/office/drawing/2010/main">
-                  <a:solidFill>
-                    <a:srgbClr val="FFFFFF"/>
-                  </a:solidFill>
-                </a14:hiddenFill>
-              </a:ext>
-            </a:extLst>
-          </p:spPr>
-        </p:pic>
-      </p:grpSp>
-      <p:grpSp>
-        <p:nvGrpSpPr>
-          <p:cNvPr id="18" name="Grupo 17"/>
-          <p:cNvGrpSpPr/>
-          <p:nvPr/>
-        </p:nvGrpSpPr>
-        <p:grpSpPr>
-          <a:xfrm>
-            <a:off x="7594266" y="1335699"/>
-            <a:ext cx="1133476" cy="1514757"/>
-            <a:chOff x="7678287" y="3642567"/>
-            <a:chExt cx="1133476" cy="1514757"/>
-          </a:xfrm>
-        </p:grpSpPr>
-        <p:grpSp>
-          <p:nvGrpSpPr>
-            <p:cNvPr id="36" name="Grupo 35"/>
-            <p:cNvGrpSpPr/>
-            <p:nvPr/>
-          </p:nvGrpSpPr>
-          <p:grpSpPr>
-            <a:xfrm>
-              <a:off x="7678287" y="3642567"/>
-              <a:ext cx="1133476" cy="1514757"/>
-              <a:chOff x="1814892" y="1431315"/>
-              <a:chExt cx="1133476" cy="1514757"/>
-            </a:xfrm>
-          </p:grpSpPr>
-          <p:sp>
-            <p:nvSpPr>
-              <p:cNvPr id="38" name="Retângulo 37"/>
-              <p:cNvSpPr/>
-              <p:nvPr/>
-            </p:nvSpPr>
-            <p:spPr>
-              <a:xfrm>
-                <a:off x="1814892" y="1431315"/>
-                <a:ext cx="1133476" cy="1514757"/>
-              </a:xfrm>
-              <a:prstGeom prst="rect">
-                <a:avLst/>
-              </a:prstGeom>
-              <a:solidFill>
-                <a:srgbClr val="8DBA62"/>
-              </a:solidFill>
-              <a:ln>
-                <a:solidFill>
-                  <a:srgbClr val="8DBA62"/>
-                </a:solidFill>
-              </a:ln>
-            </p:spPr>
-            <p:style>
-              <a:lnRef idx="2">
-                <a:schemeClr val="accent1">
-                  <a:shade val="50000"/>
-                </a:schemeClr>
-              </a:lnRef>
-              <a:fillRef idx="1">
-                <a:schemeClr val="accent1"/>
-              </a:fillRef>
-              <a:effectRef idx="0">
-                <a:schemeClr val="accent1"/>
-              </a:effectRef>
-              <a:fontRef idx="minor">
-                <a:schemeClr val="lt1"/>
-              </a:fontRef>
-            </p:style>
-            <p:txBody>
-              <a:bodyPr rtlCol="0" anchor="ctr"/>
-              <a:lstStyle/>
-              <a:p>
-                <a:pPr algn="ctr"/>
-                <a:endParaRPr lang="pt-BR"/>
-              </a:p>
-            </p:txBody>
-          </p:sp>
-          <p:sp>
-            <p:nvSpPr>
-              <p:cNvPr id="39" name="Retângulo 38"/>
-              <p:cNvSpPr/>
-              <p:nvPr/>
-            </p:nvSpPr>
-            <p:spPr>
-              <a:xfrm>
-                <a:off x="1835944" y="1450182"/>
-                <a:ext cx="1092994" cy="1478756"/>
-              </a:xfrm>
-              <a:prstGeom prst="rect">
-                <a:avLst/>
-              </a:prstGeom>
-              <a:solidFill>
-                <a:srgbClr val="FDEBC7"/>
-              </a:solidFill>
-              <a:ln>
-                <a:solidFill>
-                  <a:srgbClr val="8DBA62"/>
-                </a:solidFill>
-              </a:ln>
-            </p:spPr>
-            <p:style>
-              <a:lnRef idx="2">
-                <a:schemeClr val="accent1">
-                  <a:shade val="50000"/>
-                </a:schemeClr>
-              </a:lnRef>
-              <a:fillRef idx="1">
-                <a:schemeClr val="accent1"/>
-              </a:fillRef>
-              <a:effectRef idx="0">
-                <a:schemeClr val="accent1"/>
-              </a:effectRef>
-              <a:fontRef idx="minor">
-                <a:schemeClr val="lt1"/>
-              </a:fontRef>
-            </p:style>
-            <p:txBody>
-              <a:bodyPr rtlCol="0" anchor="ctr"/>
-              <a:lstStyle/>
-              <a:p>
-                <a:pPr algn="ctr"/>
-                <a:endParaRPr lang="pt-BR"/>
-              </a:p>
-            </p:txBody>
-          </p:sp>
-        </p:grpSp>
-        <p:pic>
-          <p:nvPicPr>
-            <p:cNvPr id="1038" name="Picture 14" descr="Safety Lessons from Earth Day—when NOT to recycle | Sustainable ..."/>
-            <p:cNvPicPr>
-              <a:picLocks noChangeAspect="1" noChangeArrowheads="1"/>
-            </p:cNvPicPr>
-            <p:nvPr/>
-          </p:nvPicPr>
-          <p:blipFill>
-            <a:blip r:embed="rId6" cstate="print">
-              <a:extLst>
-                <a:ext uri="{BEBA8EAE-BF5A-486C-A8C5-ECC9F3942E4B}">
-                  <a14:imgProps xmlns:a14="http://schemas.microsoft.com/office/drawing/2010/main">
-                    <a14:imgLayer r:embed="rId7">
-                      <a14:imgEffect>
-                        <a14:backgroundRemoval t="0" b="100000" l="0" r="100000">
-                          <a14:foregroundMark x1="16301" y1="11170" x2="17555" y2="10106"/>
-                          <a14:foregroundMark x1="80564" y1="12234" x2="80564" y2="11968"/>
-                          <a14:foregroundMark x1="78683" y1="12234" x2="79624" y2="12234"/>
-                          <a14:foregroundMark x1="77743" y1="78191" x2="77743" y2="78191"/>
-                          <a14:foregroundMark x1="12226" y1="74202" x2="12226" y2="74202"/>
-                          <a14:foregroundMark x1="9404" y1="77128" x2="9404" y2="77128"/>
-                        </a14:backgroundRemoval>
-                      </a14:imgEffect>
-                    </a14:imgLayer>
-                  </a14:imgProps>
-                </a:ext>
-                <a:ext uri="{28A0092B-C50C-407E-A947-70E740481C1C}">
-                  <a14:useLocalDpi xmlns:a14="http://schemas.microsoft.com/office/drawing/2010/main" val="0"/>
-                </a:ext>
-              </a:extLst>
-            </a:blip>
-            <a:srcRect/>
-            <a:stretch>
-              <a:fillRect/>
-            </a:stretch>
-          </p:blipFill>
-          <p:spPr bwMode="auto">
-            <a:xfrm>
-              <a:off x="7699339" y="3749470"/>
-              <a:ext cx="1103730" cy="1300949"/>
-            </a:xfrm>
-            <a:prstGeom prst="rect">
-              <a:avLst/>
-            </a:prstGeom>
-            <a:noFill/>
-            <a:extLst>
-              <a:ext uri="{909E8E84-426E-40DD-AFC4-6F175D3DCCD1}">
-                <a14:hiddenFill xmlns:a14="http://schemas.microsoft.com/office/drawing/2010/main">
-                  <a:solidFill>
-                    <a:srgbClr val="FFFFFF"/>
-                  </a:solidFill>
-                </a14:hiddenFill>
-              </a:ext>
-            </a:extLst>
-          </p:spPr>
-        </p:pic>
-      </p:grpSp>
-    </p:spTree>
-    <p:extLst>
-      <p:ext uri="{BB962C8B-B14F-4D97-AF65-F5344CB8AC3E}">
-        <p14:creationId xmlns:p14="http://schemas.microsoft.com/office/powerpoint/2010/main" val="1462357319"/>
-      </p:ext>
-    </p:extLst>
-  </p:cSld>
-  <p:clrMapOvr>
-    <a:masterClrMapping/>
-  </p:clrMapOvr>
-</p:sld>
-</file>
-
-<file path=ppt/slides/slide21.xml><?xml version="1.0" encoding="utf-8"?>
-<p:sld xmlns:a="http://schemas.openxmlformats.org/drawingml/2006/main" xmlns:r="http://schemas.openxmlformats.org/officeDocument/2006/relationships" xmlns:p="http://schemas.openxmlformats.org/presentationml/2006/main">
-  <p:cSld>
-    <p:spTree>
-      <p:nvGrpSpPr>
-        <p:cNvPr id="1" name=""/>
-        <p:cNvGrpSpPr/>
-        <p:nvPr/>
-      </p:nvGrpSpPr>
-      <p:grpSpPr>
-        <a:xfrm>
-          <a:off x="0" y="0"/>
-          <a:ext cx="0" cy="0"/>
-          <a:chOff x="0" y="0"/>
-          <a:chExt cx="0" cy="0"/>
-        </a:xfrm>
-      </p:grpSpPr>
       <p:sp>
         <p:nvSpPr>
           <p:cNvPr id="2" name="Título 1"/>
@@ -13091,35 +11879,35 @@
                 <a:gridCol w="631698">
                   <a:extLst>
                     <a:ext uri="{9D8B030D-6E8A-4147-A177-3AD203B41FA5}">
-                      <a16:colId xmlns:a16="http://schemas.microsoft.com/office/drawing/2014/main" val="20000"/>
+                      <a16:colId xmlns:a16="http://schemas.microsoft.com/office/drawing/2014/main" xmlns="" val="20000"/>
                     </a:ext>
                   </a:extLst>
                 </a:gridCol>
                 <a:gridCol w="1808247">
                   <a:extLst>
                     <a:ext uri="{9D8B030D-6E8A-4147-A177-3AD203B41FA5}">
-                      <a16:colId xmlns:a16="http://schemas.microsoft.com/office/drawing/2014/main" val="20001"/>
+                      <a16:colId xmlns:a16="http://schemas.microsoft.com/office/drawing/2014/main" xmlns="" val="20001"/>
                     </a:ext>
                   </a:extLst>
                 </a:gridCol>
                 <a:gridCol w="1932953">
                   <a:extLst>
                     <a:ext uri="{9D8B030D-6E8A-4147-A177-3AD203B41FA5}">
-                      <a16:colId xmlns:a16="http://schemas.microsoft.com/office/drawing/2014/main" val="20002"/>
+                      <a16:colId xmlns:a16="http://schemas.microsoft.com/office/drawing/2014/main" xmlns="" val="20002"/>
                     </a:ext>
                   </a:extLst>
                 </a:gridCol>
                 <a:gridCol w="2900170">
                   <a:extLst>
                     <a:ext uri="{9D8B030D-6E8A-4147-A177-3AD203B41FA5}">
-                      <a16:colId xmlns:a16="http://schemas.microsoft.com/office/drawing/2014/main" val="20003"/>
+                      <a16:colId xmlns:a16="http://schemas.microsoft.com/office/drawing/2014/main" xmlns="" val="20003"/>
                     </a:ext>
                   </a:extLst>
                 </a:gridCol>
                 <a:gridCol w="2900170">
                   <a:extLst>
                     <a:ext uri="{9D8B030D-6E8A-4147-A177-3AD203B41FA5}">
-                      <a16:colId xmlns:a16="http://schemas.microsoft.com/office/drawing/2014/main" val="20004"/>
+                      <a16:colId xmlns:a16="http://schemas.microsoft.com/office/drawing/2014/main" xmlns="" val="20004"/>
                     </a:ext>
                   </a:extLst>
                 </a:gridCol>
@@ -13189,7 +11977,7 @@
                 </a:tc>
                 <a:extLst>
                   <a:ext uri="{0D108BD9-81ED-4DB2-BD59-A6C34878D82A}">
-                    <a16:rowId xmlns:a16="http://schemas.microsoft.com/office/drawing/2014/main" val="10000"/>
+                    <a16:rowId xmlns:a16="http://schemas.microsoft.com/office/drawing/2014/main" xmlns="" val="10000"/>
                   </a:ext>
                 </a:extLst>
               </a:tr>
@@ -13255,7 +12043,7 @@
                 </a:tc>
                 <a:extLst>
                   <a:ext uri="{0D108BD9-81ED-4DB2-BD59-A6C34878D82A}">
-                    <a16:rowId xmlns:a16="http://schemas.microsoft.com/office/drawing/2014/main" val="10001"/>
+                    <a16:rowId xmlns:a16="http://schemas.microsoft.com/office/drawing/2014/main" xmlns="" val="10001"/>
                   </a:ext>
                 </a:extLst>
               </a:tr>
@@ -13321,7 +12109,7 @@
                 </a:tc>
                 <a:extLst>
                   <a:ext uri="{0D108BD9-81ED-4DB2-BD59-A6C34878D82A}">
-                    <a16:rowId xmlns:a16="http://schemas.microsoft.com/office/drawing/2014/main" val="10003"/>
+                    <a16:rowId xmlns:a16="http://schemas.microsoft.com/office/drawing/2014/main" xmlns="" val="10003"/>
                   </a:ext>
                 </a:extLst>
               </a:tr>
@@ -13406,7 +12194,7 @@
 </p:sld>
 </file>
 
-<file path=ppt/slides/slide22.xml><?xml version="1.0" encoding="utf-8"?>
+<file path=ppt/slides/slide21.xml><?xml version="1.0" encoding="utf-8"?>
 <p:sld xmlns:a="http://schemas.openxmlformats.org/drawingml/2006/main" xmlns:r="http://schemas.openxmlformats.org/officeDocument/2006/relationships" xmlns:p="http://schemas.openxmlformats.org/presentationml/2006/main">
   <p:cSld>
     <p:spTree>
@@ -14204,7 +12992,7 @@
 </p:sld>
 </file>
 
-<file path=ppt/slides/slide23.xml><?xml version="1.0" encoding="utf-8"?>
+<file path=ppt/slides/slide22.xml><?xml version="1.0" encoding="utf-8"?>
 <p:sld xmlns:a="http://schemas.openxmlformats.org/drawingml/2006/main" xmlns:r="http://schemas.openxmlformats.org/officeDocument/2006/relationships" xmlns:p="http://schemas.openxmlformats.org/presentationml/2006/main">
   <p:cSld>
     <p:spTree>
@@ -14282,35 +13070,35 @@
                 <a:gridCol w="631698">
                   <a:extLst>
                     <a:ext uri="{9D8B030D-6E8A-4147-A177-3AD203B41FA5}">
-                      <a16:colId xmlns:a16="http://schemas.microsoft.com/office/drawing/2014/main" val="20000"/>
+                      <a16:colId xmlns:a16="http://schemas.microsoft.com/office/drawing/2014/main" xmlns="" val="20000"/>
                     </a:ext>
                   </a:extLst>
                 </a:gridCol>
                 <a:gridCol w="1808247">
                   <a:extLst>
                     <a:ext uri="{9D8B030D-6E8A-4147-A177-3AD203B41FA5}">
-                      <a16:colId xmlns:a16="http://schemas.microsoft.com/office/drawing/2014/main" val="20001"/>
+                      <a16:colId xmlns:a16="http://schemas.microsoft.com/office/drawing/2014/main" xmlns="" val="20001"/>
                     </a:ext>
                   </a:extLst>
                 </a:gridCol>
                 <a:gridCol w="1932953">
                   <a:extLst>
                     <a:ext uri="{9D8B030D-6E8A-4147-A177-3AD203B41FA5}">
-                      <a16:colId xmlns:a16="http://schemas.microsoft.com/office/drawing/2014/main" val="20002"/>
+                      <a16:colId xmlns:a16="http://schemas.microsoft.com/office/drawing/2014/main" xmlns="" val="20002"/>
                     </a:ext>
                   </a:extLst>
                 </a:gridCol>
                 <a:gridCol w="2900170">
                   <a:extLst>
                     <a:ext uri="{9D8B030D-6E8A-4147-A177-3AD203B41FA5}">
-                      <a16:colId xmlns:a16="http://schemas.microsoft.com/office/drawing/2014/main" val="20003"/>
+                      <a16:colId xmlns:a16="http://schemas.microsoft.com/office/drawing/2014/main" xmlns="" val="20003"/>
                     </a:ext>
                   </a:extLst>
                 </a:gridCol>
                 <a:gridCol w="2900170">
                   <a:extLst>
                     <a:ext uri="{9D8B030D-6E8A-4147-A177-3AD203B41FA5}">
-                      <a16:colId xmlns:a16="http://schemas.microsoft.com/office/drawing/2014/main" val="20004"/>
+                      <a16:colId xmlns:a16="http://schemas.microsoft.com/office/drawing/2014/main" xmlns="" val="20004"/>
                     </a:ext>
                   </a:extLst>
                 </a:gridCol>
@@ -14380,7 +13168,7 @@
                 </a:tc>
                 <a:extLst>
                   <a:ext uri="{0D108BD9-81ED-4DB2-BD59-A6C34878D82A}">
-                    <a16:rowId xmlns:a16="http://schemas.microsoft.com/office/drawing/2014/main" val="10000"/>
+                    <a16:rowId xmlns:a16="http://schemas.microsoft.com/office/drawing/2014/main" xmlns="" val="10000"/>
                   </a:ext>
                 </a:extLst>
               </a:tr>
@@ -14446,7 +13234,7 @@
                 </a:tc>
                 <a:extLst>
                   <a:ext uri="{0D108BD9-81ED-4DB2-BD59-A6C34878D82A}">
-                    <a16:rowId xmlns:a16="http://schemas.microsoft.com/office/drawing/2014/main" val="10001"/>
+                    <a16:rowId xmlns:a16="http://schemas.microsoft.com/office/drawing/2014/main" xmlns="" val="10001"/>
                   </a:ext>
                 </a:extLst>
               </a:tr>
@@ -14512,7 +13300,7 @@
                 </a:tc>
                 <a:extLst>
                   <a:ext uri="{0D108BD9-81ED-4DB2-BD59-A6C34878D82A}">
-                    <a16:rowId xmlns:a16="http://schemas.microsoft.com/office/drawing/2014/main" val="10003"/>
+                    <a16:rowId xmlns:a16="http://schemas.microsoft.com/office/drawing/2014/main" xmlns="" val="10003"/>
                   </a:ext>
                 </a:extLst>
               </a:tr>
@@ -14597,7 +13385,7 @@
 </p:sld>
 </file>
 
-<file path=ppt/slides/slide24.xml><?xml version="1.0" encoding="utf-8"?>
+<file path=ppt/slides/slide23.xml><?xml version="1.0" encoding="utf-8"?>
 <p:sld xmlns:a="http://schemas.openxmlformats.org/drawingml/2006/main" xmlns:r="http://schemas.openxmlformats.org/officeDocument/2006/relationships" xmlns:p="http://schemas.openxmlformats.org/presentationml/2006/main">
   <p:cSld>
     <p:spTree>
@@ -16155,7 +14943,7 @@
 </p:sld>
 </file>
 
-<file path=ppt/slides/slide25.xml><?xml version="1.0" encoding="utf-8"?>
+<file path=ppt/slides/slide24.xml><?xml version="1.0" encoding="utf-8"?>
 <p:sld xmlns:a="http://schemas.openxmlformats.org/drawingml/2006/main" xmlns:r="http://schemas.openxmlformats.org/officeDocument/2006/relationships" xmlns:p="http://schemas.openxmlformats.org/presentationml/2006/main">
   <p:cSld>
     <p:spTree>
@@ -16225,35 +15013,35 @@
                 <a:gridCol w="586838">
                   <a:extLst>
                     <a:ext uri="{9D8B030D-6E8A-4147-A177-3AD203B41FA5}">
-                      <a16:colId xmlns:a16="http://schemas.microsoft.com/office/drawing/2014/main" val="20000"/>
+                      <a16:colId xmlns:a16="http://schemas.microsoft.com/office/drawing/2014/main" xmlns="" val="20000"/>
                     </a:ext>
                   </a:extLst>
                 </a:gridCol>
                 <a:gridCol w="1679832">
                   <a:extLst>
                     <a:ext uri="{9D8B030D-6E8A-4147-A177-3AD203B41FA5}">
-                      <a16:colId xmlns:a16="http://schemas.microsoft.com/office/drawing/2014/main" val="20001"/>
+                      <a16:colId xmlns:a16="http://schemas.microsoft.com/office/drawing/2014/main" xmlns="" val="20001"/>
                     </a:ext>
                   </a:extLst>
                 </a:gridCol>
                 <a:gridCol w="2090660">
                   <a:extLst>
                     <a:ext uri="{9D8B030D-6E8A-4147-A177-3AD203B41FA5}">
-                      <a16:colId xmlns:a16="http://schemas.microsoft.com/office/drawing/2014/main" val="20002"/>
+                      <a16:colId xmlns:a16="http://schemas.microsoft.com/office/drawing/2014/main" xmlns="" val="20002"/>
                     </a:ext>
                   </a:extLst>
                 </a:gridCol>
                 <a:gridCol w="2209822">
                   <a:extLst>
                     <a:ext uri="{9D8B030D-6E8A-4147-A177-3AD203B41FA5}">
-                      <a16:colId xmlns:a16="http://schemas.microsoft.com/office/drawing/2014/main" val="20003"/>
+                      <a16:colId xmlns:a16="http://schemas.microsoft.com/office/drawing/2014/main" xmlns="" val="20003"/>
                     </a:ext>
                   </a:extLst>
                 </a:gridCol>
                 <a:gridCol w="2588654">
                   <a:extLst>
                     <a:ext uri="{9D8B030D-6E8A-4147-A177-3AD203B41FA5}">
-                      <a16:colId xmlns:a16="http://schemas.microsoft.com/office/drawing/2014/main" val="20004"/>
+                      <a16:colId xmlns:a16="http://schemas.microsoft.com/office/drawing/2014/main" xmlns="" val="20004"/>
                     </a:ext>
                   </a:extLst>
                 </a:gridCol>
@@ -16323,7 +15111,7 @@
                 </a:tc>
                 <a:extLst>
                   <a:ext uri="{0D108BD9-81ED-4DB2-BD59-A6C34878D82A}">
-                    <a16:rowId xmlns:a16="http://schemas.microsoft.com/office/drawing/2014/main" val="10000"/>
+                    <a16:rowId xmlns:a16="http://schemas.microsoft.com/office/drawing/2014/main" xmlns="" val="10000"/>
                   </a:ext>
                 </a:extLst>
               </a:tr>
@@ -16392,7 +15180,7 @@
                 </a:tc>
                 <a:extLst>
                   <a:ext uri="{0D108BD9-81ED-4DB2-BD59-A6C34878D82A}">
-                    <a16:rowId xmlns:a16="http://schemas.microsoft.com/office/drawing/2014/main" val="10001"/>
+                    <a16:rowId xmlns:a16="http://schemas.microsoft.com/office/drawing/2014/main" xmlns="" val="10001"/>
                   </a:ext>
                 </a:extLst>
               </a:tr>
@@ -16481,7 +15269,7 @@
                 </a:tc>
                 <a:extLst>
                   <a:ext uri="{0D108BD9-81ED-4DB2-BD59-A6C34878D82A}">
-                    <a16:rowId xmlns:a16="http://schemas.microsoft.com/office/drawing/2014/main" val="10002"/>
+                    <a16:rowId xmlns:a16="http://schemas.microsoft.com/office/drawing/2014/main" xmlns="" val="10002"/>
                   </a:ext>
                 </a:extLst>
               </a:tr>
@@ -16570,7 +15358,7 @@
                 </a:tc>
                 <a:extLst>
                   <a:ext uri="{0D108BD9-81ED-4DB2-BD59-A6C34878D82A}">
-                    <a16:rowId xmlns:a16="http://schemas.microsoft.com/office/drawing/2014/main" val="10003"/>
+                    <a16:rowId xmlns:a16="http://schemas.microsoft.com/office/drawing/2014/main" xmlns="" val="10003"/>
                   </a:ext>
                 </a:extLst>
               </a:tr>
@@ -16591,7 +15379,7 @@
 </p:sld>
 </file>
 
-<file path=ppt/slides/slide26.xml><?xml version="1.0" encoding="utf-8"?>
+<file path=ppt/slides/slide25.xml><?xml version="1.0" encoding="utf-8"?>
 <p:sld xmlns:a="http://schemas.openxmlformats.org/drawingml/2006/main" xmlns:r="http://schemas.openxmlformats.org/officeDocument/2006/relationships" xmlns:p="http://schemas.openxmlformats.org/presentationml/2006/main">
   <p:cSld>
     <p:spTree>
@@ -16853,326 +15641,14 @@
       </p:grpSp>
       <p:sp>
         <p:nvSpPr>
-          <p:cNvPr id="73" name="Retângulo de cantos arredondados 72"/>
-          <p:cNvSpPr/>
-          <p:nvPr/>
-        </p:nvSpPr>
-        <p:spPr>
-          <a:xfrm>
-            <a:off x="2060622" y="1970467"/>
-            <a:ext cx="6117464" cy="386367"/>
-          </a:xfrm>
-          <a:prstGeom prst="roundRect">
-            <a:avLst/>
-          </a:prstGeom>
-          <a:noFill/>
-        </p:spPr>
-        <p:style>
-          <a:lnRef idx="2">
-            <a:schemeClr val="accent6"/>
-          </a:lnRef>
-          <a:fillRef idx="1">
-            <a:schemeClr val="lt1"/>
-          </a:fillRef>
-          <a:effectRef idx="0">
-            <a:schemeClr val="accent6"/>
-          </a:effectRef>
-          <a:fontRef idx="minor">
-            <a:schemeClr val="dk1"/>
-          </a:fontRef>
-        </p:style>
-        <p:txBody>
-          <a:bodyPr rtlCol="0" anchor="ctr"/>
-          <a:lstStyle/>
-          <a:p>
-            <a:pPr algn="ctr"/>
-            <a:endParaRPr lang="pt-BR"/>
-          </a:p>
-        </p:txBody>
-      </p:sp>
-      <p:sp>
-        <p:nvSpPr>
-          <p:cNvPr id="74" name="Retângulo de cantos arredondados 73"/>
-          <p:cNvSpPr/>
-          <p:nvPr/>
-        </p:nvSpPr>
-        <p:spPr>
-          <a:xfrm>
-            <a:off x="2060621" y="2878309"/>
-            <a:ext cx="6117466" cy="386367"/>
-          </a:xfrm>
-          <a:prstGeom prst="roundRect">
-            <a:avLst/>
-          </a:prstGeom>
-          <a:noFill/>
-        </p:spPr>
-        <p:style>
-          <a:lnRef idx="2">
-            <a:schemeClr val="accent6"/>
-          </a:lnRef>
-          <a:fillRef idx="1">
-            <a:schemeClr val="lt1"/>
-          </a:fillRef>
-          <a:effectRef idx="0">
-            <a:schemeClr val="accent6"/>
-          </a:effectRef>
-          <a:fontRef idx="minor">
-            <a:schemeClr val="dk1"/>
-          </a:fontRef>
-        </p:style>
-        <p:txBody>
-          <a:bodyPr rtlCol="0" anchor="ctr"/>
-          <a:lstStyle/>
-          <a:p>
-            <a:pPr algn="ctr"/>
-            <a:endParaRPr lang="pt-BR"/>
-          </a:p>
-        </p:txBody>
-      </p:sp>
-      <p:sp>
-        <p:nvSpPr>
-          <p:cNvPr id="75" name="Retângulo de cantos arredondados 74"/>
-          <p:cNvSpPr/>
-          <p:nvPr/>
-        </p:nvSpPr>
-        <p:spPr>
-          <a:xfrm>
-            <a:off x="2060621" y="3347341"/>
-            <a:ext cx="6117466" cy="386367"/>
-          </a:xfrm>
-          <a:prstGeom prst="roundRect">
-            <a:avLst/>
-          </a:prstGeom>
-          <a:noFill/>
-        </p:spPr>
-        <p:style>
-          <a:lnRef idx="2">
-            <a:schemeClr val="accent6"/>
-          </a:lnRef>
-          <a:fillRef idx="1">
-            <a:schemeClr val="lt1"/>
-          </a:fillRef>
-          <a:effectRef idx="0">
-            <a:schemeClr val="accent6"/>
-          </a:effectRef>
-          <a:fontRef idx="minor">
-            <a:schemeClr val="dk1"/>
-          </a:fontRef>
-        </p:style>
-        <p:txBody>
-          <a:bodyPr rtlCol="0" anchor="ctr"/>
-          <a:lstStyle/>
-          <a:p>
-            <a:pPr algn="ctr"/>
-            <a:endParaRPr lang="pt-BR"/>
-          </a:p>
-        </p:txBody>
-      </p:sp>
-      <p:sp>
-        <p:nvSpPr>
-          <p:cNvPr id="76" name="Retângulo de cantos arredondados 75"/>
-          <p:cNvSpPr/>
-          <p:nvPr/>
-        </p:nvSpPr>
-        <p:spPr>
-          <a:xfrm>
-            <a:off x="2060619" y="2435273"/>
-            <a:ext cx="6117468" cy="386367"/>
-          </a:xfrm>
-          <a:prstGeom prst="roundRect">
-            <a:avLst/>
-          </a:prstGeom>
-          <a:noFill/>
-        </p:spPr>
-        <p:style>
-          <a:lnRef idx="2">
-            <a:schemeClr val="accent6"/>
-          </a:lnRef>
-          <a:fillRef idx="1">
-            <a:schemeClr val="lt1"/>
-          </a:fillRef>
-          <a:effectRef idx="0">
-            <a:schemeClr val="accent6"/>
-          </a:effectRef>
-          <a:fontRef idx="minor">
-            <a:schemeClr val="dk1"/>
-          </a:fontRef>
-        </p:style>
-        <p:txBody>
-          <a:bodyPr rtlCol="0" anchor="ctr"/>
-          <a:lstStyle/>
-          <a:p>
-            <a:pPr algn="ctr"/>
-            <a:endParaRPr lang="pt-BR"/>
-          </a:p>
-        </p:txBody>
-      </p:sp>
-      <p:sp>
-        <p:nvSpPr>
-          <p:cNvPr id="77" name="Retângulo de cantos arredondados 76"/>
-          <p:cNvSpPr/>
-          <p:nvPr/>
-        </p:nvSpPr>
-        <p:spPr>
-          <a:xfrm>
-            <a:off x="2060619" y="3816373"/>
-            <a:ext cx="6117467" cy="386367"/>
-          </a:xfrm>
-          <a:prstGeom prst="roundRect">
-            <a:avLst/>
-          </a:prstGeom>
-          <a:noFill/>
-        </p:spPr>
-        <p:style>
-          <a:lnRef idx="2">
-            <a:schemeClr val="accent6"/>
-          </a:lnRef>
-          <a:fillRef idx="1">
-            <a:schemeClr val="lt1"/>
-          </a:fillRef>
-          <a:effectRef idx="0">
-            <a:schemeClr val="accent6"/>
-          </a:effectRef>
-          <a:fontRef idx="minor">
-            <a:schemeClr val="dk1"/>
-          </a:fontRef>
-        </p:style>
-        <p:txBody>
-          <a:bodyPr rtlCol="0" anchor="ctr"/>
-          <a:lstStyle/>
-          <a:p>
-            <a:pPr algn="ctr"/>
-            <a:endParaRPr lang="pt-BR"/>
-          </a:p>
-        </p:txBody>
-      </p:sp>
-      <p:sp>
-        <p:nvSpPr>
-          <p:cNvPr id="78" name="Retângulo de cantos arredondados 77"/>
-          <p:cNvSpPr/>
-          <p:nvPr/>
-        </p:nvSpPr>
-        <p:spPr>
-          <a:xfrm>
-            <a:off x="2060619" y="4259409"/>
-            <a:ext cx="6117467" cy="386367"/>
-          </a:xfrm>
-          <a:prstGeom prst="roundRect">
-            <a:avLst/>
-          </a:prstGeom>
-          <a:noFill/>
-        </p:spPr>
-        <p:style>
-          <a:lnRef idx="2">
-            <a:schemeClr val="accent6"/>
-          </a:lnRef>
-          <a:fillRef idx="1">
-            <a:schemeClr val="lt1"/>
-          </a:fillRef>
-          <a:effectRef idx="0">
-            <a:schemeClr val="accent6"/>
-          </a:effectRef>
-          <a:fontRef idx="minor">
-            <a:schemeClr val="dk1"/>
-          </a:fontRef>
-        </p:style>
-        <p:txBody>
-          <a:bodyPr rtlCol="0" anchor="ctr"/>
-          <a:lstStyle/>
-          <a:p>
-            <a:pPr algn="ctr"/>
-            <a:endParaRPr lang="pt-BR"/>
-          </a:p>
-        </p:txBody>
-      </p:sp>
-      <p:sp>
-        <p:nvSpPr>
-          <p:cNvPr id="79" name="Retângulo de cantos arredondados 78"/>
-          <p:cNvSpPr/>
-          <p:nvPr/>
-        </p:nvSpPr>
-        <p:spPr>
-          <a:xfrm>
-            <a:off x="2060619" y="4726513"/>
-            <a:ext cx="6117468" cy="386367"/>
-          </a:xfrm>
-          <a:prstGeom prst="roundRect">
-            <a:avLst/>
-          </a:prstGeom>
-          <a:noFill/>
-        </p:spPr>
-        <p:style>
-          <a:lnRef idx="2">
-            <a:schemeClr val="accent6"/>
-          </a:lnRef>
-          <a:fillRef idx="1">
-            <a:schemeClr val="lt1"/>
-          </a:fillRef>
-          <a:effectRef idx="0">
-            <a:schemeClr val="accent6"/>
-          </a:effectRef>
-          <a:fontRef idx="minor">
-            <a:schemeClr val="dk1"/>
-          </a:fontRef>
-        </p:style>
-        <p:txBody>
-          <a:bodyPr rtlCol="0" anchor="ctr"/>
-          <a:lstStyle/>
-          <a:p>
-            <a:pPr algn="ctr"/>
-            <a:endParaRPr lang="pt-BR"/>
-          </a:p>
-        </p:txBody>
-      </p:sp>
-      <p:sp>
-        <p:nvSpPr>
-          <p:cNvPr id="80" name="Retângulo de cantos arredondados 79"/>
-          <p:cNvSpPr/>
-          <p:nvPr/>
-        </p:nvSpPr>
-        <p:spPr>
-          <a:xfrm>
-            <a:off x="2060619" y="5193247"/>
-            <a:ext cx="6117468" cy="386367"/>
-          </a:xfrm>
-          <a:prstGeom prst="roundRect">
-            <a:avLst/>
-          </a:prstGeom>
-          <a:noFill/>
-        </p:spPr>
-        <p:style>
-          <a:lnRef idx="2">
-            <a:schemeClr val="accent6"/>
-          </a:lnRef>
-          <a:fillRef idx="1">
-            <a:schemeClr val="lt1"/>
-          </a:fillRef>
-          <a:effectRef idx="0">
-            <a:schemeClr val="accent6"/>
-          </a:effectRef>
-          <a:fontRef idx="minor">
-            <a:schemeClr val="dk1"/>
-          </a:fontRef>
-        </p:style>
-        <p:txBody>
-          <a:bodyPr rtlCol="0" anchor="ctr"/>
-          <a:lstStyle/>
-          <a:p>
-            <a:pPr algn="ctr"/>
-            <a:endParaRPr lang="pt-BR"/>
-          </a:p>
-        </p:txBody>
-      </p:sp>
-      <p:sp>
-        <p:nvSpPr>
-          <p:cNvPr id="81" name="CaixaDeTexto 80"/>
+          <p:cNvPr id="82" name="CaixaDeTexto 81"/>
           <p:cNvSpPr txBox="1"/>
           <p:nvPr/>
         </p:nvSpPr>
         <p:spPr>
           <a:xfrm>
-            <a:off x="2098273" y="1948206"/>
-            <a:ext cx="413108" cy="430887"/>
+            <a:off x="2266189" y="2009090"/>
+            <a:ext cx="3387635" cy="369332"/>
           </a:xfrm>
           <a:prstGeom prst="rect">
             <a:avLst/>
@@ -17186,116 +15662,20 @@
           <a:lstStyle/>
           <a:p>
             <a:r>
-              <a:rPr lang="pt-BR" sz="2200" dirty="0">
-                <a:solidFill>
-                  <a:srgbClr val="5DB427"/>
-                </a:solidFill>
-                <a:latin typeface="Bahnschrift" panose="020B0502040204020203" pitchFamily="34" charset="0"/>
-              </a:rPr>
-              <a:t>1º</a:t>
-            </a:r>
-          </a:p>
-        </p:txBody>
-      </p:sp>
-      <p:sp>
-        <p:nvSpPr>
-          <p:cNvPr id="82" name="CaixaDeTexto 81"/>
-          <p:cNvSpPr txBox="1"/>
-          <p:nvPr/>
-        </p:nvSpPr>
-        <p:spPr>
-          <a:xfrm>
-            <a:off x="2511381" y="1988721"/>
-            <a:ext cx="2679790" cy="369332"/>
-          </a:xfrm>
-          <a:prstGeom prst="rect">
-            <a:avLst/>
-          </a:prstGeom>
-          <a:noFill/>
-        </p:spPr>
-        <p:txBody>
-          <a:bodyPr wrap="square" rtlCol="0">
-            <a:spAutoFit/>
-          </a:bodyPr>
-          <a:lstStyle/>
-          <a:p>
-            <a:r>
-              <a:rPr lang="pt-BR" dirty="0">
+              <a:rPr lang="pt-BR" dirty="0" smtClean="0">
                 <a:solidFill>
                   <a:srgbClr val="5DB427"/>
                 </a:solidFill>
                 <a:latin typeface="Bahnschrift Light" panose="020B0502040204020203" pitchFamily="34" charset="0"/>
               </a:rPr>
-              <a:t>Ítalo Martins </a:t>
+              <a:t>O campeão da rodada foi :</a:t>
             </a:r>
-          </a:p>
-        </p:txBody>
-      </p:sp>
-      <p:sp>
-        <p:nvSpPr>
-          <p:cNvPr id="83" name="CaixaDeTexto 82"/>
-          <p:cNvSpPr txBox="1"/>
-          <p:nvPr/>
-        </p:nvSpPr>
-        <p:spPr>
-          <a:xfrm>
-            <a:off x="2098273" y="2413012"/>
-            <a:ext cx="541896" cy="430887"/>
-          </a:xfrm>
-          <a:prstGeom prst="rect">
-            <a:avLst/>
-          </a:prstGeom>
-          <a:noFill/>
-        </p:spPr>
-        <p:txBody>
-          <a:bodyPr wrap="square" rtlCol="0">
-            <a:spAutoFit/>
-          </a:bodyPr>
-          <a:lstStyle/>
-          <a:p>
-            <a:r>
-              <a:rPr lang="pt-BR" sz="2200" dirty="0">
-                <a:solidFill>
-                  <a:srgbClr val="5DB427"/>
-                </a:solidFill>
-                <a:latin typeface="Bahnschrift" panose="020B0502040204020203" pitchFamily="34" charset="0"/>
-              </a:rPr>
-              <a:t>2º</a:t>
-            </a:r>
-          </a:p>
-        </p:txBody>
-      </p:sp>
-      <p:sp>
-        <p:nvSpPr>
-          <p:cNvPr id="84" name="CaixaDeTexto 83"/>
-          <p:cNvSpPr txBox="1"/>
-          <p:nvPr/>
-        </p:nvSpPr>
-        <p:spPr>
-          <a:xfrm>
-            <a:off x="2511381" y="2452308"/>
-            <a:ext cx="2679790" cy="369332"/>
-          </a:xfrm>
-          <a:prstGeom prst="rect">
-            <a:avLst/>
-          </a:prstGeom>
-          <a:noFill/>
-        </p:spPr>
-        <p:txBody>
-          <a:bodyPr wrap="square" rtlCol="0">
-            <a:spAutoFit/>
-          </a:bodyPr>
-          <a:lstStyle/>
-          <a:p>
-            <a:r>
-              <a:rPr lang="pt-BR" dirty="0">
-                <a:solidFill>
-                  <a:srgbClr val="5DB427"/>
-                </a:solidFill>
-                <a:latin typeface="Bahnschrift Light" panose="020B0502040204020203" pitchFamily="34" charset="0"/>
-              </a:rPr>
-              <a:t>Nathan </a:t>
-            </a:r>
+            <a:endParaRPr lang="pt-BR" dirty="0">
+              <a:solidFill>
+                <a:srgbClr val="5DB427"/>
+              </a:solidFill>
+              <a:latin typeface="Bahnschrift Light" panose="020B0502040204020203" pitchFamily="34" charset="0"/>
+            </a:endParaRPr>
           </a:p>
         </p:txBody>
       </p:sp>
@@ -17307,7 +15687,7 @@
         </p:nvSpPr>
         <p:spPr>
           <a:xfrm>
-            <a:off x="2098273" y="2835680"/>
+            <a:off x="4056391" y="2456908"/>
             <a:ext cx="541896" cy="430887"/>
           </a:xfrm>
           <a:prstGeom prst="rect">
@@ -17341,8 +15721,8 @@
         </p:nvSpPr>
         <p:spPr>
           <a:xfrm>
-            <a:off x="2511381" y="2876418"/>
-            <a:ext cx="2679790" cy="369332"/>
+            <a:off x="5143895" y="2050391"/>
+            <a:ext cx="1646599" cy="369332"/>
           </a:xfrm>
           <a:prstGeom prst="rect">
             <a:avLst/>
@@ -17369,359 +15749,13 @@
       </p:sp>
       <p:sp>
         <p:nvSpPr>
-          <p:cNvPr id="87" name="Retângulo de cantos arredondados 86"/>
-          <p:cNvSpPr/>
-          <p:nvPr/>
-        </p:nvSpPr>
-        <p:spPr>
-          <a:xfrm>
-            <a:off x="8215737" y="1968338"/>
-            <a:ext cx="1391902" cy="386367"/>
-          </a:xfrm>
-          <a:prstGeom prst="roundRect">
-            <a:avLst/>
-          </a:prstGeom>
-          <a:noFill/>
-        </p:spPr>
-        <p:style>
-          <a:lnRef idx="2">
-            <a:schemeClr val="accent6"/>
-          </a:lnRef>
-          <a:fillRef idx="1">
-            <a:schemeClr val="lt1"/>
-          </a:fillRef>
-          <a:effectRef idx="0">
-            <a:schemeClr val="accent6"/>
-          </a:effectRef>
-          <a:fontRef idx="minor">
-            <a:schemeClr val="dk1"/>
-          </a:fontRef>
-        </p:style>
-        <p:txBody>
-          <a:bodyPr rtlCol="0" anchor="ctr"/>
-          <a:lstStyle/>
-          <a:p>
-            <a:pPr algn="ctr"/>
-            <a:endParaRPr lang="pt-BR"/>
-          </a:p>
-        </p:txBody>
-      </p:sp>
-      <p:sp>
-        <p:nvSpPr>
-          <p:cNvPr id="88" name="Retângulo de cantos arredondados 87"/>
-          <p:cNvSpPr/>
-          <p:nvPr/>
-        </p:nvSpPr>
-        <p:spPr>
-          <a:xfrm>
-            <a:off x="8215737" y="2425752"/>
-            <a:ext cx="1391902" cy="386367"/>
-          </a:xfrm>
-          <a:prstGeom prst="roundRect">
-            <a:avLst/>
-          </a:prstGeom>
-          <a:noFill/>
-        </p:spPr>
-        <p:style>
-          <a:lnRef idx="2">
-            <a:schemeClr val="accent6"/>
-          </a:lnRef>
-          <a:fillRef idx="1">
-            <a:schemeClr val="lt1"/>
-          </a:fillRef>
-          <a:effectRef idx="0">
-            <a:schemeClr val="accent6"/>
-          </a:effectRef>
-          <a:fontRef idx="minor">
-            <a:schemeClr val="dk1"/>
-          </a:fontRef>
-        </p:style>
-        <p:txBody>
-          <a:bodyPr rtlCol="0" anchor="ctr"/>
-          <a:lstStyle/>
-          <a:p>
-            <a:pPr algn="ctr"/>
-            <a:endParaRPr lang="pt-BR"/>
-          </a:p>
-        </p:txBody>
-      </p:sp>
-      <p:sp>
-        <p:nvSpPr>
-          <p:cNvPr id="89" name="Retângulo de cantos arredondados 88"/>
-          <p:cNvSpPr/>
-          <p:nvPr/>
-        </p:nvSpPr>
-        <p:spPr>
-          <a:xfrm>
-            <a:off x="8215737" y="2897044"/>
-            <a:ext cx="1391902" cy="386367"/>
-          </a:xfrm>
-          <a:prstGeom prst="roundRect">
-            <a:avLst/>
-          </a:prstGeom>
-          <a:noFill/>
-        </p:spPr>
-        <p:style>
-          <a:lnRef idx="2">
-            <a:schemeClr val="accent6"/>
-          </a:lnRef>
-          <a:fillRef idx="1">
-            <a:schemeClr val="lt1"/>
-          </a:fillRef>
-          <a:effectRef idx="0">
-            <a:schemeClr val="accent6"/>
-          </a:effectRef>
-          <a:fontRef idx="minor">
-            <a:schemeClr val="dk1"/>
-          </a:fontRef>
-        </p:style>
-        <p:txBody>
-          <a:bodyPr rtlCol="0" anchor="ctr"/>
-          <a:lstStyle/>
-          <a:p>
-            <a:pPr algn="ctr"/>
-            <a:endParaRPr lang="pt-BR"/>
-          </a:p>
-        </p:txBody>
-      </p:sp>
-      <p:sp>
-        <p:nvSpPr>
-          <p:cNvPr id="90" name="Retângulo de cantos arredondados 89"/>
-          <p:cNvSpPr/>
-          <p:nvPr/>
-        </p:nvSpPr>
-        <p:spPr>
-          <a:xfrm>
-            <a:off x="8215737" y="3347340"/>
-            <a:ext cx="1391902" cy="386367"/>
-          </a:xfrm>
-          <a:prstGeom prst="roundRect">
-            <a:avLst/>
-          </a:prstGeom>
-          <a:noFill/>
-        </p:spPr>
-        <p:style>
-          <a:lnRef idx="2">
-            <a:schemeClr val="accent6"/>
-          </a:lnRef>
-          <a:fillRef idx="1">
-            <a:schemeClr val="lt1"/>
-          </a:fillRef>
-          <a:effectRef idx="0">
-            <a:schemeClr val="accent6"/>
-          </a:effectRef>
-          <a:fontRef idx="minor">
-            <a:schemeClr val="dk1"/>
-          </a:fontRef>
-        </p:style>
-        <p:txBody>
-          <a:bodyPr rtlCol="0" anchor="ctr"/>
-          <a:lstStyle/>
-          <a:p>
-            <a:pPr algn="ctr"/>
-            <a:endParaRPr lang="pt-BR"/>
-          </a:p>
-        </p:txBody>
-      </p:sp>
-      <p:sp>
-        <p:nvSpPr>
-          <p:cNvPr id="91" name="Retângulo de cantos arredondados 90"/>
-          <p:cNvSpPr/>
-          <p:nvPr/>
-        </p:nvSpPr>
-        <p:spPr>
-          <a:xfrm>
-            <a:off x="8215737" y="3816373"/>
-            <a:ext cx="1391902" cy="386367"/>
-          </a:xfrm>
-          <a:prstGeom prst="roundRect">
-            <a:avLst/>
-          </a:prstGeom>
-          <a:noFill/>
-        </p:spPr>
-        <p:style>
-          <a:lnRef idx="2">
-            <a:schemeClr val="accent6"/>
-          </a:lnRef>
-          <a:fillRef idx="1">
-            <a:schemeClr val="lt1"/>
-          </a:fillRef>
-          <a:effectRef idx="0">
-            <a:schemeClr val="accent6"/>
-          </a:effectRef>
-          <a:fontRef idx="minor">
-            <a:schemeClr val="dk1"/>
-          </a:fontRef>
-        </p:style>
-        <p:txBody>
-          <a:bodyPr rtlCol="0" anchor="ctr"/>
-          <a:lstStyle/>
-          <a:p>
-            <a:pPr algn="ctr"/>
-            <a:endParaRPr lang="pt-BR"/>
-          </a:p>
-        </p:txBody>
-      </p:sp>
-      <p:sp>
-        <p:nvSpPr>
-          <p:cNvPr id="92" name="Retângulo de cantos arredondados 91"/>
-          <p:cNvSpPr/>
-          <p:nvPr/>
-        </p:nvSpPr>
-        <p:spPr>
-          <a:xfrm>
-            <a:off x="8215737" y="4259408"/>
-            <a:ext cx="1391902" cy="386367"/>
-          </a:xfrm>
-          <a:prstGeom prst="roundRect">
-            <a:avLst/>
-          </a:prstGeom>
-          <a:noFill/>
-        </p:spPr>
-        <p:style>
-          <a:lnRef idx="2">
-            <a:schemeClr val="accent6"/>
-          </a:lnRef>
-          <a:fillRef idx="1">
-            <a:schemeClr val="lt1"/>
-          </a:fillRef>
-          <a:effectRef idx="0">
-            <a:schemeClr val="accent6"/>
-          </a:effectRef>
-          <a:fontRef idx="minor">
-            <a:schemeClr val="dk1"/>
-          </a:fontRef>
-        </p:style>
-        <p:txBody>
-          <a:bodyPr rtlCol="0" anchor="ctr"/>
-          <a:lstStyle/>
-          <a:p>
-            <a:pPr algn="ctr"/>
-            <a:endParaRPr lang="pt-BR"/>
-          </a:p>
-        </p:txBody>
-      </p:sp>
-      <p:sp>
-        <p:nvSpPr>
-          <p:cNvPr id="93" name="Retângulo de cantos arredondados 92"/>
-          <p:cNvSpPr/>
-          <p:nvPr/>
-        </p:nvSpPr>
-        <p:spPr>
-          <a:xfrm>
-            <a:off x="8215737" y="4723581"/>
-            <a:ext cx="1391902" cy="386367"/>
-          </a:xfrm>
-          <a:prstGeom prst="roundRect">
-            <a:avLst/>
-          </a:prstGeom>
-          <a:noFill/>
-        </p:spPr>
-        <p:style>
-          <a:lnRef idx="2">
-            <a:schemeClr val="accent6"/>
-          </a:lnRef>
-          <a:fillRef idx="1">
-            <a:schemeClr val="lt1"/>
-          </a:fillRef>
-          <a:effectRef idx="0">
-            <a:schemeClr val="accent6"/>
-          </a:effectRef>
-          <a:fontRef idx="minor">
-            <a:schemeClr val="dk1"/>
-          </a:fontRef>
-        </p:style>
-        <p:txBody>
-          <a:bodyPr rtlCol="0" anchor="ctr"/>
-          <a:lstStyle/>
-          <a:p>
-            <a:pPr algn="ctr"/>
-            <a:endParaRPr lang="pt-BR"/>
-          </a:p>
-        </p:txBody>
-      </p:sp>
-      <p:sp>
-        <p:nvSpPr>
-          <p:cNvPr id="94" name="Retângulo de cantos arredondados 93"/>
-          <p:cNvSpPr/>
-          <p:nvPr/>
-        </p:nvSpPr>
-        <p:spPr>
-          <a:xfrm>
-            <a:off x="8215737" y="5193247"/>
-            <a:ext cx="1391902" cy="386367"/>
-          </a:xfrm>
-          <a:prstGeom prst="roundRect">
-            <a:avLst/>
-          </a:prstGeom>
-          <a:noFill/>
-        </p:spPr>
-        <p:style>
-          <a:lnRef idx="2">
-            <a:schemeClr val="accent6"/>
-          </a:lnRef>
-          <a:fillRef idx="1">
-            <a:schemeClr val="lt1"/>
-          </a:fillRef>
-          <a:effectRef idx="0">
-            <a:schemeClr val="accent6"/>
-          </a:effectRef>
-          <a:fontRef idx="minor">
-            <a:schemeClr val="dk1"/>
-          </a:fontRef>
-        </p:style>
-        <p:txBody>
-          <a:bodyPr rtlCol="0" anchor="ctr"/>
-          <a:lstStyle/>
-          <a:p>
-            <a:pPr algn="ctr"/>
-            <a:endParaRPr lang="pt-BR"/>
-          </a:p>
-        </p:txBody>
-      </p:sp>
-      <p:sp>
-        <p:nvSpPr>
-          <p:cNvPr id="95" name="CaixaDeTexto 94"/>
-          <p:cNvSpPr txBox="1"/>
-          <p:nvPr/>
-        </p:nvSpPr>
-        <p:spPr>
-          <a:xfrm>
-            <a:off x="8585596" y="1966208"/>
-            <a:ext cx="635677" cy="369332"/>
-          </a:xfrm>
-          <a:prstGeom prst="rect">
-            <a:avLst/>
-          </a:prstGeom>
-          <a:noFill/>
-        </p:spPr>
-        <p:txBody>
-          <a:bodyPr wrap="square" rtlCol="0">
-            <a:spAutoFit/>
-          </a:bodyPr>
-          <a:lstStyle/>
-          <a:p>
-            <a:r>
-              <a:rPr lang="pt-BR" dirty="0">
-                <a:solidFill>
-                  <a:srgbClr val="5DB427"/>
-                </a:solidFill>
-                <a:latin typeface="Bahnschrift Light" panose="020B0502040204020203" pitchFamily="34" charset="0"/>
-              </a:rPr>
-              <a:t>897 </a:t>
-            </a:r>
-          </a:p>
-        </p:txBody>
-      </p:sp>
-      <p:sp>
-        <p:nvSpPr>
           <p:cNvPr id="96" name="CaixaDeTexto 95"/>
           <p:cNvSpPr txBox="1"/>
           <p:nvPr/>
         </p:nvSpPr>
         <p:spPr>
           <a:xfrm>
-            <a:off x="8585595" y="2453262"/>
+            <a:off x="8531530" y="2087576"/>
             <a:ext cx="635677" cy="369332"/>
           </a:xfrm>
           <a:prstGeom prst="rect">
@@ -17755,7 +15789,7 @@
         </p:nvSpPr>
         <p:spPr>
           <a:xfrm>
-            <a:off x="8625431" y="2889925"/>
+            <a:off x="8531530" y="2516371"/>
             <a:ext cx="635677" cy="369332"/>
           </a:xfrm>
           <a:prstGeom prst="rect">
@@ -17778,6 +15812,86 @@
               </a:rPr>
               <a:t>730 </a:t>
             </a:r>
+          </a:p>
+        </p:txBody>
+      </p:sp>
+      <p:sp>
+        <p:nvSpPr>
+          <p:cNvPr id="33" name="CaixaDeTexto 32"/>
+          <p:cNvSpPr txBox="1"/>
+          <p:nvPr/>
+        </p:nvSpPr>
+        <p:spPr>
+          <a:xfrm>
+            <a:off x="2266189" y="2487686"/>
+            <a:ext cx="3387635" cy="369332"/>
+          </a:xfrm>
+          <a:prstGeom prst="rect">
+            <a:avLst/>
+          </a:prstGeom>
+          <a:noFill/>
+        </p:spPr>
+        <p:txBody>
+          <a:bodyPr wrap="square" rtlCol="0">
+            <a:spAutoFit/>
+          </a:bodyPr>
+          <a:lstStyle/>
+          <a:p>
+            <a:r>
+              <a:rPr lang="pt-BR" dirty="0" smtClean="0">
+                <a:solidFill>
+                  <a:srgbClr val="5DB427"/>
+                </a:solidFill>
+                <a:latin typeface="Bahnschrift Light" panose="020B0502040204020203" pitchFamily="34" charset="0"/>
+              </a:rPr>
+              <a:t>Você ficou em :</a:t>
+            </a:r>
+            <a:endParaRPr lang="pt-BR" dirty="0">
+              <a:solidFill>
+                <a:srgbClr val="5DB427"/>
+              </a:solidFill>
+              <a:latin typeface="Bahnschrift Light" panose="020B0502040204020203" pitchFamily="34" charset="0"/>
+            </a:endParaRPr>
+          </a:p>
+        </p:txBody>
+      </p:sp>
+      <p:sp>
+        <p:nvSpPr>
+          <p:cNvPr id="34" name="CaixaDeTexto 33"/>
+          <p:cNvSpPr txBox="1"/>
+          <p:nvPr/>
+        </p:nvSpPr>
+        <p:spPr>
+          <a:xfrm>
+            <a:off x="8278892" y="1681059"/>
+            <a:ext cx="1646599" cy="369332"/>
+          </a:xfrm>
+          <a:prstGeom prst="rect">
+            <a:avLst/>
+          </a:prstGeom>
+          <a:noFill/>
+        </p:spPr>
+        <p:txBody>
+          <a:bodyPr wrap="square" rtlCol="0">
+            <a:spAutoFit/>
+          </a:bodyPr>
+          <a:lstStyle/>
+          <a:p>
+            <a:r>
+              <a:rPr lang="pt-BR" b="1" dirty="0" smtClean="0">
+                <a:solidFill>
+                  <a:srgbClr val="5DB427"/>
+                </a:solidFill>
+                <a:latin typeface="Bahnschrift Light" panose="020B0502040204020203" pitchFamily="34" charset="0"/>
+              </a:rPr>
+              <a:t>Pontos</a:t>
+            </a:r>
+            <a:endParaRPr lang="pt-BR" b="1" dirty="0">
+              <a:solidFill>
+                <a:srgbClr val="5DB427"/>
+              </a:solidFill>
+              <a:latin typeface="Bahnschrift Light" panose="020B0502040204020203" pitchFamily="34" charset="0"/>
+            </a:endParaRPr>
           </a:p>
         </p:txBody>
       </p:sp>
@@ -17794,7 +15908,7 @@
 </p:sld>
 </file>
 
-<file path=ppt/slides/slide27.xml><?xml version="1.0" encoding="utf-8"?>
+<file path=ppt/slides/slide26.xml><?xml version="1.0" encoding="utf-8"?>
 <p:sld xmlns:a="http://schemas.openxmlformats.org/drawingml/2006/main" xmlns:r="http://schemas.openxmlformats.org/officeDocument/2006/relationships" xmlns:p="http://schemas.openxmlformats.org/presentationml/2006/main">
   <p:cSld>
     <p:spTree>
@@ -18062,8 +16176,8 @@
         </p:nvSpPr>
         <p:spPr>
           <a:xfrm>
-            <a:off x="2526352" y="2124789"/>
-            <a:ext cx="2679790" cy="369332"/>
+            <a:off x="2236753" y="1756654"/>
+            <a:ext cx="2679790" cy="338554"/>
           </a:xfrm>
           <a:prstGeom prst="rect">
             <a:avLst/>
@@ -18077,14 +16191,263 @@
           <a:lstStyle/>
           <a:p>
             <a:r>
-              <a:rPr lang="pt-BR" dirty="0">
+              <a:rPr lang="pt-BR" sz="1600" dirty="0" smtClean="0">
                 <a:solidFill>
                   <a:srgbClr val="5DB427"/>
                 </a:solidFill>
                 <a:latin typeface="Bahnschrift Light" panose="020B0502040204020203" pitchFamily="34" charset="0"/>
               </a:rPr>
-              <a:t>Texto explicativo </a:t>
+              <a:t>JOGANDO</a:t>
             </a:r>
+            <a:endParaRPr lang="pt-BR" sz="1600" dirty="0">
+              <a:solidFill>
+                <a:srgbClr val="5DB427"/>
+              </a:solidFill>
+              <a:latin typeface="Bahnschrift Light" panose="020B0502040204020203" pitchFamily="34" charset="0"/>
+            </a:endParaRPr>
+          </a:p>
+        </p:txBody>
+      </p:sp>
+      <p:sp>
+        <p:nvSpPr>
+          <p:cNvPr id="10" name="CaixaDeTexto 9"/>
+          <p:cNvSpPr txBox="1"/>
+          <p:nvPr/>
+        </p:nvSpPr>
+        <p:spPr>
+          <a:xfrm>
+            <a:off x="2265703" y="2100286"/>
+            <a:ext cx="7053077" cy="738664"/>
+          </a:xfrm>
+          <a:prstGeom prst="rect">
+            <a:avLst/>
+          </a:prstGeom>
+          <a:noFill/>
+        </p:spPr>
+        <p:txBody>
+          <a:bodyPr wrap="square" rtlCol="0">
+            <a:spAutoFit/>
+          </a:bodyPr>
+          <a:lstStyle/>
+          <a:p>
+            <a:pPr algn="just"/>
+            <a:r>
+              <a:rPr lang="pt-BR" sz="1400" dirty="0" smtClean="0">
+                <a:solidFill>
+                  <a:srgbClr val="5DB427"/>
+                </a:solidFill>
+                <a:latin typeface="Bahnschrift Light" panose="020B0502040204020203" pitchFamily="34" charset="0"/>
+              </a:rPr>
+              <a:t>Pra começar o jogo é necessário que o professor informe o código da sala. Então você clica no acessar sala, digita o código e aguarde na sala de espera até o professor iniciar a rodada.</a:t>
+            </a:r>
+            <a:endParaRPr lang="pt-BR" sz="1400" dirty="0">
+              <a:solidFill>
+                <a:srgbClr val="5DB427"/>
+              </a:solidFill>
+              <a:latin typeface="Bahnschrift Light" panose="020B0502040204020203" pitchFamily="34" charset="0"/>
+            </a:endParaRPr>
+          </a:p>
+        </p:txBody>
+      </p:sp>
+      <p:sp>
+        <p:nvSpPr>
+          <p:cNvPr id="11" name="CaixaDeTexto 10"/>
+          <p:cNvSpPr txBox="1"/>
+          <p:nvPr/>
+        </p:nvSpPr>
+        <p:spPr>
+          <a:xfrm>
+            <a:off x="2236752" y="2935562"/>
+            <a:ext cx="7123591" cy="954107"/>
+          </a:xfrm>
+          <a:prstGeom prst="rect">
+            <a:avLst/>
+          </a:prstGeom>
+          <a:noFill/>
+        </p:spPr>
+        <p:txBody>
+          <a:bodyPr wrap="square" rtlCol="0">
+            <a:spAutoFit/>
+          </a:bodyPr>
+          <a:lstStyle/>
+          <a:p>
+            <a:pPr algn="just"/>
+            <a:r>
+              <a:rPr lang="pt-BR" sz="1400" dirty="0" smtClean="0">
+                <a:solidFill>
+                  <a:srgbClr val="5DB427"/>
+                </a:solidFill>
+                <a:latin typeface="Bahnschrift Light" panose="020B0502040204020203" pitchFamily="34" charset="0"/>
+              </a:rPr>
+              <a:t>Quando o professor iniciar a rodada, você clica no pronto e os jogos vão começar a aparecer!</a:t>
+            </a:r>
+          </a:p>
+          <a:p>
+            <a:pPr algn="just"/>
+            <a:r>
+              <a:rPr lang="pt-BR" sz="1400" dirty="0" smtClean="0">
+                <a:solidFill>
+                  <a:srgbClr val="5DB427"/>
+                </a:solidFill>
+                <a:latin typeface="Bahnschrift Light" panose="020B0502040204020203" pitchFamily="34" charset="0"/>
+              </a:rPr>
+              <a:t>Lembre-se de que quanto mais rápido resolver os jogos mais pontos e moedas vai ganhar.</a:t>
+            </a:r>
+            <a:endParaRPr lang="pt-BR" sz="1400" dirty="0">
+              <a:solidFill>
+                <a:srgbClr val="5DB427"/>
+              </a:solidFill>
+              <a:latin typeface="Bahnschrift Light" panose="020B0502040204020203" pitchFamily="34" charset="0"/>
+            </a:endParaRPr>
+          </a:p>
+        </p:txBody>
+      </p:sp>
+      <p:sp>
+        <p:nvSpPr>
+          <p:cNvPr id="12" name="CaixaDeTexto 11"/>
+          <p:cNvSpPr txBox="1"/>
+          <p:nvPr/>
+        </p:nvSpPr>
+        <p:spPr>
+          <a:xfrm>
+            <a:off x="2236752" y="3925034"/>
+            <a:ext cx="5551285" cy="338554"/>
+          </a:xfrm>
+          <a:prstGeom prst="rect">
+            <a:avLst/>
+          </a:prstGeom>
+          <a:noFill/>
+        </p:spPr>
+        <p:txBody>
+          <a:bodyPr wrap="square" rtlCol="0">
+            <a:spAutoFit/>
+          </a:bodyPr>
+          <a:lstStyle/>
+          <a:p>
+            <a:r>
+              <a:rPr lang="pt-BR" sz="1600" dirty="0" smtClean="0">
+                <a:solidFill>
+                  <a:srgbClr val="5DB427"/>
+                </a:solidFill>
+                <a:latin typeface="Bahnschrift Light" panose="020B0502040204020203" pitchFamily="34" charset="0"/>
+              </a:rPr>
+              <a:t>COMPRANDO E USANDO ITEMS</a:t>
+            </a:r>
+            <a:endParaRPr lang="pt-BR" sz="1600" dirty="0">
+              <a:solidFill>
+                <a:srgbClr val="5DB427"/>
+              </a:solidFill>
+              <a:latin typeface="Bahnschrift Light" panose="020B0502040204020203" pitchFamily="34" charset="0"/>
+            </a:endParaRPr>
+          </a:p>
+        </p:txBody>
+      </p:sp>
+      <p:sp>
+        <p:nvSpPr>
+          <p:cNvPr id="13" name="CaixaDeTexto 12"/>
+          <p:cNvSpPr txBox="1"/>
+          <p:nvPr/>
+        </p:nvSpPr>
+        <p:spPr>
+          <a:xfrm>
+            <a:off x="2265702" y="4298953"/>
+            <a:ext cx="7053077" cy="954107"/>
+          </a:xfrm>
+          <a:prstGeom prst="rect">
+            <a:avLst/>
+          </a:prstGeom>
+          <a:noFill/>
+        </p:spPr>
+        <p:txBody>
+          <a:bodyPr wrap="square" rtlCol="0">
+            <a:spAutoFit/>
+          </a:bodyPr>
+          <a:lstStyle/>
+          <a:p>
+            <a:pPr algn="just"/>
+            <a:r>
+              <a:rPr lang="pt-BR" sz="1400" dirty="0" smtClean="0">
+                <a:solidFill>
+                  <a:srgbClr val="5DB427"/>
+                </a:solidFill>
+                <a:latin typeface="Bahnschrift Light" panose="020B0502040204020203" pitchFamily="34" charset="0"/>
+              </a:rPr>
+              <a:t>Na lojinha do Jogo está disponível alguns poderes que podem lhe garantir a vitória. Para acess</a:t>
+            </a:r>
+            <a:r>
+              <a:rPr lang="pt-BR" sz="1400" dirty="0" smtClean="0">
+                <a:solidFill>
+                  <a:srgbClr val="5DB427"/>
+                </a:solidFill>
+                <a:latin typeface="Bahnschrift Light" panose="020B0502040204020203" pitchFamily="34" charset="0"/>
+              </a:rPr>
+              <a:t>á-la basta clica-la em Loja. Uma tela com alguns poderes irá abrir para você. Para comprar da lojinha é necessário ter moedas, então certifique-se de que tem a quantidade de correta. </a:t>
+            </a:r>
+            <a:endParaRPr lang="pt-BR" sz="1400" dirty="0">
+              <a:solidFill>
+                <a:srgbClr val="5DB427"/>
+              </a:solidFill>
+              <a:latin typeface="Bahnschrift Light" panose="020B0502040204020203" pitchFamily="34" charset="0"/>
+            </a:endParaRPr>
+          </a:p>
+        </p:txBody>
+      </p:sp>
+      <p:sp>
+        <p:nvSpPr>
+          <p:cNvPr id="14" name="CaixaDeTexto 13"/>
+          <p:cNvSpPr txBox="1"/>
+          <p:nvPr/>
+        </p:nvSpPr>
+        <p:spPr>
+          <a:xfrm>
+            <a:off x="2236753" y="5374811"/>
+            <a:ext cx="7053077" cy="523220"/>
+          </a:xfrm>
+          <a:prstGeom prst="rect">
+            <a:avLst/>
+          </a:prstGeom>
+          <a:noFill/>
+        </p:spPr>
+        <p:txBody>
+          <a:bodyPr wrap="square" rtlCol="0">
+            <a:spAutoFit/>
+          </a:bodyPr>
+          <a:lstStyle/>
+          <a:p>
+            <a:pPr algn="just"/>
+            <a:r>
+              <a:rPr lang="pt-BR" sz="1400" dirty="0" smtClean="0">
+                <a:solidFill>
+                  <a:srgbClr val="5DB427"/>
+                </a:solidFill>
+                <a:latin typeface="Bahnschrift Light" panose="020B0502040204020203" pitchFamily="34" charset="0"/>
+              </a:rPr>
+              <a:t>Durante os jogos os seus </a:t>
+            </a:r>
+            <a:r>
+              <a:rPr lang="pt-BR" sz="1400" dirty="0" err="1" smtClean="0">
+                <a:solidFill>
+                  <a:srgbClr val="5DB427"/>
+                </a:solidFill>
+                <a:latin typeface="Bahnschrift Light" panose="020B0502040204020203" pitchFamily="34" charset="0"/>
+              </a:rPr>
+              <a:t>items</a:t>
+            </a:r>
+            <a:r>
+              <a:rPr lang="pt-BR" sz="1400" dirty="0" smtClean="0">
+                <a:solidFill>
+                  <a:srgbClr val="5DB427"/>
+                </a:solidFill>
+                <a:latin typeface="Bahnschrift Light" panose="020B0502040204020203" pitchFamily="34" charset="0"/>
+              </a:rPr>
+              <a:t> ficam disponíveis em seu inventário.. Basta clicar no poder e ele será automaticamente ativado!</a:t>
+            </a:r>
+            <a:endParaRPr lang="pt-BR" sz="1400" dirty="0">
+              <a:solidFill>
+                <a:srgbClr val="5DB427"/>
+              </a:solidFill>
+              <a:latin typeface="Bahnschrift Light" panose="020B0502040204020203" pitchFamily="34" charset="0"/>
+            </a:endParaRPr>
           </a:p>
         </p:txBody>
       </p:sp>
@@ -18101,7 +16464,7 @@
 </p:sld>
 </file>
 
-<file path=ppt/slides/slide28.xml><?xml version="1.0" encoding="utf-8"?>
+<file path=ppt/slides/slide27.xml><?xml version="1.0" encoding="utf-8"?>
 <p:sld xmlns:a="http://schemas.openxmlformats.org/drawingml/2006/main" xmlns:r="http://schemas.openxmlformats.org/officeDocument/2006/relationships" xmlns:p="http://schemas.openxmlformats.org/presentationml/2006/main">
   <p:cSld>
     <p:spTree>
@@ -18224,8 +16587,8 @@
         </p:nvSpPr>
         <p:spPr>
           <a:xfrm>
-            <a:off x="1577068" y="505291"/>
-            <a:ext cx="8258308" cy="646331"/>
+            <a:off x="1146749" y="487727"/>
+            <a:ext cx="4578359" cy="646331"/>
           </a:xfrm>
           <a:prstGeom prst="rect">
             <a:avLst/>
@@ -18245,7 +16608,7 @@
                 </a:solidFill>
                 <a:latin typeface="Bahnschrift" panose="020B0502040204020203" pitchFamily="34" charset="0"/>
               </a:rPr>
-              <a:t>Nova rodada </a:t>
+              <a:t>ENTRAR NA SALA</a:t>
             </a:r>
           </a:p>
         </p:txBody>
@@ -18258,8 +16621,8 @@
         </p:nvGrpSpPr>
         <p:grpSpPr>
           <a:xfrm>
-            <a:off x="1247577" y="1397073"/>
-            <a:ext cx="6196412" cy="4773631"/>
+            <a:off x="1711215" y="1429557"/>
+            <a:ext cx="8104155" cy="4773631"/>
             <a:chOff x="3303102" y="1578846"/>
             <a:chExt cx="7132734" cy="4364070"/>
           </a:xfrm>
@@ -18363,14 +16726,53 @@
       </p:grpSp>
       <p:sp>
         <p:nvSpPr>
-          <p:cNvPr id="19" name="CaixaDeTexto 18"/>
+          <p:cNvPr id="9" name="Retângulo de cantos arredondados 8"/>
+          <p:cNvSpPr/>
+          <p:nvPr/>
+        </p:nvSpPr>
+        <p:spPr>
+          <a:xfrm>
+            <a:off x="2145794" y="2048456"/>
+            <a:ext cx="2284540" cy="321257"/>
+          </a:xfrm>
+          <a:prstGeom prst="roundRect">
+            <a:avLst/>
+          </a:prstGeom>
+          <a:noFill/>
+        </p:spPr>
+        <p:style>
+          <a:lnRef idx="2">
+            <a:schemeClr val="accent6"/>
+          </a:lnRef>
+          <a:fillRef idx="1">
+            <a:schemeClr val="lt1"/>
+          </a:fillRef>
+          <a:effectRef idx="0">
+            <a:schemeClr val="accent6"/>
+          </a:effectRef>
+          <a:fontRef idx="minor">
+            <a:schemeClr val="dk1"/>
+          </a:fontRef>
+        </p:style>
+        <p:txBody>
+          <a:bodyPr rtlCol="0" anchor="ctr"/>
+          <a:lstStyle/>
+          <a:p>
+            <a:pPr algn="ctr"/>
+            <a:endParaRPr lang="pt-BR"/>
+          </a:p>
+        </p:txBody>
+      </p:sp>
+      <p:sp>
+        <p:nvSpPr>
+          <p:cNvPr id="10" name="CaixaDeTexto 9"/>
           <p:cNvSpPr txBox="1"/>
           <p:nvPr/>
         </p:nvSpPr>
         <p:spPr>
           <a:xfrm>
-            <a:off x="1432892" y="1602383"/>
-            <a:ext cx="4578359" cy="461665"/>
+            <a:off x="2141154" y="1709902"/>
+            <a:ext cx="4578359" cy="338554"/>
           </a:xfrm>
           <a:prstGeom prst="rect">
             <a:avLst/>
@@ -18384,69 +16786,594 @@
           <a:lstStyle/>
           <a:p>
             <a:r>
-              <a:rPr lang="pt-BR" sz="2400" dirty="0">
+              <a:rPr lang="pt-BR" sz="1600" dirty="0">
                 <a:solidFill>
                   <a:srgbClr val="447E43"/>
                 </a:solidFill>
                 <a:latin typeface="Bahnschrift" panose="020B0502040204020203" pitchFamily="34" charset="0"/>
               </a:rPr>
-              <a:t>Jogos cadastrados</a:t>
+              <a:t>Digite o código da sala</a:t>
             </a:r>
           </a:p>
         </p:txBody>
       </p:sp>
-      <p:cxnSp>
-        <p:nvCxnSpPr>
-          <p:cNvPr id="3" name="Conector reto 2"/>
-          <p:cNvCxnSpPr/>
+      <p:sp>
+        <p:nvSpPr>
+          <p:cNvPr id="11" name="Retângulo 10"/>
+          <p:cNvSpPr/>
           <p:nvPr/>
-        </p:nvCxnSpPr>
+        </p:nvSpPr>
         <p:spPr>
           <a:xfrm>
-            <a:off x="1577068" y="2064048"/>
-            <a:ext cx="5609343" cy="0"/>
-          </a:xfrm>
-          <a:prstGeom prst="line">
+            <a:off x="4699486" y="1991056"/>
+            <a:ext cx="1662677" cy="378657"/>
+          </a:xfrm>
+          <a:prstGeom prst="rect">
             <a:avLst/>
           </a:prstGeom>
+          <a:solidFill>
+            <a:srgbClr val="73D54A"/>
+          </a:solidFill>
           <a:ln>
             <a:solidFill>
-              <a:srgbClr val="8DBA62"/>
+              <a:srgbClr val="73D54A"/>
             </a:solidFill>
           </a:ln>
+          <a:effectLst>
+            <a:outerShdw blurRad="50800" dist="38100" dir="2700000" algn="tl" rotWithShape="0">
+              <a:prstClr val="black">
+                <a:alpha val="40000"/>
+              </a:prstClr>
+            </a:outerShdw>
+            <a:softEdge rad="0"/>
+          </a:effectLst>
         </p:spPr>
         <p:style>
-          <a:lnRef idx="1">
-            <a:schemeClr val="accent1"/>
+          <a:lnRef idx="2">
+            <a:schemeClr val="accent1">
+              <a:shade val="50000"/>
+            </a:schemeClr>
           </a:lnRef>
-          <a:fillRef idx="0">
+          <a:fillRef idx="1">
             <a:schemeClr val="accent1"/>
           </a:fillRef>
           <a:effectRef idx="0">
             <a:schemeClr val="accent1"/>
           </a:effectRef>
           <a:fontRef idx="minor">
-            <a:schemeClr val="tx1"/>
+            <a:schemeClr val="lt1"/>
           </a:fontRef>
         </p:style>
-      </p:cxnSp>
+        <p:txBody>
+          <a:bodyPr rtlCol="0" anchor="ctr"/>
+          <a:lstStyle/>
+          <a:p>
+            <a:pPr algn="ctr"/>
+            <a:r>
+              <a:rPr lang="pt-BR" dirty="0"/>
+              <a:t>Entrar na sala</a:t>
+            </a:r>
+          </a:p>
+        </p:txBody>
+      </p:sp>
+    </p:spTree>
+    <p:extLst>
+      <p:ext uri="{BB962C8B-B14F-4D97-AF65-F5344CB8AC3E}">
+        <p14:creationId xmlns:p14="http://schemas.microsoft.com/office/powerpoint/2010/main" val="178012295"/>
+      </p:ext>
+    </p:extLst>
+  </p:cSld>
+  <p:clrMapOvr>
+    <a:masterClrMapping/>
+  </p:clrMapOvr>
+</p:sld>
+</file>
+
+<file path=ppt/slides/slide28.xml><?xml version="1.0" encoding="utf-8"?>
+<p:sld xmlns:a="http://schemas.openxmlformats.org/drawingml/2006/main" xmlns:r="http://schemas.openxmlformats.org/officeDocument/2006/relationships" xmlns:p="http://schemas.openxmlformats.org/presentationml/2006/main">
+  <p:cSld>
+    <p:spTree>
+      <p:nvGrpSpPr>
+        <p:cNvPr id="1" name=""/>
+        <p:cNvGrpSpPr/>
+        <p:nvPr/>
+      </p:nvGrpSpPr>
+      <p:grpSpPr>
+        <a:xfrm>
+          <a:off x="0" y="0"/>
+          <a:ext cx="0" cy="0"/>
+          <a:chOff x="0" y="0"/>
+          <a:chExt cx="0" cy="0"/>
+        </a:xfrm>
+      </p:grpSpPr>
+      <p:sp>
+        <p:nvSpPr>
+          <p:cNvPr id="2" name="Título 1"/>
+          <p:cNvSpPr>
+            <a:spLocks noGrp="1"/>
+          </p:cNvSpPr>
+          <p:nvPr>
+            <p:ph type="title"/>
+          </p:nvPr>
+        </p:nvSpPr>
+        <p:spPr/>
+        <p:txBody>
+          <a:bodyPr>
+            <a:normAutofit/>
+          </a:bodyPr>
+          <a:lstStyle/>
+          <a:p>
+            <a:r>
+              <a:rPr lang="pt-BR" sz="3200" dirty="0"/>
+              <a:t>Tabela de Elementos – Tela Acesso Sala</a:t>
+            </a:r>
+          </a:p>
+        </p:txBody>
+      </p:sp>
+      <p:graphicFrame>
+        <p:nvGraphicFramePr>
+          <p:cNvPr id="4" name="Espaço Reservado para Conteúdo 3"/>
+          <p:cNvGraphicFramePr>
+            <a:graphicFrameLocks noGrp="1"/>
+          </p:cNvGraphicFramePr>
+          <p:nvPr>
+            <p:ph idx="1"/>
+            <p:extLst>
+              <p:ext uri="{D42A27DB-BD31-4B8C-83A1-F6EECF244321}">
+                <p14:modId xmlns:p14="http://schemas.microsoft.com/office/powerpoint/2010/main" val="2946084338"/>
+              </p:ext>
+            </p:extLst>
+          </p:nvPr>
+        </p:nvGraphicFramePr>
+        <p:xfrm>
+          <a:off x="838200" y="2250626"/>
+          <a:ext cx="9155806" cy="2000389"/>
+        </p:xfrm>
+        <a:graphic>
+          <a:graphicData uri="http://schemas.openxmlformats.org/drawingml/2006/table">
+            <a:tbl>
+              <a:tblPr firstRow="1" bandRow="1">
+                <a:tableStyleId>{93296810-A885-4BE3-A3E7-6D5BEEA58F35}</a:tableStyleId>
+              </a:tblPr>
+              <a:tblGrid>
+                <a:gridCol w="586838">
+                  <a:extLst>
+                    <a:ext uri="{9D8B030D-6E8A-4147-A177-3AD203B41FA5}">
+                      <a16:colId xmlns:a16="http://schemas.microsoft.com/office/drawing/2014/main" xmlns="" val="20000"/>
+                    </a:ext>
+                  </a:extLst>
+                </a:gridCol>
+                <a:gridCol w="1679832">
+                  <a:extLst>
+                    <a:ext uri="{9D8B030D-6E8A-4147-A177-3AD203B41FA5}">
+                      <a16:colId xmlns:a16="http://schemas.microsoft.com/office/drawing/2014/main" xmlns="" val="20001"/>
+                    </a:ext>
+                  </a:extLst>
+                </a:gridCol>
+                <a:gridCol w="2090660">
+                  <a:extLst>
+                    <a:ext uri="{9D8B030D-6E8A-4147-A177-3AD203B41FA5}">
+                      <a16:colId xmlns:a16="http://schemas.microsoft.com/office/drawing/2014/main" xmlns="" val="20002"/>
+                    </a:ext>
+                  </a:extLst>
+                </a:gridCol>
+                <a:gridCol w="2209822">
+                  <a:extLst>
+                    <a:ext uri="{9D8B030D-6E8A-4147-A177-3AD203B41FA5}">
+                      <a16:colId xmlns:a16="http://schemas.microsoft.com/office/drawing/2014/main" xmlns="" val="20003"/>
+                    </a:ext>
+                  </a:extLst>
+                </a:gridCol>
+                <a:gridCol w="2588654">
+                  <a:extLst>
+                    <a:ext uri="{9D8B030D-6E8A-4147-A177-3AD203B41FA5}">
+                      <a16:colId xmlns:a16="http://schemas.microsoft.com/office/drawing/2014/main" xmlns="" val="20004"/>
+                    </a:ext>
+                  </a:extLst>
+                </a:gridCol>
+              </a:tblGrid>
+              <a:tr h="445909">
+                <a:tc>
+                  <a:txBody>
+                    <a:bodyPr/>
+                    <a:lstStyle/>
+                    <a:p>
+                      <a:endParaRPr lang="pt-BR" dirty="0"/>
+                    </a:p>
+                  </a:txBody>
+                  <a:tcPr/>
+                </a:tc>
+                <a:tc>
+                  <a:txBody>
+                    <a:bodyPr/>
+                    <a:lstStyle/>
+                    <a:p>
+                      <a:r>
+                        <a:rPr lang="pt-BR" dirty="0"/>
+                        <a:t>Nome Campo</a:t>
+                      </a:r>
+                    </a:p>
+                  </a:txBody>
+                  <a:tcPr/>
+                </a:tc>
+                <a:tc>
+                  <a:txBody>
+                    <a:bodyPr/>
+                    <a:lstStyle/>
+                    <a:p>
+                      <a:r>
+                        <a:rPr lang="pt-BR" dirty="0"/>
+                        <a:t>Origem</a:t>
+                      </a:r>
+                    </a:p>
+                  </a:txBody>
+                  <a:tcPr/>
+                </a:tc>
+                <a:tc>
+                  <a:txBody>
+                    <a:bodyPr/>
+                    <a:lstStyle/>
+                    <a:p>
+                      <a:r>
+                        <a:rPr lang="pt-BR" dirty="0"/>
+                        <a:t>Tipo</a:t>
+                      </a:r>
+                    </a:p>
+                  </a:txBody>
+                  <a:tcPr/>
+                </a:tc>
+                <a:tc>
+                  <a:txBody>
+                    <a:bodyPr/>
+                    <a:lstStyle/>
+                    <a:p>
+                      <a:r>
+                        <a:rPr lang="pt-BR" dirty="0"/>
+                        <a:t>Função</a:t>
+                      </a:r>
+                    </a:p>
+                  </a:txBody>
+                  <a:tcPr/>
+                </a:tc>
+                <a:extLst>
+                  <a:ext uri="{0D108BD9-81ED-4DB2-BD59-A6C34878D82A}">
+                    <a16:rowId xmlns:a16="http://schemas.microsoft.com/office/drawing/2014/main" xmlns="" val="10000"/>
+                  </a:ext>
+                </a:extLst>
+              </a:tr>
+              <a:tr h="445909">
+                <a:tc>
+                  <a:txBody>
+                    <a:bodyPr/>
+                    <a:lstStyle/>
+                    <a:p>
+                      <a:r>
+                        <a:rPr lang="pt-BR" dirty="0"/>
+                        <a:t>0</a:t>
+                      </a:r>
+                    </a:p>
+                  </a:txBody>
+                  <a:tcPr/>
+                </a:tc>
+                <a:tc>
+                  <a:txBody>
+                    <a:bodyPr/>
+                    <a:lstStyle/>
+                    <a:p>
+                      <a:r>
+                        <a:rPr lang="pt-BR" dirty="0"/>
+                        <a:t>Código</a:t>
+                      </a:r>
+                      <a:r>
+                        <a:rPr lang="pt-BR" baseline="0" dirty="0"/>
+                        <a:t> de Acesso</a:t>
+                      </a:r>
+                      <a:endParaRPr lang="pt-BR" dirty="0"/>
+                    </a:p>
+                  </a:txBody>
+                  <a:tcPr/>
+                </a:tc>
+                <a:tc>
+                  <a:txBody>
+                    <a:bodyPr/>
+                    <a:lstStyle/>
+                    <a:p>
+                      <a:endParaRPr lang="pt-BR" dirty="0"/>
+                    </a:p>
+                  </a:txBody>
+                  <a:tcPr/>
+                </a:tc>
+                <a:tc>
+                  <a:txBody>
+                    <a:bodyPr/>
+                    <a:lstStyle/>
+                    <a:p>
+                      <a:r>
+                        <a:rPr lang="pt-BR" dirty="0" err="1"/>
+                        <a:t>string</a:t>
+                      </a:r>
+                      <a:endParaRPr lang="pt-BR" dirty="0"/>
+                    </a:p>
+                  </a:txBody>
+                  <a:tcPr/>
+                </a:tc>
+                <a:tc>
+                  <a:txBody>
+                    <a:bodyPr/>
+                    <a:lstStyle/>
+                    <a:p>
+                      <a:endParaRPr lang="pt-BR" dirty="0"/>
+                    </a:p>
+                  </a:txBody>
+                  <a:tcPr/>
+                </a:tc>
+                <a:extLst>
+                  <a:ext uri="{0D108BD9-81ED-4DB2-BD59-A6C34878D82A}">
+                    <a16:rowId xmlns:a16="http://schemas.microsoft.com/office/drawing/2014/main" xmlns="" val="10001"/>
+                  </a:ext>
+                </a:extLst>
+              </a:tr>
+              <a:tr h="445909">
+                <a:tc>
+                  <a:txBody>
+                    <a:bodyPr/>
+                    <a:lstStyle/>
+                    <a:p>
+                      <a:r>
+                        <a:rPr lang="pt-BR" dirty="0"/>
+                        <a:t>1</a:t>
+                      </a:r>
+                    </a:p>
+                  </a:txBody>
+                  <a:tcPr/>
+                </a:tc>
+                <a:tc>
+                  <a:txBody>
+                    <a:bodyPr/>
+                    <a:lstStyle/>
+                    <a:p>
+                      <a:r>
+                        <a:rPr lang="pt-BR" dirty="0" smtClean="0"/>
+                        <a:t>Entrar na Sala</a:t>
+                      </a:r>
+                      <a:endParaRPr lang="pt-BR" dirty="0"/>
+                    </a:p>
+                  </a:txBody>
+                  <a:tcPr/>
+                </a:tc>
+                <a:tc>
+                  <a:txBody>
+                    <a:bodyPr/>
+                    <a:lstStyle/>
+                    <a:p>
+                      <a:endParaRPr lang="pt-BR" dirty="0"/>
+                    </a:p>
+                  </a:txBody>
+                  <a:tcPr/>
+                </a:tc>
+                <a:tc>
+                  <a:txBody>
+                    <a:bodyPr/>
+                    <a:lstStyle/>
+                    <a:p>
+                      <a:r>
+                        <a:rPr lang="pt-BR" dirty="0"/>
+                        <a:t>Botão</a:t>
+                      </a:r>
+                    </a:p>
+                  </a:txBody>
+                  <a:tcPr/>
+                </a:tc>
+                <a:tc>
+                  <a:txBody>
+                    <a:bodyPr/>
+                    <a:lstStyle/>
+                    <a:p>
+                      <a:r>
+                        <a:rPr lang="pt-BR" dirty="0"/>
+                        <a:t>Validar/Direcionar para a tela de </a:t>
+                      </a:r>
+                      <a:r>
+                        <a:rPr lang="pt-BR" dirty="0" err="1"/>
+                        <a:t>Board</a:t>
+                      </a:r>
+                      <a:r>
+                        <a:rPr lang="pt-BR" dirty="0"/>
+                        <a:t> Game da Sala</a:t>
+                      </a:r>
+                    </a:p>
+                  </a:txBody>
+                  <a:tcPr/>
+                </a:tc>
+                <a:extLst>
+                  <a:ext uri="{0D108BD9-81ED-4DB2-BD59-A6C34878D82A}">
+                    <a16:rowId xmlns:a16="http://schemas.microsoft.com/office/drawing/2014/main" xmlns="" val="10002"/>
+                  </a:ext>
+                </a:extLst>
+              </a:tr>
+            </a:tbl>
+          </a:graphicData>
+        </a:graphic>
+      </p:graphicFrame>
+    </p:spTree>
+    <p:extLst>
+      <p:ext uri="{BB962C8B-B14F-4D97-AF65-F5344CB8AC3E}">
+        <p14:creationId xmlns:p14="http://schemas.microsoft.com/office/powerpoint/2010/main" val="2883894150"/>
+      </p:ext>
+    </p:extLst>
+  </p:cSld>
+  <p:clrMapOvr>
+    <a:masterClrMapping/>
+  </p:clrMapOvr>
+</p:sld>
+</file>
+
+<file path=ppt/slides/slide29.xml><?xml version="1.0" encoding="utf-8"?>
+<p:sld xmlns:a="http://schemas.openxmlformats.org/drawingml/2006/main" xmlns:r="http://schemas.openxmlformats.org/officeDocument/2006/relationships" xmlns:p="http://schemas.openxmlformats.org/presentationml/2006/main">
+  <p:cSld>
+    <p:spTree>
+      <p:nvGrpSpPr>
+        <p:cNvPr id="1" name=""/>
+        <p:cNvGrpSpPr/>
+        <p:nvPr/>
+      </p:nvGrpSpPr>
+      <p:grpSpPr>
+        <a:xfrm>
+          <a:off x="0" y="0"/>
+          <a:ext cx="0" cy="0"/>
+          <a:chOff x="0" y="0"/>
+          <a:chExt cx="0" cy="0"/>
+        </a:xfrm>
+      </p:grpSpPr>
+      <p:sp>
+        <p:nvSpPr>
+          <p:cNvPr id="4" name="Retângulo 3"/>
+          <p:cNvSpPr/>
+          <p:nvPr/>
+        </p:nvSpPr>
+        <p:spPr>
+          <a:xfrm>
+            <a:off x="1117279" y="445761"/>
+            <a:ext cx="9787944" cy="5911402"/>
+          </a:xfrm>
+          <a:prstGeom prst="rect">
+            <a:avLst/>
+          </a:prstGeom>
+          <a:solidFill>
+            <a:srgbClr val="A5CA97"/>
+          </a:solidFill>
+          <a:ln>
+            <a:solidFill>
+              <a:schemeClr val="accent6">
+                <a:lumMod val="60000"/>
+                <a:lumOff val="40000"/>
+              </a:schemeClr>
+            </a:solidFill>
+          </a:ln>
+          <a:effectLst/>
+        </p:spPr>
+        <p:style>
+          <a:lnRef idx="2">
+            <a:schemeClr val="accent1">
+              <a:shade val="50000"/>
+            </a:schemeClr>
+          </a:lnRef>
+          <a:fillRef idx="1">
+            <a:schemeClr val="accent1"/>
+          </a:fillRef>
+          <a:effectRef idx="0">
+            <a:schemeClr val="accent1"/>
+          </a:effectRef>
+          <a:fontRef idx="minor">
+            <a:schemeClr val="lt1"/>
+          </a:fontRef>
+        </p:style>
+        <p:txBody>
+          <a:bodyPr rtlCol="0" anchor="ctr"/>
+          <a:lstStyle/>
+          <a:p>
+            <a:pPr algn="ctr"/>
+            <a:endParaRPr lang="pt-BR"/>
+          </a:p>
+        </p:txBody>
+      </p:sp>
+      <p:sp>
+        <p:nvSpPr>
+          <p:cNvPr id="15" name="Retângulo 14"/>
+          <p:cNvSpPr/>
+          <p:nvPr/>
+        </p:nvSpPr>
+        <p:spPr>
+          <a:xfrm>
+            <a:off x="1146749" y="445761"/>
+            <a:ext cx="9787944" cy="764853"/>
+          </a:xfrm>
+          <a:prstGeom prst="rect">
+            <a:avLst/>
+          </a:prstGeom>
+          <a:solidFill>
+            <a:srgbClr val="8DBA62"/>
+          </a:solidFill>
+          <a:ln>
+            <a:noFill/>
+          </a:ln>
+        </p:spPr>
+        <p:style>
+          <a:lnRef idx="2">
+            <a:schemeClr val="accent1">
+              <a:shade val="50000"/>
+            </a:schemeClr>
+          </a:lnRef>
+          <a:fillRef idx="1">
+            <a:schemeClr val="accent1"/>
+          </a:fillRef>
+          <a:effectRef idx="0">
+            <a:schemeClr val="accent1"/>
+          </a:effectRef>
+          <a:fontRef idx="minor">
+            <a:schemeClr val="lt1"/>
+          </a:fontRef>
+        </p:style>
+        <p:txBody>
+          <a:bodyPr rtlCol="0" anchor="ctr"/>
+          <a:lstStyle/>
+          <a:p>
+            <a:pPr algn="ctr"/>
+            <a:endParaRPr lang="pt-BR"/>
+          </a:p>
+        </p:txBody>
+      </p:sp>
+      <p:sp>
+        <p:nvSpPr>
+          <p:cNvPr id="40" name="CaixaDeTexto 39"/>
+          <p:cNvSpPr txBox="1"/>
+          <p:nvPr/>
+        </p:nvSpPr>
+        <p:spPr>
+          <a:xfrm>
+            <a:off x="1184933" y="512242"/>
+            <a:ext cx="4578359" cy="646331"/>
+          </a:xfrm>
+          <a:prstGeom prst="rect">
+            <a:avLst/>
+          </a:prstGeom>
+          <a:noFill/>
+        </p:spPr>
+        <p:txBody>
+          <a:bodyPr wrap="square" rtlCol="0">
+            <a:spAutoFit/>
+          </a:bodyPr>
+          <a:lstStyle/>
+          <a:p>
+            <a:r>
+              <a:rPr lang="pt-BR" sz="3600" dirty="0">
+                <a:solidFill>
+                  <a:schemeClr val="bg1"/>
+                </a:solidFill>
+                <a:latin typeface="Bahnschrift" panose="020B0502040204020203" pitchFamily="34" charset="0"/>
+              </a:rPr>
+              <a:t>SALA</a:t>
+            </a:r>
+          </a:p>
+        </p:txBody>
+      </p:sp>
       <p:grpSp>
         <p:nvGrpSpPr>
-          <p:cNvPr id="23" name="Grupo 22"/>
+          <p:cNvPr id="47" name="Grupo 46"/>
           <p:cNvGrpSpPr/>
           <p:nvPr/>
         </p:nvGrpSpPr>
         <p:grpSpPr>
           <a:xfrm>
-            <a:off x="7545106" y="1397073"/>
-            <a:ext cx="3224038" cy="1861282"/>
+            <a:off x="1711215" y="1429557"/>
+            <a:ext cx="8104155" cy="4773631"/>
             <a:chOff x="3303102" y="1578846"/>
             <a:chExt cx="7132734" cy="4364070"/>
           </a:xfrm>
         </p:grpSpPr>
         <p:sp>
           <p:nvSpPr>
-            <p:cNvPr id="24" name="Retângulo 23"/>
+            <p:cNvPr id="50" name="Retângulo 49"/>
             <p:cNvSpPr/>
             <p:nvPr/>
           </p:nvSpPr>
@@ -18494,7 +17421,7 @@
         </p:sp>
         <p:sp>
           <p:nvSpPr>
-            <p:cNvPr id="25" name="Retângulo de cantos arredondados 24"/>
+            <p:cNvPr id="58" name="Retângulo de cantos arredondados 57"/>
             <p:cNvSpPr/>
             <p:nvPr/>
           </p:nvSpPr>
@@ -18541,634 +17468,16 @@
           </p:txBody>
         </p:sp>
       </p:grpSp>
-      <p:grpSp>
-        <p:nvGrpSpPr>
-          <p:cNvPr id="26" name="Grupo 25"/>
-          <p:cNvGrpSpPr/>
-          <p:nvPr/>
-        </p:nvGrpSpPr>
-        <p:grpSpPr>
-          <a:xfrm>
-            <a:off x="7545107" y="3321368"/>
-            <a:ext cx="3224038" cy="1469574"/>
-            <a:chOff x="3303102" y="1578846"/>
-            <a:chExt cx="7132734" cy="4364070"/>
-          </a:xfrm>
-        </p:grpSpPr>
-        <p:sp>
-          <p:nvSpPr>
-            <p:cNvPr id="27" name="Retângulo 26"/>
-            <p:cNvSpPr/>
-            <p:nvPr/>
-          </p:nvSpPr>
-          <p:spPr>
-            <a:xfrm>
-              <a:off x="3303102" y="1578846"/>
-              <a:ext cx="7132734" cy="4364070"/>
-            </a:xfrm>
-            <a:prstGeom prst="rect">
-              <a:avLst/>
-            </a:prstGeom>
-            <a:solidFill>
-              <a:srgbClr val="8DBA62"/>
-            </a:solidFill>
-            <a:ln>
-              <a:solidFill>
-                <a:srgbClr val="8DBA62"/>
-              </a:solidFill>
-            </a:ln>
-          </p:spPr>
-          <p:style>
-            <a:lnRef idx="2">
-              <a:schemeClr val="accent1">
-                <a:shade val="50000"/>
-              </a:schemeClr>
-            </a:lnRef>
-            <a:fillRef idx="1">
-              <a:schemeClr val="accent1"/>
-            </a:fillRef>
-            <a:effectRef idx="0">
-              <a:schemeClr val="accent1"/>
-            </a:effectRef>
-            <a:fontRef idx="minor">
-              <a:schemeClr val="lt1"/>
-            </a:fontRef>
-          </p:style>
-          <p:txBody>
-            <a:bodyPr rtlCol="0" anchor="ctr"/>
-            <a:lstStyle/>
-            <a:p>
-              <a:pPr algn="ctr"/>
-              <a:endParaRPr lang="pt-BR"/>
-            </a:p>
-          </p:txBody>
-        </p:sp>
-        <p:sp>
-          <p:nvSpPr>
-            <p:cNvPr id="28" name="Retângulo de cantos arredondados 27"/>
-            <p:cNvSpPr/>
-            <p:nvPr/>
-          </p:nvSpPr>
-          <p:spPr>
-            <a:xfrm>
-              <a:off x="3400023" y="1674254"/>
-              <a:ext cx="6941711" cy="4172754"/>
-            </a:xfrm>
-            <a:prstGeom prst="roundRect">
-              <a:avLst>
-                <a:gd name="adj" fmla="val 0"/>
-              </a:avLst>
-            </a:prstGeom>
-            <a:solidFill>
-              <a:srgbClr val="FDEBC7"/>
-            </a:solidFill>
-            <a:ln>
-              <a:solidFill>
-                <a:srgbClr val="8DBA62"/>
-              </a:solidFill>
-            </a:ln>
-          </p:spPr>
-          <p:style>
-            <a:lnRef idx="2">
-              <a:schemeClr val="accent6"/>
-            </a:lnRef>
-            <a:fillRef idx="1">
-              <a:schemeClr val="lt1"/>
-            </a:fillRef>
-            <a:effectRef idx="0">
-              <a:schemeClr val="accent6"/>
-            </a:effectRef>
-            <a:fontRef idx="minor">
-              <a:schemeClr val="dk1"/>
-            </a:fontRef>
-          </p:style>
-          <p:txBody>
-            <a:bodyPr rtlCol="0" anchor="ctr"/>
-            <a:lstStyle/>
-            <a:p>
-              <a:pPr algn="ctr"/>
-              <a:endParaRPr lang="pt-BR"/>
-            </a:p>
-          </p:txBody>
-        </p:sp>
-      </p:grpSp>
-      <p:grpSp>
-        <p:nvGrpSpPr>
-          <p:cNvPr id="29" name="Grupo 28"/>
-          <p:cNvGrpSpPr/>
-          <p:nvPr/>
-        </p:nvGrpSpPr>
-        <p:grpSpPr>
-          <a:xfrm>
-            <a:off x="7545106" y="4864736"/>
-            <a:ext cx="3224038" cy="1247973"/>
-            <a:chOff x="3303102" y="1578846"/>
-            <a:chExt cx="7132734" cy="4364070"/>
-          </a:xfrm>
-        </p:grpSpPr>
-        <p:sp>
-          <p:nvSpPr>
-            <p:cNvPr id="30" name="Retângulo 29"/>
-            <p:cNvSpPr/>
-            <p:nvPr/>
-          </p:nvSpPr>
-          <p:spPr>
-            <a:xfrm>
-              <a:off x="3303102" y="1578846"/>
-              <a:ext cx="7132734" cy="4364070"/>
-            </a:xfrm>
-            <a:prstGeom prst="rect">
-              <a:avLst/>
-            </a:prstGeom>
-            <a:solidFill>
-              <a:srgbClr val="8DBA62"/>
-            </a:solidFill>
-            <a:ln>
-              <a:solidFill>
-                <a:srgbClr val="8DBA62"/>
-              </a:solidFill>
-            </a:ln>
-          </p:spPr>
-          <p:style>
-            <a:lnRef idx="2">
-              <a:schemeClr val="accent1">
-                <a:shade val="50000"/>
-              </a:schemeClr>
-            </a:lnRef>
-            <a:fillRef idx="1">
-              <a:schemeClr val="accent1"/>
-            </a:fillRef>
-            <a:effectRef idx="0">
-              <a:schemeClr val="accent1"/>
-            </a:effectRef>
-            <a:fontRef idx="minor">
-              <a:schemeClr val="lt1"/>
-            </a:fontRef>
-          </p:style>
-          <p:txBody>
-            <a:bodyPr rtlCol="0" anchor="ctr"/>
-            <a:lstStyle/>
-            <a:p>
-              <a:pPr algn="ctr"/>
-              <a:endParaRPr lang="pt-BR"/>
-            </a:p>
-          </p:txBody>
-        </p:sp>
-        <p:sp>
-          <p:nvSpPr>
-            <p:cNvPr id="31" name="Retângulo de cantos arredondados 30"/>
-            <p:cNvSpPr/>
-            <p:nvPr/>
-          </p:nvSpPr>
-          <p:spPr>
-            <a:xfrm>
-              <a:off x="3400023" y="1674254"/>
-              <a:ext cx="6941711" cy="4172754"/>
-            </a:xfrm>
-            <a:prstGeom prst="roundRect">
-              <a:avLst>
-                <a:gd name="adj" fmla="val 0"/>
-              </a:avLst>
-            </a:prstGeom>
-            <a:solidFill>
-              <a:srgbClr val="FDEBC7"/>
-            </a:solidFill>
-            <a:ln>
-              <a:solidFill>
-                <a:srgbClr val="8DBA62"/>
-              </a:solidFill>
-            </a:ln>
-          </p:spPr>
-          <p:style>
-            <a:lnRef idx="2">
-              <a:schemeClr val="accent6"/>
-            </a:lnRef>
-            <a:fillRef idx="1">
-              <a:schemeClr val="lt1"/>
-            </a:fillRef>
-            <a:effectRef idx="0">
-              <a:schemeClr val="accent6"/>
-            </a:effectRef>
-            <a:fontRef idx="minor">
-              <a:schemeClr val="dk1"/>
-            </a:fontRef>
-          </p:style>
-          <p:txBody>
-            <a:bodyPr rtlCol="0" anchor="ctr"/>
-            <a:lstStyle/>
-            <a:p>
-              <a:pPr algn="ctr"/>
-              <a:endParaRPr lang="pt-BR"/>
-            </a:p>
-          </p:txBody>
-        </p:sp>
-      </p:grpSp>
-      <p:sp>
-        <p:nvSpPr>
-          <p:cNvPr id="32" name="Retângulo 31"/>
+      <p:sp>
+        <p:nvSpPr>
+          <p:cNvPr id="11" name="Retângulo 10"/>
           <p:cNvSpPr/>
           <p:nvPr/>
         </p:nvSpPr>
         <p:spPr>
           <a:xfrm>
-            <a:off x="7545107" y="1394320"/>
-            <a:ext cx="3186618" cy="208063"/>
-          </a:xfrm>
-          <a:prstGeom prst="rect">
-            <a:avLst/>
-          </a:prstGeom>
-          <a:solidFill>
-            <a:srgbClr val="8DBA62"/>
-          </a:solidFill>
-          <a:ln>
-            <a:solidFill>
-              <a:srgbClr val="73D54A"/>
-            </a:solidFill>
-          </a:ln>
-          <a:effectLst>
-            <a:outerShdw blurRad="50800" dist="38100" dir="2700000" algn="tl" rotWithShape="0">
-              <a:prstClr val="black">
-                <a:alpha val="40000"/>
-              </a:prstClr>
-            </a:outerShdw>
-            <a:softEdge rad="0"/>
-          </a:effectLst>
-        </p:spPr>
-        <p:style>
-          <a:lnRef idx="2">
-            <a:schemeClr val="accent1">
-              <a:shade val="50000"/>
-            </a:schemeClr>
-          </a:lnRef>
-          <a:fillRef idx="1">
-            <a:schemeClr val="accent1"/>
-          </a:fillRef>
-          <a:effectRef idx="0">
-            <a:schemeClr val="accent1"/>
-          </a:effectRef>
-          <a:fontRef idx="minor">
-            <a:schemeClr val="lt1"/>
-          </a:fontRef>
-        </p:style>
-        <p:txBody>
-          <a:bodyPr rtlCol="0" anchor="ctr"/>
-          <a:lstStyle/>
-          <a:p>
-            <a:pPr algn="ctr"/>
-            <a:r>
-              <a:rPr lang="pt-BR" dirty="0"/>
-              <a:t>QUIZ</a:t>
-            </a:r>
-          </a:p>
-        </p:txBody>
-      </p:sp>
-      <p:sp>
-        <p:nvSpPr>
-          <p:cNvPr id="33" name="Retângulo 32"/>
-          <p:cNvSpPr/>
-          <p:nvPr/>
-        </p:nvSpPr>
-        <p:spPr>
-          <a:xfrm>
-            <a:off x="7545106" y="3332149"/>
-            <a:ext cx="3186618" cy="235299"/>
-          </a:xfrm>
-          <a:prstGeom prst="rect">
-            <a:avLst/>
-          </a:prstGeom>
-          <a:solidFill>
-            <a:srgbClr val="8DBA62"/>
-          </a:solidFill>
-          <a:ln>
-            <a:solidFill>
-              <a:srgbClr val="73D54A"/>
-            </a:solidFill>
-          </a:ln>
-          <a:effectLst>
-            <a:outerShdw blurRad="50800" dist="38100" dir="2700000" algn="tl" rotWithShape="0">
-              <a:prstClr val="black">
-                <a:alpha val="40000"/>
-              </a:prstClr>
-            </a:outerShdw>
-            <a:softEdge rad="0"/>
-          </a:effectLst>
-        </p:spPr>
-        <p:style>
-          <a:lnRef idx="2">
-            <a:schemeClr val="accent1">
-              <a:shade val="50000"/>
-            </a:schemeClr>
-          </a:lnRef>
-          <a:fillRef idx="1">
-            <a:schemeClr val="accent1"/>
-          </a:fillRef>
-          <a:effectRef idx="0">
-            <a:schemeClr val="accent1"/>
-          </a:effectRef>
-          <a:fontRef idx="minor">
-            <a:schemeClr val="lt1"/>
-          </a:fontRef>
-        </p:style>
-        <p:txBody>
-          <a:bodyPr rtlCol="0" anchor="ctr"/>
-          <a:lstStyle/>
-          <a:p>
-            <a:pPr algn="ctr"/>
-            <a:r>
-              <a:rPr lang="pt-BR" dirty="0"/>
-              <a:t>Jogo da memória</a:t>
-            </a:r>
-          </a:p>
-        </p:txBody>
-      </p:sp>
-      <p:sp>
-        <p:nvSpPr>
-          <p:cNvPr id="34" name="Retângulo 33"/>
-          <p:cNvSpPr/>
-          <p:nvPr/>
-        </p:nvSpPr>
-        <p:spPr>
-          <a:xfrm>
-            <a:off x="7574287" y="4892019"/>
-            <a:ext cx="3142809" cy="175779"/>
-          </a:xfrm>
-          <a:prstGeom prst="rect">
-            <a:avLst/>
-          </a:prstGeom>
-          <a:solidFill>
-            <a:srgbClr val="8DBA62"/>
-          </a:solidFill>
-          <a:ln>
-            <a:solidFill>
-              <a:srgbClr val="73D54A"/>
-            </a:solidFill>
-          </a:ln>
-          <a:effectLst>
-            <a:outerShdw blurRad="50800" dist="38100" dir="2700000" algn="tl" rotWithShape="0">
-              <a:prstClr val="black">
-                <a:alpha val="40000"/>
-              </a:prstClr>
-            </a:outerShdw>
-            <a:softEdge rad="0"/>
-          </a:effectLst>
-        </p:spPr>
-        <p:style>
-          <a:lnRef idx="2">
-            <a:schemeClr val="accent1">
-              <a:shade val="50000"/>
-            </a:schemeClr>
-          </a:lnRef>
-          <a:fillRef idx="1">
-            <a:schemeClr val="accent1"/>
-          </a:fillRef>
-          <a:effectRef idx="0">
-            <a:schemeClr val="accent1"/>
-          </a:effectRef>
-          <a:fontRef idx="minor">
-            <a:schemeClr val="lt1"/>
-          </a:fontRef>
-        </p:style>
-        <p:txBody>
-          <a:bodyPr rtlCol="0" anchor="ctr"/>
-          <a:lstStyle/>
-          <a:p>
-            <a:pPr algn="ctr"/>
-            <a:r>
-              <a:rPr lang="pt-BR" dirty="0"/>
-              <a:t>Apaque a Luz</a:t>
-            </a:r>
-          </a:p>
-        </p:txBody>
-      </p:sp>
-      <p:sp>
-        <p:nvSpPr>
-          <p:cNvPr id="60" name="Retângulo de cantos arredondados 59"/>
-          <p:cNvSpPr/>
-          <p:nvPr/>
-        </p:nvSpPr>
-        <p:spPr>
-          <a:xfrm>
-            <a:off x="1443660" y="2216733"/>
-            <a:ext cx="5838086" cy="386367"/>
-          </a:xfrm>
-          <a:prstGeom prst="roundRect">
-            <a:avLst/>
-          </a:prstGeom>
-          <a:noFill/>
-        </p:spPr>
-        <p:style>
-          <a:lnRef idx="2">
-            <a:schemeClr val="accent6"/>
-          </a:lnRef>
-          <a:fillRef idx="1">
-            <a:schemeClr val="lt1"/>
-          </a:fillRef>
-          <a:effectRef idx="0">
-            <a:schemeClr val="accent6"/>
-          </a:effectRef>
-          <a:fontRef idx="minor">
-            <a:schemeClr val="dk1"/>
-          </a:fontRef>
-        </p:style>
-        <p:txBody>
-          <a:bodyPr rtlCol="0" anchor="ctr"/>
-          <a:lstStyle/>
-          <a:p>
-            <a:pPr algn="ctr"/>
-            <a:endParaRPr lang="pt-BR"/>
-          </a:p>
-        </p:txBody>
-      </p:sp>
-      <p:sp>
-        <p:nvSpPr>
-          <p:cNvPr id="61" name="CaixaDeTexto 60"/>
-          <p:cNvSpPr txBox="1"/>
-          <p:nvPr/>
-        </p:nvSpPr>
-        <p:spPr>
-          <a:xfrm>
-            <a:off x="1462362" y="2216732"/>
-            <a:ext cx="4578359" cy="369332"/>
-          </a:xfrm>
-          <a:prstGeom prst="rect">
-            <a:avLst/>
-          </a:prstGeom>
-          <a:noFill/>
-        </p:spPr>
-        <p:txBody>
-          <a:bodyPr wrap="square" rtlCol="0">
-            <a:spAutoFit/>
-          </a:bodyPr>
-          <a:lstStyle/>
-          <a:p>
-            <a:r>
-              <a:rPr lang="pt-BR" dirty="0">
-                <a:solidFill>
-                  <a:srgbClr val="447E43"/>
-                </a:solidFill>
-                <a:latin typeface="Bahnschrift" panose="020B0502040204020203" pitchFamily="34" charset="0"/>
-              </a:rPr>
-              <a:t>Quiz</a:t>
-            </a:r>
-          </a:p>
-        </p:txBody>
-      </p:sp>
-      <p:sp>
-        <p:nvSpPr>
-          <p:cNvPr id="63" name="Retângulo de cantos arredondados 62"/>
-          <p:cNvSpPr/>
-          <p:nvPr/>
-        </p:nvSpPr>
-        <p:spPr>
-          <a:xfrm>
-            <a:off x="1443659" y="2631936"/>
-            <a:ext cx="5838085" cy="386367"/>
-          </a:xfrm>
-          <a:prstGeom prst="roundRect">
-            <a:avLst/>
-          </a:prstGeom>
-          <a:noFill/>
-        </p:spPr>
-        <p:style>
-          <a:lnRef idx="2">
-            <a:schemeClr val="accent6"/>
-          </a:lnRef>
-          <a:fillRef idx="1">
-            <a:schemeClr val="lt1"/>
-          </a:fillRef>
-          <a:effectRef idx="0">
-            <a:schemeClr val="accent6"/>
-          </a:effectRef>
-          <a:fontRef idx="minor">
-            <a:schemeClr val="dk1"/>
-          </a:fontRef>
-        </p:style>
-        <p:txBody>
-          <a:bodyPr rtlCol="0" anchor="ctr"/>
-          <a:lstStyle/>
-          <a:p>
-            <a:pPr algn="ctr"/>
-            <a:endParaRPr lang="pt-BR"/>
-          </a:p>
-        </p:txBody>
-      </p:sp>
-      <p:sp>
-        <p:nvSpPr>
-          <p:cNvPr id="65" name="CaixaDeTexto 64"/>
-          <p:cNvSpPr txBox="1"/>
-          <p:nvPr/>
-        </p:nvSpPr>
-        <p:spPr>
-          <a:xfrm>
-            <a:off x="1462362" y="2626661"/>
-            <a:ext cx="4578359" cy="369332"/>
-          </a:xfrm>
-          <a:prstGeom prst="rect">
-            <a:avLst/>
-          </a:prstGeom>
-          <a:noFill/>
-        </p:spPr>
-        <p:txBody>
-          <a:bodyPr wrap="square" rtlCol="0">
-            <a:spAutoFit/>
-          </a:bodyPr>
-          <a:lstStyle/>
-          <a:p>
-            <a:r>
-              <a:rPr lang="pt-BR" dirty="0">
-                <a:solidFill>
-                  <a:srgbClr val="447E43"/>
-                </a:solidFill>
-                <a:latin typeface="Bahnschrift" panose="020B0502040204020203" pitchFamily="34" charset="0"/>
-              </a:rPr>
-              <a:t>Jogo da memória</a:t>
-            </a:r>
-          </a:p>
-        </p:txBody>
-      </p:sp>
-      <p:sp>
-        <p:nvSpPr>
-          <p:cNvPr id="66" name="Retângulo de cantos arredondados 65"/>
-          <p:cNvSpPr/>
-          <p:nvPr/>
-        </p:nvSpPr>
-        <p:spPr>
-          <a:xfrm>
-            <a:off x="1443660" y="3067508"/>
-            <a:ext cx="5838084" cy="386367"/>
-          </a:xfrm>
-          <a:prstGeom prst="roundRect">
-            <a:avLst/>
-          </a:prstGeom>
-          <a:noFill/>
-        </p:spPr>
-        <p:style>
-          <a:lnRef idx="2">
-            <a:schemeClr val="accent6"/>
-          </a:lnRef>
-          <a:fillRef idx="1">
-            <a:schemeClr val="lt1"/>
-          </a:fillRef>
-          <a:effectRef idx="0">
-            <a:schemeClr val="accent6"/>
-          </a:effectRef>
-          <a:fontRef idx="minor">
-            <a:schemeClr val="dk1"/>
-          </a:fontRef>
-        </p:style>
-        <p:txBody>
-          <a:bodyPr rtlCol="0" anchor="ctr"/>
-          <a:lstStyle/>
-          <a:p>
-            <a:pPr algn="ctr"/>
-            <a:endParaRPr lang="pt-BR"/>
-          </a:p>
-        </p:txBody>
-      </p:sp>
-      <p:sp>
-        <p:nvSpPr>
-          <p:cNvPr id="68" name="CaixaDeTexto 67"/>
-          <p:cNvSpPr txBox="1"/>
-          <p:nvPr/>
-        </p:nvSpPr>
-        <p:spPr>
-          <a:xfrm>
-            <a:off x="1462362" y="3062233"/>
-            <a:ext cx="4578359" cy="369332"/>
-          </a:xfrm>
-          <a:prstGeom prst="rect">
-            <a:avLst/>
-          </a:prstGeom>
-          <a:noFill/>
-        </p:spPr>
-        <p:txBody>
-          <a:bodyPr wrap="square" rtlCol="0">
-            <a:spAutoFit/>
-          </a:bodyPr>
-          <a:lstStyle/>
-          <a:p>
-            <a:r>
-              <a:rPr lang="pt-BR" dirty="0">
-                <a:solidFill>
-                  <a:srgbClr val="447E43"/>
-                </a:solidFill>
-                <a:latin typeface="Bahnschrift" panose="020B0502040204020203" pitchFamily="34" charset="0"/>
-              </a:rPr>
-              <a:t>Apague a luz</a:t>
-            </a:r>
-          </a:p>
-        </p:txBody>
-      </p:sp>
-      <p:sp>
-        <p:nvSpPr>
-          <p:cNvPr id="46" name="Retângulo 45"/>
-          <p:cNvSpPr/>
-          <p:nvPr/>
-        </p:nvSpPr>
-        <p:spPr>
-          <a:xfrm>
-            <a:off x="5461686" y="5488650"/>
-            <a:ext cx="1724725" cy="399022"/>
+            <a:off x="7421960" y="1952420"/>
+            <a:ext cx="1958891" cy="378657"/>
           </a:xfrm>
           <a:prstGeom prst="rect">
             <a:avLst/>
@@ -19213,249 +17522,7 @@
             <a:pPr algn="ctr"/>
             <a:r>
               <a:rPr lang="pt-BR" dirty="0"/>
-              <a:t>Iniciar rodada</a:t>
-            </a:r>
-          </a:p>
-        </p:txBody>
-      </p:sp>
-      <p:sp>
-        <p:nvSpPr>
-          <p:cNvPr id="70" name="Retângulo 69"/>
-          <p:cNvSpPr/>
-          <p:nvPr/>
-        </p:nvSpPr>
-        <p:spPr>
-          <a:xfrm>
-            <a:off x="8162399" y="2204078"/>
-            <a:ext cx="2057243" cy="399022"/>
-          </a:xfrm>
-          <a:prstGeom prst="rect">
-            <a:avLst/>
-          </a:prstGeom>
-          <a:solidFill>
-            <a:srgbClr val="73D54A"/>
-          </a:solidFill>
-          <a:ln>
-            <a:solidFill>
-              <a:srgbClr val="73D54A"/>
-            </a:solidFill>
-          </a:ln>
-          <a:effectLst>
-            <a:outerShdw blurRad="50800" dist="38100" dir="2700000" algn="tl" rotWithShape="0">
-              <a:prstClr val="black">
-                <a:alpha val="40000"/>
-              </a:prstClr>
-            </a:outerShdw>
-            <a:softEdge rad="0"/>
-          </a:effectLst>
-        </p:spPr>
-        <p:style>
-          <a:lnRef idx="2">
-            <a:schemeClr val="accent1">
-              <a:shade val="50000"/>
-            </a:schemeClr>
-          </a:lnRef>
-          <a:fillRef idx="1">
-            <a:schemeClr val="accent1"/>
-          </a:fillRef>
-          <a:effectRef idx="0">
-            <a:schemeClr val="accent1"/>
-          </a:effectRef>
-          <a:fontRef idx="minor">
-            <a:schemeClr val="lt1"/>
-          </a:fontRef>
-        </p:style>
-        <p:txBody>
-          <a:bodyPr rtlCol="0" anchor="ctr"/>
-          <a:lstStyle/>
-          <a:p>
-            <a:pPr algn="ctr"/>
-            <a:r>
-              <a:rPr lang="pt-BR" dirty="0"/>
-              <a:t>Adicionar perguntas</a:t>
-            </a:r>
-          </a:p>
-        </p:txBody>
-      </p:sp>
-      <p:sp>
-        <p:nvSpPr>
-          <p:cNvPr id="72" name="Retângulo 71"/>
-          <p:cNvSpPr/>
-          <p:nvPr/>
-        </p:nvSpPr>
-        <p:spPr>
-          <a:xfrm>
-            <a:off x="7961454" y="3904181"/>
-            <a:ext cx="2462837" cy="517732"/>
-          </a:xfrm>
-          <a:prstGeom prst="rect">
-            <a:avLst/>
-          </a:prstGeom>
-          <a:solidFill>
-            <a:srgbClr val="73D54A"/>
-          </a:solidFill>
-          <a:ln>
-            <a:solidFill>
-              <a:srgbClr val="73D54A"/>
-            </a:solidFill>
-          </a:ln>
-          <a:effectLst>
-            <a:outerShdw blurRad="50800" dist="38100" dir="2700000" algn="tl" rotWithShape="0">
-              <a:prstClr val="black">
-                <a:alpha val="40000"/>
-              </a:prstClr>
-            </a:outerShdw>
-            <a:softEdge rad="0"/>
-          </a:effectLst>
-        </p:spPr>
-        <p:style>
-          <a:lnRef idx="2">
-            <a:schemeClr val="accent1">
-              <a:shade val="50000"/>
-            </a:schemeClr>
-          </a:lnRef>
-          <a:fillRef idx="1">
-            <a:schemeClr val="accent1"/>
-          </a:fillRef>
-          <a:effectRef idx="0">
-            <a:schemeClr val="accent1"/>
-          </a:effectRef>
-          <a:fontRef idx="minor">
-            <a:schemeClr val="lt1"/>
-          </a:fontRef>
-        </p:style>
-        <p:txBody>
-          <a:bodyPr rtlCol="0" anchor="ctr"/>
-          <a:lstStyle/>
-          <a:p>
-            <a:pPr algn="ctr"/>
-            <a:r>
-              <a:rPr lang="pt-BR" dirty="0"/>
-              <a:t>Adicionar Jogo da Memória</a:t>
-            </a:r>
-          </a:p>
-        </p:txBody>
-      </p:sp>
-      <p:sp>
-        <p:nvSpPr>
-          <p:cNvPr id="73" name="Retângulo 72"/>
-          <p:cNvSpPr/>
-          <p:nvPr/>
-        </p:nvSpPr>
-        <p:spPr>
-          <a:xfrm>
-            <a:off x="7961454" y="5377029"/>
-            <a:ext cx="2459134" cy="399022"/>
-          </a:xfrm>
-          <a:prstGeom prst="rect">
-            <a:avLst/>
-          </a:prstGeom>
-          <a:solidFill>
-            <a:srgbClr val="73D54A"/>
-          </a:solidFill>
-          <a:ln>
-            <a:solidFill>
-              <a:srgbClr val="73D54A"/>
-            </a:solidFill>
-          </a:ln>
-          <a:effectLst>
-            <a:outerShdw blurRad="50800" dist="38100" dir="2700000" algn="tl" rotWithShape="0">
-              <a:prstClr val="black">
-                <a:alpha val="40000"/>
-              </a:prstClr>
-            </a:outerShdw>
-            <a:softEdge rad="0"/>
-          </a:effectLst>
-        </p:spPr>
-        <p:style>
-          <a:lnRef idx="2">
-            <a:schemeClr val="accent1">
-              <a:shade val="50000"/>
-            </a:schemeClr>
-          </a:lnRef>
-          <a:fillRef idx="1">
-            <a:schemeClr val="accent1"/>
-          </a:fillRef>
-          <a:effectRef idx="0">
-            <a:schemeClr val="accent1"/>
-          </a:effectRef>
-          <a:fontRef idx="minor">
-            <a:schemeClr val="lt1"/>
-          </a:fontRef>
-        </p:style>
-        <p:txBody>
-          <a:bodyPr rtlCol="0" anchor="ctr"/>
-          <a:lstStyle/>
-          <a:p>
-            <a:pPr algn="ctr"/>
-            <a:r>
-              <a:rPr lang="pt-BR" dirty="0"/>
-              <a:t>Adicionar Apague a Luz</a:t>
-            </a:r>
-          </a:p>
-        </p:txBody>
-      </p:sp>
-      <p:sp>
-        <p:nvSpPr>
-          <p:cNvPr id="35" name="Retângulo 34">
-            <a:extLst>
-              <a:ext uri="{FF2B5EF4-FFF2-40B4-BE49-F238E27FC236}">
-                <a16:creationId xmlns:a16="http://schemas.microsoft.com/office/drawing/2014/main" id="{579B470E-A950-473D-9224-F36D0EB57231}"/>
-              </a:ext>
-            </a:extLst>
-          </p:cNvPr>
-          <p:cNvSpPr/>
-          <p:nvPr/>
-        </p:nvSpPr>
-        <p:spPr>
-          <a:xfrm>
-            <a:off x="1462362" y="5289211"/>
-            <a:ext cx="1724725" cy="596570"/>
-          </a:xfrm>
-          <a:prstGeom prst="rect">
-            <a:avLst/>
-          </a:prstGeom>
-          <a:solidFill>
-            <a:srgbClr val="73D54A"/>
-          </a:solidFill>
-          <a:ln>
-            <a:solidFill>
-              <a:srgbClr val="73D54A"/>
-            </a:solidFill>
-          </a:ln>
-          <a:effectLst>
-            <a:outerShdw blurRad="50800" dist="38100" dir="2700000" algn="tl" rotWithShape="0">
-              <a:prstClr val="black">
-                <a:alpha val="40000"/>
-              </a:prstClr>
-            </a:outerShdw>
-            <a:softEdge rad="0"/>
-          </a:effectLst>
-        </p:spPr>
-        <p:style>
-          <a:lnRef idx="2">
-            <a:schemeClr val="accent1">
-              <a:shade val="50000"/>
-            </a:schemeClr>
-          </a:lnRef>
-          <a:fillRef idx="1">
-            <a:schemeClr val="accent1"/>
-          </a:fillRef>
-          <a:effectRef idx="0">
-            <a:schemeClr val="accent1"/>
-          </a:effectRef>
-          <a:fontRef idx="minor">
-            <a:schemeClr val="lt1"/>
-          </a:fontRef>
-        </p:style>
-        <p:txBody>
-          <a:bodyPr rtlCol="0" anchor="ctr"/>
-          <a:lstStyle/>
-          <a:p>
-            <a:pPr algn="ctr"/>
-            <a:r>
-              <a:rPr lang="pt-BR" dirty="0"/>
-              <a:t>Remover último jogo</a:t>
+              <a:t>Adicionar Rodada</a:t>
             </a:r>
           </a:p>
         </p:txBody>
@@ -19463,490 +17530,7 @@
     </p:spTree>
     <p:extLst>
       <p:ext uri="{BB962C8B-B14F-4D97-AF65-F5344CB8AC3E}">
-        <p14:creationId xmlns:p14="http://schemas.microsoft.com/office/powerpoint/2010/main" val="946480658"/>
-      </p:ext>
-    </p:extLst>
-  </p:cSld>
-  <p:clrMapOvr>
-    <a:masterClrMapping/>
-  </p:clrMapOvr>
-</p:sld>
-</file>
-
-<file path=ppt/slides/slide29.xml><?xml version="1.0" encoding="utf-8"?>
-<p:sld xmlns:a="http://schemas.openxmlformats.org/drawingml/2006/main" xmlns:r="http://schemas.openxmlformats.org/officeDocument/2006/relationships" xmlns:p="http://schemas.openxmlformats.org/presentationml/2006/main">
-  <p:cSld>
-    <p:spTree>
-      <p:nvGrpSpPr>
-        <p:cNvPr id="1" name=""/>
-        <p:cNvGrpSpPr/>
-        <p:nvPr/>
-      </p:nvGrpSpPr>
-      <p:grpSpPr>
-        <a:xfrm>
-          <a:off x="0" y="0"/>
-          <a:ext cx="0" cy="0"/>
-          <a:chOff x="0" y="0"/>
-          <a:chExt cx="0" cy="0"/>
-        </a:xfrm>
-      </p:grpSpPr>
-      <p:sp>
-        <p:nvSpPr>
-          <p:cNvPr id="2" name="Título 1"/>
-          <p:cNvSpPr>
-            <a:spLocks noGrp="1"/>
-          </p:cNvSpPr>
-          <p:nvPr>
-            <p:ph type="title"/>
-          </p:nvPr>
-        </p:nvSpPr>
-        <p:spPr/>
-        <p:txBody>
-          <a:bodyPr>
-            <a:normAutofit/>
-          </a:bodyPr>
-          <a:lstStyle/>
-          <a:p>
-            <a:r>
-              <a:rPr lang="pt-BR" sz="3200" dirty="0"/>
-              <a:t>Tabela de Elementos – Tela Nova Rodada</a:t>
-            </a:r>
-          </a:p>
-        </p:txBody>
-      </p:sp>
-      <p:graphicFrame>
-        <p:nvGraphicFramePr>
-          <p:cNvPr id="4" name="Espaço Reservado para Conteúdo 3"/>
-          <p:cNvGraphicFramePr>
-            <a:graphicFrameLocks noGrp="1"/>
-          </p:cNvGraphicFramePr>
-          <p:nvPr>
-            <p:ph idx="1"/>
-            <p:extLst>
-              <p:ext uri="{D42A27DB-BD31-4B8C-83A1-F6EECF244321}">
-                <p14:modId xmlns:p14="http://schemas.microsoft.com/office/powerpoint/2010/main" val="1164697345"/>
-              </p:ext>
-            </p:extLst>
-          </p:nvPr>
-        </p:nvGraphicFramePr>
-        <p:xfrm>
-          <a:off x="838199" y="2250626"/>
-          <a:ext cx="9168685" cy="3006229"/>
-        </p:xfrm>
-        <a:graphic>
-          <a:graphicData uri="http://schemas.openxmlformats.org/drawingml/2006/table">
-            <a:tbl>
-              <a:tblPr firstRow="1" bandRow="1">
-                <a:tableStyleId>{93296810-A885-4BE3-A3E7-6D5BEEA58F35}</a:tableStyleId>
-              </a:tblPr>
-              <a:tblGrid>
-                <a:gridCol w="569322">
-                  <a:extLst>
-                    <a:ext uri="{9D8B030D-6E8A-4147-A177-3AD203B41FA5}">
-                      <a16:colId xmlns:a16="http://schemas.microsoft.com/office/drawing/2014/main" val="20000"/>
-                    </a:ext>
-                  </a:extLst>
-                </a:gridCol>
-                <a:gridCol w="1629692">
-                  <a:extLst>
-                    <a:ext uri="{9D8B030D-6E8A-4147-A177-3AD203B41FA5}">
-                      <a16:colId xmlns:a16="http://schemas.microsoft.com/office/drawing/2014/main" val="20001"/>
-                    </a:ext>
-                  </a:extLst>
-                </a:gridCol>
-                <a:gridCol w="1742084">
-                  <a:extLst>
-                    <a:ext uri="{9D8B030D-6E8A-4147-A177-3AD203B41FA5}">
-                      <a16:colId xmlns:a16="http://schemas.microsoft.com/office/drawing/2014/main" val="20002"/>
-                    </a:ext>
-                  </a:extLst>
-                </a:gridCol>
-                <a:gridCol w="2942571">
-                  <a:extLst>
-                    <a:ext uri="{9D8B030D-6E8A-4147-A177-3AD203B41FA5}">
-                      <a16:colId xmlns:a16="http://schemas.microsoft.com/office/drawing/2014/main" val="20003"/>
-                    </a:ext>
-                  </a:extLst>
-                </a:gridCol>
-                <a:gridCol w="2285016">
-                  <a:extLst>
-                    <a:ext uri="{9D8B030D-6E8A-4147-A177-3AD203B41FA5}">
-                      <a16:colId xmlns:a16="http://schemas.microsoft.com/office/drawing/2014/main" val="20004"/>
-                    </a:ext>
-                  </a:extLst>
-                </a:gridCol>
-              </a:tblGrid>
-              <a:tr h="445909">
-                <a:tc>
-                  <a:txBody>
-                    <a:bodyPr/>
-                    <a:lstStyle/>
-                    <a:p>
-                      <a:endParaRPr lang="pt-BR" dirty="0"/>
-                    </a:p>
-                  </a:txBody>
-                  <a:tcPr/>
-                </a:tc>
-                <a:tc>
-                  <a:txBody>
-                    <a:bodyPr/>
-                    <a:lstStyle/>
-                    <a:p>
-                      <a:r>
-                        <a:rPr lang="pt-BR" dirty="0"/>
-                        <a:t>Nome Campo</a:t>
-                      </a:r>
-                    </a:p>
-                  </a:txBody>
-                  <a:tcPr/>
-                </a:tc>
-                <a:tc>
-                  <a:txBody>
-                    <a:bodyPr/>
-                    <a:lstStyle/>
-                    <a:p>
-                      <a:r>
-                        <a:rPr lang="pt-BR" dirty="0"/>
-                        <a:t>Origem</a:t>
-                      </a:r>
-                    </a:p>
-                  </a:txBody>
-                  <a:tcPr/>
-                </a:tc>
-                <a:tc>
-                  <a:txBody>
-                    <a:bodyPr/>
-                    <a:lstStyle/>
-                    <a:p>
-                      <a:r>
-                        <a:rPr lang="pt-BR" dirty="0"/>
-                        <a:t>Tipo</a:t>
-                      </a:r>
-                    </a:p>
-                  </a:txBody>
-                  <a:tcPr/>
-                </a:tc>
-                <a:tc>
-                  <a:txBody>
-                    <a:bodyPr/>
-                    <a:lstStyle/>
-                    <a:p>
-                      <a:r>
-                        <a:rPr lang="pt-BR" dirty="0"/>
-                        <a:t>Função</a:t>
-                      </a:r>
-                    </a:p>
-                  </a:txBody>
-                  <a:tcPr/>
-                </a:tc>
-                <a:extLst>
-                  <a:ext uri="{0D108BD9-81ED-4DB2-BD59-A6C34878D82A}">
-                    <a16:rowId xmlns:a16="http://schemas.microsoft.com/office/drawing/2014/main" val="10000"/>
-                  </a:ext>
-                </a:extLst>
-              </a:tr>
-              <a:tr h="445909">
-                <a:tc>
-                  <a:txBody>
-                    <a:bodyPr/>
-                    <a:lstStyle/>
-                    <a:p>
-                      <a:r>
-                        <a:rPr lang="pt-BR" dirty="0"/>
-                        <a:t>0</a:t>
-                      </a:r>
-                    </a:p>
-                  </a:txBody>
-                  <a:tcPr/>
-                </a:tc>
-                <a:tc>
-                  <a:txBody>
-                    <a:bodyPr/>
-                    <a:lstStyle/>
-                    <a:p>
-                      <a:r>
-                        <a:rPr lang="pt-BR" dirty="0"/>
-                        <a:t>‘+’ (QUIZ)</a:t>
-                      </a:r>
-                    </a:p>
-                  </a:txBody>
-                  <a:tcPr/>
-                </a:tc>
-                <a:tc>
-                  <a:txBody>
-                    <a:bodyPr/>
-                    <a:lstStyle/>
-                    <a:p>
-                      <a:endParaRPr lang="pt-BR" dirty="0"/>
-                    </a:p>
-                  </a:txBody>
-                  <a:tcPr/>
-                </a:tc>
-                <a:tc>
-                  <a:txBody>
-                    <a:bodyPr/>
-                    <a:lstStyle/>
-                    <a:p>
-                      <a:r>
-                        <a:rPr lang="pt-BR" dirty="0"/>
-                        <a:t>Botão</a:t>
-                      </a:r>
-                    </a:p>
-                  </a:txBody>
-                  <a:tcPr/>
-                </a:tc>
-                <a:tc>
-                  <a:txBody>
-                    <a:bodyPr/>
-                    <a:lstStyle/>
-                    <a:p>
-                      <a:r>
-                        <a:rPr lang="pt-BR" dirty="0"/>
-                        <a:t>Adiciona respectiva</a:t>
-                      </a:r>
-                      <a:r>
-                        <a:rPr lang="pt-BR" baseline="0" dirty="0"/>
-                        <a:t> pergunta a rodada</a:t>
-                      </a:r>
-                      <a:endParaRPr lang="pt-BR" dirty="0"/>
-                    </a:p>
-                  </a:txBody>
-                  <a:tcPr/>
-                </a:tc>
-                <a:extLst>
-                  <a:ext uri="{0D108BD9-81ED-4DB2-BD59-A6C34878D82A}">
-                    <a16:rowId xmlns:a16="http://schemas.microsoft.com/office/drawing/2014/main" val="10001"/>
-                  </a:ext>
-                </a:extLst>
-              </a:tr>
-              <a:tr h="445909">
-                <a:tc>
-                  <a:txBody>
-                    <a:bodyPr/>
-                    <a:lstStyle/>
-                    <a:p>
-                      <a:r>
-                        <a:rPr lang="pt-BR" dirty="0"/>
-                        <a:t>1</a:t>
-                      </a:r>
-                    </a:p>
-                  </a:txBody>
-                  <a:tcPr/>
-                </a:tc>
-                <a:tc>
-                  <a:txBody>
-                    <a:bodyPr/>
-                    <a:lstStyle/>
-                    <a:p>
-                      <a:r>
-                        <a:rPr lang="pt-BR" dirty="0"/>
-                        <a:t>‘ +’ (Jogo</a:t>
-                      </a:r>
-                      <a:r>
-                        <a:rPr lang="pt-BR" baseline="0" dirty="0"/>
-                        <a:t> da Memória</a:t>
-                      </a:r>
-                      <a:r>
-                        <a:rPr lang="pt-BR" dirty="0"/>
-                        <a:t>)</a:t>
-                      </a:r>
-                    </a:p>
-                  </a:txBody>
-                  <a:tcPr/>
-                </a:tc>
-                <a:tc>
-                  <a:txBody>
-                    <a:bodyPr/>
-                    <a:lstStyle/>
-                    <a:p>
-                      <a:endParaRPr lang="pt-BR" dirty="0"/>
-                    </a:p>
-                  </a:txBody>
-                  <a:tcPr/>
-                </a:tc>
-                <a:tc>
-                  <a:txBody>
-                    <a:bodyPr/>
-                    <a:lstStyle/>
-                    <a:p>
-                      <a:r>
-                        <a:rPr lang="pt-BR" dirty="0"/>
-                        <a:t>Botão</a:t>
-                      </a:r>
-                    </a:p>
-                  </a:txBody>
-                  <a:tcPr/>
-                </a:tc>
-                <a:tc>
-                  <a:txBody>
-                    <a:bodyPr/>
-                    <a:lstStyle/>
-                    <a:p>
-                      <a:r>
-                        <a:rPr lang="pt-BR" dirty="0"/>
-                        <a:t>Adiciona o Jogo da memória a rodada</a:t>
-                      </a:r>
-                    </a:p>
-                  </a:txBody>
-                  <a:tcPr/>
-                </a:tc>
-                <a:extLst>
-                  <a:ext uri="{0D108BD9-81ED-4DB2-BD59-A6C34878D82A}">
-                    <a16:rowId xmlns:a16="http://schemas.microsoft.com/office/drawing/2014/main" val="10002"/>
-                  </a:ext>
-                </a:extLst>
-              </a:tr>
-              <a:tr h="445909">
-                <a:tc>
-                  <a:txBody>
-                    <a:bodyPr/>
-                    <a:lstStyle/>
-                    <a:p>
-                      <a:r>
-                        <a:rPr lang="pt-BR" dirty="0"/>
-                        <a:t>2</a:t>
-                      </a:r>
-                    </a:p>
-                  </a:txBody>
-                  <a:tcPr/>
-                </a:tc>
-                <a:tc>
-                  <a:txBody>
-                    <a:bodyPr/>
-                    <a:lstStyle/>
-                    <a:p>
-                      <a:r>
-                        <a:rPr lang="pt-BR" dirty="0"/>
-                        <a:t>‘+’ (Acerte o alvo)</a:t>
-                      </a:r>
-                    </a:p>
-                  </a:txBody>
-                  <a:tcPr/>
-                </a:tc>
-                <a:tc>
-                  <a:txBody>
-                    <a:bodyPr/>
-                    <a:lstStyle/>
-                    <a:p>
-                      <a:endParaRPr lang="pt-BR" dirty="0"/>
-                    </a:p>
-                  </a:txBody>
-                  <a:tcPr/>
-                </a:tc>
-                <a:tc>
-                  <a:txBody>
-                    <a:bodyPr/>
-                    <a:lstStyle/>
-                    <a:p>
-                      <a:r>
-                        <a:rPr lang="pt-BR" dirty="0"/>
-                        <a:t>Botão</a:t>
-                      </a:r>
-                    </a:p>
-                  </a:txBody>
-                  <a:tcPr/>
-                </a:tc>
-                <a:tc>
-                  <a:txBody>
-                    <a:bodyPr/>
-                    <a:lstStyle/>
-                    <a:p>
-                      <a:r>
-                        <a:rPr lang="pt-BR" dirty="0"/>
-                        <a:t>Adiciona o jogo Acerte ao Alvo a rodada</a:t>
-                      </a:r>
-                    </a:p>
-                  </a:txBody>
-                  <a:tcPr/>
-                </a:tc>
-                <a:extLst>
-                  <a:ext uri="{0D108BD9-81ED-4DB2-BD59-A6C34878D82A}">
-                    <a16:rowId xmlns:a16="http://schemas.microsoft.com/office/drawing/2014/main" val="10003"/>
-                  </a:ext>
-                </a:extLst>
-              </a:tr>
-              <a:tr h="445909">
-                <a:tc>
-                  <a:txBody>
-                    <a:bodyPr/>
-                    <a:lstStyle/>
-                    <a:p>
-                      <a:r>
-                        <a:rPr lang="pt-BR" dirty="0"/>
-                        <a:t>3</a:t>
-                      </a:r>
-                    </a:p>
-                  </a:txBody>
-                  <a:tcPr/>
-                </a:tc>
-                <a:tc>
-                  <a:txBody>
-                    <a:bodyPr/>
-                    <a:lstStyle/>
-                    <a:p>
-                      <a:r>
-                        <a:rPr lang="pt-BR" dirty="0"/>
-                        <a:t>‘X’</a:t>
-                      </a:r>
-                    </a:p>
-                  </a:txBody>
-                  <a:tcPr/>
-                </a:tc>
-                <a:tc>
-                  <a:txBody>
-                    <a:bodyPr/>
-                    <a:lstStyle/>
-                    <a:p>
-                      <a:endParaRPr lang="pt-BR" dirty="0"/>
-                    </a:p>
-                  </a:txBody>
-                  <a:tcPr/>
-                </a:tc>
-                <a:tc>
-                  <a:txBody>
-                    <a:bodyPr/>
-                    <a:lstStyle/>
-                    <a:p>
-                      <a:r>
-                        <a:rPr lang="pt-BR" dirty="0"/>
-                        <a:t>Botão</a:t>
-                      </a:r>
-                    </a:p>
-                  </a:txBody>
-                  <a:tcPr/>
-                </a:tc>
-                <a:tc>
-                  <a:txBody>
-                    <a:bodyPr/>
-                    <a:lstStyle/>
-                    <a:p>
-                      <a:r>
-                        <a:rPr lang="pt-BR" dirty="0"/>
-                        <a:t>Exclui</a:t>
-                      </a:r>
-                      <a:r>
-                        <a:rPr lang="pt-BR" baseline="0" dirty="0"/>
-                        <a:t> respectivo jogo da Rodada</a:t>
-                      </a:r>
-                      <a:endParaRPr lang="pt-BR" dirty="0"/>
-                    </a:p>
-                  </a:txBody>
-                  <a:tcPr/>
-                </a:tc>
-                <a:extLst>
-                  <a:ext uri="{0D108BD9-81ED-4DB2-BD59-A6C34878D82A}">
-                    <a16:rowId xmlns:a16="http://schemas.microsoft.com/office/drawing/2014/main" val="10004"/>
-                  </a:ext>
-                </a:extLst>
-              </a:tr>
-            </a:tbl>
-          </a:graphicData>
-        </a:graphic>
-      </p:graphicFrame>
-    </p:spTree>
-    <p:extLst>
-      <p:ext uri="{BB962C8B-B14F-4D97-AF65-F5344CB8AC3E}">
-        <p14:creationId xmlns:p14="http://schemas.microsoft.com/office/powerpoint/2010/main" val="2728877319"/>
+        <p14:creationId xmlns:p14="http://schemas.microsoft.com/office/powerpoint/2010/main" val="1377177600"/>
       </p:ext>
     </p:extLst>
   </p:cSld>
@@ -20603,965 +18187,6 @@
       </p:grpSpPr>
       <p:sp>
         <p:nvSpPr>
-          <p:cNvPr id="28" name="Retângulo 27">
-            <a:extLst>
-              <a:ext uri="{FF2B5EF4-FFF2-40B4-BE49-F238E27FC236}">
-                <a16:creationId xmlns:a16="http://schemas.microsoft.com/office/drawing/2014/main" id="{5F32A0B6-C48F-43EE-A5D8-7308B54BD125}"/>
-              </a:ext>
-            </a:extLst>
-          </p:cNvPr>
-          <p:cNvSpPr/>
-          <p:nvPr/>
-        </p:nvSpPr>
-        <p:spPr>
-          <a:xfrm>
-            <a:off x="1146749" y="441822"/>
-            <a:ext cx="9787944" cy="5911402"/>
-          </a:xfrm>
-          <a:prstGeom prst="rect">
-            <a:avLst/>
-          </a:prstGeom>
-          <a:solidFill>
-            <a:srgbClr val="C5E0B4"/>
-          </a:solidFill>
-          <a:ln>
-            <a:solidFill>
-              <a:schemeClr val="accent6">
-                <a:lumMod val="60000"/>
-                <a:lumOff val="40000"/>
-              </a:schemeClr>
-            </a:solidFill>
-          </a:ln>
-          <a:effectLst/>
-        </p:spPr>
-        <p:style>
-          <a:lnRef idx="2">
-            <a:schemeClr val="accent1">
-              <a:shade val="50000"/>
-            </a:schemeClr>
-          </a:lnRef>
-          <a:fillRef idx="1">
-            <a:schemeClr val="accent1"/>
-          </a:fillRef>
-          <a:effectRef idx="0">
-            <a:schemeClr val="accent1"/>
-          </a:effectRef>
-          <a:fontRef idx="minor">
-            <a:schemeClr val="lt1"/>
-          </a:fontRef>
-        </p:style>
-        <p:txBody>
-          <a:bodyPr rtlCol="0" anchor="ctr"/>
-          <a:lstStyle/>
-          <a:p>
-            <a:pPr algn="ctr"/>
-            <a:endParaRPr lang="pt-BR"/>
-          </a:p>
-        </p:txBody>
-      </p:sp>
-      <p:pic>
-        <p:nvPicPr>
-          <p:cNvPr id="29" name="Imagem 28">
-            <a:extLst>
-              <a:ext uri="{FF2B5EF4-FFF2-40B4-BE49-F238E27FC236}">
-                <a16:creationId xmlns:a16="http://schemas.microsoft.com/office/drawing/2014/main" id="{FB65D69D-FD79-4510-9B62-EF95225475B4}"/>
-              </a:ext>
-            </a:extLst>
-          </p:cNvPr>
-          <p:cNvPicPr>
-            <a:picLocks noChangeAspect="1"/>
-          </p:cNvPicPr>
-          <p:nvPr/>
-        </p:nvPicPr>
-        <p:blipFill rotWithShape="1">
-          <a:blip r:embed="rId2">
-            <a:extLst>
-              <a:ext uri="{28A0092B-C50C-407E-A947-70E740481C1C}">
-                <a14:useLocalDpi xmlns:a14="http://schemas.microsoft.com/office/drawing/2010/main" val="0"/>
-              </a:ext>
-            </a:extLst>
-          </a:blip>
-          <a:srcRect l="24509" t="16810" r="7466" b="10724"/>
-          <a:stretch/>
-        </p:blipFill>
-        <p:spPr>
-          <a:xfrm>
-            <a:off x="4495567" y="1780008"/>
-            <a:ext cx="6439126" cy="4569278"/>
-          </a:xfrm>
-          <a:prstGeom prst="rect">
-            <a:avLst/>
-          </a:prstGeom>
-        </p:spPr>
-      </p:pic>
-      <p:sp>
-        <p:nvSpPr>
-          <p:cNvPr id="30" name="Retângulo 29">
-            <a:extLst>
-              <a:ext uri="{FF2B5EF4-FFF2-40B4-BE49-F238E27FC236}">
-                <a16:creationId xmlns:a16="http://schemas.microsoft.com/office/drawing/2014/main" id="{69F39E0A-ADF3-4786-AADD-1590DEF8ACD5}"/>
-              </a:ext>
-            </a:extLst>
-          </p:cNvPr>
-          <p:cNvSpPr/>
-          <p:nvPr/>
-        </p:nvSpPr>
-        <p:spPr>
-          <a:xfrm>
-            <a:off x="1146748" y="441822"/>
-            <a:ext cx="2467365" cy="5907464"/>
-          </a:xfrm>
-          <a:prstGeom prst="rect">
-            <a:avLst/>
-          </a:prstGeom>
-          <a:solidFill>
-            <a:srgbClr val="FDEBC7"/>
-          </a:solidFill>
-          <a:ln>
-            <a:solidFill>
-              <a:srgbClr val="447E43"/>
-            </a:solidFill>
-          </a:ln>
-        </p:spPr>
-        <p:style>
-          <a:lnRef idx="2">
-            <a:schemeClr val="accent1">
-              <a:shade val="50000"/>
-            </a:schemeClr>
-          </a:lnRef>
-          <a:fillRef idx="1">
-            <a:schemeClr val="accent1"/>
-          </a:fillRef>
-          <a:effectRef idx="0">
-            <a:schemeClr val="accent1"/>
-          </a:effectRef>
-          <a:fontRef idx="minor">
-            <a:schemeClr val="lt1"/>
-          </a:fontRef>
-        </p:style>
-        <p:txBody>
-          <a:bodyPr rtlCol="0" anchor="ctr"/>
-          <a:lstStyle/>
-          <a:p>
-            <a:pPr algn="ctr"/>
-            <a:endParaRPr lang="pt-BR"/>
-          </a:p>
-        </p:txBody>
-      </p:sp>
-      <p:sp>
-        <p:nvSpPr>
-          <p:cNvPr id="31" name="Retângulo de cantos arredondados 15">
-            <a:extLst>
-              <a:ext uri="{FF2B5EF4-FFF2-40B4-BE49-F238E27FC236}">
-                <a16:creationId xmlns:a16="http://schemas.microsoft.com/office/drawing/2014/main" id="{A8F89069-7CD4-49CA-8349-13E28CB0199B}"/>
-              </a:ext>
-            </a:extLst>
-          </p:cNvPr>
-          <p:cNvSpPr/>
-          <p:nvPr/>
-        </p:nvSpPr>
-        <p:spPr>
-          <a:xfrm>
-            <a:off x="1262130" y="579548"/>
-            <a:ext cx="2253802" cy="5640947"/>
-          </a:xfrm>
-          <a:prstGeom prst="roundRect">
-            <a:avLst>
-              <a:gd name="adj" fmla="val 0"/>
-            </a:avLst>
-          </a:prstGeom>
-          <a:noFill/>
-        </p:spPr>
-        <p:style>
-          <a:lnRef idx="2">
-            <a:schemeClr val="accent6"/>
-          </a:lnRef>
-          <a:fillRef idx="1">
-            <a:schemeClr val="lt1"/>
-          </a:fillRef>
-          <a:effectRef idx="0">
-            <a:schemeClr val="accent6"/>
-          </a:effectRef>
-          <a:fontRef idx="minor">
-            <a:schemeClr val="dk1"/>
-          </a:fontRef>
-        </p:style>
-        <p:txBody>
-          <a:bodyPr rtlCol="0" anchor="ctr"/>
-          <a:lstStyle/>
-          <a:p>
-            <a:pPr algn="ctr"/>
-            <a:endParaRPr lang="pt-BR"/>
-          </a:p>
-        </p:txBody>
-      </p:sp>
-      <p:sp>
-        <p:nvSpPr>
-          <p:cNvPr id="32" name="Retângulo 31">
-            <a:extLst>
-              <a:ext uri="{FF2B5EF4-FFF2-40B4-BE49-F238E27FC236}">
-                <a16:creationId xmlns:a16="http://schemas.microsoft.com/office/drawing/2014/main" id="{FB98B605-AF2E-47B3-A046-9DBA0B0C6DF0}"/>
-              </a:ext>
-            </a:extLst>
-          </p:cNvPr>
-          <p:cNvSpPr/>
-          <p:nvPr/>
-        </p:nvSpPr>
-        <p:spPr>
-          <a:xfrm>
-            <a:off x="1400023" y="2256304"/>
-            <a:ext cx="1978011" cy="378657"/>
-          </a:xfrm>
-          <a:prstGeom prst="rect">
-            <a:avLst/>
-          </a:prstGeom>
-          <a:solidFill>
-            <a:srgbClr val="009B6E"/>
-          </a:solidFill>
-          <a:ln>
-            <a:solidFill>
-              <a:srgbClr val="009B6E"/>
-            </a:solidFill>
-          </a:ln>
-          <a:effectLst>
-            <a:outerShdw blurRad="50800" dist="38100" dir="2700000" algn="tl" rotWithShape="0">
-              <a:prstClr val="black">
-                <a:alpha val="40000"/>
-              </a:prstClr>
-            </a:outerShdw>
-            <a:softEdge rad="0"/>
-          </a:effectLst>
-        </p:spPr>
-        <p:style>
-          <a:lnRef idx="2">
-            <a:schemeClr val="accent1">
-              <a:shade val="50000"/>
-            </a:schemeClr>
-          </a:lnRef>
-          <a:fillRef idx="1">
-            <a:schemeClr val="accent1"/>
-          </a:fillRef>
-          <a:effectRef idx="0">
-            <a:schemeClr val="accent1"/>
-          </a:effectRef>
-          <a:fontRef idx="minor">
-            <a:schemeClr val="lt1"/>
-          </a:fontRef>
-        </p:style>
-        <p:txBody>
-          <a:bodyPr rtlCol="0" anchor="ctr"/>
-          <a:lstStyle/>
-          <a:p>
-            <a:pPr algn="ctr"/>
-            <a:r>
-              <a:rPr lang="pt-BR" dirty="0">
-                <a:solidFill>
-                  <a:schemeClr val="bg1"/>
-                </a:solidFill>
-              </a:rPr>
-              <a:t>Criar Sala</a:t>
-            </a:r>
-          </a:p>
-        </p:txBody>
-      </p:sp>
-      <p:sp>
-        <p:nvSpPr>
-          <p:cNvPr id="33" name="Retângulo 32">
-            <a:extLst>
-              <a:ext uri="{FF2B5EF4-FFF2-40B4-BE49-F238E27FC236}">
-                <a16:creationId xmlns:a16="http://schemas.microsoft.com/office/drawing/2014/main" id="{C58BEB00-D0CF-4119-A679-797E80547B05}"/>
-              </a:ext>
-            </a:extLst>
-          </p:cNvPr>
-          <p:cNvSpPr/>
-          <p:nvPr/>
-        </p:nvSpPr>
-        <p:spPr>
-          <a:xfrm>
-            <a:off x="1400023" y="2933243"/>
-            <a:ext cx="1978011" cy="378657"/>
-          </a:xfrm>
-          <a:prstGeom prst="rect">
-            <a:avLst/>
-          </a:prstGeom>
-          <a:solidFill>
-            <a:srgbClr val="009B6E"/>
-          </a:solidFill>
-          <a:ln>
-            <a:solidFill>
-              <a:srgbClr val="009B6E"/>
-            </a:solidFill>
-          </a:ln>
-          <a:effectLst>
-            <a:outerShdw blurRad="50800" dist="38100" dir="2700000" algn="tl" rotWithShape="0">
-              <a:prstClr val="black">
-                <a:alpha val="40000"/>
-              </a:prstClr>
-            </a:outerShdw>
-            <a:softEdge rad="0"/>
-          </a:effectLst>
-        </p:spPr>
-        <p:style>
-          <a:lnRef idx="2">
-            <a:schemeClr val="accent1">
-              <a:shade val="50000"/>
-            </a:schemeClr>
-          </a:lnRef>
-          <a:fillRef idx="1">
-            <a:schemeClr val="accent1"/>
-          </a:fillRef>
-          <a:effectRef idx="0">
-            <a:schemeClr val="accent1"/>
-          </a:effectRef>
-          <a:fontRef idx="minor">
-            <a:schemeClr val="lt1"/>
-          </a:fontRef>
-        </p:style>
-        <p:txBody>
-          <a:bodyPr rtlCol="0" anchor="ctr"/>
-          <a:lstStyle/>
-          <a:p>
-            <a:pPr algn="ctr"/>
-            <a:r>
-              <a:rPr lang="pt-BR" dirty="0">
-                <a:solidFill>
-                  <a:schemeClr val="bg1"/>
-                </a:solidFill>
-              </a:rPr>
-              <a:t>Acessar sala</a:t>
-            </a:r>
-          </a:p>
-        </p:txBody>
-      </p:sp>
-      <p:sp>
-        <p:nvSpPr>
-          <p:cNvPr id="34" name="Retângulo 33">
-            <a:extLst>
-              <a:ext uri="{FF2B5EF4-FFF2-40B4-BE49-F238E27FC236}">
-                <a16:creationId xmlns:a16="http://schemas.microsoft.com/office/drawing/2014/main" id="{B89DBC78-F9B4-4606-9E15-BA606BC8461C}"/>
-              </a:ext>
-            </a:extLst>
-          </p:cNvPr>
-          <p:cNvSpPr/>
-          <p:nvPr/>
-        </p:nvSpPr>
-        <p:spPr>
-          <a:xfrm>
-            <a:off x="1400023" y="3603812"/>
-            <a:ext cx="1978011" cy="378657"/>
-          </a:xfrm>
-          <a:prstGeom prst="rect">
-            <a:avLst/>
-          </a:prstGeom>
-          <a:solidFill>
-            <a:srgbClr val="009B6E"/>
-          </a:solidFill>
-          <a:ln>
-            <a:solidFill>
-              <a:srgbClr val="009B6E"/>
-            </a:solidFill>
-          </a:ln>
-          <a:effectLst>
-            <a:outerShdw blurRad="50800" dist="38100" dir="2700000" algn="tl" rotWithShape="0">
-              <a:prstClr val="black">
-                <a:alpha val="40000"/>
-              </a:prstClr>
-            </a:outerShdw>
-            <a:softEdge rad="0"/>
-          </a:effectLst>
-        </p:spPr>
-        <p:style>
-          <a:lnRef idx="2">
-            <a:schemeClr val="accent1">
-              <a:shade val="50000"/>
-            </a:schemeClr>
-          </a:lnRef>
-          <a:fillRef idx="1">
-            <a:schemeClr val="accent1"/>
-          </a:fillRef>
-          <a:effectRef idx="0">
-            <a:schemeClr val="accent1"/>
-          </a:effectRef>
-          <a:fontRef idx="minor">
-            <a:schemeClr val="lt1"/>
-          </a:fontRef>
-        </p:style>
-        <p:txBody>
-          <a:bodyPr rtlCol="0" anchor="ctr"/>
-          <a:lstStyle/>
-          <a:p>
-            <a:pPr algn="ctr"/>
-            <a:r>
-              <a:rPr lang="pt-BR" dirty="0">
-                <a:solidFill>
-                  <a:schemeClr val="bg1"/>
-                </a:solidFill>
-              </a:rPr>
-              <a:t>Jogos</a:t>
-            </a:r>
-          </a:p>
-        </p:txBody>
-      </p:sp>
-      <p:sp>
-        <p:nvSpPr>
-          <p:cNvPr id="35" name="Retângulo 34">
-            <a:extLst>
-              <a:ext uri="{FF2B5EF4-FFF2-40B4-BE49-F238E27FC236}">
-                <a16:creationId xmlns:a16="http://schemas.microsoft.com/office/drawing/2014/main" id="{0B9D6A87-571A-41B7-8B3A-068B4D3A1265}"/>
-              </a:ext>
-            </a:extLst>
-          </p:cNvPr>
-          <p:cNvSpPr/>
-          <p:nvPr/>
-        </p:nvSpPr>
-        <p:spPr>
-          <a:xfrm>
-            <a:off x="1400023" y="4274381"/>
-            <a:ext cx="1978011" cy="378657"/>
-          </a:xfrm>
-          <a:prstGeom prst="rect">
-            <a:avLst/>
-          </a:prstGeom>
-          <a:solidFill>
-            <a:srgbClr val="009B6E"/>
-          </a:solidFill>
-          <a:ln>
-            <a:solidFill>
-              <a:srgbClr val="009B6E"/>
-            </a:solidFill>
-          </a:ln>
-          <a:effectLst>
-            <a:outerShdw blurRad="50800" dist="38100" dir="2700000" algn="tl" rotWithShape="0">
-              <a:prstClr val="black">
-                <a:alpha val="40000"/>
-              </a:prstClr>
-            </a:outerShdw>
-            <a:softEdge rad="0"/>
-          </a:effectLst>
-        </p:spPr>
-        <p:style>
-          <a:lnRef idx="2">
-            <a:schemeClr val="accent1">
-              <a:shade val="50000"/>
-            </a:schemeClr>
-          </a:lnRef>
-          <a:fillRef idx="1">
-            <a:schemeClr val="accent1"/>
-          </a:fillRef>
-          <a:effectRef idx="0">
-            <a:schemeClr val="accent1"/>
-          </a:effectRef>
-          <a:fontRef idx="minor">
-            <a:schemeClr val="lt1"/>
-          </a:fontRef>
-        </p:style>
-        <p:txBody>
-          <a:bodyPr rtlCol="0" anchor="ctr"/>
-          <a:lstStyle/>
-          <a:p>
-            <a:pPr algn="ctr"/>
-            <a:r>
-              <a:rPr lang="pt-BR" dirty="0">
-                <a:solidFill>
-                  <a:schemeClr val="bg1"/>
-                </a:solidFill>
-              </a:rPr>
-              <a:t>Ranking</a:t>
-            </a:r>
-          </a:p>
-        </p:txBody>
-      </p:sp>
-      <p:sp>
-        <p:nvSpPr>
-          <p:cNvPr id="36" name="CaixaDeTexto 35">
-            <a:extLst>
-              <a:ext uri="{FF2B5EF4-FFF2-40B4-BE49-F238E27FC236}">
-                <a16:creationId xmlns:a16="http://schemas.microsoft.com/office/drawing/2014/main" id="{37A1CC55-461A-40B6-BDC2-2D9791E94584}"/>
-              </a:ext>
-            </a:extLst>
-          </p:cNvPr>
-          <p:cNvSpPr txBox="1"/>
-          <p:nvPr/>
-        </p:nvSpPr>
-        <p:spPr>
-          <a:xfrm>
-            <a:off x="3978555" y="726195"/>
-            <a:ext cx="4578359" cy="769441"/>
-          </a:xfrm>
-          <a:prstGeom prst="rect">
-            <a:avLst/>
-          </a:prstGeom>
-          <a:noFill/>
-        </p:spPr>
-        <p:txBody>
-          <a:bodyPr wrap="square" rtlCol="0">
-            <a:spAutoFit/>
-          </a:bodyPr>
-          <a:lstStyle/>
-          <a:p>
-            <a:r>
-              <a:rPr lang="pt-BR" sz="4400" dirty="0">
-                <a:solidFill>
-                  <a:srgbClr val="002060"/>
-                </a:solidFill>
-                <a:latin typeface="Bahnschrift" panose="020B0502040204020203" pitchFamily="34" charset="0"/>
-              </a:rPr>
-              <a:t>HOME</a:t>
-            </a:r>
-          </a:p>
-        </p:txBody>
-      </p:sp>
-      <p:sp>
-        <p:nvSpPr>
-          <p:cNvPr id="37" name="Retângulo de cantos arredondados 12">
-            <a:extLst>
-              <a:ext uri="{FF2B5EF4-FFF2-40B4-BE49-F238E27FC236}">
-                <a16:creationId xmlns:a16="http://schemas.microsoft.com/office/drawing/2014/main" id="{152A2D14-D488-49A7-9950-4E3295F94DFB}"/>
-              </a:ext>
-            </a:extLst>
-          </p:cNvPr>
-          <p:cNvSpPr/>
-          <p:nvPr/>
-        </p:nvSpPr>
-        <p:spPr>
-          <a:xfrm>
-            <a:off x="8031107" y="749493"/>
-            <a:ext cx="2053206" cy="455194"/>
-          </a:xfrm>
-          <a:prstGeom prst="roundRect">
-            <a:avLst/>
-          </a:prstGeom>
-          <a:solidFill>
-            <a:srgbClr val="FDEBC7"/>
-          </a:solidFill>
-          <a:ln>
-            <a:noFill/>
-          </a:ln>
-          <a:effectLst>
-            <a:outerShdw blurRad="50800" dist="38100" dir="2700000" algn="tl" rotWithShape="0">
-              <a:prstClr val="black">
-                <a:alpha val="40000"/>
-              </a:prstClr>
-            </a:outerShdw>
-          </a:effectLst>
-        </p:spPr>
-        <p:style>
-          <a:lnRef idx="2">
-            <a:schemeClr val="accent1">
-              <a:shade val="50000"/>
-            </a:schemeClr>
-          </a:lnRef>
-          <a:fillRef idx="1">
-            <a:schemeClr val="accent1"/>
-          </a:fillRef>
-          <a:effectRef idx="0">
-            <a:schemeClr val="accent1"/>
-          </a:effectRef>
-          <a:fontRef idx="minor">
-            <a:schemeClr val="lt1"/>
-          </a:fontRef>
-        </p:style>
-        <p:txBody>
-          <a:bodyPr rtlCol="0" anchor="ctr"/>
-          <a:lstStyle/>
-          <a:p>
-            <a:pPr algn="ctr"/>
-            <a:endParaRPr lang="pt-BR" dirty="0">
-              <a:solidFill>
-                <a:schemeClr val="tx1"/>
-              </a:solidFill>
-            </a:endParaRPr>
-          </a:p>
-        </p:txBody>
-      </p:sp>
-      <p:pic>
-        <p:nvPicPr>
-          <p:cNvPr id="38" name="Imagem 37">
-            <a:extLst>
-              <a:ext uri="{FF2B5EF4-FFF2-40B4-BE49-F238E27FC236}">
-                <a16:creationId xmlns:a16="http://schemas.microsoft.com/office/drawing/2014/main" id="{F2BF6BE9-45DE-458A-9408-5C7903B7295F}"/>
-              </a:ext>
-            </a:extLst>
-          </p:cNvPr>
-          <p:cNvPicPr>
-            <a:picLocks noChangeAspect="1"/>
-          </p:cNvPicPr>
-          <p:nvPr/>
-        </p:nvPicPr>
-        <p:blipFill>
-          <a:blip r:embed="rId3" cstate="print">
-            <a:extLst>
-              <a:ext uri="{BEBA8EAE-BF5A-486C-A8C5-ECC9F3942E4B}">
-                <a14:imgProps xmlns:a14="http://schemas.microsoft.com/office/drawing/2010/main">
-                  <a14:imgLayer r:embed="rId4">
-                    <a14:imgEffect>
-                      <a14:backgroundRemoval t="9804" b="97168" l="9804" r="98475">
-                        <a14:foregroundMark x1="76688" y1="52070" x2="76688" y2="52070"/>
-                        <a14:foregroundMark x1="65577" y1="54466" x2="65577" y2="54466"/>
-                        <a14:foregroundMark x1="59477" y1="58170" x2="59477" y2="58170"/>
-                      </a14:backgroundRemoval>
-                    </a14:imgEffect>
-                  </a14:imgLayer>
-                </a14:imgProps>
-              </a:ext>
-              <a:ext uri="{28A0092B-C50C-407E-A947-70E740481C1C}">
-                <a14:useLocalDpi xmlns:a14="http://schemas.microsoft.com/office/drawing/2010/main" val="0"/>
-              </a:ext>
-            </a:extLst>
-          </a:blip>
-          <a:stretch>
-            <a:fillRect/>
-          </a:stretch>
-        </p:blipFill>
-        <p:spPr>
-          <a:xfrm>
-            <a:off x="7628046" y="437884"/>
-            <a:ext cx="1233133" cy="1233133"/>
-          </a:xfrm>
-          <a:prstGeom prst="rect">
-            <a:avLst/>
-          </a:prstGeom>
-        </p:spPr>
-      </p:pic>
-      <p:pic>
-        <p:nvPicPr>
-          <p:cNvPr id="39" name="Imagem 38">
-            <a:extLst>
-              <a:ext uri="{FF2B5EF4-FFF2-40B4-BE49-F238E27FC236}">
-                <a16:creationId xmlns:a16="http://schemas.microsoft.com/office/drawing/2014/main" id="{D89D9DA9-AD65-4970-90D0-0D6997AF6D21}"/>
-              </a:ext>
-            </a:extLst>
-          </p:cNvPr>
-          <p:cNvPicPr>
-            <a:picLocks noChangeAspect="1"/>
-          </p:cNvPicPr>
-          <p:nvPr/>
-        </p:nvPicPr>
-        <p:blipFill>
-          <a:blip r:embed="rId5" cstate="print">
-            <a:duotone>
-              <a:schemeClr val="accent6">
-                <a:shade val="45000"/>
-                <a:satMod val="135000"/>
-              </a:schemeClr>
-              <a:prstClr val="white"/>
-            </a:duotone>
-            <a:extLst>
-              <a:ext uri="{28A0092B-C50C-407E-A947-70E740481C1C}">
-                <a14:useLocalDpi xmlns:a14="http://schemas.microsoft.com/office/drawing/2010/main" val="0"/>
-              </a:ext>
-            </a:extLst>
-          </a:blip>
-          <a:stretch>
-            <a:fillRect/>
-          </a:stretch>
-        </p:blipFill>
-        <p:spPr>
-          <a:xfrm>
-            <a:off x="9489432" y="847348"/>
-            <a:ext cx="393989" cy="357339"/>
-          </a:xfrm>
-          <a:prstGeom prst="rect">
-            <a:avLst/>
-          </a:prstGeom>
-        </p:spPr>
-      </p:pic>
-      <p:pic>
-        <p:nvPicPr>
-          <p:cNvPr id="41" name="Imagem 40">
-            <a:extLst>
-              <a:ext uri="{FF2B5EF4-FFF2-40B4-BE49-F238E27FC236}">
-                <a16:creationId xmlns:a16="http://schemas.microsoft.com/office/drawing/2014/main" id="{CEA260CB-8F16-4F6F-B5F3-2A53C9DA9FF2}"/>
-              </a:ext>
-            </a:extLst>
-          </p:cNvPr>
-          <p:cNvPicPr>
-            <a:picLocks noChangeAspect="1"/>
-          </p:cNvPicPr>
-          <p:nvPr/>
-        </p:nvPicPr>
-        <p:blipFill>
-          <a:blip r:embed="rId6" cstate="print">
-            <a:duotone>
-              <a:schemeClr val="accent6">
-                <a:shade val="45000"/>
-                <a:satMod val="135000"/>
-              </a:schemeClr>
-              <a:prstClr val="white"/>
-            </a:duotone>
-            <a:extLst>
-              <a:ext uri="{28A0092B-C50C-407E-A947-70E740481C1C}">
-                <a14:useLocalDpi xmlns:a14="http://schemas.microsoft.com/office/drawing/2010/main" val="0"/>
-              </a:ext>
-            </a:extLst>
-          </a:blip>
-          <a:stretch>
-            <a:fillRect/>
-          </a:stretch>
-        </p:blipFill>
-        <p:spPr>
-          <a:xfrm>
-            <a:off x="8827734" y="822852"/>
-            <a:ext cx="546115" cy="359636"/>
-          </a:xfrm>
-          <a:prstGeom prst="rect">
-            <a:avLst/>
-          </a:prstGeom>
-        </p:spPr>
-      </p:pic>
-      <p:sp>
-        <p:nvSpPr>
-          <p:cNvPr id="22" name="Retângulo de cantos arredondados 21"/>
-          <p:cNvSpPr/>
-          <p:nvPr/>
-        </p:nvSpPr>
-        <p:spPr>
-          <a:xfrm>
-            <a:off x="3559693" y="2365163"/>
-            <a:ext cx="4074408" cy="3100127"/>
-          </a:xfrm>
-          <a:prstGeom prst="roundRect">
-            <a:avLst/>
-          </a:prstGeom>
-          <a:solidFill>
-            <a:srgbClr val="FDEBC7"/>
-          </a:solidFill>
-          <a:ln>
-            <a:solidFill>
-              <a:srgbClr val="5DB427"/>
-            </a:solidFill>
-          </a:ln>
-          <a:effectLst>
-            <a:outerShdw blurRad="50800" dist="38100" dir="2700000" algn="tl" rotWithShape="0">
-              <a:prstClr val="black">
-                <a:alpha val="40000"/>
-              </a:prstClr>
-            </a:outerShdw>
-          </a:effectLst>
-        </p:spPr>
-        <p:style>
-          <a:lnRef idx="2">
-            <a:schemeClr val="accent1">
-              <a:shade val="50000"/>
-            </a:schemeClr>
-          </a:lnRef>
-          <a:fillRef idx="1">
-            <a:schemeClr val="accent1"/>
-          </a:fillRef>
-          <a:effectRef idx="0">
-            <a:schemeClr val="accent1"/>
-          </a:effectRef>
-          <a:fontRef idx="minor">
-            <a:schemeClr val="lt1"/>
-          </a:fontRef>
-        </p:style>
-        <p:txBody>
-          <a:bodyPr rtlCol="0" anchor="ctr"/>
-          <a:lstStyle/>
-          <a:p>
-            <a:pPr algn="ctr"/>
-            <a:endParaRPr lang="pt-BR"/>
-          </a:p>
-        </p:txBody>
-      </p:sp>
-      <p:sp>
-        <p:nvSpPr>
-          <p:cNvPr id="23" name="CaixaDeTexto 22"/>
-          <p:cNvSpPr txBox="1"/>
-          <p:nvPr/>
-        </p:nvSpPr>
-        <p:spPr>
-          <a:xfrm>
-            <a:off x="4401044" y="2497363"/>
-            <a:ext cx="4578359" cy="461665"/>
-          </a:xfrm>
-          <a:prstGeom prst="rect">
-            <a:avLst/>
-          </a:prstGeom>
-          <a:noFill/>
-        </p:spPr>
-        <p:txBody>
-          <a:bodyPr wrap="square" rtlCol="0">
-            <a:spAutoFit/>
-          </a:bodyPr>
-          <a:lstStyle/>
-          <a:p>
-            <a:r>
-              <a:rPr lang="pt-BR" sz="2400" dirty="0">
-                <a:solidFill>
-                  <a:srgbClr val="447E43"/>
-                </a:solidFill>
-                <a:latin typeface="Bahnschrift" panose="020B0502040204020203" pitchFamily="34" charset="0"/>
-              </a:rPr>
-              <a:t>Acesso a Sala</a:t>
-            </a:r>
-          </a:p>
-        </p:txBody>
-      </p:sp>
-      <p:sp>
-        <p:nvSpPr>
-          <p:cNvPr id="24" name="Retângulo de cantos arredondados 23"/>
-          <p:cNvSpPr/>
-          <p:nvPr/>
-        </p:nvSpPr>
-        <p:spPr>
-          <a:xfrm>
-            <a:off x="4081242" y="3619678"/>
-            <a:ext cx="3106057" cy="526210"/>
-          </a:xfrm>
-          <a:prstGeom prst="roundRect">
-            <a:avLst/>
-          </a:prstGeom>
-          <a:noFill/>
-        </p:spPr>
-        <p:style>
-          <a:lnRef idx="2">
-            <a:schemeClr val="accent6"/>
-          </a:lnRef>
-          <a:fillRef idx="1">
-            <a:schemeClr val="lt1"/>
-          </a:fillRef>
-          <a:effectRef idx="0">
-            <a:schemeClr val="accent6"/>
-          </a:effectRef>
-          <a:fontRef idx="minor">
-            <a:schemeClr val="dk1"/>
-          </a:fontRef>
-        </p:style>
-        <p:txBody>
-          <a:bodyPr rtlCol="0" anchor="ctr"/>
-          <a:lstStyle/>
-          <a:p>
-            <a:pPr algn="ctr"/>
-            <a:endParaRPr lang="pt-BR"/>
-          </a:p>
-        </p:txBody>
-      </p:sp>
-      <p:sp>
-        <p:nvSpPr>
-          <p:cNvPr id="25" name="Retângulo 24"/>
-          <p:cNvSpPr/>
-          <p:nvPr/>
-        </p:nvSpPr>
-        <p:spPr>
-          <a:xfrm>
-            <a:off x="4081242" y="4712829"/>
-            <a:ext cx="3106057" cy="378657"/>
-          </a:xfrm>
-          <a:prstGeom prst="rect">
-            <a:avLst/>
-          </a:prstGeom>
-          <a:solidFill>
-            <a:srgbClr val="73D54A"/>
-          </a:solidFill>
-          <a:ln>
-            <a:solidFill>
-              <a:srgbClr val="73D54A"/>
-            </a:solidFill>
-          </a:ln>
-          <a:effectLst>
-            <a:outerShdw blurRad="50800" dist="38100" dir="2700000" algn="tl" rotWithShape="0">
-              <a:prstClr val="black">
-                <a:alpha val="40000"/>
-              </a:prstClr>
-            </a:outerShdw>
-            <a:softEdge rad="0"/>
-          </a:effectLst>
-        </p:spPr>
-        <p:style>
-          <a:lnRef idx="2">
-            <a:schemeClr val="accent1">
-              <a:shade val="50000"/>
-            </a:schemeClr>
-          </a:lnRef>
-          <a:fillRef idx="1">
-            <a:schemeClr val="accent1"/>
-          </a:fillRef>
-          <a:effectRef idx="0">
-            <a:schemeClr val="accent1"/>
-          </a:effectRef>
-          <a:fontRef idx="minor">
-            <a:schemeClr val="lt1"/>
-          </a:fontRef>
-        </p:style>
-        <p:txBody>
-          <a:bodyPr rtlCol="0" anchor="ctr"/>
-          <a:lstStyle/>
-          <a:p>
-            <a:pPr algn="ctr"/>
-            <a:r>
-              <a:rPr lang="pt-BR" dirty="0"/>
-              <a:t>Acessar</a:t>
-            </a:r>
-          </a:p>
-        </p:txBody>
-      </p:sp>
-      <p:sp>
-        <p:nvSpPr>
-          <p:cNvPr id="26" name="CaixaDeTexto 25"/>
-          <p:cNvSpPr txBox="1"/>
-          <p:nvPr/>
-        </p:nvSpPr>
-        <p:spPr>
-          <a:xfrm>
-            <a:off x="4022492" y="3206610"/>
-            <a:ext cx="4578359" cy="338554"/>
-          </a:xfrm>
-          <a:prstGeom prst="rect">
-            <a:avLst/>
-          </a:prstGeom>
-          <a:noFill/>
-        </p:spPr>
-        <p:txBody>
-          <a:bodyPr wrap="square" rtlCol="0">
-            <a:spAutoFit/>
-          </a:bodyPr>
-          <a:lstStyle/>
-          <a:p>
-            <a:r>
-              <a:rPr lang="pt-BR" sz="1600" dirty="0">
-                <a:solidFill>
-                  <a:srgbClr val="447E43"/>
-                </a:solidFill>
-                <a:latin typeface="Bahnschrift" panose="020B0502040204020203" pitchFamily="34" charset="0"/>
-              </a:rPr>
-              <a:t>Código de Acesso:</a:t>
-            </a:r>
-          </a:p>
-        </p:txBody>
-      </p:sp>
-    </p:spTree>
-    <p:extLst>
-      <p:ext uri="{BB962C8B-B14F-4D97-AF65-F5344CB8AC3E}">
-        <p14:creationId xmlns:p14="http://schemas.microsoft.com/office/powerpoint/2010/main" val="1241315808"/>
-      </p:ext>
-    </p:extLst>
-  </p:cSld>
-  <p:clrMapOvr>
-    <a:masterClrMapping/>
-  </p:clrMapOvr>
-</p:sld>
-</file>
-
-<file path=ppt/slides/slide31.xml><?xml version="1.0" encoding="utf-8"?>
-<p:sld xmlns:a="http://schemas.openxmlformats.org/drawingml/2006/main" xmlns:r="http://schemas.openxmlformats.org/officeDocument/2006/relationships" xmlns:p="http://schemas.openxmlformats.org/presentationml/2006/main">
-  <p:cSld>
-    <p:spTree>
-      <p:nvGrpSpPr>
-        <p:cNvPr id="1" name=""/>
-        <p:cNvGrpSpPr/>
-        <p:nvPr/>
-      </p:nvGrpSpPr>
-      <p:grpSpPr>
-        <a:xfrm>
-          <a:off x="0" y="0"/>
-          <a:ext cx="0" cy="0"/>
-          <a:chOff x="0" y="0"/>
-          <a:chExt cx="0" cy="0"/>
-        </a:xfrm>
-      </p:grpSpPr>
-      <p:sp>
-        <p:nvSpPr>
           <p:cNvPr id="2" name="Título 1"/>
           <p:cNvSpPr>
             <a:spLocks noGrp="1"/>
@@ -21579,8 +18204,17 @@
           <a:p>
             <a:r>
               <a:rPr lang="pt-BR" sz="3200" dirty="0"/>
-              <a:t>Tabela de Elementos – Tela Acesso Sala</a:t>
+              <a:t>Tabela de Elementos – </a:t>
             </a:r>
+            <a:r>
+              <a:rPr lang="pt-BR" sz="3200"/>
+              <a:t>Tela </a:t>
+            </a:r>
+            <a:r>
+              <a:rPr lang="pt-BR" sz="3200" smtClean="0"/>
+              <a:t>Sala</a:t>
+            </a:r>
+            <a:endParaRPr lang="pt-BR" sz="3200" dirty="0"/>
           </a:p>
         </p:txBody>
       </p:sp>
@@ -21594,14 +18228,14 @@
             <p:ph idx="1"/>
             <p:extLst>
               <p:ext uri="{D42A27DB-BD31-4B8C-83A1-F6EECF244321}">
-                <p14:modId xmlns:p14="http://schemas.microsoft.com/office/powerpoint/2010/main" val="1721964990"/>
+                <p14:modId xmlns:p14="http://schemas.microsoft.com/office/powerpoint/2010/main" val="211561408"/>
               </p:ext>
             </p:extLst>
           </p:nvPr>
         </p:nvGraphicFramePr>
         <p:xfrm>
           <a:off x="838200" y="2250626"/>
-          <a:ext cx="9155806" cy="2000389"/>
+          <a:ext cx="9155806" cy="1531898"/>
         </p:xfrm>
         <a:graphic>
           <a:graphicData uri="http://schemas.openxmlformats.org/drawingml/2006/table">
@@ -21613,35 +18247,35 @@
                 <a:gridCol w="586838">
                   <a:extLst>
                     <a:ext uri="{9D8B030D-6E8A-4147-A177-3AD203B41FA5}">
-                      <a16:colId xmlns:a16="http://schemas.microsoft.com/office/drawing/2014/main" val="20000"/>
+                      <a16:colId xmlns:a16="http://schemas.microsoft.com/office/drawing/2014/main" xmlns="" val="20000"/>
                     </a:ext>
                   </a:extLst>
                 </a:gridCol>
                 <a:gridCol w="1679832">
                   <a:extLst>
                     <a:ext uri="{9D8B030D-6E8A-4147-A177-3AD203B41FA5}">
-                      <a16:colId xmlns:a16="http://schemas.microsoft.com/office/drawing/2014/main" val="20001"/>
+                      <a16:colId xmlns:a16="http://schemas.microsoft.com/office/drawing/2014/main" xmlns="" val="20001"/>
                     </a:ext>
                   </a:extLst>
                 </a:gridCol>
                 <a:gridCol w="2090660">
                   <a:extLst>
                     <a:ext uri="{9D8B030D-6E8A-4147-A177-3AD203B41FA5}">
-                      <a16:colId xmlns:a16="http://schemas.microsoft.com/office/drawing/2014/main" val="20002"/>
+                      <a16:colId xmlns:a16="http://schemas.microsoft.com/office/drawing/2014/main" xmlns="" val="20002"/>
                     </a:ext>
                   </a:extLst>
                 </a:gridCol>
                 <a:gridCol w="2209822">
                   <a:extLst>
                     <a:ext uri="{9D8B030D-6E8A-4147-A177-3AD203B41FA5}">
-                      <a16:colId xmlns:a16="http://schemas.microsoft.com/office/drawing/2014/main" val="20003"/>
+                      <a16:colId xmlns:a16="http://schemas.microsoft.com/office/drawing/2014/main" xmlns="" val="20003"/>
                     </a:ext>
                   </a:extLst>
                 </a:gridCol>
                 <a:gridCol w="2588654">
                   <a:extLst>
                     <a:ext uri="{9D8B030D-6E8A-4147-A177-3AD203B41FA5}">
-                      <a16:colId xmlns:a16="http://schemas.microsoft.com/office/drawing/2014/main" val="20004"/>
+                      <a16:colId xmlns:a16="http://schemas.microsoft.com/office/drawing/2014/main" xmlns="" val="20004"/>
                     </a:ext>
                   </a:extLst>
                 </a:gridCol>
@@ -21711,7 +18345,7 @@
                 </a:tc>
                 <a:extLst>
                   <a:ext uri="{0D108BD9-81ED-4DB2-BD59-A6C34878D82A}">
-                    <a16:rowId xmlns:a16="http://schemas.microsoft.com/office/drawing/2014/main" val="10000"/>
+                    <a16:rowId xmlns:a16="http://schemas.microsoft.com/office/drawing/2014/main" xmlns="" val="10000"/>
                   </a:ext>
                 </a:extLst>
               </a:tr>
@@ -21735,12 +18369,8 @@
                     <a:lstStyle/>
                     <a:p>
                       <a:r>
-                        <a:rPr lang="pt-BR" dirty="0"/>
-                        <a:t>Código</a:t>
-                      </a:r>
-                      <a:r>
-                        <a:rPr lang="pt-BR" baseline="0" dirty="0"/>
-                        <a:t> de Acesso</a:t>
+                        <a:rPr lang="pt-BR" smtClean="0"/>
+                        <a:t>Adicionar Rodada</a:t>
                       </a:r>
                       <a:endParaRPr lang="pt-BR" dirty="0"/>
                     </a:p>
@@ -21763,8 +18393,8 @@
                     <a:lstStyle/>
                     <a:p>
                       <a:r>
-                        <a:rPr lang="pt-BR" dirty="0" err="1"/>
-                        <a:t>string</a:t>
+                        <a:rPr lang="pt-BR" dirty="0" smtClean="0"/>
+                        <a:t>Botão</a:t>
                       </a:r>
                       <a:endParaRPr lang="pt-BR" dirty="0"/>
                     </a:p>
@@ -21776,6 +18406,10 @@
                     <a:bodyPr/>
                     <a:lstStyle/>
                     <a:p>
+                      <a:r>
+                        <a:rPr lang="pt-BR" smtClean="0"/>
+                        <a:t>Direciona para a tela Nova Rodada</a:t>
+                      </a:r>
                       <a:endParaRPr lang="pt-BR" dirty="0"/>
                     </a:p>
                   </a:txBody>
@@ -21783,7 +18417,7 @@
                 </a:tc>
                 <a:extLst>
                   <a:ext uri="{0D108BD9-81ED-4DB2-BD59-A6C34878D82A}">
-                    <a16:rowId xmlns:a16="http://schemas.microsoft.com/office/drawing/2014/main" val="10001"/>
+                    <a16:rowId xmlns:a16="http://schemas.microsoft.com/office/drawing/2014/main" xmlns="" val="10001"/>
                   </a:ext>
                 </a:extLst>
               </a:tr>
@@ -21793,32 +18427,6 @@
                     <a:bodyPr/>
                     <a:lstStyle/>
                     <a:p>
-                      <a:r>
-                        <a:rPr lang="pt-BR" dirty="0"/>
-                        <a:t>1</a:t>
-                      </a:r>
-                    </a:p>
-                  </a:txBody>
-                  <a:tcPr/>
-                </a:tc>
-                <a:tc>
-                  <a:txBody>
-                    <a:bodyPr/>
-                    <a:lstStyle/>
-                    <a:p>
-                      <a:r>
-                        <a:rPr lang="pt-BR" dirty="0"/>
-                        <a:t>Acessar</a:t>
-                      </a:r>
-                    </a:p>
-                  </a:txBody>
-                  <a:tcPr/>
-                </a:tc>
-                <a:tc>
-                  <a:txBody>
-                    <a:bodyPr/>
-                    <a:lstStyle/>
-                    <a:p>
                       <a:endParaRPr lang="pt-BR" dirty="0"/>
                     </a:p>
                   </a:txBody>
@@ -21829,38 +18437,44 @@
                     <a:bodyPr/>
                     <a:lstStyle/>
                     <a:p>
-                      <a:r>
-                        <a:rPr lang="pt-BR" dirty="0"/>
-                        <a:t>Botão</a:t>
-                      </a:r>
-                    </a:p>
-                  </a:txBody>
-                  <a:tcPr/>
-                </a:tc>
-                <a:tc>
-                  <a:txBody>
-                    <a:bodyPr/>
-                    <a:lstStyle/>
-                    <a:p>
-                      <a:r>
-                        <a:rPr lang="pt-BR" dirty="0"/>
-                        <a:t>Validar/Direcionar para a tela de </a:t>
-                      </a:r>
-                      <a:r>
-                        <a:rPr lang="pt-BR" dirty="0" err="1"/>
-                        <a:t>Board</a:t>
-                      </a:r>
-                      <a:r>
-                        <a:rPr lang="pt-BR" dirty="0"/>
-                        <a:t> Game da Sala</a:t>
-                      </a:r>
+                      <a:endParaRPr lang="pt-BR" dirty="0"/>
+                    </a:p>
+                  </a:txBody>
+                  <a:tcPr/>
+                </a:tc>
+                <a:tc>
+                  <a:txBody>
+                    <a:bodyPr/>
+                    <a:lstStyle/>
+                    <a:p>
+                      <a:endParaRPr lang="pt-BR" dirty="0"/>
+                    </a:p>
+                  </a:txBody>
+                  <a:tcPr/>
+                </a:tc>
+                <a:tc>
+                  <a:txBody>
+                    <a:bodyPr/>
+                    <a:lstStyle/>
+                    <a:p>
+                      <a:endParaRPr lang="pt-BR" dirty="0"/>
+                    </a:p>
+                  </a:txBody>
+                  <a:tcPr/>
+                </a:tc>
+                <a:tc>
+                  <a:txBody>
+                    <a:bodyPr/>
+                    <a:lstStyle/>
+                    <a:p>
+                      <a:endParaRPr lang="pt-BR" dirty="0"/>
                     </a:p>
                   </a:txBody>
                   <a:tcPr/>
                 </a:tc>
                 <a:extLst>
                   <a:ext uri="{0D108BD9-81ED-4DB2-BD59-A6C34878D82A}">
-                    <a16:rowId xmlns:a16="http://schemas.microsoft.com/office/drawing/2014/main" val="10002"/>
+                    <a16:rowId xmlns:a16="http://schemas.microsoft.com/office/drawing/2014/main" xmlns="" val="10002"/>
                   </a:ext>
                 </a:extLst>
               </a:tr>
@@ -21871,7 +18485,7 @@
     </p:spTree>
     <p:extLst>
       <p:ext uri="{BB962C8B-B14F-4D97-AF65-F5344CB8AC3E}">
-        <p14:creationId xmlns:p14="http://schemas.microsoft.com/office/powerpoint/2010/main" val="2883894150"/>
+        <p14:creationId xmlns:p14="http://schemas.microsoft.com/office/powerpoint/2010/main" val="1250881659"/>
       </p:ext>
     </p:extLst>
   </p:cSld>
@@ -21881,7 +18495,7 @@
 </p:sld>
 </file>
 
-<file path=ppt/slides/slide32.xml><?xml version="1.0" encoding="utf-8"?>
+<file path=ppt/slides/slide31.xml><?xml version="1.0" encoding="utf-8"?>
 <p:sld xmlns:a="http://schemas.openxmlformats.org/drawingml/2006/main" xmlns:r="http://schemas.openxmlformats.org/officeDocument/2006/relationships" xmlns:p="http://schemas.openxmlformats.org/presentationml/2006/main">
   <p:cSld>
     <p:spTree>
@@ -22004,8 +18618,8 @@
         </p:nvSpPr>
         <p:spPr>
           <a:xfrm>
-            <a:off x="1146749" y="487727"/>
-            <a:ext cx="4578359" cy="646331"/>
+            <a:off x="1577068" y="505291"/>
+            <a:ext cx="8258308" cy="646331"/>
           </a:xfrm>
           <a:prstGeom prst="rect">
             <a:avLst/>
@@ -22025,7 +18639,7 @@
                 </a:solidFill>
                 <a:latin typeface="Bahnschrift" panose="020B0502040204020203" pitchFamily="34" charset="0"/>
               </a:rPr>
-              <a:t>ENTRAR NA SALA</a:t>
+              <a:t>Nova rodada </a:t>
             </a:r>
           </a:p>
         </p:txBody>
@@ -22038,8 +18652,8 @@
         </p:nvGrpSpPr>
         <p:grpSpPr>
           <a:xfrm>
-            <a:off x="1711215" y="1429557"/>
-            <a:ext cx="8104155" cy="4773631"/>
+            <a:off x="1247577" y="1397073"/>
+            <a:ext cx="6196412" cy="4773631"/>
             <a:chOff x="3303102" y="1578846"/>
             <a:chExt cx="7132734" cy="4364070"/>
           </a:xfrm>
@@ -22143,53 +18757,14 @@
       </p:grpSp>
       <p:sp>
         <p:nvSpPr>
-          <p:cNvPr id="9" name="Retângulo de cantos arredondados 8"/>
-          <p:cNvSpPr/>
-          <p:nvPr/>
-        </p:nvSpPr>
-        <p:spPr>
-          <a:xfrm>
-            <a:off x="2145794" y="2048456"/>
-            <a:ext cx="2284540" cy="321257"/>
-          </a:xfrm>
-          <a:prstGeom prst="roundRect">
-            <a:avLst/>
-          </a:prstGeom>
-          <a:noFill/>
-        </p:spPr>
-        <p:style>
-          <a:lnRef idx="2">
-            <a:schemeClr val="accent6"/>
-          </a:lnRef>
-          <a:fillRef idx="1">
-            <a:schemeClr val="lt1"/>
-          </a:fillRef>
-          <a:effectRef idx="0">
-            <a:schemeClr val="accent6"/>
-          </a:effectRef>
-          <a:fontRef idx="minor">
-            <a:schemeClr val="dk1"/>
-          </a:fontRef>
-        </p:style>
-        <p:txBody>
-          <a:bodyPr rtlCol="0" anchor="ctr"/>
-          <a:lstStyle/>
-          <a:p>
-            <a:pPr algn="ctr"/>
-            <a:endParaRPr lang="pt-BR"/>
-          </a:p>
-        </p:txBody>
-      </p:sp>
-      <p:sp>
-        <p:nvSpPr>
-          <p:cNvPr id="10" name="CaixaDeTexto 9"/>
+          <p:cNvPr id="19" name="CaixaDeTexto 18"/>
           <p:cNvSpPr txBox="1"/>
           <p:nvPr/>
         </p:nvSpPr>
         <p:spPr>
           <a:xfrm>
-            <a:off x="2141154" y="1709902"/>
-            <a:ext cx="4578359" cy="338554"/>
+            <a:off x="1432892" y="1602383"/>
+            <a:ext cx="4578359" cy="461665"/>
           </a:xfrm>
           <a:prstGeom prst="rect">
             <a:avLst/>
@@ -22203,27 +18778,572 @@
           <a:lstStyle/>
           <a:p>
             <a:r>
-              <a:rPr lang="pt-BR" sz="1600" dirty="0">
+              <a:rPr lang="pt-BR" sz="2400" dirty="0">
                 <a:solidFill>
                   <a:srgbClr val="447E43"/>
                 </a:solidFill>
                 <a:latin typeface="Bahnschrift" panose="020B0502040204020203" pitchFamily="34" charset="0"/>
               </a:rPr>
-              <a:t>Digite o código da sala</a:t>
+              <a:t>Jogos cadastrados</a:t>
             </a:r>
           </a:p>
         </p:txBody>
       </p:sp>
-      <p:sp>
-        <p:nvSpPr>
-          <p:cNvPr id="11" name="Retângulo 10"/>
+      <p:cxnSp>
+        <p:nvCxnSpPr>
+          <p:cNvPr id="3" name="Conector reto 2"/>
+          <p:cNvCxnSpPr/>
+          <p:nvPr/>
+        </p:nvCxnSpPr>
+        <p:spPr>
+          <a:xfrm>
+            <a:off x="1577068" y="2064048"/>
+            <a:ext cx="5609343" cy="0"/>
+          </a:xfrm>
+          <a:prstGeom prst="line">
+            <a:avLst/>
+          </a:prstGeom>
+          <a:ln>
+            <a:solidFill>
+              <a:srgbClr val="8DBA62"/>
+            </a:solidFill>
+          </a:ln>
+        </p:spPr>
+        <p:style>
+          <a:lnRef idx="1">
+            <a:schemeClr val="accent1"/>
+          </a:lnRef>
+          <a:fillRef idx="0">
+            <a:schemeClr val="accent1"/>
+          </a:fillRef>
+          <a:effectRef idx="0">
+            <a:schemeClr val="accent1"/>
+          </a:effectRef>
+          <a:fontRef idx="minor">
+            <a:schemeClr val="tx1"/>
+          </a:fontRef>
+        </p:style>
+      </p:cxnSp>
+      <p:grpSp>
+        <p:nvGrpSpPr>
+          <p:cNvPr id="23" name="Grupo 22"/>
+          <p:cNvGrpSpPr/>
+          <p:nvPr/>
+        </p:nvGrpSpPr>
+        <p:grpSpPr>
+          <a:xfrm>
+            <a:off x="7545106" y="1397073"/>
+            <a:ext cx="3224038" cy="1861282"/>
+            <a:chOff x="3303102" y="1578846"/>
+            <a:chExt cx="7132734" cy="4364070"/>
+          </a:xfrm>
+        </p:grpSpPr>
+        <p:sp>
+          <p:nvSpPr>
+            <p:cNvPr id="24" name="Retângulo 23"/>
+            <p:cNvSpPr/>
+            <p:nvPr/>
+          </p:nvSpPr>
+          <p:spPr>
+            <a:xfrm>
+              <a:off x="3303102" y="1578846"/>
+              <a:ext cx="7132734" cy="4364070"/>
+            </a:xfrm>
+            <a:prstGeom prst="rect">
+              <a:avLst/>
+            </a:prstGeom>
+            <a:solidFill>
+              <a:srgbClr val="8DBA62"/>
+            </a:solidFill>
+            <a:ln>
+              <a:solidFill>
+                <a:srgbClr val="8DBA62"/>
+              </a:solidFill>
+            </a:ln>
+          </p:spPr>
+          <p:style>
+            <a:lnRef idx="2">
+              <a:schemeClr val="accent1">
+                <a:shade val="50000"/>
+              </a:schemeClr>
+            </a:lnRef>
+            <a:fillRef idx="1">
+              <a:schemeClr val="accent1"/>
+            </a:fillRef>
+            <a:effectRef idx="0">
+              <a:schemeClr val="accent1"/>
+            </a:effectRef>
+            <a:fontRef idx="minor">
+              <a:schemeClr val="lt1"/>
+            </a:fontRef>
+          </p:style>
+          <p:txBody>
+            <a:bodyPr rtlCol="0" anchor="ctr"/>
+            <a:lstStyle/>
+            <a:p>
+              <a:pPr algn="ctr"/>
+              <a:endParaRPr lang="pt-BR"/>
+            </a:p>
+          </p:txBody>
+        </p:sp>
+        <p:sp>
+          <p:nvSpPr>
+            <p:cNvPr id="25" name="Retângulo de cantos arredondados 24"/>
+            <p:cNvSpPr/>
+            <p:nvPr/>
+          </p:nvSpPr>
+          <p:spPr>
+            <a:xfrm>
+              <a:off x="3400023" y="1674254"/>
+              <a:ext cx="6941711" cy="4172754"/>
+            </a:xfrm>
+            <a:prstGeom prst="roundRect">
+              <a:avLst>
+                <a:gd name="adj" fmla="val 0"/>
+              </a:avLst>
+            </a:prstGeom>
+            <a:solidFill>
+              <a:srgbClr val="FDEBC7"/>
+            </a:solidFill>
+            <a:ln>
+              <a:solidFill>
+                <a:srgbClr val="8DBA62"/>
+              </a:solidFill>
+            </a:ln>
+          </p:spPr>
+          <p:style>
+            <a:lnRef idx="2">
+              <a:schemeClr val="accent6"/>
+            </a:lnRef>
+            <a:fillRef idx="1">
+              <a:schemeClr val="lt1"/>
+            </a:fillRef>
+            <a:effectRef idx="0">
+              <a:schemeClr val="accent6"/>
+            </a:effectRef>
+            <a:fontRef idx="minor">
+              <a:schemeClr val="dk1"/>
+            </a:fontRef>
+          </p:style>
+          <p:txBody>
+            <a:bodyPr rtlCol="0" anchor="ctr"/>
+            <a:lstStyle/>
+            <a:p>
+              <a:pPr algn="ctr"/>
+              <a:endParaRPr lang="pt-BR"/>
+            </a:p>
+          </p:txBody>
+        </p:sp>
+      </p:grpSp>
+      <p:grpSp>
+        <p:nvGrpSpPr>
+          <p:cNvPr id="26" name="Grupo 25"/>
+          <p:cNvGrpSpPr/>
+          <p:nvPr/>
+        </p:nvGrpSpPr>
+        <p:grpSpPr>
+          <a:xfrm>
+            <a:off x="7545107" y="3321368"/>
+            <a:ext cx="3224038" cy="1469574"/>
+            <a:chOff x="3303102" y="1578846"/>
+            <a:chExt cx="7132734" cy="4364070"/>
+          </a:xfrm>
+        </p:grpSpPr>
+        <p:sp>
+          <p:nvSpPr>
+            <p:cNvPr id="27" name="Retângulo 26"/>
+            <p:cNvSpPr/>
+            <p:nvPr/>
+          </p:nvSpPr>
+          <p:spPr>
+            <a:xfrm>
+              <a:off x="3303102" y="1578846"/>
+              <a:ext cx="7132734" cy="4364070"/>
+            </a:xfrm>
+            <a:prstGeom prst="rect">
+              <a:avLst/>
+            </a:prstGeom>
+            <a:solidFill>
+              <a:srgbClr val="8DBA62"/>
+            </a:solidFill>
+            <a:ln>
+              <a:solidFill>
+                <a:srgbClr val="8DBA62"/>
+              </a:solidFill>
+            </a:ln>
+          </p:spPr>
+          <p:style>
+            <a:lnRef idx="2">
+              <a:schemeClr val="accent1">
+                <a:shade val="50000"/>
+              </a:schemeClr>
+            </a:lnRef>
+            <a:fillRef idx="1">
+              <a:schemeClr val="accent1"/>
+            </a:fillRef>
+            <a:effectRef idx="0">
+              <a:schemeClr val="accent1"/>
+            </a:effectRef>
+            <a:fontRef idx="minor">
+              <a:schemeClr val="lt1"/>
+            </a:fontRef>
+          </p:style>
+          <p:txBody>
+            <a:bodyPr rtlCol="0" anchor="ctr"/>
+            <a:lstStyle/>
+            <a:p>
+              <a:pPr algn="ctr"/>
+              <a:endParaRPr lang="pt-BR"/>
+            </a:p>
+          </p:txBody>
+        </p:sp>
+        <p:sp>
+          <p:nvSpPr>
+            <p:cNvPr id="28" name="Retângulo de cantos arredondados 27"/>
+            <p:cNvSpPr/>
+            <p:nvPr/>
+          </p:nvSpPr>
+          <p:spPr>
+            <a:xfrm>
+              <a:off x="3400023" y="1674254"/>
+              <a:ext cx="6941711" cy="4172754"/>
+            </a:xfrm>
+            <a:prstGeom prst="roundRect">
+              <a:avLst>
+                <a:gd name="adj" fmla="val 0"/>
+              </a:avLst>
+            </a:prstGeom>
+            <a:solidFill>
+              <a:srgbClr val="FDEBC7"/>
+            </a:solidFill>
+            <a:ln>
+              <a:solidFill>
+                <a:srgbClr val="8DBA62"/>
+              </a:solidFill>
+            </a:ln>
+          </p:spPr>
+          <p:style>
+            <a:lnRef idx="2">
+              <a:schemeClr val="accent6"/>
+            </a:lnRef>
+            <a:fillRef idx="1">
+              <a:schemeClr val="lt1"/>
+            </a:fillRef>
+            <a:effectRef idx="0">
+              <a:schemeClr val="accent6"/>
+            </a:effectRef>
+            <a:fontRef idx="minor">
+              <a:schemeClr val="dk1"/>
+            </a:fontRef>
+          </p:style>
+          <p:txBody>
+            <a:bodyPr rtlCol="0" anchor="ctr"/>
+            <a:lstStyle/>
+            <a:p>
+              <a:pPr algn="ctr"/>
+              <a:endParaRPr lang="pt-BR"/>
+            </a:p>
+          </p:txBody>
+        </p:sp>
+      </p:grpSp>
+      <p:grpSp>
+        <p:nvGrpSpPr>
+          <p:cNvPr id="29" name="Grupo 28"/>
+          <p:cNvGrpSpPr/>
+          <p:nvPr/>
+        </p:nvGrpSpPr>
+        <p:grpSpPr>
+          <a:xfrm>
+            <a:off x="7545106" y="4864736"/>
+            <a:ext cx="3224038" cy="1247973"/>
+            <a:chOff x="3303102" y="1578846"/>
+            <a:chExt cx="7132734" cy="4364070"/>
+          </a:xfrm>
+        </p:grpSpPr>
+        <p:sp>
+          <p:nvSpPr>
+            <p:cNvPr id="30" name="Retângulo 29"/>
+            <p:cNvSpPr/>
+            <p:nvPr/>
+          </p:nvSpPr>
+          <p:spPr>
+            <a:xfrm>
+              <a:off x="3303102" y="1578846"/>
+              <a:ext cx="7132734" cy="4364070"/>
+            </a:xfrm>
+            <a:prstGeom prst="rect">
+              <a:avLst/>
+            </a:prstGeom>
+            <a:solidFill>
+              <a:srgbClr val="8DBA62"/>
+            </a:solidFill>
+            <a:ln>
+              <a:solidFill>
+                <a:srgbClr val="8DBA62"/>
+              </a:solidFill>
+            </a:ln>
+          </p:spPr>
+          <p:style>
+            <a:lnRef idx="2">
+              <a:schemeClr val="accent1">
+                <a:shade val="50000"/>
+              </a:schemeClr>
+            </a:lnRef>
+            <a:fillRef idx="1">
+              <a:schemeClr val="accent1"/>
+            </a:fillRef>
+            <a:effectRef idx="0">
+              <a:schemeClr val="accent1"/>
+            </a:effectRef>
+            <a:fontRef idx="minor">
+              <a:schemeClr val="lt1"/>
+            </a:fontRef>
+          </p:style>
+          <p:txBody>
+            <a:bodyPr rtlCol="0" anchor="ctr"/>
+            <a:lstStyle/>
+            <a:p>
+              <a:pPr algn="ctr"/>
+              <a:endParaRPr lang="pt-BR"/>
+            </a:p>
+          </p:txBody>
+        </p:sp>
+        <p:sp>
+          <p:nvSpPr>
+            <p:cNvPr id="31" name="Retângulo de cantos arredondados 30"/>
+            <p:cNvSpPr/>
+            <p:nvPr/>
+          </p:nvSpPr>
+          <p:spPr>
+            <a:xfrm>
+              <a:off x="3400023" y="1674254"/>
+              <a:ext cx="6941711" cy="4172754"/>
+            </a:xfrm>
+            <a:prstGeom prst="roundRect">
+              <a:avLst>
+                <a:gd name="adj" fmla="val 0"/>
+              </a:avLst>
+            </a:prstGeom>
+            <a:solidFill>
+              <a:srgbClr val="FDEBC7"/>
+            </a:solidFill>
+            <a:ln>
+              <a:solidFill>
+                <a:srgbClr val="8DBA62"/>
+              </a:solidFill>
+            </a:ln>
+          </p:spPr>
+          <p:style>
+            <a:lnRef idx="2">
+              <a:schemeClr val="accent6"/>
+            </a:lnRef>
+            <a:fillRef idx="1">
+              <a:schemeClr val="lt1"/>
+            </a:fillRef>
+            <a:effectRef idx="0">
+              <a:schemeClr val="accent6"/>
+            </a:effectRef>
+            <a:fontRef idx="minor">
+              <a:schemeClr val="dk1"/>
+            </a:fontRef>
+          </p:style>
+          <p:txBody>
+            <a:bodyPr rtlCol="0" anchor="ctr"/>
+            <a:lstStyle/>
+            <a:p>
+              <a:pPr algn="ctr"/>
+              <a:endParaRPr lang="pt-BR"/>
+            </a:p>
+          </p:txBody>
+        </p:sp>
+      </p:grpSp>
+      <p:sp>
+        <p:nvSpPr>
+          <p:cNvPr id="32" name="Retângulo 31"/>
           <p:cNvSpPr/>
           <p:nvPr/>
         </p:nvSpPr>
         <p:spPr>
           <a:xfrm>
-            <a:off x="4699486" y="1991056"/>
-            <a:ext cx="1662677" cy="378657"/>
+            <a:off x="7545107" y="1394320"/>
+            <a:ext cx="3186618" cy="208063"/>
+          </a:xfrm>
+          <a:prstGeom prst="rect">
+            <a:avLst/>
+          </a:prstGeom>
+          <a:solidFill>
+            <a:srgbClr val="8DBA62"/>
+          </a:solidFill>
+          <a:ln>
+            <a:solidFill>
+              <a:srgbClr val="73D54A"/>
+            </a:solidFill>
+          </a:ln>
+          <a:effectLst>
+            <a:outerShdw blurRad="50800" dist="38100" dir="2700000" algn="tl" rotWithShape="0">
+              <a:prstClr val="black">
+                <a:alpha val="40000"/>
+              </a:prstClr>
+            </a:outerShdw>
+            <a:softEdge rad="0"/>
+          </a:effectLst>
+        </p:spPr>
+        <p:style>
+          <a:lnRef idx="2">
+            <a:schemeClr val="accent1">
+              <a:shade val="50000"/>
+            </a:schemeClr>
+          </a:lnRef>
+          <a:fillRef idx="1">
+            <a:schemeClr val="accent1"/>
+          </a:fillRef>
+          <a:effectRef idx="0">
+            <a:schemeClr val="accent1"/>
+          </a:effectRef>
+          <a:fontRef idx="minor">
+            <a:schemeClr val="lt1"/>
+          </a:fontRef>
+        </p:style>
+        <p:txBody>
+          <a:bodyPr rtlCol="0" anchor="ctr"/>
+          <a:lstStyle/>
+          <a:p>
+            <a:pPr algn="ctr"/>
+            <a:r>
+              <a:rPr lang="pt-BR" dirty="0"/>
+              <a:t>QUIZ</a:t>
+            </a:r>
+          </a:p>
+        </p:txBody>
+      </p:sp>
+      <p:sp>
+        <p:nvSpPr>
+          <p:cNvPr id="33" name="Retângulo 32"/>
+          <p:cNvSpPr/>
+          <p:nvPr/>
+        </p:nvSpPr>
+        <p:spPr>
+          <a:xfrm>
+            <a:off x="7545106" y="3332149"/>
+            <a:ext cx="3186618" cy="235299"/>
+          </a:xfrm>
+          <a:prstGeom prst="rect">
+            <a:avLst/>
+          </a:prstGeom>
+          <a:solidFill>
+            <a:srgbClr val="8DBA62"/>
+          </a:solidFill>
+          <a:ln>
+            <a:solidFill>
+              <a:srgbClr val="73D54A"/>
+            </a:solidFill>
+          </a:ln>
+          <a:effectLst>
+            <a:outerShdw blurRad="50800" dist="38100" dir="2700000" algn="tl" rotWithShape="0">
+              <a:prstClr val="black">
+                <a:alpha val="40000"/>
+              </a:prstClr>
+            </a:outerShdw>
+            <a:softEdge rad="0"/>
+          </a:effectLst>
+        </p:spPr>
+        <p:style>
+          <a:lnRef idx="2">
+            <a:schemeClr val="accent1">
+              <a:shade val="50000"/>
+            </a:schemeClr>
+          </a:lnRef>
+          <a:fillRef idx="1">
+            <a:schemeClr val="accent1"/>
+          </a:fillRef>
+          <a:effectRef idx="0">
+            <a:schemeClr val="accent1"/>
+          </a:effectRef>
+          <a:fontRef idx="minor">
+            <a:schemeClr val="lt1"/>
+          </a:fontRef>
+        </p:style>
+        <p:txBody>
+          <a:bodyPr rtlCol="0" anchor="ctr"/>
+          <a:lstStyle/>
+          <a:p>
+            <a:pPr algn="ctr"/>
+            <a:r>
+              <a:rPr lang="pt-BR" dirty="0"/>
+              <a:t>Jogo da memória</a:t>
+            </a:r>
+          </a:p>
+        </p:txBody>
+      </p:sp>
+      <p:sp>
+        <p:nvSpPr>
+          <p:cNvPr id="34" name="Retângulo 33"/>
+          <p:cNvSpPr/>
+          <p:nvPr/>
+        </p:nvSpPr>
+        <p:spPr>
+          <a:xfrm>
+            <a:off x="7574287" y="4892019"/>
+            <a:ext cx="3142809" cy="175779"/>
+          </a:xfrm>
+          <a:prstGeom prst="rect">
+            <a:avLst/>
+          </a:prstGeom>
+          <a:solidFill>
+            <a:srgbClr val="8DBA62"/>
+          </a:solidFill>
+          <a:ln>
+            <a:solidFill>
+              <a:srgbClr val="73D54A"/>
+            </a:solidFill>
+          </a:ln>
+          <a:effectLst>
+            <a:outerShdw blurRad="50800" dist="38100" dir="2700000" algn="tl" rotWithShape="0">
+              <a:prstClr val="black">
+                <a:alpha val="40000"/>
+              </a:prstClr>
+            </a:outerShdw>
+            <a:softEdge rad="0"/>
+          </a:effectLst>
+        </p:spPr>
+        <p:style>
+          <a:lnRef idx="2">
+            <a:schemeClr val="accent1">
+              <a:shade val="50000"/>
+            </a:schemeClr>
+          </a:lnRef>
+          <a:fillRef idx="1">
+            <a:schemeClr val="accent1"/>
+          </a:fillRef>
+          <a:effectRef idx="0">
+            <a:schemeClr val="accent1"/>
+          </a:effectRef>
+          <a:fontRef idx="minor">
+            <a:schemeClr val="lt1"/>
+          </a:fontRef>
+        </p:style>
+        <p:txBody>
+          <a:bodyPr rtlCol="0" anchor="ctr"/>
+          <a:lstStyle/>
+          <a:p>
+            <a:pPr algn="ctr"/>
+            <a:r>
+              <a:rPr lang="pt-BR" dirty="0"/>
+              <a:t>Apaque a Luz</a:t>
+            </a:r>
+          </a:p>
+        </p:txBody>
+      </p:sp>
+      <p:sp>
+        <p:nvSpPr>
+          <p:cNvPr id="46" name="Retângulo 45"/>
+          <p:cNvSpPr/>
+          <p:nvPr/>
+        </p:nvSpPr>
+        <p:spPr>
+          <a:xfrm>
+            <a:off x="5461686" y="5488650"/>
+            <a:ext cx="1724725" cy="399022"/>
           </a:xfrm>
           <a:prstGeom prst="rect">
             <a:avLst/>
@@ -22267,16 +19387,849 @@
           <a:p>
             <a:pPr algn="ctr"/>
             <a:r>
+              <a:rPr lang="pt-BR" dirty="0" smtClean="0"/>
+              <a:t>Finalizar Rodada</a:t>
+            </a:r>
+            <a:endParaRPr lang="pt-BR" dirty="0"/>
+          </a:p>
+        </p:txBody>
+      </p:sp>
+      <p:sp>
+        <p:nvSpPr>
+          <p:cNvPr id="70" name="Retângulo 69"/>
+          <p:cNvSpPr/>
+          <p:nvPr/>
+        </p:nvSpPr>
+        <p:spPr>
+          <a:xfrm>
+            <a:off x="8162399" y="2204078"/>
+            <a:ext cx="2057243" cy="399022"/>
+          </a:xfrm>
+          <a:prstGeom prst="rect">
+            <a:avLst/>
+          </a:prstGeom>
+          <a:solidFill>
+            <a:srgbClr val="73D54A"/>
+          </a:solidFill>
+          <a:ln>
+            <a:solidFill>
+              <a:srgbClr val="73D54A"/>
+            </a:solidFill>
+          </a:ln>
+          <a:effectLst>
+            <a:outerShdw blurRad="50800" dist="38100" dir="2700000" algn="tl" rotWithShape="0">
+              <a:prstClr val="black">
+                <a:alpha val="40000"/>
+              </a:prstClr>
+            </a:outerShdw>
+            <a:softEdge rad="0"/>
+          </a:effectLst>
+        </p:spPr>
+        <p:style>
+          <a:lnRef idx="2">
+            <a:schemeClr val="accent1">
+              <a:shade val="50000"/>
+            </a:schemeClr>
+          </a:lnRef>
+          <a:fillRef idx="1">
+            <a:schemeClr val="accent1"/>
+          </a:fillRef>
+          <a:effectRef idx="0">
+            <a:schemeClr val="accent1"/>
+          </a:effectRef>
+          <a:fontRef idx="minor">
+            <a:schemeClr val="lt1"/>
+          </a:fontRef>
+        </p:style>
+        <p:txBody>
+          <a:bodyPr rtlCol="0" anchor="ctr"/>
+          <a:lstStyle/>
+          <a:p>
+            <a:pPr algn="ctr"/>
+            <a:r>
               <a:rPr lang="pt-BR" dirty="0"/>
-              <a:t>Entrar na sala</a:t>
+              <a:t>Adicionar perguntas</a:t>
             </a:r>
+          </a:p>
+        </p:txBody>
+      </p:sp>
+      <p:sp>
+        <p:nvSpPr>
+          <p:cNvPr id="72" name="Retângulo 71"/>
+          <p:cNvSpPr/>
+          <p:nvPr/>
+        </p:nvSpPr>
+        <p:spPr>
+          <a:xfrm>
+            <a:off x="7961454" y="3904181"/>
+            <a:ext cx="2462837" cy="517732"/>
+          </a:xfrm>
+          <a:prstGeom prst="rect">
+            <a:avLst/>
+          </a:prstGeom>
+          <a:solidFill>
+            <a:srgbClr val="73D54A"/>
+          </a:solidFill>
+          <a:ln>
+            <a:solidFill>
+              <a:srgbClr val="73D54A"/>
+            </a:solidFill>
+          </a:ln>
+          <a:effectLst>
+            <a:outerShdw blurRad="50800" dist="38100" dir="2700000" algn="tl" rotWithShape="0">
+              <a:prstClr val="black">
+                <a:alpha val="40000"/>
+              </a:prstClr>
+            </a:outerShdw>
+            <a:softEdge rad="0"/>
+          </a:effectLst>
+        </p:spPr>
+        <p:style>
+          <a:lnRef idx="2">
+            <a:schemeClr val="accent1">
+              <a:shade val="50000"/>
+            </a:schemeClr>
+          </a:lnRef>
+          <a:fillRef idx="1">
+            <a:schemeClr val="accent1"/>
+          </a:fillRef>
+          <a:effectRef idx="0">
+            <a:schemeClr val="accent1"/>
+          </a:effectRef>
+          <a:fontRef idx="minor">
+            <a:schemeClr val="lt1"/>
+          </a:fontRef>
+        </p:style>
+        <p:txBody>
+          <a:bodyPr rtlCol="0" anchor="ctr"/>
+          <a:lstStyle/>
+          <a:p>
+            <a:pPr algn="ctr"/>
+            <a:r>
+              <a:rPr lang="pt-BR" dirty="0"/>
+              <a:t>Adicionar Jogo da Memória</a:t>
+            </a:r>
+          </a:p>
+        </p:txBody>
+      </p:sp>
+      <p:sp>
+        <p:nvSpPr>
+          <p:cNvPr id="73" name="Retângulo 72"/>
+          <p:cNvSpPr/>
+          <p:nvPr/>
+        </p:nvSpPr>
+        <p:spPr>
+          <a:xfrm>
+            <a:off x="7961454" y="5377029"/>
+            <a:ext cx="2459134" cy="399022"/>
+          </a:xfrm>
+          <a:prstGeom prst="rect">
+            <a:avLst/>
+          </a:prstGeom>
+          <a:solidFill>
+            <a:srgbClr val="73D54A"/>
+          </a:solidFill>
+          <a:ln>
+            <a:solidFill>
+              <a:srgbClr val="73D54A"/>
+            </a:solidFill>
+          </a:ln>
+          <a:effectLst>
+            <a:outerShdw blurRad="50800" dist="38100" dir="2700000" algn="tl" rotWithShape="0">
+              <a:prstClr val="black">
+                <a:alpha val="40000"/>
+              </a:prstClr>
+            </a:outerShdw>
+            <a:softEdge rad="0"/>
+          </a:effectLst>
+        </p:spPr>
+        <p:style>
+          <a:lnRef idx="2">
+            <a:schemeClr val="accent1">
+              <a:shade val="50000"/>
+            </a:schemeClr>
+          </a:lnRef>
+          <a:fillRef idx="1">
+            <a:schemeClr val="accent1"/>
+          </a:fillRef>
+          <a:effectRef idx="0">
+            <a:schemeClr val="accent1"/>
+          </a:effectRef>
+          <a:fontRef idx="minor">
+            <a:schemeClr val="lt1"/>
+          </a:fontRef>
+        </p:style>
+        <p:txBody>
+          <a:bodyPr rtlCol="0" anchor="ctr"/>
+          <a:lstStyle/>
+          <a:p>
+            <a:pPr algn="ctr"/>
+            <a:r>
+              <a:rPr lang="pt-BR" dirty="0"/>
+              <a:t>Adicionar Apague a Luz</a:t>
+            </a:r>
+          </a:p>
+        </p:txBody>
+      </p:sp>
+      <p:sp>
+        <p:nvSpPr>
+          <p:cNvPr id="35" name="Retângulo 34">
+            <a:extLst>
+              <a:ext uri="{FF2B5EF4-FFF2-40B4-BE49-F238E27FC236}">
+                <a16:creationId xmlns:a16="http://schemas.microsoft.com/office/drawing/2014/main" xmlns="" id="{579B470E-A950-473D-9224-F36D0EB57231}"/>
+              </a:ext>
+            </a:extLst>
+          </p:cNvPr>
+          <p:cNvSpPr/>
+          <p:nvPr/>
+        </p:nvSpPr>
+        <p:spPr>
+          <a:xfrm>
+            <a:off x="1462362" y="5289211"/>
+            <a:ext cx="1724725" cy="596570"/>
+          </a:xfrm>
+          <a:prstGeom prst="rect">
+            <a:avLst/>
+          </a:prstGeom>
+          <a:solidFill>
+            <a:srgbClr val="73D54A"/>
+          </a:solidFill>
+          <a:ln>
+            <a:solidFill>
+              <a:srgbClr val="73D54A"/>
+            </a:solidFill>
+          </a:ln>
+          <a:effectLst>
+            <a:outerShdw blurRad="50800" dist="38100" dir="2700000" algn="tl" rotWithShape="0">
+              <a:prstClr val="black">
+                <a:alpha val="40000"/>
+              </a:prstClr>
+            </a:outerShdw>
+            <a:softEdge rad="0"/>
+          </a:effectLst>
+        </p:spPr>
+        <p:style>
+          <a:lnRef idx="2">
+            <a:schemeClr val="accent1">
+              <a:shade val="50000"/>
+            </a:schemeClr>
+          </a:lnRef>
+          <a:fillRef idx="1">
+            <a:schemeClr val="accent1"/>
+          </a:fillRef>
+          <a:effectRef idx="0">
+            <a:schemeClr val="accent1"/>
+          </a:effectRef>
+          <a:fontRef idx="minor">
+            <a:schemeClr val="lt1"/>
+          </a:fontRef>
+        </p:style>
+        <p:txBody>
+          <a:bodyPr rtlCol="0" anchor="ctr"/>
+          <a:lstStyle/>
+          <a:p>
+            <a:pPr algn="ctr"/>
+            <a:r>
+              <a:rPr lang="pt-BR" dirty="0" smtClean="0"/>
+              <a:t>Iniciar Rodada</a:t>
+            </a:r>
+            <a:endParaRPr lang="pt-BR" dirty="0"/>
+          </a:p>
+        </p:txBody>
+      </p:sp>
+      <p:sp>
+        <p:nvSpPr>
+          <p:cNvPr id="36" name="CaixaDeTexto 35"/>
+          <p:cNvSpPr txBox="1"/>
+          <p:nvPr/>
+        </p:nvSpPr>
+        <p:spPr>
+          <a:xfrm>
+            <a:off x="6572157" y="1622264"/>
+            <a:ext cx="4578359" cy="461665"/>
+          </a:xfrm>
+          <a:prstGeom prst="rect">
+            <a:avLst/>
+          </a:prstGeom>
+          <a:noFill/>
+        </p:spPr>
+        <p:txBody>
+          <a:bodyPr wrap="square" rtlCol="0">
+            <a:spAutoFit/>
+          </a:bodyPr>
+          <a:lstStyle/>
+          <a:p>
+            <a:r>
+              <a:rPr lang="pt-BR" sz="2400" dirty="0" smtClean="0">
+                <a:solidFill>
+                  <a:srgbClr val="447E43"/>
+                </a:solidFill>
+                <a:latin typeface="Bahnschrift" panose="020B0502040204020203" pitchFamily="34" charset="0"/>
+              </a:rPr>
+              <a:t>1</a:t>
+            </a:r>
+            <a:endParaRPr lang="pt-BR" sz="2400" dirty="0">
+              <a:solidFill>
+                <a:srgbClr val="447E43"/>
+              </a:solidFill>
+              <a:latin typeface="Bahnschrift" panose="020B0502040204020203" pitchFamily="34" charset="0"/>
+            </a:endParaRPr>
+          </a:p>
+        </p:txBody>
+      </p:sp>
+      <p:sp>
+        <p:nvSpPr>
+          <p:cNvPr id="37" name="Retângulo 36">
+            <a:extLst>
+              <a:ext uri="{FF2B5EF4-FFF2-40B4-BE49-F238E27FC236}">
+                <a16:creationId xmlns:a16="http://schemas.microsoft.com/office/drawing/2014/main" xmlns="" id="{579B470E-A950-473D-9224-F36D0EB57231}"/>
+              </a:ext>
+            </a:extLst>
+          </p:cNvPr>
+          <p:cNvSpPr/>
+          <p:nvPr/>
+        </p:nvSpPr>
+        <p:spPr>
+          <a:xfrm>
+            <a:off x="3187087" y="2624629"/>
+            <a:ext cx="2274599" cy="596570"/>
+          </a:xfrm>
+          <a:prstGeom prst="rect">
+            <a:avLst/>
+          </a:prstGeom>
+          <a:solidFill>
+            <a:srgbClr val="FF0000"/>
+          </a:solidFill>
+          <a:ln>
+            <a:solidFill>
+              <a:srgbClr val="FF0000"/>
+            </a:solidFill>
+          </a:ln>
+          <a:effectLst>
+            <a:outerShdw blurRad="50800" dist="38100" dir="2700000" algn="tl" rotWithShape="0">
+              <a:prstClr val="black">
+                <a:alpha val="40000"/>
+              </a:prstClr>
+            </a:outerShdw>
+            <a:softEdge rad="0"/>
+          </a:effectLst>
+        </p:spPr>
+        <p:style>
+          <a:lnRef idx="2">
+            <a:schemeClr val="accent1">
+              <a:shade val="50000"/>
+            </a:schemeClr>
+          </a:lnRef>
+          <a:fillRef idx="1">
+            <a:schemeClr val="accent1"/>
+          </a:fillRef>
+          <a:effectRef idx="0">
+            <a:schemeClr val="accent1"/>
+          </a:effectRef>
+          <a:fontRef idx="minor">
+            <a:schemeClr val="lt1"/>
+          </a:fontRef>
+        </p:style>
+        <p:txBody>
+          <a:bodyPr rtlCol="0" anchor="ctr"/>
+          <a:lstStyle/>
+          <a:p>
+            <a:pPr algn="ctr"/>
+            <a:r>
+              <a:rPr lang="pt-BR" dirty="0" smtClean="0"/>
+              <a:t>Retirar ultimo jogo</a:t>
+            </a:r>
+            <a:endParaRPr lang="pt-BR" dirty="0"/>
           </a:p>
         </p:txBody>
       </p:sp>
     </p:spTree>
     <p:extLst>
       <p:ext uri="{BB962C8B-B14F-4D97-AF65-F5344CB8AC3E}">
-        <p14:creationId xmlns:p14="http://schemas.microsoft.com/office/powerpoint/2010/main" val="178012295"/>
+        <p14:creationId xmlns:p14="http://schemas.microsoft.com/office/powerpoint/2010/main" val="946480658"/>
+      </p:ext>
+    </p:extLst>
+  </p:cSld>
+  <p:clrMapOvr>
+    <a:masterClrMapping/>
+  </p:clrMapOvr>
+</p:sld>
+</file>
+
+<file path=ppt/slides/slide32.xml><?xml version="1.0" encoding="utf-8"?>
+<p:sld xmlns:a="http://schemas.openxmlformats.org/drawingml/2006/main" xmlns:r="http://schemas.openxmlformats.org/officeDocument/2006/relationships" xmlns:p="http://schemas.openxmlformats.org/presentationml/2006/main">
+  <p:cSld>
+    <p:spTree>
+      <p:nvGrpSpPr>
+        <p:cNvPr id="1" name=""/>
+        <p:cNvGrpSpPr/>
+        <p:nvPr/>
+      </p:nvGrpSpPr>
+      <p:grpSpPr>
+        <a:xfrm>
+          <a:off x="0" y="0"/>
+          <a:ext cx="0" cy="0"/>
+          <a:chOff x="0" y="0"/>
+          <a:chExt cx="0" cy="0"/>
+        </a:xfrm>
+      </p:grpSpPr>
+      <p:sp>
+        <p:nvSpPr>
+          <p:cNvPr id="2" name="Título 1"/>
+          <p:cNvSpPr>
+            <a:spLocks noGrp="1"/>
+          </p:cNvSpPr>
+          <p:nvPr>
+            <p:ph type="title"/>
+          </p:nvPr>
+        </p:nvSpPr>
+        <p:spPr/>
+        <p:txBody>
+          <a:bodyPr>
+            <a:normAutofit/>
+          </a:bodyPr>
+          <a:lstStyle/>
+          <a:p>
+            <a:r>
+              <a:rPr lang="pt-BR" sz="3200" dirty="0"/>
+              <a:t>Tabela de Elementos – Tela Nova Rodada</a:t>
+            </a:r>
+          </a:p>
+        </p:txBody>
+      </p:sp>
+      <p:graphicFrame>
+        <p:nvGraphicFramePr>
+          <p:cNvPr id="4" name="Espaço Reservado para Conteúdo 3"/>
+          <p:cNvGraphicFramePr>
+            <a:graphicFrameLocks noGrp="1"/>
+          </p:cNvGraphicFramePr>
+          <p:nvPr>
+            <p:ph idx="1"/>
+            <p:extLst>
+              <p:ext uri="{D42A27DB-BD31-4B8C-83A1-F6EECF244321}">
+                <p14:modId xmlns:p14="http://schemas.microsoft.com/office/powerpoint/2010/main" val="1164697345"/>
+              </p:ext>
+            </p:extLst>
+          </p:nvPr>
+        </p:nvGraphicFramePr>
+        <p:xfrm>
+          <a:off x="838199" y="2250626"/>
+          <a:ext cx="9168685" cy="3006229"/>
+        </p:xfrm>
+        <a:graphic>
+          <a:graphicData uri="http://schemas.openxmlformats.org/drawingml/2006/table">
+            <a:tbl>
+              <a:tblPr firstRow="1" bandRow="1">
+                <a:tableStyleId>{93296810-A885-4BE3-A3E7-6D5BEEA58F35}</a:tableStyleId>
+              </a:tblPr>
+              <a:tblGrid>
+                <a:gridCol w="569322">
+                  <a:extLst>
+                    <a:ext uri="{9D8B030D-6E8A-4147-A177-3AD203B41FA5}">
+                      <a16:colId xmlns:a16="http://schemas.microsoft.com/office/drawing/2014/main" xmlns="" val="20000"/>
+                    </a:ext>
+                  </a:extLst>
+                </a:gridCol>
+                <a:gridCol w="1629692">
+                  <a:extLst>
+                    <a:ext uri="{9D8B030D-6E8A-4147-A177-3AD203B41FA5}">
+                      <a16:colId xmlns:a16="http://schemas.microsoft.com/office/drawing/2014/main" xmlns="" val="20001"/>
+                    </a:ext>
+                  </a:extLst>
+                </a:gridCol>
+                <a:gridCol w="1742084">
+                  <a:extLst>
+                    <a:ext uri="{9D8B030D-6E8A-4147-A177-3AD203B41FA5}">
+                      <a16:colId xmlns:a16="http://schemas.microsoft.com/office/drawing/2014/main" xmlns="" val="20002"/>
+                    </a:ext>
+                  </a:extLst>
+                </a:gridCol>
+                <a:gridCol w="2942571">
+                  <a:extLst>
+                    <a:ext uri="{9D8B030D-6E8A-4147-A177-3AD203B41FA5}">
+                      <a16:colId xmlns:a16="http://schemas.microsoft.com/office/drawing/2014/main" xmlns="" val="20003"/>
+                    </a:ext>
+                  </a:extLst>
+                </a:gridCol>
+                <a:gridCol w="2285016">
+                  <a:extLst>
+                    <a:ext uri="{9D8B030D-6E8A-4147-A177-3AD203B41FA5}">
+                      <a16:colId xmlns:a16="http://schemas.microsoft.com/office/drawing/2014/main" xmlns="" val="20004"/>
+                    </a:ext>
+                  </a:extLst>
+                </a:gridCol>
+              </a:tblGrid>
+              <a:tr h="445909">
+                <a:tc>
+                  <a:txBody>
+                    <a:bodyPr/>
+                    <a:lstStyle/>
+                    <a:p>
+                      <a:endParaRPr lang="pt-BR" dirty="0"/>
+                    </a:p>
+                  </a:txBody>
+                  <a:tcPr/>
+                </a:tc>
+                <a:tc>
+                  <a:txBody>
+                    <a:bodyPr/>
+                    <a:lstStyle/>
+                    <a:p>
+                      <a:r>
+                        <a:rPr lang="pt-BR" dirty="0"/>
+                        <a:t>Nome Campo</a:t>
+                      </a:r>
+                    </a:p>
+                  </a:txBody>
+                  <a:tcPr/>
+                </a:tc>
+                <a:tc>
+                  <a:txBody>
+                    <a:bodyPr/>
+                    <a:lstStyle/>
+                    <a:p>
+                      <a:r>
+                        <a:rPr lang="pt-BR" dirty="0"/>
+                        <a:t>Origem</a:t>
+                      </a:r>
+                    </a:p>
+                  </a:txBody>
+                  <a:tcPr/>
+                </a:tc>
+                <a:tc>
+                  <a:txBody>
+                    <a:bodyPr/>
+                    <a:lstStyle/>
+                    <a:p>
+                      <a:r>
+                        <a:rPr lang="pt-BR" dirty="0"/>
+                        <a:t>Tipo</a:t>
+                      </a:r>
+                    </a:p>
+                  </a:txBody>
+                  <a:tcPr/>
+                </a:tc>
+                <a:tc>
+                  <a:txBody>
+                    <a:bodyPr/>
+                    <a:lstStyle/>
+                    <a:p>
+                      <a:r>
+                        <a:rPr lang="pt-BR" dirty="0"/>
+                        <a:t>Função</a:t>
+                      </a:r>
+                    </a:p>
+                  </a:txBody>
+                  <a:tcPr/>
+                </a:tc>
+                <a:extLst>
+                  <a:ext uri="{0D108BD9-81ED-4DB2-BD59-A6C34878D82A}">
+                    <a16:rowId xmlns:a16="http://schemas.microsoft.com/office/drawing/2014/main" xmlns="" val="10000"/>
+                  </a:ext>
+                </a:extLst>
+              </a:tr>
+              <a:tr h="445909">
+                <a:tc>
+                  <a:txBody>
+                    <a:bodyPr/>
+                    <a:lstStyle/>
+                    <a:p>
+                      <a:r>
+                        <a:rPr lang="pt-BR" dirty="0"/>
+                        <a:t>0</a:t>
+                      </a:r>
+                    </a:p>
+                  </a:txBody>
+                  <a:tcPr/>
+                </a:tc>
+                <a:tc>
+                  <a:txBody>
+                    <a:bodyPr/>
+                    <a:lstStyle/>
+                    <a:p>
+                      <a:r>
+                        <a:rPr lang="pt-BR" dirty="0"/>
+                        <a:t>‘+’ (QUIZ)</a:t>
+                      </a:r>
+                    </a:p>
+                  </a:txBody>
+                  <a:tcPr/>
+                </a:tc>
+                <a:tc>
+                  <a:txBody>
+                    <a:bodyPr/>
+                    <a:lstStyle/>
+                    <a:p>
+                      <a:endParaRPr lang="pt-BR" dirty="0"/>
+                    </a:p>
+                  </a:txBody>
+                  <a:tcPr/>
+                </a:tc>
+                <a:tc>
+                  <a:txBody>
+                    <a:bodyPr/>
+                    <a:lstStyle/>
+                    <a:p>
+                      <a:r>
+                        <a:rPr lang="pt-BR" dirty="0"/>
+                        <a:t>Botão</a:t>
+                      </a:r>
+                    </a:p>
+                  </a:txBody>
+                  <a:tcPr/>
+                </a:tc>
+                <a:tc>
+                  <a:txBody>
+                    <a:bodyPr/>
+                    <a:lstStyle/>
+                    <a:p>
+                      <a:r>
+                        <a:rPr lang="pt-BR" dirty="0"/>
+                        <a:t>Adiciona respectiva</a:t>
+                      </a:r>
+                      <a:r>
+                        <a:rPr lang="pt-BR" baseline="0" dirty="0"/>
+                        <a:t> pergunta a rodada</a:t>
+                      </a:r>
+                      <a:endParaRPr lang="pt-BR" dirty="0"/>
+                    </a:p>
+                  </a:txBody>
+                  <a:tcPr/>
+                </a:tc>
+                <a:extLst>
+                  <a:ext uri="{0D108BD9-81ED-4DB2-BD59-A6C34878D82A}">
+                    <a16:rowId xmlns:a16="http://schemas.microsoft.com/office/drawing/2014/main" xmlns="" val="10001"/>
+                  </a:ext>
+                </a:extLst>
+              </a:tr>
+              <a:tr h="445909">
+                <a:tc>
+                  <a:txBody>
+                    <a:bodyPr/>
+                    <a:lstStyle/>
+                    <a:p>
+                      <a:r>
+                        <a:rPr lang="pt-BR" dirty="0"/>
+                        <a:t>1</a:t>
+                      </a:r>
+                    </a:p>
+                  </a:txBody>
+                  <a:tcPr/>
+                </a:tc>
+                <a:tc>
+                  <a:txBody>
+                    <a:bodyPr/>
+                    <a:lstStyle/>
+                    <a:p>
+                      <a:r>
+                        <a:rPr lang="pt-BR" dirty="0"/>
+                        <a:t>‘ +’ (Jogo</a:t>
+                      </a:r>
+                      <a:r>
+                        <a:rPr lang="pt-BR" baseline="0" dirty="0"/>
+                        <a:t> da Memória</a:t>
+                      </a:r>
+                      <a:r>
+                        <a:rPr lang="pt-BR" dirty="0"/>
+                        <a:t>)</a:t>
+                      </a:r>
+                    </a:p>
+                  </a:txBody>
+                  <a:tcPr/>
+                </a:tc>
+                <a:tc>
+                  <a:txBody>
+                    <a:bodyPr/>
+                    <a:lstStyle/>
+                    <a:p>
+                      <a:endParaRPr lang="pt-BR" dirty="0"/>
+                    </a:p>
+                  </a:txBody>
+                  <a:tcPr/>
+                </a:tc>
+                <a:tc>
+                  <a:txBody>
+                    <a:bodyPr/>
+                    <a:lstStyle/>
+                    <a:p>
+                      <a:r>
+                        <a:rPr lang="pt-BR" dirty="0"/>
+                        <a:t>Botão</a:t>
+                      </a:r>
+                    </a:p>
+                  </a:txBody>
+                  <a:tcPr/>
+                </a:tc>
+                <a:tc>
+                  <a:txBody>
+                    <a:bodyPr/>
+                    <a:lstStyle/>
+                    <a:p>
+                      <a:r>
+                        <a:rPr lang="pt-BR" dirty="0"/>
+                        <a:t>Adiciona o Jogo da memória a rodada</a:t>
+                      </a:r>
+                    </a:p>
+                  </a:txBody>
+                  <a:tcPr/>
+                </a:tc>
+                <a:extLst>
+                  <a:ext uri="{0D108BD9-81ED-4DB2-BD59-A6C34878D82A}">
+                    <a16:rowId xmlns:a16="http://schemas.microsoft.com/office/drawing/2014/main" xmlns="" val="10002"/>
+                  </a:ext>
+                </a:extLst>
+              </a:tr>
+              <a:tr h="445909">
+                <a:tc>
+                  <a:txBody>
+                    <a:bodyPr/>
+                    <a:lstStyle/>
+                    <a:p>
+                      <a:r>
+                        <a:rPr lang="pt-BR" dirty="0"/>
+                        <a:t>2</a:t>
+                      </a:r>
+                    </a:p>
+                  </a:txBody>
+                  <a:tcPr/>
+                </a:tc>
+                <a:tc>
+                  <a:txBody>
+                    <a:bodyPr/>
+                    <a:lstStyle/>
+                    <a:p>
+                      <a:r>
+                        <a:rPr lang="pt-BR" dirty="0"/>
+                        <a:t>‘+’ (Acerte o alvo)</a:t>
+                      </a:r>
+                    </a:p>
+                  </a:txBody>
+                  <a:tcPr/>
+                </a:tc>
+                <a:tc>
+                  <a:txBody>
+                    <a:bodyPr/>
+                    <a:lstStyle/>
+                    <a:p>
+                      <a:endParaRPr lang="pt-BR" dirty="0"/>
+                    </a:p>
+                  </a:txBody>
+                  <a:tcPr/>
+                </a:tc>
+                <a:tc>
+                  <a:txBody>
+                    <a:bodyPr/>
+                    <a:lstStyle/>
+                    <a:p>
+                      <a:r>
+                        <a:rPr lang="pt-BR" dirty="0"/>
+                        <a:t>Botão</a:t>
+                      </a:r>
+                    </a:p>
+                  </a:txBody>
+                  <a:tcPr/>
+                </a:tc>
+                <a:tc>
+                  <a:txBody>
+                    <a:bodyPr/>
+                    <a:lstStyle/>
+                    <a:p>
+                      <a:r>
+                        <a:rPr lang="pt-BR" dirty="0"/>
+                        <a:t>Adiciona o jogo Acerte ao Alvo a rodada</a:t>
+                      </a:r>
+                    </a:p>
+                  </a:txBody>
+                  <a:tcPr/>
+                </a:tc>
+                <a:extLst>
+                  <a:ext uri="{0D108BD9-81ED-4DB2-BD59-A6C34878D82A}">
+                    <a16:rowId xmlns:a16="http://schemas.microsoft.com/office/drawing/2014/main" xmlns="" val="10003"/>
+                  </a:ext>
+                </a:extLst>
+              </a:tr>
+              <a:tr h="445909">
+                <a:tc>
+                  <a:txBody>
+                    <a:bodyPr/>
+                    <a:lstStyle/>
+                    <a:p>
+                      <a:r>
+                        <a:rPr lang="pt-BR" dirty="0"/>
+                        <a:t>3</a:t>
+                      </a:r>
+                    </a:p>
+                  </a:txBody>
+                  <a:tcPr/>
+                </a:tc>
+                <a:tc>
+                  <a:txBody>
+                    <a:bodyPr/>
+                    <a:lstStyle/>
+                    <a:p>
+                      <a:r>
+                        <a:rPr lang="pt-BR" dirty="0"/>
+                        <a:t>‘X’</a:t>
+                      </a:r>
+                    </a:p>
+                  </a:txBody>
+                  <a:tcPr/>
+                </a:tc>
+                <a:tc>
+                  <a:txBody>
+                    <a:bodyPr/>
+                    <a:lstStyle/>
+                    <a:p>
+                      <a:endParaRPr lang="pt-BR" dirty="0"/>
+                    </a:p>
+                  </a:txBody>
+                  <a:tcPr/>
+                </a:tc>
+                <a:tc>
+                  <a:txBody>
+                    <a:bodyPr/>
+                    <a:lstStyle/>
+                    <a:p>
+                      <a:r>
+                        <a:rPr lang="pt-BR" dirty="0"/>
+                        <a:t>Botão</a:t>
+                      </a:r>
+                    </a:p>
+                  </a:txBody>
+                  <a:tcPr/>
+                </a:tc>
+                <a:tc>
+                  <a:txBody>
+                    <a:bodyPr/>
+                    <a:lstStyle/>
+                    <a:p>
+                      <a:r>
+                        <a:rPr lang="pt-BR" dirty="0"/>
+                        <a:t>Exclui</a:t>
+                      </a:r>
+                      <a:r>
+                        <a:rPr lang="pt-BR" baseline="0" dirty="0"/>
+                        <a:t> respectivo jogo da Rodada</a:t>
+                      </a:r>
+                      <a:endParaRPr lang="pt-BR" dirty="0"/>
+                    </a:p>
+                  </a:txBody>
+                  <a:tcPr/>
+                </a:tc>
+                <a:extLst>
+                  <a:ext uri="{0D108BD9-81ED-4DB2-BD59-A6C34878D82A}">
+                    <a16:rowId xmlns:a16="http://schemas.microsoft.com/office/drawing/2014/main" xmlns="" val="10004"/>
+                  </a:ext>
+                </a:extLst>
+              </a:tr>
+            </a:tbl>
+          </a:graphicData>
+        </a:graphic>
+      </p:graphicFrame>
+    </p:spTree>
+    <p:extLst>
+      <p:ext uri="{BB962C8B-B14F-4D97-AF65-F5344CB8AC3E}">
+        <p14:creationId xmlns:p14="http://schemas.microsoft.com/office/powerpoint/2010/main" val="2728877319"/>
       </p:ext>
     </p:extLst>
   </p:cSld>
@@ -22409,7 +20362,7 @@
         </p:nvSpPr>
         <p:spPr>
           <a:xfrm>
-            <a:off x="1184933" y="512242"/>
+            <a:off x="1146749" y="487727"/>
             <a:ext cx="4578359" cy="646331"/>
           </a:xfrm>
           <a:prstGeom prst="rect">
@@ -22430,7 +20383,7 @@
                 </a:solidFill>
                 <a:latin typeface="Bahnschrift" panose="020B0502040204020203" pitchFamily="34" charset="0"/>
               </a:rPr>
-              <a:t>SALA</a:t>
+              <a:t>TELA DE ESPERA</a:t>
             </a:r>
           </a:p>
         </p:txBody>
@@ -22554,8 +20507,8 @@
         </p:nvSpPr>
         <p:spPr>
           <a:xfrm>
-            <a:off x="7421960" y="1952420"/>
-            <a:ext cx="1958891" cy="378657"/>
+            <a:off x="4275782" y="5114216"/>
+            <a:ext cx="2975020" cy="378657"/>
           </a:xfrm>
           <a:prstGeom prst="rect">
             <a:avLst/>
@@ -22600,15 +20553,45 @@
             <a:pPr algn="ctr"/>
             <a:r>
               <a:rPr lang="pt-BR" dirty="0"/>
-              <a:t>Adicionar Rodada</a:t>
+              <a:t>Pronto !</a:t>
             </a:r>
           </a:p>
         </p:txBody>
       </p:sp>
+      <p:pic>
+        <p:nvPicPr>
+          <p:cNvPr id="2" name="Imagem 1"/>
+          <p:cNvPicPr>
+            <a:picLocks noChangeAspect="1"/>
+          </p:cNvPicPr>
+          <p:nvPr/>
+        </p:nvPicPr>
+        <p:blipFill>
+          <a:blip r:embed="rId2">
+            <a:extLst>
+              <a:ext uri="{28A0092B-C50C-407E-A947-70E740481C1C}">
+                <a14:useLocalDpi xmlns:a14="http://schemas.microsoft.com/office/drawing/2010/main" val="0"/>
+              </a:ext>
+            </a:extLst>
+          </a:blip>
+          <a:stretch>
+            <a:fillRect/>
+          </a:stretch>
+        </p:blipFill>
+        <p:spPr>
+          <a:xfrm>
+            <a:off x="3648902" y="1915586"/>
+            <a:ext cx="3962511" cy="2971883"/>
+          </a:xfrm>
+          <a:prstGeom prst="rect">
+            <a:avLst/>
+          </a:prstGeom>
+        </p:spPr>
+      </p:pic>
     </p:spTree>
     <p:extLst>
       <p:ext uri="{BB962C8B-B14F-4D97-AF65-F5344CB8AC3E}">
-        <p14:creationId xmlns:p14="http://schemas.microsoft.com/office/powerpoint/2010/main" val="1377177600"/>
+        <p14:creationId xmlns:p14="http://schemas.microsoft.com/office/powerpoint/2010/main" val="1861770829"/>
       </p:ext>
     </p:extLst>
   </p:cSld>
@@ -22637,340 +20620,305 @@
       </p:grpSpPr>
       <p:sp>
         <p:nvSpPr>
-          <p:cNvPr id="4" name="Retângulo 3"/>
-          <p:cNvSpPr/>
-          <p:nvPr/>
-        </p:nvSpPr>
-        <p:spPr>
-          <a:xfrm>
-            <a:off x="1117279" y="445761"/>
-            <a:ext cx="9787944" cy="5911402"/>
-          </a:xfrm>
-          <a:prstGeom prst="rect">
-            <a:avLst/>
-          </a:prstGeom>
-          <a:solidFill>
-            <a:srgbClr val="A5CA97"/>
-          </a:solidFill>
-          <a:ln>
-            <a:solidFill>
-              <a:schemeClr val="accent6">
-                <a:lumMod val="60000"/>
-                <a:lumOff val="40000"/>
-              </a:schemeClr>
-            </a:solidFill>
-          </a:ln>
-          <a:effectLst/>
-        </p:spPr>
-        <p:style>
-          <a:lnRef idx="2">
-            <a:schemeClr val="accent1">
-              <a:shade val="50000"/>
-            </a:schemeClr>
-          </a:lnRef>
-          <a:fillRef idx="1">
-            <a:schemeClr val="accent1"/>
-          </a:fillRef>
-          <a:effectRef idx="0">
-            <a:schemeClr val="accent1"/>
-          </a:effectRef>
-          <a:fontRef idx="minor">
-            <a:schemeClr val="lt1"/>
-          </a:fontRef>
-        </p:style>
-        <p:txBody>
-          <a:bodyPr rtlCol="0" anchor="ctr"/>
-          <a:lstStyle/>
-          <a:p>
-            <a:pPr algn="ctr"/>
-            <a:endParaRPr lang="pt-BR"/>
-          </a:p>
-        </p:txBody>
-      </p:sp>
-      <p:sp>
-        <p:nvSpPr>
-          <p:cNvPr id="15" name="Retângulo 14"/>
-          <p:cNvSpPr/>
-          <p:nvPr/>
-        </p:nvSpPr>
-        <p:spPr>
-          <a:xfrm>
-            <a:off x="1146749" y="445761"/>
-            <a:ext cx="9787944" cy="764853"/>
-          </a:xfrm>
-          <a:prstGeom prst="rect">
-            <a:avLst/>
-          </a:prstGeom>
-          <a:solidFill>
-            <a:srgbClr val="8DBA62"/>
-          </a:solidFill>
-          <a:ln>
-            <a:noFill/>
-          </a:ln>
-        </p:spPr>
-        <p:style>
-          <a:lnRef idx="2">
-            <a:schemeClr val="accent1">
-              <a:shade val="50000"/>
-            </a:schemeClr>
-          </a:lnRef>
-          <a:fillRef idx="1">
-            <a:schemeClr val="accent1"/>
-          </a:fillRef>
-          <a:effectRef idx="0">
-            <a:schemeClr val="accent1"/>
-          </a:effectRef>
-          <a:fontRef idx="minor">
-            <a:schemeClr val="lt1"/>
-          </a:fontRef>
-        </p:style>
-        <p:txBody>
-          <a:bodyPr rtlCol="0" anchor="ctr"/>
-          <a:lstStyle/>
-          <a:p>
-            <a:pPr algn="ctr"/>
-            <a:endParaRPr lang="pt-BR"/>
-          </a:p>
-        </p:txBody>
-      </p:sp>
-      <p:sp>
-        <p:nvSpPr>
-          <p:cNvPr id="40" name="CaixaDeTexto 39"/>
-          <p:cNvSpPr txBox="1"/>
-          <p:nvPr/>
-        </p:nvSpPr>
-        <p:spPr>
-          <a:xfrm>
-            <a:off x="1146749" y="487727"/>
-            <a:ext cx="4578359" cy="646331"/>
-          </a:xfrm>
-          <a:prstGeom prst="rect">
-            <a:avLst/>
-          </a:prstGeom>
-          <a:noFill/>
-        </p:spPr>
-        <p:txBody>
-          <a:bodyPr wrap="square" rtlCol="0">
-            <a:spAutoFit/>
+          <p:cNvPr id="2" name="Título 1"/>
+          <p:cNvSpPr>
+            <a:spLocks noGrp="1"/>
+          </p:cNvSpPr>
+          <p:nvPr>
+            <p:ph type="title"/>
+          </p:nvPr>
+        </p:nvSpPr>
+        <p:spPr/>
+        <p:txBody>
+          <a:bodyPr>
+            <a:normAutofit/>
           </a:bodyPr>
           <a:lstStyle/>
           <a:p>
             <a:r>
-              <a:rPr lang="pt-BR" sz="3600" dirty="0">
-                <a:solidFill>
-                  <a:schemeClr val="bg1"/>
-                </a:solidFill>
-                <a:latin typeface="Bahnschrift" panose="020B0502040204020203" pitchFamily="34" charset="0"/>
-              </a:rPr>
-              <a:t>TELA DE ESPERA</a:t>
+              <a:rPr lang="pt-BR" sz="3200" dirty="0"/>
+              <a:t>Tabela de Elementos – Tela </a:t>
             </a:r>
-          </a:p>
-        </p:txBody>
-      </p:sp>
-      <p:grpSp>
-        <p:nvGrpSpPr>
-          <p:cNvPr id="47" name="Grupo 46"/>
-          <p:cNvGrpSpPr/>
-          <p:nvPr/>
-        </p:nvGrpSpPr>
-        <p:grpSpPr>
-          <a:xfrm>
-            <a:off x="1711215" y="1429557"/>
-            <a:ext cx="8104155" cy="4773631"/>
-            <a:chOff x="3303102" y="1578846"/>
-            <a:chExt cx="7132734" cy="4364070"/>
-          </a:xfrm>
-        </p:grpSpPr>
-        <p:sp>
-          <p:nvSpPr>
-            <p:cNvPr id="50" name="Retângulo 49"/>
-            <p:cNvSpPr/>
-            <p:nvPr/>
-          </p:nvSpPr>
-          <p:spPr>
-            <a:xfrm>
-              <a:off x="3303102" y="1578846"/>
-              <a:ext cx="7132734" cy="4364070"/>
-            </a:xfrm>
-            <a:prstGeom prst="rect">
-              <a:avLst/>
-            </a:prstGeom>
-            <a:solidFill>
-              <a:srgbClr val="8DBA62"/>
-            </a:solidFill>
-            <a:ln>
-              <a:solidFill>
-                <a:srgbClr val="8DBA62"/>
-              </a:solidFill>
-            </a:ln>
-          </p:spPr>
-          <p:style>
-            <a:lnRef idx="2">
-              <a:schemeClr val="accent1">
-                <a:shade val="50000"/>
-              </a:schemeClr>
-            </a:lnRef>
-            <a:fillRef idx="1">
-              <a:schemeClr val="accent1"/>
-            </a:fillRef>
-            <a:effectRef idx="0">
-              <a:schemeClr val="accent1"/>
-            </a:effectRef>
-            <a:fontRef idx="minor">
-              <a:schemeClr val="lt1"/>
-            </a:fontRef>
-          </p:style>
-          <p:txBody>
-            <a:bodyPr rtlCol="0" anchor="ctr"/>
-            <a:lstStyle/>
-            <a:p>
-              <a:pPr algn="ctr"/>
-              <a:endParaRPr lang="pt-BR"/>
-            </a:p>
-          </p:txBody>
-        </p:sp>
-        <p:sp>
-          <p:nvSpPr>
-            <p:cNvPr id="58" name="Retângulo de cantos arredondados 57"/>
-            <p:cNvSpPr/>
-            <p:nvPr/>
-          </p:nvSpPr>
-          <p:spPr>
-            <a:xfrm>
-              <a:off x="3400023" y="1674254"/>
-              <a:ext cx="6941711" cy="4172754"/>
-            </a:xfrm>
-            <a:prstGeom prst="roundRect">
-              <a:avLst>
-                <a:gd name="adj" fmla="val 0"/>
-              </a:avLst>
-            </a:prstGeom>
-            <a:solidFill>
-              <a:srgbClr val="FDEBC7"/>
-            </a:solidFill>
-            <a:ln>
-              <a:solidFill>
-                <a:srgbClr val="8DBA62"/>
-              </a:solidFill>
-            </a:ln>
-          </p:spPr>
-          <p:style>
-            <a:lnRef idx="2">
-              <a:schemeClr val="accent6"/>
-            </a:lnRef>
-            <a:fillRef idx="1">
-              <a:schemeClr val="lt1"/>
-            </a:fillRef>
-            <a:effectRef idx="0">
-              <a:schemeClr val="accent6"/>
-            </a:effectRef>
-            <a:fontRef idx="minor">
-              <a:schemeClr val="dk1"/>
-            </a:fontRef>
-          </p:style>
-          <p:txBody>
-            <a:bodyPr rtlCol="0" anchor="ctr"/>
-            <a:lstStyle/>
-            <a:p>
-              <a:pPr algn="ctr"/>
-              <a:endParaRPr lang="pt-BR"/>
-            </a:p>
-          </p:txBody>
-        </p:sp>
-      </p:grpSp>
-      <p:sp>
-        <p:nvSpPr>
-          <p:cNvPr id="11" name="Retângulo 10"/>
-          <p:cNvSpPr/>
-          <p:nvPr/>
-        </p:nvSpPr>
-        <p:spPr>
-          <a:xfrm>
-            <a:off x="4275782" y="5114216"/>
-            <a:ext cx="2975020" cy="378657"/>
-          </a:xfrm>
-          <a:prstGeom prst="rect">
-            <a:avLst/>
-          </a:prstGeom>
-          <a:solidFill>
-            <a:srgbClr val="73D54A"/>
-          </a:solidFill>
-          <a:ln>
-            <a:solidFill>
-              <a:srgbClr val="73D54A"/>
-            </a:solidFill>
-          </a:ln>
-          <a:effectLst>
-            <a:outerShdw blurRad="50800" dist="38100" dir="2700000" algn="tl" rotWithShape="0">
-              <a:prstClr val="black">
-                <a:alpha val="40000"/>
-              </a:prstClr>
-            </a:outerShdw>
-            <a:softEdge rad="0"/>
-          </a:effectLst>
-        </p:spPr>
-        <p:style>
-          <a:lnRef idx="2">
-            <a:schemeClr val="accent1">
-              <a:shade val="50000"/>
-            </a:schemeClr>
-          </a:lnRef>
-          <a:fillRef idx="1">
-            <a:schemeClr val="accent1"/>
-          </a:fillRef>
-          <a:effectRef idx="0">
-            <a:schemeClr val="accent1"/>
-          </a:effectRef>
-          <a:fontRef idx="minor">
-            <a:schemeClr val="lt1"/>
-          </a:fontRef>
-        </p:style>
-        <p:txBody>
-          <a:bodyPr rtlCol="0" anchor="ctr"/>
-          <a:lstStyle/>
-          <a:p>
-            <a:pPr algn="ctr"/>
             <a:r>
-              <a:rPr lang="pt-BR" dirty="0"/>
-              <a:t>Pronto !</a:t>
+              <a:rPr lang="pt-BR" sz="3200" dirty="0" smtClean="0"/>
+              <a:t>de Espera</a:t>
             </a:r>
-          </a:p>
-        </p:txBody>
-      </p:sp>
-      <p:pic>
-        <p:nvPicPr>
-          <p:cNvPr id="2" name="Imagem 1"/>
-          <p:cNvPicPr>
-            <a:picLocks noChangeAspect="1"/>
-          </p:cNvPicPr>
-          <p:nvPr/>
-        </p:nvPicPr>
-        <p:blipFill>
-          <a:blip r:embed="rId2">
-            <a:extLst>
-              <a:ext uri="{28A0092B-C50C-407E-A947-70E740481C1C}">
-                <a14:useLocalDpi xmlns:a14="http://schemas.microsoft.com/office/drawing/2010/main" val="0"/>
-              </a:ext>
-            </a:extLst>
-          </a:blip>
-          <a:stretch>
-            <a:fillRect/>
-          </a:stretch>
-        </p:blipFill>
-        <p:spPr>
-          <a:xfrm>
-            <a:off x="3648902" y="1915586"/>
-            <a:ext cx="3962511" cy="2971883"/>
-          </a:xfrm>
-          <a:prstGeom prst="rect">
-            <a:avLst/>
-          </a:prstGeom>
-        </p:spPr>
-      </p:pic>
+            <a:endParaRPr lang="pt-BR" sz="3200" dirty="0"/>
+          </a:p>
+        </p:txBody>
+      </p:sp>
+      <p:graphicFrame>
+        <p:nvGraphicFramePr>
+          <p:cNvPr id="4" name="Espaço Reservado para Conteúdo 3"/>
+          <p:cNvGraphicFramePr>
+            <a:graphicFrameLocks noGrp="1"/>
+          </p:cNvGraphicFramePr>
+          <p:nvPr>
+            <p:ph idx="1"/>
+            <p:extLst>
+              <p:ext uri="{D42A27DB-BD31-4B8C-83A1-F6EECF244321}">
+                <p14:modId xmlns:p14="http://schemas.microsoft.com/office/powerpoint/2010/main" val="4121754485"/>
+              </p:ext>
+            </p:extLst>
+          </p:nvPr>
+        </p:nvGraphicFramePr>
+        <p:xfrm>
+          <a:off x="838200" y="2250626"/>
+          <a:ext cx="9155806" cy="1806218"/>
+        </p:xfrm>
+        <a:graphic>
+          <a:graphicData uri="http://schemas.openxmlformats.org/drawingml/2006/table">
+            <a:tbl>
+              <a:tblPr firstRow="1" bandRow="1">
+                <a:tableStyleId>{93296810-A885-4BE3-A3E7-6D5BEEA58F35}</a:tableStyleId>
+              </a:tblPr>
+              <a:tblGrid>
+                <a:gridCol w="586838">
+                  <a:extLst>
+                    <a:ext uri="{9D8B030D-6E8A-4147-A177-3AD203B41FA5}">
+                      <a16:colId xmlns:a16="http://schemas.microsoft.com/office/drawing/2014/main" xmlns="" val="20000"/>
+                    </a:ext>
+                  </a:extLst>
+                </a:gridCol>
+                <a:gridCol w="1679832">
+                  <a:extLst>
+                    <a:ext uri="{9D8B030D-6E8A-4147-A177-3AD203B41FA5}">
+                      <a16:colId xmlns:a16="http://schemas.microsoft.com/office/drawing/2014/main" xmlns="" val="20001"/>
+                    </a:ext>
+                  </a:extLst>
+                </a:gridCol>
+                <a:gridCol w="2090660">
+                  <a:extLst>
+                    <a:ext uri="{9D8B030D-6E8A-4147-A177-3AD203B41FA5}">
+                      <a16:colId xmlns:a16="http://schemas.microsoft.com/office/drawing/2014/main" xmlns="" val="20002"/>
+                    </a:ext>
+                  </a:extLst>
+                </a:gridCol>
+                <a:gridCol w="2209822">
+                  <a:extLst>
+                    <a:ext uri="{9D8B030D-6E8A-4147-A177-3AD203B41FA5}">
+                      <a16:colId xmlns:a16="http://schemas.microsoft.com/office/drawing/2014/main" xmlns="" val="20003"/>
+                    </a:ext>
+                  </a:extLst>
+                </a:gridCol>
+                <a:gridCol w="2588654">
+                  <a:extLst>
+                    <a:ext uri="{9D8B030D-6E8A-4147-A177-3AD203B41FA5}">
+                      <a16:colId xmlns:a16="http://schemas.microsoft.com/office/drawing/2014/main" xmlns="" val="20004"/>
+                    </a:ext>
+                  </a:extLst>
+                </a:gridCol>
+              </a:tblGrid>
+              <a:tr h="445909">
+                <a:tc>
+                  <a:txBody>
+                    <a:bodyPr/>
+                    <a:lstStyle/>
+                    <a:p>
+                      <a:endParaRPr lang="pt-BR" dirty="0"/>
+                    </a:p>
+                  </a:txBody>
+                  <a:tcPr/>
+                </a:tc>
+                <a:tc>
+                  <a:txBody>
+                    <a:bodyPr/>
+                    <a:lstStyle/>
+                    <a:p>
+                      <a:r>
+                        <a:rPr lang="pt-BR" dirty="0"/>
+                        <a:t>Nome Campo</a:t>
+                      </a:r>
+                    </a:p>
+                  </a:txBody>
+                  <a:tcPr/>
+                </a:tc>
+                <a:tc>
+                  <a:txBody>
+                    <a:bodyPr/>
+                    <a:lstStyle/>
+                    <a:p>
+                      <a:r>
+                        <a:rPr lang="pt-BR" dirty="0"/>
+                        <a:t>Origem</a:t>
+                      </a:r>
+                    </a:p>
+                  </a:txBody>
+                  <a:tcPr/>
+                </a:tc>
+                <a:tc>
+                  <a:txBody>
+                    <a:bodyPr/>
+                    <a:lstStyle/>
+                    <a:p>
+                      <a:r>
+                        <a:rPr lang="pt-BR" dirty="0"/>
+                        <a:t>Tipo</a:t>
+                      </a:r>
+                    </a:p>
+                  </a:txBody>
+                  <a:tcPr/>
+                </a:tc>
+                <a:tc>
+                  <a:txBody>
+                    <a:bodyPr/>
+                    <a:lstStyle/>
+                    <a:p>
+                      <a:r>
+                        <a:rPr lang="pt-BR" dirty="0"/>
+                        <a:t>Função</a:t>
+                      </a:r>
+                    </a:p>
+                  </a:txBody>
+                  <a:tcPr/>
+                </a:tc>
+                <a:extLst>
+                  <a:ext uri="{0D108BD9-81ED-4DB2-BD59-A6C34878D82A}">
+                    <a16:rowId xmlns:a16="http://schemas.microsoft.com/office/drawing/2014/main" xmlns="" val="10000"/>
+                  </a:ext>
+                </a:extLst>
+              </a:tr>
+              <a:tr h="445909">
+                <a:tc>
+                  <a:txBody>
+                    <a:bodyPr/>
+                    <a:lstStyle/>
+                    <a:p>
+                      <a:r>
+                        <a:rPr lang="pt-BR" dirty="0"/>
+                        <a:t>0</a:t>
+                      </a:r>
+                    </a:p>
+                  </a:txBody>
+                  <a:tcPr/>
+                </a:tc>
+                <a:tc>
+                  <a:txBody>
+                    <a:bodyPr/>
+                    <a:lstStyle/>
+                    <a:p>
+                      <a:r>
+                        <a:rPr lang="pt-BR" dirty="0" smtClean="0"/>
+                        <a:t>Pronto</a:t>
+                      </a:r>
+                      <a:endParaRPr lang="pt-BR" dirty="0"/>
+                    </a:p>
+                  </a:txBody>
+                  <a:tcPr/>
+                </a:tc>
+                <a:tc>
+                  <a:txBody>
+                    <a:bodyPr/>
+                    <a:lstStyle/>
+                    <a:p>
+                      <a:endParaRPr lang="pt-BR" dirty="0"/>
+                    </a:p>
+                  </a:txBody>
+                  <a:tcPr/>
+                </a:tc>
+                <a:tc>
+                  <a:txBody>
+                    <a:bodyPr/>
+                    <a:lstStyle/>
+                    <a:p>
+                      <a:r>
+                        <a:rPr lang="pt-BR" dirty="0" smtClean="0"/>
+                        <a:t>Botão</a:t>
+                      </a:r>
+                      <a:endParaRPr lang="pt-BR" dirty="0"/>
+                    </a:p>
+                  </a:txBody>
+                  <a:tcPr/>
+                </a:tc>
+                <a:tc>
+                  <a:txBody>
+                    <a:bodyPr/>
+                    <a:lstStyle/>
+                    <a:p>
+                      <a:r>
+                        <a:rPr lang="pt-BR" dirty="0" smtClean="0"/>
+                        <a:t>Valida</a:t>
+                      </a:r>
+                      <a:r>
+                        <a:rPr lang="pt-BR" baseline="0" dirty="0" smtClean="0"/>
+                        <a:t> código de acesso e direciona para o primeiro jogo</a:t>
+                      </a:r>
+                      <a:endParaRPr lang="pt-BR" dirty="0"/>
+                    </a:p>
+                  </a:txBody>
+                  <a:tcPr/>
+                </a:tc>
+                <a:extLst>
+                  <a:ext uri="{0D108BD9-81ED-4DB2-BD59-A6C34878D82A}">
+                    <a16:rowId xmlns:a16="http://schemas.microsoft.com/office/drawing/2014/main" xmlns="" val="10001"/>
+                  </a:ext>
+                </a:extLst>
+              </a:tr>
+              <a:tr h="445909">
+                <a:tc>
+                  <a:txBody>
+                    <a:bodyPr/>
+                    <a:lstStyle/>
+                    <a:p>
+                      <a:endParaRPr lang="pt-BR" dirty="0"/>
+                    </a:p>
+                  </a:txBody>
+                  <a:tcPr/>
+                </a:tc>
+                <a:tc>
+                  <a:txBody>
+                    <a:bodyPr/>
+                    <a:lstStyle/>
+                    <a:p>
+                      <a:endParaRPr lang="pt-BR" dirty="0"/>
+                    </a:p>
+                  </a:txBody>
+                  <a:tcPr/>
+                </a:tc>
+                <a:tc>
+                  <a:txBody>
+                    <a:bodyPr/>
+                    <a:lstStyle/>
+                    <a:p>
+                      <a:endParaRPr lang="pt-BR" dirty="0"/>
+                    </a:p>
+                  </a:txBody>
+                  <a:tcPr/>
+                </a:tc>
+                <a:tc>
+                  <a:txBody>
+                    <a:bodyPr/>
+                    <a:lstStyle/>
+                    <a:p>
+                      <a:endParaRPr lang="pt-BR" dirty="0"/>
+                    </a:p>
+                  </a:txBody>
+                  <a:tcPr/>
+                </a:tc>
+                <a:tc>
+                  <a:txBody>
+                    <a:bodyPr/>
+                    <a:lstStyle/>
+                    <a:p>
+                      <a:endParaRPr lang="pt-BR" dirty="0"/>
+                    </a:p>
+                  </a:txBody>
+                  <a:tcPr/>
+                </a:tc>
+                <a:extLst>
+                  <a:ext uri="{0D108BD9-81ED-4DB2-BD59-A6C34878D82A}">
+                    <a16:rowId xmlns:a16="http://schemas.microsoft.com/office/drawing/2014/main" xmlns="" val="10002"/>
+                  </a:ext>
+                </a:extLst>
+              </a:tr>
+            </a:tbl>
+          </a:graphicData>
+        </a:graphic>
+      </p:graphicFrame>
     </p:spTree>
     <p:extLst>
       <p:ext uri="{BB962C8B-B14F-4D97-AF65-F5344CB8AC3E}">
-        <p14:creationId xmlns:p14="http://schemas.microsoft.com/office/powerpoint/2010/main" val="1861770829"/>
+        <p14:creationId xmlns:p14="http://schemas.microsoft.com/office/powerpoint/2010/main" val="676904290"/>
       </p:ext>
     </p:extLst>
   </p:cSld>
@@ -23058,35 +21006,35 @@
                 <a:gridCol w="554127">
                   <a:extLst>
                     <a:ext uri="{9D8B030D-6E8A-4147-A177-3AD203B41FA5}">
-                      <a16:colId xmlns:a16="http://schemas.microsoft.com/office/drawing/2014/main" val="20000"/>
+                      <a16:colId xmlns:a16="http://schemas.microsoft.com/office/drawing/2014/main" xmlns="" val="20000"/>
                     </a:ext>
                   </a:extLst>
                 </a:gridCol>
                 <a:gridCol w="1586198">
                   <a:extLst>
                     <a:ext uri="{9D8B030D-6E8A-4147-A177-3AD203B41FA5}">
-                      <a16:colId xmlns:a16="http://schemas.microsoft.com/office/drawing/2014/main" val="20001"/>
+                      <a16:colId xmlns:a16="http://schemas.microsoft.com/office/drawing/2014/main" xmlns="" val="20001"/>
                     </a:ext>
                   </a:extLst>
                 </a:gridCol>
                 <a:gridCol w="1695590">
                   <a:extLst>
                     <a:ext uri="{9D8B030D-6E8A-4147-A177-3AD203B41FA5}">
-                      <a16:colId xmlns:a16="http://schemas.microsoft.com/office/drawing/2014/main" val="20002"/>
+                      <a16:colId xmlns:a16="http://schemas.microsoft.com/office/drawing/2014/main" xmlns="" val="20002"/>
                     </a:ext>
                   </a:extLst>
                 </a:gridCol>
                 <a:gridCol w="2544035">
                   <a:extLst>
                     <a:ext uri="{9D8B030D-6E8A-4147-A177-3AD203B41FA5}">
-                      <a16:colId xmlns:a16="http://schemas.microsoft.com/office/drawing/2014/main" val="20003"/>
+                      <a16:colId xmlns:a16="http://schemas.microsoft.com/office/drawing/2014/main" xmlns="" val="20003"/>
                     </a:ext>
                   </a:extLst>
                 </a:gridCol>
                 <a:gridCol w="2544035">
                   <a:extLst>
                     <a:ext uri="{9D8B030D-6E8A-4147-A177-3AD203B41FA5}">
-                      <a16:colId xmlns:a16="http://schemas.microsoft.com/office/drawing/2014/main" val="20004"/>
+                      <a16:colId xmlns:a16="http://schemas.microsoft.com/office/drawing/2014/main" xmlns="" val="20004"/>
                     </a:ext>
                   </a:extLst>
                 </a:gridCol>
@@ -23156,7 +21104,7 @@
                 </a:tc>
                 <a:extLst>
                   <a:ext uri="{0D108BD9-81ED-4DB2-BD59-A6C34878D82A}">
-                    <a16:rowId xmlns:a16="http://schemas.microsoft.com/office/drawing/2014/main" val="10000"/>
+                    <a16:rowId xmlns:a16="http://schemas.microsoft.com/office/drawing/2014/main" xmlns="" val="10000"/>
                   </a:ext>
                 </a:extLst>
               </a:tr>
@@ -23227,7 +21175,7 @@
                 </a:tc>
                 <a:extLst>
                   <a:ext uri="{0D108BD9-81ED-4DB2-BD59-A6C34878D82A}">
-                    <a16:rowId xmlns:a16="http://schemas.microsoft.com/office/drawing/2014/main" val="10001"/>
+                    <a16:rowId xmlns:a16="http://schemas.microsoft.com/office/drawing/2014/main" xmlns="" val="10001"/>
                   </a:ext>
                 </a:extLst>
               </a:tr>
@@ -23297,7 +21245,7 @@
                 </a:tc>
                 <a:extLst>
                   <a:ext uri="{0D108BD9-81ED-4DB2-BD59-A6C34878D82A}">
-                    <a16:rowId xmlns:a16="http://schemas.microsoft.com/office/drawing/2014/main" val="10002"/>
+                    <a16:rowId xmlns:a16="http://schemas.microsoft.com/office/drawing/2014/main" xmlns="" val="10002"/>
                   </a:ext>
                 </a:extLst>
               </a:tr>
@@ -23366,7 +21314,7 @@
                 </a:tc>
                 <a:extLst>
                   <a:ext uri="{0D108BD9-81ED-4DB2-BD59-A6C34878D82A}">
-                    <a16:rowId xmlns:a16="http://schemas.microsoft.com/office/drawing/2014/main" val="10003"/>
+                    <a16:rowId xmlns:a16="http://schemas.microsoft.com/office/drawing/2014/main" xmlns="" val="10003"/>
                   </a:ext>
                 </a:extLst>
               </a:tr>
@@ -24127,35 +22075,35 @@
                 <a:gridCol w="578919">
                   <a:extLst>
                     <a:ext uri="{9D8B030D-6E8A-4147-A177-3AD203B41FA5}">
-                      <a16:colId xmlns:a16="http://schemas.microsoft.com/office/drawing/2014/main" val="20000"/>
+                      <a16:colId xmlns:a16="http://schemas.microsoft.com/office/drawing/2014/main" xmlns="" val="20000"/>
                     </a:ext>
                   </a:extLst>
                 </a:gridCol>
                 <a:gridCol w="1657161">
                   <a:extLst>
                     <a:ext uri="{9D8B030D-6E8A-4147-A177-3AD203B41FA5}">
-                      <a16:colId xmlns:a16="http://schemas.microsoft.com/office/drawing/2014/main" val="20001"/>
+                      <a16:colId xmlns:a16="http://schemas.microsoft.com/office/drawing/2014/main" xmlns="" val="20001"/>
                     </a:ext>
                   </a:extLst>
                 </a:gridCol>
                 <a:gridCol w="1771448">
                   <a:extLst>
                     <a:ext uri="{9D8B030D-6E8A-4147-A177-3AD203B41FA5}">
-                      <a16:colId xmlns:a16="http://schemas.microsoft.com/office/drawing/2014/main" val="20002"/>
+                      <a16:colId xmlns:a16="http://schemas.microsoft.com/office/drawing/2014/main" xmlns="" val="20002"/>
                     </a:ext>
                   </a:extLst>
                 </a:gridCol>
                 <a:gridCol w="2657852">
                   <a:extLst>
                     <a:ext uri="{9D8B030D-6E8A-4147-A177-3AD203B41FA5}">
-                      <a16:colId xmlns:a16="http://schemas.microsoft.com/office/drawing/2014/main" val="20003"/>
+                      <a16:colId xmlns:a16="http://schemas.microsoft.com/office/drawing/2014/main" xmlns="" val="20003"/>
                     </a:ext>
                   </a:extLst>
                 </a:gridCol>
                 <a:gridCol w="2657852">
                   <a:extLst>
                     <a:ext uri="{9D8B030D-6E8A-4147-A177-3AD203B41FA5}">
-                      <a16:colId xmlns:a16="http://schemas.microsoft.com/office/drawing/2014/main" val="20004"/>
+                      <a16:colId xmlns:a16="http://schemas.microsoft.com/office/drawing/2014/main" xmlns="" val="20004"/>
                     </a:ext>
                   </a:extLst>
                 </a:gridCol>
@@ -24225,7 +22173,7 @@
                 </a:tc>
                 <a:extLst>
                   <a:ext uri="{0D108BD9-81ED-4DB2-BD59-A6C34878D82A}">
-                    <a16:rowId xmlns:a16="http://schemas.microsoft.com/office/drawing/2014/main" val="10000"/>
+                    <a16:rowId xmlns:a16="http://schemas.microsoft.com/office/drawing/2014/main" xmlns="" val="10000"/>
                   </a:ext>
                 </a:extLst>
               </a:tr>
@@ -24296,7 +22244,7 @@
                 </a:tc>
                 <a:extLst>
                   <a:ext uri="{0D108BD9-81ED-4DB2-BD59-A6C34878D82A}">
-                    <a16:rowId xmlns:a16="http://schemas.microsoft.com/office/drawing/2014/main" val="10001"/>
+                    <a16:rowId xmlns:a16="http://schemas.microsoft.com/office/drawing/2014/main" xmlns="" val="10001"/>
                   </a:ext>
                 </a:extLst>
               </a:tr>
@@ -24366,7 +22314,7 @@
                 </a:tc>
                 <a:extLst>
                   <a:ext uri="{0D108BD9-81ED-4DB2-BD59-A6C34878D82A}">
-                    <a16:rowId xmlns:a16="http://schemas.microsoft.com/office/drawing/2014/main" val="10002"/>
+                    <a16:rowId xmlns:a16="http://schemas.microsoft.com/office/drawing/2014/main" xmlns="" val="10002"/>
                   </a:ext>
                 </a:extLst>
               </a:tr>
@@ -24455,7 +22403,7 @@
                 </a:tc>
                 <a:extLst>
                   <a:ext uri="{0D108BD9-81ED-4DB2-BD59-A6C34878D82A}">
-                    <a16:rowId xmlns:a16="http://schemas.microsoft.com/office/drawing/2014/main" val="10003"/>
+                    <a16:rowId xmlns:a16="http://schemas.microsoft.com/office/drawing/2014/main" xmlns="" val="10003"/>
                   </a:ext>
                 </a:extLst>
               </a:tr>
@@ -24529,7 +22477,7 @@
                 </a:tc>
                 <a:extLst>
                   <a:ext uri="{0D108BD9-81ED-4DB2-BD59-A6C34878D82A}">
-                    <a16:rowId xmlns:a16="http://schemas.microsoft.com/office/drawing/2014/main" val="10004"/>
+                    <a16:rowId xmlns:a16="http://schemas.microsoft.com/office/drawing/2014/main" xmlns="" val="10004"/>
                   </a:ext>
                 </a:extLst>
               </a:tr>
@@ -25321,35 +23269,35 @@
                 <a:gridCol w="542932">
                   <a:extLst>
                     <a:ext uri="{9D8B030D-6E8A-4147-A177-3AD203B41FA5}">
-                      <a16:colId xmlns:a16="http://schemas.microsoft.com/office/drawing/2014/main" val="20000"/>
+                      <a16:colId xmlns:a16="http://schemas.microsoft.com/office/drawing/2014/main" xmlns="" val="20000"/>
                     </a:ext>
                   </a:extLst>
                 </a:gridCol>
                 <a:gridCol w="1554149">
                   <a:extLst>
                     <a:ext uri="{9D8B030D-6E8A-4147-A177-3AD203B41FA5}">
-                      <a16:colId xmlns:a16="http://schemas.microsoft.com/office/drawing/2014/main" val="20001"/>
+                      <a16:colId xmlns:a16="http://schemas.microsoft.com/office/drawing/2014/main" xmlns="" val="20001"/>
                     </a:ext>
                   </a:extLst>
                 </a:gridCol>
                 <a:gridCol w="1661332">
                   <a:extLst>
                     <a:ext uri="{9D8B030D-6E8A-4147-A177-3AD203B41FA5}">
-                      <a16:colId xmlns:a16="http://schemas.microsoft.com/office/drawing/2014/main" val="20002"/>
+                      <a16:colId xmlns:a16="http://schemas.microsoft.com/office/drawing/2014/main" xmlns="" val="20002"/>
                     </a:ext>
                   </a:extLst>
                 </a:gridCol>
                 <a:gridCol w="2492635">
                   <a:extLst>
                     <a:ext uri="{9D8B030D-6E8A-4147-A177-3AD203B41FA5}">
-                      <a16:colId xmlns:a16="http://schemas.microsoft.com/office/drawing/2014/main" val="20003"/>
+                      <a16:colId xmlns:a16="http://schemas.microsoft.com/office/drawing/2014/main" xmlns="" val="20003"/>
                     </a:ext>
                   </a:extLst>
                 </a:gridCol>
                 <a:gridCol w="2492635">
                   <a:extLst>
                     <a:ext uri="{9D8B030D-6E8A-4147-A177-3AD203B41FA5}">
-                      <a16:colId xmlns:a16="http://schemas.microsoft.com/office/drawing/2014/main" val="20004"/>
+                      <a16:colId xmlns:a16="http://schemas.microsoft.com/office/drawing/2014/main" xmlns="" val="20004"/>
                     </a:ext>
                   </a:extLst>
                 </a:gridCol>
@@ -25419,7 +23367,7 @@
                 </a:tc>
                 <a:extLst>
                   <a:ext uri="{0D108BD9-81ED-4DB2-BD59-A6C34878D82A}">
-                    <a16:rowId xmlns:a16="http://schemas.microsoft.com/office/drawing/2014/main" val="10000"/>
+                    <a16:rowId xmlns:a16="http://schemas.microsoft.com/office/drawing/2014/main" xmlns="" val="10000"/>
                   </a:ext>
                 </a:extLst>
               </a:tr>
@@ -25490,7 +23438,7 @@
                 </a:tc>
                 <a:extLst>
                   <a:ext uri="{0D108BD9-81ED-4DB2-BD59-A6C34878D82A}">
-                    <a16:rowId xmlns:a16="http://schemas.microsoft.com/office/drawing/2014/main" val="10001"/>
+                    <a16:rowId xmlns:a16="http://schemas.microsoft.com/office/drawing/2014/main" xmlns="" val="10001"/>
                   </a:ext>
                 </a:extLst>
               </a:tr>
@@ -25560,7 +23508,7 @@
                 </a:tc>
                 <a:extLst>
                   <a:ext uri="{0D108BD9-81ED-4DB2-BD59-A6C34878D82A}">
-                    <a16:rowId xmlns:a16="http://schemas.microsoft.com/office/drawing/2014/main" val="10002"/>
+                    <a16:rowId xmlns:a16="http://schemas.microsoft.com/office/drawing/2014/main" xmlns="" val="10002"/>
                   </a:ext>
                 </a:extLst>
               </a:tr>
@@ -25630,7 +23578,7 @@
                 </a:tc>
                 <a:extLst>
                   <a:ext uri="{0D108BD9-81ED-4DB2-BD59-A6C34878D82A}">
-                    <a16:rowId xmlns:a16="http://schemas.microsoft.com/office/drawing/2014/main" val="10003"/>
+                    <a16:rowId xmlns:a16="http://schemas.microsoft.com/office/drawing/2014/main" xmlns="" val="10003"/>
                   </a:ext>
                 </a:extLst>
               </a:tr>
@@ -25699,7 +23647,7 @@
                 </a:tc>
                 <a:extLst>
                   <a:ext uri="{0D108BD9-81ED-4DB2-BD59-A6C34878D82A}">
-                    <a16:rowId xmlns:a16="http://schemas.microsoft.com/office/drawing/2014/main" val="10004"/>
+                    <a16:rowId xmlns:a16="http://schemas.microsoft.com/office/drawing/2014/main" xmlns="" val="10004"/>
                   </a:ext>
                 </a:extLst>
               </a:tr>
